--- a/MongoDB.pptx
+++ b/MongoDB.pptx
@@ -24,8 +24,8 @@
     <p:sldId id="265" r:id="rId15"/>
     <p:sldId id="267" r:id="rId16"/>
     <p:sldId id="266" r:id="rId17"/>
-    <p:sldId id="270" r:id="rId18"/>
-    <p:sldId id="298" r:id="rId19"/>
+    <p:sldId id="298" r:id="rId18"/>
+    <p:sldId id="270" r:id="rId19"/>
     <p:sldId id="273" r:id="rId20"/>
     <p:sldId id="299" r:id="rId21"/>
     <p:sldId id="275" r:id="rId22"/>
@@ -138,7 +138,7 @@
   </p:defaultTextStyle>
   <p:extLst>
     <p:ext uri="{EFAFB233-063F-42B5-8137-9DF3F51BA10A}">
-      <p15:sldGuideLst xmlns:p15="http://schemas.microsoft.com/office/powerpoint/2012/main" xmlns="">
+      <p15:sldGuideLst xmlns="" xmlns:p15="http://schemas.microsoft.com/office/powerpoint/2012/main">
         <p15:guide id="1" orient="horz" pos="2160">
           <p15:clr>
             <a:srgbClr val="A4A3A4"/>
@@ -237,7 +237,7 @@
           <a:p>
             <a:fld id="{0A0AACEF-20EC-449C-A177-7D7762A9081E}" type="datetimeFigureOut">
               <a:rPr lang="en-US" smtClean="0"/>
-              <a:t>6/16/17</a:t>
+              <a:t>6/19/2017</a:t>
             </a:fld>
             <a:endParaRPr lang="en-US"/>
           </a:p>
@@ -551,267 +551,14 @@
           <a:p>
             <a:r>
               <a:rPr lang="en-US" dirty="0" smtClean="0"/>
-              <a:t>NoSQL: flexible</a:t>
+              <a:t>What we are going to do today it take</a:t>
             </a:r>
             <a:r>
               <a:rPr lang="en-US" baseline="0" dirty="0" smtClean="0"/>
-              <a:t> schema, directly map to </a:t>
-            </a:r>
-            <a:r>
-              <a:rPr lang="en-US" baseline="0" dirty="0" err="1" smtClean="0"/>
-              <a:t>datastructures</a:t>
-            </a:r>
-            <a:r>
-              <a:rPr lang="en-US" baseline="0" dirty="0" smtClean="0"/>
-              <a:t>, support redundancy, scale up well </a:t>
-            </a:r>
-          </a:p>
-          <a:p>
-            <a:endParaRPr lang="en-US" baseline="0" dirty="0" smtClean="0"/>
-          </a:p>
-          <a:p>
-            <a:r>
-              <a:rPr lang="en-US" baseline="0" dirty="0" smtClean="0"/>
-              <a:t>High performance: MongoDB stores structures documents, not just columns.  Reads/writes by primary key on a table but with structure.</a:t>
-            </a:r>
-          </a:p>
-          <a:p>
-            <a:r>
-              <a:rPr lang="en-US" sz="1200" b="0" i="0" kern="1200" dirty="0" smtClean="0">
-                <a:solidFill>
-                  <a:schemeClr val="tx1"/>
-                </a:solidFill>
-                <a:effectLst/>
-                <a:latin typeface="+mn-lt"/>
-                <a:ea typeface="+mn-ea"/>
-                <a:cs typeface="+mn-cs"/>
-              </a:rPr>
-              <a:t>- Support for embedded data models reduces I/O activity on database system.</a:t>
-            </a:r>
-          </a:p>
-          <a:p>
-            <a:r>
-              <a:rPr lang="en-US" sz="1200" b="0" i="0" kern="1200" dirty="0" smtClean="0">
-                <a:solidFill>
-                  <a:schemeClr val="tx1"/>
-                </a:solidFill>
-                <a:effectLst/>
-                <a:latin typeface="+mn-lt"/>
-                <a:ea typeface="+mn-ea"/>
-                <a:cs typeface="+mn-cs"/>
-              </a:rPr>
-              <a:t>- Indexes support faster queries and can include keys from embedded documents and arrays.</a:t>
-            </a:r>
-          </a:p>
-          <a:p>
-            <a:endParaRPr lang="en-US" baseline="0" dirty="0" smtClean="0"/>
-          </a:p>
-          <a:p>
-            <a:r>
-              <a:rPr lang="en-US" baseline="0" dirty="0" smtClean="0"/>
-              <a:t>High availably: structured to replicate data and partition data across servers.</a:t>
-            </a:r>
-          </a:p>
-          <a:p>
-            <a:r>
-              <a:rPr lang="en-US" sz="1200" b="0" i="1" kern="1200" dirty="0" smtClean="0">
-                <a:solidFill>
-                  <a:schemeClr val="tx1"/>
-                </a:solidFill>
-                <a:effectLst/>
-                <a:latin typeface="+mn-lt"/>
-                <a:ea typeface="+mn-ea"/>
-                <a:cs typeface="+mn-cs"/>
-              </a:rPr>
-              <a:t>- automatic</a:t>
-            </a:r>
-            <a:r>
-              <a:rPr lang="en-US" sz="1200" b="0" i="0" kern="1200" dirty="0" smtClean="0">
-                <a:solidFill>
-                  <a:schemeClr val="tx1"/>
-                </a:solidFill>
-                <a:effectLst/>
-                <a:latin typeface="+mn-lt"/>
-                <a:ea typeface="+mn-ea"/>
-                <a:cs typeface="+mn-cs"/>
-              </a:rPr>
-              <a:t> failover and</a:t>
-            </a:r>
-          </a:p>
-          <a:p>
-            <a:r>
-              <a:rPr lang="en-US" sz="1200" b="0" i="0" kern="1200" dirty="0" smtClean="0">
-                <a:solidFill>
-                  <a:schemeClr val="tx1"/>
-                </a:solidFill>
-                <a:effectLst/>
-                <a:latin typeface="+mn-lt"/>
-                <a:ea typeface="+mn-ea"/>
-                <a:cs typeface="+mn-cs"/>
-              </a:rPr>
-              <a:t>- data redundancy.</a:t>
-            </a:r>
-          </a:p>
-          <a:p>
-            <a:endParaRPr lang="en-US" baseline="0" dirty="0" smtClean="0"/>
-          </a:p>
-          <a:p>
-            <a:r>
-              <a:rPr lang="en-US" baseline="0" dirty="0" smtClean="0"/>
-              <a:t>Horizontal scaling: documents can be partitioned between servers to distribute the load</a:t>
-            </a:r>
-          </a:p>
-          <a:p>
-            <a:r>
-              <a:rPr lang="en-US" sz="1200" b="0" i="0" u="none" strike="noStrike" kern="1200" dirty="0" smtClean="0">
-                <a:solidFill>
-                  <a:schemeClr val="tx1"/>
-                </a:solidFill>
-                <a:effectLst/>
-                <a:latin typeface="+mn-lt"/>
-                <a:ea typeface="+mn-ea"/>
-                <a:cs typeface="+mn-cs"/>
-                <a:hlinkClick r:id="rId3"/>
-              </a:rPr>
-              <a:t>- </a:t>
-            </a:r>
-            <a:r>
-              <a:rPr lang="en-US" sz="1200" b="0" i="0" u="none" strike="noStrike" kern="1200" dirty="0" err="1" smtClean="0">
-                <a:solidFill>
-                  <a:schemeClr val="tx1"/>
-                </a:solidFill>
-                <a:effectLst/>
-                <a:latin typeface="+mn-lt"/>
-                <a:ea typeface="+mn-ea"/>
-                <a:cs typeface="+mn-cs"/>
-                <a:hlinkClick r:id="rId3"/>
-              </a:rPr>
-              <a:t>Sharding</a:t>
-            </a:r>
-            <a:r>
-              <a:rPr lang="en-US" sz="1200" b="0" i="0" kern="1200" dirty="0" smtClean="0">
-                <a:solidFill>
-                  <a:schemeClr val="tx1"/>
-                </a:solidFill>
-                <a:effectLst/>
-                <a:latin typeface="+mn-lt"/>
-                <a:ea typeface="+mn-ea"/>
-                <a:cs typeface="+mn-cs"/>
-              </a:rPr>
-              <a:t> distributes data across a cluster of machines.</a:t>
-            </a:r>
-          </a:p>
-          <a:p>
-            <a:r>
-              <a:rPr lang="en-US" sz="1200" b="0" i="0" kern="1200" dirty="0" smtClean="0">
-                <a:solidFill>
-                  <a:schemeClr val="tx1"/>
-                </a:solidFill>
-                <a:effectLst/>
-                <a:latin typeface="+mn-lt"/>
-                <a:ea typeface="+mn-ea"/>
-                <a:cs typeface="+mn-cs"/>
-              </a:rPr>
-              <a:t>- MongoDB 3.4 supports creating </a:t>
-            </a:r>
-            <a:r>
-              <a:rPr lang="en-US" sz="1200" b="0" i="0" u="none" strike="noStrike" kern="1200" dirty="0" smtClean="0">
-                <a:solidFill>
-                  <a:schemeClr val="tx1"/>
-                </a:solidFill>
-                <a:effectLst/>
-                <a:latin typeface="+mn-lt"/>
-                <a:ea typeface="+mn-ea"/>
-                <a:cs typeface="+mn-cs"/>
-                <a:hlinkClick r:id="rId4"/>
-              </a:rPr>
-              <a:t>zones</a:t>
-            </a:r>
-            <a:r>
-              <a:rPr lang="en-US" sz="1200" b="0" i="0" kern="1200" dirty="0" smtClean="0">
-                <a:solidFill>
-                  <a:schemeClr val="tx1"/>
-                </a:solidFill>
-                <a:effectLst/>
-                <a:latin typeface="+mn-lt"/>
-                <a:ea typeface="+mn-ea"/>
-                <a:cs typeface="+mn-cs"/>
-              </a:rPr>
-              <a:t> of data based on the </a:t>
-            </a:r>
-            <a:r>
-              <a:rPr lang="en-US" sz="1200" b="0" i="0" u="none" strike="noStrike" kern="1200" dirty="0" smtClean="0">
-                <a:solidFill>
-                  <a:schemeClr val="tx1"/>
-                </a:solidFill>
-                <a:effectLst/>
-                <a:latin typeface="+mn-lt"/>
-                <a:ea typeface="+mn-ea"/>
-                <a:cs typeface="+mn-cs"/>
-                <a:hlinkClick r:id="rId5"/>
-              </a:rPr>
-              <a:t>shard key</a:t>
-            </a:r>
-            <a:r>
-              <a:rPr lang="en-US" sz="1200" b="0" i="0" kern="1200" dirty="0" smtClean="0">
-                <a:solidFill>
-                  <a:schemeClr val="tx1"/>
-                </a:solidFill>
-                <a:effectLst/>
-                <a:latin typeface="+mn-lt"/>
-                <a:ea typeface="+mn-ea"/>
-                <a:cs typeface="+mn-cs"/>
-              </a:rPr>
-              <a:t>. In a balanced cluster, MongoDB directs reads and writes covered by a zone only to those shards inside the zone. See the </a:t>
-            </a:r>
-            <a:r>
-              <a:rPr lang="en-US" sz="1200" b="0" i="0" u="none" strike="noStrike" kern="1200" dirty="0" smtClean="0">
-                <a:solidFill>
-                  <a:schemeClr val="tx1"/>
-                </a:solidFill>
-                <a:effectLst/>
-                <a:latin typeface="+mn-lt"/>
-                <a:ea typeface="+mn-ea"/>
-                <a:cs typeface="+mn-cs"/>
-                <a:hlinkClick r:id="rId4"/>
-              </a:rPr>
-              <a:t>Zones</a:t>
-            </a:r>
-            <a:r>
-              <a:rPr lang="en-US" sz="1200" b="0" i="0" kern="1200" dirty="0" smtClean="0">
-                <a:solidFill>
-                  <a:schemeClr val="tx1"/>
-                </a:solidFill>
-                <a:effectLst/>
-                <a:latin typeface="+mn-lt"/>
-                <a:ea typeface="+mn-ea"/>
-                <a:cs typeface="+mn-cs"/>
-              </a:rPr>
-              <a:t> manual page for more information.</a:t>
-            </a:r>
-          </a:p>
-          <a:p>
-            <a:endParaRPr lang="en-US" baseline="0" dirty="0" smtClean="0"/>
-          </a:p>
-          <a:p>
-            <a:r>
-              <a:rPr lang="en-US" baseline="0" dirty="0" smtClean="0"/>
-              <a:t>BSON: binary JSON.  Simple data structures, associative arrays (key/value pairs), binary objects, </a:t>
-            </a:r>
-            <a:r>
-              <a:rPr lang="en-US" baseline="0" dirty="0" err="1" smtClean="0"/>
-              <a:t>javascript</a:t>
-            </a:r>
-            <a:r>
-              <a:rPr lang="en-US" baseline="0" dirty="0" smtClean="0"/>
-              <a:t> objects, regex, MD5 binary data.</a:t>
-            </a:r>
-          </a:p>
-          <a:p>
-            <a:r>
-              <a:rPr lang="en-US" baseline="0" dirty="0" smtClean="0"/>
-              <a:t>- Max doc size 16 MB </a:t>
-            </a:r>
+              <a:t> an abbreviated tour of MongoDB.  Will spend a little time talking about what it is.  Then we will trying out some queries and updates, and finally we will take a very quick look at its use.</a:t>
+            </a:r>
+          </a:p>
+          <a:p>
             <a:endParaRPr lang="en-US" dirty="0"/>
           </a:p>
         </p:txBody>
@@ -833,7 +580,7 @@
           <a:p>
             <a:fld id="{7ECDF86E-C09E-4C73-8798-F0685C098AE7}" type="slidenum">
               <a:rPr lang="en-US" smtClean="0"/>
-              <a:t>2</a:t>
+              <a:t>1</a:t>
             </a:fld>
             <a:endParaRPr lang="en-US"/>
           </a:p>
@@ -842,7 +589,7 @@
     </p:spTree>
     <p:extLst>
       <p:ext uri="{BB962C8B-B14F-4D97-AF65-F5344CB8AC3E}">
-        <p14:creationId xmlns:p14="http://schemas.microsoft.com/office/powerpoint/2010/main" val="932072884"/>
+        <p14:creationId xmlns:p14="http://schemas.microsoft.com/office/powerpoint/2010/main" val="2509350951"/>
       </p:ext>
     </p:extLst>
   </p:cSld>
@@ -898,41 +645,32 @@
           <a:p>
             <a:r>
               <a:rPr lang="en-US" dirty="0" smtClean="0"/>
-              <a:t>Explain that mongo locally will have a server running and we communicate with the server using a shell.</a:t>
+              <a:t>Databases</a:t>
             </a:r>
             <a:r>
               <a:rPr lang="en-US" baseline="0" dirty="0" smtClean="0"/>
-              <a:t>  To see that everything is ok, open the shell and get the version.</a:t>
-            </a:r>
-            <a:endParaRPr lang="en-US" dirty="0" smtClean="0"/>
-          </a:p>
-          <a:p>
-            <a:endParaRPr lang="en-US" dirty="0" smtClean="0"/>
-          </a:p>
-          <a:p>
-            <a:r>
-              <a:rPr lang="en-US" dirty="0" smtClean="0"/>
-              <a:t>This belong</a:t>
-            </a:r>
+              <a:t> – like oracle instances</a:t>
+            </a:r>
+          </a:p>
+          <a:p>
             <a:r>
               <a:rPr lang="en-US" baseline="0" dirty="0" smtClean="0"/>
-              <a:t> in </a:t>
-            </a:r>
-            <a:r>
-              <a:rPr lang="en-US" baseline="0" dirty="0" err="1" smtClean="0"/>
-              <a:t>github</a:t>
-            </a:r>
+              <a:t>Collections – like tables</a:t>
+            </a:r>
+          </a:p>
+          <a:p>
             <a:r>
               <a:rPr lang="en-US" baseline="0" dirty="0" smtClean="0"/>
-              <a:t> or wiki.  Maybe have slides with info – let them get them get off </a:t>
-            </a:r>
-            <a:r>
-              <a:rPr lang="en-US" baseline="0" dirty="0" err="1" smtClean="0"/>
-              <a:t>dropbox</a:t>
-            </a:r>
+              <a:t>Collections – contain documents</a:t>
+            </a:r>
+          </a:p>
+          <a:p>
+            <a:endParaRPr lang="en-US" baseline="0" dirty="0" smtClean="0"/>
+          </a:p>
+          <a:p>
             <a:r>
               <a:rPr lang="en-US" baseline="0" dirty="0" smtClean="0"/>
-              <a:t> or email in advance since may know who signed up?</a:t>
+              <a:t>When you use a database or collection mongo will create them.</a:t>
             </a:r>
           </a:p>
           <a:p>
@@ -941,16 +679,7 @@
           <a:p>
             <a:r>
               <a:rPr lang="en-US" baseline="0" dirty="0" smtClean="0"/>
-              <a:t>Explain this slide and stop to make sure people are ready before you start demonstrating things…</a:t>
-            </a:r>
-          </a:p>
-          <a:p>
-            <a:endParaRPr lang="en-US" baseline="0" dirty="0" smtClean="0"/>
-          </a:p>
-          <a:p>
-            <a:r>
-              <a:rPr lang="en-US" baseline="0" dirty="0" smtClean="0"/>
-              <a:t>Go back and forth between slide and demo, finally do some exercises.</a:t>
+              <a:t>Go into shell and demo these.  Finally, “use movies”</a:t>
             </a:r>
           </a:p>
           <a:p>
@@ -978,7 +707,7 @@
           <a:p>
             <a:fld id="{7ECDF86E-C09E-4C73-8798-F0685C098AE7}" type="slidenum">
               <a:rPr lang="en-US" smtClean="0"/>
-              <a:t>11</a:t>
+              <a:t>10</a:t>
             </a:fld>
             <a:endParaRPr lang="en-US"/>
           </a:p>
@@ -987,7 +716,7 @@
     </p:spTree>
     <p:extLst>
       <p:ext uri="{BB962C8B-B14F-4D97-AF65-F5344CB8AC3E}">
-        <p14:creationId xmlns:p14="http://schemas.microsoft.com/office/powerpoint/2010/main" val="3883698302"/>
+        <p14:creationId xmlns:p14="http://schemas.microsoft.com/office/powerpoint/2010/main" val="1964589187"/>
       </p:ext>
     </p:extLst>
   </p:cSld>
@@ -1043,384 +772,63 @@
           <a:p>
             <a:r>
               <a:rPr lang="en-US" dirty="0" smtClean="0"/>
-              <a:t>Explain</a:t>
-            </a:r>
-          </a:p>
-          <a:p>
-            <a:pPr marL="171450" indent="-171450">
-              <a:buFontTx/>
-              <a:buChar char="-"/>
-            </a:pPr>
-            <a:r>
-              <a:rPr lang="en-US" dirty="0" smtClean="0"/>
-              <a:t>selector</a:t>
+              <a:t>Explain that mongo locally will have a server running and we communicate with the server using a shell.</a:t>
             </a:r>
             <a:r>
               <a:rPr lang="en-US" baseline="0" dirty="0" smtClean="0"/>
-              <a:t> and projection are JSON objects</a:t>
-            </a:r>
-          </a:p>
-          <a:p>
-            <a:pPr marL="171450" indent="-171450">
-              <a:buFontTx/>
-              <a:buChar char="-"/>
-            </a:pPr>
+              <a:t>  To see that everything is ok, open the shell and get the version.</a:t>
+            </a:r>
+            <a:endParaRPr lang="en-US" dirty="0" smtClean="0"/>
+          </a:p>
+          <a:p>
+            <a:endParaRPr lang="en-US" dirty="0" smtClean="0"/>
+          </a:p>
+          <a:p>
+            <a:r>
+              <a:rPr lang="en-US" dirty="0" smtClean="0"/>
+              <a:t>This belong</a:t>
+            </a:r>
             <a:r>
               <a:rPr lang="en-US" baseline="0" dirty="0" smtClean="0"/>
-              <a:t>Selector just matches documents.  In it’s simplest form it can be a key and value (we will see more complex selectors later)</a:t>
-            </a:r>
-          </a:p>
-          <a:p>
-            <a:pPr marL="171450" indent="-171450">
-              <a:buFontTx/>
-              <a:buChar char="-"/>
-            </a:pPr>
+              <a:t> in </a:t>
+            </a:r>
+            <a:r>
+              <a:rPr lang="en-US" baseline="0" dirty="0" err="1" smtClean="0"/>
+              <a:t>github</a:t>
+            </a:r>
             <a:r>
               <a:rPr lang="en-US" baseline="0" dirty="0" smtClean="0"/>
-              <a:t>If left off or you pass an empty document, it will return everything</a:t>
-            </a:r>
-          </a:p>
-          <a:p>
-            <a:pPr marL="171450" indent="-171450">
-              <a:buFontTx/>
-              <a:buChar char="-"/>
-            </a:pPr>
+              <a:t> or wiki.  Maybe have slides with info – let them get them get off </a:t>
+            </a:r>
+            <a:r>
+              <a:rPr lang="en-US" baseline="0" dirty="0" err="1" smtClean="0"/>
+              <a:t>dropbox</a:t>
+            </a:r>
             <a:r>
               <a:rPr lang="en-US" baseline="0" dirty="0" smtClean="0"/>
-              <a:t>Projection indicates what to return like selecting columns in a select.  </a:t>
-            </a:r>
-          </a:p>
-          <a:p>
-            <a:pPr marL="171450" indent="-171450">
-              <a:buFontTx/>
-              <a:buChar char="-"/>
-            </a:pPr>
+              <a:t> or email in advance since may know who signed up?</a:t>
+            </a:r>
+          </a:p>
+          <a:p>
+            <a:endParaRPr lang="en-US" baseline="0" dirty="0" smtClean="0"/>
+          </a:p>
+          <a:p>
             <a:r>
               <a:rPr lang="en-US" baseline="0" dirty="0" smtClean="0"/>
-              <a:t>Projection is key followed by 0 or 1.  1 displays, 0 removes.  Other than _id, you can’t mix 1’s and 0’s.</a:t>
-            </a:r>
-          </a:p>
-          <a:p>
-            <a:pPr marL="171450" indent="-171450">
-              <a:buFontTx/>
-              <a:buChar char="-"/>
-            </a:pPr>
+              <a:t>Explain this slide and stop to make sure people are ready before you start demonstrating things…</a:t>
+            </a:r>
+          </a:p>
+          <a:p>
             <a:endParaRPr lang="en-US" baseline="0" dirty="0" smtClean="0"/>
           </a:p>
           <a:p>
             <a:r>
-              <a:rPr lang="en-US" dirty="0" smtClean="0"/>
-              <a:t>Show: select</a:t>
-            </a:r>
-            <a:r>
               <a:rPr lang="en-US" baseline="0" dirty="0" smtClean="0"/>
-              <a:t> by </a:t>
-            </a:r>
-            <a:r>
-              <a:rPr lang="en-US" baseline="0" dirty="0" err="1" smtClean="0"/>
-              <a:t>imdbRating</a:t>
-            </a:r>
-            <a:r>
-              <a:rPr lang="en-US" baseline="0" dirty="0" smtClean="0"/>
-              <a:t> </a:t>
+              <a:t>Go back and forth between slide and demo, finally do some exercises.</a:t>
             </a:r>
           </a:p>
           <a:p>
             <a:endParaRPr lang="en-US" baseline="0" dirty="0" smtClean="0"/>
-          </a:p>
-          <a:p>
-            <a:r>
-              <a:rPr lang="en-US" baseline="0" dirty="0" err="1" smtClean="0"/>
-              <a:t>db.movies.find</a:t>
-            </a:r>
-            <a:r>
-              <a:rPr lang="en-US" baseline="0" dirty="0" smtClean="0"/>
-              <a:t>({</a:t>
-            </a:r>
-            <a:r>
-              <a:rPr lang="en-US" baseline="0" dirty="0" err="1" smtClean="0"/>
-              <a:t>imdbRating</a:t>
-            </a:r>
-            <a:r>
-              <a:rPr lang="en-US" baseline="0" dirty="0" smtClean="0"/>
-              <a:t>: 8}).pretty()</a:t>
-            </a:r>
-          </a:p>
-          <a:p>
-            <a:endParaRPr lang="en-US" baseline="0" dirty="0" smtClean="0"/>
-          </a:p>
-          <a:p>
-            <a:pPr marL="0" marR="0" indent="0" algn="l" defTabSz="914400" rtl="0" eaLnBrk="1" fontAlgn="auto" latinLnBrk="0" hangingPunct="1">
-              <a:lnSpc>
-                <a:spcPct val="100000"/>
-              </a:lnSpc>
-              <a:spcBef>
-                <a:spcPts val="0"/>
-              </a:spcBef>
-              <a:spcAft>
-                <a:spcPts val="0"/>
-              </a:spcAft>
-              <a:buClrTx/>
-              <a:buSzTx/>
-              <a:buFontTx/>
-              <a:buNone/>
-              <a:tabLst/>
-              <a:defRPr/>
-            </a:pPr>
-            <a:r>
-              <a:rPr lang="en-US" baseline="0" dirty="0" smtClean="0"/>
-              <a:t>And  then with pretty</a:t>
-            </a:r>
-          </a:p>
-          <a:p>
-            <a:pPr marL="0" marR="0" indent="0" algn="l" defTabSz="914400" rtl="0" eaLnBrk="1" fontAlgn="auto" latinLnBrk="0" hangingPunct="1">
-              <a:lnSpc>
-                <a:spcPct val="100000"/>
-              </a:lnSpc>
-              <a:spcBef>
-                <a:spcPts val="0"/>
-              </a:spcBef>
-              <a:spcAft>
-                <a:spcPts val="0"/>
-              </a:spcAft>
-              <a:buClrTx/>
-              <a:buSzTx/>
-              <a:buFontTx/>
-              <a:buNone/>
-              <a:tabLst/>
-              <a:defRPr/>
-            </a:pPr>
-            <a:r>
-              <a:rPr lang="en-US" baseline="0" dirty="0" err="1" smtClean="0"/>
-              <a:t>db.movies.find</a:t>
-            </a:r>
-            <a:r>
-              <a:rPr lang="en-US" baseline="0" dirty="0" smtClean="0"/>
-              <a:t>({</a:t>
-            </a:r>
-            <a:r>
-              <a:rPr lang="en-US" baseline="0" dirty="0" err="1" smtClean="0"/>
-              <a:t>imdbRating</a:t>
-            </a:r>
-            <a:r>
-              <a:rPr lang="en-US" baseline="0" dirty="0" smtClean="0"/>
-              <a:t>: 8}).pretty()</a:t>
-            </a:r>
-          </a:p>
-          <a:p>
-            <a:endParaRPr lang="en-US" baseline="0" dirty="0" smtClean="0"/>
-          </a:p>
-          <a:p>
-            <a:endParaRPr lang="en-US" baseline="0" dirty="0" smtClean="0"/>
-          </a:p>
-          <a:p>
-            <a:r>
-              <a:rPr lang="en-US" baseline="0" dirty="0" smtClean="0"/>
-              <a:t>Can use dot notation:</a:t>
-            </a:r>
-          </a:p>
-          <a:p>
-            <a:r>
-              <a:rPr lang="en-US" dirty="0" smtClean="0"/>
-              <a:t> </a:t>
-            </a:r>
-            <a:r>
-              <a:rPr lang="en-US" dirty="0" err="1" smtClean="0"/>
-              <a:t>db.movies.find</a:t>
-            </a:r>
-            <a:r>
-              <a:rPr lang="en-US" dirty="0" smtClean="0"/>
-              <a:t>({"</a:t>
-            </a:r>
-            <a:r>
-              <a:rPr lang="en-US" dirty="0" err="1" smtClean="0"/>
-              <a:t>details.rated</a:t>
-            </a:r>
-            <a:r>
-              <a:rPr lang="en-US" dirty="0" smtClean="0"/>
-              <a:t>": "PG"})</a:t>
-            </a:r>
-          </a:p>
-          <a:p>
-            <a:endParaRPr lang="en-US" dirty="0" smtClean="0"/>
-          </a:p>
-          <a:p>
-            <a:r>
-              <a:rPr lang="en-US" dirty="0" smtClean="0"/>
-              <a:t>Projection:</a:t>
-            </a:r>
-          </a:p>
-          <a:p>
-            <a:pPr marL="0" marR="0" indent="0" algn="l" defTabSz="914400" rtl="0" eaLnBrk="1" fontAlgn="auto" latinLnBrk="0" hangingPunct="1">
-              <a:lnSpc>
-                <a:spcPct val="100000"/>
-              </a:lnSpc>
-              <a:spcBef>
-                <a:spcPts val="0"/>
-              </a:spcBef>
-              <a:spcAft>
-                <a:spcPts val="0"/>
-              </a:spcAft>
-              <a:buClrTx/>
-              <a:buSzTx/>
-              <a:buFontTx/>
-              <a:buNone/>
-              <a:tabLst/>
-              <a:defRPr/>
-            </a:pPr>
-            <a:r>
-              <a:rPr lang="en-US" dirty="0" smtClean="0"/>
-              <a:t> </a:t>
-            </a:r>
-            <a:r>
-              <a:rPr lang="en-US" dirty="0" err="1" smtClean="0"/>
-              <a:t>db.movies.find</a:t>
-            </a:r>
-            <a:r>
-              <a:rPr lang="en-US" dirty="0" smtClean="0"/>
-              <a:t>({"</a:t>
-            </a:r>
-            <a:r>
-              <a:rPr lang="en-US" dirty="0" err="1" smtClean="0"/>
-              <a:t>details.rated</a:t>
-            </a:r>
-            <a:r>
-              <a:rPr lang="en-US" dirty="0" smtClean="0"/>
-              <a:t>": "PG"}, {title: 1})</a:t>
-            </a:r>
-          </a:p>
-          <a:p>
-            <a:pPr marL="0" marR="0" indent="0" algn="l" defTabSz="914400" rtl="0" eaLnBrk="1" fontAlgn="auto" latinLnBrk="0" hangingPunct="1">
-              <a:lnSpc>
-                <a:spcPct val="100000"/>
-              </a:lnSpc>
-              <a:spcBef>
-                <a:spcPts val="0"/>
-              </a:spcBef>
-              <a:spcAft>
-                <a:spcPts val="0"/>
-              </a:spcAft>
-              <a:buClrTx/>
-              <a:buSzTx/>
-              <a:buFontTx/>
-              <a:buNone/>
-              <a:tabLst/>
-              <a:defRPr/>
-            </a:pPr>
-            <a:endParaRPr lang="en-US" dirty="0" smtClean="0"/>
-          </a:p>
-          <a:p>
-            <a:pPr marL="0" marR="0" indent="0" algn="l" defTabSz="914400" rtl="0" eaLnBrk="1" fontAlgn="auto" latinLnBrk="0" hangingPunct="1">
-              <a:lnSpc>
-                <a:spcPct val="100000"/>
-              </a:lnSpc>
-              <a:spcBef>
-                <a:spcPts val="0"/>
-              </a:spcBef>
-              <a:spcAft>
-                <a:spcPts val="0"/>
-              </a:spcAft>
-              <a:buClrTx/>
-              <a:buSzTx/>
-              <a:buFontTx/>
-              <a:buNone/>
-              <a:tabLst/>
-              <a:defRPr/>
-            </a:pPr>
-            <a:r>
-              <a:rPr lang="en-US" dirty="0" smtClean="0"/>
-              <a:t>_id has to be removed explicitly</a:t>
-            </a:r>
-            <a:r>
-              <a:rPr lang="en-US" baseline="0" dirty="0" smtClean="0"/>
-              <a:t> since it is the primary key and is likely to be needed</a:t>
-            </a:r>
-          </a:p>
-          <a:p>
-            <a:pPr marL="0" marR="0" indent="0" algn="l" defTabSz="914400" rtl="0" eaLnBrk="1" fontAlgn="auto" latinLnBrk="0" hangingPunct="1">
-              <a:lnSpc>
-                <a:spcPct val="100000"/>
-              </a:lnSpc>
-              <a:spcBef>
-                <a:spcPts val="0"/>
-              </a:spcBef>
-              <a:spcAft>
-                <a:spcPts val="0"/>
-              </a:spcAft>
-              <a:buClrTx/>
-              <a:buSzTx/>
-              <a:buFontTx/>
-              <a:buNone/>
-              <a:tabLst/>
-              <a:defRPr/>
-            </a:pPr>
-            <a:r>
-              <a:rPr lang="en-US" dirty="0" smtClean="0"/>
-              <a:t> </a:t>
-            </a:r>
-            <a:r>
-              <a:rPr lang="en-US" dirty="0" err="1" smtClean="0"/>
-              <a:t>db.movies.find</a:t>
-            </a:r>
-            <a:r>
-              <a:rPr lang="en-US" dirty="0" smtClean="0"/>
-              <a:t>({"</a:t>
-            </a:r>
-            <a:r>
-              <a:rPr lang="en-US" dirty="0" err="1" smtClean="0"/>
-              <a:t>details.rated</a:t>
-            </a:r>
-            <a:r>
-              <a:rPr lang="en-US" dirty="0" smtClean="0"/>
-              <a:t>": "PG"}, {title: 1, _id: 0})</a:t>
-            </a:r>
-          </a:p>
-          <a:p>
-            <a:pPr marL="0" marR="0" indent="0" algn="l" defTabSz="914400" rtl="0" eaLnBrk="1" fontAlgn="auto" latinLnBrk="0" hangingPunct="1">
-              <a:lnSpc>
-                <a:spcPct val="100000"/>
-              </a:lnSpc>
-              <a:spcBef>
-                <a:spcPts val="0"/>
-              </a:spcBef>
-              <a:spcAft>
-                <a:spcPts val="0"/>
-              </a:spcAft>
-              <a:buClrTx/>
-              <a:buSzTx/>
-              <a:buFontTx/>
-              <a:buNone/>
-              <a:tabLst/>
-              <a:defRPr/>
-            </a:pPr>
-            <a:endParaRPr lang="en-US" dirty="0" smtClean="0"/>
-          </a:p>
-          <a:p>
-            <a:r>
-              <a:rPr lang="en-US" dirty="0" smtClean="0"/>
-              <a:t>Really</a:t>
-            </a:r>
-            <a:r>
-              <a:rPr lang="en-US" baseline="0" dirty="0" smtClean="0"/>
-              <a:t> cool: show that you can select from an array:</a:t>
-            </a:r>
-          </a:p>
-          <a:p>
-            <a:endParaRPr lang="en-US" baseline="0" dirty="0" smtClean="0"/>
-          </a:p>
-          <a:p>
-            <a:r>
-              <a:rPr lang="en-US" dirty="0" smtClean="0"/>
-              <a:t> </a:t>
-            </a:r>
-            <a:r>
-              <a:rPr lang="en-US" dirty="0" err="1" smtClean="0"/>
-              <a:t>db.movies.find</a:t>
-            </a:r>
-            <a:r>
-              <a:rPr lang="en-US" dirty="0" smtClean="0"/>
-              <a:t>({actors: "Samuel L. Jackson"}, {title: 1, actors: 1, _id: 0})</a:t>
-            </a:r>
           </a:p>
           <a:p>
             <a:endParaRPr lang="en-US" dirty="0"/>
@@ -1444,7 +852,7 @@
           <a:p>
             <a:fld id="{7ECDF86E-C09E-4C73-8798-F0685C098AE7}" type="slidenum">
               <a:rPr lang="en-US" smtClean="0"/>
-              <a:t>12</a:t>
+              <a:t>11</a:t>
             </a:fld>
             <a:endParaRPr lang="en-US"/>
           </a:p>
@@ -1453,7 +861,7 @@
     </p:spTree>
     <p:extLst>
       <p:ext uri="{BB962C8B-B14F-4D97-AF65-F5344CB8AC3E}">
-        <p14:creationId xmlns:p14="http://schemas.microsoft.com/office/powerpoint/2010/main" val="3077110623"/>
+        <p14:creationId xmlns:p14="http://schemas.microsoft.com/office/powerpoint/2010/main" val="3883698302"/>
       </p:ext>
     </p:extLst>
   </p:cSld>
@@ -1509,15 +917,389 @@
           <a:p>
             <a:r>
               <a:rPr lang="en-US" dirty="0" smtClean="0"/>
-              <a:t>Properties can never start with a $</a:t>
+              <a:t>Explain</a:t>
+            </a:r>
+          </a:p>
+          <a:p>
+            <a:pPr marL="171450" indent="-171450">
+              <a:buFontTx/>
+              <a:buChar char="-"/>
+            </a:pPr>
+            <a:r>
+              <a:rPr lang="en-US" dirty="0" smtClean="0"/>
+              <a:t>selector</a:t>
             </a:r>
             <a:r>
               <a:rPr lang="en-US" baseline="0" dirty="0" smtClean="0"/>
-              <a:t> - that is reserved</a:t>
-            </a:r>
-          </a:p>
-          <a:p>
+              <a:t> and projection are JSON objects</a:t>
+            </a:r>
+          </a:p>
+          <a:p>
+            <a:pPr marL="171450" indent="-171450">
+              <a:buFontTx/>
+              <a:buChar char="-"/>
+            </a:pPr>
+            <a:r>
+              <a:rPr lang="en-US" baseline="0" dirty="0" smtClean="0"/>
+              <a:t>Selector just matches documents.  In it’s simplest form it can be a key and value (we will see more complex selectors later)</a:t>
+            </a:r>
+          </a:p>
+          <a:p>
+            <a:pPr marL="171450" indent="-171450">
+              <a:buFontTx/>
+              <a:buChar char="-"/>
+            </a:pPr>
+            <a:r>
+              <a:rPr lang="en-US" baseline="0" dirty="0" smtClean="0"/>
+              <a:t>If left off or you pass an empty document, it will return everything</a:t>
+            </a:r>
+          </a:p>
+          <a:p>
+            <a:pPr marL="171450" indent="-171450">
+              <a:buFontTx/>
+              <a:buChar char="-"/>
+            </a:pPr>
+            <a:r>
+              <a:rPr lang="en-US" baseline="0" dirty="0" smtClean="0"/>
+              <a:t>Projection indicates what to return like selecting columns in a select.  </a:t>
+            </a:r>
+          </a:p>
+          <a:p>
+            <a:pPr marL="171450" indent="-171450">
+              <a:buFontTx/>
+              <a:buChar char="-"/>
+            </a:pPr>
+            <a:r>
+              <a:rPr lang="en-US" baseline="0" dirty="0" smtClean="0"/>
+              <a:t>Projection is key followed by 0 or 1.  1 displays, 0 removes.  Other than _id, you can’t mix 1’s and 0’s.</a:t>
+            </a:r>
+          </a:p>
+          <a:p>
+            <a:pPr marL="171450" indent="-171450">
+              <a:buFontTx/>
+              <a:buChar char="-"/>
+            </a:pPr>
             <a:endParaRPr lang="en-US" baseline="0" dirty="0" smtClean="0"/>
+          </a:p>
+          <a:p>
+            <a:r>
+              <a:rPr lang="en-US" dirty="0" smtClean="0"/>
+              <a:t>Show: select</a:t>
+            </a:r>
+            <a:r>
+              <a:rPr lang="en-US" baseline="0" dirty="0" smtClean="0"/>
+              <a:t> by </a:t>
+            </a:r>
+            <a:r>
+              <a:rPr lang="en-US" baseline="0" dirty="0" err="1" smtClean="0"/>
+              <a:t>imdbRating</a:t>
+            </a:r>
+            <a:r>
+              <a:rPr lang="en-US" baseline="0" dirty="0" smtClean="0"/>
+              <a:t> </a:t>
+            </a:r>
+          </a:p>
+          <a:p>
+            <a:endParaRPr lang="en-US" baseline="0" dirty="0" smtClean="0"/>
+          </a:p>
+          <a:p>
+            <a:r>
+              <a:rPr lang="en-US" baseline="0" dirty="0" err="1" smtClean="0"/>
+              <a:t>db.movies.find</a:t>
+            </a:r>
+            <a:r>
+              <a:rPr lang="en-US" baseline="0" dirty="0" smtClean="0"/>
+              <a:t>({</a:t>
+            </a:r>
+            <a:r>
+              <a:rPr lang="en-US" baseline="0" dirty="0" err="1" smtClean="0"/>
+              <a:t>imdbRating</a:t>
+            </a:r>
+            <a:r>
+              <a:rPr lang="en-US" baseline="0" dirty="0" smtClean="0"/>
+              <a:t>: 8</a:t>
+            </a:r>
+            <a:r>
+              <a:rPr lang="en-US" baseline="0" dirty="0" smtClean="0"/>
+              <a:t>})</a:t>
+            </a:r>
+            <a:endParaRPr lang="en-US" baseline="0" dirty="0" smtClean="0"/>
+          </a:p>
+          <a:p>
+            <a:endParaRPr lang="en-US" baseline="0" dirty="0" smtClean="0"/>
+          </a:p>
+          <a:p>
+            <a:pPr marL="0" marR="0" indent="0" algn="l" defTabSz="914400" rtl="0" eaLnBrk="1" fontAlgn="auto" latinLnBrk="0" hangingPunct="1">
+              <a:lnSpc>
+                <a:spcPct val="100000"/>
+              </a:lnSpc>
+              <a:spcBef>
+                <a:spcPts val="0"/>
+              </a:spcBef>
+              <a:spcAft>
+                <a:spcPts val="0"/>
+              </a:spcAft>
+              <a:buClrTx/>
+              <a:buSzTx/>
+              <a:buFontTx/>
+              <a:buNone/>
+              <a:tabLst/>
+              <a:defRPr/>
+            </a:pPr>
+            <a:r>
+              <a:rPr lang="en-US" baseline="0" dirty="0" smtClean="0"/>
+              <a:t>And  then with pretty</a:t>
+            </a:r>
+          </a:p>
+          <a:p>
+            <a:pPr marL="0" marR="0" indent="0" algn="l" defTabSz="914400" rtl="0" eaLnBrk="1" fontAlgn="auto" latinLnBrk="0" hangingPunct="1">
+              <a:lnSpc>
+                <a:spcPct val="100000"/>
+              </a:lnSpc>
+              <a:spcBef>
+                <a:spcPts val="0"/>
+              </a:spcBef>
+              <a:spcAft>
+                <a:spcPts val="0"/>
+              </a:spcAft>
+              <a:buClrTx/>
+              <a:buSzTx/>
+              <a:buFontTx/>
+              <a:buNone/>
+              <a:tabLst/>
+              <a:defRPr/>
+            </a:pPr>
+            <a:r>
+              <a:rPr lang="en-US" baseline="0" dirty="0" err="1" smtClean="0"/>
+              <a:t>db.movies.find</a:t>
+            </a:r>
+            <a:r>
+              <a:rPr lang="en-US" baseline="0" dirty="0" smtClean="0"/>
+              <a:t>({</a:t>
+            </a:r>
+            <a:r>
+              <a:rPr lang="en-US" baseline="0" dirty="0" err="1" smtClean="0"/>
+              <a:t>imdbRating</a:t>
+            </a:r>
+            <a:r>
+              <a:rPr lang="en-US" baseline="0" dirty="0" smtClean="0"/>
+              <a:t>: 8}).pretty()</a:t>
+            </a:r>
+          </a:p>
+          <a:p>
+            <a:endParaRPr lang="en-US" baseline="0" dirty="0" smtClean="0"/>
+          </a:p>
+          <a:p>
+            <a:endParaRPr lang="en-US" baseline="0" dirty="0" smtClean="0"/>
+          </a:p>
+          <a:p>
+            <a:r>
+              <a:rPr lang="en-US" baseline="0" dirty="0" smtClean="0"/>
+              <a:t>Can use dot notation:</a:t>
+            </a:r>
+          </a:p>
+          <a:p>
+            <a:r>
+              <a:rPr lang="en-US" dirty="0" smtClean="0"/>
+              <a:t> </a:t>
+            </a:r>
+            <a:r>
+              <a:rPr lang="en-US" dirty="0" err="1" smtClean="0"/>
+              <a:t>db.movies.find</a:t>
+            </a:r>
+            <a:r>
+              <a:rPr lang="en-US" dirty="0" smtClean="0"/>
+              <a:t>({"</a:t>
+            </a:r>
+            <a:r>
+              <a:rPr lang="en-US" dirty="0" err="1" smtClean="0"/>
+              <a:t>details.rated</a:t>
+            </a:r>
+            <a:r>
+              <a:rPr lang="en-US" dirty="0" smtClean="0"/>
+              <a:t>": "PG"})</a:t>
+            </a:r>
+          </a:p>
+          <a:p>
+            <a:endParaRPr lang="en-US" dirty="0" smtClean="0"/>
+          </a:p>
+          <a:p>
+            <a:r>
+              <a:rPr lang="en-US" dirty="0" smtClean="0"/>
+              <a:t>Projection:</a:t>
+            </a:r>
+          </a:p>
+          <a:p>
+            <a:pPr marL="0" marR="0" indent="0" algn="l" defTabSz="914400" rtl="0" eaLnBrk="1" fontAlgn="auto" latinLnBrk="0" hangingPunct="1">
+              <a:lnSpc>
+                <a:spcPct val="100000"/>
+              </a:lnSpc>
+              <a:spcBef>
+                <a:spcPts val="0"/>
+              </a:spcBef>
+              <a:spcAft>
+                <a:spcPts val="0"/>
+              </a:spcAft>
+              <a:buClrTx/>
+              <a:buSzTx/>
+              <a:buFontTx/>
+              <a:buNone/>
+              <a:tabLst/>
+              <a:defRPr/>
+            </a:pPr>
+            <a:r>
+              <a:rPr lang="en-US" dirty="0" smtClean="0"/>
+              <a:t> </a:t>
+            </a:r>
+            <a:r>
+              <a:rPr lang="en-US" dirty="0" err="1" smtClean="0"/>
+              <a:t>db.movies.find</a:t>
+            </a:r>
+            <a:r>
+              <a:rPr lang="en-US" dirty="0" smtClean="0"/>
+              <a:t>({"</a:t>
+            </a:r>
+            <a:r>
+              <a:rPr lang="en-US" dirty="0" err="1" smtClean="0"/>
+              <a:t>details.rated</a:t>
+            </a:r>
+            <a:r>
+              <a:rPr lang="en-US" dirty="0" smtClean="0"/>
+              <a:t>": "PG"}, {title: 1})</a:t>
+            </a:r>
+          </a:p>
+          <a:p>
+            <a:pPr marL="0" marR="0" indent="0" algn="l" defTabSz="914400" rtl="0" eaLnBrk="1" fontAlgn="auto" latinLnBrk="0" hangingPunct="1">
+              <a:lnSpc>
+                <a:spcPct val="100000"/>
+              </a:lnSpc>
+              <a:spcBef>
+                <a:spcPts val="0"/>
+              </a:spcBef>
+              <a:spcAft>
+                <a:spcPts val="0"/>
+              </a:spcAft>
+              <a:buClrTx/>
+              <a:buSzTx/>
+              <a:buFontTx/>
+              <a:buNone/>
+              <a:tabLst/>
+              <a:defRPr/>
+            </a:pPr>
+            <a:endParaRPr lang="en-US" dirty="0" smtClean="0"/>
+          </a:p>
+          <a:p>
+            <a:pPr marL="0" marR="0" indent="0" algn="l" defTabSz="914400" rtl="0" eaLnBrk="1" fontAlgn="auto" latinLnBrk="0" hangingPunct="1">
+              <a:lnSpc>
+                <a:spcPct val="100000"/>
+              </a:lnSpc>
+              <a:spcBef>
+                <a:spcPts val="0"/>
+              </a:spcBef>
+              <a:spcAft>
+                <a:spcPts val="0"/>
+              </a:spcAft>
+              <a:buClrTx/>
+              <a:buSzTx/>
+              <a:buFontTx/>
+              <a:buNone/>
+              <a:tabLst/>
+              <a:defRPr/>
+            </a:pPr>
+            <a:r>
+              <a:rPr lang="en-US" dirty="0" smtClean="0"/>
+              <a:t>_id has to be removed explicitly</a:t>
+            </a:r>
+            <a:r>
+              <a:rPr lang="en-US" baseline="0" dirty="0" smtClean="0"/>
+              <a:t> since it is the primary key and is likely to be needed</a:t>
+            </a:r>
+          </a:p>
+          <a:p>
+            <a:pPr marL="0" marR="0" indent="0" algn="l" defTabSz="914400" rtl="0" eaLnBrk="1" fontAlgn="auto" latinLnBrk="0" hangingPunct="1">
+              <a:lnSpc>
+                <a:spcPct val="100000"/>
+              </a:lnSpc>
+              <a:spcBef>
+                <a:spcPts val="0"/>
+              </a:spcBef>
+              <a:spcAft>
+                <a:spcPts val="0"/>
+              </a:spcAft>
+              <a:buClrTx/>
+              <a:buSzTx/>
+              <a:buFontTx/>
+              <a:buNone/>
+              <a:tabLst/>
+              <a:defRPr/>
+            </a:pPr>
+            <a:r>
+              <a:rPr lang="en-US" dirty="0" smtClean="0"/>
+              <a:t> </a:t>
+            </a:r>
+            <a:r>
+              <a:rPr lang="en-US" dirty="0" err="1" smtClean="0"/>
+              <a:t>db.movies.find</a:t>
+            </a:r>
+            <a:r>
+              <a:rPr lang="en-US" dirty="0" smtClean="0"/>
+              <a:t>({"</a:t>
+            </a:r>
+            <a:r>
+              <a:rPr lang="en-US" dirty="0" err="1" smtClean="0"/>
+              <a:t>details.rated</a:t>
+            </a:r>
+            <a:r>
+              <a:rPr lang="en-US" dirty="0" smtClean="0"/>
+              <a:t>": "PG"}, {title: 1, _id: 0})</a:t>
+            </a:r>
+          </a:p>
+          <a:p>
+            <a:pPr marL="0" marR="0" indent="0" algn="l" defTabSz="914400" rtl="0" eaLnBrk="1" fontAlgn="auto" latinLnBrk="0" hangingPunct="1">
+              <a:lnSpc>
+                <a:spcPct val="100000"/>
+              </a:lnSpc>
+              <a:spcBef>
+                <a:spcPts val="0"/>
+              </a:spcBef>
+              <a:spcAft>
+                <a:spcPts val="0"/>
+              </a:spcAft>
+              <a:buClrTx/>
+              <a:buSzTx/>
+              <a:buFontTx/>
+              <a:buNone/>
+              <a:tabLst/>
+              <a:defRPr/>
+            </a:pPr>
+            <a:endParaRPr lang="en-US" dirty="0" smtClean="0"/>
+          </a:p>
+          <a:p>
+            <a:r>
+              <a:rPr lang="en-US" dirty="0" smtClean="0"/>
+              <a:t>Really</a:t>
+            </a:r>
+            <a:r>
+              <a:rPr lang="en-US" baseline="0" dirty="0" smtClean="0"/>
+              <a:t> cool: show that you can select from an array:</a:t>
+            </a:r>
+          </a:p>
+          <a:p>
+            <a:endParaRPr lang="en-US" baseline="0" dirty="0" smtClean="0"/>
+          </a:p>
+          <a:p>
+            <a:r>
+              <a:rPr lang="en-US" dirty="0" smtClean="0"/>
+              <a:t> </a:t>
+            </a:r>
+            <a:r>
+              <a:rPr lang="en-US" dirty="0" err="1" smtClean="0"/>
+              <a:t>db.movies.find</a:t>
+            </a:r>
+            <a:r>
+              <a:rPr lang="en-US" dirty="0" smtClean="0"/>
+              <a:t>({actors: "Samuel L. Jackson"}, {title: 1, actors: 1, _id: 0})</a:t>
+            </a:r>
           </a:p>
           <a:p>
             <a:endParaRPr lang="en-US" dirty="0"/>
@@ -1541,7 +1323,7 @@
           <a:p>
             <a:fld id="{7ECDF86E-C09E-4C73-8798-F0685C098AE7}" type="slidenum">
               <a:rPr lang="en-US" smtClean="0"/>
-              <a:t>13</a:t>
+              <a:t>12</a:t>
             </a:fld>
             <a:endParaRPr lang="en-US"/>
           </a:p>
@@ -1550,7 +1332,7 @@
     </p:spTree>
     <p:extLst>
       <p:ext uri="{BB962C8B-B14F-4D97-AF65-F5344CB8AC3E}">
-        <p14:creationId xmlns:p14="http://schemas.microsoft.com/office/powerpoint/2010/main" val="983895935"/>
+        <p14:creationId xmlns:p14="http://schemas.microsoft.com/office/powerpoint/2010/main" val="3077110623"/>
       </p:ext>
     </p:extLst>
   </p:cSld>
@@ -1606,12 +1388,15 @@
           <a:p>
             <a:r>
               <a:rPr lang="en-US" dirty="0" smtClean="0"/>
-              <a:t>By default</a:t>
+              <a:t>Properties can never start with a $</a:t>
             </a:r>
             <a:r>
               <a:rPr lang="en-US" baseline="0" dirty="0" smtClean="0"/>
-              <a:t> multiple keys will be an and</a:t>
-            </a:r>
+              <a:t> - that is reserved</a:t>
+            </a:r>
+          </a:p>
+          <a:p>
+            <a:endParaRPr lang="en-US" baseline="0" dirty="0" smtClean="0"/>
           </a:p>
           <a:p>
             <a:endParaRPr lang="en-US" dirty="0"/>
@@ -1635,7 +1420,7 @@
           <a:p>
             <a:fld id="{7ECDF86E-C09E-4C73-8798-F0685C098AE7}" type="slidenum">
               <a:rPr lang="en-US" smtClean="0"/>
-              <a:t>14</a:t>
+              <a:t>13</a:t>
             </a:fld>
             <a:endParaRPr lang="en-US"/>
           </a:p>
@@ -1644,7 +1429,7 @@
     </p:spTree>
     <p:extLst>
       <p:ext uri="{BB962C8B-B14F-4D97-AF65-F5344CB8AC3E}">
-        <p14:creationId xmlns:p14="http://schemas.microsoft.com/office/powerpoint/2010/main" val="1961579291"/>
+        <p14:creationId xmlns:p14="http://schemas.microsoft.com/office/powerpoint/2010/main" val="983895935"/>
       </p:ext>
     </p:extLst>
   </p:cSld>
@@ -1698,6 +1483,16 @@
           <a:bodyPr/>
           <a:lstStyle/>
           <a:p>
+            <a:r>
+              <a:rPr lang="en-US" dirty="0" smtClean="0"/>
+              <a:t>By default</a:t>
+            </a:r>
+            <a:r>
+              <a:rPr lang="en-US" baseline="0" dirty="0" smtClean="0"/>
+              <a:t> multiple keys will be an and</a:t>
+            </a:r>
+          </a:p>
+          <a:p>
             <a:endParaRPr lang="en-US" dirty="0"/>
           </a:p>
         </p:txBody>
@@ -1719,7 +1514,7 @@
           <a:p>
             <a:fld id="{7ECDF86E-C09E-4C73-8798-F0685C098AE7}" type="slidenum">
               <a:rPr lang="en-US" smtClean="0"/>
-              <a:t>15</a:t>
+              <a:t>14</a:t>
             </a:fld>
             <a:endParaRPr lang="en-US"/>
           </a:p>
@@ -1728,7 +1523,7 @@
     </p:spTree>
     <p:extLst>
       <p:ext uri="{BB962C8B-B14F-4D97-AF65-F5344CB8AC3E}">
-        <p14:creationId xmlns:p14="http://schemas.microsoft.com/office/powerpoint/2010/main" val="816985044"/>
+        <p14:creationId xmlns:p14="http://schemas.microsoft.com/office/powerpoint/2010/main" val="1961579291"/>
       </p:ext>
     </p:extLst>
   </p:cSld>
@@ -1783,27 +1578,107 @@
           <a:lstStyle/>
           <a:p>
             <a:r>
-              <a:rPr lang="en-US" dirty="0" smtClean="0"/>
-              <a:t>These operators are shell operators, but they</a:t>
+              <a:rPr lang="en-US" dirty="0" err="1" smtClean="0"/>
+              <a:t>db.movies.find</a:t>
+            </a:r>
+            <a:r>
+              <a:rPr lang="en-US" dirty="0" smtClean="0"/>
+              <a:t>({actors: "Ian </a:t>
+            </a:r>
+            <a:r>
+              <a:rPr lang="en-US" dirty="0" err="1" smtClean="0"/>
+              <a:t>McKellen</a:t>
+            </a:r>
+            <a:r>
+              <a:rPr lang="en-US" dirty="0" smtClean="0"/>
+              <a:t>"}, {title: 1})</a:t>
+            </a:r>
+          </a:p>
+          <a:p>
+            <a:endParaRPr lang="en-US" dirty="0" smtClean="0"/>
+          </a:p>
+          <a:p>
+            <a:r>
+              <a:rPr lang="en-US" dirty="0" smtClean="0"/>
+              <a:t>Note that we</a:t>
             </a:r>
             <a:r>
               <a:rPr lang="en-US" baseline="0" dirty="0" smtClean="0"/>
-              <a:t> are available in a slightly different form from a mongo client.</a:t>
-            </a:r>
-          </a:p>
-          <a:p>
-            <a:r>
-              <a:rPr lang="en-US" baseline="0" dirty="0" smtClean="0"/>
-              <a:t>T</a:t>
-            </a:r>
-            <a:r>
-              <a:rPr lang="en-US" dirty="0" smtClean="0"/>
-              <a:t>here</a:t>
-            </a:r>
-            <a:r>
-              <a:rPr lang="en-US" baseline="0" dirty="0" smtClean="0"/>
-              <a:t> are also ways to do aggregation – count, average, sum,  and ways to do pipeline style queries that can even unwind arrays to get each value individually</a:t>
-            </a:r>
+              <a:t> don’t have to do anything special to the query even though the actors is an array</a:t>
+            </a:r>
+          </a:p>
+          <a:p>
+            <a:endParaRPr lang="en-US" baseline="0" dirty="0" smtClean="0"/>
+          </a:p>
+          <a:p>
+            <a:r>
+              <a:rPr lang="en-US" dirty="0" err="1" smtClean="0"/>
+              <a:t>db.movies.find</a:t>
+            </a:r>
+            <a:r>
+              <a:rPr lang="en-US" dirty="0" smtClean="0"/>
+              <a:t>({},{"details.director":1, _id: 0})</a:t>
+            </a:r>
+          </a:p>
+          <a:p>
+            <a:endParaRPr lang="en-US" dirty="0" smtClean="0"/>
+          </a:p>
+          <a:p>
+            <a:r>
+              <a:rPr lang="en-US" dirty="0" err="1" smtClean="0"/>
+              <a:t>db.movies.find</a:t>
+            </a:r>
+            <a:r>
+              <a:rPr lang="en-US" dirty="0" smtClean="0"/>
+              <a:t>({$or: [{"</a:t>
+            </a:r>
+            <a:r>
+              <a:rPr lang="en-US" dirty="0" err="1" smtClean="0"/>
+              <a:t>details.year</a:t>
+            </a:r>
+            <a:r>
+              <a:rPr lang="en-US" dirty="0" smtClean="0"/>
+              <a:t>": {$</a:t>
+            </a:r>
+            <a:r>
+              <a:rPr lang="en-US" dirty="0" err="1" smtClean="0"/>
+              <a:t>gte</a:t>
+            </a:r>
+            <a:r>
+              <a:rPr lang="en-US" dirty="0" smtClean="0"/>
+              <a:t>: 2000}}, {</a:t>
+            </a:r>
+            <a:r>
+              <a:rPr lang="en-US" dirty="0" err="1" smtClean="0"/>
+              <a:t>imdbRating</a:t>
+            </a:r>
+            <a:r>
+              <a:rPr lang="en-US" dirty="0" smtClean="0"/>
+              <a:t>: {$</a:t>
+            </a:r>
+            <a:r>
+              <a:rPr lang="en-US" dirty="0" err="1" smtClean="0"/>
+              <a:t>gt</a:t>
+            </a:r>
+            <a:r>
+              <a:rPr lang="en-US" dirty="0" smtClean="0"/>
+              <a:t>: 8}}]}, </a:t>
+            </a:r>
+          </a:p>
+          <a:p>
+            <a:r>
+              <a:rPr lang="en-US" dirty="0" smtClean="0"/>
+              <a:t>     {title: 1, </a:t>
+            </a:r>
+            <a:r>
+              <a:rPr lang="en-US" dirty="0" err="1" smtClean="0"/>
+              <a:t>imdbRating</a:t>
+            </a:r>
+            <a:r>
+              <a:rPr lang="en-US" dirty="0" smtClean="0"/>
+              <a:t>: 1, _id: 0})</a:t>
+            </a:r>
+            <a:endParaRPr lang="en-US" dirty="0"/>
           </a:p>
         </p:txBody>
       </p:sp>
@@ -1824,7 +1699,7 @@
           <a:p>
             <a:fld id="{7ECDF86E-C09E-4C73-8798-F0685C098AE7}" type="slidenum">
               <a:rPr lang="en-US" smtClean="0"/>
-              <a:t>16</a:t>
+              <a:t>15</a:t>
             </a:fld>
             <a:endParaRPr lang="en-US"/>
           </a:p>
@@ -1833,7 +1708,7 @@
     </p:spTree>
     <p:extLst>
       <p:ext uri="{BB962C8B-B14F-4D97-AF65-F5344CB8AC3E}">
-        <p14:creationId xmlns:p14="http://schemas.microsoft.com/office/powerpoint/2010/main" val="2423406185"/>
+        <p14:creationId xmlns:p14="http://schemas.microsoft.com/office/powerpoint/2010/main" val="816985044"/>
       </p:ext>
     </p:extLst>
   </p:cSld>
@@ -1887,7 +1762,28 @@
           <a:bodyPr/>
           <a:lstStyle/>
           <a:p>
-            <a:endParaRPr lang="en-US" dirty="0"/>
+            <a:r>
+              <a:rPr lang="en-US" dirty="0" smtClean="0"/>
+              <a:t>These operators are shell operators, but they</a:t>
+            </a:r>
+            <a:r>
+              <a:rPr lang="en-US" baseline="0" dirty="0" smtClean="0"/>
+              <a:t> are available in a slightly different form from a mongo client.</a:t>
+            </a:r>
+          </a:p>
+          <a:p>
+            <a:r>
+              <a:rPr lang="en-US" baseline="0" dirty="0" smtClean="0"/>
+              <a:t>T</a:t>
+            </a:r>
+            <a:r>
+              <a:rPr lang="en-US" dirty="0" smtClean="0"/>
+              <a:t>here</a:t>
+            </a:r>
+            <a:r>
+              <a:rPr lang="en-US" baseline="0" dirty="0" smtClean="0"/>
+              <a:t> are also ways to do aggregation – count, average, sum,  and ways to do pipeline style queries that can even unwind arrays to get each value individually</a:t>
+            </a:r>
           </a:p>
         </p:txBody>
       </p:sp>
@@ -1908,7 +1804,7 @@
           <a:p>
             <a:fld id="{7ECDF86E-C09E-4C73-8798-F0685C098AE7}" type="slidenum">
               <a:rPr lang="en-US" smtClean="0"/>
-              <a:t>17</a:t>
+              <a:t>16</a:t>
             </a:fld>
             <a:endParaRPr lang="en-US"/>
           </a:p>
@@ -1917,7 +1813,7 @@
     </p:spTree>
     <p:extLst>
       <p:ext uri="{BB962C8B-B14F-4D97-AF65-F5344CB8AC3E}">
-        <p14:creationId xmlns:p14="http://schemas.microsoft.com/office/powerpoint/2010/main" val="2448117926"/>
+        <p14:creationId xmlns:p14="http://schemas.microsoft.com/office/powerpoint/2010/main" val="2423406185"/>
       </p:ext>
     </p:extLst>
   </p:cSld>
@@ -1971,76 +1867,6 @@
           <a:bodyPr/>
           <a:lstStyle/>
           <a:p>
-            <a:r>
-              <a:rPr lang="en-US" dirty="0" smtClean="0"/>
-              <a:t>We have already seen the selector.</a:t>
-            </a:r>
-            <a:r>
-              <a:rPr lang="en-US" baseline="0" dirty="0" smtClean="0"/>
-              <a:t>  The document with operator can just be replacement document.  But it is also possible to operate on sections of a document.  For example, we can set a field in the document.  If you leave off the operator the document will be replaced.  If you try to update multiple documents, it will just update the first document it comes to, although you can add a parameter that updates multiples.</a:t>
-            </a:r>
-          </a:p>
-          <a:p>
-            <a:endParaRPr lang="en-US" baseline="0" dirty="0" smtClean="0"/>
-          </a:p>
-          <a:p>
-            <a:r>
-              <a:rPr lang="en-US" baseline="0" dirty="0" smtClean="0"/>
-              <a:t>Add </a:t>
-            </a:r>
-            <a:r>
-              <a:rPr lang="en-US" baseline="0" dirty="0" err="1" smtClean="0"/>
-              <a:t>boxoffice</a:t>
-            </a:r>
-            <a:r>
-              <a:rPr lang="en-US" baseline="0" dirty="0" smtClean="0"/>
-              <a:t> to </a:t>
-            </a:r>
-            <a:r>
-              <a:rPr lang="en-US" baseline="0" dirty="0" err="1" smtClean="0"/>
-              <a:t>incredibles</a:t>
-            </a:r>
-            <a:endParaRPr lang="en-US" baseline="0" dirty="0" smtClean="0"/>
-          </a:p>
-          <a:p>
-            <a:r>
-              <a:rPr lang="en-US" baseline="0" dirty="0" smtClean="0"/>
-              <a:t>Talk about array operators: add “Holly Hunter” to </a:t>
-            </a:r>
-            <a:r>
-              <a:rPr lang="en-US" baseline="0" dirty="0" err="1" smtClean="0"/>
-              <a:t>incredibles</a:t>
-            </a:r>
-            <a:r>
-              <a:rPr lang="en-US" baseline="0" dirty="0" smtClean="0"/>
-              <a:t> with a push</a:t>
-            </a:r>
-          </a:p>
-          <a:p>
-            <a:r>
-              <a:rPr lang="en-US" baseline="0" dirty="0" smtClean="0"/>
-              <a:t>Mention that if the field has a scalar value, it will turn it into an array!</a:t>
-            </a:r>
-          </a:p>
-          <a:p>
-            <a:endParaRPr lang="en-US" baseline="0" dirty="0" smtClean="0"/>
-          </a:p>
-          <a:p>
-            <a:r>
-              <a:rPr lang="en-US" baseline="0" dirty="0" smtClean="0"/>
-              <a:t>Show the next slide and mention operators</a:t>
-            </a:r>
-          </a:p>
-          <a:p>
-            <a:endParaRPr lang="en-US" baseline="0" dirty="0" smtClean="0"/>
-          </a:p>
-          <a:p>
-            <a:endParaRPr lang="en-US" baseline="0" dirty="0" smtClean="0"/>
-          </a:p>
-          <a:p>
-            <a:endParaRPr lang="en-US" baseline="0" dirty="0" smtClean="0"/>
-          </a:p>
-          <a:p>
             <a:endParaRPr lang="en-US" dirty="0"/>
           </a:p>
         </p:txBody>
@@ -2062,7 +1888,7 @@
           <a:p>
             <a:fld id="{7ECDF86E-C09E-4C73-8798-F0685C098AE7}" type="slidenum">
               <a:rPr lang="en-US" smtClean="0"/>
-              <a:t>19</a:t>
+              <a:t>18</a:t>
             </a:fld>
             <a:endParaRPr lang="en-US"/>
           </a:p>
@@ -2071,7 +1897,7 @@
     </p:spTree>
     <p:extLst>
       <p:ext uri="{BB962C8B-B14F-4D97-AF65-F5344CB8AC3E}">
-        <p14:creationId xmlns:p14="http://schemas.microsoft.com/office/powerpoint/2010/main" val="2855533512"/>
+        <p14:creationId xmlns:p14="http://schemas.microsoft.com/office/powerpoint/2010/main" val="2448117926"/>
       </p:ext>
     </p:extLst>
   </p:cSld>
@@ -2127,12 +1953,124 @@
           <a:p>
             <a:r>
               <a:rPr lang="en-US" dirty="0" smtClean="0"/>
-              <a:t>These operators</a:t>
+              <a:t>We have already seen the selector.</a:t>
             </a:r>
             <a:r>
               <a:rPr lang="en-US" baseline="0" dirty="0" smtClean="0"/>
-              <a:t> update an array inside a document.</a:t>
-            </a:r>
+              <a:t>  The document with operator can just be replacement document.  But it is also possible to operate on sections of a document.  For example, we can set a field in the document.  If you leave off the operator the document will be replaced.  If you try to update multiple documents, it will just update the first document it comes to, although you can add a parameter that updates multiples.</a:t>
+            </a:r>
+          </a:p>
+          <a:p>
+            <a:endParaRPr lang="en-US" baseline="0" dirty="0" smtClean="0"/>
+          </a:p>
+          <a:p>
+            <a:r>
+              <a:rPr lang="en-US" baseline="0" dirty="0" smtClean="0"/>
+              <a:t>Add </a:t>
+            </a:r>
+            <a:r>
+              <a:rPr lang="en-US" baseline="0" dirty="0" err="1" smtClean="0"/>
+              <a:t>boxoffice</a:t>
+            </a:r>
+            <a:r>
+              <a:rPr lang="en-US" baseline="0" dirty="0" smtClean="0"/>
+              <a:t> to </a:t>
+            </a:r>
+            <a:r>
+              <a:rPr lang="en-US" baseline="0" dirty="0" err="1" smtClean="0"/>
+              <a:t>incredibles</a:t>
+            </a:r>
+            <a:endParaRPr lang="en-US" baseline="0" dirty="0" smtClean="0"/>
+          </a:p>
+          <a:p>
+            <a:r>
+              <a:rPr lang="en-US" baseline="0" dirty="0" smtClean="0"/>
+              <a:t>Talk about array operators: add “Holly Hunter” to </a:t>
+            </a:r>
+            <a:r>
+              <a:rPr lang="en-US" baseline="0" dirty="0" err="1" smtClean="0"/>
+              <a:t>incredibles</a:t>
+            </a:r>
+            <a:r>
+              <a:rPr lang="en-US" baseline="0" dirty="0" smtClean="0"/>
+              <a:t> with a push</a:t>
+            </a:r>
+          </a:p>
+          <a:p>
+            <a:r>
+              <a:rPr lang="en-US" baseline="0" dirty="0" smtClean="0"/>
+              <a:t>Mention that if the field has a scalar value, it will turn it into an array!</a:t>
+            </a:r>
+          </a:p>
+          <a:p>
+            <a:endParaRPr lang="en-US" baseline="0" dirty="0" smtClean="0"/>
+          </a:p>
+          <a:p>
+            <a:r>
+              <a:rPr lang="en-US" baseline="0" dirty="0" smtClean="0"/>
+              <a:t>Show the next slide and mention operators</a:t>
+            </a:r>
+          </a:p>
+          <a:p>
+            <a:endParaRPr lang="en-US" baseline="0" dirty="0" smtClean="0"/>
+          </a:p>
+          <a:p>
+            <a:pPr marL="0" indent="0">
+              <a:buNone/>
+            </a:pPr>
+            <a:r>
+              <a:rPr lang="en-US" sz="1200" b="1" dirty="0" err="1" smtClean="0">
+                <a:latin typeface="Arial Unicode MS" panose="020B0604020202020204" pitchFamily="34" charset="-128"/>
+                <a:ea typeface="Arial Unicode MS" panose="020B0604020202020204" pitchFamily="34" charset="-128"/>
+                <a:cs typeface="Arial Unicode MS" panose="020B0604020202020204" pitchFamily="34" charset="-128"/>
+              </a:rPr>
+              <a:t>db.movies.update</a:t>
+            </a:r>
+            <a:r>
+              <a:rPr lang="en-US" sz="1200" b="1" dirty="0" smtClean="0">
+                <a:latin typeface="Arial Unicode MS" panose="020B0604020202020204" pitchFamily="34" charset="-128"/>
+                <a:ea typeface="Arial Unicode MS" panose="020B0604020202020204" pitchFamily="34" charset="-128"/>
+                <a:cs typeface="Arial Unicode MS" panose="020B0604020202020204" pitchFamily="34" charset="-128"/>
+              </a:rPr>
+              <a:t>({title: "The Incredibles"}, </a:t>
+            </a:r>
+          </a:p>
+          <a:p>
+            <a:pPr marL="0" indent="0">
+              <a:buNone/>
+            </a:pPr>
+            <a:r>
+              <a:rPr lang="en-US" sz="1200" b="1" dirty="0" smtClean="0">
+                <a:latin typeface="Arial Unicode MS" panose="020B0604020202020204" pitchFamily="34" charset="-128"/>
+                <a:ea typeface="Arial Unicode MS" panose="020B0604020202020204" pitchFamily="34" charset="-128"/>
+                <a:cs typeface="Arial Unicode MS" panose="020B0604020202020204" pitchFamily="34" charset="-128"/>
+              </a:rPr>
+              <a:t>         {$set: {</a:t>
+            </a:r>
+            <a:r>
+              <a:rPr lang="en-US" sz="1200" b="1" dirty="0" err="1" smtClean="0">
+                <a:latin typeface="Arial Unicode MS" panose="020B0604020202020204" pitchFamily="34" charset="-128"/>
+                <a:ea typeface="Arial Unicode MS" panose="020B0604020202020204" pitchFamily="34" charset="-128"/>
+                <a:cs typeface="Arial Unicode MS" panose="020B0604020202020204" pitchFamily="34" charset="-128"/>
+              </a:rPr>
+              <a:t>boxOffice</a:t>
+            </a:r>
+            <a:r>
+              <a:rPr lang="en-US" sz="1200" b="1" dirty="0" smtClean="0">
+                <a:latin typeface="Arial Unicode MS" panose="020B0604020202020204" pitchFamily="34" charset="-128"/>
+                <a:ea typeface="Arial Unicode MS" panose="020B0604020202020204" pitchFamily="34" charset="-128"/>
+                <a:cs typeface="Arial Unicode MS" panose="020B0604020202020204" pitchFamily="34" charset="-128"/>
+              </a:rPr>
+              <a:t>: "$261,441,092"}})</a:t>
+            </a:r>
+          </a:p>
+          <a:p>
+            <a:endParaRPr lang="en-US" baseline="0" dirty="0" smtClean="0"/>
+          </a:p>
+          <a:p>
+            <a:endParaRPr lang="en-US" baseline="0" dirty="0" smtClean="0"/>
+          </a:p>
+          <a:p>
             <a:endParaRPr lang="en-US" dirty="0"/>
           </a:p>
         </p:txBody>
@@ -2154,7 +2092,7 @@
           <a:p>
             <a:fld id="{7ECDF86E-C09E-4C73-8798-F0685C098AE7}" type="slidenum">
               <a:rPr lang="en-US" smtClean="0"/>
-              <a:t>20</a:t>
+              <a:t>19</a:t>
             </a:fld>
             <a:endParaRPr lang="en-US"/>
           </a:p>
@@ -2163,7 +2101,7 @@
     </p:spTree>
     <p:extLst>
       <p:ext uri="{BB962C8B-B14F-4D97-AF65-F5344CB8AC3E}">
-        <p14:creationId xmlns:p14="http://schemas.microsoft.com/office/powerpoint/2010/main" val="3355649645"/>
+        <p14:creationId xmlns:p14="http://schemas.microsoft.com/office/powerpoint/2010/main" val="2855533512"/>
       </p:ext>
     </p:extLst>
   </p:cSld>
@@ -2218,91 +2156,929 @@
           <a:lstStyle/>
           <a:p>
             <a:r>
-              <a:rPr lang="en-US" dirty="0" err="1" smtClean="0"/>
-              <a:t>db.movies.update</a:t>
-            </a:r>
-            <a:r>
-              <a:rPr lang="en-US" dirty="0" smtClean="0"/>
-              <a:t>({</a:t>
-            </a:r>
-            <a:r>
-              <a:rPr lang="en-US" dirty="0" err="1" smtClean="0"/>
-              <a:t>title:"Batman</a:t>
-            </a:r>
-            <a:r>
-              <a:rPr lang="en-US" dirty="0" smtClean="0"/>
-              <a:t>"},{$set: {</a:t>
-            </a:r>
-            <a:r>
-              <a:rPr lang="en-US" dirty="0" err="1" smtClean="0"/>
-              <a:t>boxOffice</a:t>
-            </a:r>
-            <a:r>
-              <a:rPr lang="en-US" dirty="0" smtClean="0"/>
-              <a:t>: 12331}})</a:t>
+              <a:rPr lang="en-US" dirty="0" smtClean="0"/>
+              <a:t>These operators</a:t>
+            </a:r>
+            <a:r>
+              <a:rPr lang="en-US" baseline="0" dirty="0" smtClean="0"/>
+              <a:t> update an array inside a document</a:t>
+            </a:r>
+            <a:r>
+              <a:rPr lang="en-US" baseline="0" dirty="0" smtClean="0"/>
+              <a:t>.</a:t>
+            </a:r>
+          </a:p>
+          <a:p>
+            <a:endParaRPr lang="en-US" baseline="0" dirty="0" smtClean="0"/>
+          </a:p>
+          <a:p>
+            <a:r>
+              <a:rPr lang="en-US" dirty="0" err="1" smtClean="0">
+                <a:effectLst/>
+              </a:rPr>
+              <a:t>db.students.update</a:t>
+            </a:r>
+            <a:r>
+              <a:rPr lang="en-US" dirty="0" smtClean="0">
+                <a:effectLst/>
+              </a:rPr>
+              <a:t>(</a:t>
+            </a:r>
+            <a:r>
+              <a:rPr lang="en-US" dirty="0" smtClean="0"/>
+              <a:t> </a:t>
+            </a:r>
+            <a:r>
+              <a:rPr lang="en-US" dirty="0" smtClean="0">
+                <a:effectLst/>
+              </a:rPr>
+              <a:t>{</a:t>
+            </a:r>
+            <a:r>
+              <a:rPr lang="en-US" dirty="0" smtClean="0"/>
+              <a:t> </a:t>
+            </a:r>
+            <a:r>
+              <a:rPr lang="en-US" dirty="0" smtClean="0">
+                <a:effectLst/>
+              </a:rPr>
+              <a:t>_id</a:t>
+            </a:r>
+            <a:r>
+              <a:rPr lang="en-US" sz="1200" kern="1200" dirty="0" smtClean="0">
+                <a:solidFill>
+                  <a:schemeClr val="tx1"/>
+                </a:solidFill>
+                <a:effectLst/>
+                <a:latin typeface="+mn-lt"/>
+                <a:ea typeface="+mn-ea"/>
+                <a:cs typeface="+mn-cs"/>
+              </a:rPr>
+              <a:t>:</a:t>
+            </a:r>
+            <a:r>
+              <a:rPr lang="en-US" dirty="0" smtClean="0"/>
+              <a:t> </a:t>
+            </a:r>
+            <a:r>
+              <a:rPr lang="en-US" sz="1200" kern="1200" dirty="0" smtClean="0">
+                <a:solidFill>
+                  <a:schemeClr val="tx1"/>
+                </a:solidFill>
+                <a:effectLst/>
+                <a:latin typeface="+mn-lt"/>
+                <a:ea typeface="+mn-ea"/>
+                <a:cs typeface="+mn-cs"/>
+              </a:rPr>
+              <a:t>1</a:t>
+            </a:r>
+            <a:r>
+              <a:rPr lang="en-US" dirty="0" smtClean="0"/>
+              <a:t> </a:t>
+            </a:r>
+            <a:r>
+              <a:rPr lang="en-US" dirty="0" smtClean="0">
+                <a:effectLst/>
+              </a:rPr>
+              <a:t>},</a:t>
+            </a:r>
+            <a:r>
+              <a:rPr lang="en-US" dirty="0" smtClean="0"/>
+              <a:t> </a:t>
+            </a:r>
+            <a:r>
+              <a:rPr lang="en-US" dirty="0" smtClean="0">
+                <a:effectLst/>
+              </a:rPr>
+              <a:t>{</a:t>
+            </a:r>
+            <a:r>
+              <a:rPr lang="en-US" dirty="0" smtClean="0"/>
+              <a:t> </a:t>
+            </a:r>
+            <a:r>
+              <a:rPr lang="en-US" dirty="0" smtClean="0">
+                <a:effectLst/>
+              </a:rPr>
+              <a:t>$pop</a:t>
+            </a:r>
+            <a:r>
+              <a:rPr lang="en-US" sz="1200" kern="1200" dirty="0" smtClean="0">
+                <a:solidFill>
+                  <a:schemeClr val="tx1"/>
+                </a:solidFill>
+                <a:effectLst/>
+                <a:latin typeface="+mn-lt"/>
+                <a:ea typeface="+mn-ea"/>
+                <a:cs typeface="+mn-cs"/>
+              </a:rPr>
+              <a:t>:</a:t>
+            </a:r>
+            <a:r>
+              <a:rPr lang="en-US" dirty="0" smtClean="0"/>
+              <a:t> </a:t>
+            </a:r>
+            <a:r>
+              <a:rPr lang="en-US" dirty="0" smtClean="0">
+                <a:effectLst/>
+              </a:rPr>
+              <a:t>{</a:t>
+            </a:r>
+            <a:r>
+              <a:rPr lang="en-US" dirty="0" smtClean="0"/>
+              <a:t> </a:t>
+            </a:r>
+            <a:r>
+              <a:rPr lang="en-US" dirty="0" smtClean="0">
+                <a:effectLst/>
+              </a:rPr>
+              <a:t>scores</a:t>
+            </a:r>
+            <a:r>
+              <a:rPr lang="en-US" sz="1200" kern="1200" dirty="0" smtClean="0">
+                <a:solidFill>
+                  <a:schemeClr val="tx1"/>
+                </a:solidFill>
+                <a:effectLst/>
+                <a:latin typeface="+mn-lt"/>
+                <a:ea typeface="+mn-ea"/>
+                <a:cs typeface="+mn-cs"/>
+              </a:rPr>
+              <a:t>:</a:t>
+            </a:r>
+            <a:r>
+              <a:rPr lang="en-US" dirty="0" smtClean="0"/>
+              <a:t> </a:t>
+            </a:r>
+            <a:r>
+              <a:rPr lang="en-US" sz="1200" kern="1200" dirty="0" smtClean="0">
+                <a:solidFill>
+                  <a:schemeClr val="tx1"/>
+                </a:solidFill>
+                <a:effectLst/>
+                <a:latin typeface="+mn-lt"/>
+                <a:ea typeface="+mn-ea"/>
+                <a:cs typeface="+mn-cs"/>
+              </a:rPr>
+              <a:t>-1</a:t>
+            </a:r>
+            <a:r>
+              <a:rPr lang="en-US" dirty="0" smtClean="0"/>
+              <a:t> </a:t>
+            </a:r>
+            <a:r>
+              <a:rPr lang="en-US" dirty="0" smtClean="0">
+                <a:effectLst/>
+              </a:rPr>
+              <a:t>}</a:t>
+            </a:r>
+            <a:r>
+              <a:rPr lang="en-US" dirty="0" smtClean="0"/>
+              <a:t> </a:t>
+            </a:r>
+            <a:r>
+              <a:rPr lang="en-US" dirty="0" smtClean="0">
+                <a:effectLst/>
+              </a:rPr>
+              <a:t>}</a:t>
+            </a:r>
+            <a:r>
+              <a:rPr lang="en-US" dirty="0" smtClean="0"/>
+              <a:t> </a:t>
+            </a:r>
+            <a:r>
+              <a:rPr lang="en-US" dirty="0" smtClean="0">
+                <a:effectLst/>
+              </a:rPr>
+              <a:t>)   removes the first</a:t>
             </a:r>
           </a:p>
           <a:p>
             <a:endParaRPr lang="en-US" dirty="0" smtClean="0"/>
           </a:p>
           <a:p>
-            <a:r>
-              <a:rPr lang="en-US" dirty="0" err="1" smtClean="0"/>
-              <a:t>db.movies.update</a:t>
-            </a:r>
-            <a:r>
-              <a:rPr lang="en-US" dirty="0" smtClean="0"/>
-              <a:t>({</a:t>
-            </a:r>
-            <a:r>
-              <a:rPr lang="en-US" dirty="0" err="1" smtClean="0"/>
-              <a:t>title:"Batman</a:t>
-            </a:r>
-            <a:r>
-              <a:rPr lang="en-US" dirty="0" smtClean="0"/>
-              <a:t>"},{$push: {actors: "Jack </a:t>
-            </a:r>
-            <a:r>
-              <a:rPr lang="en-US" dirty="0" err="1" smtClean="0"/>
-              <a:t>Palance</a:t>
-            </a:r>
-            <a:r>
-              <a:rPr lang="en-US" dirty="0" smtClean="0"/>
-              <a:t>"}})</a:t>
-            </a:r>
-          </a:p>
-          <a:p>
-            <a:endParaRPr lang="en-US" dirty="0" smtClean="0"/>
-          </a:p>
-          <a:p>
-            <a:r>
-              <a:rPr lang="en-US" dirty="0" err="1" smtClean="0"/>
-              <a:t>db.movies.update</a:t>
-            </a:r>
-            <a:r>
-              <a:rPr lang="en-US" dirty="0" smtClean="0"/>
-              <a:t>({</a:t>
-            </a:r>
-            <a:r>
-              <a:rPr lang="en-US" dirty="0" err="1" smtClean="0"/>
-              <a:t>title:"Batman</a:t>
-            </a:r>
-            <a:r>
-              <a:rPr lang="en-US" dirty="0" smtClean="0"/>
-              <a:t>"}, {$push: {"</a:t>
-            </a:r>
-            <a:r>
-              <a:rPr lang="en-US" dirty="0" err="1" smtClean="0"/>
-              <a:t>details.genre</a:t>
-            </a:r>
-            <a:r>
-              <a:rPr lang="en-US" smtClean="0"/>
-              <a:t>": “Action"}})</a:t>
-            </a:r>
-            <a:endParaRPr lang="en-US" dirty="0" smtClean="0"/>
-          </a:p>
-          <a:p>
-            <a:endParaRPr lang="en-US" dirty="0" smtClean="0"/>
+            <a:pPr marL="0" marR="0" indent="0" algn="l" defTabSz="914400" rtl="0" eaLnBrk="1" fontAlgn="auto" latinLnBrk="0" hangingPunct="1">
+              <a:lnSpc>
+                <a:spcPct val="100000"/>
+              </a:lnSpc>
+              <a:spcBef>
+                <a:spcPts val="0"/>
+              </a:spcBef>
+              <a:spcAft>
+                <a:spcPts val="0"/>
+              </a:spcAft>
+              <a:buClrTx/>
+              <a:buSzTx/>
+              <a:buFontTx/>
+              <a:buNone/>
+              <a:tabLst/>
+              <a:defRPr/>
+            </a:pPr>
+            <a:r>
+              <a:rPr lang="en-US" dirty="0" err="1" smtClean="0">
+                <a:effectLst/>
+              </a:rPr>
+              <a:t>db.students.update</a:t>
+            </a:r>
+            <a:r>
+              <a:rPr lang="en-US" dirty="0" smtClean="0">
+                <a:effectLst/>
+              </a:rPr>
+              <a:t>(</a:t>
+            </a:r>
+            <a:r>
+              <a:rPr lang="en-US" dirty="0" smtClean="0"/>
+              <a:t> </a:t>
+            </a:r>
+            <a:r>
+              <a:rPr lang="en-US" dirty="0" smtClean="0">
+                <a:effectLst/>
+              </a:rPr>
+              <a:t>{</a:t>
+            </a:r>
+            <a:r>
+              <a:rPr lang="en-US" dirty="0" smtClean="0"/>
+              <a:t> </a:t>
+            </a:r>
+            <a:r>
+              <a:rPr lang="en-US" dirty="0" smtClean="0">
+                <a:effectLst/>
+              </a:rPr>
+              <a:t>_id</a:t>
+            </a:r>
+            <a:r>
+              <a:rPr lang="en-US" sz="1200" kern="1200" dirty="0" smtClean="0">
+                <a:solidFill>
+                  <a:schemeClr val="tx1"/>
+                </a:solidFill>
+                <a:effectLst/>
+                <a:latin typeface="+mn-lt"/>
+                <a:ea typeface="+mn-ea"/>
+                <a:cs typeface="+mn-cs"/>
+              </a:rPr>
+              <a:t>:</a:t>
+            </a:r>
+            <a:r>
+              <a:rPr lang="en-US" dirty="0" smtClean="0"/>
+              <a:t> </a:t>
+            </a:r>
+            <a:r>
+              <a:rPr lang="en-US" sz="1200" kern="1200" dirty="0" smtClean="0">
+                <a:solidFill>
+                  <a:schemeClr val="tx1"/>
+                </a:solidFill>
+                <a:effectLst/>
+                <a:latin typeface="+mn-lt"/>
+                <a:ea typeface="+mn-ea"/>
+                <a:cs typeface="+mn-cs"/>
+              </a:rPr>
+              <a:t>1</a:t>
+            </a:r>
+            <a:r>
+              <a:rPr lang="en-US" dirty="0" smtClean="0"/>
+              <a:t> </a:t>
+            </a:r>
+            <a:r>
+              <a:rPr lang="en-US" dirty="0" smtClean="0">
+                <a:effectLst/>
+              </a:rPr>
+              <a:t>},</a:t>
+            </a:r>
+            <a:r>
+              <a:rPr lang="en-US" dirty="0" smtClean="0"/>
+              <a:t> </a:t>
+            </a:r>
+            <a:r>
+              <a:rPr lang="en-US" dirty="0" smtClean="0">
+                <a:effectLst/>
+              </a:rPr>
+              <a:t>{</a:t>
+            </a:r>
+            <a:r>
+              <a:rPr lang="en-US" dirty="0" smtClean="0"/>
+              <a:t> </a:t>
+            </a:r>
+            <a:r>
+              <a:rPr lang="en-US" dirty="0" smtClean="0">
+                <a:effectLst/>
+              </a:rPr>
+              <a:t>$pop</a:t>
+            </a:r>
+            <a:r>
+              <a:rPr lang="en-US" sz="1200" kern="1200" dirty="0" smtClean="0">
+                <a:solidFill>
+                  <a:schemeClr val="tx1"/>
+                </a:solidFill>
+                <a:effectLst/>
+                <a:latin typeface="+mn-lt"/>
+                <a:ea typeface="+mn-ea"/>
+                <a:cs typeface="+mn-cs"/>
+              </a:rPr>
+              <a:t>:</a:t>
+            </a:r>
+            <a:r>
+              <a:rPr lang="en-US" dirty="0" smtClean="0"/>
+              <a:t> </a:t>
+            </a:r>
+            <a:r>
+              <a:rPr lang="en-US" dirty="0" smtClean="0">
+                <a:effectLst/>
+              </a:rPr>
+              <a:t>{</a:t>
+            </a:r>
+            <a:r>
+              <a:rPr lang="en-US" dirty="0" smtClean="0"/>
+              <a:t> </a:t>
+            </a:r>
+            <a:r>
+              <a:rPr lang="en-US" dirty="0" smtClean="0">
+                <a:effectLst/>
+              </a:rPr>
+              <a:t>scores</a:t>
+            </a:r>
+            <a:r>
+              <a:rPr lang="en-US" sz="1200" kern="1200" dirty="0" smtClean="0">
+                <a:solidFill>
+                  <a:schemeClr val="tx1"/>
+                </a:solidFill>
+                <a:effectLst/>
+                <a:latin typeface="+mn-lt"/>
+                <a:ea typeface="+mn-ea"/>
+                <a:cs typeface="+mn-cs"/>
+              </a:rPr>
+              <a:t>:</a:t>
+            </a:r>
+            <a:r>
+              <a:rPr lang="en-US" dirty="0" smtClean="0"/>
+              <a:t> </a:t>
+            </a:r>
+            <a:r>
+              <a:rPr lang="en-US" sz="1200" kern="1200" dirty="0" smtClean="0">
+                <a:solidFill>
+                  <a:schemeClr val="tx1"/>
+                </a:solidFill>
+                <a:effectLst/>
+                <a:latin typeface="+mn-lt"/>
+                <a:ea typeface="+mn-ea"/>
+                <a:cs typeface="+mn-cs"/>
+              </a:rPr>
+              <a:t>1</a:t>
+            </a:r>
+            <a:r>
+              <a:rPr lang="en-US" dirty="0" smtClean="0"/>
+              <a:t> </a:t>
+            </a:r>
+            <a:r>
+              <a:rPr lang="en-US" dirty="0" smtClean="0">
+                <a:effectLst/>
+              </a:rPr>
+              <a:t>}</a:t>
+            </a:r>
+            <a:r>
+              <a:rPr lang="en-US" dirty="0" smtClean="0"/>
+              <a:t> </a:t>
+            </a:r>
+            <a:r>
+              <a:rPr lang="en-US" dirty="0" smtClean="0">
+                <a:effectLst/>
+              </a:rPr>
+              <a:t>}</a:t>
+            </a:r>
+            <a:r>
+              <a:rPr lang="en-US" dirty="0" smtClean="0"/>
+              <a:t> </a:t>
+            </a:r>
+            <a:r>
+              <a:rPr lang="en-US" dirty="0" smtClean="0">
+                <a:effectLst/>
+              </a:rPr>
+              <a:t>)   removes the last</a:t>
+            </a:r>
+          </a:p>
+          <a:p>
+            <a:pPr marL="0" marR="0" indent="0" algn="l" defTabSz="914400" rtl="0" eaLnBrk="1" fontAlgn="auto" latinLnBrk="0" hangingPunct="1">
+              <a:lnSpc>
+                <a:spcPct val="100000"/>
+              </a:lnSpc>
+              <a:spcBef>
+                <a:spcPts val="0"/>
+              </a:spcBef>
+              <a:spcAft>
+                <a:spcPts val="0"/>
+              </a:spcAft>
+              <a:buClrTx/>
+              <a:buSzTx/>
+              <a:buFontTx/>
+              <a:buNone/>
+              <a:tabLst/>
+              <a:defRPr/>
+            </a:pPr>
+            <a:endParaRPr lang="en-US" dirty="0" smtClean="0">
+              <a:effectLst/>
+            </a:endParaRPr>
+          </a:p>
+          <a:p>
+            <a:r>
+              <a:rPr lang="en-US" dirty="0" err="1" smtClean="0">
+                <a:effectLst/>
+              </a:rPr>
+              <a:t>db.stores.update</a:t>
+            </a:r>
+            <a:r>
+              <a:rPr lang="en-US" dirty="0" smtClean="0">
+                <a:effectLst/>
+              </a:rPr>
+              <a:t>(</a:t>
+            </a:r>
+            <a:r>
+              <a:rPr lang="en-US" dirty="0" smtClean="0"/>
+              <a:t> </a:t>
+            </a:r>
+            <a:r>
+              <a:rPr lang="en-US" dirty="0" smtClean="0">
+                <a:effectLst/>
+              </a:rPr>
+              <a:t>{</a:t>
+            </a:r>
+            <a:r>
+              <a:rPr lang="en-US" dirty="0" smtClean="0"/>
+              <a:t> </a:t>
+            </a:r>
+            <a:r>
+              <a:rPr lang="en-US" dirty="0" smtClean="0">
+                <a:effectLst/>
+              </a:rPr>
+              <a:t>},</a:t>
+            </a:r>
+            <a:r>
+              <a:rPr lang="en-US" dirty="0" smtClean="0"/>
+              <a:t> </a:t>
+            </a:r>
+            <a:r>
+              <a:rPr lang="en-US" dirty="0" smtClean="0">
+                <a:effectLst/>
+              </a:rPr>
+              <a:t>{</a:t>
+            </a:r>
+            <a:r>
+              <a:rPr lang="en-US" dirty="0" smtClean="0"/>
+              <a:t> </a:t>
+            </a:r>
+            <a:r>
+              <a:rPr lang="en-US" dirty="0" smtClean="0">
+                <a:effectLst/>
+              </a:rPr>
+              <a:t>$pull</a:t>
+            </a:r>
+            <a:r>
+              <a:rPr lang="en-US" sz="1200" kern="1200" dirty="0" smtClean="0">
+                <a:solidFill>
+                  <a:schemeClr val="tx1"/>
+                </a:solidFill>
+                <a:effectLst/>
+                <a:latin typeface="+mn-lt"/>
+                <a:ea typeface="+mn-ea"/>
+                <a:cs typeface="+mn-cs"/>
+              </a:rPr>
+              <a:t>:</a:t>
+            </a:r>
+            <a:r>
+              <a:rPr lang="en-US" dirty="0" smtClean="0"/>
+              <a:t> </a:t>
+            </a:r>
+            <a:r>
+              <a:rPr lang="en-US" dirty="0" smtClean="0">
+                <a:effectLst/>
+              </a:rPr>
+              <a:t>{</a:t>
+            </a:r>
+            <a:r>
+              <a:rPr lang="en-US" dirty="0" smtClean="0"/>
+              <a:t> </a:t>
+            </a:r>
+            <a:r>
+              <a:rPr lang="en-US" dirty="0" smtClean="0">
+                <a:effectLst/>
+              </a:rPr>
+              <a:t>fruits</a:t>
+            </a:r>
+            <a:r>
+              <a:rPr lang="en-US" sz="1200" kern="1200" dirty="0" smtClean="0">
+                <a:solidFill>
+                  <a:schemeClr val="tx1"/>
+                </a:solidFill>
+                <a:effectLst/>
+                <a:latin typeface="+mn-lt"/>
+                <a:ea typeface="+mn-ea"/>
+                <a:cs typeface="+mn-cs"/>
+              </a:rPr>
+              <a:t>:</a:t>
+            </a:r>
+            <a:r>
+              <a:rPr lang="en-US" dirty="0" smtClean="0"/>
+              <a:t> </a:t>
+            </a:r>
+            <a:r>
+              <a:rPr lang="en-US" dirty="0" smtClean="0">
+                <a:effectLst/>
+              </a:rPr>
+              <a:t>{</a:t>
+            </a:r>
+            <a:r>
+              <a:rPr lang="en-US" dirty="0" smtClean="0"/>
+              <a:t> </a:t>
+            </a:r>
+            <a:r>
+              <a:rPr lang="en-US" dirty="0" smtClean="0">
+                <a:effectLst/>
+              </a:rPr>
+              <a:t>$in</a:t>
+            </a:r>
+            <a:r>
+              <a:rPr lang="en-US" sz="1200" kern="1200" dirty="0" smtClean="0">
+                <a:solidFill>
+                  <a:schemeClr val="tx1"/>
+                </a:solidFill>
+                <a:effectLst/>
+                <a:latin typeface="+mn-lt"/>
+                <a:ea typeface="+mn-ea"/>
+                <a:cs typeface="+mn-cs"/>
+              </a:rPr>
+              <a:t>:</a:t>
+            </a:r>
+            <a:r>
+              <a:rPr lang="en-US" dirty="0" smtClean="0"/>
+              <a:t> </a:t>
+            </a:r>
+            <a:r>
+              <a:rPr lang="en-US" dirty="0" smtClean="0">
+                <a:effectLst/>
+              </a:rPr>
+              <a:t>[</a:t>
+            </a:r>
+            <a:r>
+              <a:rPr lang="en-US" dirty="0" smtClean="0"/>
+              <a:t> </a:t>
+            </a:r>
+            <a:r>
+              <a:rPr lang="en-US" sz="1200" kern="1200" dirty="0" smtClean="0">
+                <a:solidFill>
+                  <a:schemeClr val="tx1"/>
+                </a:solidFill>
+                <a:effectLst/>
+                <a:latin typeface="+mn-lt"/>
+                <a:ea typeface="+mn-ea"/>
+                <a:cs typeface="+mn-cs"/>
+              </a:rPr>
+              <a:t>"apples"</a:t>
+            </a:r>
+            <a:r>
+              <a:rPr lang="en-US" dirty="0" smtClean="0">
+                <a:effectLst/>
+              </a:rPr>
+              <a:t>,</a:t>
+            </a:r>
+            <a:r>
+              <a:rPr lang="en-US" dirty="0" smtClean="0"/>
+              <a:t> </a:t>
+            </a:r>
+            <a:r>
+              <a:rPr lang="en-US" sz="1200" kern="1200" dirty="0" smtClean="0">
+                <a:solidFill>
+                  <a:schemeClr val="tx1"/>
+                </a:solidFill>
+                <a:effectLst/>
+                <a:latin typeface="+mn-lt"/>
+                <a:ea typeface="+mn-ea"/>
+                <a:cs typeface="+mn-cs"/>
+              </a:rPr>
+              <a:t>"oranges"</a:t>
+            </a:r>
+            <a:r>
+              <a:rPr lang="en-US" dirty="0" smtClean="0"/>
+              <a:t> </a:t>
+            </a:r>
+            <a:r>
+              <a:rPr lang="en-US" dirty="0" smtClean="0">
+                <a:effectLst/>
+              </a:rPr>
+              <a:t>]</a:t>
+            </a:r>
+            <a:r>
+              <a:rPr lang="en-US" dirty="0" smtClean="0"/>
+              <a:t> </a:t>
+            </a:r>
+            <a:r>
+              <a:rPr lang="en-US" dirty="0" smtClean="0">
+                <a:effectLst/>
+              </a:rPr>
+              <a:t>},</a:t>
+            </a:r>
+            <a:r>
+              <a:rPr lang="en-US" dirty="0" smtClean="0"/>
+              <a:t> </a:t>
+            </a:r>
+            <a:r>
+              <a:rPr lang="en-US" dirty="0" smtClean="0">
+                <a:effectLst/>
+              </a:rPr>
+              <a:t>vegetables</a:t>
+            </a:r>
+            <a:r>
+              <a:rPr lang="en-US" sz="1200" kern="1200" dirty="0" smtClean="0">
+                <a:solidFill>
+                  <a:schemeClr val="tx1"/>
+                </a:solidFill>
+                <a:effectLst/>
+                <a:latin typeface="+mn-lt"/>
+                <a:ea typeface="+mn-ea"/>
+                <a:cs typeface="+mn-cs"/>
+              </a:rPr>
+              <a:t>:</a:t>
+            </a:r>
+            <a:r>
+              <a:rPr lang="en-US" dirty="0" smtClean="0"/>
+              <a:t> </a:t>
+            </a:r>
+            <a:r>
+              <a:rPr lang="en-US" sz="1200" kern="1200" dirty="0" smtClean="0">
+                <a:solidFill>
+                  <a:schemeClr val="tx1"/>
+                </a:solidFill>
+                <a:effectLst/>
+                <a:latin typeface="+mn-lt"/>
+                <a:ea typeface="+mn-ea"/>
+                <a:cs typeface="+mn-cs"/>
+              </a:rPr>
+              <a:t>"carrots"</a:t>
+            </a:r>
+            <a:r>
+              <a:rPr lang="en-US" dirty="0" smtClean="0"/>
+              <a:t> </a:t>
+            </a:r>
+            <a:r>
+              <a:rPr lang="en-US" dirty="0" smtClean="0">
+                <a:effectLst/>
+              </a:rPr>
+              <a:t>}</a:t>
+            </a:r>
+            <a:r>
+              <a:rPr lang="en-US" dirty="0" smtClean="0"/>
+              <a:t> </a:t>
+            </a:r>
+            <a:r>
+              <a:rPr lang="en-US" dirty="0" smtClean="0">
+                <a:effectLst/>
+              </a:rPr>
+              <a:t>},</a:t>
+            </a:r>
+            <a:r>
+              <a:rPr lang="en-US" dirty="0" smtClean="0"/>
+              <a:t> </a:t>
+            </a:r>
+            <a:r>
+              <a:rPr lang="en-US" dirty="0" smtClean="0">
+                <a:effectLst/>
+              </a:rPr>
+              <a:t>{</a:t>
+            </a:r>
+            <a:r>
+              <a:rPr lang="en-US" dirty="0" smtClean="0"/>
+              <a:t> </a:t>
+            </a:r>
+            <a:r>
+              <a:rPr lang="en-US" dirty="0" smtClean="0">
+                <a:effectLst/>
+              </a:rPr>
+              <a:t>multi</a:t>
+            </a:r>
+            <a:r>
+              <a:rPr lang="en-US" sz="1200" kern="1200" dirty="0" smtClean="0">
+                <a:solidFill>
+                  <a:schemeClr val="tx1"/>
+                </a:solidFill>
+                <a:effectLst/>
+                <a:latin typeface="+mn-lt"/>
+                <a:ea typeface="+mn-ea"/>
+                <a:cs typeface="+mn-cs"/>
+              </a:rPr>
+              <a:t>:</a:t>
+            </a:r>
+            <a:r>
+              <a:rPr lang="en-US" dirty="0" smtClean="0"/>
+              <a:t> </a:t>
+            </a:r>
+            <a:r>
+              <a:rPr lang="en-US" sz="1200" b="1" kern="1200" dirty="0" smtClean="0">
+                <a:solidFill>
+                  <a:schemeClr val="tx1"/>
+                </a:solidFill>
+                <a:effectLst/>
+                <a:latin typeface="+mn-lt"/>
+                <a:ea typeface="+mn-ea"/>
+                <a:cs typeface="+mn-cs"/>
+              </a:rPr>
+              <a:t>true</a:t>
+            </a:r>
+            <a:r>
+              <a:rPr lang="en-US" dirty="0" smtClean="0"/>
+              <a:t> </a:t>
+            </a:r>
+            <a:r>
+              <a:rPr lang="en-US" dirty="0" smtClean="0">
+                <a:effectLst/>
+              </a:rPr>
+              <a:t>}</a:t>
+            </a:r>
+            <a:r>
+              <a:rPr lang="en-US" dirty="0" smtClean="0"/>
+              <a:t> </a:t>
+            </a:r>
+            <a:r>
+              <a:rPr lang="en-US" dirty="0" smtClean="0">
+                <a:effectLst/>
+              </a:rPr>
+              <a:t>)</a:t>
+            </a:r>
+          </a:p>
+          <a:p>
+            <a:endParaRPr lang="en-US" dirty="0" smtClean="0">
+              <a:effectLst/>
+            </a:endParaRPr>
+          </a:p>
+          <a:p>
+            <a:r>
+              <a:rPr lang="en-US" dirty="0" err="1" smtClean="0">
+                <a:effectLst/>
+              </a:rPr>
+              <a:t>db.test.update</a:t>
+            </a:r>
+            <a:r>
+              <a:rPr lang="en-US" dirty="0" smtClean="0">
+                <a:effectLst/>
+              </a:rPr>
+              <a:t>(</a:t>
+            </a:r>
+            <a:r>
+              <a:rPr lang="en-US" dirty="0" smtClean="0"/>
+              <a:t> </a:t>
+            </a:r>
+            <a:r>
+              <a:rPr lang="en-US" dirty="0" smtClean="0">
+                <a:effectLst/>
+              </a:rPr>
+              <a:t>{</a:t>
+            </a:r>
+            <a:r>
+              <a:rPr lang="en-US" dirty="0" smtClean="0"/>
+              <a:t> </a:t>
+            </a:r>
+            <a:r>
+              <a:rPr lang="en-US" dirty="0" smtClean="0">
+                <a:effectLst/>
+              </a:rPr>
+              <a:t>_id</a:t>
+            </a:r>
+            <a:r>
+              <a:rPr lang="en-US" sz="1200" kern="1200" dirty="0" smtClean="0">
+                <a:solidFill>
+                  <a:schemeClr val="tx1"/>
+                </a:solidFill>
+                <a:effectLst/>
+                <a:latin typeface="+mn-lt"/>
+                <a:ea typeface="+mn-ea"/>
+                <a:cs typeface="+mn-cs"/>
+              </a:rPr>
+              <a:t>:</a:t>
+            </a:r>
+            <a:r>
+              <a:rPr lang="en-US" dirty="0" smtClean="0"/>
+              <a:t> </a:t>
+            </a:r>
+            <a:r>
+              <a:rPr lang="en-US" sz="1200" kern="1200" dirty="0" smtClean="0">
+                <a:solidFill>
+                  <a:schemeClr val="tx1"/>
+                </a:solidFill>
+                <a:effectLst/>
+                <a:latin typeface="+mn-lt"/>
+                <a:ea typeface="+mn-ea"/>
+                <a:cs typeface="+mn-cs"/>
+              </a:rPr>
+              <a:t>1</a:t>
+            </a:r>
+            <a:r>
+              <a:rPr lang="en-US" dirty="0" smtClean="0"/>
+              <a:t> </a:t>
+            </a:r>
+            <a:r>
+              <a:rPr lang="en-US" dirty="0" smtClean="0">
+                <a:effectLst/>
+              </a:rPr>
+              <a:t>},</a:t>
+            </a:r>
+            <a:r>
+              <a:rPr lang="en-US" dirty="0" smtClean="0"/>
+              <a:t> </a:t>
+            </a:r>
+            <a:r>
+              <a:rPr lang="en-US" dirty="0" smtClean="0">
+                <a:effectLst/>
+              </a:rPr>
+              <a:t>{</a:t>
+            </a:r>
+            <a:r>
+              <a:rPr lang="en-US" dirty="0" smtClean="0"/>
+              <a:t> </a:t>
+            </a:r>
+            <a:r>
+              <a:rPr lang="en-US" dirty="0" smtClean="0">
+                <a:effectLst/>
+              </a:rPr>
+              <a:t>$</a:t>
+            </a:r>
+            <a:r>
+              <a:rPr lang="en-US" dirty="0" err="1" smtClean="0">
+                <a:effectLst/>
+              </a:rPr>
+              <a:t>addToSet</a:t>
+            </a:r>
+            <a:r>
+              <a:rPr lang="en-US" sz="1200" kern="1200" dirty="0" smtClean="0">
+                <a:solidFill>
+                  <a:schemeClr val="tx1"/>
+                </a:solidFill>
+                <a:effectLst/>
+                <a:latin typeface="+mn-lt"/>
+                <a:ea typeface="+mn-ea"/>
+                <a:cs typeface="+mn-cs"/>
+              </a:rPr>
+              <a:t>:</a:t>
+            </a:r>
+            <a:r>
+              <a:rPr lang="en-US" dirty="0" smtClean="0"/>
+              <a:t> </a:t>
+            </a:r>
+            <a:r>
+              <a:rPr lang="en-US" dirty="0" smtClean="0">
+                <a:effectLst/>
+              </a:rPr>
+              <a:t>{letters</a:t>
+            </a:r>
+            <a:r>
+              <a:rPr lang="en-US" sz="1200" kern="1200" dirty="0" smtClean="0">
+                <a:solidFill>
+                  <a:schemeClr val="tx1"/>
+                </a:solidFill>
+                <a:effectLst/>
+                <a:latin typeface="+mn-lt"/>
+                <a:ea typeface="+mn-ea"/>
+                <a:cs typeface="+mn-cs"/>
+              </a:rPr>
+              <a:t>:</a:t>
+            </a:r>
+            <a:r>
+              <a:rPr lang="en-US" dirty="0" smtClean="0"/>
+              <a:t> </a:t>
+            </a:r>
+            <a:r>
+              <a:rPr lang="en-US" sz="1200" kern="1200" dirty="0" smtClean="0">
+                <a:solidFill>
+                  <a:schemeClr val="tx1"/>
+                </a:solidFill>
+                <a:effectLst/>
+                <a:latin typeface="+mn-lt"/>
+                <a:ea typeface="+mn-ea"/>
+                <a:cs typeface="+mn-cs"/>
+              </a:rPr>
+              <a:t>"c"</a:t>
+            </a:r>
+            <a:r>
+              <a:rPr lang="en-US" dirty="0" smtClean="0">
+                <a:effectLst/>
+              </a:rPr>
+              <a:t>}</a:t>
+            </a:r>
+            <a:r>
+              <a:rPr lang="en-US" dirty="0" smtClean="0"/>
+              <a:t> </a:t>
+            </a:r>
+            <a:r>
+              <a:rPr lang="en-US" dirty="0" smtClean="0">
+                <a:effectLst/>
+              </a:rPr>
+              <a:t>}</a:t>
+            </a:r>
+            <a:r>
+              <a:rPr lang="en-US" dirty="0" smtClean="0"/>
+              <a:t> </a:t>
+            </a:r>
+            <a:r>
+              <a:rPr lang="en-US" dirty="0" smtClean="0">
+                <a:effectLst/>
+              </a:rPr>
+              <a:t>)</a:t>
+            </a:r>
           </a:p>
           <a:p>
             <a:endParaRPr lang="en-US" dirty="0"/>
@@ -2326,7 +3102,7 @@
           <a:p>
             <a:fld id="{7ECDF86E-C09E-4C73-8798-F0685C098AE7}" type="slidenum">
               <a:rPr lang="en-US" smtClean="0"/>
-              <a:t>21</a:t>
+              <a:t>20</a:t>
             </a:fld>
             <a:endParaRPr lang="en-US"/>
           </a:p>
@@ -2335,7 +3111,7 @@
     </p:spTree>
     <p:extLst>
       <p:ext uri="{BB962C8B-B14F-4D97-AF65-F5344CB8AC3E}">
-        <p14:creationId xmlns:p14="http://schemas.microsoft.com/office/powerpoint/2010/main" val="1375703474"/>
+        <p14:creationId xmlns:p14="http://schemas.microsoft.com/office/powerpoint/2010/main" val="3355649645"/>
       </p:ext>
     </p:extLst>
   </p:cSld>
@@ -2391,22 +3167,313 @@
           <a:p>
             <a:r>
               <a:rPr lang="en-US" dirty="0" smtClean="0"/>
-              <a:t>MongoDB stores something very close to JSON called BSON.  Documents can contain</a:t>
+              <a:t>NoSQL: flexible</a:t>
             </a:r>
             <a:r>
               <a:rPr lang="en-US" baseline="0" dirty="0" smtClean="0"/>
-              <a:t> sub-documents, arrays, references to another documents and include a primary key that can be assigned by MongoDB which is a GUID.  Although MongoDB does not join documents, documents can contain references to other document, pointing to the “_id” of another document.</a:t>
-            </a:r>
-          </a:p>
-          <a:p>
+              <a:t> schema, directly map to </a:t>
+            </a:r>
+            <a:r>
+              <a:rPr lang="en-US" baseline="0" dirty="0" err="1" smtClean="0"/>
+              <a:t>datastructures</a:t>
+            </a:r>
+            <a:r>
+              <a:rPr lang="en-US" baseline="0" dirty="0" smtClean="0"/>
+              <a:t>, support redundancy, scale up </a:t>
+            </a:r>
+            <a:r>
+              <a:rPr lang="en-US" baseline="0" dirty="0" smtClean="0"/>
+              <a:t>well…  ACID: atomic, consistent, isolated and durable.  </a:t>
+            </a:r>
             <a:endParaRPr lang="en-US" baseline="0" dirty="0" smtClean="0"/>
           </a:p>
           <a:p>
+            <a:endParaRPr lang="en-US" baseline="0" dirty="0" smtClean="0"/>
+          </a:p>
+          <a:p>
             <a:r>
               <a:rPr lang="en-US" baseline="0" dirty="0" smtClean="0"/>
-              <a:t>Sub-portions of documents can be modified directly rather than updating an entire document.  Updates to a document can also be atomic, so although there is not a concept of transaction across documents, an operation against a single document can be atomic.</a:t>
-            </a:r>
-            <a:endParaRPr lang="en-US" dirty="0"/>
+              <a:t>Instead of tables of columns and rows, MongoDB stores documents that are in a JSON like structure.  BSON: binary JSON.  Simple data structures, associative arrays (key/value pairs), binary objects, </a:t>
+            </a:r>
+            <a:r>
+              <a:rPr lang="en-US" baseline="0" dirty="0" err="1" smtClean="0"/>
+              <a:t>javascript</a:t>
+            </a:r>
+            <a:r>
+              <a:rPr lang="en-US" baseline="0" dirty="0" smtClean="0"/>
+              <a:t> objects, regex, MD5 binary data.</a:t>
+            </a:r>
+          </a:p>
+          <a:p>
+            <a:r>
+              <a:rPr lang="en-US" baseline="0" dirty="0" smtClean="0"/>
+              <a:t>- Max doc size 16 MB </a:t>
+            </a:r>
+            <a:endParaRPr lang="en-US" dirty="0" smtClean="0"/>
+          </a:p>
+          <a:p>
+            <a:endParaRPr lang="en-US" baseline="0" dirty="0" smtClean="0"/>
+          </a:p>
+          <a:p>
+            <a:r>
+              <a:rPr lang="en-US" baseline="0" dirty="0" smtClean="0"/>
+              <a:t>High performance: MongoDB stores structures documents, not just columns.  Reads/writes by primary key on a table but with structure.</a:t>
+            </a:r>
+          </a:p>
+          <a:p>
+            <a:r>
+              <a:rPr lang="en-US" sz="1200" b="0" i="0" kern="1200" dirty="0" smtClean="0">
+                <a:solidFill>
+                  <a:schemeClr val="tx1"/>
+                </a:solidFill>
+                <a:effectLst/>
+                <a:latin typeface="+mn-lt"/>
+                <a:ea typeface="+mn-ea"/>
+                <a:cs typeface="+mn-cs"/>
+              </a:rPr>
+              <a:t>- Support for embedded data models reduces I/O activity on database </a:t>
+            </a:r>
+            <a:r>
+              <a:rPr lang="en-US" sz="1200" b="0" i="0" kern="1200" dirty="0" smtClean="0">
+                <a:solidFill>
+                  <a:schemeClr val="tx1"/>
+                </a:solidFill>
+                <a:effectLst/>
+                <a:latin typeface="+mn-lt"/>
+                <a:ea typeface="+mn-ea"/>
+                <a:cs typeface="+mn-cs"/>
+              </a:rPr>
+              <a:t>file system</a:t>
+            </a:r>
+            <a:r>
+              <a:rPr lang="en-US" sz="1200" b="0" i="0" kern="1200" dirty="0" smtClean="0">
+                <a:solidFill>
+                  <a:schemeClr val="tx1"/>
+                </a:solidFill>
+                <a:effectLst/>
+                <a:latin typeface="+mn-lt"/>
+                <a:ea typeface="+mn-ea"/>
+                <a:cs typeface="+mn-cs"/>
+              </a:rPr>
+              <a:t>.</a:t>
+            </a:r>
+          </a:p>
+          <a:p>
+            <a:r>
+              <a:rPr lang="en-US" sz="1200" b="0" i="0" kern="1200" dirty="0" smtClean="0">
+                <a:solidFill>
+                  <a:schemeClr val="tx1"/>
+                </a:solidFill>
+                <a:effectLst/>
+                <a:latin typeface="+mn-lt"/>
+                <a:ea typeface="+mn-ea"/>
+                <a:cs typeface="+mn-cs"/>
+              </a:rPr>
+              <a:t>- Indexes support faster queries and can include keys from embedded documents and arrays.</a:t>
+            </a:r>
+          </a:p>
+          <a:p>
+            <a:endParaRPr lang="en-US" baseline="0" dirty="0" smtClean="0"/>
+          </a:p>
+          <a:p>
+            <a:r>
+              <a:rPr lang="en-US" baseline="0" dirty="0" smtClean="0"/>
+              <a:t>High availably: structured to replicate data and partition data across servers.</a:t>
+            </a:r>
+          </a:p>
+          <a:p>
+            <a:r>
+              <a:rPr lang="en-US" sz="1200" b="0" i="1" kern="1200" dirty="0" smtClean="0">
+                <a:solidFill>
+                  <a:schemeClr val="tx1"/>
+                </a:solidFill>
+                <a:effectLst/>
+                <a:latin typeface="+mn-lt"/>
+                <a:ea typeface="+mn-ea"/>
+                <a:cs typeface="+mn-cs"/>
+              </a:rPr>
+              <a:t>- automatic</a:t>
+            </a:r>
+            <a:r>
+              <a:rPr lang="en-US" sz="1200" b="0" i="0" kern="1200" dirty="0" smtClean="0">
+                <a:solidFill>
+                  <a:schemeClr val="tx1"/>
+                </a:solidFill>
+                <a:effectLst/>
+                <a:latin typeface="+mn-lt"/>
+                <a:ea typeface="+mn-ea"/>
+                <a:cs typeface="+mn-cs"/>
+              </a:rPr>
+              <a:t> failover </a:t>
+            </a:r>
+            <a:r>
+              <a:rPr lang="en-US" sz="1200" b="0" i="0" kern="1200" dirty="0" smtClean="0">
+                <a:solidFill>
+                  <a:schemeClr val="tx1"/>
+                </a:solidFill>
+                <a:effectLst/>
+                <a:latin typeface="+mn-lt"/>
+                <a:ea typeface="+mn-ea"/>
+                <a:cs typeface="+mn-cs"/>
+              </a:rPr>
+              <a:t>and </a:t>
+            </a:r>
+            <a:r>
+              <a:rPr lang="en-US" sz="1200" b="0" i="0" kern="1200" dirty="0" smtClean="0">
+                <a:solidFill>
+                  <a:schemeClr val="tx1"/>
+                </a:solidFill>
+                <a:effectLst/>
+                <a:latin typeface="+mn-lt"/>
+                <a:ea typeface="+mn-ea"/>
+                <a:cs typeface="+mn-cs"/>
+              </a:rPr>
+              <a:t>data redundancy.</a:t>
+            </a:r>
+          </a:p>
+          <a:p>
+            <a:endParaRPr lang="en-US" baseline="0" dirty="0" smtClean="0"/>
+          </a:p>
+          <a:p>
+            <a:r>
+              <a:rPr lang="en-US" baseline="0" dirty="0" smtClean="0"/>
+              <a:t>Horizontal scaling: documents can be partitioned between servers to distribute the load</a:t>
+            </a:r>
+          </a:p>
+          <a:p>
+            <a:r>
+              <a:rPr lang="en-US" sz="1200" b="0" i="0" u="none" strike="noStrike" kern="1200" dirty="0" smtClean="0">
+                <a:solidFill>
+                  <a:schemeClr val="tx1"/>
+                </a:solidFill>
+                <a:effectLst/>
+                <a:latin typeface="+mn-lt"/>
+                <a:ea typeface="+mn-ea"/>
+                <a:cs typeface="+mn-cs"/>
+                <a:hlinkClick r:id="rId3"/>
+              </a:rPr>
+              <a:t>- </a:t>
+            </a:r>
+            <a:r>
+              <a:rPr lang="en-US" sz="1200" b="0" i="0" u="none" strike="noStrike" kern="1200" dirty="0" err="1" smtClean="0">
+                <a:solidFill>
+                  <a:schemeClr val="tx1"/>
+                </a:solidFill>
+                <a:effectLst/>
+                <a:latin typeface="+mn-lt"/>
+                <a:ea typeface="+mn-ea"/>
+                <a:cs typeface="+mn-cs"/>
+                <a:hlinkClick r:id="rId3"/>
+              </a:rPr>
+              <a:t>Sharding</a:t>
+            </a:r>
+            <a:r>
+              <a:rPr lang="en-US" sz="1200" b="0" i="0" kern="1200" dirty="0" smtClean="0">
+                <a:solidFill>
+                  <a:schemeClr val="tx1"/>
+                </a:solidFill>
+                <a:effectLst/>
+                <a:latin typeface="+mn-lt"/>
+                <a:ea typeface="+mn-ea"/>
+                <a:cs typeface="+mn-cs"/>
+              </a:rPr>
+              <a:t> distributes data across a cluster of machines.</a:t>
+            </a:r>
+          </a:p>
+          <a:p>
+            <a:r>
+              <a:rPr lang="en-US" sz="1200" b="0" i="0" kern="1200" dirty="0" smtClean="0">
+                <a:solidFill>
+                  <a:schemeClr val="tx1"/>
+                </a:solidFill>
+                <a:effectLst/>
+                <a:latin typeface="+mn-lt"/>
+                <a:ea typeface="+mn-ea"/>
+                <a:cs typeface="+mn-cs"/>
+              </a:rPr>
+              <a:t>- MongoDB 3.4 supports creating </a:t>
+            </a:r>
+            <a:r>
+              <a:rPr lang="en-US" sz="1200" b="0" i="0" u="none" strike="noStrike" kern="1200" dirty="0" smtClean="0">
+                <a:solidFill>
+                  <a:schemeClr val="tx1"/>
+                </a:solidFill>
+                <a:effectLst/>
+                <a:latin typeface="+mn-lt"/>
+                <a:ea typeface="+mn-ea"/>
+                <a:cs typeface="+mn-cs"/>
+                <a:hlinkClick r:id="rId4"/>
+              </a:rPr>
+              <a:t>zones</a:t>
+            </a:r>
+            <a:r>
+              <a:rPr lang="en-US" sz="1200" b="0" i="0" kern="1200" dirty="0" smtClean="0">
+                <a:solidFill>
+                  <a:schemeClr val="tx1"/>
+                </a:solidFill>
+                <a:effectLst/>
+                <a:latin typeface="+mn-lt"/>
+                <a:ea typeface="+mn-ea"/>
+                <a:cs typeface="+mn-cs"/>
+              </a:rPr>
+              <a:t> of data based on the </a:t>
+            </a:r>
+            <a:r>
+              <a:rPr lang="en-US" sz="1200" b="0" i="0" u="none" strike="noStrike" kern="1200" dirty="0" smtClean="0">
+                <a:solidFill>
+                  <a:schemeClr val="tx1"/>
+                </a:solidFill>
+                <a:effectLst/>
+                <a:latin typeface="+mn-lt"/>
+                <a:ea typeface="+mn-ea"/>
+                <a:cs typeface="+mn-cs"/>
+                <a:hlinkClick r:id="rId5"/>
+              </a:rPr>
+              <a:t>shard key</a:t>
+            </a:r>
+            <a:r>
+              <a:rPr lang="en-US" sz="1200" b="0" i="0" kern="1200" dirty="0" smtClean="0">
+                <a:solidFill>
+                  <a:schemeClr val="tx1"/>
+                </a:solidFill>
+                <a:effectLst/>
+                <a:latin typeface="+mn-lt"/>
+                <a:ea typeface="+mn-ea"/>
+                <a:cs typeface="+mn-cs"/>
+              </a:rPr>
+              <a:t>. In a balanced cluster, MongoDB directs reads and writes covered by a zone only to those shards inside the zone. See the </a:t>
+            </a:r>
+            <a:r>
+              <a:rPr lang="en-US" sz="1200" b="0" i="0" u="none" strike="noStrike" kern="1200" dirty="0" smtClean="0">
+                <a:solidFill>
+                  <a:schemeClr val="tx1"/>
+                </a:solidFill>
+                <a:effectLst/>
+                <a:latin typeface="+mn-lt"/>
+                <a:ea typeface="+mn-ea"/>
+                <a:cs typeface="+mn-cs"/>
+                <a:hlinkClick r:id="rId4"/>
+              </a:rPr>
+              <a:t>Zones</a:t>
+            </a:r>
+            <a:r>
+              <a:rPr lang="en-US" sz="1200" b="0" i="0" kern="1200" dirty="0" smtClean="0">
+                <a:solidFill>
+                  <a:schemeClr val="tx1"/>
+                </a:solidFill>
+                <a:effectLst/>
+                <a:latin typeface="+mn-lt"/>
+                <a:ea typeface="+mn-ea"/>
+                <a:cs typeface="+mn-cs"/>
+              </a:rPr>
+              <a:t> manual page for more information.</a:t>
+            </a:r>
+          </a:p>
+          <a:p>
+            <a:endParaRPr lang="en-US" baseline="0" dirty="0" smtClean="0"/>
+          </a:p>
+          <a:p>
+            <a:endParaRPr lang="en-US" baseline="0" dirty="0" smtClean="0"/>
           </a:p>
         </p:txBody>
       </p:sp>
@@ -2427,7 +3494,7 @@
           <a:p>
             <a:fld id="{7ECDF86E-C09E-4C73-8798-F0685C098AE7}" type="slidenum">
               <a:rPr lang="en-US" smtClean="0"/>
-              <a:t>3</a:t>
+              <a:t>2</a:t>
             </a:fld>
             <a:endParaRPr lang="en-US"/>
           </a:p>
@@ -2490,6 +3557,114 @@
           <a:bodyPr/>
           <a:lstStyle/>
           <a:p>
+            <a:r>
+              <a:rPr lang="en-US" dirty="0" err="1" smtClean="0"/>
+              <a:t>db.movies.update</a:t>
+            </a:r>
+            <a:r>
+              <a:rPr lang="en-US" dirty="0" smtClean="0"/>
+              <a:t>({</a:t>
+            </a:r>
+            <a:r>
+              <a:rPr lang="en-US" dirty="0" err="1" smtClean="0"/>
+              <a:t>title:"Batman</a:t>
+            </a:r>
+            <a:r>
+              <a:rPr lang="en-US" dirty="0" smtClean="0"/>
+              <a:t>"},{$set: {</a:t>
+            </a:r>
+            <a:r>
+              <a:rPr lang="en-US" dirty="0" err="1" smtClean="0"/>
+              <a:t>boxOffice</a:t>
+            </a:r>
+            <a:r>
+              <a:rPr lang="en-US" dirty="0" smtClean="0"/>
+              <a:t>: </a:t>
+            </a:r>
+            <a:r>
+              <a:rPr lang="en-US" dirty="0" smtClean="0"/>
+              <a:t>“</a:t>
+            </a:r>
+            <a:r>
+              <a:rPr lang="en-US" sz="1200" b="1" dirty="0" smtClean="0"/>
+              <a:t>$251,188,924</a:t>
+            </a:r>
+            <a:r>
+              <a:rPr lang="en-US" dirty="0" smtClean="0"/>
+              <a:t>”}})</a:t>
+            </a:r>
+            <a:endParaRPr lang="en-US" dirty="0" smtClean="0"/>
+          </a:p>
+          <a:p>
+            <a:endParaRPr lang="en-US" dirty="0" smtClean="0"/>
+          </a:p>
+          <a:p>
+            <a:r>
+              <a:rPr lang="en-US" dirty="0" err="1" smtClean="0"/>
+              <a:t>db.movies.update</a:t>
+            </a:r>
+            <a:r>
+              <a:rPr lang="en-US" dirty="0" smtClean="0"/>
+              <a:t>({</a:t>
+            </a:r>
+            <a:r>
+              <a:rPr lang="en-US" dirty="0" err="1" smtClean="0"/>
+              <a:t>title:"Batman</a:t>
+            </a:r>
+            <a:r>
+              <a:rPr lang="en-US" dirty="0" smtClean="0"/>
+              <a:t>"},{$push: {actors: "Jack </a:t>
+            </a:r>
+            <a:r>
+              <a:rPr lang="en-US" dirty="0" err="1" smtClean="0"/>
+              <a:t>Palance</a:t>
+            </a:r>
+            <a:r>
+              <a:rPr lang="en-US" dirty="0" smtClean="0"/>
+              <a:t>"}})</a:t>
+            </a:r>
+          </a:p>
+          <a:p>
+            <a:endParaRPr lang="en-US" dirty="0" smtClean="0"/>
+          </a:p>
+          <a:p>
+            <a:r>
+              <a:rPr lang="en-US" dirty="0" err="1" smtClean="0"/>
+              <a:t>db.movies.update</a:t>
+            </a:r>
+            <a:r>
+              <a:rPr lang="en-US" dirty="0" smtClean="0"/>
+              <a:t>({</a:t>
+            </a:r>
+            <a:r>
+              <a:rPr lang="en-US" dirty="0" err="1" smtClean="0"/>
+              <a:t>title</a:t>
+            </a:r>
+            <a:r>
+              <a:rPr lang="en-US" dirty="0" err="1" smtClean="0"/>
+              <a:t>:“The</a:t>
+            </a:r>
+            <a:r>
+              <a:rPr lang="en-US" dirty="0" smtClean="0"/>
+              <a:t> Incredibles"}, </a:t>
+            </a:r>
+            <a:r>
+              <a:rPr lang="en-US" dirty="0" smtClean="0"/>
+              <a:t>{$push: {"</a:t>
+            </a:r>
+            <a:r>
+              <a:rPr lang="en-US" dirty="0" err="1" smtClean="0"/>
+              <a:t>details.genre</a:t>
+            </a:r>
+            <a:r>
+              <a:rPr lang="en-US" dirty="0" smtClean="0"/>
+              <a:t>": “Action"}})</a:t>
+            </a:r>
+          </a:p>
+          <a:p>
+            <a:endParaRPr lang="en-US" dirty="0" smtClean="0"/>
+          </a:p>
+          <a:p>
             <a:endParaRPr lang="en-US" dirty="0"/>
           </a:p>
         </p:txBody>
@@ -2511,7 +3686,7 @@
           <a:p>
             <a:fld id="{7ECDF86E-C09E-4C73-8798-F0685C098AE7}" type="slidenum">
               <a:rPr lang="en-US" smtClean="0"/>
-              <a:t>22</a:t>
+              <a:t>21</a:t>
             </a:fld>
             <a:endParaRPr lang="en-US"/>
           </a:p>
@@ -2574,53 +3749,6 @@
           <a:bodyPr/>
           <a:lstStyle/>
           <a:p>
-            <a:r>
-              <a:rPr lang="en-US" dirty="0" smtClean="0"/>
-              <a:t>Atomic updates promise to update the document without allowing another user to corrupt</a:t>
-            </a:r>
-            <a:r>
-              <a:rPr lang="en-US" baseline="0" dirty="0" smtClean="0"/>
-              <a:t> the update.  Multiples can operate concurrently without causing problems.</a:t>
-            </a:r>
-          </a:p>
-          <a:p>
-            <a:endParaRPr lang="en-US" baseline="0" dirty="0" smtClean="0"/>
-          </a:p>
-          <a:p>
-            <a:r>
-              <a:rPr lang="en-US" baseline="0" dirty="0" smtClean="0"/>
-              <a:t>Show incrementing </a:t>
-            </a:r>
-            <a:r>
-              <a:rPr lang="en-US" baseline="0" dirty="0" err="1" smtClean="0"/>
-              <a:t>copiesRented</a:t>
-            </a:r>
-            <a:r>
-              <a:rPr lang="en-US" baseline="0" dirty="0" smtClean="0"/>
-              <a:t> </a:t>
-            </a:r>
-          </a:p>
-          <a:p>
-            <a:endParaRPr lang="en-US" baseline="0" dirty="0" smtClean="0"/>
-          </a:p>
-          <a:p>
-            <a:r>
-              <a:rPr lang="en-US" baseline="0" dirty="0" smtClean="0"/>
-              <a:t>Talk about/show </a:t>
-            </a:r>
-            <a:r>
-              <a:rPr lang="en-US" baseline="0" dirty="0" err="1" smtClean="0"/>
-              <a:t>upserts</a:t>
-            </a:r>
-            <a:r>
-              <a:rPr lang="en-US" baseline="0" dirty="0" smtClean="0"/>
-              <a:t> if you increment a title that does not exist yet.</a:t>
-            </a:r>
-          </a:p>
-          <a:p>
-            <a:endParaRPr lang="en-US" baseline="0" dirty="0" smtClean="0"/>
-          </a:p>
-          <a:p>
             <a:endParaRPr lang="en-US" dirty="0"/>
           </a:p>
         </p:txBody>
@@ -2642,7 +3770,7 @@
           <a:p>
             <a:fld id="{7ECDF86E-C09E-4C73-8798-F0685C098AE7}" type="slidenum">
               <a:rPr lang="en-US" smtClean="0"/>
-              <a:t>23</a:t>
+              <a:t>22</a:t>
             </a:fld>
             <a:endParaRPr lang="en-US"/>
           </a:p>
@@ -2651,7 +3779,7 @@
     </p:spTree>
     <p:extLst>
       <p:ext uri="{BB962C8B-B14F-4D97-AF65-F5344CB8AC3E}">
-        <p14:creationId xmlns:p14="http://schemas.microsoft.com/office/powerpoint/2010/main" val="3044033783"/>
+        <p14:creationId xmlns:p14="http://schemas.microsoft.com/office/powerpoint/2010/main" val="1375703474"/>
       </p:ext>
     </p:extLst>
   </p:cSld>
@@ -2707,24 +3835,131 @@
           <a:p>
             <a:r>
               <a:rPr lang="en-US" dirty="0" smtClean="0"/>
-              <a:t>Mention that mongo has no real schema</a:t>
+              <a:t>Atomic updates promise to update the document without allowing another user to corrupt</a:t>
             </a:r>
             <a:r>
               <a:rPr lang="en-US" baseline="0" dirty="0" smtClean="0"/>
-              <a:t> validation.</a:t>
-            </a:r>
+              <a:t> the update.  Multiples can operate concurrently without causing problems.</a:t>
+            </a:r>
+          </a:p>
+          <a:p>
+            <a:endParaRPr lang="en-US" baseline="0" dirty="0" smtClean="0"/>
           </a:p>
           <a:p>
             <a:r>
               <a:rPr lang="en-US" baseline="0" dirty="0" smtClean="0"/>
-              <a:t>Easy to check a field, no way to stop extra fields</a:t>
-            </a:r>
-          </a:p>
-          <a:p>
+              <a:t>Show incrementing </a:t>
+            </a:r>
+            <a:r>
+              <a:rPr lang="en-US" baseline="0" dirty="0" err="1" smtClean="0"/>
+              <a:t>copiesRented</a:t>
+            </a:r>
             <a:r>
               <a:rPr lang="en-US" baseline="0" dirty="0" smtClean="0"/>
-              <a:t>Mongoose does have a schema validation built in</a:t>
-            </a:r>
+              <a:t> </a:t>
+            </a:r>
+            <a:endParaRPr lang="en-US" baseline="0" dirty="0" smtClean="0"/>
+          </a:p>
+          <a:p>
+            <a:endParaRPr lang="en-US" baseline="0" dirty="0" smtClean="0"/>
+          </a:p>
+          <a:p>
+            <a:r>
+              <a:rPr lang="en-US" baseline="0" dirty="0" err="1" smtClean="0"/>
+              <a:t>db.movies.update</a:t>
+            </a:r>
+            <a:r>
+              <a:rPr lang="en-US" baseline="0" dirty="0" smtClean="0"/>
+              <a:t>({}, {$set: {</a:t>
+            </a:r>
+            <a:r>
+              <a:rPr lang="en-US" baseline="0" dirty="0" err="1" smtClean="0"/>
+              <a:t>copiesRented</a:t>
+            </a:r>
+            <a:r>
+              <a:rPr lang="en-US" baseline="0" dirty="0" smtClean="0"/>
+              <a:t>: 0}}, {multi: true})</a:t>
+            </a:r>
+          </a:p>
+          <a:p>
+            <a:endParaRPr lang="en-US" baseline="0" dirty="0" smtClean="0"/>
+          </a:p>
+          <a:p>
+            <a:r>
+              <a:rPr lang="en-US" baseline="0" dirty="0" err="1" smtClean="0"/>
+              <a:t>db.movies.findAndModify</a:t>
+            </a:r>
+            <a:r>
+              <a:rPr lang="en-US" baseline="0" dirty="0" smtClean="0"/>
+              <a:t>({query: {title: "The Incredibles"}, update: {$</a:t>
+            </a:r>
+            <a:r>
+              <a:rPr lang="en-US" baseline="0" dirty="0" err="1" smtClean="0"/>
+              <a:t>inc</a:t>
+            </a:r>
+            <a:r>
+              <a:rPr lang="en-US" baseline="0" dirty="0" smtClean="0"/>
+              <a:t>: {</a:t>
+            </a:r>
+            <a:r>
+              <a:rPr lang="en-US" baseline="0" dirty="0" err="1" smtClean="0"/>
+              <a:t>copiesRented</a:t>
+            </a:r>
+            <a:r>
+              <a:rPr lang="en-US" baseline="0" dirty="0" smtClean="0"/>
+              <a:t>: 1}}})</a:t>
+            </a:r>
+          </a:p>
+          <a:p>
+            <a:endParaRPr lang="en-US" baseline="0" dirty="0" smtClean="0"/>
+          </a:p>
+          <a:p>
+            <a:r>
+              <a:rPr lang="en-US" baseline="0" dirty="0" smtClean="0"/>
+              <a:t>You can see how you can increment a </a:t>
+            </a:r>
+            <a:r>
+              <a:rPr lang="en-US" baseline="0" dirty="0" err="1" smtClean="0"/>
+              <a:t>copiesRented</a:t>
+            </a:r>
+            <a:r>
+              <a:rPr lang="en-US" baseline="0" dirty="0" smtClean="0"/>
+              <a:t> and decrement an </a:t>
+            </a:r>
+            <a:r>
+              <a:rPr lang="en-US" baseline="0" dirty="0" err="1" smtClean="0"/>
+              <a:t>inventoryCount</a:t>
+            </a:r>
+            <a:endParaRPr lang="en-US" baseline="0" dirty="0" smtClean="0"/>
+          </a:p>
+          <a:p>
+            <a:endParaRPr lang="en-US" baseline="0" dirty="0" smtClean="0"/>
+          </a:p>
+          <a:p>
+            <a:r>
+              <a:rPr lang="en-US" baseline="0" dirty="0" smtClean="0"/>
+              <a:t>This technic can be used to make a collection that acts as a sequence.  And you can see how you can use this to keep a balance on an account.</a:t>
+            </a:r>
+          </a:p>
+          <a:p>
+            <a:endParaRPr lang="en-US" baseline="0" dirty="0" smtClean="0"/>
+          </a:p>
+          <a:p>
+            <a:r>
+              <a:rPr lang="en-US" baseline="0" dirty="0" smtClean="0"/>
+              <a:t>Talk about/show </a:t>
+            </a:r>
+            <a:r>
+              <a:rPr lang="en-US" baseline="0" dirty="0" err="1" smtClean="0"/>
+              <a:t>upserts</a:t>
+            </a:r>
+            <a:r>
+              <a:rPr lang="en-US" baseline="0" dirty="0" smtClean="0"/>
+              <a:t> if you increment a title that does not exist yet.</a:t>
+            </a:r>
+          </a:p>
+          <a:p>
+            <a:endParaRPr lang="en-US" baseline="0" dirty="0" smtClean="0"/>
           </a:p>
           <a:p>
             <a:endParaRPr lang="en-US" dirty="0"/>
@@ -2748,7 +3983,7 @@
           <a:p>
             <a:fld id="{7ECDF86E-C09E-4C73-8798-F0685C098AE7}" type="slidenum">
               <a:rPr lang="en-US" smtClean="0"/>
-              <a:t>24</a:t>
+              <a:t>23</a:t>
             </a:fld>
             <a:endParaRPr lang="en-US"/>
           </a:p>
@@ -2757,7 +3992,7 @@
     </p:spTree>
     <p:extLst>
       <p:ext uri="{BB962C8B-B14F-4D97-AF65-F5344CB8AC3E}">
-        <p14:creationId xmlns:p14="http://schemas.microsoft.com/office/powerpoint/2010/main" val="194980156"/>
+        <p14:creationId xmlns:p14="http://schemas.microsoft.com/office/powerpoint/2010/main" val="3044033783"/>
       </p:ext>
     </p:extLst>
   </p:cSld>
@@ -2813,12 +4048,38 @@
           <a:p>
             <a:r>
               <a:rPr lang="en-US" dirty="0" smtClean="0"/>
-              <a:t>Example</a:t>
+              <a:t>Mention that mongo has no real schema</a:t>
             </a:r>
             <a:r>
               <a:rPr lang="en-US" baseline="0" dirty="0" smtClean="0"/>
-              <a:t> should be for movies. </a:t>
-            </a:r>
+              <a:t> validation.</a:t>
+            </a:r>
+          </a:p>
+          <a:p>
+            <a:r>
+              <a:rPr lang="en-US" baseline="0" dirty="0" smtClean="0"/>
+              <a:t>Easy to check a field, no way to stop extra fields</a:t>
+            </a:r>
+          </a:p>
+          <a:p>
+            <a:r>
+              <a:rPr lang="en-US" baseline="0" dirty="0" smtClean="0"/>
+              <a:t>There are multiple mongo clients available.  One of the </a:t>
+            </a:r>
+            <a:r>
+              <a:rPr lang="en-US" baseline="0" dirty="0" err="1" smtClean="0"/>
+              <a:t>populator</a:t>
+            </a:r>
+            <a:r>
+              <a:rPr lang="en-US" baseline="0" dirty="0" smtClean="0"/>
+              <a:t> ones for node is Mongoose which has </a:t>
+            </a:r>
+            <a:r>
+              <a:rPr lang="en-US" baseline="0" dirty="0" smtClean="0"/>
+              <a:t>a schema validation built in</a:t>
+            </a:r>
+          </a:p>
+          <a:p>
             <a:endParaRPr lang="en-US" dirty="0"/>
           </a:p>
         </p:txBody>
@@ -2840,7 +4101,7 @@
           <a:p>
             <a:fld id="{7ECDF86E-C09E-4C73-8798-F0685C098AE7}" type="slidenum">
               <a:rPr lang="en-US" smtClean="0"/>
-              <a:t>25</a:t>
+              <a:t>24</a:t>
             </a:fld>
             <a:endParaRPr lang="en-US"/>
           </a:p>
@@ -2849,7 +4110,7 @@
     </p:spTree>
     <p:extLst>
       <p:ext uri="{BB962C8B-B14F-4D97-AF65-F5344CB8AC3E}">
-        <p14:creationId xmlns:p14="http://schemas.microsoft.com/office/powerpoint/2010/main" val="4131411509"/>
+        <p14:creationId xmlns:p14="http://schemas.microsoft.com/office/powerpoint/2010/main" val="194980156"/>
       </p:ext>
     </p:extLst>
   </p:cSld>
@@ -2905,17 +4166,11 @@
           <a:p>
             <a:r>
               <a:rPr lang="en-US" dirty="0" smtClean="0"/>
-              <a:t>Let’s look at the typical TODO app</a:t>
+              <a:t>Example</a:t>
             </a:r>
             <a:r>
               <a:rPr lang="en-US" baseline="0" dirty="0" smtClean="0"/>
-              <a:t> example</a:t>
-            </a:r>
-          </a:p>
-          <a:p>
-            <a:r>
-              <a:rPr lang="en-US" baseline="0" dirty="0" smtClean="0"/>
-              <a:t>Show how it works</a:t>
+              <a:t> should be for movies. </a:t>
             </a:r>
             <a:endParaRPr lang="en-US" dirty="0"/>
           </a:p>
@@ -2938,7 +4193,7 @@
           <a:p>
             <a:fld id="{7ECDF86E-C09E-4C73-8798-F0685C098AE7}" type="slidenum">
               <a:rPr lang="en-US" smtClean="0"/>
-              <a:t>26</a:t>
+              <a:t>25</a:t>
             </a:fld>
             <a:endParaRPr lang="en-US"/>
           </a:p>
@@ -2947,7 +4202,7 @@
     </p:spTree>
     <p:extLst>
       <p:ext uri="{BB962C8B-B14F-4D97-AF65-F5344CB8AC3E}">
-        <p14:creationId xmlns:p14="http://schemas.microsoft.com/office/powerpoint/2010/main" val="929287221"/>
+        <p14:creationId xmlns:p14="http://schemas.microsoft.com/office/powerpoint/2010/main" val="4131411509"/>
       </p:ext>
     </p:extLst>
   </p:cSld>
@@ -3003,19 +4258,17 @@
           <a:p>
             <a:r>
               <a:rPr lang="en-US" dirty="0" smtClean="0"/>
-              <a:t>So we are going</a:t>
+              <a:t>Let’s look at the typical TODO app</a:t>
             </a:r>
             <a:r>
               <a:rPr lang="en-US" baseline="0" dirty="0" smtClean="0"/>
-              <a:t> to add a favorite star icon to identify </a:t>
-            </a:r>
-            <a:r>
-              <a:rPr lang="en-US" baseline="0" dirty="0" err="1" smtClean="0"/>
-              <a:t>todos</a:t>
-            </a:r>
+              <a:t> example</a:t>
+            </a:r>
+          </a:p>
+          <a:p>
             <a:r>
               <a:rPr lang="en-US" baseline="0" dirty="0" smtClean="0"/>
-              <a:t> as high priority.</a:t>
+              <a:t>Show how it works</a:t>
             </a:r>
             <a:endParaRPr lang="en-US" dirty="0"/>
           </a:p>
@@ -3038,7 +4291,7 @@
           <a:p>
             <a:fld id="{7ECDF86E-C09E-4C73-8798-F0685C098AE7}" type="slidenum">
               <a:rPr lang="en-US" smtClean="0"/>
-              <a:t>27</a:t>
+              <a:t>26</a:t>
             </a:fld>
             <a:endParaRPr lang="en-US"/>
           </a:p>
@@ -3047,7 +4300,7 @@
     </p:spTree>
     <p:extLst>
       <p:ext uri="{BB962C8B-B14F-4D97-AF65-F5344CB8AC3E}">
-        <p14:creationId xmlns:p14="http://schemas.microsoft.com/office/powerpoint/2010/main" val="3652462619"/>
+        <p14:creationId xmlns:p14="http://schemas.microsoft.com/office/powerpoint/2010/main" val="929287221"/>
       </p:ext>
     </p:extLst>
   </p:cSld>
@@ -3101,6 +4354,22 @@
           <a:bodyPr/>
           <a:lstStyle/>
           <a:p>
+            <a:r>
+              <a:rPr lang="en-US" dirty="0" smtClean="0"/>
+              <a:t>So we are going</a:t>
+            </a:r>
+            <a:r>
+              <a:rPr lang="en-US" baseline="0" dirty="0" smtClean="0"/>
+              <a:t> to add a favorite star icon to identify </a:t>
+            </a:r>
+            <a:r>
+              <a:rPr lang="en-US" baseline="0" dirty="0" err="1" smtClean="0"/>
+              <a:t>todos</a:t>
+            </a:r>
+            <a:r>
+              <a:rPr lang="en-US" baseline="0" dirty="0" smtClean="0"/>
+              <a:t> as high priority.</a:t>
+            </a:r>
             <a:endParaRPr lang="en-US" dirty="0"/>
           </a:p>
         </p:txBody>
@@ -3122,7 +4391,7 @@
           <a:p>
             <a:fld id="{7ECDF86E-C09E-4C73-8798-F0685C098AE7}" type="slidenum">
               <a:rPr lang="en-US" smtClean="0"/>
-              <a:t>28</a:t>
+              <a:t>27</a:t>
             </a:fld>
             <a:endParaRPr lang="en-US"/>
           </a:p>
@@ -3131,7 +4400,7 @@
     </p:spTree>
     <p:extLst>
       <p:ext uri="{BB962C8B-B14F-4D97-AF65-F5344CB8AC3E}">
-        <p14:creationId xmlns:p14="http://schemas.microsoft.com/office/powerpoint/2010/main" val="929287221"/>
+        <p14:creationId xmlns:p14="http://schemas.microsoft.com/office/powerpoint/2010/main" val="3652462619"/>
       </p:ext>
     </p:extLst>
   </p:cSld>
@@ -3185,6 +4454,90 @@
           <a:bodyPr/>
           <a:lstStyle/>
           <a:p>
+            <a:endParaRPr lang="en-US" dirty="0"/>
+          </a:p>
+        </p:txBody>
+      </p:sp>
+      <p:sp>
+        <p:nvSpPr>
+          <p:cNvPr id="4" name="Slide Number Placeholder 3"/>
+          <p:cNvSpPr>
+            <a:spLocks noGrp="1"/>
+          </p:cNvSpPr>
+          <p:nvPr>
+            <p:ph type="sldNum" sz="quarter" idx="10"/>
+          </p:nvPr>
+        </p:nvSpPr>
+        <p:spPr/>
+        <p:txBody>
+          <a:bodyPr/>
+          <a:lstStyle/>
+          <a:p>
+            <a:fld id="{7ECDF86E-C09E-4C73-8798-F0685C098AE7}" type="slidenum">
+              <a:rPr lang="en-US" smtClean="0"/>
+              <a:t>28</a:t>
+            </a:fld>
+            <a:endParaRPr lang="en-US"/>
+          </a:p>
+        </p:txBody>
+      </p:sp>
+    </p:spTree>
+    <p:extLst>
+      <p:ext uri="{BB962C8B-B14F-4D97-AF65-F5344CB8AC3E}">
+        <p14:creationId xmlns:p14="http://schemas.microsoft.com/office/powerpoint/2010/main" val="929287221"/>
+      </p:ext>
+    </p:extLst>
+  </p:cSld>
+  <p:clrMapOvr>
+    <a:masterClrMapping/>
+  </p:clrMapOvr>
+</p:notes>
+</file>
+
+<file path=ppt/notesSlides/notesSlide28.xml><?xml version="1.0" encoding="utf-8"?>
+<p:notes xmlns:a="http://schemas.openxmlformats.org/drawingml/2006/main" xmlns:r="http://schemas.openxmlformats.org/officeDocument/2006/relationships" xmlns:p="http://schemas.openxmlformats.org/presentationml/2006/main">
+  <p:cSld>
+    <p:spTree>
+      <p:nvGrpSpPr>
+        <p:cNvPr id="1" name=""/>
+        <p:cNvGrpSpPr/>
+        <p:nvPr/>
+      </p:nvGrpSpPr>
+      <p:grpSpPr>
+        <a:xfrm>
+          <a:off x="0" y="0"/>
+          <a:ext cx="0" cy="0"/>
+          <a:chOff x="0" y="0"/>
+          <a:chExt cx="0" cy="0"/>
+        </a:xfrm>
+      </p:grpSpPr>
+      <p:sp>
+        <p:nvSpPr>
+          <p:cNvPr id="2" name="Slide Image Placeholder 1"/>
+          <p:cNvSpPr>
+            <a:spLocks noGrp="1" noRot="1" noChangeAspect="1"/>
+          </p:cNvSpPr>
+          <p:nvPr>
+            <p:ph type="sldImg"/>
+          </p:nvPr>
+        </p:nvSpPr>
+        <p:spPr/>
+      </p:sp>
+      <p:sp>
+        <p:nvSpPr>
+          <p:cNvPr id="3" name="Notes Placeholder 2"/>
+          <p:cNvSpPr>
+            <a:spLocks noGrp="1"/>
+          </p:cNvSpPr>
+          <p:nvPr>
+            <p:ph type="body" idx="1"/>
+          </p:nvPr>
+        </p:nvSpPr>
+        <p:spPr/>
+        <p:txBody>
+          <a:bodyPr/>
+          <a:lstStyle/>
+          <a:p>
             <a:pPr marL="0" marR="0" indent="0" algn="l" defTabSz="914400" rtl="0" eaLnBrk="1" fontAlgn="auto" latinLnBrk="0" hangingPunct="1">
               <a:lnSpc>
                 <a:spcPct val="100000"/>
@@ -3266,7 +4619,7 @@
 </p:notes>
 </file>
 
-<file path=ppt/notesSlides/notesSlide28.xml><?xml version="1.0" encoding="utf-8"?>
+<file path=ppt/notesSlides/notesSlide29.xml><?xml version="1.0" encoding="utf-8"?>
 <p:notes xmlns:a="http://schemas.openxmlformats.org/drawingml/2006/main" xmlns:r="http://schemas.openxmlformats.org/officeDocument/2006/relationships" xmlns:p="http://schemas.openxmlformats.org/presentationml/2006/main">
   <p:cSld>
     <p:spTree>
@@ -3428,7 +4781,31 @@
           <a:p>
             <a:r>
               <a:rPr lang="en-US" dirty="0" smtClean="0"/>
-              <a:t>MongoDB stores something very close to JSON called BSON.  Documents can contain</a:t>
+              <a:t>MongoDB stores something very close to JSON </a:t>
+            </a:r>
+            <a:r>
+              <a:rPr lang="en-US" dirty="0" smtClean="0"/>
+              <a:t>(</a:t>
+            </a:r>
+            <a:r>
+              <a:rPr lang="en-US" dirty="0" err="1" smtClean="0"/>
+              <a:t>javascript</a:t>
+            </a:r>
+            <a:r>
+              <a:rPr lang="en-US" dirty="0" smtClean="0"/>
+              <a:t> object </a:t>
+            </a:r>
+            <a:r>
+              <a:rPr lang="en-US" dirty="0" err="1" smtClean="0"/>
+              <a:t>notiation</a:t>
+            </a:r>
+            <a:r>
+              <a:rPr lang="en-US" dirty="0" smtClean="0"/>
+              <a:t>) called </a:t>
+            </a:r>
+            <a:r>
+              <a:rPr lang="en-US" dirty="0" smtClean="0"/>
+              <a:t>BSON.  Documents can contain</a:t>
             </a:r>
             <a:r>
               <a:rPr lang="en-US" baseline="0" dirty="0" smtClean="0"/>
@@ -3464,7 +4841,7 @@
           <a:p>
             <a:fld id="{7ECDF86E-C09E-4C73-8798-F0685C098AE7}" type="slidenum">
               <a:rPr lang="en-US" smtClean="0"/>
-              <a:t>4</a:t>
+              <a:t>3</a:t>
             </a:fld>
             <a:endParaRPr lang="en-US"/>
           </a:p>
@@ -3565,7 +4942,7 @@
           <a:p>
             <a:fld id="{7ECDF86E-C09E-4C73-8798-F0685C098AE7}" type="slidenum">
               <a:rPr lang="en-US" smtClean="0"/>
-              <a:t>5</a:t>
+              <a:t>4</a:t>
             </a:fld>
             <a:endParaRPr lang="en-US"/>
           </a:p>
@@ -3666,7 +5043,7 @@
           <a:p>
             <a:fld id="{7ECDF86E-C09E-4C73-8798-F0685C098AE7}" type="slidenum">
               <a:rPr lang="en-US" smtClean="0"/>
-              <a:t>6</a:t>
+              <a:t>5</a:t>
             </a:fld>
             <a:endParaRPr lang="en-US"/>
           </a:p>
@@ -3731,11 +5108,11 @@
           <a:p>
             <a:r>
               <a:rPr lang="en-US" dirty="0" smtClean="0"/>
-              <a:t>Mongo uses replica sets for redundancy</a:t>
+              <a:t>MongoDB stores something very close to JSON called BSON.  Documents can contain</a:t>
             </a:r>
             <a:r>
               <a:rPr lang="en-US" baseline="0" dirty="0" smtClean="0"/>
-              <a:t> and data availability.  In this diagram there are three copies of data.  All writes go to the primary, but all three can be used for reads.  There are other configurations possible.  If a primary goes down then the secondary's will detect this and hold an election for a new primary which can take 10 seconds or more.  I guess recent changes make this process much faster.</a:t>
+              <a:t> sub-documents, arrays, references to another documents and include a primary key that can be assigned by MongoDB which is a GUID.  Although MongoDB does not join documents, documents can contain references to other document, pointing to the “_id” of another document.</a:t>
             </a:r>
           </a:p>
           <a:p>
@@ -3744,10 +5121,8 @@
           <a:p>
             <a:r>
               <a:rPr lang="en-US" baseline="0" dirty="0" smtClean="0"/>
-              <a:t>How do you connect to a secondary?</a:t>
-            </a:r>
-          </a:p>
-          <a:p>
+              <a:t>Sub-portions of documents can be modified directly rather than updating an entire document.  Updates to a document can also be atomic, so although there is not a concept of transaction across documents, an operation against a single document can be atomic.</a:t>
+            </a:r>
             <a:endParaRPr lang="en-US" dirty="0"/>
           </a:p>
         </p:txBody>
@@ -3769,7 +5144,7 @@
           <a:p>
             <a:fld id="{7ECDF86E-C09E-4C73-8798-F0685C098AE7}" type="slidenum">
               <a:rPr lang="en-US" smtClean="0"/>
-              <a:t>7</a:t>
+              <a:t>6</a:t>
             </a:fld>
             <a:endParaRPr lang="en-US"/>
           </a:p>
@@ -3833,506 +5208,25 @@
           <a:lstStyle/>
           <a:p>
             <a:r>
-              <a:rPr lang="en-US" sz="1200" b="0" i="0" kern="1200" dirty="0" smtClean="0">
-                <a:solidFill>
-                  <a:schemeClr val="tx1"/>
-                </a:solidFill>
-                <a:effectLst/>
-                <a:latin typeface="+mn-lt"/>
-                <a:ea typeface="+mn-ea"/>
-                <a:cs typeface="+mn-cs"/>
-              </a:rPr>
-              <a:t>There are two methods for addressing system growth: vertical and horizontal scaling.</a:t>
-            </a:r>
-          </a:p>
-          <a:p>
-            <a:endParaRPr lang="en-US" sz="1200" b="0" i="1" kern="1200" dirty="0" smtClean="0">
-              <a:solidFill>
-                <a:schemeClr val="tx1"/>
-              </a:solidFill>
-              <a:effectLst/>
-              <a:latin typeface="+mn-lt"/>
-              <a:ea typeface="+mn-ea"/>
-              <a:cs typeface="+mn-cs"/>
-            </a:endParaRPr>
-          </a:p>
-          <a:p>
-            <a:r>
-              <a:rPr lang="en-US" sz="1200" b="0" i="1" kern="1200" dirty="0" smtClean="0">
-                <a:solidFill>
-                  <a:schemeClr val="tx1"/>
-                </a:solidFill>
-                <a:effectLst/>
-                <a:latin typeface="+mn-lt"/>
-                <a:ea typeface="+mn-ea"/>
-                <a:cs typeface="+mn-cs"/>
-              </a:rPr>
-              <a:t>Vertical Scaling</a:t>
-            </a:r>
-            <a:r>
-              <a:rPr lang="en-US" sz="1200" b="0" i="0" kern="1200" dirty="0" smtClean="0">
-                <a:solidFill>
-                  <a:schemeClr val="tx1"/>
-                </a:solidFill>
-                <a:effectLst/>
-                <a:latin typeface="+mn-lt"/>
-                <a:ea typeface="+mn-ea"/>
-                <a:cs typeface="+mn-cs"/>
-              </a:rPr>
-              <a:t> involves increasing the capacity of a single server, such as using a more powerful CPU, adding more RAM, or increasing the amount of storage space. Limitations in available technology may restrict a single machine from being sufficiently powerful for a given workload. Additionally, Cloud-based providers have hard ceilings based on available hardware configurations. As a result, there is a practical maximum for vertical scaling.</a:t>
-            </a:r>
-          </a:p>
-          <a:p>
-            <a:endParaRPr lang="en-US" sz="1200" b="0" i="1" kern="1200" dirty="0" smtClean="0">
-              <a:solidFill>
-                <a:schemeClr val="tx1"/>
-              </a:solidFill>
-              <a:effectLst/>
-              <a:latin typeface="+mn-lt"/>
-              <a:ea typeface="+mn-ea"/>
-              <a:cs typeface="+mn-cs"/>
-            </a:endParaRPr>
-          </a:p>
-          <a:p>
-            <a:r>
-              <a:rPr lang="en-US" sz="1200" b="0" i="1" kern="1200" dirty="0" smtClean="0">
-                <a:solidFill>
-                  <a:schemeClr val="tx1"/>
-                </a:solidFill>
-                <a:effectLst/>
-                <a:latin typeface="+mn-lt"/>
-                <a:ea typeface="+mn-ea"/>
-                <a:cs typeface="+mn-cs"/>
-              </a:rPr>
-              <a:t>Horizontal Scaling</a:t>
-            </a:r>
-            <a:r>
-              <a:rPr lang="en-US" sz="1200" b="0" i="0" kern="1200" dirty="0" smtClean="0">
-                <a:solidFill>
-                  <a:schemeClr val="tx1"/>
-                </a:solidFill>
-                <a:effectLst/>
-                <a:latin typeface="+mn-lt"/>
-                <a:ea typeface="+mn-ea"/>
-                <a:cs typeface="+mn-cs"/>
-              </a:rPr>
-              <a:t> involves dividing the system dataset and load over multiple servers, adding additional servers to increase capacity as required. While the overall speed or capacity of a single machine may not be high, each machine handles a subset of the overall workload, potentially providing better efficiency than a single high-speed high-capacity server. Expanding the capacity of the deployment only requires adding additional servers as needed, which can be a lower overall cost than high-end hardware for a single machine. The trade off is increased complexity in infrastructure and maintenance for the deployment.</a:t>
-            </a:r>
-          </a:p>
-          <a:p>
-            <a:endParaRPr lang="en-US" sz="1200" b="0" i="0" kern="1200" dirty="0" smtClean="0">
-              <a:solidFill>
-                <a:schemeClr val="tx1"/>
-              </a:solidFill>
-              <a:effectLst/>
-              <a:latin typeface="+mn-lt"/>
-              <a:ea typeface="+mn-ea"/>
-              <a:cs typeface="+mn-cs"/>
-            </a:endParaRPr>
-          </a:p>
-          <a:p>
-            <a:r>
-              <a:rPr lang="en-US" sz="1200" b="0" i="0" kern="1200" dirty="0" smtClean="0">
-                <a:solidFill>
-                  <a:schemeClr val="tx1"/>
-                </a:solidFill>
-                <a:effectLst/>
-                <a:latin typeface="+mn-lt"/>
-                <a:ea typeface="+mn-ea"/>
-                <a:cs typeface="+mn-cs"/>
-              </a:rPr>
-              <a:t>MongoDB supports </a:t>
-            </a:r>
-            <a:r>
-              <a:rPr lang="en-US" sz="1200" b="0" i="1" kern="1200" dirty="0" smtClean="0">
-                <a:solidFill>
-                  <a:schemeClr val="tx1"/>
-                </a:solidFill>
-                <a:effectLst/>
-                <a:latin typeface="+mn-lt"/>
-                <a:ea typeface="+mn-ea"/>
-                <a:cs typeface="+mn-cs"/>
-              </a:rPr>
-              <a:t>horizontal scaling</a:t>
-            </a:r>
-            <a:r>
-              <a:rPr lang="en-US" sz="1200" b="0" i="0" kern="1200" dirty="0" smtClean="0">
-                <a:solidFill>
-                  <a:schemeClr val="tx1"/>
-                </a:solidFill>
-                <a:effectLst/>
-                <a:latin typeface="+mn-lt"/>
-                <a:ea typeface="+mn-ea"/>
-                <a:cs typeface="+mn-cs"/>
-              </a:rPr>
-              <a:t> through </a:t>
-            </a:r>
-            <a:r>
-              <a:rPr lang="en-US" sz="1200" b="0" i="0" u="none" strike="noStrike" kern="1200" dirty="0" err="1" smtClean="0">
-                <a:solidFill>
-                  <a:schemeClr val="tx1"/>
-                </a:solidFill>
-                <a:effectLst/>
-                <a:latin typeface="+mn-lt"/>
-                <a:ea typeface="+mn-ea"/>
-                <a:cs typeface="+mn-cs"/>
-                <a:hlinkClick r:id="rId3"/>
-              </a:rPr>
-              <a:t>sharding</a:t>
-            </a:r>
-            <a:r>
-              <a:rPr lang="en-US" sz="1200" b="0" i="0" kern="1200" dirty="0" smtClean="0">
-                <a:solidFill>
-                  <a:schemeClr val="tx1"/>
-                </a:solidFill>
-                <a:effectLst/>
-                <a:latin typeface="+mn-lt"/>
-                <a:ea typeface="+mn-ea"/>
-                <a:cs typeface="+mn-cs"/>
-              </a:rPr>
-              <a:t>.</a:t>
-            </a:r>
-          </a:p>
-          <a:p>
-            <a:r>
-              <a:rPr lang="en-US" sz="1200" b="0" i="0" kern="1200" dirty="0" err="1" smtClean="0">
-                <a:solidFill>
-                  <a:schemeClr val="tx1"/>
-                </a:solidFill>
-                <a:effectLst/>
-                <a:latin typeface="+mn-lt"/>
-                <a:ea typeface="+mn-ea"/>
-                <a:cs typeface="+mn-cs"/>
-              </a:rPr>
-              <a:t>Sharded</a:t>
-            </a:r>
-            <a:r>
-              <a:rPr lang="en-US" sz="1200" b="0" i="0" kern="1200" dirty="0" smtClean="0">
-                <a:solidFill>
-                  <a:schemeClr val="tx1"/>
-                </a:solidFill>
-                <a:effectLst/>
-                <a:latin typeface="+mn-lt"/>
-                <a:ea typeface="+mn-ea"/>
-                <a:cs typeface="+mn-cs"/>
-              </a:rPr>
-              <a:t> Cluster</a:t>
-            </a:r>
-          </a:p>
-          <a:p>
-            <a:r>
-              <a:rPr lang="en-US" sz="1200" b="0" i="0" kern="1200" dirty="0" smtClean="0">
-                <a:solidFill>
-                  <a:schemeClr val="tx1"/>
-                </a:solidFill>
-                <a:effectLst/>
-                <a:latin typeface="+mn-lt"/>
-                <a:ea typeface="+mn-ea"/>
-                <a:cs typeface="+mn-cs"/>
-              </a:rPr>
-              <a:t>A MongoDB </a:t>
-            </a:r>
-            <a:r>
-              <a:rPr lang="en-US" sz="1200" b="0" i="0" u="none" strike="noStrike" kern="1200" dirty="0" err="1" smtClean="0">
-                <a:solidFill>
-                  <a:schemeClr val="tx1"/>
-                </a:solidFill>
-                <a:effectLst/>
-                <a:latin typeface="+mn-lt"/>
-                <a:ea typeface="+mn-ea"/>
-                <a:cs typeface="+mn-cs"/>
-                <a:hlinkClick r:id="rId4"/>
-              </a:rPr>
-              <a:t>sharded</a:t>
-            </a:r>
-            <a:r>
-              <a:rPr lang="en-US" sz="1200" b="0" i="0" u="none" strike="noStrike" kern="1200" dirty="0" smtClean="0">
-                <a:solidFill>
-                  <a:schemeClr val="tx1"/>
-                </a:solidFill>
-                <a:effectLst/>
-                <a:latin typeface="+mn-lt"/>
-                <a:ea typeface="+mn-ea"/>
-                <a:cs typeface="+mn-cs"/>
-                <a:hlinkClick r:id="rId4"/>
-              </a:rPr>
-              <a:t> cluster</a:t>
-            </a:r>
-            <a:r>
-              <a:rPr lang="en-US" sz="1200" b="0" i="0" kern="1200" dirty="0" smtClean="0">
-                <a:solidFill>
-                  <a:schemeClr val="tx1"/>
-                </a:solidFill>
-                <a:effectLst/>
-                <a:latin typeface="+mn-lt"/>
-                <a:ea typeface="+mn-ea"/>
-                <a:cs typeface="+mn-cs"/>
-              </a:rPr>
-              <a:t> consists of the following components:</a:t>
-            </a:r>
-          </a:p>
-          <a:p>
-            <a:r>
-              <a:rPr lang="en-US" sz="1200" b="0" i="0" u="none" strike="noStrike" kern="1200" dirty="0" smtClean="0">
-                <a:solidFill>
-                  <a:schemeClr val="tx1"/>
-                </a:solidFill>
-                <a:effectLst/>
-                <a:latin typeface="+mn-lt"/>
-                <a:ea typeface="+mn-ea"/>
-                <a:cs typeface="+mn-cs"/>
-                <a:hlinkClick r:id="rId5"/>
-              </a:rPr>
-              <a:t>shard</a:t>
-            </a:r>
-            <a:r>
-              <a:rPr lang="en-US" sz="1200" b="0" i="0" kern="1200" dirty="0" smtClean="0">
-                <a:solidFill>
-                  <a:schemeClr val="tx1"/>
-                </a:solidFill>
-                <a:effectLst/>
-                <a:latin typeface="+mn-lt"/>
-                <a:ea typeface="+mn-ea"/>
-                <a:cs typeface="+mn-cs"/>
-              </a:rPr>
-              <a:t>: Each shard contains a subset of the </a:t>
-            </a:r>
-            <a:r>
-              <a:rPr lang="en-US" sz="1200" b="0" i="0" kern="1200" dirty="0" err="1" smtClean="0">
-                <a:solidFill>
-                  <a:schemeClr val="tx1"/>
-                </a:solidFill>
-                <a:effectLst/>
-                <a:latin typeface="+mn-lt"/>
-                <a:ea typeface="+mn-ea"/>
-                <a:cs typeface="+mn-cs"/>
-              </a:rPr>
-              <a:t>sharded</a:t>
-            </a:r>
-            <a:r>
-              <a:rPr lang="en-US" sz="1200" b="0" i="0" kern="1200" dirty="0" smtClean="0">
-                <a:solidFill>
-                  <a:schemeClr val="tx1"/>
-                </a:solidFill>
-                <a:effectLst/>
-                <a:latin typeface="+mn-lt"/>
-                <a:ea typeface="+mn-ea"/>
-                <a:cs typeface="+mn-cs"/>
-              </a:rPr>
-              <a:t> data. Each shard can be deployed as a </a:t>
-            </a:r>
-            <a:r>
-              <a:rPr lang="en-US" sz="1200" b="0" i="0" u="none" strike="noStrike" kern="1200" dirty="0" smtClean="0">
-                <a:solidFill>
-                  <a:schemeClr val="tx1"/>
-                </a:solidFill>
-                <a:effectLst/>
-                <a:latin typeface="+mn-lt"/>
-                <a:ea typeface="+mn-ea"/>
-                <a:cs typeface="+mn-cs"/>
-                <a:hlinkClick r:id="rId6"/>
-              </a:rPr>
-              <a:t>replica set</a:t>
-            </a:r>
-            <a:r>
-              <a:rPr lang="en-US" sz="1200" b="0" i="0" kern="1200" dirty="0" smtClean="0">
-                <a:solidFill>
-                  <a:schemeClr val="tx1"/>
-                </a:solidFill>
-                <a:effectLst/>
-                <a:latin typeface="+mn-lt"/>
-                <a:ea typeface="+mn-ea"/>
-                <a:cs typeface="+mn-cs"/>
-              </a:rPr>
-              <a:t>.</a:t>
-            </a:r>
-          </a:p>
-          <a:p>
-            <a:r>
-              <a:rPr lang="en-US" sz="1200" b="0" i="0" u="none" strike="noStrike" kern="1200" dirty="0" smtClean="0">
-                <a:solidFill>
-                  <a:schemeClr val="tx1"/>
-                </a:solidFill>
-                <a:effectLst/>
-                <a:latin typeface="+mn-lt"/>
-                <a:ea typeface="+mn-ea"/>
-                <a:cs typeface="+mn-cs"/>
-                <a:hlinkClick r:id="rId7"/>
-              </a:rPr>
-              <a:t>mongos</a:t>
-            </a:r>
-            <a:r>
-              <a:rPr lang="en-US" sz="1200" b="0" i="0" kern="1200" dirty="0" smtClean="0">
-                <a:solidFill>
-                  <a:schemeClr val="tx1"/>
-                </a:solidFill>
-                <a:effectLst/>
-                <a:latin typeface="+mn-lt"/>
-                <a:ea typeface="+mn-ea"/>
-                <a:cs typeface="+mn-cs"/>
-              </a:rPr>
-              <a:t>: The mongos acts as a query router, providing an interface between client applications and the </a:t>
-            </a:r>
-            <a:r>
-              <a:rPr lang="en-US" sz="1200" b="0" i="0" kern="1200" dirty="0" err="1" smtClean="0">
-                <a:solidFill>
-                  <a:schemeClr val="tx1"/>
-                </a:solidFill>
-                <a:effectLst/>
-                <a:latin typeface="+mn-lt"/>
-                <a:ea typeface="+mn-ea"/>
-                <a:cs typeface="+mn-cs"/>
-              </a:rPr>
-              <a:t>sharded</a:t>
-            </a:r>
-            <a:r>
-              <a:rPr lang="en-US" sz="1200" b="0" i="0" kern="1200" dirty="0" smtClean="0">
-                <a:solidFill>
-                  <a:schemeClr val="tx1"/>
-                </a:solidFill>
-                <a:effectLst/>
-                <a:latin typeface="+mn-lt"/>
-                <a:ea typeface="+mn-ea"/>
-                <a:cs typeface="+mn-cs"/>
-              </a:rPr>
-              <a:t> cluster.</a:t>
-            </a:r>
-          </a:p>
-          <a:p>
-            <a:r>
-              <a:rPr lang="en-US" sz="1200" b="0" i="0" u="none" strike="noStrike" kern="1200" dirty="0" err="1" smtClean="0">
-                <a:solidFill>
-                  <a:schemeClr val="tx1"/>
-                </a:solidFill>
-                <a:effectLst/>
-                <a:latin typeface="+mn-lt"/>
-                <a:ea typeface="+mn-ea"/>
-                <a:cs typeface="+mn-cs"/>
-                <a:hlinkClick r:id="rId8"/>
-              </a:rPr>
-              <a:t>config</a:t>
-            </a:r>
-            <a:r>
-              <a:rPr lang="en-US" sz="1200" b="0" i="0" u="none" strike="noStrike" kern="1200" dirty="0" smtClean="0">
-                <a:solidFill>
-                  <a:schemeClr val="tx1"/>
-                </a:solidFill>
-                <a:effectLst/>
-                <a:latin typeface="+mn-lt"/>
-                <a:ea typeface="+mn-ea"/>
-                <a:cs typeface="+mn-cs"/>
-                <a:hlinkClick r:id="rId8"/>
-              </a:rPr>
-              <a:t> servers</a:t>
-            </a:r>
-            <a:r>
-              <a:rPr lang="en-US" sz="1200" b="0" i="0" kern="1200" dirty="0" smtClean="0">
-                <a:solidFill>
-                  <a:schemeClr val="tx1"/>
-                </a:solidFill>
-                <a:effectLst/>
-                <a:latin typeface="+mn-lt"/>
-                <a:ea typeface="+mn-ea"/>
-                <a:cs typeface="+mn-cs"/>
-              </a:rPr>
-              <a:t>: </a:t>
-            </a:r>
-            <a:r>
-              <a:rPr lang="en-US" sz="1200" b="0" i="0" kern="1200" dirty="0" err="1" smtClean="0">
-                <a:solidFill>
-                  <a:schemeClr val="tx1"/>
-                </a:solidFill>
-                <a:effectLst/>
-                <a:latin typeface="+mn-lt"/>
-                <a:ea typeface="+mn-ea"/>
-                <a:cs typeface="+mn-cs"/>
-              </a:rPr>
-              <a:t>Config</a:t>
-            </a:r>
-            <a:r>
-              <a:rPr lang="en-US" sz="1200" b="0" i="0" kern="1200" dirty="0" smtClean="0">
-                <a:solidFill>
-                  <a:schemeClr val="tx1"/>
-                </a:solidFill>
-                <a:effectLst/>
-                <a:latin typeface="+mn-lt"/>
-                <a:ea typeface="+mn-ea"/>
-                <a:cs typeface="+mn-cs"/>
-              </a:rPr>
-              <a:t> servers store metadata and configuration settings for the cluster. As of MongoDB 3.4, </a:t>
-            </a:r>
-            <a:r>
-              <a:rPr lang="en-US" sz="1200" b="0" i="0" kern="1200" dirty="0" err="1" smtClean="0">
-                <a:solidFill>
-                  <a:schemeClr val="tx1"/>
-                </a:solidFill>
-                <a:effectLst/>
-                <a:latin typeface="+mn-lt"/>
-                <a:ea typeface="+mn-ea"/>
-                <a:cs typeface="+mn-cs"/>
-              </a:rPr>
-              <a:t>config</a:t>
-            </a:r>
-            <a:r>
-              <a:rPr lang="en-US" sz="1200" b="0" i="0" kern="1200" dirty="0" smtClean="0">
-                <a:solidFill>
-                  <a:schemeClr val="tx1"/>
-                </a:solidFill>
-                <a:effectLst/>
-                <a:latin typeface="+mn-lt"/>
-                <a:ea typeface="+mn-ea"/>
-                <a:cs typeface="+mn-cs"/>
-              </a:rPr>
-              <a:t> servers must be deployed as a replica set (CSRS).</a:t>
-            </a:r>
-          </a:p>
-          <a:p>
-            <a:endParaRPr lang="en-US" sz="1200" b="0" i="0" kern="1200" dirty="0" smtClean="0">
-              <a:solidFill>
-                <a:schemeClr val="tx1"/>
-              </a:solidFill>
-              <a:effectLst/>
-              <a:latin typeface="+mn-lt"/>
-              <a:ea typeface="+mn-ea"/>
-              <a:cs typeface="+mn-cs"/>
-            </a:endParaRPr>
-          </a:p>
-          <a:p>
-            <a:r>
-              <a:rPr lang="en-US" sz="1200" b="0" i="0" kern="1200" dirty="0" smtClean="0">
-                <a:solidFill>
-                  <a:schemeClr val="tx1"/>
-                </a:solidFill>
-                <a:effectLst/>
-                <a:latin typeface="+mn-lt"/>
-                <a:ea typeface="+mn-ea"/>
-                <a:cs typeface="+mn-cs"/>
-              </a:rPr>
-              <a:t>For</a:t>
-            </a:r>
-            <a:r>
-              <a:rPr lang="en-US" sz="1200" b="0" i="0" kern="1200" baseline="0" dirty="0" smtClean="0">
-                <a:solidFill>
-                  <a:schemeClr val="tx1"/>
-                </a:solidFill>
-                <a:effectLst/>
-                <a:latin typeface="+mn-lt"/>
-                <a:ea typeface="+mn-ea"/>
-                <a:cs typeface="+mn-cs"/>
-              </a:rPr>
-              <a:t> example, movies could be partitioned into shards by country, or by popularity.</a:t>
-            </a:r>
-          </a:p>
-          <a:p>
-            <a:endParaRPr lang="en-US" sz="1200" b="0" i="0" kern="1200" dirty="0">
-              <a:solidFill>
-                <a:schemeClr val="tx1"/>
-              </a:solidFill>
-              <a:effectLst/>
-              <a:latin typeface="+mn-lt"/>
-              <a:ea typeface="+mn-ea"/>
-              <a:cs typeface="+mn-cs"/>
-            </a:endParaRPr>
+              <a:rPr lang="en-US" dirty="0" smtClean="0"/>
+              <a:t>Mongo uses replica sets for redundancy</a:t>
+            </a:r>
+            <a:r>
+              <a:rPr lang="en-US" baseline="0" dirty="0" smtClean="0"/>
+              <a:t> and data availability.  In this diagram there are three copies of data.  All writes go to the primary, but all three can be used for reads.  There are other configurations possible.  If a primary goes down then the secondary's will detect this and hold an election for a new primary which can take 10 seconds or more.  I guess recent changes make this process much faster.</a:t>
+            </a:r>
+          </a:p>
+          <a:p>
+            <a:endParaRPr lang="en-US" baseline="0" dirty="0" smtClean="0"/>
+          </a:p>
+          <a:p>
+            <a:r>
+              <a:rPr lang="en-US" baseline="0" dirty="0" smtClean="0"/>
+              <a:t>How do you connect to a secondary?</a:t>
+            </a:r>
+          </a:p>
+          <a:p>
+            <a:endParaRPr lang="en-US" dirty="0"/>
           </a:p>
         </p:txBody>
       </p:sp>
@@ -4353,7 +5247,7 @@
           <a:p>
             <a:fld id="{7ECDF86E-C09E-4C73-8798-F0685C098AE7}" type="slidenum">
               <a:rPr lang="en-US" smtClean="0"/>
-              <a:t>8</a:t>
+              <a:t>7</a:t>
             </a:fld>
             <a:endParaRPr lang="en-US"/>
           </a:p>
@@ -4417,67 +5311,506 @@
           <a:lstStyle/>
           <a:p>
             <a:r>
-              <a:rPr lang="en-US" dirty="0" smtClean="0"/>
-              <a:t>Explain that mongo locally will have a server running and we communicate with the server using a shell.</a:t>
-            </a:r>
-            <a:r>
-              <a:rPr lang="en-US" baseline="0" dirty="0" smtClean="0"/>
-              <a:t>  To see that everything is ok, open the shell and get the version.</a:t>
-            </a:r>
-            <a:endParaRPr lang="en-US" dirty="0" smtClean="0"/>
-          </a:p>
-          <a:p>
-            <a:endParaRPr lang="en-US" dirty="0" smtClean="0"/>
-          </a:p>
-          <a:p>
-            <a:r>
-              <a:rPr lang="en-US" dirty="0" smtClean="0"/>
-              <a:t>This belong</a:t>
-            </a:r>
-            <a:r>
-              <a:rPr lang="en-US" baseline="0" dirty="0" smtClean="0"/>
-              <a:t> in </a:t>
-            </a:r>
-            <a:r>
-              <a:rPr lang="en-US" baseline="0" dirty="0" err="1" smtClean="0"/>
-              <a:t>github</a:t>
-            </a:r>
-            <a:r>
-              <a:rPr lang="en-US" baseline="0" dirty="0" smtClean="0"/>
-              <a:t> or wiki.  Maybe have slides with info – let them get them get off </a:t>
-            </a:r>
-            <a:r>
-              <a:rPr lang="en-US" baseline="0" dirty="0" err="1" smtClean="0"/>
-              <a:t>dropbox</a:t>
-            </a:r>
-            <a:r>
-              <a:rPr lang="en-US" baseline="0" dirty="0" smtClean="0"/>
-              <a:t> or email in advance since may know who signed up?</a:t>
-            </a:r>
-          </a:p>
-          <a:p>
-            <a:endParaRPr lang="en-US" baseline="0" dirty="0" smtClean="0"/>
-          </a:p>
-          <a:p>
-            <a:r>
-              <a:rPr lang="en-US" baseline="0" dirty="0" smtClean="0"/>
-              <a:t>Explain this slide and stop to make sure people are ready before you start demonstrating things…</a:t>
-            </a:r>
-          </a:p>
-          <a:p>
-            <a:endParaRPr lang="en-US" baseline="0" dirty="0" smtClean="0"/>
-          </a:p>
-          <a:p>
-            <a:r>
-              <a:rPr lang="en-US" baseline="0" dirty="0" smtClean="0"/>
-              <a:t>Go back and forth between slide and demo, finally do some exercises.</a:t>
-            </a:r>
-          </a:p>
-          <a:p>
-            <a:endParaRPr lang="en-US" baseline="0" dirty="0" smtClean="0"/>
-          </a:p>
-          <a:p>
-            <a:endParaRPr lang="en-US" dirty="0"/>
+              <a:rPr lang="en-US" sz="1200" b="0" i="0" kern="1200" dirty="0" smtClean="0">
+                <a:solidFill>
+                  <a:schemeClr val="tx1"/>
+                </a:solidFill>
+                <a:effectLst/>
+                <a:latin typeface="+mn-lt"/>
+                <a:ea typeface="+mn-ea"/>
+                <a:cs typeface="+mn-cs"/>
+              </a:rPr>
+              <a:t>There are two methods for addressing system growth: vertical and horizontal scaling.</a:t>
+            </a:r>
+          </a:p>
+          <a:p>
+            <a:endParaRPr lang="en-US" sz="1200" b="0" i="1" kern="1200" dirty="0" smtClean="0">
+              <a:solidFill>
+                <a:schemeClr val="tx1"/>
+              </a:solidFill>
+              <a:effectLst/>
+              <a:latin typeface="+mn-lt"/>
+              <a:ea typeface="+mn-ea"/>
+              <a:cs typeface="+mn-cs"/>
+            </a:endParaRPr>
+          </a:p>
+          <a:p>
+            <a:r>
+              <a:rPr lang="en-US" sz="1200" b="0" i="1" kern="1200" dirty="0" smtClean="0">
+                <a:solidFill>
+                  <a:schemeClr val="tx1"/>
+                </a:solidFill>
+                <a:effectLst/>
+                <a:latin typeface="+mn-lt"/>
+                <a:ea typeface="+mn-ea"/>
+                <a:cs typeface="+mn-cs"/>
+              </a:rPr>
+              <a:t>Vertical Scaling</a:t>
+            </a:r>
+            <a:r>
+              <a:rPr lang="en-US" sz="1200" b="0" i="0" kern="1200" dirty="0" smtClean="0">
+                <a:solidFill>
+                  <a:schemeClr val="tx1"/>
+                </a:solidFill>
+                <a:effectLst/>
+                <a:latin typeface="+mn-lt"/>
+                <a:ea typeface="+mn-ea"/>
+                <a:cs typeface="+mn-cs"/>
+              </a:rPr>
+              <a:t> involves increasing the capacity of a single server, such as using a more powerful CPU, adding more RAM, or increasing the amount of storage space. Limitations in available technology may restrict a single machine from being sufficiently powerful for a given workload. Additionally, Cloud-based providers have hard ceilings based on available hardware configurations. As a result, there is a practical maximum for vertical scaling.</a:t>
+            </a:r>
+          </a:p>
+          <a:p>
+            <a:endParaRPr lang="en-US" sz="1200" b="0" i="1" kern="1200" dirty="0" smtClean="0">
+              <a:solidFill>
+                <a:schemeClr val="tx1"/>
+              </a:solidFill>
+              <a:effectLst/>
+              <a:latin typeface="+mn-lt"/>
+              <a:ea typeface="+mn-ea"/>
+              <a:cs typeface="+mn-cs"/>
+            </a:endParaRPr>
+          </a:p>
+          <a:p>
+            <a:r>
+              <a:rPr lang="en-US" sz="1200" b="0" i="1" kern="1200" dirty="0" smtClean="0">
+                <a:solidFill>
+                  <a:schemeClr val="tx1"/>
+                </a:solidFill>
+                <a:effectLst/>
+                <a:latin typeface="+mn-lt"/>
+                <a:ea typeface="+mn-ea"/>
+                <a:cs typeface="+mn-cs"/>
+              </a:rPr>
+              <a:t>Horizontal Scaling</a:t>
+            </a:r>
+            <a:r>
+              <a:rPr lang="en-US" sz="1200" b="0" i="0" kern="1200" dirty="0" smtClean="0">
+                <a:solidFill>
+                  <a:schemeClr val="tx1"/>
+                </a:solidFill>
+                <a:effectLst/>
+                <a:latin typeface="+mn-lt"/>
+                <a:ea typeface="+mn-ea"/>
+                <a:cs typeface="+mn-cs"/>
+              </a:rPr>
+              <a:t> involves dividing the system dataset and load over multiple servers, adding additional servers to increase capacity as required. While the overall speed or capacity of a single machine may not be high, each machine handles a subset of the overall workload, potentially providing better efficiency than a single high-speed high-capacity server. Expanding the capacity of the deployment only requires adding additional servers as needed, which can be a lower overall cost than high-end hardware for a single machine. The trade off is increased complexity in infrastructure and maintenance for the deployment.</a:t>
+            </a:r>
+          </a:p>
+          <a:p>
+            <a:endParaRPr lang="en-US" sz="1200" b="0" i="0" kern="1200" dirty="0" smtClean="0">
+              <a:solidFill>
+                <a:schemeClr val="tx1"/>
+              </a:solidFill>
+              <a:effectLst/>
+              <a:latin typeface="+mn-lt"/>
+              <a:ea typeface="+mn-ea"/>
+              <a:cs typeface="+mn-cs"/>
+            </a:endParaRPr>
+          </a:p>
+          <a:p>
+            <a:r>
+              <a:rPr lang="en-US" sz="1200" b="0" i="0" kern="1200" dirty="0" smtClean="0">
+                <a:solidFill>
+                  <a:schemeClr val="tx1"/>
+                </a:solidFill>
+                <a:effectLst/>
+                <a:latin typeface="+mn-lt"/>
+                <a:ea typeface="+mn-ea"/>
+                <a:cs typeface="+mn-cs"/>
+              </a:rPr>
+              <a:t>MongoDB supports </a:t>
+            </a:r>
+            <a:r>
+              <a:rPr lang="en-US" sz="1200" b="0" i="1" kern="1200" dirty="0" smtClean="0">
+                <a:solidFill>
+                  <a:schemeClr val="tx1"/>
+                </a:solidFill>
+                <a:effectLst/>
+                <a:latin typeface="+mn-lt"/>
+                <a:ea typeface="+mn-ea"/>
+                <a:cs typeface="+mn-cs"/>
+              </a:rPr>
+              <a:t>horizontal scaling</a:t>
+            </a:r>
+            <a:r>
+              <a:rPr lang="en-US" sz="1200" b="0" i="0" kern="1200" dirty="0" smtClean="0">
+                <a:solidFill>
+                  <a:schemeClr val="tx1"/>
+                </a:solidFill>
+                <a:effectLst/>
+                <a:latin typeface="+mn-lt"/>
+                <a:ea typeface="+mn-ea"/>
+                <a:cs typeface="+mn-cs"/>
+              </a:rPr>
+              <a:t> through </a:t>
+            </a:r>
+            <a:r>
+              <a:rPr lang="en-US" sz="1200" b="0" i="0" u="none" strike="noStrike" kern="1200" dirty="0" err="1" smtClean="0">
+                <a:solidFill>
+                  <a:schemeClr val="tx1"/>
+                </a:solidFill>
+                <a:effectLst/>
+                <a:latin typeface="+mn-lt"/>
+                <a:ea typeface="+mn-ea"/>
+                <a:cs typeface="+mn-cs"/>
+                <a:hlinkClick r:id="rId3"/>
+              </a:rPr>
+              <a:t>sharding</a:t>
+            </a:r>
+            <a:r>
+              <a:rPr lang="en-US" sz="1200" b="0" i="0" kern="1200" dirty="0" smtClean="0">
+                <a:solidFill>
+                  <a:schemeClr val="tx1"/>
+                </a:solidFill>
+                <a:effectLst/>
+                <a:latin typeface="+mn-lt"/>
+                <a:ea typeface="+mn-ea"/>
+                <a:cs typeface="+mn-cs"/>
+              </a:rPr>
+              <a:t>.</a:t>
+            </a:r>
+          </a:p>
+          <a:p>
+            <a:r>
+              <a:rPr lang="en-US" sz="1200" b="0" i="0" kern="1200" dirty="0" err="1" smtClean="0">
+                <a:solidFill>
+                  <a:schemeClr val="tx1"/>
+                </a:solidFill>
+                <a:effectLst/>
+                <a:latin typeface="+mn-lt"/>
+                <a:ea typeface="+mn-ea"/>
+                <a:cs typeface="+mn-cs"/>
+              </a:rPr>
+              <a:t>Sharded</a:t>
+            </a:r>
+            <a:r>
+              <a:rPr lang="en-US" sz="1200" b="0" i="0" kern="1200" dirty="0" smtClean="0">
+                <a:solidFill>
+                  <a:schemeClr val="tx1"/>
+                </a:solidFill>
+                <a:effectLst/>
+                <a:latin typeface="+mn-lt"/>
+                <a:ea typeface="+mn-ea"/>
+                <a:cs typeface="+mn-cs"/>
+              </a:rPr>
+              <a:t> Cluster</a:t>
+            </a:r>
+          </a:p>
+          <a:p>
+            <a:r>
+              <a:rPr lang="en-US" sz="1200" b="0" i="0" kern="1200" dirty="0" smtClean="0">
+                <a:solidFill>
+                  <a:schemeClr val="tx1"/>
+                </a:solidFill>
+                <a:effectLst/>
+                <a:latin typeface="+mn-lt"/>
+                <a:ea typeface="+mn-ea"/>
+                <a:cs typeface="+mn-cs"/>
+              </a:rPr>
+              <a:t>A MongoDB </a:t>
+            </a:r>
+            <a:r>
+              <a:rPr lang="en-US" sz="1200" b="0" i="0" u="none" strike="noStrike" kern="1200" dirty="0" err="1" smtClean="0">
+                <a:solidFill>
+                  <a:schemeClr val="tx1"/>
+                </a:solidFill>
+                <a:effectLst/>
+                <a:latin typeface="+mn-lt"/>
+                <a:ea typeface="+mn-ea"/>
+                <a:cs typeface="+mn-cs"/>
+                <a:hlinkClick r:id="rId4"/>
+              </a:rPr>
+              <a:t>sharded</a:t>
+            </a:r>
+            <a:r>
+              <a:rPr lang="en-US" sz="1200" b="0" i="0" u="none" strike="noStrike" kern="1200" dirty="0" smtClean="0">
+                <a:solidFill>
+                  <a:schemeClr val="tx1"/>
+                </a:solidFill>
+                <a:effectLst/>
+                <a:latin typeface="+mn-lt"/>
+                <a:ea typeface="+mn-ea"/>
+                <a:cs typeface="+mn-cs"/>
+                <a:hlinkClick r:id="rId4"/>
+              </a:rPr>
+              <a:t> cluster</a:t>
+            </a:r>
+            <a:r>
+              <a:rPr lang="en-US" sz="1200" b="0" i="0" kern="1200" dirty="0" smtClean="0">
+                <a:solidFill>
+                  <a:schemeClr val="tx1"/>
+                </a:solidFill>
+                <a:effectLst/>
+                <a:latin typeface="+mn-lt"/>
+                <a:ea typeface="+mn-ea"/>
+                <a:cs typeface="+mn-cs"/>
+              </a:rPr>
+              <a:t> consists of the following components:</a:t>
+            </a:r>
+          </a:p>
+          <a:p>
+            <a:r>
+              <a:rPr lang="en-US" sz="1200" b="0" i="0" u="none" strike="noStrike" kern="1200" dirty="0" smtClean="0">
+                <a:solidFill>
+                  <a:schemeClr val="tx1"/>
+                </a:solidFill>
+                <a:effectLst/>
+                <a:latin typeface="+mn-lt"/>
+                <a:ea typeface="+mn-ea"/>
+                <a:cs typeface="+mn-cs"/>
+                <a:hlinkClick r:id="rId5"/>
+              </a:rPr>
+              <a:t>shard</a:t>
+            </a:r>
+            <a:r>
+              <a:rPr lang="en-US" sz="1200" b="0" i="0" kern="1200" dirty="0" smtClean="0">
+                <a:solidFill>
+                  <a:schemeClr val="tx1"/>
+                </a:solidFill>
+                <a:effectLst/>
+                <a:latin typeface="+mn-lt"/>
+                <a:ea typeface="+mn-ea"/>
+                <a:cs typeface="+mn-cs"/>
+              </a:rPr>
+              <a:t>: Each shard contains a subset of the </a:t>
+            </a:r>
+            <a:r>
+              <a:rPr lang="en-US" sz="1200" b="0" i="0" kern="1200" dirty="0" err="1" smtClean="0">
+                <a:solidFill>
+                  <a:schemeClr val="tx1"/>
+                </a:solidFill>
+                <a:effectLst/>
+                <a:latin typeface="+mn-lt"/>
+                <a:ea typeface="+mn-ea"/>
+                <a:cs typeface="+mn-cs"/>
+              </a:rPr>
+              <a:t>sharded</a:t>
+            </a:r>
+            <a:r>
+              <a:rPr lang="en-US" sz="1200" b="0" i="0" kern="1200" dirty="0" smtClean="0">
+                <a:solidFill>
+                  <a:schemeClr val="tx1"/>
+                </a:solidFill>
+                <a:effectLst/>
+                <a:latin typeface="+mn-lt"/>
+                <a:ea typeface="+mn-ea"/>
+                <a:cs typeface="+mn-cs"/>
+              </a:rPr>
+              <a:t> data. Each shard can be deployed as a </a:t>
+            </a:r>
+            <a:r>
+              <a:rPr lang="en-US" sz="1200" b="0" i="0" u="none" strike="noStrike" kern="1200" dirty="0" smtClean="0">
+                <a:solidFill>
+                  <a:schemeClr val="tx1"/>
+                </a:solidFill>
+                <a:effectLst/>
+                <a:latin typeface="+mn-lt"/>
+                <a:ea typeface="+mn-ea"/>
+                <a:cs typeface="+mn-cs"/>
+                <a:hlinkClick r:id="rId6"/>
+              </a:rPr>
+              <a:t>replica set</a:t>
+            </a:r>
+            <a:r>
+              <a:rPr lang="en-US" sz="1200" b="0" i="0" kern="1200" dirty="0" smtClean="0">
+                <a:solidFill>
+                  <a:schemeClr val="tx1"/>
+                </a:solidFill>
+                <a:effectLst/>
+                <a:latin typeface="+mn-lt"/>
+                <a:ea typeface="+mn-ea"/>
+                <a:cs typeface="+mn-cs"/>
+              </a:rPr>
+              <a:t>.</a:t>
+            </a:r>
+          </a:p>
+          <a:p>
+            <a:r>
+              <a:rPr lang="en-US" sz="1200" b="0" i="0" u="none" strike="noStrike" kern="1200" dirty="0" smtClean="0">
+                <a:solidFill>
+                  <a:schemeClr val="tx1"/>
+                </a:solidFill>
+                <a:effectLst/>
+                <a:latin typeface="+mn-lt"/>
+                <a:ea typeface="+mn-ea"/>
+                <a:cs typeface="+mn-cs"/>
+                <a:hlinkClick r:id="rId7"/>
+              </a:rPr>
+              <a:t>mongos</a:t>
+            </a:r>
+            <a:r>
+              <a:rPr lang="en-US" sz="1200" b="0" i="0" kern="1200" dirty="0" smtClean="0">
+                <a:solidFill>
+                  <a:schemeClr val="tx1"/>
+                </a:solidFill>
+                <a:effectLst/>
+                <a:latin typeface="+mn-lt"/>
+                <a:ea typeface="+mn-ea"/>
+                <a:cs typeface="+mn-cs"/>
+              </a:rPr>
+              <a:t>: The mongos acts as a query router, providing an interface between client applications and the </a:t>
+            </a:r>
+            <a:r>
+              <a:rPr lang="en-US" sz="1200" b="0" i="0" kern="1200" dirty="0" err="1" smtClean="0">
+                <a:solidFill>
+                  <a:schemeClr val="tx1"/>
+                </a:solidFill>
+                <a:effectLst/>
+                <a:latin typeface="+mn-lt"/>
+                <a:ea typeface="+mn-ea"/>
+                <a:cs typeface="+mn-cs"/>
+              </a:rPr>
+              <a:t>sharded</a:t>
+            </a:r>
+            <a:r>
+              <a:rPr lang="en-US" sz="1200" b="0" i="0" kern="1200" dirty="0" smtClean="0">
+                <a:solidFill>
+                  <a:schemeClr val="tx1"/>
+                </a:solidFill>
+                <a:effectLst/>
+                <a:latin typeface="+mn-lt"/>
+                <a:ea typeface="+mn-ea"/>
+                <a:cs typeface="+mn-cs"/>
+              </a:rPr>
+              <a:t> cluster.</a:t>
+            </a:r>
+          </a:p>
+          <a:p>
+            <a:r>
+              <a:rPr lang="en-US" sz="1200" b="0" i="0" u="none" strike="noStrike" kern="1200" dirty="0" err="1" smtClean="0">
+                <a:solidFill>
+                  <a:schemeClr val="tx1"/>
+                </a:solidFill>
+                <a:effectLst/>
+                <a:latin typeface="+mn-lt"/>
+                <a:ea typeface="+mn-ea"/>
+                <a:cs typeface="+mn-cs"/>
+                <a:hlinkClick r:id="rId8"/>
+              </a:rPr>
+              <a:t>config</a:t>
+            </a:r>
+            <a:r>
+              <a:rPr lang="en-US" sz="1200" b="0" i="0" u="none" strike="noStrike" kern="1200" dirty="0" smtClean="0">
+                <a:solidFill>
+                  <a:schemeClr val="tx1"/>
+                </a:solidFill>
+                <a:effectLst/>
+                <a:latin typeface="+mn-lt"/>
+                <a:ea typeface="+mn-ea"/>
+                <a:cs typeface="+mn-cs"/>
+                <a:hlinkClick r:id="rId8"/>
+              </a:rPr>
+              <a:t> servers</a:t>
+            </a:r>
+            <a:r>
+              <a:rPr lang="en-US" sz="1200" b="0" i="0" kern="1200" dirty="0" smtClean="0">
+                <a:solidFill>
+                  <a:schemeClr val="tx1"/>
+                </a:solidFill>
+                <a:effectLst/>
+                <a:latin typeface="+mn-lt"/>
+                <a:ea typeface="+mn-ea"/>
+                <a:cs typeface="+mn-cs"/>
+              </a:rPr>
+              <a:t>: </a:t>
+            </a:r>
+            <a:r>
+              <a:rPr lang="en-US" sz="1200" b="0" i="0" kern="1200" dirty="0" err="1" smtClean="0">
+                <a:solidFill>
+                  <a:schemeClr val="tx1"/>
+                </a:solidFill>
+                <a:effectLst/>
+                <a:latin typeface="+mn-lt"/>
+                <a:ea typeface="+mn-ea"/>
+                <a:cs typeface="+mn-cs"/>
+              </a:rPr>
+              <a:t>Config</a:t>
+            </a:r>
+            <a:r>
+              <a:rPr lang="en-US" sz="1200" b="0" i="0" kern="1200" dirty="0" smtClean="0">
+                <a:solidFill>
+                  <a:schemeClr val="tx1"/>
+                </a:solidFill>
+                <a:effectLst/>
+                <a:latin typeface="+mn-lt"/>
+                <a:ea typeface="+mn-ea"/>
+                <a:cs typeface="+mn-cs"/>
+              </a:rPr>
+              <a:t> servers store metadata and configuration settings for the cluster. As of MongoDB 3.4, </a:t>
+            </a:r>
+            <a:r>
+              <a:rPr lang="en-US" sz="1200" b="0" i="0" kern="1200" dirty="0" err="1" smtClean="0">
+                <a:solidFill>
+                  <a:schemeClr val="tx1"/>
+                </a:solidFill>
+                <a:effectLst/>
+                <a:latin typeface="+mn-lt"/>
+                <a:ea typeface="+mn-ea"/>
+                <a:cs typeface="+mn-cs"/>
+              </a:rPr>
+              <a:t>config</a:t>
+            </a:r>
+            <a:r>
+              <a:rPr lang="en-US" sz="1200" b="0" i="0" kern="1200" dirty="0" smtClean="0">
+                <a:solidFill>
+                  <a:schemeClr val="tx1"/>
+                </a:solidFill>
+                <a:effectLst/>
+                <a:latin typeface="+mn-lt"/>
+                <a:ea typeface="+mn-ea"/>
+                <a:cs typeface="+mn-cs"/>
+              </a:rPr>
+              <a:t> servers must be deployed as a replica set (CSRS).</a:t>
+            </a:r>
+          </a:p>
+          <a:p>
+            <a:endParaRPr lang="en-US" sz="1200" b="0" i="0" kern="1200" dirty="0" smtClean="0">
+              <a:solidFill>
+                <a:schemeClr val="tx1"/>
+              </a:solidFill>
+              <a:effectLst/>
+              <a:latin typeface="+mn-lt"/>
+              <a:ea typeface="+mn-ea"/>
+              <a:cs typeface="+mn-cs"/>
+            </a:endParaRPr>
+          </a:p>
+          <a:p>
+            <a:r>
+              <a:rPr lang="en-US" sz="1200" b="0" i="0" kern="1200" dirty="0" smtClean="0">
+                <a:solidFill>
+                  <a:schemeClr val="tx1"/>
+                </a:solidFill>
+                <a:effectLst/>
+                <a:latin typeface="+mn-lt"/>
+                <a:ea typeface="+mn-ea"/>
+                <a:cs typeface="+mn-cs"/>
+              </a:rPr>
+              <a:t>For</a:t>
+            </a:r>
+            <a:r>
+              <a:rPr lang="en-US" sz="1200" b="0" i="0" kern="1200" baseline="0" dirty="0" smtClean="0">
+                <a:solidFill>
+                  <a:schemeClr val="tx1"/>
+                </a:solidFill>
+                <a:effectLst/>
+                <a:latin typeface="+mn-lt"/>
+                <a:ea typeface="+mn-ea"/>
+                <a:cs typeface="+mn-cs"/>
+              </a:rPr>
+              <a:t> example, movies could be partitioned into shards by country, or by popularity.</a:t>
+            </a:r>
+          </a:p>
+          <a:p>
+            <a:endParaRPr lang="en-US" sz="1200" b="0" i="0" kern="1200" dirty="0">
+              <a:solidFill>
+                <a:schemeClr val="tx1"/>
+              </a:solidFill>
+              <a:effectLst/>
+              <a:latin typeface="+mn-lt"/>
+              <a:ea typeface="+mn-ea"/>
+              <a:cs typeface="+mn-cs"/>
+            </a:endParaRPr>
           </a:p>
         </p:txBody>
       </p:sp>
@@ -4498,7 +5831,7 @@
           <a:p>
             <a:fld id="{7ECDF86E-C09E-4C73-8798-F0685C098AE7}" type="slidenum">
               <a:rPr lang="en-US" smtClean="0"/>
-              <a:t>9</a:t>
+              <a:t>8</a:t>
             </a:fld>
             <a:endParaRPr lang="en-US"/>
           </a:p>
@@ -4507,7 +5840,7 @@
     </p:spTree>
     <p:extLst>
       <p:ext uri="{BB962C8B-B14F-4D97-AF65-F5344CB8AC3E}">
-        <p14:creationId xmlns:p14="http://schemas.microsoft.com/office/powerpoint/2010/main" val="3883698302"/>
+        <p14:creationId xmlns:p14="http://schemas.microsoft.com/office/powerpoint/2010/main" val="932072884"/>
       </p:ext>
     </p:extLst>
   </p:cSld>
@@ -4563,23 +5896,41 @@
           <a:p>
             <a:r>
               <a:rPr lang="en-US" dirty="0" smtClean="0"/>
-              <a:t>Databases</a:t>
+              <a:t>Explain that mongo locally will have a server running and we communicate with the server using a shell.</a:t>
             </a:r>
             <a:r>
               <a:rPr lang="en-US" baseline="0" dirty="0" smtClean="0"/>
-              <a:t> – like oracle instances</a:t>
-            </a:r>
-          </a:p>
-          <a:p>
+              <a:t>  To see that everything is ok, open the shell and get the version.</a:t>
+            </a:r>
+            <a:endParaRPr lang="en-US" dirty="0" smtClean="0"/>
+          </a:p>
+          <a:p>
+            <a:endParaRPr lang="en-US" dirty="0" smtClean="0"/>
+          </a:p>
+          <a:p>
+            <a:r>
+              <a:rPr lang="en-US" dirty="0" smtClean="0"/>
+              <a:t>This belong</a:t>
+            </a:r>
             <a:r>
               <a:rPr lang="en-US" baseline="0" dirty="0" smtClean="0"/>
-              <a:t>Collections – like tables</a:t>
-            </a:r>
-          </a:p>
-          <a:p>
+              <a:t> in </a:t>
+            </a:r>
+            <a:r>
+              <a:rPr lang="en-US" baseline="0" dirty="0" err="1" smtClean="0"/>
+              <a:t>github</a:t>
+            </a:r>
             <a:r>
               <a:rPr lang="en-US" baseline="0" dirty="0" smtClean="0"/>
-              <a:t>Collections – contain documents</a:t>
+              <a:t> or wiki.  Maybe have slides with info – let them get them get off </a:t>
+            </a:r>
+            <a:r>
+              <a:rPr lang="en-US" baseline="0" dirty="0" err="1" smtClean="0"/>
+              <a:t>dropbox</a:t>
+            </a:r>
+            <a:r>
+              <a:rPr lang="en-US" baseline="0" dirty="0" smtClean="0"/>
+              <a:t> or email in advance since may know who signed up?</a:t>
             </a:r>
           </a:p>
           <a:p>
@@ -4588,7 +5939,7 @@
           <a:p>
             <a:r>
               <a:rPr lang="en-US" baseline="0" dirty="0" smtClean="0"/>
-              <a:t>When you use a database or collection mongo will create them.</a:t>
+              <a:t>Explain this slide and stop to make sure people are ready before you start demonstrating things…</a:t>
             </a:r>
           </a:p>
           <a:p>
@@ -4597,7 +5948,7 @@
           <a:p>
             <a:r>
               <a:rPr lang="en-US" baseline="0" dirty="0" smtClean="0"/>
-              <a:t>Go into shell and demo these.  Finally, “use movies”</a:t>
+              <a:t>Go back and forth between slide and demo, finally do some exercises.</a:t>
             </a:r>
           </a:p>
           <a:p>
@@ -4625,7 +5976,7 @@
           <a:p>
             <a:fld id="{7ECDF86E-C09E-4C73-8798-F0685C098AE7}" type="slidenum">
               <a:rPr lang="en-US" smtClean="0"/>
-              <a:t>10</a:t>
+              <a:t>9</a:t>
             </a:fld>
             <a:endParaRPr lang="en-US"/>
           </a:p>
@@ -4634,7 +5985,7 @@
     </p:spTree>
     <p:extLst>
       <p:ext uri="{BB962C8B-B14F-4D97-AF65-F5344CB8AC3E}">
-        <p14:creationId xmlns:p14="http://schemas.microsoft.com/office/powerpoint/2010/main" val="1964589187"/>
+        <p14:creationId xmlns:p14="http://schemas.microsoft.com/office/powerpoint/2010/main" val="3883698302"/>
       </p:ext>
     </p:extLst>
   </p:cSld>
@@ -4825,7 +6176,7 @@
           <a:p>
             <a:fld id="{2ADC2C9B-E509-4817-BA72-5DA0722D8BF9}" type="datetimeFigureOut">
               <a:rPr lang="en-US" smtClean="0"/>
-              <a:t>6/16/17</a:t>
+              <a:t>6/19/2017</a:t>
             </a:fld>
             <a:endParaRPr lang="en-US"/>
           </a:p>
@@ -4995,7 +6346,7 @@
           <a:p>
             <a:fld id="{2ADC2C9B-E509-4817-BA72-5DA0722D8BF9}" type="datetimeFigureOut">
               <a:rPr lang="en-US" smtClean="0"/>
-              <a:t>6/16/17</a:t>
+              <a:t>6/19/2017</a:t>
             </a:fld>
             <a:endParaRPr lang="en-US"/>
           </a:p>
@@ -5175,7 +6526,7 @@
           <a:p>
             <a:fld id="{2ADC2C9B-E509-4817-BA72-5DA0722D8BF9}" type="datetimeFigureOut">
               <a:rPr lang="en-US" smtClean="0"/>
-              <a:t>6/16/17</a:t>
+              <a:t>6/19/2017</a:t>
             </a:fld>
             <a:endParaRPr lang="en-US"/>
           </a:p>
@@ -5345,7 +6696,7 @@
           <a:p>
             <a:fld id="{2ADC2C9B-E509-4817-BA72-5DA0722D8BF9}" type="datetimeFigureOut">
               <a:rPr lang="en-US" smtClean="0"/>
-              <a:t>6/16/17</a:t>
+              <a:t>6/19/2017</a:t>
             </a:fld>
             <a:endParaRPr lang="en-US"/>
           </a:p>
@@ -5591,7 +6942,7 @@
           <a:p>
             <a:fld id="{2ADC2C9B-E509-4817-BA72-5DA0722D8BF9}" type="datetimeFigureOut">
               <a:rPr lang="en-US" smtClean="0"/>
-              <a:t>6/16/17</a:t>
+              <a:t>6/19/2017</a:t>
             </a:fld>
             <a:endParaRPr lang="en-US"/>
           </a:p>
@@ -5879,7 +7230,7 @@
           <a:p>
             <a:fld id="{2ADC2C9B-E509-4817-BA72-5DA0722D8BF9}" type="datetimeFigureOut">
               <a:rPr lang="en-US" smtClean="0"/>
-              <a:t>6/16/17</a:t>
+              <a:t>6/19/2017</a:t>
             </a:fld>
             <a:endParaRPr lang="en-US"/>
           </a:p>
@@ -6301,7 +7652,7 @@
           <a:p>
             <a:fld id="{2ADC2C9B-E509-4817-BA72-5DA0722D8BF9}" type="datetimeFigureOut">
               <a:rPr lang="en-US" smtClean="0"/>
-              <a:t>6/16/17</a:t>
+              <a:t>6/19/2017</a:t>
             </a:fld>
             <a:endParaRPr lang="en-US"/>
           </a:p>
@@ -6419,7 +7770,7 @@
           <a:p>
             <a:fld id="{2ADC2C9B-E509-4817-BA72-5DA0722D8BF9}" type="datetimeFigureOut">
               <a:rPr lang="en-US" smtClean="0"/>
-              <a:t>6/16/17</a:t>
+              <a:t>6/19/2017</a:t>
             </a:fld>
             <a:endParaRPr lang="en-US"/>
           </a:p>
@@ -6514,7 +7865,7 @@
           <a:p>
             <a:fld id="{2ADC2C9B-E509-4817-BA72-5DA0722D8BF9}" type="datetimeFigureOut">
               <a:rPr lang="en-US" smtClean="0"/>
-              <a:t>6/16/17</a:t>
+              <a:t>6/19/2017</a:t>
             </a:fld>
             <a:endParaRPr lang="en-US"/>
           </a:p>
@@ -6791,7 +8142,7 @@
           <a:p>
             <a:fld id="{2ADC2C9B-E509-4817-BA72-5DA0722D8BF9}" type="datetimeFigureOut">
               <a:rPr lang="en-US" smtClean="0"/>
-              <a:t>6/16/17</a:t>
+              <a:t>6/19/2017</a:t>
             </a:fld>
             <a:endParaRPr lang="en-US"/>
           </a:p>
@@ -7044,7 +8395,7 @@
           <a:p>
             <a:fld id="{2ADC2C9B-E509-4817-BA72-5DA0722D8BF9}" type="datetimeFigureOut">
               <a:rPr lang="en-US" smtClean="0"/>
-              <a:t>6/16/17</a:t>
+              <a:t>6/19/2017</a:t>
             </a:fld>
             <a:endParaRPr lang="en-US"/>
           </a:p>
@@ -7257,7 +8608,7 @@
           <a:p>
             <a:fld id="{2ADC2C9B-E509-4817-BA72-5DA0722D8BF9}" type="datetimeFigureOut">
               <a:rPr lang="en-US" smtClean="0"/>
-              <a:t>6/16/17</a:t>
+              <a:t>6/19/2017</a:t>
             </a:fld>
             <a:endParaRPr lang="en-US"/>
           </a:p>
@@ -7824,8 +9175,37 @@
                 <a:ea typeface="Arial Unicode MS" panose="020B0604020202020204" pitchFamily="34" charset="-128"/>
                 <a:cs typeface="Arial Unicode MS" panose="020B0604020202020204" pitchFamily="34" charset="-128"/>
               </a:rPr>
-              <a:t>use exercises</a:t>
-            </a:r>
+              <a:t>use </a:t>
+            </a:r>
+            <a:r>
+              <a:rPr lang="en-US" sz="2800" b="1" dirty="0" smtClean="0">
+                <a:latin typeface="Arial Unicode MS" panose="020B0604020202020204" pitchFamily="34" charset="-128"/>
+                <a:ea typeface="Arial Unicode MS" panose="020B0604020202020204" pitchFamily="34" charset="-128"/>
+                <a:cs typeface="Arial Unicode MS" panose="020B0604020202020204" pitchFamily="34" charset="-128"/>
+              </a:rPr>
+              <a:t>&lt;</a:t>
+            </a:r>
+            <a:r>
+              <a:rPr lang="en-US" sz="2800" b="1" dirty="0" err="1" smtClean="0">
+                <a:latin typeface="Arial Unicode MS" panose="020B0604020202020204" pitchFamily="34" charset="-128"/>
+                <a:ea typeface="Arial Unicode MS" panose="020B0604020202020204" pitchFamily="34" charset="-128"/>
+                <a:cs typeface="Arial Unicode MS" panose="020B0604020202020204" pitchFamily="34" charset="-128"/>
+              </a:rPr>
+              <a:t>db</a:t>
+            </a:r>
+            <a:r>
+              <a:rPr lang="en-US" sz="2800" b="1" dirty="0" smtClean="0">
+                <a:latin typeface="Arial Unicode MS" panose="020B0604020202020204" pitchFamily="34" charset="-128"/>
+                <a:ea typeface="Arial Unicode MS" panose="020B0604020202020204" pitchFamily="34" charset="-128"/>
+                <a:cs typeface="Arial Unicode MS" panose="020B0604020202020204" pitchFamily="34" charset="-128"/>
+              </a:rPr>
+              <a:t> name&gt;</a:t>
+            </a:r>
+            <a:endParaRPr lang="en-US" sz="2800" b="1" dirty="0" smtClean="0">
+              <a:latin typeface="Arial Unicode MS" panose="020B0604020202020204" pitchFamily="34" charset="-128"/>
+              <a:ea typeface="Arial Unicode MS" panose="020B0604020202020204" pitchFamily="34" charset="-128"/>
+              <a:cs typeface="Arial Unicode MS" panose="020B0604020202020204" pitchFamily="34" charset="-128"/>
+            </a:endParaRPr>
           </a:p>
           <a:p>
             <a:pPr marL="0" indent="0">
@@ -8062,13 +9442,8 @@
             <a:pPr lvl="1"/>
             <a:r>
               <a:rPr lang="en-US" dirty="0" smtClean="0"/>
-              <a:t>Insert data from the </a:t>
-            </a:r>
-            <a:r>
-              <a:rPr lang="en-US" smtClean="0"/>
-              <a:t>script </a:t>
-            </a:r>
-            <a:endParaRPr lang="en-US" dirty="0" smtClean="0"/>
+              <a:t>Insert data from the script </a:t>
+            </a:r>
           </a:p>
           <a:p>
             <a:pPr marL="914400" lvl="2" indent="0">
@@ -9113,7 +10488,21 @@
                 <a:ea typeface="Arial Unicode MS" panose="020B0604020202020204" pitchFamily="34" charset="-128"/>
                 <a:cs typeface="Arial Unicode MS" panose="020B0604020202020204" pitchFamily="34" charset="-128"/>
               </a:rPr>
-              <a:t>Find all movies in our database with the actor Ian </a:t>
+              <a:t>Find all </a:t>
+            </a:r>
+            <a:r>
+              <a:rPr lang="en-US" dirty="0" smtClean="0">
+                <a:ea typeface="Arial Unicode MS" panose="020B0604020202020204" pitchFamily="34" charset="-128"/>
+                <a:cs typeface="Arial Unicode MS" panose="020B0604020202020204" pitchFamily="34" charset="-128"/>
+              </a:rPr>
+              <a:t>movie titles </a:t>
+            </a:r>
+            <a:r>
+              <a:rPr lang="en-US" dirty="0" smtClean="0">
+                <a:ea typeface="Arial Unicode MS" panose="020B0604020202020204" pitchFamily="34" charset="-128"/>
+                <a:cs typeface="Arial Unicode MS" panose="020B0604020202020204" pitchFamily="34" charset="-128"/>
+              </a:rPr>
+              <a:t>in our database with the actor Ian </a:t>
             </a:r>
             <a:r>
               <a:rPr lang="en-US" dirty="0" err="1" smtClean="0">
@@ -9180,7 +10569,21 @@
                 <a:ea typeface="Arial Unicode MS" panose="020B0604020202020204" pitchFamily="34" charset="-128"/>
                 <a:cs typeface="Arial Unicode MS" panose="020B0604020202020204" pitchFamily="34" charset="-128"/>
               </a:rPr>
-              <a:t> for movies since 2000 or that have a rating great than 8</a:t>
+              <a:t> for movies since 2000 or that have a rating </a:t>
+            </a:r>
+            <a:r>
+              <a:rPr lang="en-US" dirty="0" smtClean="0">
+                <a:ea typeface="Arial Unicode MS" panose="020B0604020202020204" pitchFamily="34" charset="-128"/>
+                <a:cs typeface="Arial Unicode MS" panose="020B0604020202020204" pitchFamily="34" charset="-128"/>
+              </a:rPr>
+              <a:t>greater </a:t>
+            </a:r>
+            <a:r>
+              <a:rPr lang="en-US" dirty="0" smtClean="0">
+                <a:ea typeface="Arial Unicode MS" panose="020B0604020202020204" pitchFamily="34" charset="-128"/>
+                <a:cs typeface="Arial Unicode MS" panose="020B0604020202020204" pitchFamily="34" charset="-128"/>
+              </a:rPr>
+              <a:t>than 8</a:t>
             </a:r>
             <a:endParaRPr lang="en-US" dirty="0">
               <a:ea typeface="Arial Unicode MS" panose="020B0604020202020204" pitchFamily="34" charset="-128"/>
@@ -9452,7 +10855,7 @@
 </file>
 
 <file path=ppt/slides/slide17.xml><?xml version="1.0" encoding="utf-8"?>
-<p:sld xmlns:a="http://schemas.openxmlformats.org/drawingml/2006/main" xmlns:r="http://schemas.openxmlformats.org/officeDocument/2006/relationships" xmlns:p="http://schemas.openxmlformats.org/presentationml/2006/main">
+<p:sld xmlns:a="http://schemas.openxmlformats.org/drawingml/2006/main" xmlns:r="http://schemas.openxmlformats.org/officeDocument/2006/relationships" xmlns:p="http://schemas.openxmlformats.org/presentationml/2006/main" show="0">
   <p:cSld>
     <p:spTree>
       <p:nvGrpSpPr>
@@ -9470,150 +10873,192 @@
       </p:grpSpPr>
       <p:sp>
         <p:nvSpPr>
-          <p:cNvPr id="2" name="Title 1"/>
-          <p:cNvSpPr>
-            <a:spLocks noGrp="1"/>
-          </p:cNvSpPr>
-          <p:nvPr>
-            <p:ph type="title"/>
-          </p:nvPr>
-        </p:nvSpPr>
-        <p:spPr/>
-        <p:txBody>
-          <a:bodyPr/>
-          <a:lstStyle/>
-          <a:p>
-            <a:r>
-              <a:rPr lang="en-US" dirty="0" smtClean="0"/>
-              <a:t>Updates</a:t>
-            </a:r>
-            <a:endParaRPr lang="en-US" dirty="0"/>
-          </a:p>
-        </p:txBody>
-      </p:sp>
-      <p:sp>
-        <p:nvSpPr>
-          <p:cNvPr id="3" name="Content Placeholder 2"/>
-          <p:cNvSpPr>
-            <a:spLocks noGrp="1"/>
-          </p:cNvSpPr>
-          <p:nvPr>
-            <p:ph idx="1"/>
-          </p:nvPr>
-        </p:nvSpPr>
-        <p:spPr/>
-        <p:txBody>
-          <a:bodyPr/>
-          <a:lstStyle/>
-          <a:p>
-            <a:pPr marL="0" indent="0">
-              <a:buNone/>
-            </a:pPr>
-            <a:r>
-              <a:rPr lang="en-US" dirty="0" smtClean="0"/>
-              <a:t>Save: create or overwrite a document:</a:t>
-            </a:r>
-          </a:p>
-          <a:p>
-            <a:pPr marL="0" indent="0">
-              <a:buNone/>
-            </a:pPr>
-            <a:r>
-              <a:rPr lang="en-US" dirty="0"/>
-              <a:t>	</a:t>
-            </a:r>
-            <a:r>
-              <a:rPr lang="en-US" sz="2400" b="1" dirty="0" smtClean="0">
-                <a:latin typeface="Arial Unicode MS" panose="020B0604020202020204" pitchFamily="34" charset="-128"/>
-                <a:ea typeface="Arial Unicode MS" panose="020B0604020202020204" pitchFamily="34" charset="-128"/>
-                <a:cs typeface="Arial Unicode MS" panose="020B0604020202020204" pitchFamily="34" charset="-128"/>
-              </a:rPr>
-              <a:t>db.&lt;collection&gt;.save(document)</a:t>
-            </a:r>
-            <a:endParaRPr lang="en-US" sz="2400" b="1" dirty="0" smtClean="0"/>
-          </a:p>
-          <a:p>
-            <a:pPr marL="0" indent="0">
-              <a:buNone/>
-            </a:pPr>
-            <a:r>
-              <a:rPr lang="en-US" dirty="0" smtClean="0"/>
-              <a:t>Update: a portion of a document:</a:t>
-            </a:r>
-          </a:p>
-          <a:p>
-            <a:pPr marL="0" indent="0">
-              <a:buNone/>
-            </a:pPr>
-            <a:r>
-              <a:rPr lang="en-US" dirty="0"/>
-              <a:t>	</a:t>
-            </a:r>
-            <a:r>
-              <a:rPr lang="en-US" sz="2400" b="1" dirty="0" smtClean="0">
-                <a:latin typeface="Arial Unicode MS" panose="020B0604020202020204" pitchFamily="34" charset="-128"/>
-                <a:ea typeface="Arial Unicode MS" panose="020B0604020202020204" pitchFamily="34" charset="-128"/>
-                <a:cs typeface="Arial Unicode MS" panose="020B0604020202020204" pitchFamily="34" charset="-128"/>
-              </a:rPr>
-              <a:t>db.&lt;collection&gt;.update(criteria, { op : portion })</a:t>
-            </a:r>
-            <a:endParaRPr lang="en-US" sz="2400" b="1" dirty="0" smtClean="0"/>
-          </a:p>
-          <a:p>
-            <a:pPr marL="0" indent="0">
-              <a:buNone/>
-            </a:pPr>
-            <a:r>
-              <a:rPr lang="en-US" dirty="0" smtClean="0"/>
-              <a:t>Remove: remove documents:</a:t>
-            </a:r>
-          </a:p>
-          <a:p>
-            <a:pPr marL="0" indent="0">
-              <a:buNone/>
-            </a:pPr>
-            <a:r>
-              <a:rPr lang="en-US" dirty="0"/>
-              <a:t>	</a:t>
-            </a:r>
-            <a:r>
-              <a:rPr lang="en-US" sz="2400" b="1" dirty="0" smtClean="0">
-                <a:latin typeface="Arial Unicode MS" panose="020B0604020202020204" pitchFamily="34" charset="-128"/>
-                <a:ea typeface="Arial Unicode MS" panose="020B0604020202020204" pitchFamily="34" charset="-128"/>
-                <a:cs typeface="Arial Unicode MS" panose="020B0604020202020204" pitchFamily="34" charset="-128"/>
-              </a:rPr>
-              <a:t>db.&lt;collection&gt;.remove(criteria,  </a:t>
-            </a:r>
-            <a:r>
-              <a:rPr lang="en-US" sz="2400" b="1" dirty="0" err="1" smtClean="0">
-                <a:latin typeface="Arial Unicode MS" panose="020B0604020202020204" pitchFamily="34" charset="-128"/>
-                <a:ea typeface="Arial Unicode MS" panose="020B0604020202020204" pitchFamily="34" charset="-128"/>
-                <a:cs typeface="Arial Unicode MS" panose="020B0604020202020204" pitchFamily="34" charset="-128"/>
-              </a:rPr>
-              <a:t>optional_limit</a:t>
-            </a:r>
-            <a:r>
-              <a:rPr lang="en-US" sz="2400" b="1" dirty="0" smtClean="0">
-                <a:latin typeface="Arial Unicode MS" panose="020B0604020202020204" pitchFamily="34" charset="-128"/>
-                <a:ea typeface="Arial Unicode MS" panose="020B0604020202020204" pitchFamily="34" charset="-128"/>
-                <a:cs typeface="Arial Unicode MS" panose="020B0604020202020204" pitchFamily="34" charset="-128"/>
-              </a:rPr>
-              <a:t>)</a:t>
-            </a:r>
-            <a:endParaRPr lang="en-US" sz="2400" b="1" dirty="0"/>
+          <p:cNvPr id="2" name="Rectangle 1"/>
+          <p:cNvSpPr/>
+          <p:nvPr/>
+        </p:nvSpPr>
+        <p:spPr>
+          <a:xfrm>
+            <a:off x="914400" y="533400"/>
+            <a:ext cx="7467600" cy="5632311"/>
+          </a:xfrm>
+          <a:prstGeom prst="rect">
+            <a:avLst/>
+          </a:prstGeom>
+        </p:spPr>
+        <p:txBody>
+          <a:bodyPr wrap="square">
+            <a:spAutoFit/>
+          </a:bodyPr>
+          <a:lstStyle/>
+          <a:p>
+            <a:r>
+              <a:rPr lang="en-US" sz="2400" dirty="0" smtClean="0"/>
+              <a:t>&gt; </a:t>
+            </a:r>
+            <a:r>
+              <a:rPr lang="en-US" sz="2400" dirty="0" err="1" smtClean="0"/>
+              <a:t>db.movies.aggregate</a:t>
+            </a:r>
+            <a:r>
+              <a:rPr lang="en-US" sz="2400" dirty="0" smtClean="0"/>
+              <a:t>([</a:t>
+            </a:r>
+          </a:p>
+          <a:p>
+            <a:r>
+              <a:rPr lang="en-US" sz="2400" dirty="0" smtClean="0"/>
+              <a:t>       {$</a:t>
+            </a:r>
+            <a:r>
+              <a:rPr lang="en-US" sz="2400" dirty="0"/>
+              <a:t>group: {_id: "$</a:t>
+            </a:r>
+            <a:r>
+              <a:rPr lang="en-US" sz="2400" dirty="0" err="1"/>
+              <a:t>details.year</a:t>
+            </a:r>
+            <a:r>
+              <a:rPr lang="en-US" sz="2400" dirty="0" smtClean="0"/>
+              <a:t>",</a:t>
+            </a:r>
+          </a:p>
+          <a:p>
+            <a:r>
+              <a:rPr lang="en-US" sz="2400" dirty="0"/>
+              <a:t> </a:t>
+            </a:r>
+            <a:r>
+              <a:rPr lang="en-US" sz="2400" dirty="0" smtClean="0"/>
+              <a:t>                       </a:t>
+            </a:r>
+            <a:r>
+              <a:rPr lang="en-US" sz="2400" dirty="0"/>
+              <a:t>average: {$</a:t>
+            </a:r>
+            <a:r>
+              <a:rPr lang="en-US" sz="2400" dirty="0" err="1"/>
+              <a:t>avg</a:t>
+            </a:r>
+            <a:r>
+              <a:rPr lang="en-US" sz="2400" dirty="0"/>
+              <a:t>: "$</a:t>
+            </a:r>
+            <a:r>
+              <a:rPr lang="en-US" sz="2400" dirty="0" err="1" smtClean="0"/>
+              <a:t>imdbRating</a:t>
+            </a:r>
+            <a:r>
+              <a:rPr lang="en-US" sz="2400" dirty="0"/>
+              <a:t>"}}}, </a:t>
+            </a:r>
+            <a:endParaRPr lang="en-US" sz="2400" dirty="0" smtClean="0"/>
+          </a:p>
+          <a:p>
+            <a:r>
+              <a:rPr lang="en-US" sz="2400" dirty="0"/>
+              <a:t> </a:t>
+            </a:r>
+            <a:r>
+              <a:rPr lang="en-US" sz="2400" dirty="0" smtClean="0"/>
+              <a:t>      {$</a:t>
+            </a:r>
+            <a:r>
+              <a:rPr lang="en-US" sz="2400" dirty="0"/>
+              <a:t>sort: {_id: 1</a:t>
+            </a:r>
+            <a:r>
+              <a:rPr lang="en-US" sz="2400" dirty="0" smtClean="0"/>
+              <a:t>}} ])</a:t>
+            </a:r>
+            <a:endParaRPr lang="en-US" sz="2400" dirty="0"/>
+          </a:p>
+          <a:p>
+            <a:r>
+              <a:rPr lang="en-US" sz="2400" dirty="0"/>
+              <a:t>{ "_id" : "1977", "average" : 8.7 }</a:t>
+            </a:r>
+          </a:p>
+          <a:p>
+            <a:r>
+              <a:rPr lang="en-US" sz="2400" dirty="0"/>
+              <a:t>{ "_id" : "1989", "average" : 7.6 }</a:t>
+            </a:r>
+          </a:p>
+          <a:p>
+            <a:r>
+              <a:rPr lang="en-US" sz="2400" dirty="0"/>
+              <a:t>{ "_id" : "2000", "average" : 7.4 }</a:t>
+            </a:r>
+          </a:p>
+          <a:p>
+            <a:r>
+              <a:rPr lang="en-US" sz="2400" dirty="0"/>
+              <a:t>{ "_id" : "2001", "average" : 8.8 }</a:t>
+            </a:r>
+          </a:p>
+          <a:p>
+            <a:r>
+              <a:rPr lang="en-US" sz="2400" dirty="0"/>
+              <a:t>{ "_id" : "2002", "average" : 7.3 }</a:t>
+            </a:r>
+          </a:p>
+          <a:p>
+            <a:r>
+              <a:rPr lang="en-US" sz="2400" dirty="0"/>
+              <a:t>{ "_id" : "2004", "average" : 7.55 }</a:t>
+            </a:r>
+          </a:p>
+          <a:p>
+            <a:r>
+              <a:rPr lang="en-US" sz="2400" dirty="0"/>
+              <a:t>{ "_id" : "2005", "average" : 5.7 }</a:t>
+            </a:r>
+          </a:p>
+          <a:p>
+            <a:r>
+              <a:rPr lang="en-US" sz="2400" dirty="0"/>
+              <a:t>{ "_id" : "2008", "average" : null }</a:t>
+            </a:r>
+          </a:p>
+          <a:p>
+            <a:r>
+              <a:rPr lang="en-US" sz="2400" dirty="0"/>
+              <a:t>{ "_id" : "2012", "average" : 8 }</a:t>
+            </a:r>
+          </a:p>
+          <a:p>
+            <a:r>
+              <a:rPr lang="en-US" sz="2400" dirty="0"/>
+              <a:t>{ "_id" : "2017", "average" : 8.4 }</a:t>
+            </a:r>
+          </a:p>
+          <a:p>
+            <a:r>
+              <a:rPr lang="en-US" sz="2400" dirty="0"/>
+              <a:t>&gt;</a:t>
+            </a:r>
           </a:p>
         </p:txBody>
       </p:sp>
     </p:spTree>
     <p:extLst>
       <p:ext uri="{BB962C8B-B14F-4D97-AF65-F5344CB8AC3E}">
-        <p14:creationId xmlns:p14="http://schemas.microsoft.com/office/powerpoint/2010/main" val="4044388861"/>
+        <p14:creationId xmlns:p14="http://schemas.microsoft.com/office/powerpoint/2010/main" val="2389872689"/>
       </p:ext>
     </p:extLst>
   </p:cSld>
   <p:clrMapOvr>
     <a:masterClrMapping/>
   </p:clrMapOvr>
+  <mc:AlternateContent xmlns:mc="http://schemas.openxmlformats.org/markup-compatibility/2006">
+    <mc:Choice xmlns:p14="http://schemas.microsoft.com/office/powerpoint/2010/main" Requires="p14">
+      <p:transition spd="slow" p14:dur="2000"/>
+    </mc:Choice>
+    <mc:Fallback>
+      <p:transition spd="slow"/>
+    </mc:Fallback>
+  </mc:AlternateContent>
 </p:sld>
 </file>
 
@@ -9636,178 +11081,144 @@
       </p:grpSpPr>
       <p:sp>
         <p:nvSpPr>
-          <p:cNvPr id="2" name="Rectangle 1"/>
-          <p:cNvSpPr/>
-          <p:nvPr/>
-        </p:nvSpPr>
-        <p:spPr>
-          <a:xfrm>
-            <a:off x="914400" y="533400"/>
-            <a:ext cx="7467600" cy="5632311"/>
-          </a:xfrm>
-          <a:prstGeom prst="rect">
-            <a:avLst/>
-          </a:prstGeom>
-        </p:spPr>
-        <p:txBody>
-          <a:bodyPr wrap="square">
-            <a:spAutoFit/>
-          </a:bodyPr>
-          <a:lstStyle/>
-          <a:p>
-            <a:r>
-              <a:rPr lang="en-US" sz="2400" dirty="0" smtClean="0"/>
-              <a:t>&gt; </a:t>
-            </a:r>
-            <a:r>
-              <a:rPr lang="en-US" sz="2400" dirty="0" err="1" smtClean="0"/>
-              <a:t>db.movies.aggregate</a:t>
-            </a:r>
-            <a:r>
-              <a:rPr lang="en-US" sz="2400" dirty="0" smtClean="0"/>
-              <a:t>([</a:t>
-            </a:r>
-          </a:p>
-          <a:p>
-            <a:r>
-              <a:rPr lang="en-US" sz="2400" dirty="0" smtClean="0"/>
-              <a:t>       {$</a:t>
-            </a:r>
-            <a:r>
-              <a:rPr lang="en-US" sz="2400" dirty="0"/>
-              <a:t>group: {_id: "$</a:t>
-            </a:r>
-            <a:r>
-              <a:rPr lang="en-US" sz="2400" dirty="0" err="1"/>
-              <a:t>details.year</a:t>
-            </a:r>
-            <a:r>
-              <a:rPr lang="en-US" sz="2400" dirty="0" smtClean="0"/>
-              <a:t>",</a:t>
-            </a:r>
-          </a:p>
-          <a:p>
-            <a:r>
-              <a:rPr lang="en-US" sz="2400" dirty="0"/>
-              <a:t> </a:t>
-            </a:r>
-            <a:r>
-              <a:rPr lang="en-US" sz="2400" dirty="0" smtClean="0"/>
-              <a:t>                       </a:t>
-            </a:r>
-            <a:r>
-              <a:rPr lang="en-US" sz="2400" dirty="0"/>
-              <a:t>average: {$</a:t>
-            </a:r>
-            <a:r>
-              <a:rPr lang="en-US" sz="2400" dirty="0" err="1"/>
-              <a:t>avg</a:t>
-            </a:r>
-            <a:r>
-              <a:rPr lang="en-US" sz="2400" dirty="0"/>
-              <a:t>: "$</a:t>
-            </a:r>
-            <a:r>
-              <a:rPr lang="en-US" sz="2400" dirty="0" err="1" smtClean="0"/>
-              <a:t>imdbRating</a:t>
-            </a:r>
-            <a:r>
-              <a:rPr lang="en-US" sz="2400" dirty="0"/>
-              <a:t>"}}}, </a:t>
-            </a:r>
-            <a:endParaRPr lang="en-US" sz="2400" dirty="0" smtClean="0"/>
-          </a:p>
-          <a:p>
-            <a:r>
-              <a:rPr lang="en-US" sz="2400" dirty="0"/>
-              <a:t> </a:t>
-            </a:r>
-            <a:r>
-              <a:rPr lang="en-US" sz="2400" dirty="0" smtClean="0"/>
-              <a:t>      {$</a:t>
-            </a:r>
-            <a:r>
-              <a:rPr lang="en-US" sz="2400" dirty="0"/>
-              <a:t>sort: {_id: 1</a:t>
-            </a:r>
-            <a:r>
-              <a:rPr lang="en-US" sz="2400" dirty="0" smtClean="0"/>
-              <a:t>}} ])</a:t>
-            </a:r>
-            <a:endParaRPr lang="en-US" sz="2400" dirty="0"/>
-          </a:p>
-          <a:p>
-            <a:r>
-              <a:rPr lang="en-US" sz="2400" dirty="0"/>
-              <a:t>{ "_id" : "1977", "average" : 8.7 }</a:t>
-            </a:r>
-          </a:p>
-          <a:p>
-            <a:r>
-              <a:rPr lang="en-US" sz="2400" dirty="0"/>
-              <a:t>{ "_id" : "1989", "average" : 7.6 }</a:t>
-            </a:r>
-          </a:p>
-          <a:p>
-            <a:r>
-              <a:rPr lang="en-US" sz="2400" dirty="0"/>
-              <a:t>{ "_id" : "2000", "average" : 7.4 }</a:t>
-            </a:r>
-          </a:p>
-          <a:p>
-            <a:r>
-              <a:rPr lang="en-US" sz="2400" dirty="0"/>
-              <a:t>{ "_id" : "2001", "average" : 8.8 }</a:t>
-            </a:r>
-          </a:p>
-          <a:p>
-            <a:r>
-              <a:rPr lang="en-US" sz="2400" dirty="0"/>
-              <a:t>{ "_id" : "2002", "average" : 7.3 }</a:t>
-            </a:r>
-          </a:p>
-          <a:p>
-            <a:r>
-              <a:rPr lang="en-US" sz="2400" dirty="0"/>
-              <a:t>{ "_id" : "2004", "average" : 7.55 }</a:t>
-            </a:r>
-          </a:p>
-          <a:p>
-            <a:r>
-              <a:rPr lang="en-US" sz="2400" dirty="0"/>
-              <a:t>{ "_id" : "2005", "average" : 5.7 }</a:t>
-            </a:r>
-          </a:p>
-          <a:p>
-            <a:r>
-              <a:rPr lang="en-US" sz="2400" dirty="0"/>
-              <a:t>{ "_id" : "2008", "average" : null }</a:t>
-            </a:r>
-          </a:p>
-          <a:p>
-            <a:r>
-              <a:rPr lang="en-US" sz="2400" dirty="0"/>
-              <a:t>{ "_id" : "2012", "average" : 8 }</a:t>
-            </a:r>
-          </a:p>
-          <a:p>
-            <a:r>
-              <a:rPr lang="en-US" sz="2400" dirty="0"/>
-              <a:t>{ "_id" : "2017", "average" : 8.4 }</a:t>
-            </a:r>
-          </a:p>
-          <a:p>
-            <a:r>
-              <a:rPr lang="en-US" sz="2400" dirty="0"/>
-              <a:t>&gt;</a:t>
-            </a:r>
+          <p:cNvPr id="2" name="Title 1"/>
+          <p:cNvSpPr>
+            <a:spLocks noGrp="1"/>
+          </p:cNvSpPr>
+          <p:nvPr>
+            <p:ph type="title"/>
+          </p:nvPr>
+        </p:nvSpPr>
+        <p:spPr/>
+        <p:txBody>
+          <a:bodyPr/>
+          <a:lstStyle/>
+          <a:p>
+            <a:r>
+              <a:rPr lang="en-US" dirty="0" smtClean="0"/>
+              <a:t>Updates</a:t>
+            </a:r>
+            <a:endParaRPr lang="en-US" dirty="0"/>
+          </a:p>
+        </p:txBody>
+      </p:sp>
+      <p:sp>
+        <p:nvSpPr>
+          <p:cNvPr id="3" name="Content Placeholder 2"/>
+          <p:cNvSpPr>
+            <a:spLocks noGrp="1"/>
+          </p:cNvSpPr>
+          <p:nvPr>
+            <p:ph idx="1"/>
+          </p:nvPr>
+        </p:nvSpPr>
+        <p:spPr/>
+        <p:txBody>
+          <a:bodyPr/>
+          <a:lstStyle/>
+          <a:p>
+            <a:pPr marL="0" indent="0">
+              <a:buNone/>
+            </a:pPr>
+            <a:r>
+              <a:rPr lang="en-US" dirty="0" smtClean="0"/>
+              <a:t>Save: create or overwrite a document:</a:t>
+            </a:r>
+          </a:p>
+          <a:p>
+            <a:pPr marL="0" indent="0">
+              <a:buNone/>
+            </a:pPr>
+            <a:r>
+              <a:rPr lang="en-US" dirty="0"/>
+              <a:t>	</a:t>
+            </a:r>
+            <a:r>
+              <a:rPr lang="en-US" sz="2400" b="1" dirty="0" smtClean="0">
+                <a:latin typeface="Arial Unicode MS" panose="020B0604020202020204" pitchFamily="34" charset="-128"/>
+                <a:ea typeface="Arial Unicode MS" panose="020B0604020202020204" pitchFamily="34" charset="-128"/>
+                <a:cs typeface="Arial Unicode MS" panose="020B0604020202020204" pitchFamily="34" charset="-128"/>
+              </a:rPr>
+              <a:t>db.&lt;collection&gt;.save(document)</a:t>
+            </a:r>
+            <a:endParaRPr lang="en-US" sz="2400" b="1" dirty="0" smtClean="0"/>
+          </a:p>
+          <a:p>
+            <a:pPr marL="0" indent="0">
+              <a:buNone/>
+            </a:pPr>
+            <a:r>
+              <a:rPr lang="en-US" dirty="0" smtClean="0"/>
+              <a:t>Update: a portion of a document:</a:t>
+            </a:r>
+          </a:p>
+          <a:p>
+            <a:pPr marL="0" indent="0">
+              <a:buNone/>
+            </a:pPr>
+            <a:r>
+              <a:rPr lang="en-US" dirty="0"/>
+              <a:t>	</a:t>
+            </a:r>
+            <a:r>
+              <a:rPr lang="en-US" sz="2400" b="1" dirty="0" smtClean="0">
+                <a:latin typeface="Arial Unicode MS" panose="020B0604020202020204" pitchFamily="34" charset="-128"/>
+                <a:ea typeface="Arial Unicode MS" panose="020B0604020202020204" pitchFamily="34" charset="-128"/>
+                <a:cs typeface="Arial Unicode MS" panose="020B0604020202020204" pitchFamily="34" charset="-128"/>
+              </a:rPr>
+              <a:t>db.&lt;collection&gt;.update(criteria, { op : portion })</a:t>
+            </a:r>
+            <a:endParaRPr lang="en-US" sz="2400" b="1" dirty="0" smtClean="0"/>
+          </a:p>
+          <a:p>
+            <a:pPr marL="0" indent="0">
+              <a:buNone/>
+            </a:pPr>
+            <a:r>
+              <a:rPr lang="en-US" dirty="0" smtClean="0"/>
+              <a:t>Remove: remove documents:</a:t>
+            </a:r>
+          </a:p>
+          <a:p>
+            <a:pPr marL="0" indent="0">
+              <a:buNone/>
+            </a:pPr>
+            <a:r>
+              <a:rPr lang="en-US" dirty="0"/>
+              <a:t>	</a:t>
+            </a:r>
+            <a:r>
+              <a:rPr lang="en-US" sz="2400" b="1" dirty="0" smtClean="0">
+                <a:latin typeface="Arial Unicode MS" panose="020B0604020202020204" pitchFamily="34" charset="-128"/>
+                <a:ea typeface="Arial Unicode MS" panose="020B0604020202020204" pitchFamily="34" charset="-128"/>
+                <a:cs typeface="Arial Unicode MS" panose="020B0604020202020204" pitchFamily="34" charset="-128"/>
+              </a:rPr>
+              <a:t>db.&lt;collection&gt;.remove(criteria,  </a:t>
+            </a:r>
+            <a:r>
+              <a:rPr lang="en-US" sz="2400" b="1" dirty="0" err="1" smtClean="0">
+                <a:latin typeface="Arial Unicode MS" panose="020B0604020202020204" pitchFamily="34" charset="-128"/>
+                <a:ea typeface="Arial Unicode MS" panose="020B0604020202020204" pitchFamily="34" charset="-128"/>
+                <a:cs typeface="Arial Unicode MS" panose="020B0604020202020204" pitchFamily="34" charset="-128"/>
+              </a:rPr>
+              <a:t>optional_limit</a:t>
+            </a:r>
+            <a:r>
+              <a:rPr lang="en-US" sz="2400" b="1" dirty="0" smtClean="0">
+                <a:latin typeface="Arial Unicode MS" panose="020B0604020202020204" pitchFamily="34" charset="-128"/>
+                <a:ea typeface="Arial Unicode MS" panose="020B0604020202020204" pitchFamily="34" charset="-128"/>
+                <a:cs typeface="Arial Unicode MS" panose="020B0604020202020204" pitchFamily="34" charset="-128"/>
+              </a:rPr>
+              <a:t>)</a:t>
+            </a:r>
+            <a:endParaRPr lang="en-US" sz="2400" b="1" dirty="0"/>
           </a:p>
         </p:txBody>
       </p:sp>
     </p:spTree>
     <p:extLst>
       <p:ext uri="{BB962C8B-B14F-4D97-AF65-F5344CB8AC3E}">
-        <p14:creationId xmlns:p14="http://schemas.microsoft.com/office/powerpoint/2010/main" val="2389872689"/>
+        <p14:creationId xmlns:p14="http://schemas.microsoft.com/office/powerpoint/2010/main" val="4044388861"/>
       </p:ext>
     </p:extLst>
   </p:cSld>
@@ -10065,13 +11476,27 @@
           <a:p>
             <a:r>
               <a:rPr lang="en-US" dirty="0" smtClean="0"/>
-              <a:t>No SQL</a:t>
-            </a:r>
-          </a:p>
-          <a:p>
-            <a:r>
-              <a:rPr lang="en-US" dirty="0" smtClean="0"/>
-              <a:t>High Performance</a:t>
+              <a:t>No </a:t>
+            </a:r>
+            <a:r>
+              <a:rPr lang="en-US" dirty="0" smtClean="0"/>
+              <a:t>SQL</a:t>
+            </a:r>
+          </a:p>
+          <a:p>
+            <a:r>
+              <a:rPr lang="en-US" dirty="0"/>
+              <a:t>Document Store</a:t>
+            </a:r>
+          </a:p>
+          <a:p>
+            <a:r>
+              <a:rPr lang="en-US" dirty="0" smtClean="0"/>
+              <a:t>High </a:t>
+            </a:r>
+            <a:r>
+              <a:rPr lang="en-US" dirty="0" smtClean="0"/>
+              <a:t>Performance</a:t>
             </a:r>
           </a:p>
           <a:p>
@@ -10083,15 +11508,13 @@
           <a:p>
             <a:r>
               <a:rPr lang="en-US" dirty="0" smtClean="0"/>
-              <a:t>Horizontal Scaling</a:t>
-            </a:r>
-          </a:p>
-          <a:p>
-            <a:r>
-              <a:rPr lang="en-US" dirty="0" smtClean="0"/>
-              <a:t>Document Store</a:t>
-            </a:r>
-            <a:endParaRPr lang="en-US" dirty="0"/>
+              <a:t>Horizontal </a:t>
+            </a:r>
+            <a:r>
+              <a:rPr lang="en-US" dirty="0" smtClean="0"/>
+              <a:t>Scaling</a:t>
+            </a:r>
+            <a:endParaRPr lang="en-US" dirty="0" smtClean="0"/>
           </a:p>
         </p:txBody>
       </p:sp>
@@ -10108,7 +11531,7 @@
   <p:timing>
     <p:tnLst>
       <p:par>
-        <p:cTn xmlns:p14="http://schemas.microsoft.com/office/powerpoint/2010/main" id="1" dur="indefinite" restart="never" nodeType="tmRoot"/>
+        <p:cTn id="1" dur="indefinite" restart="never" nodeType="tmRoot"/>
       </p:par>
     </p:tnLst>
   </p:timing>
@@ -10555,35 +11978,21 @@
                 <a:ea typeface="Arial Unicode MS" panose="020B0604020202020204" pitchFamily="34" charset="-128"/>
                 <a:cs typeface="Arial Unicode MS" panose="020B0604020202020204" pitchFamily="34" charset="-128"/>
               </a:rPr>
-              <a:t>Add </a:t>
+              <a:t>Add “Jack </a:t>
+            </a:r>
+            <a:r>
+              <a:rPr lang="en-US" sz="2800" b="1" dirty="0" err="1" smtClean="0">
+                <a:ea typeface="Arial Unicode MS" panose="020B0604020202020204" pitchFamily="34" charset="-128"/>
+                <a:cs typeface="Arial Unicode MS" panose="020B0604020202020204" pitchFamily="34" charset="-128"/>
+              </a:rPr>
+              <a:t>Palance</a:t>
             </a:r>
             <a:r>
               <a:rPr lang="en-US" sz="2800" b="1" dirty="0" smtClean="0">
                 <a:ea typeface="Arial Unicode MS" panose="020B0604020202020204" pitchFamily="34" charset="-128"/>
                 <a:cs typeface="Arial Unicode MS" panose="020B0604020202020204" pitchFamily="34" charset="-128"/>
               </a:rPr>
-              <a:t>“Jack </a:t>
-            </a:r>
-            <a:r>
-              <a:rPr lang="en-US" sz="2800" b="1" dirty="0" err="1" smtClean="0">
-                <a:ea typeface="Arial Unicode MS" panose="020B0604020202020204" pitchFamily="34" charset="-128"/>
-                <a:cs typeface="Arial Unicode MS" panose="020B0604020202020204" pitchFamily="34" charset="-128"/>
-              </a:rPr>
-              <a:t>Palance</a:t>
-            </a:r>
-            <a:r>
-              <a:rPr lang="en-US" sz="2800" b="1" dirty="0" smtClean="0">
-                <a:ea typeface="Arial Unicode MS" panose="020B0604020202020204" pitchFamily="34" charset="-128"/>
-                <a:cs typeface="Arial Unicode MS" panose="020B0604020202020204" pitchFamily="34" charset="-128"/>
-              </a:rPr>
-              <a:t>” </a:t>
-            </a:r>
-            <a:r>
-              <a:rPr lang="en-US" sz="2800" b="1" dirty="0" smtClean="0">
-                <a:ea typeface="Arial Unicode MS" panose="020B0604020202020204" pitchFamily="34" charset="-128"/>
-                <a:cs typeface="Arial Unicode MS" panose="020B0604020202020204" pitchFamily="34" charset="-128"/>
-              </a:rPr>
-              <a:t>to the actors for Batman.</a:t>
+              <a:t>” to the actors for Batman.</a:t>
             </a:r>
           </a:p>
           <a:p>
@@ -10604,27 +12013,8 @@
                 <a:ea typeface="Arial Unicode MS" panose="020B0604020202020204" pitchFamily="34" charset="-128"/>
                 <a:cs typeface="Arial Unicode MS" panose="020B0604020202020204" pitchFamily="34" charset="-128"/>
               </a:rPr>
-              <a:t>Add “Action” to the genre for “The </a:t>
-            </a:r>
-            <a:r>
-              <a:rPr lang="en-US" sz="2800" b="1" dirty="0" err="1" smtClean="0">
-                <a:ea typeface="Arial Unicode MS" panose="020B0604020202020204" pitchFamily="34" charset="-128"/>
-                <a:cs typeface="Arial Unicode MS" panose="020B0604020202020204" pitchFamily="34" charset="-128"/>
-              </a:rPr>
-              <a:t>Incredibles</a:t>
-            </a:r>
-            <a:r>
-              <a:rPr lang="en-US" sz="2800" b="1" dirty="0" smtClean="0">
-                <a:ea typeface="Arial Unicode MS" panose="020B0604020202020204" pitchFamily="34" charset="-128"/>
-                <a:cs typeface="Arial Unicode MS" panose="020B0604020202020204" pitchFamily="34" charset="-128"/>
-              </a:rPr>
-              <a:t>”.  Check to see it now has three genres.</a:t>
-            </a:r>
-          </a:p>
-          <a:p>
-            <a:pPr marL="0" indent="0">
-              <a:buNone/>
-            </a:pPr>
+              <a:t>Add “Action” to the genre for “The Incredibles”.  </a:t>
+            </a:r>
             <a:endParaRPr lang="en-US" sz="1600" b="1" dirty="0">
               <a:ea typeface="Arial Unicode MS" panose="020B0604020202020204" pitchFamily="34" charset="-128"/>
               <a:cs typeface="Arial Unicode MS" panose="020B0604020202020204" pitchFamily="34" charset="-128"/>
@@ -10977,8 +12367,21 @@
                 <a:ea typeface="Arial Unicode MS" panose="020B0604020202020204" pitchFamily="34" charset="-128"/>
                 <a:cs typeface="Arial Unicode MS" panose="020B0604020202020204" pitchFamily="34" charset="-128"/>
               </a:rPr>
-              <a:t>( {query: selector},</a:t>
-            </a:r>
+              <a:t>( {query: </a:t>
+            </a:r>
+            <a:r>
+              <a:rPr lang="en-US" sz="2400" b="1" dirty="0" smtClean="0">
+                <a:latin typeface="Arial Unicode MS" panose="020B0604020202020204" pitchFamily="34" charset="-128"/>
+                <a:ea typeface="Arial Unicode MS" panose="020B0604020202020204" pitchFamily="34" charset="-128"/>
+                <a:cs typeface="Arial Unicode MS" panose="020B0604020202020204" pitchFamily="34" charset="-128"/>
+              </a:rPr>
+              <a:t>{selectors},</a:t>
+            </a:r>
+            <a:endParaRPr lang="en-US" sz="2400" b="1" dirty="0" smtClean="0">
+              <a:latin typeface="Arial Unicode MS" panose="020B0604020202020204" pitchFamily="34" charset="-128"/>
+              <a:ea typeface="Arial Unicode MS" panose="020B0604020202020204" pitchFamily="34" charset="-128"/>
+              <a:cs typeface="Arial Unicode MS" panose="020B0604020202020204" pitchFamily="34" charset="-128"/>
+            </a:endParaRPr>
           </a:p>
           <a:p>
             <a:pPr marL="0" indent="0">
@@ -11232,12 +12635,13 @@
             </a:r>
             <a:r>
               <a:rPr lang="en-US" sz="2800" dirty="0"/>
-              <a:t>( "contacts</a:t>
+              <a:t>( </a:t>
             </a:r>
             <a:r>
               <a:rPr lang="en-US" sz="2800" dirty="0" smtClean="0"/>
-              <a:t>",</a:t>
-            </a:r>
+              <a:t>“movies",</a:t>
+            </a:r>
+            <a:endParaRPr lang="en-US" sz="2800" dirty="0" smtClean="0"/>
           </a:p>
           <a:p>
             <a:pPr marL="0" indent="0">
@@ -11251,21 +12655,57 @@
               <a:rPr lang="en-US" sz="2800" dirty="0"/>
               <a:t>validator: </a:t>
             </a:r>
-            <a:endParaRPr lang="en-US" sz="2800" dirty="0" smtClean="0"/>
-          </a:p>
-          <a:p>
-            <a:pPr marL="0" indent="0">
-              <a:buNone/>
-            </a:pPr>
             <a:r>
               <a:rPr lang="en-US" sz="2800" dirty="0" smtClean="0"/>
-              <a:t>      { </a:t>
+              <a:t>{ </a:t>
             </a:r>
             <a:r>
               <a:rPr lang="en-US" sz="2800" dirty="0"/>
-              <a:t>$or: </a:t>
-            </a:r>
-            <a:endParaRPr lang="en-US" sz="2800" dirty="0" smtClean="0"/>
+              <a:t>$and: </a:t>
+            </a:r>
+          </a:p>
+          <a:p>
+            <a:pPr marL="0" indent="0">
+              <a:buNone/>
+            </a:pPr>
+            <a:r>
+              <a:rPr lang="en-US" sz="2800" dirty="0"/>
+              <a:t>         [ { title: { $type: "string" } }, </a:t>
+            </a:r>
+          </a:p>
+          <a:p>
+            <a:pPr marL="0" indent="0">
+              <a:buNone/>
+            </a:pPr>
+            <a:r>
+              <a:rPr lang="en-US" sz="2800" dirty="0"/>
+              <a:t>            { plot: { $type:  "string"} }, </a:t>
+            </a:r>
+          </a:p>
+          <a:p>
+            <a:pPr marL="0" indent="0">
+              <a:buNone/>
+            </a:pPr>
+            <a:r>
+              <a:rPr lang="en-US" sz="2800" dirty="0"/>
+              <a:t>            {</a:t>
+            </a:r>
+            <a:r>
+              <a:rPr lang="en-US" sz="2800" dirty="0" err="1"/>
+              <a:t>imdbRating</a:t>
+            </a:r>
+            <a:r>
+              <a:rPr lang="en-US" sz="2800" dirty="0"/>
+              <a:t>: {$</a:t>
+            </a:r>
+            <a:r>
+              <a:rPr lang="en-US" sz="2800" dirty="0" err="1"/>
+              <a:t>lte</a:t>
+            </a:r>
+            <a:r>
+              <a:rPr lang="en-US" sz="2800" dirty="0"/>
+              <a:t>: 10 } } ]</a:t>
+            </a:r>
           </a:p>
           <a:p>
             <a:pPr marL="0" indent="0">
@@ -11273,102 +12713,7 @@
             </a:pPr>
             <a:r>
               <a:rPr lang="en-US" sz="2800" dirty="0" smtClean="0"/>
-              <a:t>         [ </a:t>
-            </a:r>
-            <a:r>
-              <a:rPr lang="en-US" sz="2800" dirty="0"/>
-              <a:t>{ phone: { $type: "string" } }, </a:t>
-            </a:r>
-            <a:endParaRPr lang="en-US" sz="2800" dirty="0" smtClean="0"/>
-          </a:p>
-          <a:p>
-            <a:pPr marL="0" indent="0">
-              <a:buNone/>
-            </a:pPr>
-            <a:r>
-              <a:rPr lang="en-US" sz="2800" dirty="0"/>
-              <a:t> </a:t>
-            </a:r>
-            <a:r>
-              <a:rPr lang="en-US" sz="2800" dirty="0" smtClean="0"/>
-              <a:t>           { </a:t>
-            </a:r>
-            <a:r>
-              <a:rPr lang="en-US" sz="2800" dirty="0"/>
-              <a:t>email: { $regex: /@</a:t>
-            </a:r>
-            <a:r>
-              <a:rPr lang="en-US" sz="2800" dirty="0" err="1"/>
-              <a:t>mongodb</a:t>
-            </a:r>
-            <a:r>
-              <a:rPr lang="en-US" sz="2800" b="1" dirty="0"/>
-              <a:t>\.</a:t>
-            </a:r>
-            <a:r>
-              <a:rPr lang="en-US" sz="2800" dirty="0"/>
-              <a:t>com$/ } }, </a:t>
-            </a:r>
-            <a:endParaRPr lang="en-US" sz="2800" dirty="0" smtClean="0"/>
-          </a:p>
-          <a:p>
-            <a:pPr marL="0" indent="0">
-              <a:buNone/>
-            </a:pPr>
-            <a:r>
-              <a:rPr lang="en-US" sz="2800" dirty="0"/>
-              <a:t> </a:t>
-            </a:r>
-            <a:r>
-              <a:rPr lang="en-US" sz="2800" dirty="0" smtClean="0"/>
-              <a:t>           { </a:t>
-            </a:r>
-            <a:r>
-              <a:rPr lang="en-US" sz="2800" dirty="0"/>
-              <a:t>status: { $in: [ "Unknown", "Incomplete" </a:t>
-            </a:r>
-            <a:r>
-              <a:rPr lang="en-US" sz="2800" dirty="0" smtClean="0"/>
-              <a:t>] </a:t>
-            </a:r>
-            <a:r>
-              <a:rPr lang="en-US" sz="2800" dirty="0"/>
-              <a:t>} } </a:t>
-            </a:r>
-            <a:r>
-              <a:rPr lang="en-US" sz="2800" dirty="0" smtClean="0"/>
-              <a:t>]</a:t>
-            </a:r>
-          </a:p>
-          <a:p>
-            <a:pPr marL="0" indent="0">
-              <a:buNone/>
-            </a:pPr>
-            <a:r>
-              <a:rPr lang="en-US" sz="2800" dirty="0" smtClean="0"/>
-              <a:t>      }</a:t>
-            </a:r>
-          </a:p>
-          <a:p>
-            <a:pPr marL="0" indent="0">
-              <a:buNone/>
-            </a:pPr>
-            <a:r>
-              <a:rPr lang="en-US" sz="2800" dirty="0" smtClean="0"/>
-              <a:t>   }</a:t>
-            </a:r>
-          </a:p>
-          <a:p>
-            <a:pPr marL="0" indent="0">
-              <a:buNone/>
-            </a:pPr>
-            <a:r>
-              <a:rPr lang="en-US" sz="2800" dirty="0" smtClean="0"/>
-              <a:t> </a:t>
-            </a:r>
-            <a:r>
-              <a:rPr lang="en-US" sz="2800" dirty="0"/>
-              <a:t>)</a:t>
+              <a:t>    } } )</a:t>
             </a:r>
             <a:endParaRPr lang="en-US" sz="2800" dirty="0" smtClean="0">
               <a:latin typeface="Arial Unicode MS" panose="020B0604020202020204" pitchFamily="34" charset="-128"/>
@@ -11639,11 +12984,7 @@
             </a:r>
             <a:r>
               <a:rPr lang="en-US" sz="2800" dirty="0" smtClean="0"/>
-              <a:t>   </a:t>
-            </a:r>
-            <a:r>
-              <a:rPr lang="en-US" sz="2800" dirty="0" smtClean="0"/>
-              <a:t>&lt;</a:t>
+              <a:t>   &lt;</a:t>
             </a:r>
             <a:r>
               <a:rPr lang="en-US" sz="2800" dirty="0"/>
@@ -11761,11 +13102,7 @@
             </a:pPr>
             <a:r>
               <a:rPr lang="en-US" sz="2800" dirty="0" smtClean="0"/>
-              <a:t>   </a:t>
-            </a:r>
-            <a:r>
-              <a:rPr lang="en-US" sz="2800" dirty="0" smtClean="0"/>
-              <a:t>     </a:t>
+              <a:t>        </a:t>
             </a:r>
             <a:r>
               <a:rPr lang="en-US" sz="2800" dirty="0" err="1"/>
@@ -11799,7 +13136,6 @@
               <a:rPr lang="en-US" sz="2800" dirty="0" smtClean="0"/>
               <a:t>&gt;</a:t>
             </a:r>
-            <a:endParaRPr lang="en-US" sz="2800" dirty="0" smtClean="0"/>
           </a:p>
           <a:p>
             <a:pPr marL="0" indent="0">
@@ -11811,15 +13147,7 @@
             </a:r>
             <a:r>
               <a:rPr lang="en-US" sz="2800" dirty="0" smtClean="0"/>
-              <a:t> </a:t>
-            </a:r>
-            <a:r>
-              <a:rPr lang="en-US" sz="2800" dirty="0" smtClean="0"/>
-              <a:t>    </a:t>
-            </a:r>
-            <a:r>
-              <a:rPr lang="en-US" sz="2800" dirty="0" smtClean="0"/>
-              <a:t>&lt;</a:t>
+              <a:t>     &lt;</a:t>
             </a:r>
             <a:r>
               <a:rPr lang="en-US" sz="2800" dirty="0"/>
@@ -11836,11 +13164,7 @@
             </a:pPr>
             <a:r>
               <a:rPr lang="en-US" sz="2800" dirty="0" smtClean="0"/>
-              <a:t>   &lt;</a:t>
-            </a:r>
-            <a:r>
-              <a:rPr lang="en-US" sz="2800" dirty="0" smtClean="0"/>
-              <a:t>/div&gt;</a:t>
+              <a:t>   &lt;/div&gt;</a:t>
             </a:r>
             <a:endParaRPr lang="en-US" sz="2800" dirty="0"/>
           </a:p>
@@ -11925,19 +13249,11 @@
             </a:r>
             <a:r>
               <a:rPr lang="en-US" dirty="0" err="1"/>
-              <a:t>scope.</a:t>
-            </a:r>
-            <a:r>
-              <a:rPr lang="en-US" dirty="0" err="1"/>
-              <a:t>updatePriority</a:t>
+              <a:t>scope.updatePriority</a:t>
             </a:r>
             <a:r>
               <a:rPr lang="en-US" dirty="0"/>
-              <a:t> </a:t>
-            </a:r>
-            <a:r>
-              <a:rPr lang="en-US" dirty="0"/>
-              <a:t>= </a:t>
+              <a:t> = </a:t>
             </a:r>
             <a:r>
               <a:rPr lang="en-US" b="1" dirty="0"/>
@@ -11945,15 +13261,7 @@
             </a:r>
             <a:r>
               <a:rPr lang="en-US" dirty="0"/>
-              <a:t>($event</a:t>
-            </a:r>
-            <a:r>
-              <a:rPr lang="en-US" dirty="0"/>
-              <a:t>, </a:t>
-            </a:r>
-            <a:r>
-              <a:rPr lang="en-US" dirty="0"/>
-              <a:t>_t) {</a:t>
+              <a:t>($event, _t) {</a:t>
             </a:r>
             <a:br>
               <a:rPr lang="en-US" dirty="0"/>
@@ -11980,11 +13288,7 @@
             </a:r>
             <a:r>
               <a:rPr lang="en-US" dirty="0" err="1"/>
-              <a:t>t.</a:t>
-            </a:r>
-            <a:r>
-              <a:rPr lang="en-US" dirty="0" err="1"/>
-              <a:t>highPriority</a:t>
+              <a:t>t.highPriority</a:t>
             </a:r>
             <a:r>
               <a:rPr lang="en-US" dirty="0"/>
@@ -11999,11 +13303,7 @@
             </a:r>
             <a:r>
               <a:rPr lang="en-US" dirty="0" err="1"/>
-              <a:t>todosFactory.</a:t>
-            </a:r>
-            <a:r>
-              <a:rPr lang="en-US" dirty="0" err="1"/>
-              <a:t>updateTodo</a:t>
+              <a:t>todosFactory.updateTodo</a:t>
             </a:r>
             <a:r>
               <a:rPr lang="en-US" dirty="0"/>
@@ -12014,23 +13314,11 @@
             </a:br>
             <a:r>
               <a:rPr lang="en-US" dirty="0"/>
-              <a:t>    </a:t>
-            </a:r>
-            <a:r>
-              <a:rPr lang="en-US" dirty="0"/>
-              <a:t>_id</a:t>
-            </a:r>
-            <a:r>
-              <a:rPr lang="en-US" dirty="0"/>
-              <a:t>: _</a:t>
+              <a:t>    _id: _</a:t>
             </a:r>
             <a:r>
               <a:rPr lang="en-US" dirty="0" err="1"/>
-              <a:t>t.</a:t>
-            </a:r>
-            <a:r>
-              <a:rPr lang="en-US" dirty="0" err="1"/>
-              <a:t>_id</a:t>
+              <a:t>t._id</a:t>
             </a:r>
             <a:r>
               <a:rPr lang="en-US" dirty="0"/>
@@ -12076,11 +13364,7 @@
             </a:r>
             <a:r>
               <a:rPr lang="en-US" dirty="0" err="1"/>
-              <a:t>t.</a:t>
-            </a:r>
-            <a:r>
-              <a:rPr lang="en-US" dirty="0" err="1"/>
-              <a:t>isCompleted</a:t>
+              <a:t>t.isCompleted</a:t>
             </a:r>
             <a:r>
               <a:rPr lang="en-US" dirty="0"/>
@@ -12103,11 +13387,7 @@
             </a:r>
             <a:r>
               <a:rPr lang="en-US" dirty="0" err="1"/>
-              <a:t>t.</a:t>
-            </a:r>
-            <a:r>
-              <a:rPr lang="en-US" dirty="0" err="1"/>
-              <a:t>todo</a:t>
+              <a:t>t.todo</a:t>
             </a:r>
             <a:r>
               <a:rPr lang="en-US" dirty="0"/>
@@ -12118,19 +13398,7 @@
             </a:br>
             <a:r>
               <a:rPr lang="en-US" dirty="0"/>
-              <a:t>  </a:t>
-            </a:r>
-            <a:r>
-              <a:rPr lang="en-US" dirty="0"/>
-              <a:t>}).</a:t>
-            </a:r>
-            <a:r>
-              <a:rPr lang="en-US" dirty="0"/>
-              <a:t>then</a:t>
-            </a:r>
-            <a:r>
-              <a:rPr lang="en-US" dirty="0"/>
-              <a:t>(</a:t>
+              <a:t>  }).then(</a:t>
             </a:r>
             <a:r>
               <a:rPr lang="en-US" b="1" dirty="0"/>
@@ -12157,19 +13425,7 @@
             </a:r>
             <a:r>
               <a:rPr lang="en-US" dirty="0" err="1"/>
-              <a:t>data.</a:t>
-            </a:r>
-            <a:r>
-              <a:rPr lang="en-US" dirty="0" err="1"/>
-              <a:t>data</a:t>
-            </a:r>
-            <a:r>
-              <a:rPr lang="en-US" dirty="0" err="1"/>
-              <a:t>.</a:t>
-            </a:r>
-            <a:r>
-              <a:rPr lang="en-US" dirty="0" err="1"/>
-              <a:t>ok</a:t>
+              <a:t>data.data.ok</a:t>
             </a:r>
             <a:r>
               <a:rPr lang="en-US" dirty="0"/>
@@ -12184,19 +13440,11 @@
             </a:r>
             <a:r>
               <a:rPr lang="en-US" dirty="0" err="1"/>
-              <a:t>t.</a:t>
-            </a:r>
-            <a:r>
-              <a:rPr lang="en-US" dirty="0" err="1"/>
-              <a:t>highPriority</a:t>
+              <a:t>t.highPriority</a:t>
             </a:r>
             <a:r>
               <a:rPr lang="en-US" dirty="0"/>
-              <a:t> </a:t>
-            </a:r>
-            <a:r>
-              <a:rPr lang="en-US" dirty="0"/>
-              <a:t>= </a:t>
+              <a:t> = </a:t>
             </a:r>
             <a:r>
               <a:rPr lang="en-US" dirty="0" err="1"/>
@@ -12211,11 +13459,7 @@
             </a:br>
             <a:r>
               <a:rPr lang="en-US" dirty="0"/>
-              <a:t>    </a:t>
-            </a:r>
-            <a:r>
-              <a:rPr lang="en-US" dirty="0"/>
-              <a:t>} </a:t>
+              <a:t>    } </a:t>
             </a:r>
             <a:r>
               <a:rPr lang="en-US" b="1" dirty="0"/>
@@ -12230,62 +13474,29 @@
             </a:br>
             <a:r>
               <a:rPr lang="en-US" dirty="0"/>
-              <a:t>      </a:t>
-            </a:r>
-            <a:r>
-              <a:rPr lang="en-US" dirty="0"/>
-              <a:t>alert</a:t>
-            </a:r>
-            <a:r>
-              <a:rPr lang="en-US" dirty="0"/>
-              <a:t>(</a:t>
-            </a:r>
-            <a:r>
-              <a:rPr lang="en-US" dirty="0"/>
-              <a:t>'Oops something went wrong!'</a:t>
-            </a:r>
-            <a:r>
-              <a:rPr lang="en-US" dirty="0"/>
-              <a:t>)</a:t>
-            </a:r>
-            <a:r>
-              <a:rPr lang="en-US" dirty="0"/>
-              <a:t>;</a:t>
+              <a:t>      alert('Oops something went wrong!');</a:t>
             </a:r>
             <a:br>
               <a:rPr lang="en-US" dirty="0"/>
             </a:br>
             <a:r>
               <a:rPr lang="en-US" dirty="0"/>
-              <a:t>    </a:t>
-            </a:r>
-            <a:r>
-              <a:rPr lang="en-US" dirty="0"/>
-              <a:t>}</a:t>
+              <a:t>    }</a:t>
             </a:r>
             <a:br>
               <a:rPr lang="en-US" dirty="0"/>
             </a:br>
             <a:r>
               <a:rPr lang="en-US" dirty="0"/>
-              <a:t>  })</a:t>
-            </a:r>
-            <a:r>
-              <a:rPr lang="en-US" dirty="0"/>
-              <a:t>;</a:t>
+              <a:t>  });</a:t>
             </a:r>
             <a:br>
               <a:rPr lang="en-US" dirty="0"/>
             </a:br>
             <a:r>
               <a:rPr lang="en-US" dirty="0"/>
-              <a:t>}</a:t>
-            </a:r>
-            <a:r>
-              <a:rPr lang="en-US" dirty="0"/>
-              <a:t>;</a:t>
-            </a:r>
-            <a:endParaRPr lang="en-US" dirty="0"/>
+              <a:t>};</a:t>
+            </a:r>
           </a:p>
         </p:txBody>
       </p:sp>
@@ -12810,7 +14021,7 @@
   <p:timing>
     <p:tnLst>
       <p:par>
-        <p:cTn xmlns:p14="http://schemas.microsoft.com/office/powerpoint/2010/main" id="1" dur="indefinite" restart="never" nodeType="tmRoot"/>
+        <p:cTn id="1" dur="indefinite" restart="never" nodeType="tmRoot"/>
       </p:par>
     </p:tnLst>
   </p:timing>
@@ -13324,7 +14535,7 @@
   <p:timing>
     <p:tnLst>
       <p:par>
-        <p:cTn xmlns:p14="http://schemas.microsoft.com/office/powerpoint/2010/main" id="1" dur="indefinite" restart="never" nodeType="tmRoot"/>
+        <p:cTn id="1" dur="indefinite" restart="never" nodeType="tmRoot"/>
       </p:par>
     </p:tnLst>
   </p:timing>
@@ -13568,7 +14779,7 @@
   <p:timing>
     <p:tnLst>
       <p:par>
-        <p:cTn xmlns:p14="http://schemas.microsoft.com/office/powerpoint/2010/main" id="1" dur="indefinite" restart="never" nodeType="tmRoot"/>
+        <p:cTn id="1" dur="indefinite" restart="never" nodeType="tmRoot"/>
       </p:par>
     </p:tnLst>
   </p:timing>
@@ -13784,8 +14995,13 @@
             </a:r>
             <a:r>
               <a:rPr lang="en-US" sz="2000" dirty="0"/>
-              <a:t>" : "8.0"</a:t>
-            </a:r>
+              <a:t>" : </a:t>
+            </a:r>
+            <a:r>
+              <a:rPr lang="en-US" sz="2000" dirty="0" smtClean="0"/>
+              <a:t>8.0</a:t>
+            </a:r>
+            <a:endParaRPr lang="en-US" sz="2000" dirty="0"/>
           </a:p>
           <a:p>
             <a:pPr marL="0" indent="0">
@@ -13812,7 +15028,7 @@
   <p:timing>
     <p:tnLst>
       <p:par>
-        <p:cTn xmlns:p14="http://schemas.microsoft.com/office/powerpoint/2010/main" id="1" dur="indefinite" restart="never" nodeType="tmRoot"/>
+        <p:cTn id="1" dur="indefinite" restart="never" nodeType="tmRoot"/>
       </p:par>
     </p:tnLst>
   </p:timing>

--- a/MongoDB.pptx
+++ b/MongoDB.pptx
@@ -144,7 +144,7 @@
   </p:defaultTextStyle>
   <p:extLst>
     <p:ext uri="{EFAFB233-063F-42B5-8137-9DF3F51BA10A}">
-      <p15:sldGuideLst xmlns:p15="http://schemas.microsoft.com/office/powerpoint/2012/main" xmlns="">
+      <p15:sldGuideLst xmlns="" xmlns:p15="http://schemas.microsoft.com/office/powerpoint/2012/main">
         <p15:guide id="1" orient="horz" pos="2160">
           <p15:clr>
             <a:srgbClr val="A4A3A4"/>
@@ -243,7 +243,7 @@
           <a:p>
             <a:fld id="{0A0AACEF-20EC-449C-A177-7D7762A9081E}" type="datetimeFigureOut">
               <a:rPr lang="en-US" smtClean="0"/>
-              <a:t>6/21/2017</a:t>
+              <a:t>6/24/2017</a:t>
             </a:fld>
             <a:endParaRPr lang="en-US"/>
           </a:p>
@@ -1265,6 +1265,25 @@
               <a:t> are also ways to do aggregation – count, average, sum,  and ways to do pipeline style queries that can even unwind arrays to get each value individually</a:t>
             </a:r>
           </a:p>
+          <a:p>
+            <a:r>
+              <a:rPr lang="en-US" baseline="0" dirty="0" smtClean="0"/>
+              <a:t>And there is a </a:t>
+            </a:r>
+            <a:r>
+              <a:rPr lang="en-US" baseline="0" dirty="0" err="1" smtClean="0"/>
+              <a:t>mapReduce</a:t>
+            </a:r>
+            <a:r>
+              <a:rPr lang="en-US" baseline="0" dirty="0" smtClean="0"/>
+              <a:t> operator </a:t>
+            </a:r>
+            <a:r>
+              <a:rPr lang="en-US" baseline="0" smtClean="0"/>
+              <a:t>as well</a:t>
+            </a:r>
+            <a:endParaRPr lang="en-US" baseline="0" dirty="0" smtClean="0"/>
+          </a:p>
         </p:txBody>
       </p:sp>
       <p:sp>
@@ -2012,7 +2031,6 @@
               <a:rPr lang="en-US" baseline="0" dirty="0" smtClean="0"/>
               <a:t> can be created using dot notation as well.  Also, indices can be created on array values.</a:t>
             </a:r>
-            <a:endParaRPr lang="en-US" baseline="0" dirty="0" smtClean="0"/>
           </a:p>
           <a:p>
             <a:endParaRPr lang="en-US" dirty="0"/>
@@ -5295,7 +5313,244 @@
           <a:p>
             <a:r>
               <a:rPr lang="en-US" baseline="0" dirty="0" smtClean="0"/>
-              <a:t>Show incrementing </a:t>
+              <a:t>&gt; </a:t>
+            </a:r>
+            <a:r>
+              <a:rPr lang="en-US" baseline="0" dirty="0" err="1" smtClean="0"/>
+              <a:t>db.movies.update</a:t>
+            </a:r>
+            <a:r>
+              <a:rPr lang="en-US" baseline="0" dirty="0" smtClean="0"/>
+              <a:t>({}, {$set: {rented: 0, copies: 3}}, {multi: true})</a:t>
+            </a:r>
+          </a:p>
+          <a:p>
+            <a:r>
+              <a:rPr lang="en-US" baseline="0" dirty="0" err="1" smtClean="0"/>
+              <a:t>WriteResult</a:t>
+            </a:r>
+            <a:r>
+              <a:rPr lang="en-US" baseline="0" dirty="0" smtClean="0"/>
+              <a:t>({ "</a:t>
+            </a:r>
+            <a:r>
+              <a:rPr lang="en-US" baseline="0" dirty="0" err="1" smtClean="0"/>
+              <a:t>nMatched</a:t>
+            </a:r>
+            <a:r>
+              <a:rPr lang="en-US" baseline="0" dirty="0" smtClean="0"/>
+              <a:t>" : 12, "</a:t>
+            </a:r>
+            <a:r>
+              <a:rPr lang="en-US" baseline="0" dirty="0" err="1" smtClean="0"/>
+              <a:t>nUpserted</a:t>
+            </a:r>
+            <a:r>
+              <a:rPr lang="en-US" baseline="0" dirty="0" smtClean="0"/>
+              <a:t>" : 0, "</a:t>
+            </a:r>
+            <a:r>
+              <a:rPr lang="en-US" baseline="0" dirty="0" err="1" smtClean="0"/>
+              <a:t>nModified</a:t>
+            </a:r>
+            <a:r>
+              <a:rPr lang="en-US" baseline="0" dirty="0" smtClean="0"/>
+              <a:t>" : 11 })</a:t>
+            </a:r>
+          </a:p>
+          <a:p>
+            <a:r>
+              <a:rPr lang="en-US" baseline="0" dirty="0" smtClean="0"/>
+              <a:t>&gt; </a:t>
+            </a:r>
+            <a:r>
+              <a:rPr lang="en-US" baseline="0" dirty="0" err="1" smtClean="0"/>
+              <a:t>db.movies.findAndModify</a:t>
+            </a:r>
+            <a:r>
+              <a:rPr lang="en-US" baseline="0" dirty="0" smtClean="0"/>
+              <a:t>({query: {}, update: {$set: {rented: 0, copies: 3}}, multi: true})</a:t>
+            </a:r>
+          </a:p>
+          <a:p>
+            <a:r>
+              <a:rPr lang="en-US" baseline="0" dirty="0" smtClean="0"/>
+              <a:t>{</a:t>
+            </a:r>
+          </a:p>
+          <a:p>
+            <a:r>
+              <a:rPr lang="en-US" baseline="0" dirty="0" smtClean="0"/>
+              <a:t>        "_id" : </a:t>
+            </a:r>
+            <a:r>
+              <a:rPr lang="en-US" baseline="0" dirty="0" err="1" smtClean="0"/>
+              <a:t>ObjectId</a:t>
+            </a:r>
+            <a:r>
+              <a:rPr lang="en-US" baseline="0" dirty="0" smtClean="0"/>
+              <a:t>("5948451471cdca783265ae96"),</a:t>
+            </a:r>
+          </a:p>
+          <a:p>
+            <a:r>
+              <a:rPr lang="en-US" baseline="0" dirty="0" smtClean="0"/>
+              <a:t>        "title" : "The Lord of the Rings: The Fellowship of the Ring",</a:t>
+            </a:r>
+          </a:p>
+          <a:p>
+            <a:r>
+              <a:rPr lang="en-US" baseline="0" dirty="0" smtClean="0"/>
+              <a:t>        "details" : {</a:t>
+            </a:r>
+          </a:p>
+          <a:p>
+            <a:r>
+              <a:rPr lang="en-US" baseline="0" dirty="0" smtClean="0"/>
+              <a:t>                "year" : "2001",</a:t>
+            </a:r>
+          </a:p>
+          <a:p>
+            <a:r>
+              <a:rPr lang="en-US" baseline="0" dirty="0" smtClean="0"/>
+              <a:t>                "rated" : "PG-13",</a:t>
+            </a:r>
+          </a:p>
+          <a:p>
+            <a:r>
+              <a:rPr lang="en-US" baseline="0" dirty="0" smtClean="0"/>
+              <a:t>                "genre" : [</a:t>
+            </a:r>
+          </a:p>
+          <a:p>
+            <a:r>
+              <a:rPr lang="en-US" baseline="0" dirty="0" smtClean="0"/>
+              <a:t>                        "Adventure",</a:t>
+            </a:r>
+          </a:p>
+          <a:p>
+            <a:r>
+              <a:rPr lang="en-US" baseline="0" dirty="0" smtClean="0"/>
+              <a:t>                        "Drama",</a:t>
+            </a:r>
+          </a:p>
+          <a:p>
+            <a:r>
+              <a:rPr lang="en-US" baseline="0" dirty="0" smtClean="0"/>
+              <a:t>                        "Fantasy"</a:t>
+            </a:r>
+          </a:p>
+          <a:p>
+            <a:r>
+              <a:rPr lang="en-US" baseline="0" dirty="0" smtClean="0"/>
+              <a:t>                ],</a:t>
+            </a:r>
+          </a:p>
+          <a:p>
+            <a:r>
+              <a:rPr lang="en-US" baseline="0" dirty="0" smtClean="0"/>
+              <a:t>                "director" : "Peter Jackson"</a:t>
+            </a:r>
+          </a:p>
+          <a:p>
+            <a:r>
+              <a:rPr lang="en-US" baseline="0" dirty="0" smtClean="0"/>
+              <a:t>        },</a:t>
+            </a:r>
+          </a:p>
+          <a:p>
+            <a:r>
+              <a:rPr lang="en-US" baseline="0" dirty="0" smtClean="0"/>
+              <a:t>        "actors" : [</a:t>
+            </a:r>
+          </a:p>
+          <a:p>
+            <a:r>
+              <a:rPr lang="en-US" baseline="0" dirty="0" smtClean="0"/>
+              <a:t>                "Alan Howard",</a:t>
+            </a:r>
+          </a:p>
+          <a:p>
+            <a:r>
+              <a:rPr lang="en-US" baseline="0" dirty="0" smtClean="0"/>
+              <a:t>                "Noel Appleby",</a:t>
+            </a:r>
+          </a:p>
+          <a:p>
+            <a:r>
+              <a:rPr lang="en-US" baseline="0" dirty="0" smtClean="0"/>
+              <a:t>                "Sean </a:t>
+            </a:r>
+            <a:r>
+              <a:rPr lang="en-US" baseline="0" dirty="0" err="1" smtClean="0"/>
+              <a:t>Astin</a:t>
+            </a:r>
+            <a:r>
+              <a:rPr lang="en-US" baseline="0" dirty="0" smtClean="0"/>
+              <a:t>",</a:t>
+            </a:r>
+          </a:p>
+          <a:p>
+            <a:r>
+              <a:rPr lang="en-US" baseline="0" dirty="0" smtClean="0"/>
+              <a:t>                "Sala Baker"</a:t>
+            </a:r>
+          </a:p>
+          <a:p>
+            <a:r>
+              <a:rPr lang="en-US" baseline="0" dirty="0" smtClean="0"/>
+              <a:t>        ],</a:t>
+            </a:r>
+          </a:p>
+          <a:p>
+            <a:r>
+              <a:rPr lang="en-US" baseline="0" dirty="0" smtClean="0"/>
+              <a:t>        "plot" : "A meek Hobbit from the Shire and eight companions set out on a journey to destroy the </a:t>
+            </a:r>
+            <a:r>
+              <a:rPr lang="en-US" baseline="0" dirty="0" err="1" smtClean="0"/>
+              <a:t>powerfu</a:t>
+            </a:r>
+            <a:endParaRPr lang="en-US" baseline="0" dirty="0" smtClean="0"/>
+          </a:p>
+          <a:p>
+            <a:r>
+              <a:rPr lang="en-US" baseline="0" dirty="0" smtClean="0"/>
+              <a:t>l One Ring and save Middle Earth from the Dark Lord Sauron.",</a:t>
+            </a:r>
+          </a:p>
+          <a:p>
+            <a:r>
+              <a:rPr lang="en-US" baseline="0" dirty="0" smtClean="0"/>
+              <a:t>        "</a:t>
+            </a:r>
+            <a:r>
+              <a:rPr lang="en-US" baseline="0" dirty="0" err="1" smtClean="0"/>
+              <a:t>imdbRating</a:t>
+            </a:r>
+            <a:r>
+              <a:rPr lang="en-US" baseline="0" dirty="0" smtClean="0"/>
+              <a:t>" : 8.8,</a:t>
+            </a:r>
+          </a:p>
+          <a:p>
+            <a:r>
+              <a:rPr lang="en-US" baseline="0" dirty="0" smtClean="0"/>
+              <a:t>        "</a:t>
+            </a:r>
+            <a:r>
+              <a:rPr lang="en-US" baseline="0" dirty="0" err="1" smtClean="0"/>
+              <a:t>boxOffice</a:t>
+            </a:r>
+            <a:r>
+              <a:rPr lang="en-US" baseline="0" dirty="0" smtClean="0"/>
+              <a:t>" : "$251,188,924",</a:t>
+            </a:r>
+          </a:p>
+          <a:p>
+            <a:r>
+              <a:rPr lang="en-US" baseline="0" dirty="0" smtClean="0"/>
+              <a:t>        "</a:t>
             </a:r>
             <a:r>
               <a:rPr lang="en-US" baseline="0" dirty="0" err="1" smtClean="0"/>
@@ -5303,20 +5558,195 @@
             </a:r>
             <a:r>
               <a:rPr lang="en-US" baseline="0" dirty="0" smtClean="0"/>
-              <a:t> </a:t>
-            </a:r>
-          </a:p>
-          <a:p>
-            <a:endParaRPr lang="en-US" baseline="0" dirty="0" smtClean="0"/>
-          </a:p>
-          <a:p>
+              <a:t>" : 0,</a:t>
+            </a:r>
+          </a:p>
+          <a:p>
+            <a:r>
+              <a:rPr lang="en-US" baseline="0" dirty="0" smtClean="0"/>
+              <a:t>        "rented" : 0,</a:t>
+            </a:r>
+          </a:p>
+          <a:p>
+            <a:r>
+              <a:rPr lang="en-US" baseline="0" dirty="0" smtClean="0"/>
+              <a:t>        "copies" : 3</a:t>
+            </a:r>
+          </a:p>
+          <a:p>
+            <a:r>
+              <a:rPr lang="en-US" baseline="0" dirty="0" smtClean="0"/>
+              <a:t>}</a:t>
+            </a:r>
+          </a:p>
+          <a:p>
+            <a:r>
+              <a:rPr lang="en-US" baseline="0" dirty="0" smtClean="0"/>
+              <a:t>&gt; </a:t>
+            </a:r>
             <a:r>
               <a:rPr lang="en-US" baseline="0" dirty="0" err="1" smtClean="0"/>
               <a:t>db.movies.update</a:t>
             </a:r>
             <a:r>
               <a:rPr lang="en-US" baseline="0" dirty="0" smtClean="0"/>
-              <a:t>({}, {$set: {</a:t>
+              <a:t>({}, {$set: {rented: 0, copies: 3}}, {multi: true})</a:t>
+            </a:r>
+          </a:p>
+          <a:p>
+            <a:r>
+              <a:rPr lang="en-US" baseline="0" dirty="0" err="1" smtClean="0"/>
+              <a:t>WriteResult</a:t>
+            </a:r>
+            <a:r>
+              <a:rPr lang="en-US" baseline="0" dirty="0" smtClean="0"/>
+              <a:t>({ "</a:t>
+            </a:r>
+            <a:r>
+              <a:rPr lang="en-US" baseline="0" dirty="0" err="1" smtClean="0"/>
+              <a:t>nMatched</a:t>
+            </a:r>
+            <a:r>
+              <a:rPr lang="en-US" baseline="0" dirty="0" smtClean="0"/>
+              <a:t>" : 12, "</a:t>
+            </a:r>
+            <a:r>
+              <a:rPr lang="en-US" baseline="0" dirty="0" err="1" smtClean="0"/>
+              <a:t>nUpserted</a:t>
+            </a:r>
+            <a:r>
+              <a:rPr lang="en-US" baseline="0" dirty="0" smtClean="0"/>
+              <a:t>" : 0, "</a:t>
+            </a:r>
+            <a:r>
+              <a:rPr lang="en-US" baseline="0" dirty="0" err="1" smtClean="0"/>
+              <a:t>nModified</a:t>
+            </a:r>
+            <a:r>
+              <a:rPr lang="en-US" baseline="0" dirty="0" smtClean="0"/>
+              <a:t>" : 11 })</a:t>
+            </a:r>
+          </a:p>
+          <a:p>
+            <a:r>
+              <a:rPr lang="en-US" baseline="0" dirty="0" smtClean="0"/>
+              <a:t>&gt; </a:t>
+            </a:r>
+            <a:r>
+              <a:rPr lang="en-US" baseline="0" dirty="0" err="1" smtClean="0"/>
+              <a:t>db.movies.findAndModify</a:t>
+            </a:r>
+            <a:r>
+              <a:rPr lang="en-US" baseline="0" dirty="0" smtClean="0"/>
+              <a:t>({query: {title: "Batman"}, update: {$</a:t>
+            </a:r>
+            <a:r>
+              <a:rPr lang="en-US" baseline="0" dirty="0" err="1" smtClean="0"/>
+              <a:t>inc</a:t>
+            </a:r>
+            <a:r>
+              <a:rPr lang="en-US" baseline="0" dirty="0" smtClean="0"/>
+              <a:t>: {rented: 1, copies: -1}}})</a:t>
+            </a:r>
+          </a:p>
+          <a:p>
+            <a:r>
+              <a:rPr lang="en-US" baseline="0" dirty="0" smtClean="0"/>
+              <a:t>{</a:t>
+            </a:r>
+          </a:p>
+          <a:p>
+            <a:r>
+              <a:rPr lang="en-US" baseline="0" dirty="0" smtClean="0"/>
+              <a:t>…</a:t>
+            </a:r>
+          </a:p>
+          <a:p>
+            <a:r>
+              <a:rPr lang="en-US" baseline="0" dirty="0" smtClean="0"/>
+              <a:t>        "rented" : 0,</a:t>
+            </a:r>
+          </a:p>
+          <a:p>
+            <a:r>
+              <a:rPr lang="en-US" baseline="0" dirty="0" smtClean="0"/>
+              <a:t>        "copies" : 3</a:t>
+            </a:r>
+          </a:p>
+          <a:p>
+            <a:r>
+              <a:rPr lang="en-US" baseline="0" dirty="0" smtClean="0"/>
+              <a:t>}</a:t>
+            </a:r>
+          </a:p>
+          <a:p>
+            <a:r>
+              <a:rPr lang="en-US" baseline="0" dirty="0" smtClean="0"/>
+              <a:t>&gt; </a:t>
+            </a:r>
+            <a:r>
+              <a:rPr lang="en-US" baseline="0" dirty="0" err="1" smtClean="0"/>
+              <a:t>db.movies.find</a:t>
+            </a:r>
+            <a:r>
+              <a:rPr lang="en-US" baseline="0" dirty="0" smtClean="0"/>
+              <a:t>({title: "Batman"})</a:t>
+            </a:r>
+          </a:p>
+          <a:p>
+            <a:r>
+              <a:rPr lang="en-US" baseline="0" dirty="0" smtClean="0"/>
+              <a:t>{ "_id" : </a:t>
+            </a:r>
+            <a:r>
+              <a:rPr lang="en-US" baseline="0" dirty="0" err="1" smtClean="0"/>
+              <a:t>ObjectId</a:t>
+            </a:r>
+            <a:r>
+              <a:rPr lang="en-US" baseline="0" dirty="0" smtClean="0"/>
+              <a:t>("5948451471cdca783265ae98"), "title" : "Batman", "details" : { "year" : "1989", "rated" : "P</a:t>
+            </a:r>
+          </a:p>
+          <a:p>
+            <a:r>
+              <a:rPr lang="en-US" baseline="0" dirty="0" smtClean="0"/>
+              <a:t>G-13", "genre" : [ "Action", "Adventure" ], "director" : "Tim Burton" }, "actors" : [ "Michael Keaton", "Jack N</a:t>
+            </a:r>
+          </a:p>
+          <a:p>
+            <a:r>
+              <a:rPr lang="en-US" baseline="0" dirty="0" err="1" smtClean="0"/>
+              <a:t>icholson</a:t>
+            </a:r>
+            <a:r>
+              <a:rPr lang="en-US" baseline="0" dirty="0" smtClean="0"/>
+              <a:t>", "Kim </a:t>
+            </a:r>
+            <a:r>
+              <a:rPr lang="en-US" baseline="0" dirty="0" err="1" smtClean="0"/>
+              <a:t>Basinger</a:t>
+            </a:r>
+            <a:r>
+              <a:rPr lang="en-US" baseline="0" dirty="0" smtClean="0"/>
+              <a:t>" ], "plot" : "The Dark Knight of Gotham City begins his war on crime with his first ma</a:t>
+            </a:r>
+          </a:p>
+          <a:p>
+            <a:r>
+              <a:rPr lang="en-US" baseline="0" dirty="0" err="1" smtClean="0"/>
+              <a:t>jor</a:t>
+            </a:r>
+            <a:r>
+              <a:rPr lang="en-US" baseline="0" dirty="0" smtClean="0"/>
+              <a:t> enemy being the clownishly homicidal Joker.", "</a:t>
+            </a:r>
+            <a:r>
+              <a:rPr lang="en-US" baseline="0" dirty="0" err="1" smtClean="0"/>
+              <a:t>imdbRating</a:t>
+            </a:r>
+            <a:r>
+              <a:rPr lang="en-US" baseline="0" dirty="0" smtClean="0"/>
+              <a:t>" : 7.6, "</a:t>
             </a:r>
             <a:r>
               <a:rPr lang="en-US" baseline="0" dirty="0" err="1" smtClean="0"/>
@@ -5324,85 +5754,40 @@
             </a:r>
             <a:r>
               <a:rPr lang="en-US" baseline="0" dirty="0" smtClean="0"/>
-              <a:t>: 0}}, {multi: true})</a:t>
-            </a:r>
-          </a:p>
-          <a:p>
+              <a:t>" : 0, "</a:t>
+            </a:r>
+            <a:r>
+              <a:rPr lang="en-US" baseline="0" dirty="0" err="1" smtClean="0"/>
+              <a:t>boxOffice</a:t>
+            </a:r>
+            <a:r>
+              <a:rPr lang="en-US" baseline="0" dirty="0" smtClean="0"/>
+              <a:t>" : "$</a:t>
+            </a:r>
+            <a:r>
+              <a:rPr lang="en-US" baseline="0" dirty="0" err="1" smtClean="0"/>
+              <a:t>muimu</a:t>
+            </a:r>
             <a:endParaRPr lang="en-US" baseline="0" dirty="0" smtClean="0"/>
           </a:p>
           <a:p>
             <a:r>
               <a:rPr lang="en-US" baseline="0" dirty="0" err="1" smtClean="0"/>
-              <a:t>db.movies.findAndModify</a:t>
+              <a:t>i</a:t>
             </a:r>
             <a:r>
               <a:rPr lang="en-US" baseline="0" dirty="0" smtClean="0"/>
-              <a:t>({query: {title: "The Incredibles"}, update: {$</a:t>
-            </a:r>
-            <a:r>
-              <a:rPr lang="en-US" baseline="0" dirty="0" err="1" smtClean="0"/>
-              <a:t>inc</a:t>
-            </a:r>
+              <a:t>", "rented" : 1, "copies" : 2 }</a:t>
+            </a:r>
+          </a:p>
+          <a:p>
             <a:r>
               <a:rPr lang="en-US" baseline="0" dirty="0" smtClean="0"/>
-              <a:t>: {</a:t>
-            </a:r>
-            <a:r>
-              <a:rPr lang="en-US" baseline="0" dirty="0" err="1" smtClean="0"/>
-              <a:t>copiesRented</a:t>
-            </a:r>
-            <a:r>
-              <a:rPr lang="en-US" baseline="0" dirty="0" smtClean="0"/>
-              <a:t>: 1}}})</a:t>
+              <a:t>&gt;</a:t>
             </a:r>
           </a:p>
           <a:p>
             <a:endParaRPr lang="en-US" baseline="0" dirty="0" smtClean="0"/>
-          </a:p>
-          <a:p>
-            <a:r>
-              <a:rPr lang="en-US" baseline="0" dirty="0" smtClean="0"/>
-              <a:t>You can see how you can increment a </a:t>
-            </a:r>
-            <a:r>
-              <a:rPr lang="en-US" baseline="0" dirty="0" err="1" smtClean="0"/>
-              <a:t>copiesRented</a:t>
-            </a:r>
-            <a:r>
-              <a:rPr lang="en-US" baseline="0" dirty="0" smtClean="0"/>
-              <a:t> and decrement an </a:t>
-            </a:r>
-            <a:r>
-              <a:rPr lang="en-US" baseline="0" dirty="0" err="1" smtClean="0"/>
-              <a:t>inventoryCount</a:t>
-            </a:r>
-            <a:endParaRPr lang="en-US" baseline="0" dirty="0" smtClean="0"/>
-          </a:p>
-          <a:p>
-            <a:endParaRPr lang="en-US" baseline="0" dirty="0" smtClean="0"/>
-          </a:p>
-          <a:p>
-            <a:r>
-              <a:rPr lang="en-US" baseline="0" dirty="0" smtClean="0"/>
-              <a:t>This technic can be used to make a collection that acts as a sequence.  And you can see how you can use this to keep a balance on an account.</a:t>
-            </a:r>
-          </a:p>
-          <a:p>
-            <a:endParaRPr lang="en-US" baseline="0" dirty="0" smtClean="0"/>
-          </a:p>
-          <a:p>
-            <a:r>
-              <a:rPr lang="en-US" baseline="0" dirty="0" smtClean="0"/>
-              <a:t>Talk about/show </a:t>
-            </a:r>
-            <a:r>
-              <a:rPr lang="en-US" baseline="0" dirty="0" err="1" smtClean="0"/>
-              <a:t>upserts</a:t>
-            </a:r>
-            <a:r>
-              <a:rPr lang="en-US" baseline="0" dirty="0" smtClean="0"/>
-              <a:t> if you increment a title that does not exist yet.</a:t>
-            </a:r>
           </a:p>
           <a:p>
             <a:endParaRPr lang="en-US" baseline="0" dirty="0" smtClean="0"/>
@@ -5723,13 +6108,210 @@
           <a:bodyPr/>
           <a:lstStyle/>
           <a:p>
-            <a:r>
-              <a:rPr lang="en-US" dirty="0" smtClean="0"/>
-              <a:t>Example</a:t>
-            </a:r>
-            <a:r>
-              <a:rPr lang="en-US" baseline="0" dirty="0" smtClean="0"/>
-              <a:t> should be for movies. </a:t>
+            <a:pPr marL="0" indent="0">
+              <a:buNone/>
+            </a:pPr>
+            <a:r>
+              <a:rPr lang="en-US" dirty="0" err="1" smtClean="0"/>
+              <a:t>db.runCommand</a:t>
+            </a:r>
+            <a:r>
+              <a:rPr lang="en-US" sz="1200" kern="1200" dirty="0" smtClean="0">
+                <a:solidFill>
+                  <a:schemeClr val="tx1"/>
+                </a:solidFill>
+                <a:effectLst/>
+                <a:latin typeface="+mn-lt"/>
+                <a:ea typeface="+mn-ea"/>
+                <a:cs typeface="+mn-cs"/>
+              </a:rPr>
+              <a:t>(</a:t>
+            </a:r>
+            <a:r>
+              <a:rPr lang="en-US" dirty="0" smtClean="0"/>
+              <a:t> </a:t>
+            </a:r>
+            <a:r>
+              <a:rPr lang="en-US" sz="1200" kern="1200" dirty="0" smtClean="0">
+                <a:solidFill>
+                  <a:schemeClr val="tx1"/>
+                </a:solidFill>
+                <a:effectLst/>
+                <a:latin typeface="+mn-lt"/>
+                <a:ea typeface="+mn-ea"/>
+                <a:cs typeface="+mn-cs"/>
+              </a:rPr>
+              <a:t>{</a:t>
+            </a:r>
+            <a:r>
+              <a:rPr lang="en-US" dirty="0" smtClean="0"/>
+              <a:t> </a:t>
+            </a:r>
+            <a:r>
+              <a:rPr lang="en-US" dirty="0" err="1" smtClean="0"/>
+              <a:t>collMod</a:t>
+            </a:r>
+            <a:r>
+              <a:rPr lang="en-US" dirty="0" smtClean="0"/>
+              <a:t>: </a:t>
+            </a:r>
+            <a:r>
+              <a:rPr lang="en-US" sz="1200" kern="1200" dirty="0" smtClean="0">
+                <a:solidFill>
+                  <a:schemeClr val="tx1"/>
+                </a:solidFill>
+                <a:effectLst/>
+                <a:latin typeface="+mn-lt"/>
+                <a:ea typeface="+mn-ea"/>
+                <a:cs typeface="+mn-cs"/>
+              </a:rPr>
+              <a:t>"</a:t>
+            </a:r>
+            <a:r>
+              <a:rPr lang="en-US" sz="1200" dirty="0" smtClean="0"/>
+              <a:t>movies</a:t>
+            </a:r>
+            <a:r>
+              <a:rPr lang="en-US" sz="1200" kern="1200" dirty="0" smtClean="0">
+                <a:solidFill>
+                  <a:schemeClr val="tx1"/>
+                </a:solidFill>
+                <a:effectLst/>
+                <a:latin typeface="+mn-lt"/>
+                <a:ea typeface="+mn-ea"/>
+                <a:cs typeface="+mn-cs"/>
+              </a:rPr>
+              <a:t>"</a:t>
+            </a:r>
+            <a:r>
+              <a:rPr lang="en-US" dirty="0" smtClean="0"/>
+              <a:t>, </a:t>
+            </a:r>
+          </a:p>
+          <a:p>
+            <a:pPr marL="0" indent="0">
+              <a:buNone/>
+            </a:pPr>
+            <a:r>
+              <a:rPr lang="en-US" dirty="0" smtClean="0"/>
+              <a:t>validator: </a:t>
+            </a:r>
+            <a:r>
+              <a:rPr lang="en-US" sz="1200" dirty="0" smtClean="0"/>
+              <a:t>{ $and: </a:t>
+            </a:r>
+          </a:p>
+          <a:p>
+            <a:pPr marL="0" indent="0">
+              <a:buNone/>
+            </a:pPr>
+            <a:r>
+              <a:rPr lang="en-US" sz="1200" dirty="0" smtClean="0"/>
+              <a:t>         [ { title: { $type: "string" } }, </a:t>
+            </a:r>
+          </a:p>
+          <a:p>
+            <a:pPr marL="0" indent="0">
+              <a:buNone/>
+            </a:pPr>
+            <a:r>
+              <a:rPr lang="en-US" sz="1200" dirty="0" smtClean="0"/>
+              <a:t>            { plot: { $type:  "string"} }, </a:t>
+            </a:r>
+          </a:p>
+          <a:p>
+            <a:pPr marL="0" indent="0">
+              <a:buNone/>
+            </a:pPr>
+            <a:r>
+              <a:rPr lang="en-US" sz="1200" dirty="0" smtClean="0"/>
+              <a:t>            {</a:t>
+            </a:r>
+            <a:r>
+              <a:rPr lang="en-US" sz="1200" dirty="0" err="1" smtClean="0"/>
+              <a:t>imdbRating</a:t>
+            </a:r>
+            <a:r>
+              <a:rPr lang="en-US" sz="1200" dirty="0" smtClean="0"/>
+              <a:t>: {$</a:t>
+            </a:r>
+            <a:r>
+              <a:rPr lang="en-US" sz="1200" dirty="0" err="1" smtClean="0"/>
+              <a:t>lte</a:t>
+            </a:r>
+            <a:r>
+              <a:rPr lang="en-US" sz="1200" dirty="0" smtClean="0"/>
+              <a:t>: 10 } } ]</a:t>
+            </a:r>
+          </a:p>
+          <a:p>
+            <a:pPr marL="0" indent="0">
+              <a:buNone/>
+            </a:pPr>
+            <a:r>
+              <a:rPr lang="en-US" sz="1200" dirty="0" smtClean="0"/>
+              <a:t>    } </a:t>
+            </a:r>
+            <a:r>
+              <a:rPr lang="en-US" dirty="0" smtClean="0"/>
+              <a:t>, </a:t>
+            </a:r>
+          </a:p>
+          <a:p>
+            <a:pPr marL="0" indent="0">
+              <a:buNone/>
+            </a:pPr>
+            <a:r>
+              <a:rPr lang="en-US" dirty="0" err="1" smtClean="0"/>
+              <a:t>validationLevel</a:t>
+            </a:r>
+            <a:r>
+              <a:rPr lang="en-US" dirty="0" smtClean="0"/>
+              <a:t>: </a:t>
+            </a:r>
+            <a:r>
+              <a:rPr lang="en-US" sz="1200" kern="1200" dirty="0" smtClean="0">
+                <a:solidFill>
+                  <a:schemeClr val="tx1"/>
+                </a:solidFill>
+                <a:effectLst/>
+                <a:latin typeface="+mn-lt"/>
+                <a:ea typeface="+mn-ea"/>
+                <a:cs typeface="+mn-cs"/>
+              </a:rPr>
+              <a:t>"moderate"</a:t>
+            </a:r>
+            <a:r>
+              <a:rPr lang="en-US" dirty="0" smtClean="0"/>
+              <a:t> </a:t>
+            </a:r>
+            <a:r>
+              <a:rPr lang="en-US" sz="1200" kern="1200" dirty="0" smtClean="0">
+                <a:solidFill>
+                  <a:schemeClr val="tx1"/>
+                </a:solidFill>
+                <a:effectLst/>
+                <a:latin typeface="+mn-lt"/>
+                <a:ea typeface="+mn-ea"/>
+                <a:cs typeface="+mn-cs"/>
+              </a:rPr>
+              <a:t>}</a:t>
+            </a:r>
+            <a:r>
+              <a:rPr lang="en-US" dirty="0" smtClean="0"/>
+              <a:t> </a:t>
+            </a:r>
+            <a:r>
+              <a:rPr lang="en-US" sz="1200" kern="1200" dirty="0" smtClean="0">
+                <a:solidFill>
+                  <a:schemeClr val="tx1"/>
+                </a:solidFill>
+                <a:effectLst/>
+                <a:latin typeface="+mn-lt"/>
+                <a:ea typeface="+mn-ea"/>
+                <a:cs typeface="+mn-cs"/>
+              </a:rPr>
+              <a:t>)</a:t>
             </a:r>
             <a:endParaRPr lang="en-US" dirty="0"/>
           </a:p>
@@ -7619,7 +8201,7 @@
           <a:p>
             <a:fld id="{2ADC2C9B-E509-4817-BA72-5DA0722D8BF9}" type="datetimeFigureOut">
               <a:rPr lang="en-US" smtClean="0"/>
-              <a:t>6/21/2017</a:t>
+              <a:t>6/24/2017</a:t>
             </a:fld>
             <a:endParaRPr lang="en-US"/>
           </a:p>
@@ -7789,7 +8371,7 @@
           <a:p>
             <a:fld id="{2ADC2C9B-E509-4817-BA72-5DA0722D8BF9}" type="datetimeFigureOut">
               <a:rPr lang="en-US" smtClean="0"/>
-              <a:t>6/21/2017</a:t>
+              <a:t>6/24/2017</a:t>
             </a:fld>
             <a:endParaRPr lang="en-US"/>
           </a:p>
@@ -7969,7 +8551,7 @@
           <a:p>
             <a:fld id="{2ADC2C9B-E509-4817-BA72-5DA0722D8BF9}" type="datetimeFigureOut">
               <a:rPr lang="en-US" smtClean="0"/>
-              <a:t>6/21/2017</a:t>
+              <a:t>6/24/2017</a:t>
             </a:fld>
             <a:endParaRPr lang="en-US"/>
           </a:p>
@@ -8139,7 +8721,7 @@
           <a:p>
             <a:fld id="{2ADC2C9B-E509-4817-BA72-5DA0722D8BF9}" type="datetimeFigureOut">
               <a:rPr lang="en-US" smtClean="0"/>
-              <a:t>6/21/2017</a:t>
+              <a:t>6/24/2017</a:t>
             </a:fld>
             <a:endParaRPr lang="en-US"/>
           </a:p>
@@ -8385,7 +8967,7 @@
           <a:p>
             <a:fld id="{2ADC2C9B-E509-4817-BA72-5DA0722D8BF9}" type="datetimeFigureOut">
               <a:rPr lang="en-US" smtClean="0"/>
-              <a:t>6/21/2017</a:t>
+              <a:t>6/24/2017</a:t>
             </a:fld>
             <a:endParaRPr lang="en-US"/>
           </a:p>
@@ -8673,7 +9255,7 @@
           <a:p>
             <a:fld id="{2ADC2C9B-E509-4817-BA72-5DA0722D8BF9}" type="datetimeFigureOut">
               <a:rPr lang="en-US" smtClean="0"/>
-              <a:t>6/21/2017</a:t>
+              <a:t>6/24/2017</a:t>
             </a:fld>
             <a:endParaRPr lang="en-US"/>
           </a:p>
@@ -9095,7 +9677,7 @@
           <a:p>
             <a:fld id="{2ADC2C9B-E509-4817-BA72-5DA0722D8BF9}" type="datetimeFigureOut">
               <a:rPr lang="en-US" smtClean="0"/>
-              <a:t>6/21/2017</a:t>
+              <a:t>6/24/2017</a:t>
             </a:fld>
             <a:endParaRPr lang="en-US"/>
           </a:p>
@@ -9213,7 +9795,7 @@
           <a:p>
             <a:fld id="{2ADC2C9B-E509-4817-BA72-5DA0722D8BF9}" type="datetimeFigureOut">
               <a:rPr lang="en-US" smtClean="0"/>
-              <a:t>6/21/2017</a:t>
+              <a:t>6/24/2017</a:t>
             </a:fld>
             <a:endParaRPr lang="en-US"/>
           </a:p>
@@ -9308,7 +9890,7 @@
           <a:p>
             <a:fld id="{2ADC2C9B-E509-4817-BA72-5DA0722D8BF9}" type="datetimeFigureOut">
               <a:rPr lang="en-US" smtClean="0"/>
-              <a:t>6/21/2017</a:t>
+              <a:t>6/24/2017</a:t>
             </a:fld>
             <a:endParaRPr lang="en-US"/>
           </a:p>
@@ -9585,7 +10167,7 @@
           <a:p>
             <a:fld id="{2ADC2C9B-E509-4817-BA72-5DA0722D8BF9}" type="datetimeFigureOut">
               <a:rPr lang="en-US" smtClean="0"/>
-              <a:t>6/21/2017</a:t>
+              <a:t>6/24/2017</a:t>
             </a:fld>
             <a:endParaRPr lang="en-US"/>
           </a:p>
@@ -9838,7 +10420,7 @@
           <a:p>
             <a:fld id="{2ADC2C9B-E509-4817-BA72-5DA0722D8BF9}" type="datetimeFigureOut">
               <a:rPr lang="en-US" smtClean="0"/>
-              <a:t>6/21/2017</a:t>
+              <a:t>6/24/2017</a:t>
             </a:fld>
             <a:endParaRPr lang="en-US"/>
           </a:p>
@@ -10051,7 +10633,7 @@
           <a:p>
             <a:fld id="{2ADC2C9B-E509-4817-BA72-5DA0722D8BF9}" type="datetimeFigureOut">
               <a:rPr lang="en-US" smtClean="0"/>
-              <a:t>6/21/2017</a:t>
+              <a:t>6/24/2017</a:t>
             </a:fld>
             <a:endParaRPr lang="en-US"/>
           </a:p>
@@ -10927,7 +11509,7 @@
           <a:p>
             <a:r>
               <a:rPr lang="en-US" b="1" dirty="0" smtClean="0"/>
-              <a:t>Pipeline Operators</a:t>
+              <a:t>Shell Operators</a:t>
             </a:r>
             <a:endParaRPr lang="en-US" b="1" dirty="0"/>
           </a:p>
@@ -10958,7 +11540,7 @@
                 <a:ea typeface="Arial Unicode MS" panose="020B0604020202020204" pitchFamily="34" charset="-128"/>
                 <a:cs typeface="Arial Unicode MS" panose="020B0604020202020204" pitchFamily="34" charset="-128"/>
               </a:rPr>
-              <a:t>Find can be followed with pipeline operators in the shell:</a:t>
+              <a:t>Find can be followed with these shell operators:</a:t>
             </a:r>
           </a:p>
           <a:p>
@@ -10971,7 +11553,28 @@
                 <a:ea typeface="Arial Unicode MS" panose="020B0604020202020204" pitchFamily="34" charset="-128"/>
                 <a:cs typeface="Arial Unicode MS" panose="020B0604020202020204" pitchFamily="34" charset="-128"/>
               </a:rPr>
-              <a:t>	.pretty()</a:t>
+              <a:t>	.count()</a:t>
+            </a:r>
+          </a:p>
+          <a:p>
+            <a:pPr marL="0" indent="0">
+              <a:buNone/>
+            </a:pPr>
+            <a:r>
+              <a:rPr lang="en-US" sz="2800" b="1" dirty="0">
+                <a:latin typeface="Arial Unicode MS" panose="020B0604020202020204" pitchFamily="34" charset="-128"/>
+                <a:ea typeface="Arial Unicode MS" panose="020B0604020202020204" pitchFamily="34" charset="-128"/>
+                <a:cs typeface="Arial Unicode MS" panose="020B0604020202020204" pitchFamily="34" charset="-128"/>
+              </a:rPr>
+              <a:t>	</a:t>
+            </a:r>
+            <a:r>
+              <a:rPr lang="en-US" sz="2800" b="1" dirty="0" smtClean="0">
+                <a:latin typeface="Arial Unicode MS" panose="020B0604020202020204" pitchFamily="34" charset="-128"/>
+                <a:ea typeface="Arial Unicode MS" panose="020B0604020202020204" pitchFamily="34" charset="-128"/>
+                <a:cs typeface="Arial Unicode MS" panose="020B0604020202020204" pitchFamily="34" charset="-128"/>
+              </a:rPr>
+              <a:t>.pretty()</a:t>
             </a:r>
           </a:p>
           <a:p>
@@ -11183,7 +11786,15 @@
                 <a:ea typeface="Arial Unicode MS" panose="020B0604020202020204" pitchFamily="34" charset="-128"/>
                 <a:cs typeface="Arial Unicode MS" panose="020B0604020202020204" pitchFamily="34" charset="-128"/>
               </a:rPr>
-              <a:t>Selector and projection </a:t>
+              <a:t>Selector and projection look like </a:t>
+            </a:r>
+            <a:r>
+              <a:rPr lang="en-US" sz="2400" b="1" dirty="0" err="1" smtClean="0">
+                <a:latin typeface="Arial Unicode MS" panose="020B0604020202020204" pitchFamily="34" charset="-128"/>
+                <a:ea typeface="Arial Unicode MS" panose="020B0604020202020204" pitchFamily="34" charset="-128"/>
+                <a:cs typeface="Arial Unicode MS" panose="020B0604020202020204" pitchFamily="34" charset="-128"/>
+              </a:rPr>
+              <a:t>javascript</a:t>
             </a:r>
             <a:r>
               <a:rPr lang="en-US" sz="2400" b="1" dirty="0" smtClean="0">
@@ -11191,31 +11802,29 @@
                 <a:ea typeface="Arial Unicode MS" panose="020B0604020202020204" pitchFamily="34" charset="-128"/>
                 <a:cs typeface="Arial Unicode MS" panose="020B0604020202020204" pitchFamily="34" charset="-128"/>
               </a:rPr>
-              <a:t>look like </a:t>
-            </a:r>
-            <a:r>
-              <a:rPr lang="en-US" sz="2400" b="1" dirty="0" err="1" smtClean="0">
-                <a:latin typeface="Arial Unicode MS" panose="020B0604020202020204" pitchFamily="34" charset="-128"/>
-                <a:ea typeface="Arial Unicode MS" panose="020B0604020202020204" pitchFamily="34" charset="-128"/>
-                <a:cs typeface="Arial Unicode MS" panose="020B0604020202020204" pitchFamily="34" charset="-128"/>
-              </a:rPr>
-              <a:t>javascript</a:t>
-            </a:r>
+              <a:t> objects</a:t>
+            </a:r>
+          </a:p>
+          <a:p>
+            <a:pPr lvl="1" indent="-342900"/>
             <a:r>
               <a:rPr lang="en-US" sz="2400" b="1" dirty="0" smtClean="0">
                 <a:latin typeface="Arial Unicode MS" panose="020B0604020202020204" pitchFamily="34" charset="-128"/>
                 <a:ea typeface="Arial Unicode MS" panose="020B0604020202020204" pitchFamily="34" charset="-128"/>
                 <a:cs typeface="Arial Unicode MS" panose="020B0604020202020204" pitchFamily="34" charset="-128"/>
               </a:rPr>
-              <a:t> </a:t>
-            </a:r>
+              <a:t>The simplest selector just matches object fields</a:t>
+            </a:r>
+          </a:p>
+          <a:p>
+            <a:pPr lvl="1" indent="-342900"/>
             <a:r>
               <a:rPr lang="en-US" sz="2400" b="1" dirty="0" smtClean="0">
                 <a:latin typeface="Arial Unicode MS" panose="020B0604020202020204" pitchFamily="34" charset="-128"/>
                 <a:ea typeface="Arial Unicode MS" panose="020B0604020202020204" pitchFamily="34" charset="-128"/>
                 <a:cs typeface="Arial Unicode MS" panose="020B0604020202020204" pitchFamily="34" charset="-128"/>
               </a:rPr>
-              <a:t>objects</a:t>
+              <a:t>Projection limits the portion of the document returned </a:t>
             </a:r>
           </a:p>
           <a:p>
@@ -11226,18 +11835,7 @@
                 <a:ea typeface="Arial Unicode MS" panose="020B0604020202020204" pitchFamily="34" charset="-128"/>
                 <a:cs typeface="Arial Unicode MS" panose="020B0604020202020204" pitchFamily="34" charset="-128"/>
               </a:rPr>
-              <a:t>The simplest selector just matches object fields</a:t>
-            </a:r>
-          </a:p>
-          <a:p>
-            <a:pPr lvl="1" indent="-342900"/>
-            <a:r>
-              <a:rPr lang="en-US" sz="2400" b="1" dirty="0" smtClean="0">
-                <a:latin typeface="Arial Unicode MS" panose="020B0604020202020204" pitchFamily="34" charset="-128"/>
-                <a:ea typeface="Arial Unicode MS" panose="020B0604020202020204" pitchFamily="34" charset="-128"/>
-                <a:cs typeface="Arial Unicode MS" panose="020B0604020202020204" pitchFamily="34" charset="-128"/>
-              </a:rPr>
-              <a:t>Projection takes document fields and either displays or removes from the result: 1=display, 0=remove </a:t>
+              <a:t>List fields to display or remove: 1=display, 0=remove </a:t>
             </a:r>
           </a:p>
           <a:p>
@@ -11670,7 +12268,15 @@
                 <a:ea typeface="Arial Unicode MS" panose="020B0604020202020204" pitchFamily="34" charset="-128"/>
                 <a:cs typeface="Arial Unicode MS" panose="020B0604020202020204" pitchFamily="34" charset="-128"/>
               </a:rPr>
-              <a:t>( { </a:t>
+              <a:t>( { title: { $</a:t>
+            </a:r>
+            <a:r>
+              <a:rPr lang="en-US" sz="2800" b="1" dirty="0" err="1" smtClean="0">
+                <a:latin typeface="Arial Unicode MS" panose="020B0604020202020204" pitchFamily="34" charset="-128"/>
+                <a:ea typeface="Arial Unicode MS" panose="020B0604020202020204" pitchFamily="34" charset="-128"/>
+                <a:cs typeface="Arial Unicode MS" panose="020B0604020202020204" pitchFamily="34" charset="-128"/>
+              </a:rPr>
+              <a:t>gt</a:t>
             </a:r>
             <a:r>
               <a:rPr lang="en-US" sz="2800" b="1" dirty="0" smtClean="0">
@@ -11678,47 +12284,7 @@
                 <a:ea typeface="Arial Unicode MS" panose="020B0604020202020204" pitchFamily="34" charset="-128"/>
                 <a:cs typeface="Arial Unicode MS" panose="020B0604020202020204" pitchFamily="34" charset="-128"/>
               </a:rPr>
-              <a:t>title: </a:t>
-            </a:r>
-            <a:r>
-              <a:rPr lang="en-US" sz="2800" b="1" dirty="0" smtClean="0">
-                <a:latin typeface="Arial Unicode MS" panose="020B0604020202020204" pitchFamily="34" charset="-128"/>
-                <a:ea typeface="Arial Unicode MS" panose="020B0604020202020204" pitchFamily="34" charset="-128"/>
-                <a:cs typeface="Arial Unicode MS" panose="020B0604020202020204" pitchFamily="34" charset="-128"/>
-              </a:rPr>
-              <a:t>{ </a:t>
-            </a:r>
-            <a:r>
-              <a:rPr lang="en-US" sz="2800" b="1" dirty="0" smtClean="0">
-                <a:latin typeface="Arial Unicode MS" panose="020B0604020202020204" pitchFamily="34" charset="-128"/>
-                <a:ea typeface="Arial Unicode MS" panose="020B0604020202020204" pitchFamily="34" charset="-128"/>
-                <a:cs typeface="Arial Unicode MS" panose="020B0604020202020204" pitchFamily="34" charset="-128"/>
-              </a:rPr>
-              <a:t>$</a:t>
-            </a:r>
-            <a:r>
-              <a:rPr lang="en-US" sz="2800" b="1" dirty="0" err="1" smtClean="0">
-                <a:latin typeface="Arial Unicode MS" panose="020B0604020202020204" pitchFamily="34" charset="-128"/>
-                <a:ea typeface="Arial Unicode MS" panose="020B0604020202020204" pitchFamily="34" charset="-128"/>
-                <a:cs typeface="Arial Unicode MS" panose="020B0604020202020204" pitchFamily="34" charset="-128"/>
-              </a:rPr>
-              <a:t>gt</a:t>
-            </a:r>
-            <a:r>
-              <a:rPr lang="en-US" sz="2800" b="1" dirty="0" smtClean="0">
-                <a:latin typeface="Arial Unicode MS" panose="020B0604020202020204" pitchFamily="34" charset="-128"/>
-                <a:ea typeface="Arial Unicode MS" panose="020B0604020202020204" pitchFamily="34" charset="-128"/>
-                <a:cs typeface="Arial Unicode MS" panose="020B0604020202020204" pitchFamily="34" charset="-128"/>
-              </a:rPr>
-              <a:t>: “Spider” } </a:t>
-            </a:r>
-            <a:r>
-              <a:rPr lang="en-US" sz="2800" b="1" dirty="0" smtClean="0">
-                <a:latin typeface="Arial Unicode MS" panose="020B0604020202020204" pitchFamily="34" charset="-128"/>
-                <a:ea typeface="Arial Unicode MS" panose="020B0604020202020204" pitchFamily="34" charset="-128"/>
-                <a:cs typeface="Arial Unicode MS" panose="020B0604020202020204" pitchFamily="34" charset="-128"/>
-              </a:rPr>
-              <a:t>})</a:t>
+              <a:t>: “Spider” } })</a:t>
             </a:r>
             <a:endParaRPr lang="en-US" sz="2800" b="1" dirty="0">
               <a:latin typeface="Arial Unicode MS" panose="020B0604020202020204" pitchFamily="34" charset="-128"/>
@@ -12323,14 +12889,7 @@
                 <a:ea typeface="Arial Unicode MS" panose="020B0604020202020204" pitchFamily="34" charset="-128"/>
                 <a:cs typeface="Arial Unicode MS" panose="020B0604020202020204" pitchFamily="34" charset="-128"/>
               </a:rPr>
-              <a:t>                                            </a:t>
-            </a:r>
-            <a:r>
-              <a:rPr lang="en-US" sz="2800" dirty="0" smtClean="0">
-                <a:ea typeface="Arial Unicode MS" panose="020B0604020202020204" pitchFamily="34" charset="-128"/>
-                <a:cs typeface="Arial Unicode MS" panose="020B0604020202020204" pitchFamily="34" charset="-128"/>
-              </a:rPr>
-              <a:t> </a:t>
+              <a:t>                                             </a:t>
             </a:r>
             <a:r>
               <a:rPr lang="en-US" sz="2800" dirty="0">
@@ -12535,14 +13094,7 @@
                 <a:ea typeface="Arial Unicode MS" panose="020B0604020202020204" pitchFamily="34" charset="-128"/>
                 <a:cs typeface="Arial Unicode MS" panose="020B0604020202020204" pitchFamily="34" charset="-128"/>
               </a:rPr>
-              <a:t>1. Find </a:t>
-            </a:r>
-            <a:r>
-              <a:rPr lang="en-US" sz="2100" dirty="0" smtClean="0">
-                <a:ea typeface="Arial Unicode MS" panose="020B0604020202020204" pitchFamily="34" charset="-128"/>
-                <a:cs typeface="Arial Unicode MS" panose="020B0604020202020204" pitchFamily="34" charset="-128"/>
-              </a:rPr>
-              <a:t>all movie titles in our database with the actor Ian </a:t>
+              <a:t>1. Find all movie titles in our database with the actor Ian </a:t>
             </a:r>
             <a:r>
               <a:rPr lang="en-US" sz="2100" dirty="0" err="1" smtClean="0">
@@ -12567,7 +13119,15 @@
               <a:buNone/>
             </a:pPr>
             <a:r>
-              <a:rPr lang="en-US" sz="2100" b="1" dirty="0" err="1" smtClean="0"/>
+              <a:rPr lang="en-US" sz="2100" dirty="0"/>
+              <a:t>&gt;</a:t>
+            </a:r>
+            <a:r>
+              <a:rPr lang="en-US" sz="2100" b="1" dirty="0"/>
+              <a:t> </a:t>
+            </a:r>
+            <a:r>
+              <a:rPr lang="en-US" sz="2100" b="1" dirty="0" err="1"/>
               <a:t>db.movies.find</a:t>
             </a:r>
             <a:r>
@@ -12580,13 +13140,35 @@
             </a:r>
             <a:r>
               <a:rPr lang="en-US" sz="2100" b="1" dirty="0"/>
-              <a:t>"}, {title: </a:t>
-            </a:r>
-            <a:r>
-              <a:rPr lang="en-US" sz="2100" b="1" dirty="0" smtClean="0"/>
-              <a:t>1, _id: 0})</a:t>
-            </a:r>
-            <a:endParaRPr lang="en-US" sz="2100" b="1" dirty="0"/>
+              <a:t>"}, {title: 1, _id: 0})</a:t>
+            </a:r>
+          </a:p>
+          <a:p>
+            <a:pPr marL="0" indent="0">
+              <a:buNone/>
+            </a:pPr>
+            <a:r>
+              <a:rPr lang="en-US" sz="2100" dirty="0"/>
+              <a:t>{ "title" : "X-Men" }</a:t>
+            </a:r>
+          </a:p>
+          <a:p>
+            <a:pPr marL="0" indent="0">
+              <a:buNone/>
+            </a:pPr>
+            <a:r>
+              <a:rPr lang="en-US" sz="2100" dirty="0"/>
+              <a:t>{ "title" : "The Hobbit: An Unexpected Journey" }</a:t>
+            </a:r>
+          </a:p>
+          <a:p>
+            <a:pPr marL="0" indent="0">
+              <a:buNone/>
+            </a:pPr>
+            <a:r>
+              <a:rPr lang="en-US" sz="2100" dirty="0"/>
+              <a:t>&gt;</a:t>
+            </a:r>
           </a:p>
           <a:p>
             <a:pPr marL="0" indent="0">
@@ -12737,7 +13319,7 @@
         <p:spPr/>
         <p:txBody>
           <a:bodyPr>
-            <a:normAutofit/>
+            <a:normAutofit fontScale="77500" lnSpcReduction="20000"/>
           </a:bodyPr>
           <a:lstStyle/>
           <a:p>
@@ -12745,26 +13327,24 @@
               <a:buNone/>
             </a:pPr>
             <a:r>
-              <a:rPr lang="en-US" sz="2300" dirty="0" smtClean="0">
-                <a:ea typeface="Arial Unicode MS" panose="020B0604020202020204" pitchFamily="34" charset="-128"/>
-                <a:cs typeface="Arial Unicode MS" panose="020B0604020202020204" pitchFamily="34" charset="-128"/>
-              </a:rPr>
-              <a:t>1. Find </a:t>
-            </a:r>
-            <a:r>
-              <a:rPr lang="en-US" sz="2300" dirty="0" smtClean="0">
-                <a:ea typeface="Arial Unicode MS" panose="020B0604020202020204" pitchFamily="34" charset="-128"/>
-                <a:cs typeface="Arial Unicode MS" panose="020B0604020202020204" pitchFamily="34" charset="-128"/>
-              </a:rPr>
-              <a:t>all movie titles in our database with the actor Ian </a:t>
-            </a:r>
-            <a:r>
-              <a:rPr lang="en-US" sz="2300" dirty="0" err="1" smtClean="0">
-                <a:ea typeface="Arial Unicode MS" panose="020B0604020202020204" pitchFamily="34" charset="-128"/>
-                <a:cs typeface="Arial Unicode MS" panose="020B0604020202020204" pitchFamily="34" charset="-128"/>
-              </a:rPr>
-              <a:t>McKellen</a:t>
-            </a:r>
+              <a:rPr lang="en-US" sz="2600" dirty="0" smtClean="0">
+                <a:ea typeface="Arial Unicode MS" panose="020B0604020202020204" pitchFamily="34" charset="-128"/>
+                <a:cs typeface="Arial Unicode MS" panose="020B0604020202020204" pitchFamily="34" charset="-128"/>
+              </a:rPr>
+              <a:t>2</a:t>
+            </a:r>
+            <a:r>
+              <a:rPr lang="en-US" sz="2600" dirty="0" smtClean="0">
+                <a:ea typeface="Arial Unicode MS" panose="020B0604020202020204" pitchFamily="34" charset="-128"/>
+                <a:cs typeface="Arial Unicode MS" panose="020B0604020202020204" pitchFamily="34" charset="-128"/>
+              </a:rPr>
+              <a:t>. List the names of directors for all movies</a:t>
+            </a:r>
+          </a:p>
+          <a:p>
+            <a:pPr marL="0" indent="0">
+              <a:buNone/>
+            </a:pPr>
             <a:endParaRPr lang="en-US" sz="2300" dirty="0" smtClean="0">
               <a:ea typeface="Arial Unicode MS" panose="020B0604020202020204" pitchFamily="34" charset="-128"/>
               <a:cs typeface="Arial Unicode MS" panose="020B0604020202020204" pitchFamily="34" charset="-128"/>
@@ -12774,107 +13354,155 @@
             <a:pPr marL="0" indent="0">
               <a:buNone/>
             </a:pPr>
-            <a:endParaRPr lang="en-US" sz="2300" dirty="0" smtClean="0"/>
-          </a:p>
-          <a:p>
-            <a:pPr marL="0" indent="0">
-              <a:buNone/>
-            </a:pPr>
-            <a:r>
-              <a:rPr lang="en-US" sz="2300" dirty="0" err="1" smtClean="0"/>
+            <a:r>
+              <a:rPr lang="en-US" sz="2600" b="1" dirty="0"/>
+              <a:t>&gt; </a:t>
+            </a:r>
+            <a:r>
+              <a:rPr lang="en-US" sz="2600" b="1" dirty="0" err="1"/>
               <a:t>db.movies.find</a:t>
             </a:r>
             <a:r>
+              <a:rPr lang="en-US" sz="2600" b="1" dirty="0"/>
+              <a:t>({},{"details.director":1, _id: 0})</a:t>
+            </a:r>
+          </a:p>
+          <a:p>
+            <a:pPr marL="0" indent="0">
+              <a:buNone/>
+            </a:pPr>
+            <a:r>
               <a:rPr lang="en-US" sz="2300" dirty="0"/>
-              <a:t>({actors: "Ian </a:t>
+              <a:t>{ "details" : { "director" : "Peter Jackson" } }</a:t>
+            </a:r>
+          </a:p>
+          <a:p>
+            <a:pPr marL="0" indent="0">
+              <a:buNone/>
+            </a:pPr>
+            <a:r>
+              <a:rPr lang="en-US" sz="2300" dirty="0"/>
+              <a:t>{ "details" : { "director" : "Bryan Singer" } }</a:t>
+            </a:r>
+          </a:p>
+          <a:p>
+            <a:pPr marL="0" indent="0">
+              <a:buNone/>
+            </a:pPr>
+            <a:r>
+              <a:rPr lang="en-US" sz="2300" dirty="0"/>
+              <a:t>{ "details" : { "director" : "Tim Burton" } }</a:t>
+            </a:r>
+          </a:p>
+          <a:p>
+            <a:pPr marL="0" indent="0">
+              <a:buNone/>
+            </a:pPr>
+            <a:r>
+              <a:rPr lang="en-US" sz="2300" dirty="0"/>
+              <a:t>{ "details" : { "director" : "Jon </a:t>
             </a:r>
             <a:r>
               <a:rPr lang="en-US" sz="2300" dirty="0" err="1"/>
-              <a:t>McKellen</a:t>
+              <a:t>Favreau</a:t>
             </a:r>
             <a:r>
               <a:rPr lang="en-US" sz="2300" dirty="0"/>
-              <a:t>"}, {title: </a:t>
+              <a:t>" } }</a:t>
+            </a:r>
+          </a:p>
+          <a:p>
+            <a:pPr marL="0" indent="0">
+              <a:buNone/>
+            </a:pPr>
+            <a:r>
+              <a:rPr lang="en-US" sz="2300" dirty="0"/>
+              <a:t>{ "details" : { "director" : "Patty Jenkins" } }</a:t>
+            </a:r>
+          </a:p>
+          <a:p>
+            <a:pPr marL="0" indent="0">
+              <a:buNone/>
+            </a:pPr>
+            <a:r>
+              <a:rPr lang="en-US" sz="2300" dirty="0"/>
+              <a:t>{ "details" : { "director" : "George Lucas" } }</a:t>
+            </a:r>
+          </a:p>
+          <a:p>
+            <a:pPr marL="0" indent="0">
+              <a:buNone/>
+            </a:pPr>
+            <a:r>
+              <a:rPr lang="en-US" sz="2300" dirty="0"/>
+              <a:t>{ "details" : { "director" : "Alex </a:t>
+            </a:r>
+            <a:r>
+              <a:rPr lang="en-US" sz="2300" dirty="0" err="1"/>
+              <a:t>Proyas</a:t>
+            </a:r>
+            <a:r>
+              <a:rPr lang="en-US" sz="2300" dirty="0"/>
+              <a:t>" } }</a:t>
+            </a:r>
+          </a:p>
+          <a:p>
+            <a:pPr marL="0" indent="0">
+              <a:buNone/>
+            </a:pPr>
+            <a:r>
+              <a:rPr lang="en-US" sz="2300" dirty="0"/>
+              <a:t>{ "details" : { "director" : "Sam Raimi" } }</a:t>
+            </a:r>
+          </a:p>
+          <a:p>
+            <a:pPr marL="0" indent="0">
+              <a:buNone/>
+            </a:pPr>
+            <a:r>
+              <a:rPr lang="en-US" sz="2300" dirty="0"/>
+              <a:t>{ "details" : { "director" : "Tim Story" } }</a:t>
+            </a:r>
+          </a:p>
+          <a:p>
+            <a:pPr marL="0" indent="0">
+              <a:buNone/>
+            </a:pPr>
+            <a:r>
+              <a:rPr lang="en-US" sz="2300" dirty="0"/>
+              <a:t>{ "details" : { "director" : "Peter Jackson" } }</a:t>
+            </a:r>
+          </a:p>
+          <a:p>
+            <a:pPr marL="0" indent="0">
+              <a:buNone/>
+            </a:pPr>
+            <a:r>
+              <a:rPr lang="en-US" sz="2300" dirty="0"/>
+              <a:t>{ "details" : { "director" : "Joss </a:t>
+            </a:r>
+            <a:r>
+              <a:rPr lang="en-US" sz="2300" dirty="0" err="1"/>
+              <a:t>Whedon</a:t>
+            </a:r>
+            <a:r>
+              <a:rPr lang="en-US" sz="2300" dirty="0"/>
+              <a:t>" } }</a:t>
+            </a:r>
+          </a:p>
+          <a:p>
+            <a:pPr marL="0" indent="0">
+              <a:buNone/>
+            </a:pPr>
+            <a:r>
+              <a:rPr lang="en-US" sz="2300" dirty="0"/>
+              <a:t>{ "details" : { "director" : "Brad Bird" } </a:t>
             </a:r>
             <a:r>
               <a:rPr lang="en-US" sz="2300" dirty="0" smtClean="0"/>
-              <a:t>1, _id: 0})</a:t>
-            </a:r>
-            <a:endParaRPr lang="en-US" sz="2300" dirty="0"/>
-          </a:p>
-          <a:p>
-            <a:pPr marL="514350" indent="-514350">
-              <a:buAutoNum type="arabicPeriod"/>
-            </a:pPr>
-            <a:endParaRPr lang="en-US" sz="2300" dirty="0" smtClean="0">
-              <a:ea typeface="Arial Unicode MS" panose="020B0604020202020204" pitchFamily="34" charset="-128"/>
-              <a:cs typeface="Arial Unicode MS" panose="020B0604020202020204" pitchFamily="34" charset="-128"/>
-            </a:endParaRPr>
-          </a:p>
-          <a:p>
-            <a:pPr marL="0" indent="0">
-              <a:buNone/>
-            </a:pPr>
-            <a:r>
-              <a:rPr lang="en-US" sz="2300" dirty="0" smtClean="0">
-                <a:ea typeface="Arial Unicode MS" panose="020B0604020202020204" pitchFamily="34" charset="-128"/>
-                <a:cs typeface="Arial Unicode MS" panose="020B0604020202020204" pitchFamily="34" charset="-128"/>
-              </a:rPr>
-              <a:t>2. List the names of directors for all </a:t>
-            </a:r>
-            <a:r>
-              <a:rPr lang="en-US" sz="2300" dirty="0" smtClean="0">
-                <a:ea typeface="Arial Unicode MS" panose="020B0604020202020204" pitchFamily="34" charset="-128"/>
-                <a:cs typeface="Arial Unicode MS" panose="020B0604020202020204" pitchFamily="34" charset="-128"/>
-              </a:rPr>
-              <a:t>movies</a:t>
-            </a:r>
-          </a:p>
-          <a:p>
-            <a:pPr marL="0" indent="0">
-              <a:buNone/>
-            </a:pPr>
-            <a:endParaRPr lang="en-US" sz="2300" dirty="0" smtClean="0">
-              <a:ea typeface="Arial Unicode MS" panose="020B0604020202020204" pitchFamily="34" charset="-128"/>
-              <a:cs typeface="Arial Unicode MS" panose="020B0604020202020204" pitchFamily="34" charset="-128"/>
-            </a:endParaRPr>
-          </a:p>
-          <a:p>
-            <a:pPr marL="0" indent="0">
-              <a:buNone/>
-            </a:pPr>
-            <a:r>
-              <a:rPr lang="en-US" sz="2300" b="1" dirty="0" err="1"/>
-              <a:t>db.movies.find</a:t>
-            </a:r>
-            <a:r>
-              <a:rPr lang="en-US" sz="2300" b="1" dirty="0"/>
-              <a:t>({},{"details.director":1, _id: 0})</a:t>
-            </a:r>
-          </a:p>
-          <a:p>
-            <a:pPr marL="0" indent="0">
-              <a:buNone/>
-            </a:pPr>
-            <a:endParaRPr lang="en-US" sz="3400" dirty="0" smtClean="0">
-              <a:ea typeface="Arial Unicode MS" panose="020B0604020202020204" pitchFamily="34" charset="-128"/>
-              <a:cs typeface="Arial Unicode MS" panose="020B0604020202020204" pitchFamily="34" charset="-128"/>
-            </a:endParaRPr>
-          </a:p>
-          <a:p>
-            <a:pPr marL="0" indent="0">
-              <a:buNone/>
-            </a:pPr>
-            <a:endParaRPr lang="en-US" dirty="0" smtClean="0">
-              <a:ea typeface="Arial Unicode MS" panose="020B0604020202020204" pitchFamily="34" charset="-128"/>
-              <a:cs typeface="Arial Unicode MS" panose="020B0604020202020204" pitchFamily="34" charset="-128"/>
-            </a:endParaRPr>
-          </a:p>
-          <a:p>
-            <a:pPr marL="0" indent="0">
-              <a:buNone/>
-            </a:pPr>
-            <a:endParaRPr lang="en-US" sz="2800" b="1" dirty="0">
+              <a:t>}</a:t>
+            </a:r>
+            <a:endParaRPr lang="en-US" sz="2800" dirty="0">
               <a:ea typeface="Arial Unicode MS" panose="020B0604020202020204" pitchFamily="34" charset="-128"/>
               <a:cs typeface="Arial Unicode MS" panose="020B0604020202020204" pitchFamily="34" charset="-128"/>
             </a:endParaRPr>
@@ -13071,7 +13699,7 @@
         <p:spPr/>
         <p:txBody>
           <a:bodyPr>
-            <a:normAutofit fontScale="62500" lnSpcReduction="20000"/>
+            <a:normAutofit fontScale="77500" lnSpcReduction="20000"/>
           </a:bodyPr>
           <a:lstStyle/>
           <a:p>
@@ -13083,22 +13711,38 @@
                 <a:ea typeface="Arial Unicode MS" panose="020B0604020202020204" pitchFamily="34" charset="-128"/>
                 <a:cs typeface="Arial Unicode MS" panose="020B0604020202020204" pitchFamily="34" charset="-128"/>
               </a:rPr>
-              <a:t>1. Find </a:t>
+              <a:t>3</a:t>
             </a:r>
             <a:r>
               <a:rPr lang="en-US" sz="3400" dirty="0" smtClean="0">
                 <a:ea typeface="Arial Unicode MS" panose="020B0604020202020204" pitchFamily="34" charset="-128"/>
                 <a:cs typeface="Arial Unicode MS" panose="020B0604020202020204" pitchFamily="34" charset="-128"/>
               </a:rPr>
-              <a:t>all movie titles in our database with the actor Ian </a:t>
+              <a:t>. List the title and </a:t>
             </a:r>
             <a:r>
               <a:rPr lang="en-US" sz="3400" dirty="0" err="1" smtClean="0">
                 <a:ea typeface="Arial Unicode MS" panose="020B0604020202020204" pitchFamily="34" charset="-128"/>
                 <a:cs typeface="Arial Unicode MS" panose="020B0604020202020204" pitchFamily="34" charset="-128"/>
               </a:rPr>
-              <a:t>McKellen</a:t>
-            </a:r>
+              <a:t>imdbRating</a:t>
+            </a:r>
+            <a:r>
+              <a:rPr lang="en-US" sz="3400" dirty="0" smtClean="0">
+                <a:ea typeface="Arial Unicode MS" panose="020B0604020202020204" pitchFamily="34" charset="-128"/>
+                <a:cs typeface="Arial Unicode MS" panose="020B0604020202020204" pitchFamily="34" charset="-128"/>
+              </a:rPr>
+              <a:t> for movies since 2000 or that have a rating greater than 8</a:t>
+            </a:r>
+            <a:endParaRPr lang="en-US" sz="3400" dirty="0">
+              <a:ea typeface="Arial Unicode MS" panose="020B0604020202020204" pitchFamily="34" charset="-128"/>
+              <a:cs typeface="Arial Unicode MS" panose="020B0604020202020204" pitchFamily="34" charset="-128"/>
+            </a:endParaRPr>
+          </a:p>
+          <a:p>
+            <a:pPr marL="0" indent="0">
+              <a:buNone/>
+            </a:pPr>
             <a:endParaRPr lang="en-US" sz="3400" dirty="0" smtClean="0">
               <a:ea typeface="Arial Unicode MS" panose="020B0604020202020204" pitchFamily="34" charset="-128"/>
               <a:cs typeface="Arial Unicode MS" panose="020B0604020202020204" pitchFamily="34" charset="-128"/>
@@ -13108,138 +13752,16 @@
             <a:pPr marL="0" indent="0">
               <a:buNone/>
             </a:pPr>
-            <a:endParaRPr lang="en-US" sz="3400" dirty="0" smtClean="0"/>
-          </a:p>
-          <a:p>
-            <a:pPr marL="0" indent="0">
-              <a:buNone/>
-            </a:pPr>
-            <a:r>
-              <a:rPr lang="en-US" sz="3400" dirty="0" err="1" smtClean="0"/>
-              <a:t>db.movies.find</a:t>
-            </a:r>
-            <a:r>
-              <a:rPr lang="en-US" sz="3400" dirty="0"/>
-              <a:t>({actors: "Ian </a:t>
-            </a:r>
-            <a:r>
-              <a:rPr lang="en-US" sz="3400" dirty="0" err="1"/>
-              <a:t>McKellen</a:t>
-            </a:r>
-            <a:r>
-              <a:rPr lang="en-US" sz="3400" dirty="0"/>
-              <a:t>"}, {title: </a:t>
-            </a:r>
             <a:r>
               <a:rPr lang="en-US" sz="3400" dirty="0" smtClean="0"/>
-              <a:t>1, _id: 0})</a:t>
-            </a:r>
-            <a:endParaRPr lang="en-US" sz="3400" dirty="0"/>
-          </a:p>
-          <a:p>
-            <a:pPr marL="514350" indent="-514350">
-              <a:buAutoNum type="arabicPeriod"/>
-            </a:pPr>
-            <a:endParaRPr lang="en-US" sz="3400" dirty="0" smtClean="0">
-              <a:ea typeface="Arial Unicode MS" panose="020B0604020202020204" pitchFamily="34" charset="-128"/>
-              <a:cs typeface="Arial Unicode MS" panose="020B0604020202020204" pitchFamily="34" charset="-128"/>
-            </a:endParaRPr>
-          </a:p>
-          <a:p>
-            <a:pPr marL="0" indent="0">
-              <a:buNone/>
-            </a:pPr>
-            <a:r>
-              <a:rPr lang="en-US" sz="3400" dirty="0" smtClean="0">
-                <a:ea typeface="Arial Unicode MS" panose="020B0604020202020204" pitchFamily="34" charset="-128"/>
-                <a:cs typeface="Arial Unicode MS" panose="020B0604020202020204" pitchFamily="34" charset="-128"/>
-              </a:rPr>
-              <a:t>2. List the names of directors for all </a:t>
-            </a:r>
-            <a:r>
-              <a:rPr lang="en-US" sz="3400" dirty="0" smtClean="0">
-                <a:ea typeface="Arial Unicode MS" panose="020B0604020202020204" pitchFamily="34" charset="-128"/>
-                <a:cs typeface="Arial Unicode MS" panose="020B0604020202020204" pitchFamily="34" charset="-128"/>
-              </a:rPr>
-              <a:t>movies</a:t>
-            </a:r>
-          </a:p>
-          <a:p>
-            <a:pPr marL="0" indent="0">
-              <a:buNone/>
-            </a:pPr>
-            <a:endParaRPr lang="en-US" sz="3400" dirty="0" smtClean="0">
-              <a:ea typeface="Arial Unicode MS" panose="020B0604020202020204" pitchFamily="34" charset="-128"/>
-              <a:cs typeface="Arial Unicode MS" panose="020B0604020202020204" pitchFamily="34" charset="-128"/>
-            </a:endParaRPr>
-          </a:p>
-          <a:p>
-            <a:pPr marL="0" indent="0">
-              <a:buNone/>
-            </a:pPr>
-            <a:r>
-              <a:rPr lang="en-US" sz="3400" dirty="0" err="1"/>
-              <a:t>db.movies.find</a:t>
-            </a:r>
-            <a:r>
-              <a:rPr lang="en-US" sz="3400" dirty="0"/>
-              <a:t>({},{"details.director":1, _id: 0})</a:t>
-            </a:r>
-          </a:p>
-          <a:p>
-            <a:pPr marL="0" indent="0">
-              <a:buNone/>
-            </a:pPr>
-            <a:endParaRPr lang="en-US" sz="3400" dirty="0" smtClean="0">
-              <a:ea typeface="Arial Unicode MS" panose="020B0604020202020204" pitchFamily="34" charset="-128"/>
-              <a:cs typeface="Arial Unicode MS" panose="020B0604020202020204" pitchFamily="34" charset="-128"/>
-            </a:endParaRPr>
-          </a:p>
-          <a:p>
-            <a:pPr marL="0" indent="0">
-              <a:buNone/>
-            </a:pPr>
-            <a:r>
-              <a:rPr lang="en-US" sz="3400" dirty="0" smtClean="0">
-                <a:ea typeface="Arial Unicode MS" panose="020B0604020202020204" pitchFamily="34" charset="-128"/>
-                <a:cs typeface="Arial Unicode MS" panose="020B0604020202020204" pitchFamily="34" charset="-128"/>
-              </a:rPr>
-              <a:t>3. List the title and </a:t>
-            </a:r>
-            <a:r>
-              <a:rPr lang="en-US" sz="3400" dirty="0" err="1" smtClean="0">
-                <a:ea typeface="Arial Unicode MS" panose="020B0604020202020204" pitchFamily="34" charset="-128"/>
-                <a:cs typeface="Arial Unicode MS" panose="020B0604020202020204" pitchFamily="34" charset="-128"/>
-              </a:rPr>
-              <a:t>imdbRating</a:t>
-            </a:r>
-            <a:r>
-              <a:rPr lang="en-US" sz="3400" dirty="0" smtClean="0">
-                <a:ea typeface="Arial Unicode MS" panose="020B0604020202020204" pitchFamily="34" charset="-128"/>
-                <a:cs typeface="Arial Unicode MS" panose="020B0604020202020204" pitchFamily="34" charset="-128"/>
-              </a:rPr>
-              <a:t> for movies since 2000 or that have a rating greater than 8</a:t>
-            </a:r>
-            <a:endParaRPr lang="en-US" sz="3400" dirty="0">
-              <a:ea typeface="Arial Unicode MS" panose="020B0604020202020204" pitchFamily="34" charset="-128"/>
-              <a:cs typeface="Arial Unicode MS" panose="020B0604020202020204" pitchFamily="34" charset="-128"/>
-            </a:endParaRPr>
-          </a:p>
-          <a:p>
-            <a:pPr marL="0" indent="0">
-              <a:buNone/>
-            </a:pPr>
-            <a:endParaRPr lang="en-US" sz="3400" dirty="0" smtClean="0">
-              <a:ea typeface="Arial Unicode MS" panose="020B0604020202020204" pitchFamily="34" charset="-128"/>
-              <a:cs typeface="Arial Unicode MS" panose="020B0604020202020204" pitchFamily="34" charset="-128"/>
-            </a:endParaRPr>
-          </a:p>
-          <a:p>
-            <a:pPr marL="0" indent="0">
-              <a:buNone/>
-            </a:pPr>
-            <a:r>
-              <a:rPr lang="en-US" sz="3400" b="1" dirty="0" err="1"/>
+              <a:t>&gt;</a:t>
+            </a:r>
+            <a:r>
+              <a:rPr lang="en-US" sz="3400" b="1" dirty="0" smtClean="0"/>
+              <a:t> </a:t>
+            </a:r>
+            <a:r>
+              <a:rPr lang="en-US" sz="3400" b="1" dirty="0" err="1" smtClean="0"/>
               <a:t>db.movies.find</a:t>
             </a:r>
             <a:r>
@@ -13252,7 +13774,7 @@
             </a:r>
             <a:r>
               <a:rPr lang="en-US" sz="3400" b="1" dirty="0"/>
-              <a:t>": {$</a:t>
+              <a:t>":{$</a:t>
             </a:r>
             <a:r>
               <a:rPr lang="en-US" sz="3400" b="1" dirty="0" err="1"/>
@@ -13260,7 +13782,17 @@
             </a:r>
             <a:r>
               <a:rPr lang="en-US" sz="3400" b="1" dirty="0"/>
-              <a:t>: 2000}}, {</a:t>
+              <a:t>: 2000}}, </a:t>
+            </a:r>
+            <a:endParaRPr lang="en-US" sz="3400" b="1" dirty="0" smtClean="0"/>
+          </a:p>
+          <a:p>
+            <a:pPr marL="0" indent="0">
+              <a:buNone/>
+            </a:pPr>
+            <a:r>
+              <a:rPr lang="en-US" sz="3400" b="1" dirty="0" smtClean="0"/>
+              <a:t>			    {</a:t>
             </a:r>
             <a:r>
               <a:rPr lang="en-US" sz="3400" b="1" dirty="0" err="1"/>
@@ -13278,9 +13810,19 @@
               <a:rPr lang="en-US" sz="3400" b="1" dirty="0"/>
               <a:t>: 8}}]}, </a:t>
             </a:r>
+            <a:endParaRPr lang="en-US" sz="3400" b="1" dirty="0" smtClean="0"/>
+          </a:p>
+          <a:p>
+            <a:pPr marL="0" indent="0">
+              <a:buNone/>
+            </a:pPr>
+            <a:r>
+              <a:rPr lang="en-US" sz="3400" b="1" dirty="0"/>
+              <a:t> </a:t>
+            </a:r>
             <a:r>
               <a:rPr lang="en-US" sz="3400" b="1" dirty="0" smtClean="0"/>
-              <a:t> {</a:t>
+              <a:t>                               {</a:t>
             </a:r>
             <a:r>
               <a:rPr lang="en-US" sz="3400" b="1" dirty="0"/>
@@ -13292,7 +13834,92 @@
             </a:r>
             <a:r>
               <a:rPr lang="en-US" sz="3400" b="1" dirty="0"/>
-              <a:t>: 1, _id: 0})</a:t>
+              <a:t>: 1, _id</a:t>
+            </a:r>
+            <a:r>
+              <a:rPr lang="en-US" sz="3400" b="1" dirty="0" smtClean="0"/>
+              <a:t>:  </a:t>
+            </a:r>
+            <a:r>
+              <a:rPr lang="en-US" sz="3400" b="1" dirty="0"/>
+              <a:t>0})</a:t>
+            </a:r>
+          </a:p>
+          <a:p>
+            <a:pPr marL="0" indent="0">
+              <a:buNone/>
+            </a:pPr>
+            <a:r>
+              <a:rPr lang="en-US" sz="2900" dirty="0"/>
+              <a:t>{ "title" : "The Lord of the Rings: The Fellowship of the Ring", "</a:t>
+            </a:r>
+            <a:r>
+              <a:rPr lang="en-US" sz="2900" dirty="0" err="1"/>
+              <a:t>imdbRating</a:t>
+            </a:r>
+            <a:r>
+              <a:rPr lang="en-US" sz="2900" dirty="0"/>
+              <a:t>" : 8.8 }</a:t>
+            </a:r>
+          </a:p>
+          <a:p>
+            <a:pPr marL="0" indent="0">
+              <a:buNone/>
+            </a:pPr>
+            <a:r>
+              <a:rPr lang="en-US" sz="2900" dirty="0"/>
+              <a:t>{ "title" : "Wonder Woman", "</a:t>
+            </a:r>
+            <a:r>
+              <a:rPr lang="en-US" sz="2900" dirty="0" err="1"/>
+              <a:t>imdbRating</a:t>
+            </a:r>
+            <a:r>
+              <a:rPr lang="en-US" sz="2900" dirty="0"/>
+              <a:t>" : 8.4 }</a:t>
+            </a:r>
+          </a:p>
+          <a:p>
+            <a:pPr marL="0" indent="0">
+              <a:buNone/>
+            </a:pPr>
+            <a:r>
+              <a:rPr lang="en-US" sz="2900" dirty="0"/>
+              <a:t>{ "title" : "Star Wars: Episode IV - A New Hope", "</a:t>
+            </a:r>
+            <a:r>
+              <a:rPr lang="en-US" sz="2900" dirty="0" err="1"/>
+              <a:t>imdbRating</a:t>
+            </a:r>
+            <a:r>
+              <a:rPr lang="en-US" sz="2900" dirty="0"/>
+              <a:t>" : 8.7 }</a:t>
+            </a:r>
+          </a:p>
+          <a:p>
+            <a:pPr marL="0" indent="0">
+              <a:buNone/>
+            </a:pPr>
+            <a:r>
+              <a:rPr lang="en-US" sz="2900" dirty="0"/>
+              <a:t>{ "title" : "The Avengers", "</a:t>
+            </a:r>
+            <a:r>
+              <a:rPr lang="en-US" sz="2900" dirty="0" err="1"/>
+              <a:t>imdbRating</a:t>
+            </a:r>
+            <a:r>
+              <a:rPr lang="en-US" sz="2900" dirty="0"/>
+              <a:t>" : 8.1 }</a:t>
+            </a:r>
+          </a:p>
+          <a:p>
+            <a:pPr marL="0" indent="0">
+              <a:buNone/>
+            </a:pPr>
+            <a:r>
+              <a:rPr lang="en-US" sz="2900" dirty="0"/>
+              <a:t>&gt;</a:t>
             </a:r>
           </a:p>
           <a:p>
@@ -13622,25 +14249,52 @@
                 <a:ea typeface="Arial Unicode MS" panose="020B0604020202020204" pitchFamily="34" charset="-128"/>
                 <a:cs typeface="Arial Unicode MS" panose="020B0604020202020204" pitchFamily="34" charset="-128"/>
               </a:rPr>
-              <a:t>({title: "The Incredibles"}, </a:t>
-            </a:r>
-            <a:endParaRPr lang="en-US" sz="2400" b="1" dirty="0" smtClean="0">
-              <a:latin typeface="Arial Unicode MS" panose="020B0604020202020204" pitchFamily="34" charset="-128"/>
-              <a:ea typeface="Arial Unicode MS" panose="020B0604020202020204" pitchFamily="34" charset="-128"/>
-              <a:cs typeface="Arial Unicode MS" panose="020B0604020202020204" pitchFamily="34" charset="-128"/>
-            </a:endParaRPr>
-          </a:p>
-          <a:p>
-            <a:pPr marL="0" indent="0">
-              <a:buNone/>
-            </a:pPr>
+              <a:t>({title: </a:t>
+            </a:r>
+            <a:r>
+              <a:rPr lang="en-US" sz="2400" b="1" dirty="0" smtClean="0">
+                <a:latin typeface="Arial Unicode MS" panose="020B0604020202020204" pitchFamily="34" charset="-128"/>
+                <a:ea typeface="Arial Unicode MS" panose="020B0604020202020204" pitchFamily="34" charset="-128"/>
+                <a:cs typeface="Arial Unicode MS" panose="020B0604020202020204" pitchFamily="34" charset="-128"/>
+              </a:rPr>
+              <a:t>“Batman"}, </a:t>
+            </a:r>
+          </a:p>
+          <a:p>
+            <a:pPr marL="0" indent="0">
+              <a:buNone/>
+            </a:pPr>
+            <a:r>
+              <a:rPr lang="en-US" sz="2400" b="1" dirty="0" smtClean="0">
+                <a:latin typeface="Arial Unicode MS" panose="020B0604020202020204" pitchFamily="34" charset="-128"/>
+                <a:ea typeface="Arial Unicode MS" panose="020B0604020202020204" pitchFamily="34" charset="-128"/>
+                <a:cs typeface="Arial Unicode MS" panose="020B0604020202020204" pitchFamily="34" charset="-128"/>
+              </a:rPr>
+              <a:t>         </a:t>
+            </a:r>
             <a:r>
               <a:rPr lang="en-US" sz="2400" b="1" dirty="0">
                 <a:latin typeface="Arial Unicode MS" panose="020B0604020202020204" pitchFamily="34" charset="-128"/>
                 <a:ea typeface="Arial Unicode MS" panose="020B0604020202020204" pitchFamily="34" charset="-128"/>
                 <a:cs typeface="Arial Unicode MS" panose="020B0604020202020204" pitchFamily="34" charset="-128"/>
               </a:rPr>
-              <a:t> </a:t>
+              <a:t>{$set: {</a:t>
+            </a:r>
+            <a:r>
+              <a:rPr lang="en-US" sz="2400" b="1" dirty="0" err="1">
+                <a:latin typeface="Arial Unicode MS" panose="020B0604020202020204" pitchFamily="34" charset="-128"/>
+                <a:ea typeface="Arial Unicode MS" panose="020B0604020202020204" pitchFamily="34" charset="-128"/>
+                <a:cs typeface="Arial Unicode MS" panose="020B0604020202020204" pitchFamily="34" charset="-128"/>
+              </a:rPr>
+              <a:t>boxOffice</a:t>
+            </a:r>
+            <a:r>
+              <a:rPr lang="en-US" sz="2400" b="1" dirty="0">
+                <a:latin typeface="Arial Unicode MS" panose="020B0604020202020204" pitchFamily="34" charset="-128"/>
+                <a:ea typeface="Arial Unicode MS" panose="020B0604020202020204" pitchFamily="34" charset="-128"/>
+                <a:cs typeface="Arial Unicode MS" panose="020B0604020202020204" pitchFamily="34" charset="-128"/>
+              </a:rPr>
+              <a:t>: “$</a:t>
             </a:r>
             <a:r>
               <a:rPr lang="en-US" sz="2400" b="1" dirty="0" smtClean="0">
@@ -13648,41 +14302,9 @@
                 <a:ea typeface="Arial Unicode MS" panose="020B0604020202020204" pitchFamily="34" charset="-128"/>
                 <a:cs typeface="Arial Unicode MS" panose="020B0604020202020204" pitchFamily="34" charset="-128"/>
               </a:rPr>
-              <a:t>        {</a:t>
-            </a:r>
-            <a:r>
-              <a:rPr lang="en-US" sz="2400" b="1" dirty="0">
-                <a:latin typeface="Arial Unicode MS" panose="020B0604020202020204" pitchFamily="34" charset="-128"/>
-                <a:ea typeface="Arial Unicode MS" panose="020B0604020202020204" pitchFamily="34" charset="-128"/>
-                <a:cs typeface="Arial Unicode MS" panose="020B0604020202020204" pitchFamily="34" charset="-128"/>
-              </a:rPr>
-              <a:t>$set: {</a:t>
-            </a:r>
-            <a:r>
-              <a:rPr lang="en-US" sz="2400" b="1" dirty="0" err="1">
-                <a:latin typeface="Arial Unicode MS" panose="020B0604020202020204" pitchFamily="34" charset="-128"/>
-                <a:ea typeface="Arial Unicode MS" panose="020B0604020202020204" pitchFamily="34" charset="-128"/>
-                <a:cs typeface="Arial Unicode MS" panose="020B0604020202020204" pitchFamily="34" charset="-128"/>
-              </a:rPr>
-              <a:t>boxOffice</a:t>
-            </a:r>
-            <a:r>
-              <a:rPr lang="en-US" sz="2400" b="1" dirty="0">
-                <a:latin typeface="Arial Unicode MS" panose="020B0604020202020204" pitchFamily="34" charset="-128"/>
-                <a:ea typeface="Arial Unicode MS" panose="020B0604020202020204" pitchFamily="34" charset="-128"/>
-                <a:cs typeface="Arial Unicode MS" panose="020B0604020202020204" pitchFamily="34" charset="-128"/>
-              </a:rPr>
-              <a:t>: "$261,441,092</a:t>
-            </a:r>
-            <a:r>
-              <a:rPr lang="en-US" sz="2400" b="1" dirty="0" smtClean="0">
-                <a:latin typeface="Arial Unicode MS" panose="020B0604020202020204" pitchFamily="34" charset="-128"/>
-                <a:ea typeface="Arial Unicode MS" panose="020B0604020202020204" pitchFamily="34" charset="-128"/>
-                <a:cs typeface="Arial Unicode MS" panose="020B0604020202020204" pitchFamily="34" charset="-128"/>
-              </a:rPr>
-              <a:t>"}})</a:t>
-            </a:r>
-            <a:endParaRPr lang="en-US" sz="2400" b="1" dirty="0">
+              <a:t>251,188,924"}})</a:t>
+            </a:r>
+            <a:endParaRPr lang="en-US" sz="2400" b="1" dirty="0" smtClean="0">
               <a:latin typeface="Arial Unicode MS" panose="020B0604020202020204" pitchFamily="34" charset="-128"/>
               <a:ea typeface="Arial Unicode MS" panose="020B0604020202020204" pitchFamily="34" charset="-128"/>
               <a:cs typeface="Arial Unicode MS" panose="020B0604020202020204" pitchFamily="34" charset="-128"/>
@@ -13764,6 +14386,27 @@
               <a:buNone/>
             </a:pPr>
             <a:r>
+              <a:rPr lang="en-US" sz="2400" b="1" dirty="0">
+                <a:latin typeface="Arial Unicode MS" panose="020B0604020202020204" pitchFamily="34" charset="-128"/>
+                <a:ea typeface="Arial Unicode MS" panose="020B0604020202020204" pitchFamily="34" charset="-128"/>
+                <a:cs typeface="Arial Unicode MS" panose="020B0604020202020204" pitchFamily="34" charset="-128"/>
+              </a:rPr>
+              <a:t>$push		</a:t>
+            </a:r>
+            <a:r>
+              <a:rPr lang="en-US" sz="2400" dirty="0">
+                <a:latin typeface="Arial Unicode MS" panose="020B0604020202020204" pitchFamily="34" charset="-128"/>
+                <a:ea typeface="Arial Unicode MS" panose="020B0604020202020204" pitchFamily="34" charset="-128"/>
+                <a:cs typeface="Arial Unicode MS" panose="020B0604020202020204" pitchFamily="34" charset="-128"/>
+              </a:rPr>
+              <a:t>Adds an item to an array.</a:t>
+            </a:r>
+          </a:p>
+          <a:p>
+            <a:pPr marL="0" indent="0">
+              <a:buNone/>
+            </a:pPr>
+            <a:r>
               <a:rPr lang="en-US" sz="2400" b="1" dirty="0" smtClean="0">
                 <a:latin typeface="Arial Unicode MS" panose="020B0604020202020204" pitchFamily="34" charset="-128"/>
                 <a:ea typeface="Arial Unicode MS" panose="020B0604020202020204" pitchFamily="34" charset="-128"/>
@@ -13796,73 +14439,25 @@
               <a:t>Removes </a:t>
             </a:r>
             <a:r>
-              <a:rPr lang="en-US" sz="2400" dirty="0">
-                <a:latin typeface="Arial Unicode MS" panose="020B0604020202020204" pitchFamily="34" charset="-128"/>
-                <a:ea typeface="Arial Unicode MS" panose="020B0604020202020204" pitchFamily="34" charset="-128"/>
-                <a:cs typeface="Arial Unicode MS" panose="020B0604020202020204" pitchFamily="34" charset="-128"/>
-              </a:rPr>
-              <a:t>the first or last item of an array.</a:t>
-            </a:r>
-          </a:p>
-          <a:p>
-            <a:pPr marL="0" indent="0">
-              <a:buNone/>
-            </a:pPr>
-            <a:r>
-              <a:rPr lang="en-US" sz="2400" b="1" dirty="0" smtClean="0">
-                <a:latin typeface="Arial Unicode MS" panose="020B0604020202020204" pitchFamily="34" charset="-128"/>
-                <a:ea typeface="Arial Unicode MS" panose="020B0604020202020204" pitchFamily="34" charset="-128"/>
-                <a:cs typeface="Arial Unicode MS" panose="020B0604020202020204" pitchFamily="34" charset="-128"/>
-              </a:rPr>
-              <a:t>$</a:t>
-            </a:r>
-            <a:r>
-              <a:rPr lang="en-US" sz="2400" b="1" dirty="0">
-                <a:latin typeface="Arial Unicode MS" panose="020B0604020202020204" pitchFamily="34" charset="-128"/>
-                <a:ea typeface="Arial Unicode MS" panose="020B0604020202020204" pitchFamily="34" charset="-128"/>
-                <a:cs typeface="Arial Unicode MS" panose="020B0604020202020204" pitchFamily="34" charset="-128"/>
-              </a:rPr>
-              <a:t>push	</a:t>
-            </a:r>
-            <a:r>
-              <a:rPr lang="en-US" sz="2400" b="1" dirty="0" smtClean="0">
-                <a:latin typeface="Arial Unicode MS" panose="020B0604020202020204" pitchFamily="34" charset="-128"/>
-                <a:ea typeface="Arial Unicode MS" panose="020B0604020202020204" pitchFamily="34" charset="-128"/>
-                <a:cs typeface="Arial Unicode MS" panose="020B0604020202020204" pitchFamily="34" charset="-128"/>
-              </a:rPr>
-              <a:t>	</a:t>
-            </a:r>
-            <a:r>
               <a:rPr lang="en-US" sz="2400" dirty="0" smtClean="0">
                 <a:latin typeface="Arial Unicode MS" panose="020B0604020202020204" pitchFamily="34" charset="-128"/>
                 <a:ea typeface="Arial Unicode MS" panose="020B0604020202020204" pitchFamily="34" charset="-128"/>
                 <a:cs typeface="Arial Unicode MS" panose="020B0604020202020204" pitchFamily="34" charset="-128"/>
               </a:rPr>
-              <a:t>Adds </a:t>
-            </a:r>
-            <a:r>
-              <a:rPr lang="en-US" sz="2400" dirty="0">
-                <a:latin typeface="Arial Unicode MS" panose="020B0604020202020204" pitchFamily="34" charset="-128"/>
-                <a:ea typeface="Arial Unicode MS" panose="020B0604020202020204" pitchFamily="34" charset="-128"/>
-                <a:cs typeface="Arial Unicode MS" panose="020B0604020202020204" pitchFamily="34" charset="-128"/>
-              </a:rPr>
-              <a:t>an item to an array</a:t>
-            </a:r>
-            <a:r>
-              <a:rPr lang="en-US" sz="2400" dirty="0" smtClean="0">
-                <a:latin typeface="Arial Unicode MS" panose="020B0604020202020204" pitchFamily="34" charset="-128"/>
-                <a:ea typeface="Arial Unicode MS" panose="020B0604020202020204" pitchFamily="34" charset="-128"/>
-                <a:cs typeface="Arial Unicode MS" panose="020B0604020202020204" pitchFamily="34" charset="-128"/>
-              </a:rPr>
-              <a:t>.</a:t>
-            </a:r>
-          </a:p>
-          <a:p>
-            <a:pPr marL="0" indent="0">
-              <a:buNone/>
-            </a:pPr>
-            <a:r>
-              <a:rPr lang="en-US" sz="2400" b="1" dirty="0">
+              <a:t>an item.</a:t>
+            </a:r>
+            <a:endParaRPr lang="en-US" sz="2400" dirty="0">
+              <a:latin typeface="Arial Unicode MS" panose="020B0604020202020204" pitchFamily="34" charset="-128"/>
+              <a:ea typeface="Arial Unicode MS" panose="020B0604020202020204" pitchFamily="34" charset="-128"/>
+              <a:cs typeface="Arial Unicode MS" panose="020B0604020202020204" pitchFamily="34" charset="-128"/>
+            </a:endParaRPr>
+          </a:p>
+          <a:p>
+            <a:pPr marL="0" indent="0">
+              <a:buNone/>
+            </a:pPr>
+            <a:r>
+              <a:rPr lang="en-US" sz="2400" b="1" dirty="0" smtClean="0">
                 <a:latin typeface="Arial Unicode MS" panose="020B0604020202020204" pitchFamily="34" charset="-128"/>
                 <a:ea typeface="Arial Unicode MS" panose="020B0604020202020204" pitchFamily="34" charset="-128"/>
                 <a:cs typeface="Arial Unicode MS" panose="020B0604020202020204" pitchFamily="34" charset="-128"/>
@@ -13985,7 +14580,7 @@
         <p:spPr/>
         <p:txBody>
           <a:bodyPr>
-            <a:normAutofit/>
+            <a:normAutofit lnSpcReduction="10000"/>
           </a:bodyPr>
           <a:lstStyle/>
           <a:p>
@@ -13997,39 +14592,35 @@
                 <a:ea typeface="Arial Unicode MS" panose="020B0604020202020204" pitchFamily="34" charset="-128"/>
                 <a:cs typeface="Arial Unicode MS" panose="020B0604020202020204" pitchFamily="34" charset="-128"/>
               </a:rPr>
-              <a:t>1. Add </a:t>
+              <a:t>1. Add a </a:t>
+            </a:r>
+            <a:r>
+              <a:rPr lang="en-US" sz="2800" dirty="0" err="1" smtClean="0">
+                <a:ea typeface="Arial Unicode MS" panose="020B0604020202020204" pitchFamily="34" charset="-128"/>
+                <a:cs typeface="Arial Unicode MS" panose="020B0604020202020204" pitchFamily="34" charset="-128"/>
+              </a:rPr>
+              <a:t>boxOffice</a:t>
             </a:r>
             <a:r>
               <a:rPr lang="en-US" sz="2800" dirty="0" smtClean="0">
                 <a:ea typeface="Arial Unicode MS" panose="020B0604020202020204" pitchFamily="34" charset="-128"/>
                 <a:cs typeface="Arial Unicode MS" panose="020B0604020202020204" pitchFamily="34" charset="-128"/>
               </a:rPr>
-              <a:t>a </a:t>
-            </a:r>
-            <a:r>
-              <a:rPr lang="en-US" sz="2800" dirty="0" err="1" smtClean="0">
-                <a:ea typeface="Arial Unicode MS" panose="020B0604020202020204" pitchFamily="34" charset="-128"/>
-                <a:cs typeface="Arial Unicode MS" panose="020B0604020202020204" pitchFamily="34" charset="-128"/>
-              </a:rPr>
-              <a:t>boxOffice</a:t>
+              <a:t> of value of </a:t>
+            </a:r>
+            <a:r>
+              <a:rPr lang="en-US" sz="2800" dirty="0">
+                <a:ea typeface="Arial Unicode MS" panose="020B0604020202020204" pitchFamily="34" charset="-128"/>
+                <a:cs typeface="Arial Unicode MS" panose="020B0604020202020204" pitchFamily="34" charset="-128"/>
+              </a:rPr>
+              <a:t>"$261,441,092 </a:t>
             </a:r>
             <a:r>
               <a:rPr lang="en-US" sz="2800" dirty="0" smtClean="0">
                 <a:ea typeface="Arial Unicode MS" panose="020B0604020202020204" pitchFamily="34" charset="-128"/>
                 <a:cs typeface="Arial Unicode MS" panose="020B0604020202020204" pitchFamily="34" charset="-128"/>
               </a:rPr>
-              <a:t> of value of </a:t>
-            </a:r>
-            <a:r>
-              <a:rPr lang="en-US" sz="2800" dirty="0" smtClean="0"/>
-              <a:t>$251,188,924</a:t>
-            </a:r>
-            <a:r>
-              <a:rPr lang="en-US" sz="2800" dirty="0" smtClean="0">
-                <a:ea typeface="Arial Unicode MS" panose="020B0604020202020204" pitchFamily="34" charset="-128"/>
-                <a:cs typeface="Arial Unicode MS" panose="020B0604020202020204" pitchFamily="34" charset="-128"/>
-              </a:rPr>
-              <a:t> To Batman.</a:t>
+              <a:t>to The Incredibles.</a:t>
             </a:r>
           </a:p>
           <a:p>
@@ -14047,14 +14638,7 @@
                 <a:ea typeface="Arial Unicode MS" panose="020B0604020202020204" pitchFamily="34" charset="-128"/>
                 <a:cs typeface="Arial Unicode MS" panose="020B0604020202020204" pitchFamily="34" charset="-128"/>
               </a:rPr>
-              <a:t>2. Add </a:t>
-            </a:r>
-            <a:r>
-              <a:rPr lang="en-US" sz="2800" dirty="0" smtClean="0">
-                <a:ea typeface="Arial Unicode MS" panose="020B0604020202020204" pitchFamily="34" charset="-128"/>
-                <a:cs typeface="Arial Unicode MS" panose="020B0604020202020204" pitchFamily="34" charset="-128"/>
-              </a:rPr>
-              <a:t>“Jack </a:t>
+              <a:t>2. Add “Jack </a:t>
             </a:r>
             <a:r>
               <a:rPr lang="en-US" sz="2800" dirty="0" err="1" smtClean="0">
@@ -14089,21 +14673,7 @@
                 <a:ea typeface="Arial Unicode MS" panose="020B0604020202020204" pitchFamily="34" charset="-128"/>
                 <a:cs typeface="Arial Unicode MS" panose="020B0604020202020204" pitchFamily="34" charset="-128"/>
               </a:rPr>
-              <a:t>3. </a:t>
-            </a:r>
-            <a:r>
-              <a:rPr lang="en-US" sz="2800" dirty="0" smtClean="0">
-                <a:ea typeface="Arial Unicode MS" panose="020B0604020202020204" pitchFamily="34" charset="-128"/>
-                <a:cs typeface="Arial Unicode MS" panose="020B0604020202020204" pitchFamily="34" charset="-128"/>
-              </a:rPr>
-              <a:t>Add </a:t>
-            </a:r>
-            <a:r>
-              <a:rPr lang="en-US" sz="2800" dirty="0" smtClean="0">
-                <a:ea typeface="Arial Unicode MS" panose="020B0604020202020204" pitchFamily="34" charset="-128"/>
-                <a:cs typeface="Arial Unicode MS" panose="020B0604020202020204" pitchFamily="34" charset="-128"/>
-              </a:rPr>
-              <a:t>“Action” to the genre for “The Incredibles”.  </a:t>
+              <a:t>3. Add “Action” to the genre for “The Incredibles”.  </a:t>
             </a:r>
             <a:endParaRPr lang="en-US" sz="1600" dirty="0">
               <a:ea typeface="Arial Unicode MS" panose="020B0604020202020204" pitchFamily="34" charset="-128"/>
@@ -14151,8 +14721,19 @@
                 <a:ea typeface="Arial Unicode MS" panose="020B0604020202020204" pitchFamily="34" charset="-128"/>
                 <a:cs typeface="Arial Unicode MS" panose="020B0604020202020204" pitchFamily="34" charset="-128"/>
               </a:rPr>
-              <a:t>({title: "The Incredibles"}, </a:t>
-            </a:r>
+              <a:t>({title: </a:t>
+            </a:r>
+            <a:r>
+              <a:rPr lang="en-US" sz="2400" dirty="0" smtClean="0">
+                <a:ea typeface="Arial Unicode MS" panose="020B0604020202020204" pitchFamily="34" charset="-128"/>
+                <a:cs typeface="Arial Unicode MS" panose="020B0604020202020204" pitchFamily="34" charset="-128"/>
+              </a:rPr>
+              <a:t>“Batman"}, </a:t>
+            </a:r>
+            <a:endParaRPr lang="en-US" sz="2400" dirty="0">
+              <a:ea typeface="Arial Unicode MS" panose="020B0604020202020204" pitchFamily="34" charset="-128"/>
+              <a:cs typeface="Arial Unicode MS" panose="020B0604020202020204" pitchFamily="34" charset="-128"/>
+            </a:endParaRPr>
           </a:p>
           <a:p>
             <a:pPr marL="0" indent="0">
@@ -14177,19 +14758,66 @@
                 <a:ea typeface="Arial Unicode MS" panose="020B0604020202020204" pitchFamily="34" charset="-128"/>
                 <a:cs typeface="Arial Unicode MS" panose="020B0604020202020204" pitchFamily="34" charset="-128"/>
               </a:rPr>
-              <a:t>: "$261,441,092"}})</a:t>
-            </a:r>
-          </a:p>
-          <a:p>
-            <a:pPr marL="0" indent="0">
-              <a:buNone/>
-            </a:pPr>
+              <a:t>: </a:t>
+            </a:r>
             <a:r>
               <a:rPr lang="en-US" sz="2400" dirty="0" smtClean="0">
                 <a:ea typeface="Arial Unicode MS" panose="020B0604020202020204" pitchFamily="34" charset="-128"/>
                 <a:cs typeface="Arial Unicode MS" panose="020B0604020202020204" pitchFamily="34" charset="-128"/>
               </a:rPr>
-              <a:t>Operators: $set, $</a:t>
+              <a:t>“</a:t>
+            </a:r>
+            <a:r>
+              <a:rPr lang="en-US" sz="2400" dirty="0" smtClean="0"/>
+              <a:t>$</a:t>
+            </a:r>
+            <a:r>
+              <a:rPr lang="en-US" sz="2400" dirty="0"/>
+              <a:t>251,188,924</a:t>
+            </a:r>
+            <a:r>
+              <a:rPr lang="en-US" sz="2400" dirty="0" smtClean="0">
+                <a:ea typeface="Arial Unicode MS" panose="020B0604020202020204" pitchFamily="34" charset="-128"/>
+                <a:cs typeface="Arial Unicode MS" panose="020B0604020202020204" pitchFamily="34" charset="-128"/>
+              </a:rPr>
+              <a:t>"}})</a:t>
+            </a:r>
+            <a:endParaRPr lang="en-US" sz="2400" dirty="0">
+              <a:ea typeface="Arial Unicode MS" panose="020B0604020202020204" pitchFamily="34" charset="-128"/>
+              <a:cs typeface="Arial Unicode MS" panose="020B0604020202020204" pitchFamily="34" charset="-128"/>
+            </a:endParaRPr>
+          </a:p>
+          <a:p>
+            <a:pPr marL="0" indent="0">
+              <a:buNone/>
+            </a:pPr>
+            <a:r>
+              <a:rPr lang="en-US" sz="2400" dirty="0" smtClean="0">
+                <a:ea typeface="Arial Unicode MS" panose="020B0604020202020204" pitchFamily="34" charset="-128"/>
+                <a:cs typeface="Arial Unicode MS" panose="020B0604020202020204" pitchFamily="34" charset="-128"/>
+              </a:rPr>
+              <a:t>Operators: $set, </a:t>
+            </a:r>
+            <a:r>
+              <a:rPr lang="en-US" sz="2400" dirty="0">
+                <a:ea typeface="Arial Unicode MS" panose="020B0604020202020204" pitchFamily="34" charset="-128"/>
+                <a:cs typeface="Arial Unicode MS" panose="020B0604020202020204" pitchFamily="34" charset="-128"/>
+              </a:rPr>
+              <a:t>$push, $</a:t>
+            </a:r>
+            <a:r>
+              <a:rPr lang="en-US" sz="2400" dirty="0" smtClean="0">
+                <a:ea typeface="Arial Unicode MS" panose="020B0604020202020204" pitchFamily="34" charset="-128"/>
+                <a:cs typeface="Arial Unicode MS" panose="020B0604020202020204" pitchFamily="34" charset="-128"/>
+              </a:rPr>
+              <a:t>pop, </a:t>
+            </a:r>
+            <a:r>
+              <a:rPr lang="en-US" sz="2400" dirty="0">
+                <a:ea typeface="Arial Unicode MS" panose="020B0604020202020204" pitchFamily="34" charset="-128"/>
+                <a:cs typeface="Arial Unicode MS" panose="020B0604020202020204" pitchFamily="34" charset="-128"/>
+              </a:rPr>
+              <a:t>$</a:t>
             </a:r>
             <a:r>
               <a:rPr lang="en-US" sz="2400" dirty="0" err="1" smtClean="0">
@@ -14197,13 +14825,6 @@
                 <a:cs typeface="Arial Unicode MS" panose="020B0604020202020204" pitchFamily="34" charset="-128"/>
               </a:rPr>
               <a:t>addToSet</a:t>
-            </a:r>
-            <a:r>
-              <a:rPr lang="en-US" sz="2400" dirty="0" smtClean="0">
-                <a:ea typeface="Arial Unicode MS" panose="020B0604020202020204" pitchFamily="34" charset="-128"/>
-                <a:cs typeface="Arial Unicode MS" panose="020B0604020202020204" pitchFamily="34" charset="-128"/>
-              </a:rPr>
-              <a:t>, $push, $pop</a:t>
             </a:r>
             <a:endParaRPr lang="en-US" sz="2400" dirty="0">
               <a:ea typeface="Arial Unicode MS" panose="020B0604020202020204" pitchFamily="34" charset="-128"/>
@@ -14291,61 +14912,50 @@
           </a:bodyPr>
           <a:lstStyle/>
           <a:p>
-            <a:pPr marL="0" indent="0">
-              <a:buNone/>
-            </a:pPr>
-            <a:r>
-              <a:rPr lang="en-US" sz="2000" dirty="0" smtClean="0">
-                <a:ea typeface="Arial Unicode MS" panose="020B0604020202020204" pitchFamily="34" charset="-128"/>
-                <a:cs typeface="Arial Unicode MS" panose="020B0604020202020204" pitchFamily="34" charset="-128"/>
-              </a:rPr>
-              <a:t>1. Add </a:t>
-            </a:r>
-            <a:r>
-              <a:rPr lang="en-US" sz="2000" dirty="0" smtClean="0">
-                <a:ea typeface="Arial Unicode MS" panose="020B0604020202020204" pitchFamily="34" charset="-128"/>
-                <a:cs typeface="Arial Unicode MS" panose="020B0604020202020204" pitchFamily="34" charset="-128"/>
-              </a:rPr>
-              <a:t>a </a:t>
-            </a:r>
-            <a:r>
-              <a:rPr lang="en-US" sz="2000" dirty="0" err="1" smtClean="0">
-                <a:ea typeface="Arial Unicode MS" panose="020B0604020202020204" pitchFamily="34" charset="-128"/>
-                <a:cs typeface="Arial Unicode MS" panose="020B0604020202020204" pitchFamily="34" charset="-128"/>
-              </a:rPr>
-              <a:t>boxOffice</a:t>
-            </a:r>
-            <a:r>
-              <a:rPr lang="en-US" sz="2000" dirty="0" smtClean="0">
-                <a:ea typeface="Arial Unicode MS" panose="020B0604020202020204" pitchFamily="34" charset="-128"/>
-                <a:cs typeface="Arial Unicode MS" panose="020B0604020202020204" pitchFamily="34" charset="-128"/>
-              </a:rPr>
-              <a:t> of value of </a:t>
-            </a:r>
-            <a:r>
-              <a:rPr lang="en-US" sz="2000" dirty="0" smtClean="0"/>
-              <a:t>$251,188,924</a:t>
-            </a:r>
-            <a:r>
-              <a:rPr lang="en-US" sz="2000" dirty="0" smtClean="0">
-                <a:ea typeface="Arial Unicode MS" panose="020B0604020202020204" pitchFamily="34" charset="-128"/>
-                <a:cs typeface="Arial Unicode MS" panose="020B0604020202020204" pitchFamily="34" charset="-128"/>
-              </a:rPr>
-              <a:t> To Batman</a:t>
-            </a:r>
-            <a:r>
-              <a:rPr lang="en-US" sz="2000" dirty="0" smtClean="0">
-                <a:ea typeface="Arial Unicode MS" panose="020B0604020202020204" pitchFamily="34" charset="-128"/>
-                <a:cs typeface="Arial Unicode MS" panose="020B0604020202020204" pitchFamily="34" charset="-128"/>
-              </a:rPr>
-              <a:t>.</a:t>
-            </a:r>
-          </a:p>
-          <a:p>
             <a:pPr marL="457200" indent="-457200">
               <a:buAutoNum type="arabicPeriod"/>
             </a:pPr>
-            <a:endParaRPr lang="en-US" sz="2000" b="1" dirty="0" smtClean="0">
+            <a:r>
+              <a:rPr lang="en-US" sz="2200" dirty="0" smtClean="0">
+                <a:ea typeface="Arial Unicode MS" panose="020B0604020202020204" pitchFamily="34" charset="-128"/>
+                <a:cs typeface="Arial Unicode MS" panose="020B0604020202020204" pitchFamily="34" charset="-128"/>
+              </a:rPr>
+              <a:t>Add a </a:t>
+            </a:r>
+            <a:r>
+              <a:rPr lang="en-US" sz="2200" dirty="0" err="1" smtClean="0">
+                <a:ea typeface="Arial Unicode MS" panose="020B0604020202020204" pitchFamily="34" charset="-128"/>
+                <a:cs typeface="Arial Unicode MS" panose="020B0604020202020204" pitchFamily="34" charset="-128"/>
+              </a:rPr>
+              <a:t>boxOffice</a:t>
+            </a:r>
+            <a:r>
+              <a:rPr lang="en-US" sz="2200" dirty="0" smtClean="0">
+                <a:ea typeface="Arial Unicode MS" panose="020B0604020202020204" pitchFamily="34" charset="-128"/>
+                <a:cs typeface="Arial Unicode MS" panose="020B0604020202020204" pitchFamily="34" charset="-128"/>
+              </a:rPr>
+              <a:t> of value of "$</a:t>
+            </a:r>
+            <a:r>
+              <a:rPr lang="en-US" sz="2200" dirty="0">
+                <a:ea typeface="Arial Unicode MS" panose="020B0604020202020204" pitchFamily="34" charset="-128"/>
+                <a:cs typeface="Arial Unicode MS" panose="020B0604020202020204" pitchFamily="34" charset="-128"/>
+              </a:rPr>
+              <a:t>261,441,092 to The Incredibles</a:t>
+            </a:r>
+            <a:r>
+              <a:rPr lang="en-US" sz="2200" dirty="0" smtClean="0">
+                <a:ea typeface="Arial Unicode MS" panose="020B0604020202020204" pitchFamily="34" charset="-128"/>
+                <a:cs typeface="Arial Unicode MS" panose="020B0604020202020204" pitchFamily="34" charset="-128"/>
+              </a:rPr>
+              <a:t>.</a:t>
+            </a:r>
+          </a:p>
+          <a:p>
+            <a:pPr marL="457200" indent="-457200">
+              <a:buAutoNum type="arabicPeriod"/>
+            </a:pPr>
+            <a:endParaRPr lang="en-US" sz="1100" dirty="0">
               <a:ea typeface="Arial Unicode MS" panose="020B0604020202020204" pitchFamily="34" charset="-128"/>
               <a:cs typeface="Arial Unicode MS" panose="020B0604020202020204" pitchFamily="34" charset="-128"/>
             </a:endParaRPr>
@@ -14355,29 +14965,42 @@
               <a:buNone/>
             </a:pPr>
             <a:r>
-              <a:rPr lang="en-US" sz="2000" b="1" dirty="0" err="1"/>
+              <a:rPr lang="en-US" sz="2200" b="1" dirty="0" err="1" smtClean="0"/>
               <a:t>db.movies.update</a:t>
             </a:r>
             <a:r>
-              <a:rPr lang="en-US" sz="2000" b="1" dirty="0"/>
+              <a:rPr lang="en-US" sz="2200" b="1" dirty="0"/>
               <a:t>({</a:t>
             </a:r>
             <a:r>
-              <a:rPr lang="en-US" sz="2000" b="1" dirty="0" err="1"/>
-              <a:t>title:"Batman</a:t>
-            </a:r>
-            <a:r>
-              <a:rPr lang="en-US" sz="2000" b="1" dirty="0"/>
-              <a:t>"},{$set: {</a:t>
-            </a:r>
-            <a:r>
-              <a:rPr lang="en-US" sz="2000" b="1" dirty="0" err="1"/>
+              <a:rPr lang="en-US" sz="2200" b="1" dirty="0" err="1"/>
+              <a:t>title</a:t>
+            </a:r>
+            <a:r>
+              <a:rPr lang="en-US" sz="2200" b="1" dirty="0" err="1" smtClean="0"/>
+              <a:t>:“The</a:t>
+            </a:r>
+            <a:r>
+              <a:rPr lang="en-US" sz="2200" b="1" dirty="0" smtClean="0"/>
+              <a:t> Incredibles"},{$</a:t>
+            </a:r>
+            <a:r>
+              <a:rPr lang="en-US" sz="2200" b="1" dirty="0"/>
+              <a:t>set: {</a:t>
+            </a:r>
+            <a:r>
+              <a:rPr lang="en-US" sz="2200" b="1" dirty="0" err="1"/>
               <a:t>boxOffice</a:t>
             </a:r>
             <a:r>
-              <a:rPr lang="en-US" sz="2000" b="1" dirty="0"/>
-              <a:t>: “$251,188,924”}})</a:t>
-            </a:r>
+              <a:rPr lang="en-US" sz="2200" b="1" dirty="0"/>
+              <a:t>: </a:t>
+            </a:r>
+            <a:r>
+              <a:rPr lang="en-US" sz="2200" b="1" dirty="0" smtClean="0"/>
+              <a:t>“$261,441,092”}})</a:t>
+            </a:r>
+            <a:endParaRPr lang="en-US" sz="2200" b="1" dirty="0"/>
           </a:p>
           <a:p>
             <a:endParaRPr lang="en-US" sz="2200" dirty="0" smtClean="0">
@@ -14475,68 +15098,36 @@
           </a:bodyPr>
           <a:lstStyle/>
           <a:p>
-            <a:pPr marL="0" indent="0">
-              <a:buNone/>
-            </a:pPr>
-            <a:r>
-              <a:rPr lang="en-US" sz="2000" dirty="0" smtClean="0">
-                <a:ea typeface="Arial Unicode MS" panose="020B0604020202020204" pitchFamily="34" charset="-128"/>
-                <a:cs typeface="Arial Unicode MS" panose="020B0604020202020204" pitchFamily="34" charset="-128"/>
-              </a:rPr>
-              <a:t>1. </a:t>
-            </a:r>
-            <a:r>
-              <a:rPr lang="en-US" sz="2000" dirty="0" smtClean="0">
-                <a:ea typeface="Arial Unicode MS" panose="020B0604020202020204" pitchFamily="34" charset="-128"/>
-                <a:cs typeface="Arial Unicode MS" panose="020B0604020202020204" pitchFamily="34" charset="-128"/>
-              </a:rPr>
-              <a:t>Add </a:t>
-            </a:r>
-            <a:r>
-              <a:rPr lang="en-US" sz="2000" dirty="0" smtClean="0">
-                <a:ea typeface="Arial Unicode MS" panose="020B0604020202020204" pitchFamily="34" charset="-128"/>
-                <a:cs typeface="Arial Unicode MS" panose="020B0604020202020204" pitchFamily="34" charset="-128"/>
-              </a:rPr>
-              <a:t>a </a:t>
-            </a:r>
-            <a:r>
-              <a:rPr lang="en-US" sz="2000" dirty="0" err="1" smtClean="0">
-                <a:ea typeface="Arial Unicode MS" panose="020B0604020202020204" pitchFamily="34" charset="-128"/>
-                <a:cs typeface="Arial Unicode MS" panose="020B0604020202020204" pitchFamily="34" charset="-128"/>
-              </a:rPr>
-              <a:t>boxOffice</a:t>
-            </a:r>
-            <a:r>
-              <a:rPr lang="en-US" sz="2000" dirty="0" smtClean="0">
-                <a:ea typeface="Arial Unicode MS" panose="020B0604020202020204" pitchFamily="34" charset="-128"/>
-                <a:cs typeface="Arial Unicode MS" panose="020B0604020202020204" pitchFamily="34" charset="-128"/>
-              </a:rPr>
-              <a:t> of value of </a:t>
-            </a:r>
-            <a:r>
-              <a:rPr lang="en-US" sz="2000" dirty="0" smtClean="0"/>
-              <a:t>$251,188,924</a:t>
-            </a:r>
-            <a:r>
-              <a:rPr lang="en-US" sz="2000" dirty="0" smtClean="0">
-                <a:ea typeface="Arial Unicode MS" panose="020B0604020202020204" pitchFamily="34" charset="-128"/>
-                <a:cs typeface="Arial Unicode MS" panose="020B0604020202020204" pitchFamily="34" charset="-128"/>
-              </a:rPr>
-              <a:t> To Batman</a:t>
-            </a:r>
-            <a:r>
-              <a:rPr lang="en-US" sz="2000" dirty="0" smtClean="0">
-                <a:ea typeface="Arial Unicode MS" panose="020B0604020202020204" pitchFamily="34" charset="-128"/>
-                <a:cs typeface="Arial Unicode MS" panose="020B0604020202020204" pitchFamily="34" charset="-128"/>
-              </a:rPr>
-              <a:t>.</a:t>
-            </a:r>
-          </a:p>
-          <a:p>
             <a:pPr marL="457200" indent="-457200">
               <a:buAutoNum type="arabicPeriod"/>
             </a:pPr>
-            <a:endParaRPr lang="en-US" sz="2000" dirty="0" smtClean="0">
+            <a:r>
+              <a:rPr lang="en-US" sz="2200" dirty="0">
+                <a:ea typeface="Arial Unicode MS" panose="020B0604020202020204" pitchFamily="34" charset="-128"/>
+                <a:cs typeface="Arial Unicode MS" panose="020B0604020202020204" pitchFamily="34" charset="-128"/>
+              </a:rPr>
+              <a:t>Add a </a:t>
+            </a:r>
+            <a:r>
+              <a:rPr lang="en-US" sz="2200" dirty="0" err="1">
+                <a:ea typeface="Arial Unicode MS" panose="020B0604020202020204" pitchFamily="34" charset="-128"/>
+                <a:cs typeface="Arial Unicode MS" panose="020B0604020202020204" pitchFamily="34" charset="-128"/>
+              </a:rPr>
+              <a:t>boxOffice</a:t>
+            </a:r>
+            <a:r>
+              <a:rPr lang="en-US" sz="2200" dirty="0">
+                <a:ea typeface="Arial Unicode MS" panose="020B0604020202020204" pitchFamily="34" charset="-128"/>
+                <a:cs typeface="Arial Unicode MS" panose="020B0604020202020204" pitchFamily="34" charset="-128"/>
+              </a:rPr>
+              <a:t> of value of "$261,441,092 to The Incredibles.</a:t>
+            </a:r>
+          </a:p>
+          <a:p>
+            <a:pPr marL="457200" indent="-457200">
+              <a:buAutoNum type="arabicPeriod"/>
+            </a:pPr>
+            <a:endParaRPr lang="en-US" sz="1100" dirty="0">
               <a:ea typeface="Arial Unicode MS" panose="020B0604020202020204" pitchFamily="34" charset="-128"/>
               <a:cs typeface="Arial Unicode MS" panose="020B0604020202020204" pitchFamily="34" charset="-128"/>
             </a:endParaRPr>
@@ -14546,32 +15137,32 @@
               <a:buNone/>
             </a:pPr>
             <a:r>
-              <a:rPr lang="en-US" sz="2000" dirty="0" err="1"/>
+              <a:rPr lang="en-US" sz="2200" dirty="0" err="1"/>
               <a:t>db.movies.update</a:t>
             </a:r>
             <a:r>
-              <a:rPr lang="en-US" sz="2000" dirty="0"/>
+              <a:rPr lang="en-US" sz="2200" dirty="0"/>
               <a:t>({</a:t>
             </a:r>
             <a:r>
-              <a:rPr lang="en-US" sz="2000" dirty="0" err="1"/>
-              <a:t>title:"Batman</a:t>
-            </a:r>
-            <a:r>
-              <a:rPr lang="en-US" sz="2000" dirty="0"/>
-              <a:t>"},{$set: {</a:t>
-            </a:r>
-            <a:r>
-              <a:rPr lang="en-US" sz="2000" dirty="0" err="1"/>
+              <a:rPr lang="en-US" sz="2200" dirty="0" err="1"/>
+              <a:t>title:“The</a:t>
+            </a:r>
+            <a:r>
+              <a:rPr lang="en-US" sz="2200" dirty="0"/>
+              <a:t> Incredibles"},{$set: {</a:t>
+            </a:r>
+            <a:r>
+              <a:rPr lang="en-US" sz="2200" dirty="0" err="1"/>
               <a:t>boxOffice</a:t>
             </a:r>
             <a:r>
-              <a:rPr lang="en-US" sz="2000" dirty="0"/>
-              <a:t>: “$251,188,924”}})</a:t>
-            </a:r>
-          </a:p>
-          <a:p>
-            <a:endParaRPr lang="en-US" sz="2000" dirty="0" smtClean="0">
+              <a:rPr lang="en-US" sz="2200" dirty="0"/>
+              <a:t>: “$261,441,092”}})</a:t>
+            </a:r>
+          </a:p>
+          <a:p>
+            <a:endParaRPr lang="en-US" sz="2200" dirty="0" smtClean="0">
               <a:ea typeface="Arial Unicode MS" panose="020B0604020202020204" pitchFamily="34" charset="-128"/>
               <a:cs typeface="Arial Unicode MS" panose="020B0604020202020204" pitchFamily="34" charset="-128"/>
             </a:endParaRPr>
@@ -14581,46 +15172,32 @@
               <a:buNone/>
             </a:pPr>
             <a:r>
-              <a:rPr lang="en-US" sz="2000" dirty="0" smtClean="0">
-                <a:ea typeface="Arial Unicode MS" panose="020B0604020202020204" pitchFamily="34" charset="-128"/>
-                <a:cs typeface="Arial Unicode MS" panose="020B0604020202020204" pitchFamily="34" charset="-128"/>
-              </a:rPr>
-              <a:t>2. Add </a:t>
-            </a:r>
-            <a:r>
-              <a:rPr lang="en-US" sz="2000" dirty="0" smtClean="0">
-                <a:ea typeface="Arial Unicode MS" panose="020B0604020202020204" pitchFamily="34" charset="-128"/>
-                <a:cs typeface="Arial Unicode MS" panose="020B0604020202020204" pitchFamily="34" charset="-128"/>
-              </a:rPr>
-              <a:t>“Jack </a:t>
-            </a:r>
-            <a:r>
-              <a:rPr lang="en-US" sz="2000" dirty="0" err="1" smtClean="0">
+              <a:rPr lang="en-US" sz="2200" dirty="0" smtClean="0">
+                <a:ea typeface="Arial Unicode MS" panose="020B0604020202020204" pitchFamily="34" charset="-128"/>
+                <a:cs typeface="Arial Unicode MS" panose="020B0604020202020204" pitchFamily="34" charset="-128"/>
+              </a:rPr>
+              <a:t>2. Add “Jack </a:t>
+            </a:r>
+            <a:r>
+              <a:rPr lang="en-US" sz="2200" dirty="0" err="1" smtClean="0">
                 <a:ea typeface="Arial Unicode MS" panose="020B0604020202020204" pitchFamily="34" charset="-128"/>
                 <a:cs typeface="Arial Unicode MS" panose="020B0604020202020204" pitchFamily="34" charset="-128"/>
               </a:rPr>
               <a:t>Palance</a:t>
             </a:r>
             <a:r>
-              <a:rPr lang="en-US" sz="2000" dirty="0" smtClean="0">
-                <a:ea typeface="Arial Unicode MS" panose="020B0604020202020204" pitchFamily="34" charset="-128"/>
-                <a:cs typeface="Arial Unicode MS" panose="020B0604020202020204" pitchFamily="34" charset="-128"/>
-              </a:rPr>
-              <a:t>” to the actors for Batman</a:t>
-            </a:r>
-            <a:r>
-              <a:rPr lang="en-US" sz="2000" dirty="0" smtClean="0">
-                <a:ea typeface="Arial Unicode MS" panose="020B0604020202020204" pitchFamily="34" charset="-128"/>
-                <a:cs typeface="Arial Unicode MS" panose="020B0604020202020204" pitchFamily="34" charset="-128"/>
-              </a:rPr>
-              <a:t>.</a:t>
-            </a:r>
-          </a:p>
-          <a:p>
-            <a:pPr marL="0" indent="0">
-              <a:buNone/>
-            </a:pPr>
-            <a:endParaRPr lang="en-US" sz="2000" dirty="0" smtClean="0">
+              <a:rPr lang="en-US" sz="2200" dirty="0" smtClean="0">
+                <a:ea typeface="Arial Unicode MS" panose="020B0604020202020204" pitchFamily="34" charset="-128"/>
+                <a:cs typeface="Arial Unicode MS" panose="020B0604020202020204" pitchFamily="34" charset="-128"/>
+              </a:rPr>
+              <a:t>” to the actors for Batman.</a:t>
+            </a:r>
+          </a:p>
+          <a:p>
+            <a:pPr marL="0" indent="0">
+              <a:buNone/>
+            </a:pPr>
+            <a:endParaRPr lang="en-US" sz="1100" dirty="0" smtClean="0">
               <a:ea typeface="Arial Unicode MS" panose="020B0604020202020204" pitchFamily="34" charset="-128"/>
               <a:cs typeface="Arial Unicode MS" panose="020B0604020202020204" pitchFamily="34" charset="-128"/>
             </a:endParaRPr>
@@ -14630,27 +15207,27 @@
               <a:buNone/>
             </a:pPr>
             <a:r>
-              <a:rPr lang="en-US" sz="2000" b="1" dirty="0" err="1"/>
+              <a:rPr lang="en-US" sz="2200" b="1" dirty="0" err="1"/>
               <a:t>db.movies.update</a:t>
             </a:r>
             <a:r>
-              <a:rPr lang="en-US" sz="2000" b="1" dirty="0"/>
+              <a:rPr lang="en-US" sz="2200" b="1" dirty="0"/>
               <a:t>({</a:t>
             </a:r>
             <a:r>
-              <a:rPr lang="en-US" sz="2000" b="1" dirty="0" err="1"/>
+              <a:rPr lang="en-US" sz="2200" b="1" dirty="0" err="1"/>
               <a:t>title:"Batman</a:t>
             </a:r>
             <a:r>
-              <a:rPr lang="en-US" sz="2000" b="1" dirty="0"/>
+              <a:rPr lang="en-US" sz="2200" b="1" dirty="0"/>
               <a:t>"},{$push: {actors: "Jack </a:t>
             </a:r>
             <a:r>
-              <a:rPr lang="en-US" sz="2000" b="1" dirty="0" err="1"/>
+              <a:rPr lang="en-US" sz="2200" b="1" dirty="0" err="1"/>
               <a:t>Palance</a:t>
             </a:r>
             <a:r>
-              <a:rPr lang="en-US" sz="2000" b="1" dirty="0"/>
+              <a:rPr lang="en-US" sz="2200" b="1" dirty="0"/>
               <a:t>"}})</a:t>
             </a:r>
           </a:p>
@@ -14749,7 +15326,7 @@
         <p:spPr/>
         <p:txBody>
           <a:bodyPr>
-            <a:normAutofit fontScale="92500"/>
+            <a:normAutofit/>
           </a:bodyPr>
           <a:lstStyle/>
           <a:p>
@@ -14757,56 +15334,66 @@
               <a:buAutoNum type="arabicPeriod"/>
             </a:pPr>
             <a:r>
-              <a:rPr lang="en-US" sz="2200" dirty="0" smtClean="0">
-                <a:ea typeface="Arial Unicode MS" panose="020B0604020202020204" pitchFamily="34" charset="-128"/>
-                <a:cs typeface="Arial Unicode MS" panose="020B0604020202020204" pitchFamily="34" charset="-128"/>
-              </a:rPr>
-              <a:t>Add </a:t>
-            </a:r>
-            <a:r>
-              <a:rPr lang="en-US" sz="2200" dirty="0" smtClean="0">
-                <a:ea typeface="Arial Unicode MS" panose="020B0604020202020204" pitchFamily="34" charset="-128"/>
-                <a:cs typeface="Arial Unicode MS" panose="020B0604020202020204" pitchFamily="34" charset="-128"/>
-              </a:rPr>
-              <a:t>a </a:t>
-            </a:r>
-            <a:r>
-              <a:rPr lang="en-US" sz="2200" dirty="0" err="1" smtClean="0">
+              <a:rPr lang="en-US" sz="2200" dirty="0">
+                <a:ea typeface="Arial Unicode MS" panose="020B0604020202020204" pitchFamily="34" charset="-128"/>
+                <a:cs typeface="Arial Unicode MS" panose="020B0604020202020204" pitchFamily="34" charset="-128"/>
+              </a:rPr>
+              <a:t>Add a </a:t>
+            </a:r>
+            <a:r>
+              <a:rPr lang="en-US" sz="2200" dirty="0" err="1">
                 <a:ea typeface="Arial Unicode MS" panose="020B0604020202020204" pitchFamily="34" charset="-128"/>
                 <a:cs typeface="Arial Unicode MS" panose="020B0604020202020204" pitchFamily="34" charset="-128"/>
               </a:rPr>
               <a:t>boxOffice</a:t>
             </a:r>
             <a:r>
-              <a:rPr lang="en-US" sz="2200" dirty="0" smtClean="0">
-                <a:ea typeface="Arial Unicode MS" panose="020B0604020202020204" pitchFamily="34" charset="-128"/>
-                <a:cs typeface="Arial Unicode MS" panose="020B0604020202020204" pitchFamily="34" charset="-128"/>
-              </a:rPr>
-              <a:t> of value of </a:t>
-            </a:r>
-            <a:r>
-              <a:rPr lang="en-US" sz="2200" dirty="0" smtClean="0"/>
-              <a:t>$251,188,924</a:t>
-            </a:r>
-            <a:r>
-              <a:rPr lang="en-US" sz="2200" dirty="0" smtClean="0">
-                <a:ea typeface="Arial Unicode MS" panose="020B0604020202020204" pitchFamily="34" charset="-128"/>
-                <a:cs typeface="Arial Unicode MS" panose="020B0604020202020204" pitchFamily="34" charset="-128"/>
-              </a:rPr>
-              <a:t> To Batman</a:t>
-            </a:r>
-            <a:r>
-              <a:rPr lang="en-US" sz="2200" dirty="0" smtClean="0">
-                <a:ea typeface="Arial Unicode MS" panose="020B0604020202020204" pitchFamily="34" charset="-128"/>
-                <a:cs typeface="Arial Unicode MS" panose="020B0604020202020204" pitchFamily="34" charset="-128"/>
-              </a:rPr>
-              <a:t>.</a:t>
+              <a:rPr lang="en-US" sz="2200" dirty="0">
+                <a:ea typeface="Arial Unicode MS" panose="020B0604020202020204" pitchFamily="34" charset="-128"/>
+                <a:cs typeface="Arial Unicode MS" panose="020B0604020202020204" pitchFamily="34" charset="-128"/>
+              </a:rPr>
+              <a:t> of value of "$261,441,092 to The Incredibles.</a:t>
             </a:r>
           </a:p>
           <a:p>
             <a:pPr marL="457200" indent="-457200">
               <a:buAutoNum type="arabicPeriod"/>
             </a:pPr>
+            <a:endParaRPr lang="en-US" sz="1100" dirty="0">
+              <a:ea typeface="Arial Unicode MS" panose="020B0604020202020204" pitchFamily="34" charset="-128"/>
+              <a:cs typeface="Arial Unicode MS" panose="020B0604020202020204" pitchFamily="34" charset="-128"/>
+            </a:endParaRPr>
+          </a:p>
+          <a:p>
+            <a:pPr marL="0" indent="0">
+              <a:buNone/>
+            </a:pPr>
+            <a:r>
+              <a:rPr lang="en-US" sz="2200" dirty="0" err="1"/>
+              <a:t>db.movies.update</a:t>
+            </a:r>
+            <a:r>
+              <a:rPr lang="en-US" sz="2200" dirty="0"/>
+              <a:t>({</a:t>
+            </a:r>
+            <a:r>
+              <a:rPr lang="en-US" sz="2200" dirty="0" err="1"/>
+              <a:t>title:“The</a:t>
+            </a:r>
+            <a:r>
+              <a:rPr lang="en-US" sz="2200" dirty="0"/>
+              <a:t> Incredibles"},{$set: {</a:t>
+            </a:r>
+            <a:r>
+              <a:rPr lang="en-US" sz="2200" dirty="0" err="1"/>
+              <a:t>boxOffice</a:t>
+            </a:r>
+            <a:r>
+              <a:rPr lang="en-US" sz="2200" dirty="0"/>
+              <a:t>: “$261,441,092”}})</a:t>
+            </a:r>
+          </a:p>
+          <a:p>
             <a:endParaRPr lang="en-US" sz="2200" dirty="0" smtClean="0">
               <a:ea typeface="Arial Unicode MS" panose="020B0604020202020204" pitchFamily="34" charset="-128"/>
               <a:cs typeface="Arial Unicode MS" panose="020B0604020202020204" pitchFamily="34" charset="-128"/>
@@ -14817,6 +15404,41 @@
               <a:buNone/>
             </a:pPr>
             <a:r>
+              <a:rPr lang="en-US" sz="2200" dirty="0" smtClean="0">
+                <a:ea typeface="Arial Unicode MS" panose="020B0604020202020204" pitchFamily="34" charset="-128"/>
+                <a:cs typeface="Arial Unicode MS" panose="020B0604020202020204" pitchFamily="34" charset="-128"/>
+              </a:rPr>
+              <a:t>2. Add “Jack </a:t>
+            </a:r>
+            <a:r>
+              <a:rPr lang="en-US" sz="2200" dirty="0" err="1" smtClean="0">
+                <a:ea typeface="Arial Unicode MS" panose="020B0604020202020204" pitchFamily="34" charset="-128"/>
+                <a:cs typeface="Arial Unicode MS" panose="020B0604020202020204" pitchFamily="34" charset="-128"/>
+              </a:rPr>
+              <a:t>Palance</a:t>
+            </a:r>
+            <a:r>
+              <a:rPr lang="en-US" sz="2200" dirty="0" smtClean="0">
+                <a:ea typeface="Arial Unicode MS" panose="020B0604020202020204" pitchFamily="34" charset="-128"/>
+                <a:cs typeface="Arial Unicode MS" panose="020B0604020202020204" pitchFamily="34" charset="-128"/>
+              </a:rPr>
+              <a:t>” to the actors for Batman.</a:t>
+            </a:r>
+          </a:p>
+          <a:p>
+            <a:pPr marL="0" indent="0">
+              <a:buNone/>
+            </a:pPr>
+            <a:endParaRPr lang="en-US" sz="1100" dirty="0" smtClean="0">
+              <a:ea typeface="Arial Unicode MS" panose="020B0604020202020204" pitchFamily="34" charset="-128"/>
+              <a:cs typeface="Arial Unicode MS" panose="020B0604020202020204" pitchFamily="34" charset="-128"/>
+            </a:endParaRPr>
+          </a:p>
+          <a:p>
+            <a:pPr marL="0" indent="0">
+              <a:buNone/>
+            </a:pPr>
+            <a:r>
               <a:rPr lang="en-US" sz="2200" dirty="0" err="1"/>
               <a:t>db.movies.update</a:t>
             </a:r>
@@ -14830,18 +15452,21 @@
             </a:r>
             <a:r>
               <a:rPr lang="en-US" sz="2200" dirty="0"/>
-              <a:t>"},{$set: {</a:t>
+              <a:t>"},{$push: {actors: "Jack </a:t>
             </a:r>
             <a:r>
               <a:rPr lang="en-US" sz="2200" dirty="0" err="1"/>
-              <a:t>boxOffice</a:t>
+              <a:t>Palance</a:t>
             </a:r>
             <a:r>
               <a:rPr lang="en-US" sz="2200" dirty="0"/>
-              <a:t>: “$251,188,924”}})</a:t>
-            </a:r>
-          </a:p>
-          <a:p>
+              <a:t>"}})</a:t>
+            </a:r>
+          </a:p>
+          <a:p>
+            <a:pPr marL="0" indent="0">
+              <a:buNone/>
+            </a:pPr>
             <a:endParaRPr lang="en-US" sz="2200" dirty="0" smtClean="0">
               <a:ea typeface="Arial Unicode MS" panose="020B0604020202020204" pitchFamily="34" charset="-128"/>
               <a:cs typeface="Arial Unicode MS" panose="020B0604020202020204" pitchFamily="34" charset="-128"/>
@@ -14856,108 +15481,7 @@
                 <a:ea typeface="Arial Unicode MS" panose="020B0604020202020204" pitchFamily="34" charset="-128"/>
                 <a:cs typeface="Arial Unicode MS" panose="020B0604020202020204" pitchFamily="34" charset="-128"/>
               </a:rPr>
-              <a:t>2. Add </a:t>
-            </a:r>
-            <a:r>
-              <a:rPr lang="en-US" sz="2200" dirty="0" smtClean="0">
-                <a:ea typeface="Arial Unicode MS" panose="020B0604020202020204" pitchFamily="34" charset="-128"/>
-                <a:cs typeface="Arial Unicode MS" panose="020B0604020202020204" pitchFamily="34" charset="-128"/>
-              </a:rPr>
-              <a:t>“Jack </a:t>
-            </a:r>
-            <a:r>
-              <a:rPr lang="en-US" sz="2200" dirty="0" err="1" smtClean="0">
-                <a:ea typeface="Arial Unicode MS" panose="020B0604020202020204" pitchFamily="34" charset="-128"/>
-                <a:cs typeface="Arial Unicode MS" panose="020B0604020202020204" pitchFamily="34" charset="-128"/>
-              </a:rPr>
-              <a:t>Palance</a:t>
-            </a:r>
-            <a:r>
-              <a:rPr lang="en-US" sz="2200" dirty="0" smtClean="0">
-                <a:ea typeface="Arial Unicode MS" panose="020B0604020202020204" pitchFamily="34" charset="-128"/>
-                <a:cs typeface="Arial Unicode MS" panose="020B0604020202020204" pitchFamily="34" charset="-128"/>
-              </a:rPr>
-              <a:t>” to the actors for Batman</a:t>
-            </a:r>
-            <a:r>
-              <a:rPr lang="en-US" sz="2200" dirty="0" smtClean="0">
-                <a:ea typeface="Arial Unicode MS" panose="020B0604020202020204" pitchFamily="34" charset="-128"/>
-                <a:cs typeface="Arial Unicode MS" panose="020B0604020202020204" pitchFamily="34" charset="-128"/>
-              </a:rPr>
-              <a:t>.</a:t>
-            </a:r>
-          </a:p>
-          <a:p>
-            <a:pPr marL="0" indent="0">
-              <a:buNone/>
-            </a:pPr>
-            <a:endParaRPr lang="en-US" sz="2200" dirty="0" smtClean="0">
-              <a:ea typeface="Arial Unicode MS" panose="020B0604020202020204" pitchFamily="34" charset="-128"/>
-              <a:cs typeface="Arial Unicode MS" panose="020B0604020202020204" pitchFamily="34" charset="-128"/>
-            </a:endParaRPr>
-          </a:p>
-          <a:p>
-            <a:pPr marL="0" indent="0">
-              <a:buNone/>
-            </a:pPr>
-            <a:r>
-              <a:rPr lang="en-US" sz="2200" dirty="0" err="1"/>
-              <a:t>db.movies.update</a:t>
-            </a:r>
-            <a:r>
-              <a:rPr lang="en-US" sz="2200" dirty="0"/>
-              <a:t>({</a:t>
-            </a:r>
-            <a:r>
-              <a:rPr lang="en-US" sz="2200" dirty="0" err="1"/>
-              <a:t>title:"Batman</a:t>
-            </a:r>
-            <a:r>
-              <a:rPr lang="en-US" sz="2200" dirty="0"/>
-              <a:t>"},{$push: {actors: "Jack </a:t>
-            </a:r>
-            <a:r>
-              <a:rPr lang="en-US" sz="2200" dirty="0" err="1"/>
-              <a:t>Palance</a:t>
-            </a:r>
-            <a:r>
-              <a:rPr lang="en-US" sz="2200" dirty="0"/>
-              <a:t>"}})</a:t>
-            </a:r>
-          </a:p>
-          <a:p>
-            <a:pPr marL="0" indent="0">
-              <a:buNone/>
-            </a:pPr>
-            <a:endParaRPr lang="en-US" sz="2200" dirty="0" smtClean="0">
-              <a:ea typeface="Arial Unicode MS" panose="020B0604020202020204" pitchFamily="34" charset="-128"/>
-              <a:cs typeface="Arial Unicode MS" panose="020B0604020202020204" pitchFamily="34" charset="-128"/>
-            </a:endParaRPr>
-          </a:p>
-          <a:p>
-            <a:pPr marL="0" indent="0">
-              <a:buNone/>
-            </a:pPr>
-            <a:r>
-              <a:rPr lang="en-US" sz="2200" dirty="0" smtClean="0">
-                <a:ea typeface="Arial Unicode MS" panose="020B0604020202020204" pitchFamily="34" charset="-128"/>
-                <a:cs typeface="Arial Unicode MS" panose="020B0604020202020204" pitchFamily="34" charset="-128"/>
-              </a:rPr>
-              <a:t>3. </a:t>
-            </a:r>
-            <a:r>
-              <a:rPr lang="en-US" sz="2200" dirty="0" smtClean="0">
-                <a:ea typeface="Arial Unicode MS" panose="020B0604020202020204" pitchFamily="34" charset="-128"/>
-                <a:cs typeface="Arial Unicode MS" panose="020B0604020202020204" pitchFamily="34" charset="-128"/>
-              </a:rPr>
-              <a:t>Add </a:t>
-            </a:r>
-            <a:r>
-              <a:rPr lang="en-US" sz="2200" dirty="0" smtClean="0">
-                <a:ea typeface="Arial Unicode MS" panose="020B0604020202020204" pitchFamily="34" charset="-128"/>
-                <a:cs typeface="Arial Unicode MS" panose="020B0604020202020204" pitchFamily="34" charset="-128"/>
-              </a:rPr>
-              <a:t>“Action” to the genre for “The Incredibles”.  </a:t>
+              <a:t>3. Add “Action” to the genre for “The Incredibles”.  </a:t>
             </a:r>
             <a:endParaRPr lang="en-US" sz="2200" dirty="0">
               <a:ea typeface="Arial Unicode MS" panose="020B0604020202020204" pitchFamily="34" charset="-128"/>
@@ -14968,7 +15492,7 @@
             <a:pPr marL="0" indent="0">
               <a:buNone/>
             </a:pPr>
-            <a:endParaRPr lang="en-US" sz="2200" b="1" dirty="0" smtClean="0">
+            <a:endParaRPr lang="en-US" sz="1100" b="1" dirty="0" smtClean="0">
               <a:ea typeface="Arial Unicode MS" panose="020B0604020202020204" pitchFamily="34" charset="-128"/>
               <a:cs typeface="Arial Unicode MS" panose="020B0604020202020204" pitchFamily="34" charset="-128"/>
             </a:endParaRPr>
@@ -15912,10 +16436,14 @@
             </a:pPr>
             <a:r>
               <a:rPr lang="en-US" sz="2800" dirty="0"/>
-              <a:t>            {</a:t>
-            </a:r>
-            <a:r>
-              <a:rPr lang="en-US" sz="2800" dirty="0" err="1"/>
+              <a:t>            </a:t>
+            </a:r>
+            <a:r>
+              <a:rPr lang="en-US" sz="2800" dirty="0" smtClean="0"/>
+              <a:t>{ </a:t>
+            </a:r>
+            <a:r>
+              <a:rPr lang="en-US" sz="2800" dirty="0" err="1" smtClean="0"/>
               <a:t>imdbRating</a:t>
             </a:r>
             <a:r>
@@ -18052,7 +18580,6 @@
               <a:rPr lang="en-US" b="1" dirty="0"/>
               <a:t>High Availability: Replica Sets</a:t>
             </a:r>
-            <a:endParaRPr lang="en-US" b="1" dirty="0"/>
           </a:p>
         </p:txBody>
       </p:sp>
@@ -18276,7 +18803,7 @@
           <a:p>
             <a:r>
               <a:rPr lang="en-US" b="1" dirty="0" smtClean="0"/>
-              <a:t>Getting started: install mongo</a:t>
+              <a:t>Starting MongoDB</a:t>
             </a:r>
             <a:endParaRPr lang="en-US" b="1" dirty="0"/>
           </a:p>
@@ -18299,18 +18826,9 @@
           </a:bodyPr>
           <a:lstStyle/>
           <a:p>
-            <a:pPr marL="0" indent="0">
-              <a:buNone/>
-            </a:pPr>
-            <a:r>
-              <a:rPr lang="en-US" sz="3800" dirty="0" smtClean="0"/>
-              <a:t>Start Mongo</a:t>
-            </a:r>
-          </a:p>
-          <a:p>
             <a:pPr lvl="1"/>
             <a:r>
-              <a:rPr lang="en-US" dirty="0" smtClean="0"/>
+              <a:rPr lang="en-US" sz="3200" dirty="0" smtClean="0"/>
               <a:t>Start the server:</a:t>
             </a:r>
           </a:p>
@@ -18319,18 +18837,18 @@
               <a:buNone/>
             </a:pPr>
             <a:r>
-              <a:rPr lang="en-US" dirty="0" smtClean="0"/>
+              <a:rPr lang="en-US" sz="3200" dirty="0" smtClean="0"/>
               <a:t>	</a:t>
             </a:r>
             <a:r>
-              <a:rPr lang="en-US" b="1" dirty="0" err="1" smtClean="0">
+              <a:rPr lang="en-US" sz="3200" b="1" dirty="0" err="1" smtClean="0">
                 <a:latin typeface="Arial Unicode MS" panose="020B0604020202020204" pitchFamily="34" charset="-128"/>
                 <a:ea typeface="Arial Unicode MS" panose="020B0604020202020204" pitchFamily="34" charset="-128"/>
                 <a:cs typeface="Arial Unicode MS" panose="020B0604020202020204" pitchFamily="34" charset="-128"/>
               </a:rPr>
               <a:t>mongod</a:t>
             </a:r>
-            <a:endParaRPr lang="en-US" b="1" dirty="0" smtClean="0">
+            <a:endParaRPr lang="en-US" sz="3200" b="1" dirty="0" smtClean="0">
               <a:latin typeface="Arial Unicode MS" panose="020B0604020202020204" pitchFamily="34" charset="-128"/>
               <a:ea typeface="Arial Unicode MS" panose="020B0604020202020204" pitchFamily="34" charset="-128"/>
               <a:cs typeface="Arial Unicode MS" panose="020B0604020202020204" pitchFamily="34" charset="-128"/>
@@ -18339,15 +18857,15 @@
           <a:p>
             <a:pPr lvl="1"/>
             <a:r>
-              <a:rPr lang="en-US" dirty="0" smtClean="0"/>
+              <a:rPr lang="en-US" sz="3200" dirty="0" smtClean="0"/>
               <a:t>Start the command shell (from </a:t>
             </a:r>
             <a:r>
-              <a:rPr lang="en-US" dirty="0" err="1" smtClean="0"/>
+              <a:rPr lang="en-US" sz="3200" dirty="0" err="1" smtClean="0"/>
               <a:t>Intellij</a:t>
             </a:r>
             <a:r>
-              <a:rPr lang="en-US" dirty="0" smtClean="0"/>
+              <a:rPr lang="en-US" sz="3200" dirty="0" smtClean="0"/>
               <a:t> Terminal helps):</a:t>
             </a:r>
           </a:p>
@@ -18356,11 +18874,11 @@
               <a:buNone/>
             </a:pPr>
             <a:r>
-              <a:rPr lang="en-US" dirty="0" smtClean="0"/>
+              <a:rPr lang="en-US" sz="3200" dirty="0" smtClean="0"/>
               <a:t>	</a:t>
             </a:r>
             <a:r>
-              <a:rPr lang="en-US" b="1" dirty="0" smtClean="0">
+              <a:rPr lang="en-US" sz="3200" b="1" dirty="0" smtClean="0">
                 <a:latin typeface="Arial Unicode MS" panose="020B0604020202020204" pitchFamily="34" charset="-128"/>
                 <a:ea typeface="Arial Unicode MS" panose="020B0604020202020204" pitchFamily="34" charset="-128"/>
                 <a:cs typeface="Arial Unicode MS" panose="020B0604020202020204" pitchFamily="34" charset="-128"/>
@@ -18371,21 +18889,21 @@
           <a:p>
             <a:pPr lvl="1"/>
             <a:r>
-              <a:rPr lang="en-US" dirty="0" smtClean="0"/>
+              <a:rPr lang="en-US" sz="3200" dirty="0" smtClean="0"/>
               <a:t>In the shell, display the mongo version running:</a:t>
             </a:r>
-            <a:endParaRPr lang="en-US" dirty="0"/>
+            <a:endParaRPr lang="en-US" sz="3200" dirty="0"/>
           </a:p>
           <a:p>
             <a:pPr marL="457200" lvl="1" indent="0">
               <a:buNone/>
             </a:pPr>
             <a:r>
-              <a:rPr lang="en-US" dirty="0"/>
+              <a:rPr lang="en-US" sz="3200" dirty="0"/>
               <a:t>	</a:t>
             </a:r>
             <a:r>
-              <a:rPr lang="en-US" b="1" dirty="0" err="1" smtClean="0">
+              <a:rPr lang="en-US" sz="3200" b="1" dirty="0" err="1" smtClean="0">
                 <a:latin typeface="Arial Unicode MS" panose="020B0604020202020204" pitchFamily="34" charset="-128"/>
                 <a:ea typeface="Arial Unicode MS" panose="020B0604020202020204" pitchFamily="34" charset="-128"/>
                 <a:cs typeface="Arial Unicode MS" panose="020B0604020202020204" pitchFamily="34" charset="-128"/>
@@ -18393,14 +18911,14 @@
               <a:t>db.version</a:t>
             </a:r>
             <a:r>
-              <a:rPr lang="en-US" b="1" dirty="0" smtClean="0">
+              <a:rPr lang="en-US" sz="3200" b="1" dirty="0" smtClean="0">
                 <a:latin typeface="Arial Unicode MS" panose="020B0604020202020204" pitchFamily="34" charset="-128"/>
                 <a:ea typeface="Arial Unicode MS" panose="020B0604020202020204" pitchFamily="34" charset="-128"/>
                 <a:cs typeface="Arial Unicode MS" panose="020B0604020202020204" pitchFamily="34" charset="-128"/>
               </a:rPr>
               <a:t>()</a:t>
             </a:r>
-            <a:endParaRPr lang="en-US" b="1" dirty="0">
+            <a:endParaRPr lang="en-US" sz="3200" b="1" dirty="0">
               <a:latin typeface="Arial Unicode MS" panose="020B0604020202020204" pitchFamily="34" charset="-128"/>
               <a:ea typeface="Arial Unicode MS" panose="020B0604020202020204" pitchFamily="34" charset="-128"/>
               <a:cs typeface="Arial Unicode MS" panose="020B0604020202020204" pitchFamily="34" charset="-128"/>

--- a/MongoDB.pptx
+++ b/MongoDB.pptx
@@ -13,8 +13,8 @@
     <p:sldId id="323" r:id="rId4"/>
     <p:sldId id="292" r:id="rId5"/>
     <p:sldId id="295" r:id="rId6"/>
-    <p:sldId id="296" r:id="rId7"/>
-    <p:sldId id="297" r:id="rId8"/>
+    <p:sldId id="297" r:id="rId7"/>
+    <p:sldId id="296" r:id="rId8"/>
     <p:sldId id="320" r:id="rId9"/>
     <p:sldId id="291" r:id="rId10"/>
     <p:sldId id="321" r:id="rId11"/>
@@ -147,7 +147,7 @@
   </p:defaultTextStyle>
   <p:extLst>
     <p:ext uri="{EFAFB233-063F-42B5-8137-9DF3F51BA10A}">
-      <p15:sldGuideLst xmlns:p15="http://schemas.microsoft.com/office/powerpoint/2012/main" xmlns="">
+      <p15:sldGuideLst xmlns:p15="http://schemas.microsoft.com/office/powerpoint/2012/main">
         <p15:guide id="1" orient="horz" pos="2160">
           <p15:clr>
             <a:srgbClr val="A4A3A4"/>
@@ -246,7 +246,7 @@
           <a:p>
             <a:fld id="{0A0AACEF-20EC-449C-A177-7D7762A9081E}" type="datetimeFigureOut">
               <a:rPr lang="en-US" smtClean="0"/>
-              <a:t>6/26/2017</a:t>
+              <a:t>6/28/17</a:t>
             </a:fld>
             <a:endParaRPr lang="en-US"/>
           </a:p>
@@ -653,56 +653,23 @@
           <a:lstStyle/>
           <a:p>
             <a:r>
-              <a:rPr lang="en-US" dirty="0" smtClean="0"/>
-              <a:t>NoSQL: flexible</a:t>
-            </a:r>
-            <a:r>
               <a:rPr lang="en-US" baseline="0" dirty="0" smtClean="0"/>
-              <a:t> schema, directly map to </a:t>
-            </a:r>
-            <a:r>
-              <a:rPr lang="en-US" baseline="0" dirty="0" err="1" smtClean="0"/>
-              <a:t>datastructures</a:t>
-            </a:r>
-            <a:r>
-              <a:rPr lang="en-US" baseline="0" dirty="0" smtClean="0"/>
-              <a:t>, support redundancy, scale up well…  ACID: atomic, consistent, isolated and durable.  </a:t>
-            </a:r>
-          </a:p>
-          <a:p>
-            <a:endParaRPr lang="en-US" baseline="0" dirty="0" smtClean="0"/>
-          </a:p>
-          <a:p>
-            <a:r>
-              <a:rPr lang="en-US" baseline="0" dirty="0" smtClean="0"/>
-              <a:t>Instead of tables of columns and rows, MongoDB stores documents that are in a JSON like structure.  BSON: binary JSON.  Simple data structures, associative arrays (key/value pairs), binary objects, </a:t>
-            </a:r>
-            <a:r>
-              <a:rPr lang="en-US" baseline="0" dirty="0" err="1" smtClean="0"/>
-              <a:t>javascript</a:t>
-            </a:r>
-            <a:r>
-              <a:rPr lang="en-US" baseline="0" dirty="0" smtClean="0"/>
-              <a:t> objects, regex, MD5 binary data.</a:t>
-            </a:r>
-          </a:p>
-          <a:p>
-            <a:r>
-              <a:rPr lang="en-US" baseline="0" dirty="0" smtClean="0"/>
-              <a:t>- Max doc size 16 MB </a:t>
-            </a:r>
-            <a:endParaRPr lang="en-US" dirty="0" smtClean="0"/>
-          </a:p>
-          <a:p>
-            <a:endParaRPr lang="en-US" baseline="0" dirty="0" smtClean="0"/>
-          </a:p>
-          <a:p>
-            <a:r>
-              <a:rPr lang="en-US" baseline="0" dirty="0" smtClean="0"/>
-              <a:t>High performance: MongoDB stores structures documents, not just columns.  Reads/writes by primary key on a table but with structure.</a:t>
-            </a:r>
-          </a:p>
-          <a:p>
+              <a:t>High performance is a primary goal of MongoDB </a:t>
+            </a:r>
+          </a:p>
+          <a:p>
+            <a:r>
+              <a:rPr lang="en-US" sz="1200" b="0" i="0" kern="1200" baseline="0" dirty="0" smtClean="0">
+                <a:solidFill>
+                  <a:schemeClr val="tx1"/>
+                </a:solidFill>
+                <a:effectLst/>
+                <a:latin typeface="+mn-lt"/>
+                <a:ea typeface="+mn-ea"/>
+                <a:cs typeface="+mn-cs"/>
+              </a:rPr>
+              <a:t>- Documents can be designed to contain the data needed for heaviest activity which s</a:t>
+            </a:r>
             <a:r>
               <a:rPr lang="en-US" sz="1200" b="0" i="0" kern="1200" dirty="0" smtClean="0">
                 <a:solidFill>
@@ -713,10 +680,8 @@
                 <a:ea typeface="+mn-ea"/>
                 <a:cs typeface="+mn-cs"/>
               </a:rPr>
-              <a:t>- Support for embedded data models reduces I/O activity on database file system.</a:t>
-            </a:r>
-          </a:p>
-          <a:p>
+              <a:t>upports embedded </a:t>
+            </a:r>
             <a:r>
               <a:rPr lang="en-US" sz="1200" b="0" i="0" kern="1200" dirty="0" smtClean="0">
                 <a:solidFill>
@@ -727,6 +692,20 @@
                 <a:ea typeface="+mn-ea"/>
                 <a:cs typeface="+mn-cs"/>
               </a:rPr>
+              <a:t>data models reduces I/O activity on database file system.</a:t>
+            </a:r>
+          </a:p>
+          <a:p>
+            <a:r>
+              <a:rPr lang="en-US" sz="1200" b="0" i="0" kern="1200" dirty="0" smtClean="0">
+                <a:solidFill>
+                  <a:schemeClr val="tx1"/>
+                </a:solidFill>
+                <a:effectLst/>
+                <a:latin typeface="+mn-lt"/>
+                <a:ea typeface="+mn-ea"/>
+                <a:cs typeface="+mn-cs"/>
+              </a:rPr>
               <a:t>- Indexes support faster queries and can include keys from embedded documents and arrays.</a:t>
             </a:r>
           </a:p>
@@ -763,144 +742,6 @@
                 <a:cs typeface="+mn-cs"/>
               </a:rPr>
               <a:t> failover and data redundancy.</a:t>
-            </a:r>
-          </a:p>
-          <a:p>
-            <a:endParaRPr lang="en-US" baseline="0" dirty="0" smtClean="0"/>
-          </a:p>
-          <a:p>
-            <a:r>
-              <a:rPr lang="en-US" baseline="0" dirty="0" smtClean="0"/>
-              <a:t>Horizontal scaling: documents can be partitioned between servers to distribute the load</a:t>
-            </a:r>
-          </a:p>
-          <a:p>
-            <a:r>
-              <a:rPr lang="en-US" sz="1200" b="0" i="0" u="none" strike="noStrike" kern="1200" dirty="0" smtClean="0">
-                <a:solidFill>
-                  <a:schemeClr val="tx1"/>
-                </a:solidFill>
-                <a:effectLst/>
-                <a:latin typeface="+mn-lt"/>
-                <a:ea typeface="+mn-ea"/>
-                <a:cs typeface="+mn-cs"/>
-                <a:hlinkClick r:id="rId3"/>
-              </a:rPr>
-              <a:t>- </a:t>
-            </a:r>
-            <a:r>
-              <a:rPr lang="en-US" sz="1200" b="0" i="0" u="none" strike="noStrike" kern="1200" dirty="0" err="1" smtClean="0">
-                <a:solidFill>
-                  <a:schemeClr val="tx1"/>
-                </a:solidFill>
-                <a:effectLst/>
-                <a:latin typeface="+mn-lt"/>
-                <a:ea typeface="+mn-ea"/>
-                <a:cs typeface="+mn-cs"/>
-                <a:hlinkClick r:id="rId3"/>
-              </a:rPr>
-              <a:t>Sharding</a:t>
-            </a:r>
-            <a:r>
-              <a:rPr lang="en-US" sz="1200" b="0" i="0" kern="1200" dirty="0" smtClean="0">
-                <a:solidFill>
-                  <a:schemeClr val="tx1"/>
-                </a:solidFill>
-                <a:effectLst/>
-                <a:latin typeface="+mn-lt"/>
-                <a:ea typeface="+mn-ea"/>
-                <a:cs typeface="+mn-cs"/>
-              </a:rPr>
-              <a:t> distributes data across a cluster of machines.</a:t>
-            </a:r>
-          </a:p>
-          <a:p>
-            <a:r>
-              <a:rPr lang="en-US" sz="1200" b="0" i="0" kern="1200" dirty="0" smtClean="0">
-                <a:solidFill>
-                  <a:schemeClr val="tx1"/>
-                </a:solidFill>
-                <a:effectLst/>
-                <a:latin typeface="+mn-lt"/>
-                <a:ea typeface="+mn-ea"/>
-                <a:cs typeface="+mn-cs"/>
-              </a:rPr>
-              <a:t>- MongoDB 3.4 supports creating </a:t>
-            </a:r>
-            <a:r>
-              <a:rPr lang="en-US" sz="1200" b="0" i="0" u="none" strike="noStrike" kern="1200" dirty="0" smtClean="0">
-                <a:solidFill>
-                  <a:schemeClr val="tx1"/>
-                </a:solidFill>
-                <a:effectLst/>
-                <a:latin typeface="+mn-lt"/>
-                <a:ea typeface="+mn-ea"/>
-                <a:cs typeface="+mn-cs"/>
-                <a:hlinkClick r:id="rId4"/>
-              </a:rPr>
-              <a:t>zones</a:t>
-            </a:r>
-            <a:r>
-              <a:rPr lang="en-US" sz="1200" b="0" i="0" kern="1200" dirty="0" smtClean="0">
-                <a:solidFill>
-                  <a:schemeClr val="tx1"/>
-                </a:solidFill>
-                <a:effectLst/>
-                <a:latin typeface="+mn-lt"/>
-                <a:ea typeface="+mn-ea"/>
-                <a:cs typeface="+mn-cs"/>
-              </a:rPr>
-              <a:t> of data based on the </a:t>
-            </a:r>
-            <a:r>
-              <a:rPr lang="en-US" sz="1200" b="0" i="0" u="none" strike="noStrike" kern="1200" dirty="0" smtClean="0">
-                <a:solidFill>
-                  <a:schemeClr val="tx1"/>
-                </a:solidFill>
-                <a:effectLst/>
-                <a:latin typeface="+mn-lt"/>
-                <a:ea typeface="+mn-ea"/>
-                <a:cs typeface="+mn-cs"/>
-                <a:hlinkClick r:id="rId5"/>
-              </a:rPr>
-              <a:t>shard key</a:t>
-            </a:r>
-            <a:r>
-              <a:rPr lang="en-US" sz="1200" b="0" i="0" kern="1200" dirty="0" smtClean="0">
-                <a:solidFill>
-                  <a:schemeClr val="tx1"/>
-                </a:solidFill>
-                <a:effectLst/>
-                <a:latin typeface="+mn-lt"/>
-                <a:ea typeface="+mn-ea"/>
-                <a:cs typeface="+mn-cs"/>
-              </a:rPr>
-              <a:t>. In a balanced cluster, MongoDB directs reads and writes covered by a zone only to those shards inside the zone. See the </a:t>
-            </a:r>
-            <a:r>
-              <a:rPr lang="en-US" sz="1200" b="0" i="0" u="none" strike="noStrike" kern="1200" dirty="0" smtClean="0">
-                <a:solidFill>
-                  <a:schemeClr val="tx1"/>
-                </a:solidFill>
-                <a:effectLst/>
-                <a:latin typeface="+mn-lt"/>
-                <a:ea typeface="+mn-ea"/>
-                <a:cs typeface="+mn-cs"/>
-                <a:hlinkClick r:id="rId4"/>
-              </a:rPr>
-              <a:t>Zones</a:t>
-            </a:r>
-            <a:r>
-              <a:rPr lang="en-US" sz="1200" b="0" i="0" kern="1200" dirty="0" smtClean="0">
-                <a:solidFill>
-                  <a:schemeClr val="tx1"/>
-                </a:solidFill>
-                <a:effectLst/>
-                <a:latin typeface="+mn-lt"/>
-                <a:ea typeface="+mn-ea"/>
-                <a:cs typeface="+mn-cs"/>
-              </a:rPr>
-              <a:t> manual page for more information.</a:t>
             </a:r>
           </a:p>
           <a:p>
@@ -993,7 +834,11 @@
           <a:p>
             <a:r>
               <a:rPr lang="en-US" dirty="0" smtClean="0"/>
-              <a:t>Mongo uses replica sets for redundancy</a:t>
+              <a:t>Each shard in Mongo </a:t>
+            </a:r>
+            <a:r>
+              <a:rPr lang="en-US" dirty="0" smtClean="0"/>
+              <a:t>uses replica sets for redundancy</a:t>
             </a:r>
             <a:r>
               <a:rPr lang="en-US" baseline="0" dirty="0" smtClean="0"/>
@@ -1002,12 +847,6 @@
           </a:p>
           <a:p>
             <a:endParaRPr lang="en-US" baseline="0" dirty="0" smtClean="0"/>
-          </a:p>
-          <a:p>
-            <a:r>
-              <a:rPr lang="en-US" baseline="0" dirty="0" smtClean="0"/>
-              <a:t>How do you connect to a secondary?</a:t>
-            </a:r>
           </a:p>
           <a:p>
             <a:endParaRPr lang="en-US" dirty="0"/>
@@ -2716,57 +2555,23 @@
           <a:bodyPr/>
           <a:lstStyle/>
           <a:p>
-            <a:r>
-              <a:rPr lang="en-US" dirty="0" smtClean="0"/>
-              <a:t>NoSQL: flexible</a:t>
-            </a:r>
-            <a:r>
-              <a:rPr lang="en-US" baseline="0" dirty="0" smtClean="0"/>
-              <a:t> schema, directly map to </a:t>
-            </a:r>
-            <a:r>
-              <a:rPr lang="en-US" baseline="0" dirty="0" err="1" smtClean="0"/>
-              <a:t>datastructures</a:t>
-            </a:r>
-            <a:r>
-              <a:rPr lang="en-US" baseline="0" dirty="0" smtClean="0"/>
-              <a:t>, support redundancy, scale up well…  ACID: atomic, consistent, isolated and durable.  </a:t>
-            </a:r>
-          </a:p>
-          <a:p>
-            <a:endParaRPr lang="en-US" baseline="0" dirty="0" smtClean="0"/>
-          </a:p>
-          <a:p>
-            <a:r>
-              <a:rPr lang="en-US" baseline="0" dirty="0" smtClean="0"/>
-              <a:t>Instead of tables of columns and rows, MongoDB stores documents that are in a JSON like structure.  BSON: binary JSON.  Simple data structures, associative arrays (key/value pairs), binary objects, </a:t>
-            </a:r>
-            <a:r>
-              <a:rPr lang="en-US" baseline="0" dirty="0" err="1" smtClean="0"/>
-              <a:t>javascript</a:t>
-            </a:r>
-            <a:r>
-              <a:rPr lang="en-US" baseline="0" dirty="0" smtClean="0"/>
-              <a:t> objects, regex, MD5 binary data.</a:t>
-            </a:r>
-          </a:p>
-          <a:p>
-            <a:r>
-              <a:rPr lang="en-US" baseline="0" dirty="0" smtClean="0"/>
-              <a:t>- Max doc size 16 MB </a:t>
-            </a:r>
-            <a:endParaRPr lang="en-US" dirty="0" smtClean="0"/>
-          </a:p>
-          <a:p>
-            <a:endParaRPr lang="en-US" baseline="0" dirty="0" smtClean="0"/>
-          </a:p>
-          <a:p>
-            <a:r>
-              <a:rPr lang="en-US" baseline="0" dirty="0" smtClean="0"/>
-              <a:t>High performance: MongoDB stores structures documents, not just columns.  Reads/writes by primary key on a table but with structure.</a:t>
-            </a:r>
-          </a:p>
-          <a:p>
+            <a:pPr marL="0" marR="0" indent="0" algn="l" defTabSz="914400" rtl="0" eaLnBrk="1" fontAlgn="auto" latinLnBrk="0" hangingPunct="1">
+              <a:lnSpc>
+                <a:spcPct val="100000"/>
+              </a:lnSpc>
+              <a:spcBef>
+                <a:spcPts val="0"/>
+              </a:spcBef>
+              <a:spcAft>
+                <a:spcPts val="0"/>
+              </a:spcAft>
+              <a:buClrTx/>
+              <a:buSzTx/>
+              <a:buFontTx/>
+              <a:buNone/>
+              <a:tabLst/>
+              <a:defRPr/>
+            </a:pPr>
             <a:r>
               <a:rPr lang="en-US" sz="1200" b="0" i="0" kern="1200" dirty="0" smtClean="0">
                 <a:solidFill>
@@ -2777,7 +2582,13 @@
                 <a:ea typeface="+mn-ea"/>
                 <a:cs typeface="+mn-cs"/>
               </a:rPr>
-              <a:t>- Support for embedded data models reduces I/O activity on database file system.</a:t>
+              <a:t>No SQL queries with joins</a:t>
+            </a:r>
+          </a:p>
+          <a:p>
+            <a:r>
+              <a:rPr lang="en-US" dirty="0" smtClean="0"/>
+              <a:t>No tables</a:t>
             </a:r>
           </a:p>
           <a:p>
@@ -2791,31 +2602,10 @@
                 <a:ea typeface="+mn-ea"/>
                 <a:cs typeface="+mn-cs"/>
               </a:rPr>
-              <a:t>- Indexes support faster queries and can include keys from embedded documents and arrays.</a:t>
-            </a:r>
-          </a:p>
-          <a:p>
-            <a:endParaRPr lang="en-US" baseline="0" dirty="0" smtClean="0"/>
-          </a:p>
-          <a:p>
-            <a:r>
-              <a:rPr lang="en-US" baseline="0" dirty="0" smtClean="0"/>
-              <a:t>High availably: structured to replicate data and partition data across servers.</a:t>
-            </a:r>
-          </a:p>
-          <a:p>
-            <a:r>
-              <a:rPr lang="en-US" sz="1200" b="0" i="1" kern="1200" dirty="0" smtClean="0">
-                <a:solidFill>
-                  <a:schemeClr val="tx1"/>
-                </a:solidFill>
-                <a:effectLst/>
-                <a:latin typeface="+mn-lt"/>
-                <a:ea typeface="+mn-ea"/>
-                <a:cs typeface="+mn-cs"/>
-              </a:rPr>
-              <a:t>- automatic</a:t>
-            </a:r>
+              <a:t>No columns</a:t>
+            </a:r>
+          </a:p>
+          <a:p>
             <a:r>
               <a:rPr lang="en-US" sz="1200" b="0" i="0" kern="1200" dirty="0" smtClean="0">
                 <a:solidFill>
@@ -2826,21 +2616,10 @@
                 <a:ea typeface="+mn-ea"/>
                 <a:cs typeface="+mn-cs"/>
               </a:rPr>
-              <a:t> failover and data redundancy.</a:t>
-            </a:r>
-          </a:p>
-          <a:p>
-            <a:endParaRPr lang="en-US" baseline="0" dirty="0" smtClean="0"/>
-          </a:p>
-          <a:p>
-            <a:r>
-              <a:rPr lang="en-US" baseline="0" dirty="0" smtClean="0"/>
-              <a:t>Horizontal scaling: documents can be partitioned between servers to distribute the load</a:t>
-            </a:r>
-          </a:p>
-          <a:p>
-            <a:r>
-              <a:rPr lang="en-US" sz="1200" b="0" i="0" u="none" strike="noStrike" kern="1200" dirty="0" smtClean="0">
+              <a:t>No predefined</a:t>
+            </a:r>
+            <a:r>
+              <a:rPr lang="en-US" sz="1200" b="0" i="0" kern="1200" baseline="0" dirty="0" smtClean="0">
                 <a:solidFill>
                   <a:schemeClr val="tx1"/>
                 </a:solidFill>
@@ -2848,23 +2627,20 @@
                 <a:latin typeface="+mn-lt"/>
                 <a:ea typeface="+mn-ea"/>
                 <a:cs typeface="+mn-cs"/>
-                <a:hlinkClick r:id="rId3"/>
-              </a:rPr>
-              <a:t>- </a:t>
-            </a:r>
-            <a:r>
-              <a:rPr lang="en-US" sz="1200" b="0" i="0" u="none" strike="noStrike" kern="1200" dirty="0" err="1" smtClean="0">
-                <a:solidFill>
-                  <a:schemeClr val="tx1"/>
-                </a:solidFill>
-                <a:effectLst/>
-                <a:latin typeface="+mn-lt"/>
-                <a:ea typeface="+mn-ea"/>
-                <a:cs typeface="+mn-cs"/>
-                <a:hlinkClick r:id="rId3"/>
-              </a:rPr>
-              <a:t>Sharding</a:t>
-            </a:r>
+              </a:rPr>
+              <a:t> schema</a:t>
+            </a:r>
+            <a:endParaRPr lang="en-US" sz="1200" b="0" i="0" kern="1200" dirty="0" smtClean="0">
+              <a:solidFill>
+                <a:schemeClr val="tx1"/>
+              </a:solidFill>
+              <a:effectLst/>
+              <a:latin typeface="+mn-lt"/>
+              <a:ea typeface="+mn-ea"/>
+              <a:cs typeface="+mn-cs"/>
+            </a:endParaRPr>
+          </a:p>
+          <a:p>
             <a:r>
               <a:rPr lang="en-US" sz="1200" b="0" i="0" kern="1200" dirty="0" smtClean="0">
                 <a:solidFill>
@@ -2875,12 +2651,10 @@
                 <a:ea typeface="+mn-ea"/>
                 <a:cs typeface="+mn-cs"/>
               </a:rPr>
-              <a:t> distributes data across a cluster of machines.</a:t>
-            </a:r>
-          </a:p>
-          <a:p>
-            <a:r>
-              <a:rPr lang="en-US" sz="1200" b="0" i="0" kern="1200" dirty="0" smtClean="0">
+              <a:t>No</a:t>
+            </a:r>
+            <a:r>
+              <a:rPr lang="en-US" sz="1200" b="0" i="0" kern="1200" baseline="0" dirty="0" smtClean="0">
                 <a:solidFill>
                   <a:schemeClr val="tx1"/>
                 </a:solidFill>
@@ -2889,83 +2663,30 @@
                 <a:ea typeface="+mn-ea"/>
                 <a:cs typeface="+mn-cs"/>
               </a:rPr>
-              <a:t>- MongoDB 3.4 supports creating </a:t>
-            </a:r>
-            <a:r>
-              <a:rPr lang="en-US" sz="1200" b="0" i="0" u="none" strike="noStrike" kern="1200" dirty="0" smtClean="0">
-                <a:solidFill>
-                  <a:schemeClr val="tx1"/>
-                </a:solidFill>
-                <a:effectLst/>
-                <a:latin typeface="+mn-lt"/>
-                <a:ea typeface="+mn-ea"/>
-                <a:cs typeface="+mn-cs"/>
-                <a:hlinkClick r:id="rId4"/>
-              </a:rPr>
-              <a:t>zones</a:t>
-            </a:r>
-            <a:r>
-              <a:rPr lang="en-US" sz="1200" b="0" i="0" kern="1200" dirty="0" smtClean="0">
-                <a:solidFill>
-                  <a:schemeClr val="tx1"/>
-                </a:solidFill>
-                <a:effectLst/>
-                <a:latin typeface="+mn-lt"/>
-                <a:ea typeface="+mn-ea"/>
-                <a:cs typeface="+mn-cs"/>
-              </a:rPr>
-              <a:t> of data based on the </a:t>
-            </a:r>
-            <a:r>
-              <a:rPr lang="en-US" sz="1200" b="0" i="0" u="none" strike="noStrike" kern="1200" dirty="0" smtClean="0">
-                <a:solidFill>
-                  <a:schemeClr val="tx1"/>
-                </a:solidFill>
-                <a:effectLst/>
-                <a:latin typeface="+mn-lt"/>
-                <a:ea typeface="+mn-ea"/>
-                <a:cs typeface="+mn-cs"/>
-                <a:hlinkClick r:id="rId5"/>
-              </a:rPr>
-              <a:t>shard key</a:t>
-            </a:r>
-            <a:r>
-              <a:rPr lang="en-US" sz="1200" b="0" i="0" kern="1200" dirty="0" smtClean="0">
-                <a:solidFill>
-                  <a:schemeClr val="tx1"/>
-                </a:solidFill>
-                <a:effectLst/>
-                <a:latin typeface="+mn-lt"/>
-                <a:ea typeface="+mn-ea"/>
-                <a:cs typeface="+mn-cs"/>
-              </a:rPr>
-              <a:t>. In a balanced cluster, MongoDB directs reads and writes covered by a zone only to those shards inside the zone. See the </a:t>
-            </a:r>
-            <a:r>
-              <a:rPr lang="en-US" sz="1200" b="0" i="0" u="none" strike="noStrike" kern="1200" dirty="0" smtClean="0">
-                <a:solidFill>
-                  <a:schemeClr val="tx1"/>
-                </a:solidFill>
-                <a:effectLst/>
-                <a:latin typeface="+mn-lt"/>
-                <a:ea typeface="+mn-ea"/>
-                <a:cs typeface="+mn-cs"/>
-                <a:hlinkClick r:id="rId4"/>
-              </a:rPr>
-              <a:t>Zones</a:t>
-            </a:r>
-            <a:r>
-              <a:rPr lang="en-US" sz="1200" b="0" i="0" kern="1200" dirty="0" smtClean="0">
-                <a:solidFill>
-                  <a:schemeClr val="tx1"/>
-                </a:solidFill>
-                <a:effectLst/>
-                <a:latin typeface="+mn-lt"/>
-                <a:ea typeface="+mn-ea"/>
-                <a:cs typeface="+mn-cs"/>
-              </a:rPr>
-              <a:t> manual page for more information.</a:t>
-            </a:r>
+              <a:t> commit/rollback</a:t>
+            </a:r>
+          </a:p>
+          <a:p>
+            <a:endParaRPr lang="en-US" sz="1200" b="0" i="0" kern="1200" baseline="0" dirty="0" smtClean="0">
+              <a:solidFill>
+                <a:schemeClr val="tx1"/>
+              </a:solidFill>
+              <a:effectLst/>
+              <a:latin typeface="+mn-lt"/>
+              <a:ea typeface="+mn-ea"/>
+              <a:cs typeface="+mn-cs"/>
+            </a:endParaRPr>
+          </a:p>
+          <a:p>
+            <a:endParaRPr lang="en-US" sz="1200" b="0" i="0" kern="1200" dirty="0" smtClean="0">
+              <a:solidFill>
+                <a:schemeClr val="tx1"/>
+              </a:solidFill>
+              <a:effectLst/>
+              <a:latin typeface="+mn-lt"/>
+              <a:ea typeface="+mn-ea"/>
+              <a:cs typeface="+mn-cs"/>
+            </a:endParaRPr>
           </a:p>
           <a:p>
             <a:endParaRPr lang="en-US" baseline="0" dirty="0" smtClean="0"/>
@@ -5635,58 +5356,7 @@
           <a:lstStyle/>
           <a:p>
             <a:r>
-              <a:rPr lang="en-US" dirty="0" smtClean="0"/>
-              <a:t>NoSQL: flexible</a:t>
-            </a:r>
-            <a:r>
-              <a:rPr lang="en-US" baseline="0" dirty="0" smtClean="0"/>
-              <a:t> schema, directly map to </a:t>
-            </a:r>
-            <a:r>
-              <a:rPr lang="en-US" baseline="0" dirty="0" err="1" smtClean="0"/>
-              <a:t>datastructures</a:t>
-            </a:r>
-            <a:r>
-              <a:rPr lang="en-US" baseline="0" dirty="0" smtClean="0"/>
-              <a:t>, support redundancy, scale up well…  ACID: atomic, consistent, isolated and durable.  </a:t>
-            </a:r>
-          </a:p>
-          <a:p>
-            <a:endParaRPr lang="en-US" baseline="0" dirty="0" smtClean="0"/>
-          </a:p>
-          <a:p>
-            <a:r>
-              <a:rPr lang="en-US" baseline="0" dirty="0" smtClean="0"/>
-              <a:t>Instead of tables of columns and rows, MongoDB stores documents that are in a JSON like structure.  BSON: binary JSON.  Simple data structures, associative arrays (key/value pairs), binary objects, </a:t>
-            </a:r>
-            <a:r>
-              <a:rPr lang="en-US" baseline="0" dirty="0" err="1" smtClean="0"/>
-              <a:t>javascript</a:t>
-            </a:r>
-            <a:r>
-              <a:rPr lang="en-US" baseline="0" dirty="0" smtClean="0"/>
-              <a:t> objects, regex, MD5 binary data.</a:t>
-            </a:r>
-          </a:p>
-          <a:p>
-            <a:r>
-              <a:rPr lang="en-US" baseline="0" dirty="0" smtClean="0"/>
-              <a:t>- Max doc size 16 MB </a:t>
-            </a:r>
-            <a:endParaRPr lang="en-US" dirty="0" smtClean="0"/>
-          </a:p>
-          <a:p>
-            <a:endParaRPr lang="en-US" baseline="0" dirty="0" smtClean="0"/>
-          </a:p>
-          <a:p>
-            <a:r>
-              <a:rPr lang="en-US" baseline="0" dirty="0" smtClean="0"/>
-              <a:t>High performance: MongoDB stores structures documents, not just columns.  Reads/writes by primary key on a table but with structure.</a:t>
-            </a:r>
-          </a:p>
-          <a:p>
-            <a:r>
-              <a:rPr lang="en-US" sz="1200" b="0" i="0" kern="1200" dirty="0" smtClean="0">
+              <a:rPr lang="en-US" sz="1200" b="0" i="0" kern="1200" baseline="0" dirty="0" smtClean="0">
                 <a:solidFill>
                   <a:schemeClr val="tx1"/>
                 </a:solidFill>
@@ -5695,194 +5365,7 @@
                 <a:ea typeface="+mn-ea"/>
                 <a:cs typeface="+mn-cs"/>
               </a:rPr>
-              <a:t>- Support for embedded data models reduces I/O activity on database file system.</a:t>
-            </a:r>
-          </a:p>
-          <a:p>
-            <a:r>
-              <a:rPr lang="en-US" sz="1200" b="0" i="0" kern="1200" dirty="0" smtClean="0">
-                <a:solidFill>
-                  <a:schemeClr val="tx1"/>
-                </a:solidFill>
-                <a:effectLst/>
-                <a:latin typeface="+mn-lt"/>
-                <a:ea typeface="+mn-ea"/>
-                <a:cs typeface="+mn-cs"/>
-              </a:rPr>
-              <a:t>- Indexes support faster queries and can include keys from embedded documents and arrays.</a:t>
-            </a:r>
-          </a:p>
-          <a:p>
-            <a:endParaRPr lang="en-US" baseline="0" dirty="0" smtClean="0"/>
-          </a:p>
-          <a:p>
-            <a:r>
-              <a:rPr lang="en-US" baseline="0" dirty="0" smtClean="0"/>
-              <a:t>High availably: structured to replicate data and partition data across servers.</a:t>
-            </a:r>
-          </a:p>
-          <a:p>
-            <a:r>
-              <a:rPr lang="en-US" sz="1200" b="0" i="1" kern="1200" dirty="0" smtClean="0">
-                <a:solidFill>
-                  <a:schemeClr val="tx1"/>
-                </a:solidFill>
-                <a:effectLst/>
-                <a:latin typeface="+mn-lt"/>
-                <a:ea typeface="+mn-ea"/>
-                <a:cs typeface="+mn-cs"/>
-              </a:rPr>
-              <a:t>- automatic</a:t>
-            </a:r>
-            <a:r>
-              <a:rPr lang="en-US" sz="1200" b="0" i="0" kern="1200" dirty="0" smtClean="0">
-                <a:solidFill>
-                  <a:schemeClr val="tx1"/>
-                </a:solidFill>
-                <a:effectLst/>
-                <a:latin typeface="+mn-lt"/>
-                <a:ea typeface="+mn-ea"/>
-                <a:cs typeface="+mn-cs"/>
-              </a:rPr>
-              <a:t> failover and data redundancy.</a:t>
-            </a:r>
-          </a:p>
-          <a:p>
-            <a:endParaRPr lang="en-US" baseline="0" dirty="0" smtClean="0"/>
-          </a:p>
-          <a:p>
-            <a:r>
-              <a:rPr lang="en-US" baseline="0" dirty="0" smtClean="0"/>
-              <a:t>Horizontal scaling: documents can be partitioned between servers to distribute the load</a:t>
-            </a:r>
-          </a:p>
-          <a:p>
-            <a:r>
-              <a:rPr lang="en-US" sz="1200" b="0" i="0" u="none" strike="noStrike" kern="1200" dirty="0" smtClean="0">
-                <a:solidFill>
-                  <a:schemeClr val="tx1"/>
-                </a:solidFill>
-                <a:effectLst/>
-                <a:latin typeface="+mn-lt"/>
-                <a:ea typeface="+mn-ea"/>
-                <a:cs typeface="+mn-cs"/>
-                <a:hlinkClick r:id="rId3"/>
-              </a:rPr>
-              <a:t>- </a:t>
-            </a:r>
-            <a:r>
-              <a:rPr lang="en-US" sz="1200" b="0" i="0" u="none" strike="noStrike" kern="1200" dirty="0" err="1" smtClean="0">
-                <a:solidFill>
-                  <a:schemeClr val="tx1"/>
-                </a:solidFill>
-                <a:effectLst/>
-                <a:latin typeface="+mn-lt"/>
-                <a:ea typeface="+mn-ea"/>
-                <a:cs typeface="+mn-cs"/>
-                <a:hlinkClick r:id="rId3"/>
-              </a:rPr>
-              <a:t>Sharding</a:t>
-            </a:r>
-            <a:r>
-              <a:rPr lang="en-US" sz="1200" b="0" i="0" kern="1200" dirty="0" smtClean="0">
-                <a:solidFill>
-                  <a:schemeClr val="tx1"/>
-                </a:solidFill>
-                <a:effectLst/>
-                <a:latin typeface="+mn-lt"/>
-                <a:ea typeface="+mn-ea"/>
-                <a:cs typeface="+mn-cs"/>
-              </a:rPr>
-              <a:t> distributes data across a cluster of machines.</a:t>
-            </a:r>
-          </a:p>
-          <a:p>
-            <a:r>
-              <a:rPr lang="en-US" sz="1200" b="0" i="0" kern="1200" dirty="0" smtClean="0">
-                <a:solidFill>
-                  <a:schemeClr val="tx1"/>
-                </a:solidFill>
-                <a:effectLst/>
-                <a:latin typeface="+mn-lt"/>
-                <a:ea typeface="+mn-ea"/>
-                <a:cs typeface="+mn-cs"/>
-              </a:rPr>
-              <a:t>- MongoDB 3.4 supports creating </a:t>
-            </a:r>
-            <a:r>
-              <a:rPr lang="en-US" sz="1200" b="0" i="0" u="none" strike="noStrike" kern="1200" dirty="0" smtClean="0">
-                <a:solidFill>
-                  <a:schemeClr val="tx1"/>
-                </a:solidFill>
-                <a:effectLst/>
-                <a:latin typeface="+mn-lt"/>
-                <a:ea typeface="+mn-ea"/>
-                <a:cs typeface="+mn-cs"/>
-                <a:hlinkClick r:id="rId4"/>
-              </a:rPr>
-              <a:t>zones</a:t>
-            </a:r>
-            <a:r>
-              <a:rPr lang="en-US" sz="1200" b="0" i="0" kern="1200" dirty="0" smtClean="0">
-                <a:solidFill>
-                  <a:schemeClr val="tx1"/>
-                </a:solidFill>
-                <a:effectLst/>
-                <a:latin typeface="+mn-lt"/>
-                <a:ea typeface="+mn-ea"/>
-                <a:cs typeface="+mn-cs"/>
-              </a:rPr>
-              <a:t> of data based on the </a:t>
-            </a:r>
-            <a:r>
-              <a:rPr lang="en-US" sz="1200" b="0" i="0" u="none" strike="noStrike" kern="1200" dirty="0" smtClean="0">
-                <a:solidFill>
-                  <a:schemeClr val="tx1"/>
-                </a:solidFill>
-                <a:effectLst/>
-                <a:latin typeface="+mn-lt"/>
-                <a:ea typeface="+mn-ea"/>
-                <a:cs typeface="+mn-cs"/>
-                <a:hlinkClick r:id="rId5"/>
-              </a:rPr>
-              <a:t>shard key</a:t>
-            </a:r>
-            <a:r>
-              <a:rPr lang="en-US" sz="1200" b="0" i="0" kern="1200" dirty="0" smtClean="0">
-                <a:solidFill>
-                  <a:schemeClr val="tx1"/>
-                </a:solidFill>
-                <a:effectLst/>
-                <a:latin typeface="+mn-lt"/>
-                <a:ea typeface="+mn-ea"/>
-                <a:cs typeface="+mn-cs"/>
-              </a:rPr>
-              <a:t>. In a balanced cluster, MongoDB directs reads and writes covered by a zone only to those shards inside the zone. See the </a:t>
-            </a:r>
-            <a:r>
-              <a:rPr lang="en-US" sz="1200" b="0" i="0" u="none" strike="noStrike" kern="1200" dirty="0" smtClean="0">
-                <a:solidFill>
-                  <a:schemeClr val="tx1"/>
-                </a:solidFill>
-                <a:effectLst/>
-                <a:latin typeface="+mn-lt"/>
-                <a:ea typeface="+mn-ea"/>
-                <a:cs typeface="+mn-cs"/>
-                <a:hlinkClick r:id="rId4"/>
-              </a:rPr>
-              <a:t>Zones</a:t>
-            </a:r>
-            <a:r>
-              <a:rPr lang="en-US" sz="1200" b="0" i="0" kern="1200" dirty="0" smtClean="0">
-                <a:solidFill>
-                  <a:schemeClr val="tx1"/>
-                </a:solidFill>
-                <a:effectLst/>
-                <a:latin typeface="+mn-lt"/>
-                <a:ea typeface="+mn-ea"/>
-                <a:cs typeface="+mn-cs"/>
-              </a:rPr>
-              <a:t> manual page for more information.</a:t>
+              <a:t>Instead Mongo is based on collections of documents </a:t>
             </a:r>
           </a:p>
           <a:p>
@@ -7759,20 +7242,31 @@
             </a:r>
             <a:r>
               <a:rPr lang="en-US" dirty="0" smtClean="0"/>
-              <a:t>) called BSON.  Documents can contain</a:t>
+              <a:t>) called </a:t>
+            </a:r>
+            <a:r>
+              <a:rPr lang="en-US" dirty="0" smtClean="0"/>
+              <a:t>BSON</a:t>
             </a:r>
             <a:r>
               <a:rPr lang="en-US" baseline="0" dirty="0" smtClean="0"/>
-              <a:t> sub-documents, arrays, references to another documents and include a primary key that can be assigned by MongoDB which is a GUID.  Although MongoDB does not join documents, documents can contain references to other document, pointing to the “_id” of another document.</a:t>
-            </a:r>
-          </a:p>
-          <a:p>
-            <a:endParaRPr lang="en-US" baseline="0" dirty="0" smtClean="0"/>
-          </a:p>
-          <a:p>
+              <a:t> - binary JSON.  </a:t>
+            </a:r>
+            <a:r>
+              <a:rPr lang="en-US" baseline="0" dirty="0" err="1" smtClean="0"/>
+              <a:t>Documnts</a:t>
+            </a:r>
             <a:r>
               <a:rPr lang="en-US" baseline="0" dirty="0" smtClean="0"/>
-              <a:t>Sub-portions of documents can be modified directly rather than updating an entire document.  Updates to a document can also be atomic, so although there is not a concept of transaction across documents, an operation against a single document can be atomic.</a:t>
+              <a:t> contain fields and values and can mirror what you would get in a rest call using </a:t>
+            </a:r>
+            <a:r>
+              <a:rPr lang="en-US" baseline="0" dirty="0" err="1" smtClean="0"/>
+              <a:t>json</a:t>
+            </a:r>
+            <a:r>
+              <a:rPr lang="en-US" baseline="0" dirty="0" smtClean="0"/>
+              <a:t>.</a:t>
             </a:r>
             <a:endParaRPr lang="en-US" dirty="0"/>
           </a:p>
@@ -7860,20 +7354,27 @@
           <a:p>
             <a:r>
               <a:rPr lang="en-US" dirty="0" smtClean="0"/>
-              <a:t>MongoDB stores something very close to JSON called BSON.  Documents can contain</a:t>
+              <a:t>Every document has</a:t>
             </a:r>
             <a:r>
               <a:rPr lang="en-US" baseline="0" dirty="0" smtClean="0"/>
-              <a:t> sub-documents, arrays, references to another documents and include a primary key that can be assigned by MongoDB which is a GUID.  Although MongoDB does not join documents, documents can contain references to other document, pointing to the “_id” of another document.</a:t>
-            </a:r>
-          </a:p>
-          <a:p>
-            <a:endParaRPr lang="en-US" baseline="0" dirty="0" smtClean="0"/>
-          </a:p>
-          <a:p>
+              <a:t> a primary </a:t>
+            </a:r>
             <a:r>
               <a:rPr lang="en-US" baseline="0" dirty="0" smtClean="0"/>
-              <a:t>Sub-portions of documents can be modified directly rather than updating an entire document.  Updates to a document can also be atomic, so although there is not a concept of transaction across documents, an operation against a single document can be atomic.</a:t>
+              <a:t>key that can be assigned by MongoDB which is a GUID. </a:t>
+            </a:r>
+            <a:r>
+              <a:rPr lang="en-US" baseline="0" dirty="0" smtClean="0"/>
+              <a:t>Documents </a:t>
+            </a:r>
+            <a:r>
+              <a:rPr lang="en-US" baseline="0" dirty="0" smtClean="0"/>
+              <a:t>can contain references to other document, pointing to the “_id” of another document</a:t>
+            </a:r>
+            <a:r>
+              <a:rPr lang="en-US" baseline="0" dirty="0" smtClean="0"/>
+              <a:t>.  </a:t>
             </a:r>
             <a:endParaRPr lang="en-US" dirty="0"/>
           </a:p>
@@ -7959,23 +7460,34 @@
           <a:bodyPr/>
           <a:lstStyle/>
           <a:p>
-            <a:r>
-              <a:rPr lang="en-US" dirty="0" smtClean="0"/>
-              <a:t>MongoDB stores something very close to JSON called BSON.  Documents can contain</a:t>
+            <a:pPr marL="0" marR="0" indent="0" algn="l" defTabSz="914400" rtl="0" eaLnBrk="1" fontAlgn="auto" latinLnBrk="0" hangingPunct="1">
+              <a:lnSpc>
+                <a:spcPct val="100000"/>
+              </a:lnSpc>
+              <a:spcBef>
+                <a:spcPts val="0"/>
+              </a:spcBef>
+              <a:spcAft>
+                <a:spcPts val="0"/>
+              </a:spcAft>
+              <a:buClrTx/>
+              <a:buSzTx/>
+              <a:buFontTx/>
+              <a:buNone/>
+              <a:tabLst/>
+              <a:defRPr/>
+            </a:pPr>
+            <a:r>
+              <a:rPr lang="en-US" dirty="0" smtClean="0"/>
+              <a:t>Documents can contain sub-documents.  This allows you to put all the data for</a:t>
             </a:r>
             <a:r>
               <a:rPr lang="en-US" baseline="0" dirty="0" smtClean="0"/>
-              <a:t> sub-documents, arrays, references to another documents and include a primary key that can be assigned by MongoDB which is a GUID.  Although MongoDB does not join documents, documents can contain references to other document, pointing to the “_id” of another document.</a:t>
-            </a:r>
-          </a:p>
-          <a:p>
-            <a:endParaRPr lang="en-US" baseline="0" dirty="0" smtClean="0"/>
-          </a:p>
-          <a:p>
-            <a:r>
-              <a:rPr lang="en-US" baseline="0" dirty="0" smtClean="0"/>
-              <a:t>Sub-portions of documents can be modified directly rather than updating an entire document.  Updates to a document can also be atomic, so although there is not a concept of transaction across documents, an operation against a single document can be atomic.</a:t>
-            </a:r>
+              <a:t> your most heavily used queries in one document even de-normalizing data to fix your most common use cases. Sub-portions of documents can be modified directly rather than updating an entire document.  Updates to a document can also be atomic, so although there is not a concept of transaction across documents, an operation against a single document can be atomic.</a:t>
+            </a:r>
+            <a:endParaRPr lang="en-US" dirty="0" smtClean="0"/>
+          </a:p>
+          <a:p>
             <a:endParaRPr lang="en-US" dirty="0"/>
           </a:p>
         </p:txBody>
@@ -8062,21 +7574,14 @@
           <a:p>
             <a:r>
               <a:rPr lang="en-US" dirty="0" smtClean="0"/>
-              <a:t>MongoDB stores something very close to JSON called BSON.  Documents can contain</a:t>
+              <a:t>And documents can contain arrays including arrays</a:t>
             </a:r>
             <a:r>
               <a:rPr lang="en-US" baseline="0" dirty="0" smtClean="0"/>
-              <a:t> sub-documents, arrays, references to another documents and include a primary key that can be assigned by MongoDB which is a GUID.  Although MongoDB does not join documents, documents can contain references to other document, pointing to the “_id” of another document.</a:t>
-            </a:r>
-          </a:p>
-          <a:p>
-            <a:endParaRPr lang="en-US" baseline="0" dirty="0" smtClean="0"/>
-          </a:p>
-          <a:p>
-            <a:r>
-              <a:rPr lang="en-US" baseline="0" dirty="0" smtClean="0"/>
-              <a:t>Sub-portions of documents can be modified directly rather than updating an entire document.  Updates to a document can also be atomic, so although there is not a concept of transaction across documents, an operation against a single document can be atomic.</a:t>
-            </a:r>
+              <a:t> of documents.  Indices can be added to fields and arrays so that access based on complex structures can be efficient.  There is a maximum document size, but it is 16M.  </a:t>
+            </a:r>
+          </a:p>
+          <a:p>
             <a:endParaRPr lang="en-US" dirty="0"/>
           </a:p>
         </p:txBody>
@@ -8162,254 +7667,18 @@
           <a:lstStyle/>
           <a:p>
             <a:r>
-              <a:rPr lang="en-US" dirty="0" smtClean="0"/>
-              <a:t>NoSQL: flexible</a:t>
-            </a:r>
-            <a:r>
               <a:rPr lang="en-US" baseline="0" dirty="0" smtClean="0"/>
-              <a:t> schema, directly map to </a:t>
-            </a:r>
-            <a:r>
-              <a:rPr lang="en-US" baseline="0" dirty="0" err="1" smtClean="0"/>
-              <a:t>datastructures</a:t>
-            </a:r>
+              <a:t>SQL databases are usually build on the idea that if you need more performance or space you will beef up your database server.  This is called vertical scaling.</a:t>
+            </a:r>
+          </a:p>
+          <a:p>
             <a:r>
               <a:rPr lang="en-US" baseline="0" dirty="0" smtClean="0"/>
-              <a:t>, support redundancy, scale up well…  ACID: atomic, consistent, isolated and durable.  </a:t>
-            </a:r>
-          </a:p>
-          <a:p>
-            <a:endParaRPr lang="en-US" baseline="0" dirty="0" smtClean="0"/>
-          </a:p>
-          <a:p>
+              <a:t>Mongo uses Horizontal </a:t>
+            </a:r>
             <a:r>
               <a:rPr lang="en-US" baseline="0" dirty="0" smtClean="0"/>
-              <a:t>Instead of tables of columns and rows, MongoDB stores documents that are in a JSON like structure.  BSON: binary JSON.  Simple data structures, associative arrays (key/value pairs), binary objects, </a:t>
-            </a:r>
-            <a:r>
-              <a:rPr lang="en-US" baseline="0" dirty="0" err="1" smtClean="0"/>
-              <a:t>javascript</a:t>
-            </a:r>
-            <a:r>
-              <a:rPr lang="en-US" baseline="0" dirty="0" smtClean="0"/>
-              <a:t> objects, regex, MD5 binary data.</a:t>
-            </a:r>
-          </a:p>
-          <a:p>
-            <a:r>
-              <a:rPr lang="en-US" baseline="0" dirty="0" smtClean="0"/>
-              <a:t>- Max doc size 16 MB </a:t>
-            </a:r>
-            <a:endParaRPr lang="en-US" dirty="0" smtClean="0"/>
-          </a:p>
-          <a:p>
-            <a:endParaRPr lang="en-US" baseline="0" dirty="0" smtClean="0"/>
-          </a:p>
-          <a:p>
-            <a:r>
-              <a:rPr lang="en-US" baseline="0" dirty="0" smtClean="0"/>
-              <a:t>High performance: MongoDB stores structures documents, not just columns.  Reads/writes by primary key on a table but with structure.</a:t>
-            </a:r>
-          </a:p>
-          <a:p>
-            <a:r>
-              <a:rPr lang="en-US" sz="1200" b="0" i="0" kern="1200" dirty="0" smtClean="0">
-                <a:solidFill>
-                  <a:schemeClr val="tx1"/>
-                </a:solidFill>
-                <a:effectLst/>
-                <a:latin typeface="+mn-lt"/>
-                <a:ea typeface="+mn-ea"/>
-                <a:cs typeface="+mn-cs"/>
-              </a:rPr>
-              <a:t>- Support for embedded data models reduces I/O activity on database file system.</a:t>
-            </a:r>
-          </a:p>
-          <a:p>
-            <a:r>
-              <a:rPr lang="en-US" sz="1200" b="0" i="0" kern="1200" dirty="0" smtClean="0">
-                <a:solidFill>
-                  <a:schemeClr val="tx1"/>
-                </a:solidFill>
-                <a:effectLst/>
-                <a:latin typeface="+mn-lt"/>
-                <a:ea typeface="+mn-ea"/>
-                <a:cs typeface="+mn-cs"/>
-              </a:rPr>
-              <a:t>- Indexes support faster queries and can include keys from embedded documents and arrays.</a:t>
-            </a:r>
-          </a:p>
-          <a:p>
-            <a:endParaRPr lang="en-US" baseline="0" dirty="0" smtClean="0"/>
-          </a:p>
-          <a:p>
-            <a:r>
-              <a:rPr lang="en-US" baseline="0" dirty="0" smtClean="0"/>
-              <a:t>High availably: structured to replicate data and partition data across servers.</a:t>
-            </a:r>
-          </a:p>
-          <a:p>
-            <a:r>
-              <a:rPr lang="en-US" sz="1200" b="0" i="1" kern="1200" dirty="0" smtClean="0">
-                <a:solidFill>
-                  <a:schemeClr val="tx1"/>
-                </a:solidFill>
-                <a:effectLst/>
-                <a:latin typeface="+mn-lt"/>
-                <a:ea typeface="+mn-ea"/>
-                <a:cs typeface="+mn-cs"/>
-              </a:rPr>
-              <a:t>- automatic</a:t>
-            </a:r>
-            <a:r>
-              <a:rPr lang="en-US" sz="1200" b="0" i="0" kern="1200" dirty="0" smtClean="0">
-                <a:solidFill>
-                  <a:schemeClr val="tx1"/>
-                </a:solidFill>
-                <a:effectLst/>
-                <a:latin typeface="+mn-lt"/>
-                <a:ea typeface="+mn-ea"/>
-                <a:cs typeface="+mn-cs"/>
-              </a:rPr>
-              <a:t> failover and data redundancy.</a:t>
-            </a:r>
-          </a:p>
-          <a:p>
-            <a:endParaRPr lang="en-US" baseline="0" dirty="0" smtClean="0"/>
-          </a:p>
-          <a:p>
-            <a:r>
-              <a:rPr lang="en-US" baseline="0" dirty="0" smtClean="0"/>
-              <a:t>Horizontal scaling: documents can be partitioned between servers to distribute the load</a:t>
-            </a:r>
-          </a:p>
-          <a:p>
-            <a:r>
-              <a:rPr lang="en-US" sz="1200" b="0" i="0" u="none" strike="noStrike" kern="1200" dirty="0" smtClean="0">
-                <a:solidFill>
-                  <a:schemeClr val="tx1"/>
-                </a:solidFill>
-                <a:effectLst/>
-                <a:latin typeface="+mn-lt"/>
-                <a:ea typeface="+mn-ea"/>
-                <a:cs typeface="+mn-cs"/>
-                <a:hlinkClick r:id="rId3"/>
-              </a:rPr>
-              <a:t>- </a:t>
-            </a:r>
-            <a:r>
-              <a:rPr lang="en-US" sz="1200" b="0" i="0" u="none" strike="noStrike" kern="1200" dirty="0" err="1" smtClean="0">
-                <a:solidFill>
-                  <a:schemeClr val="tx1"/>
-                </a:solidFill>
-                <a:effectLst/>
-                <a:latin typeface="+mn-lt"/>
-                <a:ea typeface="+mn-ea"/>
-                <a:cs typeface="+mn-cs"/>
-                <a:hlinkClick r:id="rId3"/>
-              </a:rPr>
-              <a:t>Sharding</a:t>
-            </a:r>
-            <a:r>
-              <a:rPr lang="en-US" sz="1200" b="0" i="0" kern="1200" dirty="0" smtClean="0">
-                <a:solidFill>
-                  <a:schemeClr val="tx1"/>
-                </a:solidFill>
-                <a:effectLst/>
-                <a:latin typeface="+mn-lt"/>
-                <a:ea typeface="+mn-ea"/>
-                <a:cs typeface="+mn-cs"/>
-              </a:rPr>
-              <a:t> distributes data across a cluster of machines.</a:t>
-            </a:r>
-          </a:p>
-          <a:p>
-            <a:r>
-              <a:rPr lang="en-US" sz="1200" b="0" i="0" kern="1200" dirty="0" smtClean="0">
-                <a:solidFill>
-                  <a:schemeClr val="tx1"/>
-                </a:solidFill>
-                <a:effectLst/>
-                <a:latin typeface="+mn-lt"/>
-                <a:ea typeface="+mn-ea"/>
-                <a:cs typeface="+mn-cs"/>
-              </a:rPr>
-              <a:t>- MongoDB 3.4 supports creating </a:t>
-            </a:r>
-            <a:r>
-              <a:rPr lang="en-US" sz="1200" b="0" i="0" u="none" strike="noStrike" kern="1200" dirty="0" smtClean="0">
-                <a:solidFill>
-                  <a:schemeClr val="tx1"/>
-                </a:solidFill>
-                <a:effectLst/>
-                <a:latin typeface="+mn-lt"/>
-                <a:ea typeface="+mn-ea"/>
-                <a:cs typeface="+mn-cs"/>
-                <a:hlinkClick r:id="rId4"/>
-              </a:rPr>
-              <a:t>zones</a:t>
-            </a:r>
-            <a:r>
-              <a:rPr lang="en-US" sz="1200" b="0" i="0" kern="1200" dirty="0" smtClean="0">
-                <a:solidFill>
-                  <a:schemeClr val="tx1"/>
-                </a:solidFill>
-                <a:effectLst/>
-                <a:latin typeface="+mn-lt"/>
-                <a:ea typeface="+mn-ea"/>
-                <a:cs typeface="+mn-cs"/>
-              </a:rPr>
-              <a:t> of data based on the </a:t>
-            </a:r>
-            <a:r>
-              <a:rPr lang="en-US" sz="1200" b="0" i="0" u="none" strike="noStrike" kern="1200" dirty="0" smtClean="0">
-                <a:solidFill>
-                  <a:schemeClr val="tx1"/>
-                </a:solidFill>
-                <a:effectLst/>
-                <a:latin typeface="+mn-lt"/>
-                <a:ea typeface="+mn-ea"/>
-                <a:cs typeface="+mn-cs"/>
-                <a:hlinkClick r:id="rId5"/>
-              </a:rPr>
-              <a:t>shard key</a:t>
-            </a:r>
-            <a:r>
-              <a:rPr lang="en-US" sz="1200" b="0" i="0" kern="1200" dirty="0" smtClean="0">
-                <a:solidFill>
-                  <a:schemeClr val="tx1"/>
-                </a:solidFill>
-                <a:effectLst/>
-                <a:latin typeface="+mn-lt"/>
-                <a:ea typeface="+mn-ea"/>
-                <a:cs typeface="+mn-cs"/>
-              </a:rPr>
-              <a:t>. In a balanced cluster, MongoDB directs reads and writes covered by a zone only to those shards inside the zone. See the </a:t>
-            </a:r>
-            <a:r>
-              <a:rPr lang="en-US" sz="1200" b="0" i="0" u="none" strike="noStrike" kern="1200" dirty="0" smtClean="0">
-                <a:solidFill>
-                  <a:schemeClr val="tx1"/>
-                </a:solidFill>
-                <a:effectLst/>
-                <a:latin typeface="+mn-lt"/>
-                <a:ea typeface="+mn-ea"/>
-                <a:cs typeface="+mn-cs"/>
-                <a:hlinkClick r:id="rId4"/>
-              </a:rPr>
-              <a:t>Zones</a:t>
-            </a:r>
-            <a:r>
-              <a:rPr lang="en-US" sz="1200" b="0" i="0" kern="1200" dirty="0" smtClean="0">
-                <a:solidFill>
-                  <a:schemeClr val="tx1"/>
-                </a:solidFill>
-                <a:effectLst/>
-                <a:latin typeface="+mn-lt"/>
-                <a:ea typeface="+mn-ea"/>
-                <a:cs typeface="+mn-cs"/>
-              </a:rPr>
-              <a:t> manual page for more information.</a:t>
+              <a:t>scaling: documents can be partitioned between servers to distribute the load</a:t>
             </a:r>
           </a:p>
           <a:p>
@@ -8510,23 +7779,10 @@
                 <a:ea typeface="+mn-ea"/>
                 <a:cs typeface="+mn-cs"/>
               </a:rPr>
-              <a:t>There are two methods for addressing system growth: vertical and horizontal scaling.</a:t>
-            </a:r>
-          </a:p>
-          <a:p>
-            <a:endParaRPr lang="en-US" sz="1200" b="0" i="1" kern="1200" dirty="0" smtClean="0">
-              <a:solidFill>
-                <a:schemeClr val="tx1"/>
-              </a:solidFill>
-              <a:effectLst/>
-              <a:latin typeface="+mn-lt"/>
-              <a:ea typeface="+mn-ea"/>
-              <a:cs typeface="+mn-cs"/>
-            </a:endParaRPr>
-          </a:p>
-          <a:p>
-            <a:r>
-              <a:rPr lang="en-US" sz="1200" b="0" i="1" kern="1200" dirty="0" smtClean="0">
+              <a:t>Here we have</a:t>
+            </a:r>
+            <a:r>
+              <a:rPr lang="en-US" sz="1200" b="0" i="0" kern="1200" baseline="0" dirty="0" smtClean="0">
                 <a:solidFill>
                   <a:schemeClr val="tx1"/>
                 </a:solidFill>
@@ -8535,7 +7791,31 @@
                 <a:ea typeface="+mn-ea"/>
                 <a:cs typeface="+mn-cs"/>
               </a:rPr>
-              <a:t>Vertical Scaling</a:t>
+              <a:t> the components of a </a:t>
+            </a:r>
+            <a:r>
+              <a:rPr lang="en-US" sz="1200" b="0" i="0" kern="1200" baseline="0" dirty="0" err="1" smtClean="0">
+                <a:solidFill>
+                  <a:schemeClr val="tx1"/>
+                </a:solidFill>
+                <a:effectLst/>
+                <a:latin typeface="+mn-lt"/>
+                <a:ea typeface="+mn-ea"/>
+                <a:cs typeface="+mn-cs"/>
+              </a:rPr>
+              <a:t>s</a:t>
+            </a:r>
+            <a:r>
+              <a:rPr lang="en-US" sz="1200" b="0" i="0" kern="1200" dirty="0" err="1" smtClean="0">
+                <a:solidFill>
+                  <a:schemeClr val="tx1"/>
+                </a:solidFill>
+                <a:effectLst/>
+                <a:latin typeface="+mn-lt"/>
+                <a:ea typeface="+mn-ea"/>
+                <a:cs typeface="+mn-cs"/>
+              </a:rPr>
+              <a:t>harded</a:t>
             </a:r>
             <a:r>
               <a:rPr lang="en-US" sz="1200" b="0" i="0" kern="1200" dirty="0" smtClean="0">
@@ -8547,23 +7827,10 @@
                 <a:ea typeface="+mn-ea"/>
                 <a:cs typeface="+mn-cs"/>
               </a:rPr>
-              <a:t> involves increasing the capacity of a single server, such as using a more powerful CPU, adding more RAM, or increasing the amount of storage space. Limitations in available technology may restrict a single machine from being sufficiently powerful for a given workload. Additionally, Cloud-based providers have hard ceilings based on available hardware configurations. As a result, there is a practical maximum for vertical scaling.</a:t>
-            </a:r>
-          </a:p>
-          <a:p>
-            <a:endParaRPr lang="en-US" sz="1200" b="0" i="1" kern="1200" dirty="0" smtClean="0">
-              <a:solidFill>
-                <a:schemeClr val="tx1"/>
-              </a:solidFill>
-              <a:effectLst/>
-              <a:latin typeface="+mn-lt"/>
-              <a:ea typeface="+mn-ea"/>
-              <a:cs typeface="+mn-cs"/>
-            </a:endParaRPr>
-          </a:p>
-          <a:p>
-            <a:r>
-              <a:rPr lang="en-US" sz="1200" b="0" i="1" kern="1200" dirty="0" smtClean="0">
+              <a:t> cluster – data is partitioned</a:t>
+            </a:r>
+            <a:r>
+              <a:rPr lang="en-US" sz="1200" b="0" i="0" kern="1200" baseline="0" dirty="0" smtClean="0">
                 <a:solidFill>
                   <a:schemeClr val="tx1"/>
                 </a:solidFill>
@@ -8572,10 +7839,10 @@
                 <a:ea typeface="+mn-ea"/>
                 <a:cs typeface="+mn-cs"/>
               </a:rPr>
-              <a:t>Horizontal Scaling</a:t>
-            </a:r>
-            <a:r>
-              <a:rPr lang="en-US" sz="1200" b="0" i="0" kern="1200" dirty="0" smtClean="0">
+              <a:t> into shards by defining a </a:t>
+            </a:r>
+            <a:r>
+              <a:rPr lang="en-US" sz="1200" b="0" i="0" kern="1200" baseline="0" dirty="0" err="1" smtClean="0">
                 <a:solidFill>
                   <a:schemeClr val="tx1"/>
                 </a:solidFill>
@@ -8584,10 +7851,20 @@
                 <a:ea typeface="+mn-ea"/>
                 <a:cs typeface="+mn-cs"/>
               </a:rPr>
-              <a:t> involves dividing the system dataset and load over multiple servers, adding additional servers to increase capacity as required. While the overall speed or capacity of a single machine may not be high, each machine handles a subset of the overall workload, potentially providing better efficiency than a single high-speed high-capacity server. Expanding the capacity of the deployment only requires adding additional servers as needed, which can be a lower overall cost than high-end hardware for a single machine. The trade off is increased complexity in infrastructure and maintenance for the deployment.</a:t>
-            </a:r>
-          </a:p>
-          <a:p>
+              <a:t>sharding</a:t>
+            </a:r>
+            <a:r>
+              <a:rPr lang="en-US" sz="1200" b="0" i="0" kern="1200" baseline="0" dirty="0" smtClean="0">
+                <a:solidFill>
+                  <a:schemeClr val="tx1"/>
+                </a:solidFill>
+                <a:effectLst/>
+                <a:latin typeface="+mn-lt"/>
+                <a:ea typeface="+mn-ea"/>
+                <a:cs typeface="+mn-cs"/>
+              </a:rPr>
+              <a:t> key.</a:t>
+            </a:r>
             <a:endParaRPr lang="en-US" sz="1200" b="0" i="0" kern="1200" dirty="0" smtClean="0">
               <a:solidFill>
                 <a:schemeClr val="tx1"/>
@@ -8609,31 +7886,7 @@
                 <a:ea typeface="+mn-ea"/>
                 <a:cs typeface="+mn-cs"/>
               </a:rPr>
-              <a:t>MongoDB supports </a:t>
-            </a:r>
-            <a:r>
-              <a:rPr lang="en-US" sz="1200" b="0" i="1" kern="1200" dirty="0" smtClean="0">
-                <a:solidFill>
-                  <a:schemeClr val="tx1"/>
-                </a:solidFill>
-                <a:effectLst/>
-                <a:latin typeface="+mn-lt"/>
-                <a:ea typeface="+mn-ea"/>
-                <a:cs typeface="+mn-cs"/>
-              </a:rPr>
-              <a:t>horizontal scaling</a:t>
-            </a:r>
-            <a:r>
-              <a:rPr lang="en-US" sz="1200" b="0" i="0" kern="1200" dirty="0" smtClean="0">
-                <a:solidFill>
-                  <a:schemeClr val="tx1"/>
-                </a:solidFill>
-                <a:effectLst/>
-                <a:latin typeface="+mn-lt"/>
-                <a:ea typeface="+mn-ea"/>
-                <a:cs typeface="+mn-cs"/>
-              </a:rPr>
-              <a:t> through </a:t>
+              <a:t>A MongoDB </a:t>
             </a:r>
             <a:r>
               <a:rPr lang="en-US" sz="1200" b="0" i="0" u="none" strike="noStrike" kern="1200" dirty="0" err="1" smtClean="0">
@@ -8646,7 +7899,20 @@
                 <a:cs typeface="+mn-cs"/>
                 <a:hlinkClick r:id="rId3"/>
               </a:rPr>
-              <a:t>sharding</a:t>
+              <a:t>sharded</a:t>
+            </a:r>
+            <a:r>
+              <a:rPr lang="en-US" sz="1200" b="0" i="0" u="none" strike="noStrike" kern="1200" dirty="0" smtClean="0">
+                <a:solidFill>
+                  <a:schemeClr val="tx1"/>
+                </a:solidFill>
+                <a:effectLst/>
+                <a:latin typeface="+mn-lt"/>
+                <a:ea typeface="+mn-ea"/>
+                <a:cs typeface="+mn-cs"/>
+                <a:hlinkClick r:id="rId3"/>
+              </a:rPr>
+              <a:t> cluster</a:t>
             </a:r>
             <a:r>
               <a:rPr lang="en-US" sz="1200" b="0" i="0" kern="1200" dirty="0" smtClean="0">
@@ -8658,61 +7924,10 @@
                 <a:ea typeface="+mn-ea"/>
                 <a:cs typeface="+mn-cs"/>
               </a:rPr>
-              <a:t>.</a:t>
-            </a:r>
-          </a:p>
-          <a:p>
-            <a:r>
-              <a:rPr lang="en-US" sz="1200" b="0" i="0" kern="1200" dirty="0" err="1" smtClean="0">
-                <a:solidFill>
-                  <a:schemeClr val="tx1"/>
-                </a:solidFill>
-                <a:effectLst/>
-                <a:latin typeface="+mn-lt"/>
-                <a:ea typeface="+mn-ea"/>
-                <a:cs typeface="+mn-cs"/>
-              </a:rPr>
-              <a:t>Sharded</a:t>
-            </a:r>
-            <a:r>
-              <a:rPr lang="en-US" sz="1200" b="0" i="0" kern="1200" dirty="0" smtClean="0">
-                <a:solidFill>
-                  <a:schemeClr val="tx1"/>
-                </a:solidFill>
-                <a:effectLst/>
-                <a:latin typeface="+mn-lt"/>
-                <a:ea typeface="+mn-ea"/>
-                <a:cs typeface="+mn-cs"/>
-              </a:rPr>
-              <a:t> Cluster</a:t>
-            </a:r>
-          </a:p>
-          <a:p>
-            <a:r>
-              <a:rPr lang="en-US" sz="1200" b="0" i="0" kern="1200" dirty="0" smtClean="0">
-                <a:solidFill>
-                  <a:schemeClr val="tx1"/>
-                </a:solidFill>
-                <a:effectLst/>
-                <a:latin typeface="+mn-lt"/>
-                <a:ea typeface="+mn-ea"/>
-                <a:cs typeface="+mn-cs"/>
-              </a:rPr>
-              <a:t>A MongoDB </a:t>
-            </a:r>
-            <a:r>
-              <a:rPr lang="en-US" sz="1200" b="0" i="0" u="none" strike="noStrike" kern="1200" dirty="0" err="1" smtClean="0">
-                <a:solidFill>
-                  <a:schemeClr val="tx1"/>
-                </a:solidFill>
-                <a:effectLst/>
-                <a:latin typeface="+mn-lt"/>
-                <a:ea typeface="+mn-ea"/>
-                <a:cs typeface="+mn-cs"/>
-                <a:hlinkClick r:id="rId4"/>
-              </a:rPr>
-              <a:t>sharded</a:t>
-            </a:r>
+              <a:t> consists of the following components:</a:t>
+            </a:r>
+          </a:p>
+          <a:p>
             <a:r>
               <a:rPr lang="en-US" sz="1200" b="0" i="0" u="none" strike="noStrike" kern="1200" dirty="0" smtClean="0">
                 <a:solidFill>
@@ -8724,7 +7939,7 @@
                 <a:cs typeface="+mn-cs"/>
                 <a:hlinkClick r:id="rId4"/>
               </a:rPr>
-              <a:t> cluster</a:t>
+              <a:t>shard</a:t>
             </a:r>
             <a:r>
               <a:rPr lang="en-US" sz="1200" b="0" i="0" kern="1200" dirty="0" smtClean="0">
@@ -8736,10 +7951,32 @@
                 <a:ea typeface="+mn-ea"/>
                 <a:cs typeface="+mn-cs"/>
               </a:rPr>
-              <a:t> consists of the following components:</a:t>
-            </a:r>
-          </a:p>
-          <a:p>
+              <a:t>: Each shard contains a subset of the </a:t>
+            </a:r>
+            <a:r>
+              <a:rPr lang="en-US" sz="1200" b="0" i="0" kern="1200" dirty="0" err="1" smtClean="0">
+                <a:solidFill>
+                  <a:schemeClr val="tx1"/>
+                </a:solidFill>
+                <a:effectLst/>
+                <a:latin typeface="+mn-lt"/>
+                <a:ea typeface="+mn-ea"/>
+                <a:cs typeface="+mn-cs"/>
+              </a:rPr>
+              <a:t>sharded</a:t>
+            </a:r>
+            <a:r>
+              <a:rPr lang="en-US" sz="1200" b="0" i="0" kern="1200" dirty="0" smtClean="0">
+                <a:solidFill>
+                  <a:schemeClr val="tx1"/>
+                </a:solidFill>
+                <a:effectLst/>
+                <a:latin typeface="+mn-lt"/>
+                <a:ea typeface="+mn-ea"/>
+                <a:cs typeface="+mn-cs"/>
+              </a:rPr>
+              <a:t> data. Each shard can be deployed as a </a:t>
+            </a:r>
             <a:r>
               <a:rPr lang="en-US" sz="1200" b="0" i="0" u="none" strike="noStrike" kern="1200" dirty="0" smtClean="0">
                 <a:solidFill>
@@ -8751,7 +7988,7 @@
                 <a:cs typeface="+mn-cs"/>
                 <a:hlinkClick r:id="rId5"/>
               </a:rPr>
-              <a:t>shard</a:t>
+              <a:t>replica set</a:t>
             </a:r>
             <a:r>
               <a:rPr lang="en-US" sz="1200" b="0" i="0" kern="1200" dirty="0" smtClean="0">
@@ -8763,7 +8000,69 @@
                 <a:ea typeface="+mn-ea"/>
                 <a:cs typeface="+mn-cs"/>
               </a:rPr>
-              <a:t>: Each shard contains a subset of the </a:t>
+              <a:t>.</a:t>
+            </a:r>
+          </a:p>
+          <a:p>
+            <a:r>
+              <a:rPr lang="en-US" sz="1200" b="0" i="0" u="none" strike="noStrike" kern="1200" dirty="0" smtClean="0">
+                <a:solidFill>
+                  <a:schemeClr val="tx1"/>
+                </a:solidFill>
+                <a:effectLst/>
+                <a:latin typeface="+mn-lt"/>
+                <a:ea typeface="+mn-ea"/>
+                <a:cs typeface="+mn-cs"/>
+              </a:rPr>
+              <a:t>router</a:t>
+            </a:r>
+            <a:r>
+              <a:rPr lang="en-US" sz="1200" b="0" i="0" kern="1200" dirty="0" smtClean="0">
+                <a:solidFill>
+                  <a:schemeClr val="tx1"/>
+                </a:solidFill>
+                <a:effectLst/>
+                <a:latin typeface="+mn-lt"/>
+                <a:ea typeface="+mn-ea"/>
+                <a:cs typeface="+mn-cs"/>
+              </a:rPr>
+              <a:t>: </a:t>
+            </a:r>
+            <a:r>
+              <a:rPr lang="en-US" sz="1200" b="0" i="0" kern="1200" dirty="0" smtClean="0">
+                <a:solidFill>
+                  <a:schemeClr val="tx1"/>
+                </a:solidFill>
+                <a:effectLst/>
+                <a:latin typeface="+mn-lt"/>
+                <a:ea typeface="+mn-ea"/>
+                <a:cs typeface="+mn-cs"/>
+              </a:rPr>
+              <a:t>The </a:t>
+            </a:r>
+            <a:r>
+              <a:rPr lang="en-US" sz="1200" b="0" i="0" kern="1200" dirty="0" smtClean="0">
+                <a:solidFill>
+                  <a:schemeClr val="tx1"/>
+                </a:solidFill>
+                <a:effectLst/>
+                <a:latin typeface="+mn-lt"/>
+                <a:ea typeface="+mn-ea"/>
+                <a:cs typeface="+mn-cs"/>
+              </a:rPr>
+              <a:t>router provides </a:t>
+            </a:r>
+            <a:r>
+              <a:rPr lang="en-US" sz="1200" b="0" i="0" kern="1200" dirty="0" smtClean="0">
+                <a:solidFill>
+                  <a:schemeClr val="tx1"/>
+                </a:solidFill>
+                <a:effectLst/>
+                <a:latin typeface="+mn-lt"/>
+                <a:ea typeface="+mn-ea"/>
+                <a:cs typeface="+mn-cs"/>
+              </a:rPr>
+              <a:t>an interface between client applications and the </a:t>
             </a:r>
             <a:r>
               <a:rPr lang="en-US" sz="1200" b="0" i="0" kern="1200" dirty="0" err="1" smtClean="0">
@@ -8787,7 +8086,55 @@
                 <a:ea typeface="+mn-ea"/>
                 <a:cs typeface="+mn-cs"/>
               </a:rPr>
-              <a:t> data. Each shard can be deployed as a </a:t>
+              <a:t> </a:t>
+            </a:r>
+            <a:r>
+              <a:rPr lang="en-US" sz="1200" b="0" i="0" kern="1200" dirty="0" smtClean="0">
+                <a:solidFill>
+                  <a:schemeClr val="tx1"/>
+                </a:solidFill>
+                <a:effectLst/>
+                <a:latin typeface="+mn-lt"/>
+                <a:ea typeface="+mn-ea"/>
+                <a:cs typeface="+mn-cs"/>
+              </a:rPr>
+              <a:t>cluster</a:t>
+            </a:r>
+            <a:r>
+              <a:rPr lang="en-US" sz="1200" b="0" i="0" kern="1200" baseline="0" dirty="0" smtClean="0">
+                <a:solidFill>
+                  <a:schemeClr val="tx1"/>
+                </a:solidFill>
+                <a:effectLst/>
+                <a:latin typeface="+mn-lt"/>
+                <a:ea typeface="+mn-ea"/>
+                <a:cs typeface="+mn-cs"/>
+              </a:rPr>
+              <a:t> directing queries and updates to the correct shard</a:t>
+            </a:r>
+            <a:endParaRPr lang="en-US" sz="1200" b="0" i="0" kern="1200" dirty="0" smtClean="0">
+              <a:solidFill>
+                <a:schemeClr val="tx1"/>
+              </a:solidFill>
+              <a:effectLst/>
+              <a:latin typeface="+mn-lt"/>
+              <a:ea typeface="+mn-ea"/>
+              <a:cs typeface="+mn-cs"/>
+            </a:endParaRPr>
+          </a:p>
+          <a:p>
+            <a:r>
+              <a:rPr lang="en-US" sz="1200" b="0" i="0" u="none" strike="noStrike" kern="1200" dirty="0" err="1" smtClean="0">
+                <a:solidFill>
+                  <a:schemeClr val="tx1"/>
+                </a:solidFill>
+                <a:effectLst/>
+                <a:latin typeface="+mn-lt"/>
+                <a:ea typeface="+mn-ea"/>
+                <a:cs typeface="+mn-cs"/>
+                <a:hlinkClick r:id="rId6"/>
+              </a:rPr>
+              <a:t>config</a:t>
             </a:r>
             <a:r>
               <a:rPr lang="en-US" sz="1200" b="0" i="0" u="none" strike="noStrike" kern="1200" dirty="0" smtClean="0">
@@ -8799,97 +8146,6 @@
                 <a:ea typeface="+mn-ea"/>
                 <a:cs typeface="+mn-cs"/>
                 <a:hlinkClick r:id="rId6"/>
-              </a:rPr>
-              <a:t>replica set</a:t>
-            </a:r>
-            <a:r>
-              <a:rPr lang="en-US" sz="1200" b="0" i="0" kern="1200" dirty="0" smtClean="0">
-                <a:solidFill>
-                  <a:schemeClr val="tx1"/>
-                </a:solidFill>
-                <a:effectLst/>
-                <a:latin typeface="+mn-lt"/>
-                <a:ea typeface="+mn-ea"/>
-                <a:cs typeface="+mn-cs"/>
-              </a:rPr>
-              <a:t>.</a:t>
-            </a:r>
-          </a:p>
-          <a:p>
-            <a:r>
-              <a:rPr lang="en-US" sz="1200" b="0" i="0" u="none" strike="noStrike" kern="1200" dirty="0" smtClean="0">
-                <a:solidFill>
-                  <a:schemeClr val="tx1"/>
-                </a:solidFill>
-                <a:effectLst/>
-                <a:latin typeface="+mn-lt"/>
-                <a:ea typeface="+mn-ea"/>
-                <a:cs typeface="+mn-cs"/>
-                <a:hlinkClick r:id="rId7"/>
-              </a:rPr>
-              <a:t>mongos</a:t>
-            </a:r>
-            <a:r>
-              <a:rPr lang="en-US" sz="1200" b="0" i="0" kern="1200" dirty="0" smtClean="0">
-                <a:solidFill>
-                  <a:schemeClr val="tx1"/>
-                </a:solidFill>
-                <a:effectLst/>
-                <a:latin typeface="+mn-lt"/>
-                <a:ea typeface="+mn-ea"/>
-                <a:cs typeface="+mn-cs"/>
-              </a:rPr>
-              <a:t>: The mongos acts as a query router, providing an interface between client applications and the </a:t>
-            </a:r>
-            <a:r>
-              <a:rPr lang="en-US" sz="1200" b="0" i="0" kern="1200" dirty="0" err="1" smtClean="0">
-                <a:solidFill>
-                  <a:schemeClr val="tx1"/>
-                </a:solidFill>
-                <a:effectLst/>
-                <a:latin typeface="+mn-lt"/>
-                <a:ea typeface="+mn-ea"/>
-                <a:cs typeface="+mn-cs"/>
-              </a:rPr>
-              <a:t>sharded</a:t>
-            </a:r>
-            <a:r>
-              <a:rPr lang="en-US" sz="1200" b="0" i="0" kern="1200" dirty="0" smtClean="0">
-                <a:solidFill>
-                  <a:schemeClr val="tx1"/>
-                </a:solidFill>
-                <a:effectLst/>
-                <a:latin typeface="+mn-lt"/>
-                <a:ea typeface="+mn-ea"/>
-                <a:cs typeface="+mn-cs"/>
-              </a:rPr>
-              <a:t> cluster.</a:t>
-            </a:r>
-          </a:p>
-          <a:p>
-            <a:r>
-              <a:rPr lang="en-US" sz="1200" b="0" i="0" u="none" strike="noStrike" kern="1200" dirty="0" err="1" smtClean="0">
-                <a:solidFill>
-                  <a:schemeClr val="tx1"/>
-                </a:solidFill>
-                <a:effectLst/>
-                <a:latin typeface="+mn-lt"/>
-                <a:ea typeface="+mn-ea"/>
-                <a:cs typeface="+mn-cs"/>
-                <a:hlinkClick r:id="rId8"/>
-              </a:rPr>
-              <a:t>config</a:t>
-            </a:r>
-            <a:r>
-              <a:rPr lang="en-US" sz="1200" b="0" i="0" u="none" strike="noStrike" kern="1200" dirty="0" smtClean="0">
-                <a:solidFill>
-                  <a:schemeClr val="tx1"/>
-                </a:solidFill>
-                <a:effectLst/>
-                <a:latin typeface="+mn-lt"/>
-                <a:ea typeface="+mn-ea"/>
-                <a:cs typeface="+mn-cs"/>
-                <a:hlinkClick r:id="rId8"/>
               </a:rPr>
               <a:t> servers</a:t>
             </a:r>
@@ -9221,7 +8477,7 @@
           <a:p>
             <a:fld id="{2ADC2C9B-E509-4817-BA72-5DA0722D8BF9}" type="datetimeFigureOut">
               <a:rPr lang="en-US" smtClean="0"/>
-              <a:t>6/26/2017</a:t>
+              <a:t>6/28/17</a:t>
             </a:fld>
             <a:endParaRPr lang="en-US"/>
           </a:p>
@@ -9391,7 +8647,7 @@
           <a:p>
             <a:fld id="{2ADC2C9B-E509-4817-BA72-5DA0722D8BF9}" type="datetimeFigureOut">
               <a:rPr lang="en-US" smtClean="0"/>
-              <a:t>6/26/2017</a:t>
+              <a:t>6/28/17</a:t>
             </a:fld>
             <a:endParaRPr lang="en-US"/>
           </a:p>
@@ -9571,7 +8827,7 @@
           <a:p>
             <a:fld id="{2ADC2C9B-E509-4817-BA72-5DA0722D8BF9}" type="datetimeFigureOut">
               <a:rPr lang="en-US" smtClean="0"/>
-              <a:t>6/26/2017</a:t>
+              <a:t>6/28/17</a:t>
             </a:fld>
             <a:endParaRPr lang="en-US"/>
           </a:p>
@@ -9741,7 +8997,7 @@
           <a:p>
             <a:fld id="{2ADC2C9B-E509-4817-BA72-5DA0722D8BF9}" type="datetimeFigureOut">
               <a:rPr lang="en-US" smtClean="0"/>
-              <a:t>6/26/2017</a:t>
+              <a:t>6/28/17</a:t>
             </a:fld>
             <a:endParaRPr lang="en-US"/>
           </a:p>
@@ -9987,7 +9243,7 @@
           <a:p>
             <a:fld id="{2ADC2C9B-E509-4817-BA72-5DA0722D8BF9}" type="datetimeFigureOut">
               <a:rPr lang="en-US" smtClean="0"/>
-              <a:t>6/26/2017</a:t>
+              <a:t>6/28/17</a:t>
             </a:fld>
             <a:endParaRPr lang="en-US"/>
           </a:p>
@@ -10275,7 +9531,7 @@
           <a:p>
             <a:fld id="{2ADC2C9B-E509-4817-BA72-5DA0722D8BF9}" type="datetimeFigureOut">
               <a:rPr lang="en-US" smtClean="0"/>
-              <a:t>6/26/2017</a:t>
+              <a:t>6/28/17</a:t>
             </a:fld>
             <a:endParaRPr lang="en-US"/>
           </a:p>
@@ -10697,7 +9953,7 @@
           <a:p>
             <a:fld id="{2ADC2C9B-E509-4817-BA72-5DA0722D8BF9}" type="datetimeFigureOut">
               <a:rPr lang="en-US" smtClean="0"/>
-              <a:t>6/26/2017</a:t>
+              <a:t>6/28/17</a:t>
             </a:fld>
             <a:endParaRPr lang="en-US"/>
           </a:p>
@@ -10815,7 +10071,7 @@
           <a:p>
             <a:fld id="{2ADC2C9B-E509-4817-BA72-5DA0722D8BF9}" type="datetimeFigureOut">
               <a:rPr lang="en-US" smtClean="0"/>
-              <a:t>6/26/2017</a:t>
+              <a:t>6/28/17</a:t>
             </a:fld>
             <a:endParaRPr lang="en-US"/>
           </a:p>
@@ -10910,7 +10166,7 @@
           <a:p>
             <a:fld id="{2ADC2C9B-E509-4817-BA72-5DA0722D8BF9}" type="datetimeFigureOut">
               <a:rPr lang="en-US" smtClean="0"/>
-              <a:t>6/26/2017</a:t>
+              <a:t>6/28/17</a:t>
             </a:fld>
             <a:endParaRPr lang="en-US"/>
           </a:p>
@@ -11187,7 +10443,7 @@
           <a:p>
             <a:fld id="{2ADC2C9B-E509-4817-BA72-5DA0722D8BF9}" type="datetimeFigureOut">
               <a:rPr lang="en-US" smtClean="0"/>
-              <a:t>6/26/2017</a:t>
+              <a:t>6/28/17</a:t>
             </a:fld>
             <a:endParaRPr lang="en-US"/>
           </a:p>
@@ -11440,7 +10696,7 @@
           <a:p>
             <a:fld id="{2ADC2C9B-E509-4817-BA72-5DA0722D8BF9}" type="datetimeFigureOut">
               <a:rPr lang="en-US" smtClean="0"/>
-              <a:t>6/26/2017</a:t>
+              <a:t>6/28/17</a:t>
             </a:fld>
             <a:endParaRPr lang="en-US"/>
           </a:p>
@@ -11653,7 +10909,7 @@
           <a:p>
             <a:fld id="{2ADC2C9B-E509-4817-BA72-5DA0722D8BF9}" type="datetimeFigureOut">
               <a:rPr lang="en-US" smtClean="0"/>
-              <a:t>6/26/2017</a:t>
+              <a:t>6/28/17</a:t>
             </a:fld>
             <a:endParaRPr lang="en-US"/>
           </a:p>
@@ -12150,13 +11406,17 @@
           <a:p>
             <a:r>
               <a:rPr lang="en-US" dirty="0"/>
-              <a:t>Document Store</a:t>
-            </a:r>
-          </a:p>
-          <a:p>
-            <a:r>
-              <a:rPr lang="en-US" dirty="0" smtClean="0"/>
-              <a:t>Horizontal Scaling</a:t>
+              <a:t>Collections of Documents</a:t>
+            </a:r>
+          </a:p>
+          <a:p>
+            <a:r>
+              <a:rPr lang="en-US" dirty="0" smtClean="0"/>
+              <a:t>Horizontal </a:t>
+            </a:r>
+            <a:r>
+              <a:rPr lang="en-US" dirty="0" smtClean="0"/>
+              <a:t>Scaling</a:t>
             </a:r>
           </a:p>
           <a:p>
@@ -12875,15 +12135,7 @@
                 <a:ea typeface="Arial Unicode MS" panose="020B0604020202020204" pitchFamily="34" charset="-128"/>
                 <a:cs typeface="Arial Unicode MS" panose="020B0604020202020204" pitchFamily="34" charset="-128"/>
               </a:rPr>
-              <a:t>    Should </a:t>
-            </a:r>
-            <a:r>
-              <a:rPr lang="en-US" sz="2400" b="1" dirty="0" smtClean="0">
-                <a:latin typeface="Arial Unicode MS" panose="020B0604020202020204" pitchFamily="34" charset="-128"/>
-                <a:ea typeface="Arial Unicode MS" panose="020B0604020202020204" pitchFamily="34" charset="-128"/>
-                <a:cs typeface="Arial Unicode MS" panose="020B0604020202020204" pitchFamily="34" charset="-128"/>
-              </a:rPr>
-              <a:t>display 12 documents.</a:t>
+              <a:t>    Should display 12 documents.</a:t>
             </a:r>
           </a:p>
           <a:p>
@@ -14208,11 +13460,7 @@
           <a:p>
             <a:r>
               <a:rPr lang="en-US" dirty="0" smtClean="0"/>
-              <a:t>No </a:t>
-            </a:r>
-            <a:r>
-              <a:rPr lang="en-US" dirty="0" smtClean="0"/>
-              <a:t>SQL</a:t>
+              <a:t>NoSQL</a:t>
             </a:r>
             <a:endParaRPr lang="en-US" dirty="0" smtClean="0"/>
           </a:p>
@@ -15550,7 +14798,44 @@
                 <a:ea typeface="Arial Unicode MS" panose="020B0604020202020204" pitchFamily="34" charset="-128"/>
                 <a:cs typeface="Arial Unicode MS" panose="020B0604020202020204" pitchFamily="34" charset="-128"/>
               </a:rPr>
-              <a:t>db.&lt;collection&gt;.update(criteria, { op : portion })</a:t>
+              <a:t>db.&lt;collection&gt;.update(criteria, { op : portion </a:t>
+            </a:r>
+            <a:r>
+              <a:rPr lang="en-US" sz="2400" b="1" dirty="0" smtClean="0">
+                <a:latin typeface="Arial Unicode MS" panose="020B0604020202020204" pitchFamily="34" charset="-128"/>
+                <a:ea typeface="Arial Unicode MS" panose="020B0604020202020204" pitchFamily="34" charset="-128"/>
+                <a:cs typeface="Arial Unicode MS" panose="020B0604020202020204" pitchFamily="34" charset="-128"/>
+              </a:rPr>
+              <a:t>},     </a:t>
+            </a:r>
+          </a:p>
+          <a:p>
+            <a:pPr marL="0" indent="0">
+              <a:buNone/>
+            </a:pPr>
+            <a:r>
+              <a:rPr lang="en-US" sz="2400" b="1" dirty="0">
+                <a:latin typeface="Arial Unicode MS" panose="020B0604020202020204" pitchFamily="34" charset="-128"/>
+                <a:ea typeface="Arial Unicode MS" panose="020B0604020202020204" pitchFamily="34" charset="-128"/>
+                <a:cs typeface="Arial Unicode MS" panose="020B0604020202020204" pitchFamily="34" charset="-128"/>
+              </a:rPr>
+              <a:t> </a:t>
+            </a:r>
+            <a:r>
+              <a:rPr lang="en-US" sz="2400" b="1" dirty="0" smtClean="0">
+                <a:latin typeface="Arial Unicode MS" panose="020B0604020202020204" pitchFamily="34" charset="-128"/>
+                <a:ea typeface="Arial Unicode MS" panose="020B0604020202020204" pitchFamily="34" charset="-128"/>
+                <a:cs typeface="Arial Unicode MS" panose="020B0604020202020204" pitchFamily="34" charset="-128"/>
+              </a:rPr>
+              <a:t>                                              </a:t>
+            </a:r>
+            <a:r>
+              <a:rPr lang="en-US" sz="2400" b="1" dirty="0" smtClean="0">
+                <a:latin typeface="Arial Unicode MS" panose="020B0604020202020204" pitchFamily="34" charset="-128"/>
+                <a:ea typeface="Arial Unicode MS" panose="020B0604020202020204" pitchFamily="34" charset="-128"/>
+                <a:cs typeface="Arial Unicode MS" panose="020B0604020202020204" pitchFamily="34" charset="-128"/>
+              </a:rPr>
+              <a:t> parameters)</a:t>
             </a:r>
             <a:endParaRPr lang="en-US" sz="2400" b="1" dirty="0" smtClean="0"/>
           </a:p>
@@ -15775,11 +15060,54 @@
                 <a:ea typeface="Arial Unicode MS" panose="020B0604020202020204" pitchFamily="34" charset="-128"/>
                 <a:cs typeface="Arial Unicode MS" panose="020B0604020202020204" pitchFamily="34" charset="-128"/>
               </a:rPr>
-              <a:t>251,188,924"}})</a:t>
-            </a:r>
-          </a:p>
-        </p:txBody>
-      </p:sp>
+              <a:t>251,188,924</a:t>
+            </a:r>
+            <a:r>
+              <a:rPr lang="en-US" sz="2400" b="1" dirty="0" smtClean="0">
+                <a:latin typeface="Arial Unicode MS" panose="020B0604020202020204" pitchFamily="34" charset="-128"/>
+                <a:ea typeface="Arial Unicode MS" panose="020B0604020202020204" pitchFamily="34" charset="-128"/>
+                <a:cs typeface="Arial Unicode MS" panose="020B0604020202020204" pitchFamily="34" charset="-128"/>
+              </a:rPr>
+              <a:t>"}} )</a:t>
+            </a:r>
+            <a:endParaRPr lang="en-US" sz="2400" b="1" dirty="0" smtClean="0">
+              <a:latin typeface="Arial Unicode MS" panose="020B0604020202020204" pitchFamily="34" charset="-128"/>
+              <a:ea typeface="Arial Unicode MS" panose="020B0604020202020204" pitchFamily="34" charset="-128"/>
+              <a:cs typeface="Arial Unicode MS" panose="020B0604020202020204" pitchFamily="34" charset="-128"/>
+            </a:endParaRPr>
+          </a:p>
+        </p:txBody>
+      </p:sp>
+      <p:pic>
+        <p:nvPicPr>
+          <p:cNvPr id="4" name="Picture 3"/>
+          <p:cNvPicPr>
+            <a:picLocks noChangeAspect="1"/>
+          </p:cNvPicPr>
+          <p:nvPr/>
+        </p:nvPicPr>
+        <p:blipFill>
+          <a:blip r:embed="rId3">
+            <a:extLst>
+              <a:ext uri="{28A0092B-C50C-407E-A947-70E740481C1C}">
+                <a14:useLocalDpi xmlns:a14="http://schemas.microsoft.com/office/drawing/2010/main" val="0"/>
+              </a:ext>
+            </a:extLst>
+          </a:blip>
+          <a:stretch>
+            <a:fillRect/>
+          </a:stretch>
+        </p:blipFill>
+        <p:spPr>
+          <a:xfrm>
+            <a:off x="5715000" y="3543300"/>
+            <a:ext cx="3429000" cy="3314700"/>
+          </a:xfrm>
+          <a:prstGeom prst="rect">
+            <a:avLst/>
+          </a:prstGeom>
+        </p:spPr>
+      </p:pic>
     </p:spTree>
     <p:extLst>
       <p:ext uri="{BB962C8B-B14F-4D97-AF65-F5344CB8AC3E}">
@@ -16052,38 +15380,34 @@
                 <a:ea typeface="Arial Unicode MS" panose="020B0604020202020204" pitchFamily="34" charset="-128"/>
                 <a:cs typeface="Arial Unicode MS" panose="020B0604020202020204" pitchFamily="34" charset="-128"/>
               </a:rPr>
-              <a:t>1. Add a </a:t>
+              <a:t>1. </a:t>
+            </a:r>
+            <a:r>
+              <a:rPr lang="en-US" sz="2800" dirty="0" smtClean="0">
+                <a:ea typeface="Arial Unicode MS" panose="020B0604020202020204" pitchFamily="34" charset="-128"/>
+                <a:cs typeface="Arial Unicode MS" panose="020B0604020202020204" pitchFamily="34" charset="-128"/>
+              </a:rPr>
+              <a:t>Add “Jack </a:t>
             </a:r>
             <a:r>
               <a:rPr lang="en-US" sz="2800" dirty="0" err="1" smtClean="0">
                 <a:ea typeface="Arial Unicode MS" panose="020B0604020202020204" pitchFamily="34" charset="-128"/>
                 <a:cs typeface="Arial Unicode MS" panose="020B0604020202020204" pitchFamily="34" charset="-128"/>
               </a:rPr>
-              <a:t>boxOffice</a:t>
+              <a:t>Palance</a:t>
             </a:r>
             <a:r>
               <a:rPr lang="en-US" sz="2800" dirty="0" smtClean="0">
                 <a:ea typeface="Arial Unicode MS" panose="020B0604020202020204" pitchFamily="34" charset="-128"/>
                 <a:cs typeface="Arial Unicode MS" panose="020B0604020202020204" pitchFamily="34" charset="-128"/>
               </a:rPr>
-              <a:t> of value of </a:t>
-            </a:r>
-            <a:r>
-              <a:rPr lang="en-US" sz="2800" dirty="0">
-                <a:ea typeface="Arial Unicode MS" panose="020B0604020202020204" pitchFamily="34" charset="-128"/>
-                <a:cs typeface="Arial Unicode MS" panose="020B0604020202020204" pitchFamily="34" charset="-128"/>
-              </a:rPr>
-              <a:t>"$261,441,092 </a:t>
-            </a:r>
-            <a:r>
-              <a:rPr lang="en-US" sz="2800" dirty="0" smtClean="0">
-                <a:ea typeface="Arial Unicode MS" panose="020B0604020202020204" pitchFamily="34" charset="-128"/>
-                <a:cs typeface="Arial Unicode MS" panose="020B0604020202020204" pitchFamily="34" charset="-128"/>
-              </a:rPr>
-              <a:t>to The Incredibles.</a:t>
-            </a:r>
-          </a:p>
-          <a:p>
+              <a:t>” to the actors for Batman.</a:t>
+            </a:r>
+          </a:p>
+          <a:p>
+            <a:pPr marL="0" indent="0">
+              <a:buNone/>
+            </a:pPr>
             <a:endParaRPr lang="en-US" sz="2800" dirty="0" smtClean="0">
               <a:ea typeface="Arial Unicode MS" panose="020B0604020202020204" pitchFamily="34" charset="-128"/>
               <a:cs typeface="Arial Unicode MS" panose="020B0604020202020204" pitchFamily="34" charset="-128"/>
@@ -16098,42 +15422,14 @@
                 <a:ea typeface="Arial Unicode MS" panose="020B0604020202020204" pitchFamily="34" charset="-128"/>
                 <a:cs typeface="Arial Unicode MS" panose="020B0604020202020204" pitchFamily="34" charset="-128"/>
               </a:rPr>
-              <a:t>2. Add “Jack </a:t>
-            </a:r>
-            <a:r>
-              <a:rPr lang="en-US" sz="2800" dirty="0" err="1" smtClean="0">
-                <a:ea typeface="Arial Unicode MS" panose="020B0604020202020204" pitchFamily="34" charset="-128"/>
-                <a:cs typeface="Arial Unicode MS" panose="020B0604020202020204" pitchFamily="34" charset="-128"/>
-              </a:rPr>
-              <a:t>Palance</a:t>
+              <a:t>2. </a:t>
             </a:r>
             <a:r>
               <a:rPr lang="en-US" sz="2800" dirty="0" smtClean="0">
                 <a:ea typeface="Arial Unicode MS" panose="020B0604020202020204" pitchFamily="34" charset="-128"/>
                 <a:cs typeface="Arial Unicode MS" panose="020B0604020202020204" pitchFamily="34" charset="-128"/>
               </a:rPr>
-              <a:t>” to the actors for Batman.</a:t>
-            </a:r>
-          </a:p>
-          <a:p>
-            <a:pPr marL="0" indent="0">
-              <a:buNone/>
-            </a:pPr>
-            <a:endParaRPr lang="en-US" sz="2800" dirty="0" smtClean="0">
-              <a:ea typeface="Arial Unicode MS" panose="020B0604020202020204" pitchFamily="34" charset="-128"/>
-              <a:cs typeface="Arial Unicode MS" panose="020B0604020202020204" pitchFamily="34" charset="-128"/>
-            </a:endParaRPr>
-          </a:p>
-          <a:p>
-            <a:pPr marL="0" indent="0">
-              <a:buNone/>
-            </a:pPr>
-            <a:r>
-              <a:rPr lang="en-US" sz="2800" dirty="0" smtClean="0">
-                <a:ea typeface="Arial Unicode MS" panose="020B0604020202020204" pitchFamily="34" charset="-128"/>
-                <a:cs typeface="Arial Unicode MS" panose="020B0604020202020204" pitchFamily="34" charset="-128"/>
-              </a:rPr>
-              <a:t>3. Add “Action” to the genre for “The Incredibles”.  </a:t>
+              <a:t>Add “Action” to the genre for “The Incredibles”.  </a:t>
             </a:r>
             <a:endParaRPr lang="en-US" sz="1600" dirty="0">
               <a:ea typeface="Arial Unicode MS" panose="020B0604020202020204" pitchFamily="34" charset="-128"/>
@@ -16153,6 +15449,36 @@
             <a:pPr marL="0" indent="0">
               <a:buNone/>
             </a:pPr>
+            <a:r>
+              <a:rPr lang="en-US" sz="2800" dirty="0" smtClean="0">
+                <a:ea typeface="Arial Unicode MS" panose="020B0604020202020204" pitchFamily="34" charset="-128"/>
+                <a:cs typeface="Arial Unicode MS" panose="020B0604020202020204" pitchFamily="34" charset="-128"/>
+              </a:rPr>
+              <a:t>3. </a:t>
+            </a:r>
+            <a:r>
+              <a:rPr lang="en-US" sz="2800" dirty="0">
+                <a:ea typeface="Arial Unicode MS" panose="020B0604020202020204" pitchFamily="34" charset="-128"/>
+                <a:cs typeface="Arial Unicode MS" panose="020B0604020202020204" pitchFamily="34" charset="-128"/>
+              </a:rPr>
+              <a:t>Add </a:t>
+            </a:r>
+            <a:r>
+              <a:rPr lang="en-US" sz="2800" dirty="0" smtClean="0">
+                <a:ea typeface="Arial Unicode MS" panose="020B0604020202020204" pitchFamily="34" charset="-128"/>
+                <a:cs typeface="Arial Unicode MS" panose="020B0604020202020204" pitchFamily="34" charset="-128"/>
+              </a:rPr>
+              <a:t>“copies” with a value of 3 and “rented” with a value of 0 to every movie in the database.</a:t>
+            </a:r>
+            <a:endParaRPr lang="en-US" sz="2800" dirty="0">
+              <a:ea typeface="Arial Unicode MS" panose="020B0604020202020204" pitchFamily="34" charset="-128"/>
+              <a:cs typeface="Arial Unicode MS" panose="020B0604020202020204" pitchFamily="34" charset="-128"/>
+            </a:endParaRPr>
+          </a:p>
+          <a:p>
+            <a:pPr marL="0" indent="0">
+              <a:buNone/>
+            </a:pPr>
             <a:endParaRPr lang="en-US" sz="1600" b="1" dirty="0" smtClean="0">
               <a:ea typeface="Arial Unicode MS" panose="020B0604020202020204" pitchFamily="34" charset="-128"/>
               <a:cs typeface="Arial Unicode MS" panose="020B0604020202020204" pitchFamily="34" charset="-128"/>
@@ -16162,6 +15488,15 @@
             <a:pPr marL="0" indent="0">
               <a:buNone/>
             </a:pPr>
+            <a:endParaRPr lang="en-US" sz="1600" b="1" dirty="0" smtClean="0">
+              <a:ea typeface="Arial Unicode MS" panose="020B0604020202020204" pitchFamily="34" charset="-128"/>
+              <a:cs typeface="Arial Unicode MS" panose="020B0604020202020204" pitchFamily="34" charset="-128"/>
+            </a:endParaRPr>
+          </a:p>
+          <a:p>
+            <a:pPr marL="0" indent="0">
+              <a:buNone/>
+            </a:pPr>
             <a:r>
               <a:rPr lang="en-US" sz="2400" dirty="0" smtClean="0">
                 <a:ea typeface="Arial Unicode MS" panose="020B0604020202020204" pitchFamily="34" charset="-128"/>
@@ -16240,7 +15575,7 @@
                 <a:ea typeface="Arial Unicode MS" panose="020B0604020202020204" pitchFamily="34" charset="-128"/>
                 <a:cs typeface="Arial Unicode MS" panose="020B0604020202020204" pitchFamily="34" charset="-128"/>
               </a:rPr>
-              <a:t>"}})</a:t>
+              <a:t>"}}, {multi: false})</a:t>
             </a:r>
             <a:endParaRPr lang="en-US" sz="2400" dirty="0">
               <a:ea typeface="Arial Unicode MS" panose="020B0604020202020204" pitchFamily="34" charset="-128"/>
@@ -16425,42 +15760,63 @@
               <a:buNone/>
             </a:pPr>
             <a:r>
-              <a:rPr lang="en-US" sz="2200" b="1" dirty="0" err="1" smtClean="0"/>
+              <a:rPr lang="en-US" sz="2800" b="1" dirty="0" err="1" smtClean="0"/>
               <a:t>db.movies.update</a:t>
             </a:r>
             <a:r>
-              <a:rPr lang="en-US" sz="2200" b="1" dirty="0"/>
+              <a:rPr lang="en-US" sz="2800" b="1" dirty="0"/>
               <a:t>({</a:t>
             </a:r>
             <a:r>
-              <a:rPr lang="en-US" sz="2200" b="1" dirty="0" err="1"/>
+              <a:rPr lang="en-US" sz="2800" b="1" dirty="0" err="1"/>
               <a:t>title</a:t>
             </a:r>
             <a:r>
-              <a:rPr lang="en-US" sz="2200" b="1" dirty="0" err="1" smtClean="0"/>
+              <a:rPr lang="en-US" sz="2800" b="1" dirty="0" err="1" smtClean="0"/>
               <a:t>:“The</a:t>
             </a:r>
             <a:r>
-              <a:rPr lang="en-US" sz="2200" b="1" dirty="0" smtClean="0"/>
-              <a:t> Incredibles"},{$</a:t>
-            </a:r>
-            <a:r>
-              <a:rPr lang="en-US" sz="2200" b="1" dirty="0"/>
+              <a:rPr lang="en-US" sz="2800" b="1" dirty="0" smtClean="0"/>
+              <a:t> Incredibles</a:t>
+            </a:r>
+            <a:r>
+              <a:rPr lang="en-US" sz="2800" b="1" dirty="0" smtClean="0"/>
+              <a:t>"},</a:t>
+            </a:r>
+          </a:p>
+          <a:p>
+            <a:pPr marL="0" indent="0">
+              <a:buNone/>
+            </a:pPr>
+            <a:r>
+              <a:rPr lang="en-US" sz="2800" b="1" dirty="0"/>
+              <a:t> </a:t>
+            </a:r>
+            <a:r>
+              <a:rPr lang="en-US" sz="2800" b="1" dirty="0" smtClean="0"/>
+              <a:t>    </a:t>
+            </a:r>
+            <a:r>
+              <a:rPr lang="en-US" sz="2800" b="1" dirty="0" smtClean="0"/>
+              <a:t>{$</a:t>
+            </a:r>
+            <a:r>
+              <a:rPr lang="en-US" sz="2800" b="1" dirty="0"/>
               <a:t>set: {</a:t>
             </a:r>
             <a:r>
-              <a:rPr lang="en-US" sz="2200" b="1" dirty="0" err="1"/>
+              <a:rPr lang="en-US" sz="2800" b="1" dirty="0" err="1"/>
               <a:t>boxOffice</a:t>
             </a:r>
             <a:r>
-              <a:rPr lang="en-US" sz="2200" b="1" dirty="0"/>
+              <a:rPr lang="en-US" sz="2800" b="1" dirty="0"/>
               <a:t>: </a:t>
             </a:r>
             <a:r>
-              <a:rPr lang="en-US" sz="2200" b="1" dirty="0" smtClean="0"/>
+              <a:rPr lang="en-US" sz="2800" b="1" dirty="0" smtClean="0"/>
               <a:t>“$261,441,092”}})</a:t>
             </a:r>
-            <a:endParaRPr lang="en-US" sz="2200" b="1" dirty="0"/>
+            <a:endParaRPr lang="en-US" sz="2800" b="1" dirty="0"/>
           </a:p>
           <a:p>
             <a:endParaRPr lang="en-US" sz="2200" dirty="0" smtClean="0">
@@ -16558,76 +15914,6 @@
           </a:bodyPr>
           <a:lstStyle/>
           <a:p>
-            <a:pPr marL="457200" indent="-457200">
-              <a:buAutoNum type="arabicPeriod"/>
-            </a:pPr>
-            <a:r>
-              <a:rPr lang="en-US" sz="2200" dirty="0">
-                <a:ea typeface="Arial Unicode MS" panose="020B0604020202020204" pitchFamily="34" charset="-128"/>
-                <a:cs typeface="Arial Unicode MS" panose="020B0604020202020204" pitchFamily="34" charset="-128"/>
-              </a:rPr>
-              <a:t>Add a </a:t>
-            </a:r>
-            <a:r>
-              <a:rPr lang="en-US" sz="2200" dirty="0" err="1">
-                <a:ea typeface="Arial Unicode MS" panose="020B0604020202020204" pitchFamily="34" charset="-128"/>
-                <a:cs typeface="Arial Unicode MS" panose="020B0604020202020204" pitchFamily="34" charset="-128"/>
-              </a:rPr>
-              <a:t>boxOffice</a:t>
-            </a:r>
-            <a:r>
-              <a:rPr lang="en-US" sz="2200" dirty="0">
-                <a:ea typeface="Arial Unicode MS" panose="020B0604020202020204" pitchFamily="34" charset="-128"/>
-                <a:cs typeface="Arial Unicode MS" panose="020B0604020202020204" pitchFamily="34" charset="-128"/>
-              </a:rPr>
-              <a:t> of value of "$261,441,092 to The Incredibles.</a:t>
-            </a:r>
-          </a:p>
-          <a:p>
-            <a:pPr marL="457200" indent="-457200">
-              <a:buAutoNum type="arabicPeriod"/>
-            </a:pPr>
-            <a:endParaRPr lang="en-US" sz="1100" dirty="0">
-              <a:ea typeface="Arial Unicode MS" panose="020B0604020202020204" pitchFamily="34" charset="-128"/>
-              <a:cs typeface="Arial Unicode MS" panose="020B0604020202020204" pitchFamily="34" charset="-128"/>
-            </a:endParaRPr>
-          </a:p>
-          <a:p>
-            <a:pPr marL="0" indent="0">
-              <a:buNone/>
-            </a:pPr>
-            <a:r>
-              <a:rPr lang="en-US" sz="2200" dirty="0" err="1"/>
-              <a:t>db.movies.update</a:t>
-            </a:r>
-            <a:r>
-              <a:rPr lang="en-US" sz="2200" dirty="0"/>
-              <a:t>({</a:t>
-            </a:r>
-            <a:r>
-              <a:rPr lang="en-US" sz="2200" dirty="0" err="1"/>
-              <a:t>title:“The</a:t>
-            </a:r>
-            <a:r>
-              <a:rPr lang="en-US" sz="2200" dirty="0"/>
-              <a:t> Incredibles"},{$set: {</a:t>
-            </a:r>
-            <a:r>
-              <a:rPr lang="en-US" sz="2200" dirty="0" err="1"/>
-              <a:t>boxOffice</a:t>
-            </a:r>
-            <a:r>
-              <a:rPr lang="en-US" sz="2200" dirty="0"/>
-              <a:t>: “$261,441,092”}})</a:t>
-            </a:r>
-          </a:p>
-          <a:p>
-            <a:endParaRPr lang="en-US" sz="2200" dirty="0" smtClean="0">
-              <a:ea typeface="Arial Unicode MS" panose="020B0604020202020204" pitchFamily="34" charset="-128"/>
-              <a:cs typeface="Arial Unicode MS" panose="020B0604020202020204" pitchFamily="34" charset="-128"/>
-            </a:endParaRPr>
-          </a:p>
-          <a:p>
             <a:pPr marL="0" indent="0">
               <a:buNone/>
             </a:pPr>
@@ -16636,7 +15922,14 @@
                 <a:ea typeface="Arial Unicode MS" panose="020B0604020202020204" pitchFamily="34" charset="-128"/>
                 <a:cs typeface="Arial Unicode MS" panose="020B0604020202020204" pitchFamily="34" charset="-128"/>
               </a:rPr>
-              <a:t>2. Add “Jack </a:t>
+              <a:t>2</a:t>
+            </a:r>
+            <a:r>
+              <a:rPr lang="en-US" sz="2200" dirty="0" smtClean="0">
+                <a:ea typeface="Arial Unicode MS" panose="020B0604020202020204" pitchFamily="34" charset="-128"/>
+                <a:cs typeface="Arial Unicode MS" panose="020B0604020202020204" pitchFamily="34" charset="-128"/>
+              </a:rPr>
+              <a:t>. Add “Jack </a:t>
             </a:r>
             <a:r>
               <a:rPr lang="en-US" sz="2200" dirty="0" err="1" smtClean="0">
@@ -16667,27 +15960,48 @@
               <a:buNone/>
             </a:pPr>
             <a:r>
-              <a:rPr lang="en-US" sz="2200" b="1" dirty="0" err="1"/>
+              <a:rPr lang="en-US" sz="2800" b="1" dirty="0" err="1"/>
               <a:t>db.movies.update</a:t>
             </a:r>
             <a:r>
-              <a:rPr lang="en-US" sz="2200" b="1" dirty="0"/>
+              <a:rPr lang="en-US" sz="2800" b="1" dirty="0"/>
               <a:t>({</a:t>
             </a:r>
             <a:r>
-              <a:rPr lang="en-US" sz="2200" b="1" dirty="0" err="1"/>
+              <a:rPr lang="en-US" sz="2800" b="1" dirty="0" err="1"/>
               <a:t>title:"Batman</a:t>
             </a:r>
             <a:r>
-              <a:rPr lang="en-US" sz="2200" b="1" dirty="0"/>
-              <a:t>"},{$push: {actors: "Jack </a:t>
-            </a:r>
-            <a:r>
-              <a:rPr lang="en-US" sz="2200" b="1" dirty="0" err="1"/>
+              <a:rPr lang="en-US" sz="2800" b="1" dirty="0" smtClean="0"/>
+              <a:t>"},</a:t>
+            </a:r>
+          </a:p>
+          <a:p>
+            <a:pPr marL="0" indent="0">
+              <a:buNone/>
+            </a:pPr>
+            <a:r>
+              <a:rPr lang="en-US" sz="2800" b="1" dirty="0"/>
+              <a:t> </a:t>
+            </a:r>
+            <a:r>
+              <a:rPr lang="en-US" sz="2800" b="1" dirty="0" smtClean="0"/>
+              <a:t>    </a:t>
+            </a:r>
+            <a:r>
+              <a:rPr lang="en-US" sz="2800" b="1" dirty="0" smtClean="0"/>
+              <a:t>{$</a:t>
+            </a:r>
+            <a:r>
+              <a:rPr lang="en-US" sz="2800" b="1" dirty="0"/>
+              <a:t>push: {actors: "Jack </a:t>
+            </a:r>
+            <a:r>
+              <a:rPr lang="en-US" sz="2800" b="1" dirty="0" err="1"/>
               <a:t>Palance</a:t>
             </a:r>
             <a:r>
-              <a:rPr lang="en-US" sz="2200" b="1" dirty="0"/>
+              <a:rPr lang="en-US" sz="2800" b="1" dirty="0"/>
               <a:t>"}})</a:t>
             </a:r>
           </a:p>
@@ -16795,12 +16109,8 @@
           </a:p>
           <a:p>
             <a:r>
-              <a:rPr lang="en-US" dirty="0"/>
-              <a:t>Document </a:t>
-            </a:r>
-            <a:r>
-              <a:rPr lang="en-US" dirty="0" smtClean="0"/>
-              <a:t>Store</a:t>
+              <a:rPr lang="en-US" dirty="0" smtClean="0"/>
+              <a:t>Collections of Documents</a:t>
             </a:r>
             <a:endParaRPr lang="en-US" dirty="0"/>
           </a:p>
@@ -16883,76 +16193,6 @@
           </a:bodyPr>
           <a:lstStyle/>
           <a:p>
-            <a:pPr marL="457200" indent="-457200">
-              <a:buAutoNum type="arabicPeriod"/>
-            </a:pPr>
-            <a:r>
-              <a:rPr lang="en-US" sz="2200" dirty="0">
-                <a:ea typeface="Arial Unicode MS" panose="020B0604020202020204" pitchFamily="34" charset="-128"/>
-                <a:cs typeface="Arial Unicode MS" panose="020B0604020202020204" pitchFamily="34" charset="-128"/>
-              </a:rPr>
-              <a:t>Add a </a:t>
-            </a:r>
-            <a:r>
-              <a:rPr lang="en-US" sz="2200" dirty="0" err="1">
-                <a:ea typeface="Arial Unicode MS" panose="020B0604020202020204" pitchFamily="34" charset="-128"/>
-                <a:cs typeface="Arial Unicode MS" panose="020B0604020202020204" pitchFamily="34" charset="-128"/>
-              </a:rPr>
-              <a:t>boxOffice</a:t>
-            </a:r>
-            <a:r>
-              <a:rPr lang="en-US" sz="2200" dirty="0">
-                <a:ea typeface="Arial Unicode MS" panose="020B0604020202020204" pitchFamily="34" charset="-128"/>
-                <a:cs typeface="Arial Unicode MS" panose="020B0604020202020204" pitchFamily="34" charset="-128"/>
-              </a:rPr>
-              <a:t> of value of "$261,441,092 to The Incredibles.</a:t>
-            </a:r>
-          </a:p>
-          <a:p>
-            <a:pPr marL="457200" indent="-457200">
-              <a:buAutoNum type="arabicPeriod"/>
-            </a:pPr>
-            <a:endParaRPr lang="en-US" sz="1100" dirty="0">
-              <a:ea typeface="Arial Unicode MS" panose="020B0604020202020204" pitchFamily="34" charset="-128"/>
-              <a:cs typeface="Arial Unicode MS" panose="020B0604020202020204" pitchFamily="34" charset="-128"/>
-            </a:endParaRPr>
-          </a:p>
-          <a:p>
-            <a:pPr marL="0" indent="0">
-              <a:buNone/>
-            </a:pPr>
-            <a:r>
-              <a:rPr lang="en-US" sz="2200" dirty="0" err="1"/>
-              <a:t>db.movies.update</a:t>
-            </a:r>
-            <a:r>
-              <a:rPr lang="en-US" sz="2200" dirty="0"/>
-              <a:t>({</a:t>
-            </a:r>
-            <a:r>
-              <a:rPr lang="en-US" sz="2200" dirty="0" err="1"/>
-              <a:t>title:“The</a:t>
-            </a:r>
-            <a:r>
-              <a:rPr lang="en-US" sz="2200" dirty="0"/>
-              <a:t> Incredibles"},{$set: {</a:t>
-            </a:r>
-            <a:r>
-              <a:rPr lang="en-US" sz="2200" dirty="0" err="1"/>
-              <a:t>boxOffice</a:t>
-            </a:r>
-            <a:r>
-              <a:rPr lang="en-US" sz="2200" dirty="0"/>
-              <a:t>: “$261,441,092”}})</a:t>
-            </a:r>
-          </a:p>
-          <a:p>
-            <a:endParaRPr lang="en-US" sz="2200" dirty="0" smtClean="0">
-              <a:ea typeface="Arial Unicode MS" panose="020B0604020202020204" pitchFamily="34" charset="-128"/>
-              <a:cs typeface="Arial Unicode MS" panose="020B0604020202020204" pitchFamily="34" charset="-128"/>
-            </a:endParaRPr>
-          </a:p>
-          <a:p>
             <a:pPr marL="0" indent="0">
               <a:buNone/>
             </a:pPr>
@@ -16961,80 +16201,26 @@
                 <a:ea typeface="Arial Unicode MS" panose="020B0604020202020204" pitchFamily="34" charset="-128"/>
                 <a:cs typeface="Arial Unicode MS" panose="020B0604020202020204" pitchFamily="34" charset="-128"/>
               </a:rPr>
-              <a:t>2. Add “Jack </a:t>
-            </a:r>
-            <a:r>
-              <a:rPr lang="en-US" sz="2200" dirty="0" err="1" smtClean="0">
-                <a:ea typeface="Arial Unicode MS" panose="020B0604020202020204" pitchFamily="34" charset="-128"/>
-                <a:cs typeface="Arial Unicode MS" panose="020B0604020202020204" pitchFamily="34" charset="-128"/>
-              </a:rPr>
-              <a:t>Palance</a:t>
-            </a:r>
+              <a:t>3. </a:t>
+            </a:r>
+            <a:r>
+              <a:rPr lang="en-US" sz="2400" dirty="0">
+                <a:ea typeface="Arial Unicode MS" panose="020B0604020202020204" pitchFamily="34" charset="-128"/>
+                <a:cs typeface="Arial Unicode MS" panose="020B0604020202020204" pitchFamily="34" charset="-128"/>
+              </a:rPr>
+              <a:t>Add “copies” with a value of 3 and “rented” with a value of 0 to every movie in the database.</a:t>
+            </a:r>
+          </a:p>
+          <a:p>
+            <a:pPr marL="0" indent="0">
+              <a:buNone/>
+            </a:pPr>
             <a:r>
               <a:rPr lang="en-US" sz="2200" dirty="0" smtClean="0">
                 <a:ea typeface="Arial Unicode MS" panose="020B0604020202020204" pitchFamily="34" charset="-128"/>
                 <a:cs typeface="Arial Unicode MS" panose="020B0604020202020204" pitchFamily="34" charset="-128"/>
               </a:rPr>
-              <a:t>” to the actors for Batman.</a:t>
-            </a:r>
-          </a:p>
-          <a:p>
-            <a:pPr marL="0" indent="0">
-              <a:buNone/>
-            </a:pPr>
-            <a:endParaRPr lang="en-US" sz="1100" dirty="0" smtClean="0">
-              <a:ea typeface="Arial Unicode MS" panose="020B0604020202020204" pitchFamily="34" charset="-128"/>
-              <a:cs typeface="Arial Unicode MS" panose="020B0604020202020204" pitchFamily="34" charset="-128"/>
-            </a:endParaRPr>
-          </a:p>
-          <a:p>
-            <a:pPr marL="0" indent="0">
-              <a:buNone/>
-            </a:pPr>
-            <a:r>
-              <a:rPr lang="en-US" sz="2200" dirty="0" err="1"/>
-              <a:t>db.movies.update</a:t>
-            </a:r>
-            <a:r>
-              <a:rPr lang="en-US" sz="2200" dirty="0"/>
-              <a:t>({</a:t>
-            </a:r>
-            <a:r>
-              <a:rPr lang="en-US" sz="2200" dirty="0" err="1"/>
-              <a:t>title:"Batman</a:t>
-            </a:r>
-            <a:r>
-              <a:rPr lang="en-US" sz="2200" dirty="0"/>
-              <a:t>"},{$push: {actors: "Jack </a:t>
-            </a:r>
-            <a:r>
-              <a:rPr lang="en-US" sz="2200" dirty="0" err="1"/>
-              <a:t>Palance</a:t>
-            </a:r>
-            <a:r>
-              <a:rPr lang="en-US" sz="2200" dirty="0"/>
-              <a:t>"}})</a:t>
-            </a:r>
-          </a:p>
-          <a:p>
-            <a:pPr marL="0" indent="0">
-              <a:buNone/>
-            </a:pPr>
-            <a:endParaRPr lang="en-US" sz="2200" dirty="0" smtClean="0">
-              <a:ea typeface="Arial Unicode MS" panose="020B0604020202020204" pitchFamily="34" charset="-128"/>
-              <a:cs typeface="Arial Unicode MS" panose="020B0604020202020204" pitchFamily="34" charset="-128"/>
-            </a:endParaRPr>
-          </a:p>
-          <a:p>
-            <a:pPr marL="0" indent="0">
-              <a:buNone/>
-            </a:pPr>
-            <a:r>
-              <a:rPr lang="en-US" sz="2200" dirty="0" smtClean="0">
-                <a:ea typeface="Arial Unicode MS" panose="020B0604020202020204" pitchFamily="34" charset="-128"/>
-                <a:cs typeface="Arial Unicode MS" panose="020B0604020202020204" pitchFamily="34" charset="-128"/>
-              </a:rPr>
-              <a:t>3. Add “Action” to the genre for “The Incredibles”.  </a:t>
+              <a:t>  </a:t>
             </a:r>
             <a:endParaRPr lang="en-US" sz="2200" dirty="0">
               <a:ea typeface="Arial Unicode MS" panose="020B0604020202020204" pitchFamily="34" charset="-128"/>
@@ -17045,38 +16231,34 @@
             <a:pPr marL="0" indent="0">
               <a:buNone/>
             </a:pPr>
-            <a:endParaRPr lang="en-US" sz="1100" b="1" dirty="0" smtClean="0">
-              <a:ea typeface="Arial Unicode MS" panose="020B0604020202020204" pitchFamily="34" charset="-128"/>
-              <a:cs typeface="Arial Unicode MS" panose="020B0604020202020204" pitchFamily="34" charset="-128"/>
-            </a:endParaRPr>
-          </a:p>
-          <a:p>
-            <a:pPr marL="0" indent="0">
-              <a:buNone/>
-            </a:pPr>
-            <a:r>
-              <a:rPr lang="en-US" sz="2200" b="1" dirty="0" err="1"/>
+            <a:r>
+              <a:rPr lang="en-US" sz="2800" b="1" dirty="0" err="1" smtClean="0"/>
               <a:t>db.movies.update</a:t>
             </a:r>
             <a:r>
-              <a:rPr lang="en-US" sz="2200" b="1" dirty="0"/>
-              <a:t>({</a:t>
-            </a:r>
-            <a:r>
-              <a:rPr lang="en-US" sz="2200" b="1" dirty="0" err="1"/>
-              <a:t>title:“The</a:t>
-            </a:r>
-            <a:r>
-              <a:rPr lang="en-US" sz="2200" b="1" dirty="0"/>
-              <a:t> Incredibles"}, {$push: {"</a:t>
-            </a:r>
-            <a:r>
-              <a:rPr lang="en-US" sz="2200" b="1" dirty="0" err="1"/>
-              <a:t>details.genre</a:t>
-            </a:r>
-            <a:r>
-              <a:rPr lang="en-US" sz="2200" b="1" dirty="0"/>
-              <a:t>": “Action"}})</a:t>
+              <a:rPr lang="en-US" sz="2800" b="1" dirty="0"/>
+              <a:t>({}, {$set: {copies: 3, rented: 0</a:t>
+            </a:r>
+            <a:r>
+              <a:rPr lang="en-US" sz="2800" b="1" dirty="0" smtClean="0"/>
+              <a:t>}},</a:t>
+            </a:r>
+          </a:p>
+          <a:p>
+            <a:pPr marL="0" indent="0">
+              <a:buNone/>
+            </a:pPr>
+            <a:r>
+              <a:rPr lang="en-US" sz="2800" b="1" dirty="0"/>
+              <a:t> </a:t>
+            </a:r>
+            <a:r>
+              <a:rPr lang="en-US" sz="2800" b="1" dirty="0" smtClean="0"/>
+              <a:t>   </a:t>
+            </a:r>
+            <a:r>
+              <a:rPr lang="en-US" sz="2800" b="1" dirty="0"/>
+              <a:t>{multi: true})</a:t>
             </a:r>
           </a:p>
           <a:p>
@@ -17173,134 +16355,306 @@
               <a:buNone/>
             </a:pPr>
             <a:r>
-              <a:rPr lang="en-US" sz="2000" b="1" dirty="0">
+              <a:rPr lang="en-US" sz="2800" b="1" dirty="0">
                 <a:ea typeface="Arial Unicode MS" panose="020B0604020202020204" pitchFamily="34" charset="-128"/>
                 <a:cs typeface="Arial Unicode MS" panose="020B0604020202020204" pitchFamily="34" charset="-128"/>
               </a:rPr>
               <a:t>$</a:t>
             </a:r>
             <a:r>
-              <a:rPr lang="en-US" sz="2000" b="1" dirty="0" err="1">
+              <a:rPr lang="en-US" sz="2800" b="1" dirty="0" err="1">
                 <a:ea typeface="Arial Unicode MS" panose="020B0604020202020204" pitchFamily="34" charset="-128"/>
                 <a:cs typeface="Arial Unicode MS" panose="020B0604020202020204" pitchFamily="34" charset="-128"/>
               </a:rPr>
               <a:t>inc</a:t>
             </a:r>
             <a:r>
-              <a:rPr lang="en-US" sz="2000" b="1" dirty="0">
+              <a:rPr lang="en-US" sz="2800" b="1" dirty="0">
                 <a:ea typeface="Arial Unicode MS" panose="020B0604020202020204" pitchFamily="34" charset="-128"/>
                 <a:cs typeface="Arial Unicode MS" panose="020B0604020202020204" pitchFamily="34" charset="-128"/>
               </a:rPr>
               <a:t>	</a:t>
             </a:r>
             <a:r>
-              <a:rPr lang="en-US" sz="2000" b="1" dirty="0" smtClean="0">
+              <a:rPr lang="en-US" sz="2800" b="1" dirty="0" smtClean="0">
                 <a:ea typeface="Arial Unicode MS" panose="020B0604020202020204" pitchFamily="34" charset="-128"/>
                 <a:cs typeface="Arial Unicode MS" panose="020B0604020202020204" pitchFamily="34" charset="-128"/>
               </a:rPr>
               <a:t>   </a:t>
             </a:r>
             <a:r>
-              <a:rPr lang="en-US" sz="2000" dirty="0" smtClean="0">
+              <a:rPr lang="en-US" sz="2800" b="1" dirty="0" smtClean="0">
+                <a:ea typeface="Arial Unicode MS" panose="020B0604020202020204" pitchFamily="34" charset="-128"/>
+                <a:cs typeface="Arial Unicode MS" panose="020B0604020202020204" pitchFamily="34" charset="-128"/>
+              </a:rPr>
+              <a:t>	</a:t>
+            </a:r>
+            <a:r>
+              <a:rPr lang="en-US" sz="2800" dirty="0" smtClean="0">
                 <a:ea typeface="Arial Unicode MS" panose="020B0604020202020204" pitchFamily="34" charset="-128"/>
                 <a:cs typeface="Arial Unicode MS" panose="020B0604020202020204" pitchFamily="34" charset="-128"/>
               </a:rPr>
               <a:t>Increments </a:t>
             </a:r>
             <a:r>
-              <a:rPr lang="en-US" sz="2000" dirty="0">
-                <a:ea typeface="Arial Unicode MS" panose="020B0604020202020204" pitchFamily="34" charset="-128"/>
-                <a:cs typeface="Arial Unicode MS" panose="020B0604020202020204" pitchFamily="34" charset="-128"/>
-              </a:rPr>
-              <a:t>the value of the field by the specified amount.</a:t>
-            </a:r>
-          </a:p>
-          <a:p>
-            <a:pPr marL="0" indent="0">
-              <a:buNone/>
-            </a:pPr>
-            <a:r>
-              <a:rPr lang="en-US" sz="2000" b="1" dirty="0">
+              <a:rPr lang="en-US" sz="2800" dirty="0">
+                <a:ea typeface="Arial Unicode MS" panose="020B0604020202020204" pitchFamily="34" charset="-128"/>
+                <a:cs typeface="Arial Unicode MS" panose="020B0604020202020204" pitchFamily="34" charset="-128"/>
+              </a:rPr>
+              <a:t>the value of the field by the </a:t>
+            </a:r>
+            <a:endParaRPr lang="en-US" sz="2800" dirty="0" smtClean="0">
+              <a:ea typeface="Arial Unicode MS" panose="020B0604020202020204" pitchFamily="34" charset="-128"/>
+              <a:cs typeface="Arial Unicode MS" panose="020B0604020202020204" pitchFamily="34" charset="-128"/>
+            </a:endParaRPr>
+          </a:p>
+          <a:p>
+            <a:pPr marL="0" indent="0">
+              <a:buNone/>
+            </a:pPr>
+            <a:r>
+              <a:rPr lang="en-US" sz="2800" dirty="0">
+                <a:ea typeface="Arial Unicode MS" panose="020B0604020202020204" pitchFamily="34" charset="-128"/>
+                <a:cs typeface="Arial Unicode MS" panose="020B0604020202020204" pitchFamily="34" charset="-128"/>
+              </a:rPr>
+              <a:t> </a:t>
+            </a:r>
+            <a:r>
+              <a:rPr lang="en-US" sz="2800" dirty="0" smtClean="0">
+                <a:ea typeface="Arial Unicode MS" panose="020B0604020202020204" pitchFamily="34" charset="-128"/>
+                <a:cs typeface="Arial Unicode MS" panose="020B0604020202020204" pitchFamily="34" charset="-128"/>
+              </a:rPr>
+              <a:t>             	</a:t>
+            </a:r>
+            <a:r>
+              <a:rPr lang="en-US" sz="2800" dirty="0" smtClean="0">
+                <a:ea typeface="Arial Unicode MS" panose="020B0604020202020204" pitchFamily="34" charset="-128"/>
+                <a:cs typeface="Arial Unicode MS" panose="020B0604020202020204" pitchFamily="34" charset="-128"/>
+              </a:rPr>
+              <a:t>specified </a:t>
+            </a:r>
+            <a:r>
+              <a:rPr lang="en-US" sz="2800" dirty="0">
+                <a:ea typeface="Arial Unicode MS" panose="020B0604020202020204" pitchFamily="34" charset="-128"/>
+                <a:cs typeface="Arial Unicode MS" panose="020B0604020202020204" pitchFamily="34" charset="-128"/>
+              </a:rPr>
+              <a:t>amount</a:t>
+            </a:r>
+            <a:r>
+              <a:rPr lang="en-US" sz="2800" dirty="0" smtClean="0">
+                <a:ea typeface="Arial Unicode MS" panose="020B0604020202020204" pitchFamily="34" charset="-128"/>
+                <a:cs typeface="Arial Unicode MS" panose="020B0604020202020204" pitchFamily="34" charset="-128"/>
+              </a:rPr>
+              <a:t>.</a:t>
+            </a:r>
+          </a:p>
+          <a:p>
+            <a:pPr marL="0" indent="0">
+              <a:buNone/>
+            </a:pPr>
+            <a:endParaRPr lang="en-US" sz="1000" dirty="0">
+              <a:ea typeface="Arial Unicode MS" panose="020B0604020202020204" pitchFamily="34" charset="-128"/>
+              <a:cs typeface="Arial Unicode MS" panose="020B0604020202020204" pitchFamily="34" charset="-128"/>
+            </a:endParaRPr>
+          </a:p>
+          <a:p>
+            <a:pPr marL="0" indent="0">
+              <a:buNone/>
+            </a:pPr>
+            <a:r>
+              <a:rPr lang="en-US" sz="2800" b="1" dirty="0">
                 <a:ea typeface="Arial Unicode MS" panose="020B0604020202020204" pitchFamily="34" charset="-128"/>
                 <a:cs typeface="Arial Unicode MS" panose="020B0604020202020204" pitchFamily="34" charset="-128"/>
               </a:rPr>
               <a:t>$</a:t>
             </a:r>
             <a:r>
-              <a:rPr lang="en-US" sz="2000" b="1" dirty="0" err="1">
+              <a:rPr lang="en-US" sz="2800" b="1" dirty="0" err="1">
                 <a:ea typeface="Arial Unicode MS" panose="020B0604020202020204" pitchFamily="34" charset="-128"/>
                 <a:cs typeface="Arial Unicode MS" panose="020B0604020202020204" pitchFamily="34" charset="-128"/>
               </a:rPr>
               <a:t>mul</a:t>
             </a:r>
             <a:r>
-              <a:rPr lang="en-US" sz="2000" b="1" dirty="0">
+              <a:rPr lang="en-US" sz="2800" b="1" dirty="0">
                 <a:ea typeface="Arial Unicode MS" panose="020B0604020202020204" pitchFamily="34" charset="-128"/>
                 <a:cs typeface="Arial Unicode MS" panose="020B0604020202020204" pitchFamily="34" charset="-128"/>
               </a:rPr>
               <a:t>	</a:t>
             </a:r>
             <a:r>
-              <a:rPr lang="en-US" sz="2000" b="1" dirty="0" smtClean="0">
+              <a:rPr lang="en-US" sz="2800" b="1" dirty="0" smtClean="0">
                 <a:ea typeface="Arial Unicode MS" panose="020B0604020202020204" pitchFamily="34" charset="-128"/>
                 <a:cs typeface="Arial Unicode MS" panose="020B0604020202020204" pitchFamily="34" charset="-128"/>
               </a:rPr>
               <a:t>   </a:t>
             </a:r>
             <a:r>
-              <a:rPr lang="en-US" sz="2000" dirty="0" smtClean="0">
+              <a:rPr lang="en-US" sz="2800" b="1" dirty="0" smtClean="0">
+                <a:ea typeface="Arial Unicode MS" panose="020B0604020202020204" pitchFamily="34" charset="-128"/>
+                <a:cs typeface="Arial Unicode MS" panose="020B0604020202020204" pitchFamily="34" charset="-128"/>
+              </a:rPr>
+              <a:t>  	</a:t>
+            </a:r>
+            <a:r>
+              <a:rPr lang="en-US" sz="2800" dirty="0" smtClean="0">
                 <a:ea typeface="Arial Unicode MS" panose="020B0604020202020204" pitchFamily="34" charset="-128"/>
                 <a:cs typeface="Arial Unicode MS" panose="020B0604020202020204" pitchFamily="34" charset="-128"/>
               </a:rPr>
               <a:t>Multiplies </a:t>
             </a:r>
             <a:r>
-              <a:rPr lang="en-US" sz="2000" dirty="0">
-                <a:ea typeface="Arial Unicode MS" panose="020B0604020202020204" pitchFamily="34" charset="-128"/>
-                <a:cs typeface="Arial Unicode MS" panose="020B0604020202020204" pitchFamily="34" charset="-128"/>
-              </a:rPr>
-              <a:t>the value of the field by the specified amount.</a:t>
-            </a:r>
-          </a:p>
-          <a:p>
-            <a:pPr marL="0" indent="0">
-              <a:buNone/>
-            </a:pPr>
-            <a:r>
-              <a:rPr lang="en-US" sz="2000" b="1" dirty="0">
-                <a:ea typeface="Arial Unicode MS" panose="020B0604020202020204" pitchFamily="34" charset="-128"/>
-                <a:cs typeface="Arial Unicode MS" panose="020B0604020202020204" pitchFamily="34" charset="-128"/>
-              </a:rPr>
-              <a:t>$unset	   </a:t>
-            </a:r>
-            <a:r>
-              <a:rPr lang="en-US" sz="2000" dirty="0">
-                <a:ea typeface="Arial Unicode MS" panose="020B0604020202020204" pitchFamily="34" charset="-128"/>
-                <a:cs typeface="Arial Unicode MS" panose="020B0604020202020204" pitchFamily="34" charset="-128"/>
-              </a:rPr>
-              <a:t>Removes the specified field from a document.</a:t>
-            </a:r>
-          </a:p>
-          <a:p>
-            <a:pPr marL="0" indent="0">
-              <a:buNone/>
-            </a:pPr>
-            <a:r>
-              <a:rPr lang="en-US" sz="2000" b="1" dirty="0" smtClean="0">
+              <a:rPr lang="en-US" sz="2800" dirty="0">
+                <a:ea typeface="Arial Unicode MS" panose="020B0604020202020204" pitchFamily="34" charset="-128"/>
+                <a:cs typeface="Arial Unicode MS" panose="020B0604020202020204" pitchFamily="34" charset="-128"/>
+              </a:rPr>
+              <a:t>the value of the field by </a:t>
+            </a:r>
+            <a:r>
+              <a:rPr lang="en-US" sz="2800" dirty="0" smtClean="0">
+                <a:ea typeface="Arial Unicode MS" panose="020B0604020202020204" pitchFamily="34" charset="-128"/>
+                <a:cs typeface="Arial Unicode MS" panose="020B0604020202020204" pitchFamily="34" charset="-128"/>
+              </a:rPr>
+              <a:t>the</a:t>
+            </a:r>
+          </a:p>
+          <a:p>
+            <a:pPr marL="0" indent="0">
+              <a:buNone/>
+            </a:pPr>
+            <a:r>
+              <a:rPr lang="en-US" sz="2800" dirty="0">
+                <a:ea typeface="Arial Unicode MS" panose="020B0604020202020204" pitchFamily="34" charset="-128"/>
+                <a:cs typeface="Arial Unicode MS" panose="020B0604020202020204" pitchFamily="34" charset="-128"/>
+              </a:rPr>
+              <a:t>	</a:t>
+            </a:r>
+            <a:r>
+              <a:rPr lang="en-US" sz="2800" dirty="0" smtClean="0">
+                <a:ea typeface="Arial Unicode MS" panose="020B0604020202020204" pitchFamily="34" charset="-128"/>
+                <a:cs typeface="Arial Unicode MS" panose="020B0604020202020204" pitchFamily="34" charset="-128"/>
+              </a:rPr>
+              <a:t>	</a:t>
+            </a:r>
+            <a:r>
+              <a:rPr lang="en-US" sz="2800" dirty="0" smtClean="0">
+                <a:ea typeface="Arial Unicode MS" panose="020B0604020202020204" pitchFamily="34" charset="-128"/>
+                <a:cs typeface="Arial Unicode MS" panose="020B0604020202020204" pitchFamily="34" charset="-128"/>
+              </a:rPr>
+              <a:t>specified amount.</a:t>
+            </a:r>
+          </a:p>
+          <a:p>
+            <a:pPr marL="0" indent="0">
+              <a:buNone/>
+            </a:pPr>
+            <a:endParaRPr lang="en-US" sz="1000" dirty="0">
+              <a:ea typeface="Arial Unicode MS" panose="020B0604020202020204" pitchFamily="34" charset="-128"/>
+              <a:cs typeface="Arial Unicode MS" panose="020B0604020202020204" pitchFamily="34" charset="-128"/>
+            </a:endParaRPr>
+          </a:p>
+          <a:p>
+            <a:pPr marL="0" indent="0">
+              <a:buNone/>
+            </a:pPr>
+            <a:r>
+              <a:rPr lang="en-US" sz="2800" b="1" dirty="0">
+                <a:ea typeface="Arial Unicode MS" panose="020B0604020202020204" pitchFamily="34" charset="-128"/>
+                <a:cs typeface="Arial Unicode MS" panose="020B0604020202020204" pitchFamily="34" charset="-128"/>
+              </a:rPr>
+              <a:t>$</a:t>
+            </a:r>
+            <a:r>
+              <a:rPr lang="en-US" sz="2800" b="1" dirty="0" smtClean="0">
+                <a:ea typeface="Arial Unicode MS" panose="020B0604020202020204" pitchFamily="34" charset="-128"/>
+                <a:cs typeface="Arial Unicode MS" panose="020B0604020202020204" pitchFamily="34" charset="-128"/>
+              </a:rPr>
+              <a:t>unset       	</a:t>
+            </a:r>
+            <a:r>
+              <a:rPr lang="en-US" sz="2800" dirty="0" smtClean="0">
+                <a:ea typeface="Arial Unicode MS" panose="020B0604020202020204" pitchFamily="34" charset="-128"/>
+                <a:cs typeface="Arial Unicode MS" panose="020B0604020202020204" pitchFamily="34" charset="-128"/>
+              </a:rPr>
+              <a:t>Removes </a:t>
+            </a:r>
+            <a:r>
+              <a:rPr lang="en-US" sz="2800" dirty="0">
+                <a:ea typeface="Arial Unicode MS" panose="020B0604020202020204" pitchFamily="34" charset="-128"/>
+                <a:cs typeface="Arial Unicode MS" panose="020B0604020202020204" pitchFamily="34" charset="-128"/>
+              </a:rPr>
+              <a:t>the specified field from a </a:t>
+            </a:r>
+            <a:r>
+              <a:rPr lang="en-US" sz="2800" dirty="0" smtClean="0">
+                <a:ea typeface="Arial Unicode MS" panose="020B0604020202020204" pitchFamily="34" charset="-128"/>
+                <a:cs typeface="Arial Unicode MS" panose="020B0604020202020204" pitchFamily="34" charset="-128"/>
+              </a:rPr>
+              <a:t>      </a:t>
+            </a:r>
+          </a:p>
+          <a:p>
+            <a:pPr marL="0" indent="0">
+              <a:buNone/>
+            </a:pPr>
+            <a:r>
+              <a:rPr lang="en-US" sz="2800" dirty="0">
+                <a:ea typeface="Arial Unicode MS" panose="020B0604020202020204" pitchFamily="34" charset="-128"/>
+                <a:cs typeface="Arial Unicode MS" panose="020B0604020202020204" pitchFamily="34" charset="-128"/>
+              </a:rPr>
+              <a:t> </a:t>
+            </a:r>
+            <a:r>
+              <a:rPr lang="en-US" sz="2800" dirty="0" smtClean="0">
+                <a:ea typeface="Arial Unicode MS" panose="020B0604020202020204" pitchFamily="34" charset="-128"/>
+                <a:cs typeface="Arial Unicode MS" panose="020B0604020202020204" pitchFamily="34" charset="-128"/>
+              </a:rPr>
+              <a:t>                   	</a:t>
+            </a:r>
+            <a:r>
+              <a:rPr lang="en-US" sz="2800" dirty="0" smtClean="0">
+                <a:ea typeface="Arial Unicode MS" panose="020B0604020202020204" pitchFamily="34" charset="-128"/>
+                <a:cs typeface="Arial Unicode MS" panose="020B0604020202020204" pitchFamily="34" charset="-128"/>
+              </a:rPr>
+              <a:t>document.</a:t>
+            </a:r>
+          </a:p>
+          <a:p>
+            <a:pPr marL="0" indent="0">
+              <a:buNone/>
+            </a:pPr>
+            <a:endParaRPr lang="en-US" sz="1000" dirty="0">
+              <a:ea typeface="Arial Unicode MS" panose="020B0604020202020204" pitchFamily="34" charset="-128"/>
+              <a:cs typeface="Arial Unicode MS" panose="020B0604020202020204" pitchFamily="34" charset="-128"/>
+            </a:endParaRPr>
+          </a:p>
+          <a:p>
+            <a:pPr marL="0" indent="0">
+              <a:buNone/>
+            </a:pPr>
+            <a:r>
+              <a:rPr lang="en-US" sz="2800" b="1" dirty="0" smtClean="0">
                 <a:ea typeface="Arial Unicode MS" panose="020B0604020202020204" pitchFamily="34" charset="-128"/>
                 <a:cs typeface="Arial Unicode MS" panose="020B0604020202020204" pitchFamily="34" charset="-128"/>
               </a:rPr>
               <a:t>$rename   </a:t>
             </a:r>
             <a:r>
-              <a:rPr lang="en-US" sz="2000" dirty="0" smtClean="0">
+              <a:rPr lang="en-US" sz="2800" b="1" dirty="0" smtClean="0">
+                <a:ea typeface="Arial Unicode MS" panose="020B0604020202020204" pitchFamily="34" charset="-128"/>
+                <a:cs typeface="Arial Unicode MS" panose="020B0604020202020204" pitchFamily="34" charset="-128"/>
+              </a:rPr>
+              <a:t>	</a:t>
+            </a:r>
+            <a:r>
+              <a:rPr lang="en-US" sz="2800" dirty="0" smtClean="0">
                 <a:ea typeface="Arial Unicode MS" panose="020B0604020202020204" pitchFamily="34" charset="-128"/>
                 <a:cs typeface="Arial Unicode MS" panose="020B0604020202020204" pitchFamily="34" charset="-128"/>
               </a:rPr>
               <a:t>Renames </a:t>
             </a:r>
             <a:r>
-              <a:rPr lang="en-US" sz="2000" dirty="0">
+              <a:rPr lang="en-US" sz="2800" dirty="0">
                 <a:ea typeface="Arial Unicode MS" panose="020B0604020202020204" pitchFamily="34" charset="-128"/>
                 <a:cs typeface="Arial Unicode MS" panose="020B0604020202020204" pitchFamily="34" charset="-128"/>
               </a:rPr>
@@ -19731,11 +19085,11 @@
               <a:t>        </a:t>
             </a:r>
             <a:r>
-              <a:rPr lang="en-US" sz="2000" b="1" dirty="0"/>
+              <a:rPr lang="en-US" sz="2000" dirty="0"/>
               <a:t>"actors" : [ "Craig T. Nelson", "Samuel L. Jackson" </a:t>
             </a:r>
             <a:r>
-              <a:rPr lang="en-US" sz="2000" b="1" dirty="0" smtClean="0"/>
+              <a:rPr lang="en-US" sz="2000" dirty="0" smtClean="0"/>
               <a:t>],</a:t>
             </a:r>
           </a:p>
@@ -19748,7 +19102,7 @@
               <a:t>        </a:t>
             </a:r>
             <a:r>
-              <a:rPr lang="en-US" sz="2000" dirty="0"/>
+              <a:rPr lang="en-US" sz="2000" b="1" dirty="0"/>
               <a:t>"details" : {</a:t>
             </a:r>
           </a:p>
@@ -19757,7 +19111,7 @@
               <a:buNone/>
             </a:pPr>
             <a:r>
-              <a:rPr lang="en-US" sz="2000" dirty="0"/>
+              <a:rPr lang="en-US" sz="2000" b="1" dirty="0"/>
               <a:t>                "year" : "2004",</a:t>
             </a:r>
           </a:p>
@@ -19766,7 +19120,7 @@
               <a:buNone/>
             </a:pPr>
             <a:r>
-              <a:rPr lang="en-US" sz="2000" dirty="0"/>
+              <a:rPr lang="en-US" sz="2000" b="1" dirty="0"/>
               <a:t>                "rated" : "PG",</a:t>
             </a:r>
           </a:p>
@@ -19775,7 +19129,7 @@
               <a:buNone/>
             </a:pPr>
             <a:r>
-              <a:rPr lang="en-US" sz="2000" dirty="0"/>
+              <a:rPr lang="en-US" sz="2000" b="1" dirty="0"/>
               <a:t>                "genre" : "Animation",</a:t>
             </a:r>
           </a:p>
@@ -19784,7 +19138,7 @@
               <a:buNone/>
             </a:pPr>
             <a:r>
-              <a:rPr lang="en-US" sz="2000" dirty="0"/>
+              <a:rPr lang="en-US" sz="2000" b="1" dirty="0"/>
               <a:t>                "director" : "Brad Bird"</a:t>
             </a:r>
           </a:p>
@@ -19793,7 +19147,7 @@
               <a:buNone/>
             </a:pPr>
             <a:r>
-              <a:rPr lang="en-US" sz="2000" dirty="0"/>
+              <a:rPr lang="en-US" sz="2000" b="1" dirty="0"/>
               <a:t>        },</a:t>
             </a:r>
           </a:p>
@@ -19811,8 +19165,13 @@
             </a:r>
             <a:r>
               <a:rPr lang="en-US" sz="2000" dirty="0"/>
-              <a:t>" : "8.0"</a:t>
-            </a:r>
+              <a:t>" : </a:t>
+            </a:r>
+            <a:r>
+              <a:rPr lang="en-US" sz="2000" dirty="0" smtClean="0"/>
+              <a:t>8.0</a:t>
+            </a:r>
+            <a:endParaRPr lang="en-US" sz="2000" dirty="0"/>
           </a:p>
           <a:p>
             <a:pPr marL="0" indent="0">
@@ -19975,11 +19334,11 @@
               <a:t>        </a:t>
             </a:r>
             <a:r>
-              <a:rPr lang="en-US" sz="2000" dirty="0"/>
+              <a:rPr lang="en-US" sz="2000" b="1" dirty="0"/>
               <a:t>"actors" : [ "Craig T. Nelson", "Samuel L. Jackson" </a:t>
             </a:r>
             <a:r>
-              <a:rPr lang="en-US" sz="2000" dirty="0" smtClean="0"/>
+              <a:rPr lang="en-US" sz="2000" b="1" dirty="0" smtClean="0"/>
               <a:t>],</a:t>
             </a:r>
           </a:p>
@@ -19992,7 +19351,7 @@
               <a:t>        </a:t>
             </a:r>
             <a:r>
-              <a:rPr lang="en-US" sz="2000" b="1" dirty="0"/>
+              <a:rPr lang="en-US" sz="2000" dirty="0"/>
               <a:t>"details" : {</a:t>
             </a:r>
           </a:p>
@@ -20001,7 +19360,7 @@
               <a:buNone/>
             </a:pPr>
             <a:r>
-              <a:rPr lang="en-US" sz="2000" b="1" dirty="0"/>
+              <a:rPr lang="en-US" sz="2000" dirty="0"/>
               <a:t>                "year" : "2004",</a:t>
             </a:r>
           </a:p>
@@ -20010,7 +19369,7 @@
               <a:buNone/>
             </a:pPr>
             <a:r>
-              <a:rPr lang="en-US" sz="2000" b="1" dirty="0"/>
+              <a:rPr lang="en-US" sz="2000" dirty="0"/>
               <a:t>                "rated" : "PG",</a:t>
             </a:r>
           </a:p>
@@ -20019,7 +19378,7 @@
               <a:buNone/>
             </a:pPr>
             <a:r>
-              <a:rPr lang="en-US" sz="2000" b="1" dirty="0"/>
+              <a:rPr lang="en-US" sz="2000" dirty="0"/>
               <a:t>                "genre" : "Animation",</a:t>
             </a:r>
           </a:p>
@@ -20028,7 +19387,7 @@
               <a:buNone/>
             </a:pPr>
             <a:r>
-              <a:rPr lang="en-US" sz="2000" b="1" dirty="0"/>
+              <a:rPr lang="en-US" sz="2000" dirty="0"/>
               <a:t>                "director" : "Brad Bird"</a:t>
             </a:r>
           </a:p>
@@ -20037,7 +19396,7 @@
               <a:buNone/>
             </a:pPr>
             <a:r>
-              <a:rPr lang="en-US" sz="2000" b="1" dirty="0"/>
+              <a:rPr lang="en-US" sz="2000" dirty="0"/>
               <a:t>        },</a:t>
             </a:r>
           </a:p>
@@ -20055,13 +19414,8 @@
             </a:r>
             <a:r>
               <a:rPr lang="en-US" sz="2000" dirty="0"/>
-              <a:t>" : </a:t>
-            </a:r>
-            <a:r>
-              <a:rPr lang="en-US" sz="2000" dirty="0" smtClean="0"/>
-              <a:t>8.0</a:t>
-            </a:r>
-            <a:endParaRPr lang="en-US" sz="2000" dirty="0"/>
+              <a:t>" : "8.0"</a:t>
+            </a:r>
           </a:p>
           <a:p>
             <a:pPr marL="0" indent="0">
@@ -20158,7 +19512,7 @@
           <a:p>
             <a:r>
               <a:rPr lang="en-US" dirty="0"/>
-              <a:t>Document Store</a:t>
+              <a:t>Collections of Documents</a:t>
             </a:r>
           </a:p>
           <a:p>

--- a/MongoDB.pptx
+++ b/MongoDB.pptx
@@ -5,7 +5,7 @@
     <p:sldMasterId id="2147483648" r:id="rId1"/>
   </p:sldMasterIdLst>
   <p:notesMasterIdLst>
-    <p:notesMasterId r:id="rId41"/>
+    <p:notesMasterId r:id="rId40"/>
   </p:notesMasterIdLst>
   <p:sldIdLst>
     <p:sldId id="256" r:id="rId2"/>
@@ -35,18 +35,17 @@
     <p:sldId id="273" r:id="rId26"/>
     <p:sldId id="299" r:id="rId27"/>
     <p:sldId id="275" r:id="rId28"/>
-    <p:sldId id="314" r:id="rId29"/>
-    <p:sldId id="315" r:id="rId30"/>
+    <p:sldId id="315" r:id="rId29"/>
+    <p:sldId id="324" r:id="rId30"/>
     <p:sldId id="316" r:id="rId31"/>
     <p:sldId id="300" r:id="rId32"/>
     <p:sldId id="276" r:id="rId33"/>
-    <p:sldId id="282" r:id="rId34"/>
-    <p:sldId id="281" r:id="rId35"/>
-    <p:sldId id="293" r:id="rId36"/>
-    <p:sldId id="305" r:id="rId37"/>
-    <p:sldId id="301" r:id="rId38"/>
-    <p:sldId id="304" r:id="rId39"/>
-    <p:sldId id="306" r:id="rId40"/>
+    <p:sldId id="281" r:id="rId34"/>
+    <p:sldId id="293" r:id="rId35"/>
+    <p:sldId id="305" r:id="rId36"/>
+    <p:sldId id="301" r:id="rId37"/>
+    <p:sldId id="304" r:id="rId38"/>
+    <p:sldId id="306" r:id="rId39"/>
   </p:sldIdLst>
   <p:sldSz cx="9144000" cy="6858000" type="screen4x3"/>
   <p:notesSz cx="6858000" cy="9144000"/>
@@ -246,7 +245,7 @@
           <a:p>
             <a:fld id="{0A0AACEF-20EC-449C-A177-7D7762A9081E}" type="datetimeFigureOut">
               <a:rPr lang="en-US" smtClean="0"/>
-              <a:t>6/28/17</a:t>
+              <a:t>6/29/17</a:t>
             </a:fld>
             <a:endParaRPr lang="en-US"/>
           </a:p>
@@ -680,19 +679,7 @@
                 <a:ea typeface="+mn-ea"/>
                 <a:cs typeface="+mn-cs"/>
               </a:rPr>
-              <a:t>upports embedded </a:t>
-            </a:r>
-            <a:r>
-              <a:rPr lang="en-US" sz="1200" b="0" i="0" kern="1200" dirty="0" smtClean="0">
-                <a:solidFill>
-                  <a:schemeClr val="tx1"/>
-                </a:solidFill>
-                <a:effectLst/>
-                <a:latin typeface="+mn-lt"/>
-                <a:ea typeface="+mn-ea"/>
-                <a:cs typeface="+mn-cs"/>
-              </a:rPr>
-              <a:t>data models reduces I/O activity on database file system.</a:t>
+              <a:t>upports embedded data models reduces I/O activity on database file system.</a:t>
             </a:r>
           </a:p>
           <a:p>
@@ -834,11 +821,7 @@
           <a:p>
             <a:r>
               <a:rPr lang="en-US" dirty="0" smtClean="0"/>
-              <a:t>Each shard in Mongo </a:t>
-            </a:r>
-            <a:r>
-              <a:rPr lang="en-US" dirty="0" smtClean="0"/>
-              <a:t>uses replica sets for redundancy</a:t>
+              <a:t>Each shard in Mongo uses replica sets for redundancy</a:t>
             </a:r>
             <a:r>
               <a:rPr lang="en-US" baseline="0" dirty="0" smtClean="0"/>
@@ -5301,7 +5284,7 @@
     </p:spTree>
     <p:extLst>
       <p:ext uri="{BB962C8B-B14F-4D97-AF65-F5344CB8AC3E}">
-        <p14:creationId xmlns:p14="http://schemas.microsoft.com/office/powerpoint/2010/main" val="1375703474"/>
+        <p14:creationId xmlns:p14="http://schemas.microsoft.com/office/powerpoint/2010/main" val="1785051379"/>
       </p:ext>
     </p:extLst>
   </p:cSld>
@@ -6298,36 +6281,211 @@
           <a:bodyPr/>
           <a:lstStyle/>
           <a:p>
-            <a:r>
-              <a:rPr lang="en-US" dirty="0" smtClean="0"/>
-              <a:t>Mention that mongo has no real schema</a:t>
-            </a:r>
-            <a:r>
-              <a:rPr lang="en-US" baseline="0" dirty="0" smtClean="0"/>
-              <a:t> validation.</a:t>
-            </a:r>
-          </a:p>
-          <a:p>
-            <a:r>
-              <a:rPr lang="en-US" baseline="0" dirty="0" smtClean="0"/>
-              <a:t>Easy to check a field, no way to stop extra fields</a:t>
-            </a:r>
-          </a:p>
-          <a:p>
-            <a:r>
-              <a:rPr lang="en-US" baseline="0" dirty="0" smtClean="0"/>
-              <a:t>There are multiple mongo clients available.  One of the </a:t>
-            </a:r>
-            <a:r>
-              <a:rPr lang="en-US" baseline="0" dirty="0" err="1" smtClean="0"/>
-              <a:t>populator</a:t>
-            </a:r>
-            <a:r>
-              <a:rPr lang="en-US" baseline="0" dirty="0" smtClean="0"/>
-              <a:t> ones for node is Mongoose which has a schema validation built in</a:t>
-            </a:r>
-          </a:p>
-          <a:p>
+            <a:pPr marL="0" indent="0">
+              <a:buNone/>
+            </a:pPr>
+            <a:r>
+              <a:rPr lang="en-US" dirty="0" err="1" smtClean="0"/>
+              <a:t>db.runCommand</a:t>
+            </a:r>
+            <a:r>
+              <a:rPr lang="en-US" sz="1200" kern="1200" dirty="0" smtClean="0">
+                <a:solidFill>
+                  <a:schemeClr val="tx1"/>
+                </a:solidFill>
+                <a:effectLst/>
+                <a:latin typeface="+mn-lt"/>
+                <a:ea typeface="+mn-ea"/>
+                <a:cs typeface="+mn-cs"/>
+              </a:rPr>
+              <a:t>(</a:t>
+            </a:r>
+            <a:r>
+              <a:rPr lang="en-US" dirty="0" smtClean="0"/>
+              <a:t> </a:t>
+            </a:r>
+            <a:r>
+              <a:rPr lang="en-US" sz="1200" kern="1200" dirty="0" smtClean="0">
+                <a:solidFill>
+                  <a:schemeClr val="tx1"/>
+                </a:solidFill>
+                <a:effectLst/>
+                <a:latin typeface="+mn-lt"/>
+                <a:ea typeface="+mn-ea"/>
+                <a:cs typeface="+mn-cs"/>
+              </a:rPr>
+              <a:t>{</a:t>
+            </a:r>
+            <a:r>
+              <a:rPr lang="en-US" dirty="0" smtClean="0"/>
+              <a:t> </a:t>
+            </a:r>
+            <a:r>
+              <a:rPr lang="en-US" dirty="0" err="1" smtClean="0"/>
+              <a:t>collMod</a:t>
+            </a:r>
+            <a:r>
+              <a:rPr lang="en-US" dirty="0" smtClean="0"/>
+              <a:t>: </a:t>
+            </a:r>
+            <a:r>
+              <a:rPr lang="en-US" sz="1200" kern="1200" dirty="0" smtClean="0">
+                <a:solidFill>
+                  <a:schemeClr val="tx1"/>
+                </a:solidFill>
+                <a:effectLst/>
+                <a:latin typeface="+mn-lt"/>
+                <a:ea typeface="+mn-ea"/>
+                <a:cs typeface="+mn-cs"/>
+              </a:rPr>
+              <a:t>"</a:t>
+            </a:r>
+            <a:r>
+              <a:rPr lang="en-US" sz="1200" dirty="0" smtClean="0"/>
+              <a:t>movies</a:t>
+            </a:r>
+            <a:r>
+              <a:rPr lang="en-US" sz="1200" kern="1200" dirty="0" smtClean="0">
+                <a:solidFill>
+                  <a:schemeClr val="tx1"/>
+                </a:solidFill>
+                <a:effectLst/>
+                <a:latin typeface="+mn-lt"/>
+                <a:ea typeface="+mn-ea"/>
+                <a:cs typeface="+mn-cs"/>
+              </a:rPr>
+              <a:t>"</a:t>
+            </a:r>
+            <a:r>
+              <a:rPr lang="en-US" dirty="0" smtClean="0"/>
+              <a:t>, </a:t>
+            </a:r>
+          </a:p>
+          <a:p>
+            <a:pPr marL="0" indent="0">
+              <a:buNone/>
+            </a:pPr>
+            <a:r>
+              <a:rPr lang="en-US" dirty="0" smtClean="0"/>
+              <a:t>validator: </a:t>
+            </a:r>
+            <a:r>
+              <a:rPr lang="en-US" sz="1200" dirty="0" smtClean="0"/>
+              <a:t>{ $and: </a:t>
+            </a:r>
+          </a:p>
+          <a:p>
+            <a:pPr marL="0" indent="0">
+              <a:buNone/>
+            </a:pPr>
+            <a:r>
+              <a:rPr lang="en-US" sz="1200" dirty="0" smtClean="0"/>
+              <a:t>         [ { title: { $type: "string" } }, </a:t>
+            </a:r>
+          </a:p>
+          <a:p>
+            <a:pPr marL="0" indent="0">
+              <a:buNone/>
+            </a:pPr>
+            <a:r>
+              <a:rPr lang="en-US" sz="1200" dirty="0" smtClean="0"/>
+              <a:t>            { plot: { $type:  "string"} }, </a:t>
+            </a:r>
+          </a:p>
+          <a:p>
+            <a:pPr marL="0" indent="0">
+              <a:buNone/>
+            </a:pPr>
+            <a:r>
+              <a:rPr lang="en-US" sz="1200" dirty="0" smtClean="0"/>
+              <a:t>            {</a:t>
+            </a:r>
+            <a:r>
+              <a:rPr lang="en-US" sz="1200" dirty="0" err="1" smtClean="0"/>
+              <a:t>imdbRating</a:t>
+            </a:r>
+            <a:r>
+              <a:rPr lang="en-US" sz="1200" dirty="0" smtClean="0"/>
+              <a:t>: {$</a:t>
+            </a:r>
+            <a:r>
+              <a:rPr lang="en-US" sz="1200" dirty="0" err="1" smtClean="0"/>
+              <a:t>lte</a:t>
+            </a:r>
+            <a:r>
+              <a:rPr lang="en-US" sz="1200" dirty="0" smtClean="0"/>
+              <a:t>: 10 } } ]</a:t>
+            </a:r>
+          </a:p>
+          <a:p>
+            <a:pPr marL="0" indent="0">
+              <a:buNone/>
+            </a:pPr>
+            <a:r>
+              <a:rPr lang="en-US" sz="1200" dirty="0" smtClean="0"/>
+              <a:t>    } </a:t>
+            </a:r>
+            <a:r>
+              <a:rPr lang="en-US" dirty="0" smtClean="0"/>
+              <a:t>, </a:t>
+            </a:r>
+          </a:p>
+          <a:p>
+            <a:pPr marL="0" indent="0">
+              <a:buNone/>
+            </a:pPr>
+            <a:r>
+              <a:rPr lang="en-US" dirty="0" err="1" smtClean="0"/>
+              <a:t>validationLevel</a:t>
+            </a:r>
+            <a:r>
+              <a:rPr lang="en-US" dirty="0" smtClean="0"/>
+              <a:t>: </a:t>
+            </a:r>
+            <a:r>
+              <a:rPr lang="en-US" sz="1200" kern="1200" dirty="0" smtClean="0">
+                <a:solidFill>
+                  <a:schemeClr val="tx1"/>
+                </a:solidFill>
+                <a:effectLst/>
+                <a:latin typeface="+mn-lt"/>
+                <a:ea typeface="+mn-ea"/>
+                <a:cs typeface="+mn-cs"/>
+              </a:rPr>
+              <a:t>"moderate"</a:t>
+            </a:r>
+            <a:r>
+              <a:rPr lang="en-US" dirty="0" smtClean="0"/>
+              <a:t> </a:t>
+            </a:r>
+            <a:r>
+              <a:rPr lang="en-US" sz="1200" kern="1200" dirty="0" smtClean="0">
+                <a:solidFill>
+                  <a:schemeClr val="tx1"/>
+                </a:solidFill>
+                <a:effectLst/>
+                <a:latin typeface="+mn-lt"/>
+                <a:ea typeface="+mn-ea"/>
+                <a:cs typeface="+mn-cs"/>
+              </a:rPr>
+              <a:t>}</a:t>
+            </a:r>
+            <a:r>
+              <a:rPr lang="en-US" dirty="0" smtClean="0"/>
+              <a:t> </a:t>
+            </a:r>
+            <a:r>
+              <a:rPr lang="en-US" sz="1200" kern="1200" dirty="0" smtClean="0">
+                <a:solidFill>
+                  <a:schemeClr val="tx1"/>
+                </a:solidFill>
+                <a:effectLst/>
+                <a:latin typeface="+mn-lt"/>
+                <a:ea typeface="+mn-ea"/>
+                <a:cs typeface="+mn-cs"/>
+              </a:rPr>
+              <a:t>)</a:t>
+            </a:r>
             <a:endParaRPr lang="en-US" dirty="0"/>
           </a:p>
         </p:txBody>
@@ -6358,7 +6516,7 @@
     </p:spTree>
     <p:extLst>
       <p:ext uri="{BB962C8B-B14F-4D97-AF65-F5344CB8AC3E}">
-        <p14:creationId xmlns:p14="http://schemas.microsoft.com/office/powerpoint/2010/main" val="194980156"/>
+        <p14:creationId xmlns:p14="http://schemas.microsoft.com/office/powerpoint/2010/main" val="4131411509"/>
       </p:ext>
     </p:extLst>
   </p:cSld>
@@ -6412,210 +6570,19 @@
           <a:bodyPr/>
           <a:lstStyle/>
           <a:p>
-            <a:pPr marL="0" indent="0">
-              <a:buNone/>
-            </a:pPr>
-            <a:r>
-              <a:rPr lang="en-US" dirty="0" err="1" smtClean="0"/>
-              <a:t>db.runCommand</a:t>
-            </a:r>
-            <a:r>
-              <a:rPr lang="en-US" sz="1200" kern="1200" dirty="0" smtClean="0">
-                <a:solidFill>
-                  <a:schemeClr val="tx1"/>
-                </a:solidFill>
-                <a:effectLst/>
-                <a:latin typeface="+mn-lt"/>
-                <a:ea typeface="+mn-ea"/>
-                <a:cs typeface="+mn-cs"/>
-              </a:rPr>
-              <a:t>(</a:t>
-            </a:r>
-            <a:r>
-              <a:rPr lang="en-US" dirty="0" smtClean="0"/>
-              <a:t> </a:t>
-            </a:r>
-            <a:r>
-              <a:rPr lang="en-US" sz="1200" kern="1200" dirty="0" smtClean="0">
-                <a:solidFill>
-                  <a:schemeClr val="tx1"/>
-                </a:solidFill>
-                <a:effectLst/>
-                <a:latin typeface="+mn-lt"/>
-                <a:ea typeface="+mn-ea"/>
-                <a:cs typeface="+mn-cs"/>
-              </a:rPr>
-              <a:t>{</a:t>
-            </a:r>
-            <a:r>
-              <a:rPr lang="en-US" dirty="0" smtClean="0"/>
-              <a:t> </a:t>
-            </a:r>
-            <a:r>
-              <a:rPr lang="en-US" dirty="0" err="1" smtClean="0"/>
-              <a:t>collMod</a:t>
-            </a:r>
-            <a:r>
-              <a:rPr lang="en-US" dirty="0" smtClean="0"/>
-              <a:t>: </a:t>
-            </a:r>
-            <a:r>
-              <a:rPr lang="en-US" sz="1200" kern="1200" dirty="0" smtClean="0">
-                <a:solidFill>
-                  <a:schemeClr val="tx1"/>
-                </a:solidFill>
-                <a:effectLst/>
-                <a:latin typeface="+mn-lt"/>
-                <a:ea typeface="+mn-ea"/>
-                <a:cs typeface="+mn-cs"/>
-              </a:rPr>
-              <a:t>"</a:t>
-            </a:r>
-            <a:r>
-              <a:rPr lang="en-US" sz="1200" dirty="0" smtClean="0"/>
-              <a:t>movies</a:t>
-            </a:r>
-            <a:r>
-              <a:rPr lang="en-US" sz="1200" kern="1200" dirty="0" smtClean="0">
-                <a:solidFill>
-                  <a:schemeClr val="tx1"/>
-                </a:solidFill>
-                <a:effectLst/>
-                <a:latin typeface="+mn-lt"/>
-                <a:ea typeface="+mn-ea"/>
-                <a:cs typeface="+mn-cs"/>
-              </a:rPr>
-              <a:t>"</a:t>
-            </a:r>
-            <a:r>
-              <a:rPr lang="en-US" dirty="0" smtClean="0"/>
-              <a:t>, </a:t>
-            </a:r>
-          </a:p>
-          <a:p>
-            <a:pPr marL="0" indent="0">
-              <a:buNone/>
-            </a:pPr>
-            <a:r>
-              <a:rPr lang="en-US" dirty="0" smtClean="0"/>
-              <a:t>validator: </a:t>
-            </a:r>
-            <a:r>
-              <a:rPr lang="en-US" sz="1200" dirty="0" smtClean="0"/>
-              <a:t>{ $and: </a:t>
-            </a:r>
-          </a:p>
-          <a:p>
-            <a:pPr marL="0" indent="0">
-              <a:buNone/>
-            </a:pPr>
-            <a:r>
-              <a:rPr lang="en-US" sz="1200" dirty="0" smtClean="0"/>
-              <a:t>         [ { title: { $type: "string" } }, </a:t>
-            </a:r>
-          </a:p>
-          <a:p>
-            <a:pPr marL="0" indent="0">
-              <a:buNone/>
-            </a:pPr>
-            <a:r>
-              <a:rPr lang="en-US" sz="1200" dirty="0" smtClean="0"/>
-              <a:t>            { plot: { $type:  "string"} }, </a:t>
-            </a:r>
-          </a:p>
-          <a:p>
-            <a:pPr marL="0" indent="0">
-              <a:buNone/>
-            </a:pPr>
-            <a:r>
-              <a:rPr lang="en-US" sz="1200" dirty="0" smtClean="0"/>
-              <a:t>            {</a:t>
-            </a:r>
-            <a:r>
-              <a:rPr lang="en-US" sz="1200" dirty="0" err="1" smtClean="0"/>
-              <a:t>imdbRating</a:t>
-            </a:r>
-            <a:r>
-              <a:rPr lang="en-US" sz="1200" dirty="0" smtClean="0"/>
-              <a:t>: {$</a:t>
-            </a:r>
-            <a:r>
-              <a:rPr lang="en-US" sz="1200" dirty="0" err="1" smtClean="0"/>
-              <a:t>lte</a:t>
-            </a:r>
-            <a:r>
-              <a:rPr lang="en-US" sz="1200" dirty="0" smtClean="0"/>
-              <a:t>: 10 } } ]</a:t>
-            </a:r>
-          </a:p>
-          <a:p>
-            <a:pPr marL="0" indent="0">
-              <a:buNone/>
-            </a:pPr>
-            <a:r>
-              <a:rPr lang="en-US" sz="1200" dirty="0" smtClean="0"/>
-              <a:t>    } </a:t>
-            </a:r>
-            <a:r>
-              <a:rPr lang="en-US" dirty="0" smtClean="0"/>
-              <a:t>, </a:t>
-            </a:r>
-          </a:p>
-          <a:p>
-            <a:pPr marL="0" indent="0">
-              <a:buNone/>
-            </a:pPr>
-            <a:r>
-              <a:rPr lang="en-US" dirty="0" err="1" smtClean="0"/>
-              <a:t>validationLevel</a:t>
-            </a:r>
-            <a:r>
-              <a:rPr lang="en-US" dirty="0" smtClean="0"/>
-              <a:t>: </a:t>
-            </a:r>
-            <a:r>
-              <a:rPr lang="en-US" sz="1200" kern="1200" dirty="0" smtClean="0">
-                <a:solidFill>
-                  <a:schemeClr val="tx1"/>
-                </a:solidFill>
-                <a:effectLst/>
-                <a:latin typeface="+mn-lt"/>
-                <a:ea typeface="+mn-ea"/>
-                <a:cs typeface="+mn-cs"/>
-              </a:rPr>
-              <a:t>"moderate"</a:t>
-            </a:r>
-            <a:r>
-              <a:rPr lang="en-US" dirty="0" smtClean="0"/>
-              <a:t> </a:t>
-            </a:r>
-            <a:r>
-              <a:rPr lang="en-US" sz="1200" kern="1200" dirty="0" smtClean="0">
-                <a:solidFill>
-                  <a:schemeClr val="tx1"/>
-                </a:solidFill>
-                <a:effectLst/>
-                <a:latin typeface="+mn-lt"/>
-                <a:ea typeface="+mn-ea"/>
-                <a:cs typeface="+mn-cs"/>
-              </a:rPr>
-              <a:t>}</a:t>
-            </a:r>
-            <a:r>
-              <a:rPr lang="en-US" dirty="0" smtClean="0"/>
-              <a:t> </a:t>
-            </a:r>
-            <a:r>
-              <a:rPr lang="en-US" sz="1200" kern="1200" dirty="0" smtClean="0">
-                <a:solidFill>
-                  <a:schemeClr val="tx1"/>
-                </a:solidFill>
-                <a:effectLst/>
-                <a:latin typeface="+mn-lt"/>
-                <a:ea typeface="+mn-ea"/>
-                <a:cs typeface="+mn-cs"/>
-              </a:rPr>
-              <a:t>)</a:t>
+            <a:r>
+              <a:rPr lang="en-US" dirty="0" smtClean="0"/>
+              <a:t>Let’s look at the typical TODO app</a:t>
+            </a:r>
+            <a:r>
+              <a:rPr lang="en-US" baseline="0" dirty="0" smtClean="0"/>
+              <a:t> example</a:t>
+            </a:r>
+          </a:p>
+          <a:p>
+            <a:r>
+              <a:rPr lang="en-US" baseline="0" dirty="0" smtClean="0"/>
+              <a:t>Show how it works</a:t>
             </a:r>
             <a:endParaRPr lang="en-US" dirty="0"/>
           </a:p>
@@ -6647,7 +6614,7 @@
     </p:spTree>
     <p:extLst>
       <p:ext uri="{BB962C8B-B14F-4D97-AF65-F5344CB8AC3E}">
-        <p14:creationId xmlns:p14="http://schemas.microsoft.com/office/powerpoint/2010/main" val="4131411509"/>
+        <p14:creationId xmlns:p14="http://schemas.microsoft.com/office/powerpoint/2010/main" val="929287221"/>
       </p:ext>
     </p:extLst>
   </p:cSld>
@@ -6703,17 +6670,19 @@
           <a:p>
             <a:r>
               <a:rPr lang="en-US" dirty="0" smtClean="0"/>
-              <a:t>Let’s look at the typical TODO app</a:t>
+              <a:t>So we are going</a:t>
             </a:r>
             <a:r>
               <a:rPr lang="en-US" baseline="0" dirty="0" smtClean="0"/>
-              <a:t> example</a:t>
-            </a:r>
-          </a:p>
-          <a:p>
+              <a:t> to add a favorite star icon to identify </a:t>
+            </a:r>
+            <a:r>
+              <a:rPr lang="en-US" baseline="0" dirty="0" err="1" smtClean="0"/>
+              <a:t>todos</a:t>
+            </a:r>
             <a:r>
               <a:rPr lang="en-US" baseline="0" dirty="0" smtClean="0"/>
-              <a:t>Show how it works</a:t>
+              <a:t> as high priority.</a:t>
             </a:r>
             <a:endParaRPr lang="en-US" dirty="0"/>
           </a:p>
@@ -6745,7 +6714,7 @@
     </p:spTree>
     <p:extLst>
       <p:ext uri="{BB962C8B-B14F-4D97-AF65-F5344CB8AC3E}">
-        <p14:creationId xmlns:p14="http://schemas.microsoft.com/office/powerpoint/2010/main" val="929287221"/>
+        <p14:creationId xmlns:p14="http://schemas.microsoft.com/office/powerpoint/2010/main" val="3652462619"/>
       </p:ext>
     </p:extLst>
   </p:cSld>
@@ -6799,22 +6768,6 @@
           <a:bodyPr/>
           <a:lstStyle/>
           <a:p>
-            <a:r>
-              <a:rPr lang="en-US" dirty="0" smtClean="0"/>
-              <a:t>So we are going</a:t>
-            </a:r>
-            <a:r>
-              <a:rPr lang="en-US" baseline="0" dirty="0" smtClean="0"/>
-              <a:t> to add a favorite star icon to identify </a:t>
-            </a:r>
-            <a:r>
-              <a:rPr lang="en-US" baseline="0" dirty="0" err="1" smtClean="0"/>
-              <a:t>todos</a:t>
-            </a:r>
-            <a:r>
-              <a:rPr lang="en-US" baseline="0" dirty="0" smtClean="0"/>
-              <a:t> as high priority.</a:t>
-            </a:r>
             <a:endParaRPr lang="en-US" dirty="0"/>
           </a:p>
         </p:txBody>
@@ -6845,7 +6798,7 @@
     </p:spTree>
     <p:extLst>
       <p:ext uri="{BB962C8B-B14F-4D97-AF65-F5344CB8AC3E}">
-        <p14:creationId xmlns:p14="http://schemas.microsoft.com/office/powerpoint/2010/main" val="3652462619"/>
+        <p14:creationId xmlns:p14="http://schemas.microsoft.com/office/powerpoint/2010/main" val="929287221"/>
       </p:ext>
     </p:extLst>
   </p:cSld>
@@ -6899,6 +6852,47 @@
           <a:bodyPr/>
           <a:lstStyle/>
           <a:p>
+            <a:pPr marL="0" marR="0" indent="0" algn="l" defTabSz="914400" rtl="0" eaLnBrk="1" fontAlgn="auto" latinLnBrk="0" hangingPunct="1">
+              <a:lnSpc>
+                <a:spcPct val="100000"/>
+              </a:lnSpc>
+              <a:spcBef>
+                <a:spcPts val="0"/>
+              </a:spcBef>
+              <a:spcAft>
+                <a:spcPts val="0"/>
+              </a:spcAft>
+              <a:buClrTx/>
+              <a:buSzTx/>
+              <a:buFontTx/>
+              <a:buNone/>
+              <a:tabLst/>
+              <a:defRPr/>
+            </a:pPr>
+            <a:r>
+              <a:rPr lang="en-US" dirty="0" smtClean="0"/>
+              <a:t>This</a:t>
+            </a:r>
+            <a:r>
+              <a:rPr lang="en-US" baseline="0" dirty="0" smtClean="0"/>
+              <a:t> example app uses the </a:t>
+            </a:r>
+            <a:r>
+              <a:rPr lang="en-US" baseline="0" dirty="0" err="1" smtClean="0"/>
+              <a:t>mongojs</a:t>
+            </a:r>
+            <a:r>
+              <a:rPr lang="en-US" baseline="0" dirty="0" smtClean="0"/>
+              <a:t> node module to talk to </a:t>
+            </a:r>
+            <a:r>
+              <a:rPr lang="en-US" baseline="0" dirty="0" err="1" smtClean="0"/>
+              <a:t>MongoDB</a:t>
+            </a:r>
+            <a:r>
+              <a:rPr lang="en-US" baseline="0" dirty="0" smtClean="0"/>
+              <a:t>.  It gives you a simple way to execute mongo commands.  You can see the update command looks like you are in the mongo shell.  </a:t>
+            </a:r>
             <a:endParaRPr lang="en-US" dirty="0"/>
           </a:p>
         </p:txBody>
@@ -6929,7 +6923,7 @@
     </p:spTree>
     <p:extLst>
       <p:ext uri="{BB962C8B-B14F-4D97-AF65-F5344CB8AC3E}">
-        <p14:creationId xmlns:p14="http://schemas.microsoft.com/office/powerpoint/2010/main" val="929287221"/>
+        <p14:creationId xmlns:p14="http://schemas.microsoft.com/office/powerpoint/2010/main" val="912051105"/>
       </p:ext>
     </p:extLst>
   </p:cSld>
@@ -7001,29 +6995,20 @@
               <a:defRPr/>
             </a:pPr>
             <a:r>
-              <a:rPr lang="en-US" dirty="0" smtClean="0"/>
-              <a:t>This</a:t>
-            </a:r>
-            <a:r>
               <a:rPr lang="en-US" baseline="0" dirty="0" smtClean="0"/>
-              <a:t> example app uses the </a:t>
+              <a:t>The only oddity here is that since we are just passing the </a:t>
             </a:r>
             <a:r>
               <a:rPr lang="en-US" baseline="0" dirty="0" err="1" smtClean="0"/>
-              <a:t>mongojs</a:t>
+              <a:t>json</a:t>
             </a:r>
             <a:r>
               <a:rPr lang="en-US" baseline="0" dirty="0" smtClean="0"/>
-              <a:t> node module to talk to </a:t>
-            </a:r>
-            <a:r>
-              <a:rPr lang="en-US" baseline="0" dirty="0" err="1" smtClean="0"/>
-              <a:t>MongoDB</a:t>
-            </a:r>
-            <a:r>
-              <a:rPr lang="en-US" baseline="0" dirty="0" smtClean="0"/>
-              <a:t>.  It gives you a simple way to execute mongo commands.  You can see the update command looks like you are in the mongo shell.  </a:t>
-            </a:r>
+              <a:t> request on, we remove the _id first.</a:t>
+            </a:r>
+            <a:endParaRPr lang="en-US" dirty="0" smtClean="0"/>
+          </a:p>
+          <a:p>
             <a:endParaRPr lang="en-US" dirty="0"/>
           </a:p>
         </p:txBody>
@@ -7046,122 +7031,6 @@
             <a:fld id="{7ECDF86E-C09E-4C73-8798-F0685C098AE7}" type="slidenum">
               <a:rPr lang="en-US" smtClean="0"/>
               <a:t>38</a:t>
-            </a:fld>
-            <a:endParaRPr lang="en-US"/>
-          </a:p>
-        </p:txBody>
-      </p:sp>
-    </p:spTree>
-    <p:extLst>
-      <p:ext uri="{BB962C8B-B14F-4D97-AF65-F5344CB8AC3E}">
-        <p14:creationId xmlns:p14="http://schemas.microsoft.com/office/powerpoint/2010/main" val="912051105"/>
-      </p:ext>
-    </p:extLst>
-  </p:cSld>
-  <p:clrMapOvr>
-    <a:masterClrMapping/>
-  </p:clrMapOvr>
-</p:notes>
-</file>
-
-<file path=ppt/notesSlides/notesSlide39.xml><?xml version="1.0" encoding="utf-8"?>
-<p:notes xmlns:a="http://schemas.openxmlformats.org/drawingml/2006/main" xmlns:r="http://schemas.openxmlformats.org/officeDocument/2006/relationships" xmlns:p="http://schemas.openxmlformats.org/presentationml/2006/main">
-  <p:cSld>
-    <p:spTree>
-      <p:nvGrpSpPr>
-        <p:cNvPr id="1" name=""/>
-        <p:cNvGrpSpPr/>
-        <p:nvPr/>
-      </p:nvGrpSpPr>
-      <p:grpSpPr>
-        <a:xfrm>
-          <a:off x="0" y="0"/>
-          <a:ext cx="0" cy="0"/>
-          <a:chOff x="0" y="0"/>
-          <a:chExt cx="0" cy="0"/>
-        </a:xfrm>
-      </p:grpSpPr>
-      <p:sp>
-        <p:nvSpPr>
-          <p:cNvPr id="2" name="Slide Image Placeholder 1"/>
-          <p:cNvSpPr>
-            <a:spLocks noGrp="1" noRot="1" noChangeAspect="1"/>
-          </p:cNvSpPr>
-          <p:nvPr>
-            <p:ph type="sldImg"/>
-          </p:nvPr>
-        </p:nvSpPr>
-        <p:spPr/>
-      </p:sp>
-      <p:sp>
-        <p:nvSpPr>
-          <p:cNvPr id="3" name="Notes Placeholder 2"/>
-          <p:cNvSpPr>
-            <a:spLocks noGrp="1"/>
-          </p:cNvSpPr>
-          <p:nvPr>
-            <p:ph type="body" idx="1"/>
-          </p:nvPr>
-        </p:nvSpPr>
-        <p:spPr/>
-        <p:txBody>
-          <a:bodyPr/>
-          <a:lstStyle/>
-          <a:p>
-            <a:pPr marL="0" marR="0" indent="0" algn="l" defTabSz="914400" rtl="0" eaLnBrk="1" fontAlgn="auto" latinLnBrk="0" hangingPunct="1">
-              <a:lnSpc>
-                <a:spcPct val="100000"/>
-              </a:lnSpc>
-              <a:spcBef>
-                <a:spcPts val="0"/>
-              </a:spcBef>
-              <a:spcAft>
-                <a:spcPts val="0"/>
-              </a:spcAft>
-              <a:buClrTx/>
-              <a:buSzTx/>
-              <a:buFontTx/>
-              <a:buNone/>
-              <a:tabLst/>
-              <a:defRPr/>
-            </a:pPr>
-            <a:r>
-              <a:rPr lang="en-US" baseline="0" dirty="0" smtClean="0"/>
-              <a:t>The only oddity here is that since we are just passing the </a:t>
-            </a:r>
-            <a:r>
-              <a:rPr lang="en-US" baseline="0" dirty="0" err="1" smtClean="0"/>
-              <a:t>json</a:t>
-            </a:r>
-            <a:r>
-              <a:rPr lang="en-US" baseline="0" dirty="0" smtClean="0"/>
-              <a:t> request on, we remove the _id first.</a:t>
-            </a:r>
-            <a:endParaRPr lang="en-US" dirty="0" smtClean="0"/>
-          </a:p>
-          <a:p>
-            <a:endParaRPr lang="en-US" dirty="0"/>
-          </a:p>
-        </p:txBody>
-      </p:sp>
-      <p:sp>
-        <p:nvSpPr>
-          <p:cNvPr id="4" name="Slide Number Placeholder 3"/>
-          <p:cNvSpPr>
-            <a:spLocks noGrp="1"/>
-          </p:cNvSpPr>
-          <p:nvPr>
-            <p:ph type="sldNum" sz="quarter" idx="10"/>
-          </p:nvPr>
-        </p:nvSpPr>
-        <p:spPr/>
-        <p:txBody>
-          <a:bodyPr/>
-          <a:lstStyle/>
-          <a:p>
-            <a:fld id="{7ECDF86E-C09E-4C73-8798-F0685C098AE7}" type="slidenum">
-              <a:rPr lang="en-US" smtClean="0"/>
-              <a:t>39</a:t>
             </a:fld>
             <a:endParaRPr lang="en-US"/>
           </a:p>
@@ -7242,11 +7111,7 @@
             </a:r>
             <a:r>
               <a:rPr lang="en-US" dirty="0" smtClean="0"/>
-              <a:t>) called </a:t>
-            </a:r>
-            <a:r>
-              <a:rPr lang="en-US" dirty="0" smtClean="0"/>
-              <a:t>BSON</a:t>
+              <a:t>) called BSON</a:t>
             </a:r>
             <a:r>
               <a:rPr lang="en-US" baseline="0" dirty="0" smtClean="0"/>
@@ -7358,23 +7223,7 @@
             </a:r>
             <a:r>
               <a:rPr lang="en-US" baseline="0" dirty="0" smtClean="0"/>
-              <a:t> a primary </a:t>
-            </a:r>
-            <a:r>
-              <a:rPr lang="en-US" baseline="0" dirty="0" smtClean="0"/>
-              <a:t>key that can be assigned by MongoDB which is a GUID. </a:t>
-            </a:r>
-            <a:r>
-              <a:rPr lang="en-US" baseline="0" dirty="0" smtClean="0"/>
-              <a:t>Documents </a:t>
-            </a:r>
-            <a:r>
-              <a:rPr lang="en-US" baseline="0" dirty="0" smtClean="0"/>
-              <a:t>can contain references to other document, pointing to the “_id” of another document</a:t>
-            </a:r>
-            <a:r>
-              <a:rPr lang="en-US" baseline="0" dirty="0" smtClean="0"/>
-              <a:t>.  </a:t>
+              <a:t> a primary key that can be assigned by MongoDB which is a GUID. Documents can contain references to other document, pointing to the “_id” of another document.  </a:t>
             </a:r>
             <a:endParaRPr lang="en-US" dirty="0"/>
           </a:p>
@@ -7674,11 +7523,7 @@
           <a:p>
             <a:r>
               <a:rPr lang="en-US" baseline="0" dirty="0" smtClean="0"/>
-              <a:t>Mongo uses Horizontal </a:t>
-            </a:r>
-            <a:r>
-              <a:rPr lang="en-US" baseline="0" dirty="0" smtClean="0"/>
-              <a:t>scaling: documents can be partitioned between servers to distribute the load</a:t>
+              <a:t>Mongo uses Horizontal scaling: documents can be partitioned between servers to distribute the load</a:t>
             </a:r>
           </a:p>
           <a:p>
@@ -8026,7 +7871,19 @@
                 <a:ea typeface="+mn-ea"/>
                 <a:cs typeface="+mn-cs"/>
               </a:rPr>
-              <a:t>: </a:t>
+              <a:t>: The router provides an interface between client applications and the </a:t>
+            </a:r>
+            <a:r>
+              <a:rPr lang="en-US" sz="1200" b="0" i="0" kern="1200" dirty="0" err="1" smtClean="0">
+                <a:solidFill>
+                  <a:schemeClr val="tx1"/>
+                </a:solidFill>
+                <a:effectLst/>
+                <a:latin typeface="+mn-lt"/>
+                <a:ea typeface="+mn-ea"/>
+                <a:cs typeface="+mn-cs"/>
+              </a:rPr>
+              <a:t>sharded</a:t>
             </a:r>
             <a:r>
               <a:rPr lang="en-US" sz="1200" b="0" i="0" kern="1200" dirty="0" smtClean="0">
@@ -8038,67 +7895,7 @@
                 <a:ea typeface="+mn-ea"/>
                 <a:cs typeface="+mn-cs"/>
               </a:rPr>
-              <a:t>The </a:t>
-            </a:r>
-            <a:r>
-              <a:rPr lang="en-US" sz="1200" b="0" i="0" kern="1200" dirty="0" smtClean="0">
-                <a:solidFill>
-                  <a:schemeClr val="tx1"/>
-                </a:solidFill>
-                <a:effectLst/>
-                <a:latin typeface="+mn-lt"/>
-                <a:ea typeface="+mn-ea"/>
-                <a:cs typeface="+mn-cs"/>
-              </a:rPr>
-              <a:t>router provides </a:t>
-            </a:r>
-            <a:r>
-              <a:rPr lang="en-US" sz="1200" b="0" i="0" kern="1200" dirty="0" smtClean="0">
-                <a:solidFill>
-                  <a:schemeClr val="tx1"/>
-                </a:solidFill>
-                <a:effectLst/>
-                <a:latin typeface="+mn-lt"/>
-                <a:ea typeface="+mn-ea"/>
-                <a:cs typeface="+mn-cs"/>
-              </a:rPr>
-              <a:t>an interface between client applications and the </a:t>
-            </a:r>
-            <a:r>
-              <a:rPr lang="en-US" sz="1200" b="0" i="0" kern="1200" dirty="0" err="1" smtClean="0">
-                <a:solidFill>
-                  <a:schemeClr val="tx1"/>
-                </a:solidFill>
-                <a:effectLst/>
-                <a:latin typeface="+mn-lt"/>
-                <a:ea typeface="+mn-ea"/>
-                <a:cs typeface="+mn-cs"/>
-              </a:rPr>
-              <a:t>sharded</a:t>
-            </a:r>
-            <a:r>
-              <a:rPr lang="en-US" sz="1200" b="0" i="0" kern="1200" dirty="0" smtClean="0">
-                <a:solidFill>
-                  <a:schemeClr val="tx1"/>
-                </a:solidFill>
-                <a:effectLst/>
-                <a:latin typeface="+mn-lt"/>
-                <a:ea typeface="+mn-ea"/>
-                <a:cs typeface="+mn-cs"/>
-              </a:rPr>
-              <a:t> </a:t>
-            </a:r>
-            <a:r>
-              <a:rPr lang="en-US" sz="1200" b="0" i="0" kern="1200" dirty="0" smtClean="0">
-                <a:solidFill>
-                  <a:schemeClr val="tx1"/>
-                </a:solidFill>
-                <a:effectLst/>
-                <a:latin typeface="+mn-lt"/>
-                <a:ea typeface="+mn-ea"/>
-                <a:cs typeface="+mn-cs"/>
-              </a:rPr>
-              <a:t>cluster</a:t>
+              <a:t> cluster</a:t>
             </a:r>
             <a:r>
               <a:rPr lang="en-US" sz="1200" b="0" i="0" kern="1200" baseline="0" dirty="0" smtClean="0">
@@ -8477,7 +8274,7 @@
           <a:p>
             <a:fld id="{2ADC2C9B-E509-4817-BA72-5DA0722D8BF9}" type="datetimeFigureOut">
               <a:rPr lang="en-US" smtClean="0"/>
-              <a:t>6/28/17</a:t>
+              <a:t>6/29/17</a:t>
             </a:fld>
             <a:endParaRPr lang="en-US"/>
           </a:p>
@@ -8647,7 +8444,7 @@
           <a:p>
             <a:fld id="{2ADC2C9B-E509-4817-BA72-5DA0722D8BF9}" type="datetimeFigureOut">
               <a:rPr lang="en-US" smtClean="0"/>
-              <a:t>6/28/17</a:t>
+              <a:t>6/29/17</a:t>
             </a:fld>
             <a:endParaRPr lang="en-US"/>
           </a:p>
@@ -8827,7 +8624,7 @@
           <a:p>
             <a:fld id="{2ADC2C9B-E509-4817-BA72-5DA0722D8BF9}" type="datetimeFigureOut">
               <a:rPr lang="en-US" smtClean="0"/>
-              <a:t>6/28/17</a:t>
+              <a:t>6/29/17</a:t>
             </a:fld>
             <a:endParaRPr lang="en-US"/>
           </a:p>
@@ -8997,7 +8794,7 @@
           <a:p>
             <a:fld id="{2ADC2C9B-E509-4817-BA72-5DA0722D8BF9}" type="datetimeFigureOut">
               <a:rPr lang="en-US" smtClean="0"/>
-              <a:t>6/28/17</a:t>
+              <a:t>6/29/17</a:t>
             </a:fld>
             <a:endParaRPr lang="en-US"/>
           </a:p>
@@ -9243,7 +9040,7 @@
           <a:p>
             <a:fld id="{2ADC2C9B-E509-4817-BA72-5DA0722D8BF9}" type="datetimeFigureOut">
               <a:rPr lang="en-US" smtClean="0"/>
-              <a:t>6/28/17</a:t>
+              <a:t>6/29/17</a:t>
             </a:fld>
             <a:endParaRPr lang="en-US"/>
           </a:p>
@@ -9531,7 +9328,7 @@
           <a:p>
             <a:fld id="{2ADC2C9B-E509-4817-BA72-5DA0722D8BF9}" type="datetimeFigureOut">
               <a:rPr lang="en-US" smtClean="0"/>
-              <a:t>6/28/17</a:t>
+              <a:t>6/29/17</a:t>
             </a:fld>
             <a:endParaRPr lang="en-US"/>
           </a:p>
@@ -9953,7 +9750,7 @@
           <a:p>
             <a:fld id="{2ADC2C9B-E509-4817-BA72-5DA0722D8BF9}" type="datetimeFigureOut">
               <a:rPr lang="en-US" smtClean="0"/>
-              <a:t>6/28/17</a:t>
+              <a:t>6/29/17</a:t>
             </a:fld>
             <a:endParaRPr lang="en-US"/>
           </a:p>
@@ -10071,7 +9868,7 @@
           <a:p>
             <a:fld id="{2ADC2C9B-E509-4817-BA72-5DA0722D8BF9}" type="datetimeFigureOut">
               <a:rPr lang="en-US" smtClean="0"/>
-              <a:t>6/28/17</a:t>
+              <a:t>6/29/17</a:t>
             </a:fld>
             <a:endParaRPr lang="en-US"/>
           </a:p>
@@ -10166,7 +9963,7 @@
           <a:p>
             <a:fld id="{2ADC2C9B-E509-4817-BA72-5DA0722D8BF9}" type="datetimeFigureOut">
               <a:rPr lang="en-US" smtClean="0"/>
-              <a:t>6/28/17</a:t>
+              <a:t>6/29/17</a:t>
             </a:fld>
             <a:endParaRPr lang="en-US"/>
           </a:p>
@@ -10443,7 +10240,7 @@
           <a:p>
             <a:fld id="{2ADC2C9B-E509-4817-BA72-5DA0722D8BF9}" type="datetimeFigureOut">
               <a:rPr lang="en-US" smtClean="0"/>
-              <a:t>6/28/17</a:t>
+              <a:t>6/29/17</a:t>
             </a:fld>
             <a:endParaRPr lang="en-US"/>
           </a:p>
@@ -10696,7 +10493,7 @@
           <a:p>
             <a:fld id="{2ADC2C9B-E509-4817-BA72-5DA0722D8BF9}" type="datetimeFigureOut">
               <a:rPr lang="en-US" smtClean="0"/>
-              <a:t>6/28/17</a:t>
+              <a:t>6/29/17</a:t>
             </a:fld>
             <a:endParaRPr lang="en-US"/>
           </a:p>
@@ -10761,9 +10558,18 @@
 <p:sldMaster xmlns:a="http://schemas.openxmlformats.org/drawingml/2006/main" xmlns:r="http://schemas.openxmlformats.org/officeDocument/2006/relationships" xmlns:p="http://schemas.openxmlformats.org/presentationml/2006/main">
   <p:cSld>
     <p:bg>
-      <p:bgRef idx="1003">
-        <a:schemeClr val="bg1"/>
-      </p:bgRef>
+      <p:bgPr>
+        <a:blipFill dpi="0" rotWithShape="1">
+          <a:blip r:embed="rId13">
+            <a:lum/>
+          </a:blip>
+          <a:srcRect/>
+          <a:stretch>
+            <a:fillRect/>
+          </a:stretch>
+        </a:blipFill>
+        <a:effectLst/>
+      </p:bgPr>
     </p:bg>
     <p:spTree>
       <p:nvGrpSpPr>
@@ -10909,7 +10715,7 @@
           <a:p>
             <a:fld id="{2ADC2C9B-E509-4817-BA72-5DA0722D8BF9}" type="datetimeFigureOut">
               <a:rPr lang="en-US" smtClean="0"/>
-              <a:t>6/28/17</a:t>
+              <a:t>6/29/17</a:t>
             </a:fld>
             <a:endParaRPr lang="en-US"/>
           </a:p>
@@ -11296,37 +11102,41 @@
         </p:nvSpPr>
         <p:spPr/>
         <p:txBody>
-          <a:bodyPr/>
+          <a:bodyPr>
+            <a:normAutofit fontScale="90000"/>
+          </a:bodyPr>
           <a:lstStyle/>
           <a:p>
             <a:r>
               <a:rPr lang="en-US" b="1" dirty="0" smtClean="0"/>
               <a:t>MongoDB</a:t>
             </a:r>
-            <a:endParaRPr lang="en-US" b="1" dirty="0"/>
-          </a:p>
-        </p:txBody>
-      </p:sp>
-      <p:sp>
-        <p:nvSpPr>
-          <p:cNvPr id="3" name="Subtitle 2"/>
-          <p:cNvSpPr>
-            <a:spLocks noGrp="1"/>
-          </p:cNvSpPr>
-          <p:nvPr>
-            <p:ph type="subTitle" idx="1"/>
-          </p:nvPr>
-        </p:nvSpPr>
-        <p:spPr/>
-        <p:txBody>
-          <a:bodyPr/>
-          <a:lstStyle/>
-          <a:p>
-            <a:r>
+            <a:br>
               <a:rPr lang="en-US" b="1" dirty="0" smtClean="0"/>
-              <a:t>Hands-on test drive</a:t>
-            </a:r>
-            <a:endParaRPr lang="en-US" b="1" dirty="0"/>
+            </a:br>
+            <a:r>
+              <a:rPr lang="en-US" b="1" dirty="0"/>
+              <a:t/>
+            </a:r>
+            <a:br>
+              <a:rPr lang="en-US" b="1" dirty="0"/>
+            </a:br>
+            <a:r>
+              <a:rPr lang="en-US" sz="2700" dirty="0" smtClean="0"/>
+              <a:t>Hands on test drive</a:t>
+            </a:r>
+            <a:br>
+              <a:rPr lang="en-US" sz="2700" dirty="0" smtClean="0"/>
+            </a:br>
+            <a:r>
+              <a:rPr lang="en-US" sz="2700" dirty="0" smtClean="0"/>
+              <a:t>Dan Van Valin &amp; Kevin </a:t>
+            </a:r>
+            <a:r>
+              <a:rPr lang="en-US" sz="2700" dirty="0" err="1" smtClean="0"/>
+              <a:t>McGinty</a:t>
+            </a:r>
+            <a:endParaRPr lang="en-US" sz="2700" dirty="0"/>
           </a:p>
         </p:txBody>
       </p:sp>
@@ -11340,6 +11150,13 @@
   <p:clrMapOvr>
     <a:masterClrMapping/>
   </p:clrMapOvr>
+  <p:timing>
+    <p:tnLst>
+      <p:par>
+        <p:cTn id="1" dur="indefinite" restart="never" nodeType="tmRoot"/>
+      </p:par>
+    </p:tnLst>
+  </p:timing>
 </p:sld>
 </file>
 
@@ -11412,11 +11229,7 @@
           <a:p>
             <a:r>
               <a:rPr lang="en-US" dirty="0" smtClean="0"/>
-              <a:t>Horizontal </a:t>
-            </a:r>
-            <a:r>
-              <a:rPr lang="en-US" dirty="0" smtClean="0"/>
-              <a:t>Scaling</a:t>
+              <a:t>Horizontal Scaling</a:t>
             </a:r>
           </a:p>
           <a:p>
@@ -11565,6 +11378,13 @@
   <p:clrMapOvr>
     <a:masterClrMapping/>
   </p:clrMapOvr>
+  <p:timing>
+    <p:tnLst>
+      <p:par>
+        <p:cTn id="1" dur="indefinite" restart="never" nodeType="tmRoot"/>
+      </p:par>
+    </p:tnLst>
+  </p:timing>
 </p:sld>
 </file>
 
@@ -11762,6 +11582,13 @@
   <p:clrMapOvr>
     <a:masterClrMapping/>
   </p:clrMapOvr>
+  <p:timing>
+    <p:tnLst>
+      <p:par>
+        <p:cTn id="1" dur="indefinite" restart="never" nodeType="tmRoot"/>
+      </p:par>
+    </p:tnLst>
+  </p:timing>
 </p:sld>
 </file>
 
@@ -11965,6 +11792,13 @@
   <p:clrMapOvr>
     <a:masterClrMapping/>
   </p:clrMapOvr>
+  <p:timing>
+    <p:tnLst>
+      <p:par>
+        <p:cTn id="1" dur="indefinite" restart="never" nodeType="tmRoot"/>
+      </p:par>
+    </p:tnLst>
+  </p:timing>
 </p:sld>
 </file>
 
@@ -12200,6 +12034,13 @@
   <p:clrMapOvr>
     <a:masterClrMapping/>
   </p:clrMapOvr>
+  <p:timing>
+    <p:tnLst>
+      <p:par>
+        <p:cTn id="1" dur="indefinite" restart="never" nodeType="tmRoot"/>
+      </p:par>
+    </p:tnLst>
+  </p:timing>
 </p:sld>
 </file>
 
@@ -12434,6 +12275,13 @@
   <p:clrMapOvr>
     <a:masterClrMapping/>
   </p:clrMapOvr>
+  <p:timing>
+    <p:tnLst>
+      <p:par>
+        <p:cTn id="1" dur="indefinite" restart="never" nodeType="tmRoot"/>
+      </p:par>
+    </p:tnLst>
+  </p:timing>
 </p:sld>
 </file>
 
@@ -12672,6 +12520,13 @@
   <p:clrMapOvr>
     <a:masterClrMapping/>
   </p:clrMapOvr>
+  <p:timing>
+    <p:tnLst>
+      <p:par>
+        <p:cTn id="1" dur="indefinite" restart="never" nodeType="tmRoot"/>
+      </p:par>
+    </p:tnLst>
+  </p:timing>
 </p:sld>
 </file>
 
@@ -13032,6 +12887,13 @@
   <p:clrMapOvr>
     <a:masterClrMapping/>
   </p:clrMapOvr>
+  <p:timing>
+    <p:tnLst>
+      <p:par>
+        <p:cTn id="1" dur="indefinite" restart="never" nodeType="tmRoot"/>
+      </p:par>
+    </p:tnLst>
+  </p:timing>
 </p:sld>
 </file>
 
@@ -13257,6 +13119,13 @@
   <p:clrMapOvr>
     <a:masterClrMapping/>
   </p:clrMapOvr>
+  <p:timing>
+    <p:tnLst>
+      <p:par>
+        <p:cTn id="1" dur="indefinite" restart="never" nodeType="tmRoot"/>
+      </p:par>
+    </p:tnLst>
+  </p:timing>
 </p:sld>
 </file>
 
@@ -13400,6 +13269,13 @@
   <p:clrMapOvr>
     <a:masterClrMapping/>
   </p:clrMapOvr>
+  <p:timing>
+    <p:tnLst>
+      <p:par>
+        <p:cTn id="1" dur="indefinite" restart="never" nodeType="tmRoot"/>
+      </p:par>
+    </p:tnLst>
+  </p:timing>
 </p:sld>
 </file>
 
@@ -13462,7 +13338,6 @@
               <a:rPr lang="en-US" dirty="0" smtClean="0"/>
               <a:t>NoSQL</a:t>
             </a:r>
-            <a:endParaRPr lang="en-US" dirty="0" smtClean="0"/>
           </a:p>
         </p:txBody>
       </p:sp>
@@ -14104,6 +13979,13 @@
   <p:clrMapOvr>
     <a:masterClrMapping/>
   </p:clrMapOvr>
+  <p:timing>
+    <p:tnLst>
+      <p:par>
+        <p:cTn id="1" dur="indefinite" restart="never" nodeType="tmRoot"/>
+      </p:par>
+    </p:tnLst>
+  </p:timing>
 </p:sld>
 </file>
 
@@ -14371,6 +14253,13 @@
   <p:clrMapOvr>
     <a:masterClrMapping/>
   </p:clrMapOvr>
+  <p:timing>
+    <p:tnLst>
+      <p:par>
+        <p:cTn id="1" dur="indefinite" restart="never" nodeType="tmRoot"/>
+      </p:par>
+    </p:tnLst>
+  </p:timing>
 </p:sld>
 </file>
 
@@ -14691,6 +14580,13 @@
   <p:clrMapOvr>
     <a:masterClrMapping/>
   </p:clrMapOvr>
+  <p:timing>
+    <p:tnLst>
+      <p:par>
+        <p:cTn id="1" dur="indefinite" restart="never" nodeType="tmRoot"/>
+      </p:par>
+    </p:tnLst>
+  </p:timing>
 </p:sld>
 </file>
 
@@ -14744,7 +14640,12 @@
             <p:ph idx="1"/>
           </p:nvPr>
         </p:nvSpPr>
-        <p:spPr/>
+        <p:spPr>
+          <a:xfrm>
+            <a:off x="457200" y="1295400"/>
+            <a:ext cx="8229600" cy="4525963"/>
+          </a:xfrm>
+        </p:spPr>
         <p:txBody>
           <a:bodyPr/>
           <a:lstStyle/>
@@ -14798,7 +14699,20 @@
                 <a:ea typeface="Arial Unicode MS" panose="020B0604020202020204" pitchFamily="34" charset="-128"/>
                 <a:cs typeface="Arial Unicode MS" panose="020B0604020202020204" pitchFamily="34" charset="-128"/>
               </a:rPr>
-              <a:t>db.&lt;collection&gt;.update(criteria, { op : portion </a:t>
+              <a:t>db.&lt;collection&gt;.update(criteria, { op : portion },     </a:t>
+            </a:r>
+          </a:p>
+          <a:p>
+            <a:pPr marL="0" indent="0">
+              <a:buNone/>
+            </a:pPr>
+            <a:r>
+              <a:rPr lang="en-US" sz="2400" b="1" dirty="0">
+                <a:latin typeface="Arial Unicode MS" panose="020B0604020202020204" pitchFamily="34" charset="-128"/>
+                <a:ea typeface="Arial Unicode MS" panose="020B0604020202020204" pitchFamily="34" charset="-128"/>
+                <a:cs typeface="Arial Unicode MS" panose="020B0604020202020204" pitchFamily="34" charset="-128"/>
+              </a:rPr>
+              <a:t> </a:t>
             </a:r>
             <a:r>
               <a:rPr lang="en-US" sz="2400" b="1" dirty="0" smtClean="0">
@@ -14806,36 +14720,7 @@
                 <a:ea typeface="Arial Unicode MS" panose="020B0604020202020204" pitchFamily="34" charset="-128"/>
                 <a:cs typeface="Arial Unicode MS" panose="020B0604020202020204" pitchFamily="34" charset="-128"/>
               </a:rPr>
-              <a:t>},     </a:t>
-            </a:r>
-          </a:p>
-          <a:p>
-            <a:pPr marL="0" indent="0">
-              <a:buNone/>
-            </a:pPr>
-            <a:r>
-              <a:rPr lang="en-US" sz="2400" b="1" dirty="0">
-                <a:latin typeface="Arial Unicode MS" panose="020B0604020202020204" pitchFamily="34" charset="-128"/>
-                <a:ea typeface="Arial Unicode MS" panose="020B0604020202020204" pitchFamily="34" charset="-128"/>
-                <a:cs typeface="Arial Unicode MS" panose="020B0604020202020204" pitchFamily="34" charset="-128"/>
-              </a:rPr>
-              <a:t> </a:t>
-            </a:r>
-            <a:r>
-              <a:rPr lang="en-US" sz="2400" b="1" dirty="0" smtClean="0">
-                <a:latin typeface="Arial Unicode MS" panose="020B0604020202020204" pitchFamily="34" charset="-128"/>
-                <a:ea typeface="Arial Unicode MS" panose="020B0604020202020204" pitchFamily="34" charset="-128"/>
-                <a:cs typeface="Arial Unicode MS" panose="020B0604020202020204" pitchFamily="34" charset="-128"/>
-              </a:rPr>
-              <a:t>                                              </a:t>
-            </a:r>
-            <a:r>
-              <a:rPr lang="en-US" sz="2400" b="1" dirty="0" smtClean="0">
-                <a:latin typeface="Arial Unicode MS" panose="020B0604020202020204" pitchFamily="34" charset="-128"/>
-                <a:ea typeface="Arial Unicode MS" panose="020B0604020202020204" pitchFamily="34" charset="-128"/>
-                <a:cs typeface="Arial Unicode MS" panose="020B0604020202020204" pitchFamily="34" charset="-128"/>
-              </a:rPr>
-              <a:t> parameters)</a:t>
+              <a:t>                                               parameters)</a:t>
             </a:r>
             <a:endParaRPr lang="en-US" sz="2400" b="1" dirty="0" smtClean="0"/>
           </a:p>
@@ -14894,6 +14779,13 @@
   <p:clrMapOvr>
     <a:masterClrMapping/>
   </p:clrMapOvr>
+  <p:timing>
+    <p:tnLst>
+      <p:par>
+        <p:cTn id="1" dur="indefinite" restart="never" nodeType="tmRoot"/>
+      </p:par>
+    </p:tnLst>
+  </p:timing>
 </p:sld>
 </file>
 
@@ -15060,21 +14952,8 @@
                 <a:ea typeface="Arial Unicode MS" panose="020B0604020202020204" pitchFamily="34" charset="-128"/>
                 <a:cs typeface="Arial Unicode MS" panose="020B0604020202020204" pitchFamily="34" charset="-128"/>
               </a:rPr>
-              <a:t>251,188,924</a:t>
-            </a:r>
-            <a:r>
-              <a:rPr lang="en-US" sz="2400" b="1" dirty="0" smtClean="0">
-                <a:latin typeface="Arial Unicode MS" panose="020B0604020202020204" pitchFamily="34" charset="-128"/>
-                <a:ea typeface="Arial Unicode MS" panose="020B0604020202020204" pitchFamily="34" charset="-128"/>
-                <a:cs typeface="Arial Unicode MS" panose="020B0604020202020204" pitchFamily="34" charset="-128"/>
-              </a:rPr>
-              <a:t>"}} )</a:t>
-            </a:r>
-            <a:endParaRPr lang="en-US" sz="2400" b="1" dirty="0" smtClean="0">
-              <a:latin typeface="Arial Unicode MS" panose="020B0604020202020204" pitchFamily="34" charset="-128"/>
-              <a:ea typeface="Arial Unicode MS" panose="020B0604020202020204" pitchFamily="34" charset="-128"/>
-              <a:cs typeface="Arial Unicode MS" panose="020B0604020202020204" pitchFamily="34" charset="-128"/>
-            </a:endParaRPr>
+              <a:t>251,188,924"}} )</a:t>
+            </a:r>
           </a:p>
         </p:txBody>
       </p:sp>
@@ -15312,6 +15191,13 @@
   <p:clrMapOvr>
     <a:masterClrMapping/>
   </p:clrMapOvr>
+  <p:timing>
+    <p:tnLst>
+      <p:par>
+        <p:cTn id="1" dur="indefinite" restart="never" nodeType="tmRoot"/>
+      </p:par>
+    </p:tnLst>
+  </p:timing>
 </p:sld>
 </file>
 
@@ -15380,14 +15266,7 @@
                 <a:ea typeface="Arial Unicode MS" panose="020B0604020202020204" pitchFamily="34" charset="-128"/>
                 <a:cs typeface="Arial Unicode MS" panose="020B0604020202020204" pitchFamily="34" charset="-128"/>
               </a:rPr>
-              <a:t>1. </a:t>
-            </a:r>
-            <a:r>
-              <a:rPr lang="en-US" sz="2800" dirty="0" smtClean="0">
-                <a:ea typeface="Arial Unicode MS" panose="020B0604020202020204" pitchFamily="34" charset="-128"/>
-                <a:cs typeface="Arial Unicode MS" panose="020B0604020202020204" pitchFamily="34" charset="-128"/>
-              </a:rPr>
-              <a:t>Add “Jack </a:t>
+              <a:t>1. Add “Jack </a:t>
             </a:r>
             <a:r>
               <a:rPr lang="en-US" sz="2800" dirty="0" err="1" smtClean="0">
@@ -15422,14 +15301,7 @@
                 <a:ea typeface="Arial Unicode MS" panose="020B0604020202020204" pitchFamily="34" charset="-128"/>
                 <a:cs typeface="Arial Unicode MS" panose="020B0604020202020204" pitchFamily="34" charset="-128"/>
               </a:rPr>
-              <a:t>2. </a:t>
-            </a:r>
-            <a:r>
-              <a:rPr lang="en-US" sz="2800" dirty="0" smtClean="0">
-                <a:ea typeface="Arial Unicode MS" panose="020B0604020202020204" pitchFamily="34" charset="-128"/>
-                <a:cs typeface="Arial Unicode MS" panose="020B0604020202020204" pitchFamily="34" charset="-128"/>
-              </a:rPr>
-              <a:t>Add “Action” to the genre for “The Incredibles”.  </a:t>
+              <a:t>2. Add “Action” to the genre for “The Incredibles”.  </a:t>
             </a:r>
             <a:endParaRPr lang="en-US" sz="1600" dirty="0">
               <a:ea typeface="Arial Unicode MS" panose="020B0604020202020204" pitchFamily="34" charset="-128"/>
@@ -15647,6 +15519,13 @@
   <p:clrMapOvr>
     <a:masterClrMapping/>
   </p:clrMapOvr>
+  <p:timing>
+    <p:tnLst>
+      <p:par>
+        <p:cTn id="1" dur="indefinite" restart="never" nodeType="tmRoot"/>
+      </p:par>
+    </p:tnLst>
+  </p:timing>
 </p:sld>
 </file>
 
@@ -15707,50 +15586,50 @@
           </a:bodyPr>
           <a:lstStyle/>
           <a:p>
-            <a:pPr marL="457200" indent="-457200">
-              <a:buAutoNum type="arabicPeriod"/>
-            </a:pPr>
+            <a:pPr marL="0" indent="0">
+              <a:buNone/>
+            </a:pPr>
+            <a:r>
+              <a:rPr lang="en-US" sz="2200" dirty="0">
+                <a:ea typeface="Arial Unicode MS" panose="020B0604020202020204" pitchFamily="34" charset="-128"/>
+                <a:cs typeface="Arial Unicode MS" panose="020B0604020202020204" pitchFamily="34" charset="-128"/>
+              </a:rPr>
+              <a:t>1</a:t>
+            </a:r>
             <a:r>
               <a:rPr lang="en-US" sz="2200" dirty="0" smtClean="0">
                 <a:ea typeface="Arial Unicode MS" panose="020B0604020202020204" pitchFamily="34" charset="-128"/>
                 <a:cs typeface="Arial Unicode MS" panose="020B0604020202020204" pitchFamily="34" charset="-128"/>
               </a:rPr>
-              <a:t>Add a </a:t>
+              <a:t>. </a:t>
+            </a:r>
+            <a:r>
+              <a:rPr lang="en-US" sz="2200" dirty="0" smtClean="0">
+                <a:ea typeface="Arial Unicode MS" panose="020B0604020202020204" pitchFamily="34" charset="-128"/>
+                <a:cs typeface="Arial Unicode MS" panose="020B0604020202020204" pitchFamily="34" charset="-128"/>
+              </a:rPr>
+              <a:t>Add “Jack </a:t>
             </a:r>
             <a:r>
               <a:rPr lang="en-US" sz="2200" dirty="0" err="1" smtClean="0">
                 <a:ea typeface="Arial Unicode MS" panose="020B0604020202020204" pitchFamily="34" charset="-128"/>
                 <a:cs typeface="Arial Unicode MS" panose="020B0604020202020204" pitchFamily="34" charset="-128"/>
               </a:rPr>
-              <a:t>boxOffice</a:t>
+              <a:t>Palance</a:t>
             </a:r>
             <a:r>
               <a:rPr lang="en-US" sz="2200" dirty="0" smtClean="0">
                 <a:ea typeface="Arial Unicode MS" panose="020B0604020202020204" pitchFamily="34" charset="-128"/>
                 <a:cs typeface="Arial Unicode MS" panose="020B0604020202020204" pitchFamily="34" charset="-128"/>
               </a:rPr>
-              <a:t> of value of "$</a:t>
-            </a:r>
-            <a:r>
-              <a:rPr lang="en-US" sz="2200" dirty="0">
-                <a:ea typeface="Arial Unicode MS" panose="020B0604020202020204" pitchFamily="34" charset="-128"/>
-                <a:cs typeface="Arial Unicode MS" panose="020B0604020202020204" pitchFamily="34" charset="-128"/>
-              </a:rPr>
-              <a:t>261,441,092 to The Incredibles</a:t>
-            </a:r>
-            <a:r>
-              <a:rPr lang="en-US" sz="2200" dirty="0" smtClean="0">
-                <a:ea typeface="Arial Unicode MS" panose="020B0604020202020204" pitchFamily="34" charset="-128"/>
-                <a:cs typeface="Arial Unicode MS" panose="020B0604020202020204" pitchFamily="34" charset="-128"/>
-              </a:rPr>
-              <a:t>.</a:t>
-            </a:r>
-          </a:p>
-          <a:p>
-            <a:pPr marL="457200" indent="-457200">
-              <a:buAutoNum type="arabicPeriod"/>
-            </a:pPr>
-            <a:endParaRPr lang="en-US" sz="1100" dirty="0">
+              <a:t>” to the actors for Batman.</a:t>
+            </a:r>
+          </a:p>
+          <a:p>
+            <a:pPr marL="0" indent="0">
+              <a:buNone/>
+            </a:pPr>
+            <a:endParaRPr lang="en-US" sz="1100" dirty="0" smtClean="0">
               <a:ea typeface="Arial Unicode MS" panose="020B0604020202020204" pitchFamily="34" charset="-128"/>
               <a:cs typeface="Arial Unicode MS" panose="020B0604020202020204" pitchFamily="34" charset="-128"/>
             </a:endParaRPr>
@@ -15760,7 +15639,7 @@
               <a:buNone/>
             </a:pPr>
             <a:r>
-              <a:rPr lang="en-US" sz="2800" b="1" dirty="0" err="1" smtClean="0"/>
+              <a:rPr lang="en-US" sz="2800" b="1" dirty="0" err="1"/>
               <a:t>db.movies.update</a:t>
             </a:r>
             <a:r>
@@ -15769,15 +15648,7 @@
             </a:r>
             <a:r>
               <a:rPr lang="en-US" sz="2800" b="1" dirty="0" err="1"/>
-              <a:t>title</a:t>
-            </a:r>
-            <a:r>
-              <a:rPr lang="en-US" sz="2800" b="1" dirty="0" err="1" smtClean="0"/>
-              <a:t>:“The</a:t>
-            </a:r>
-            <a:r>
-              <a:rPr lang="en-US" sz="2800" b="1" dirty="0" smtClean="0"/>
-              <a:t> Incredibles</a:t>
+              <a:t>title:"Batman</a:t>
             </a:r>
             <a:r>
               <a:rPr lang="en-US" sz="2800" b="1" dirty="0" smtClean="0"/>
@@ -15794,31 +15665,25 @@
             </a:r>
             <a:r>
               <a:rPr lang="en-US" sz="2800" b="1" dirty="0" smtClean="0"/>
-              <a:t>    </a:t>
-            </a:r>
-            <a:r>
-              <a:rPr lang="en-US" sz="2800" b="1" dirty="0" smtClean="0"/>
-              <a:t>{$</a:t>
+              <a:t>    {$</a:t>
             </a:r>
             <a:r>
               <a:rPr lang="en-US" sz="2800" b="1" dirty="0"/>
-              <a:t>set: {</a:t>
+              <a:t>push: {actors: "Jack </a:t>
             </a:r>
             <a:r>
               <a:rPr lang="en-US" sz="2800" b="1" dirty="0" err="1"/>
-              <a:t>boxOffice</a:t>
+              <a:t>Palance</a:t>
             </a:r>
             <a:r>
               <a:rPr lang="en-US" sz="2800" b="1" dirty="0"/>
-              <a:t>: </a:t>
-            </a:r>
-            <a:r>
-              <a:rPr lang="en-US" sz="2800" b="1" dirty="0" smtClean="0"/>
-              <a:t>“$261,441,092”}})</a:t>
-            </a:r>
-            <a:endParaRPr lang="en-US" sz="2800" b="1" dirty="0"/>
-          </a:p>
-          <a:p>
+              <a:t>"}})</a:t>
+            </a:r>
+          </a:p>
+          <a:p>
+            <a:pPr marL="0" indent="0">
+              <a:buNone/>
+            </a:pPr>
             <a:endParaRPr lang="en-US" sz="2200" dirty="0" smtClean="0">
               <a:ea typeface="Arial Unicode MS" panose="020B0604020202020204" pitchFamily="34" charset="-128"/>
               <a:cs typeface="Arial Unicode MS" panose="020B0604020202020204" pitchFamily="34" charset="-128"/>
@@ -15847,13 +15712,20 @@
     </p:spTree>
     <p:extLst>
       <p:ext uri="{BB962C8B-B14F-4D97-AF65-F5344CB8AC3E}">
-        <p14:creationId xmlns:p14="http://schemas.microsoft.com/office/powerpoint/2010/main" val="3051124988"/>
+        <p14:creationId xmlns:p14="http://schemas.microsoft.com/office/powerpoint/2010/main" val="1988644146"/>
       </p:ext>
     </p:extLst>
   </p:cSld>
   <p:clrMapOvr>
     <a:masterClrMapping/>
   </p:clrMapOvr>
+  <p:timing>
+    <p:tnLst>
+      <p:par>
+        <p:cTn id="1" dur="indefinite" restart="never" nodeType="tmRoot"/>
+      </p:par>
+    </p:tnLst>
+  </p:timing>
 </p:sld>
 </file>
 
@@ -15929,22 +15801,19 @@
                 <a:ea typeface="Arial Unicode MS" panose="020B0604020202020204" pitchFamily="34" charset="-128"/>
                 <a:cs typeface="Arial Unicode MS" panose="020B0604020202020204" pitchFamily="34" charset="-128"/>
               </a:rPr>
-              <a:t>. Add “Jack </a:t>
-            </a:r>
-            <a:r>
-              <a:rPr lang="en-US" sz="2200" dirty="0" err="1" smtClean="0">
-                <a:ea typeface="Arial Unicode MS" panose="020B0604020202020204" pitchFamily="34" charset="-128"/>
-                <a:cs typeface="Arial Unicode MS" panose="020B0604020202020204" pitchFamily="34" charset="-128"/>
-              </a:rPr>
-              <a:t>Palance</a:t>
-            </a:r>
-            <a:r>
-              <a:rPr lang="en-US" sz="2200" dirty="0" smtClean="0">
-                <a:ea typeface="Arial Unicode MS" panose="020B0604020202020204" pitchFamily="34" charset="-128"/>
-                <a:cs typeface="Arial Unicode MS" panose="020B0604020202020204" pitchFamily="34" charset="-128"/>
-              </a:rPr>
-              <a:t>” to the actors for Batman.</a:t>
-            </a:r>
+              <a:t>. </a:t>
+            </a:r>
+            <a:r>
+              <a:rPr lang="en-US" sz="2400" dirty="0">
+                <a:ea typeface="Arial Unicode MS" panose="020B0604020202020204" pitchFamily="34" charset="-128"/>
+                <a:cs typeface="Arial Unicode MS" panose="020B0604020202020204" pitchFamily="34" charset="-128"/>
+              </a:rPr>
+              <a:t>Add “Action” to the genre for “The Incredibles”. </a:t>
+            </a:r>
+            <a:endParaRPr lang="en-US" sz="2200" dirty="0" smtClean="0">
+              <a:ea typeface="Arial Unicode MS" panose="020B0604020202020204" pitchFamily="34" charset="-128"/>
+              <a:cs typeface="Arial Unicode MS" panose="020B0604020202020204" pitchFamily="34" charset="-128"/>
+            </a:endParaRPr>
           </a:p>
           <a:p>
             <a:pPr marL="0" indent="0">
@@ -15964,17 +15833,18 @@
               <a:t>db.movies.update</a:t>
             </a:r>
             <a:r>
-              <a:rPr lang="en-US" sz="2800" b="1" dirty="0"/>
-              <a:t>({</a:t>
-            </a:r>
-            <a:r>
-              <a:rPr lang="en-US" sz="2800" b="1" dirty="0" err="1"/>
-              <a:t>title:"Batman</a:t>
-            </a:r>
-            <a:r>
               <a:rPr lang="en-US" sz="2800" b="1" dirty="0" smtClean="0"/>
-              <a:t>"},</a:t>
-            </a:r>
+              <a:t>( { </a:t>
+            </a:r>
+            <a:r>
+              <a:rPr lang="en-US" sz="2800" b="1" dirty="0" err="1" smtClean="0"/>
+              <a:t>title:”The</a:t>
+            </a:r>
+            <a:r>
+              <a:rPr lang="en-US" sz="2800" b="1" dirty="0" smtClean="0"/>
+              <a:t> Incredibles” },</a:t>
+            </a:r>
+            <a:endParaRPr lang="en-US" sz="2800" b="1" dirty="0" smtClean="0"/>
           </a:p>
           <a:p>
             <a:pPr marL="0" indent="0">
@@ -15990,20 +15860,33 @@
             </a:r>
             <a:r>
               <a:rPr lang="en-US" sz="2800" b="1" dirty="0" smtClean="0"/>
-              <a:t>{$</a:t>
+              <a:t>{ $</a:t>
             </a:r>
             <a:r>
               <a:rPr lang="en-US" sz="2800" b="1" dirty="0"/>
-              <a:t>push: {actors: "Jack </a:t>
-            </a:r>
-            <a:r>
-              <a:rPr lang="en-US" sz="2800" b="1" dirty="0" err="1"/>
-              <a:t>Palance</a:t>
-            </a:r>
-            <a:r>
-              <a:rPr lang="en-US" sz="2800" b="1" dirty="0"/>
-              <a:t>"}})</a:t>
-            </a:r>
+              <a:t>push: </a:t>
+            </a:r>
+            <a:r>
+              <a:rPr lang="en-US" sz="2800" b="1" dirty="0" smtClean="0"/>
+              <a:t>{ “</a:t>
+            </a:r>
+            <a:r>
+              <a:rPr lang="en-US" sz="2800" b="1" dirty="0" err="1" smtClean="0"/>
+              <a:t>details.genre</a:t>
+            </a:r>
+            <a:r>
+              <a:rPr lang="en-US" sz="2800" b="1" dirty="0" smtClean="0"/>
+              <a:t>” : ”</a:t>
+            </a:r>
+            <a:r>
+              <a:rPr lang="en-US" sz="2800" b="1" dirty="0" smtClean="0"/>
+              <a:t>Action</a:t>
+            </a:r>
+            <a:r>
+              <a:rPr lang="en-US" sz="2800" b="1" dirty="0" smtClean="0"/>
+              <a:t>” } } )</a:t>
+            </a:r>
+            <a:endParaRPr lang="en-US" sz="2800" b="1" dirty="0"/>
           </a:p>
           <a:p>
             <a:pPr marL="0" indent="0">
@@ -16037,13 +15920,20 @@
     </p:spTree>
     <p:extLst>
       <p:ext uri="{BB962C8B-B14F-4D97-AF65-F5344CB8AC3E}">
-        <p14:creationId xmlns:p14="http://schemas.microsoft.com/office/powerpoint/2010/main" val="1988644146"/>
+        <p14:creationId xmlns:p14="http://schemas.microsoft.com/office/powerpoint/2010/main" val="721130200"/>
       </p:ext>
     </p:extLst>
   </p:cSld>
   <p:clrMapOvr>
     <a:masterClrMapping/>
   </p:clrMapOvr>
+  <p:timing>
+    <p:tnLst>
+      <p:par>
+        <p:cTn id="1" dur="indefinite" restart="never" nodeType="tmRoot"/>
+      </p:par>
+    </p:tnLst>
+  </p:timing>
 </p:sld>
 </file>
 
@@ -16291,6 +16181,13 @@
   <p:clrMapOvr>
     <a:masterClrMapping/>
   </p:clrMapOvr>
+  <p:timing>
+    <p:tnLst>
+      <p:par>
+        <p:cTn id="1" dur="indefinite" restart="never" nodeType="tmRoot"/>
+      </p:par>
+    </p:tnLst>
+  </p:timing>
 </p:sld>
 </file>
 
@@ -16380,14 +16277,7 @@
                 <a:ea typeface="Arial Unicode MS" panose="020B0604020202020204" pitchFamily="34" charset="-128"/>
                 <a:cs typeface="Arial Unicode MS" panose="020B0604020202020204" pitchFamily="34" charset="-128"/>
               </a:rPr>
-              <a:t>   </a:t>
-            </a:r>
-            <a:r>
-              <a:rPr lang="en-US" sz="2800" b="1" dirty="0" smtClean="0">
-                <a:ea typeface="Arial Unicode MS" panose="020B0604020202020204" pitchFamily="34" charset="-128"/>
-                <a:cs typeface="Arial Unicode MS" panose="020B0604020202020204" pitchFamily="34" charset="-128"/>
-              </a:rPr>
-              <a:t>	</a:t>
+              <a:t>   	</a:t>
             </a:r>
             <a:r>
               <a:rPr lang="en-US" sz="2800" dirty="0" smtClean="0">
@@ -16424,14 +16314,7 @@
                 <a:ea typeface="Arial Unicode MS" panose="020B0604020202020204" pitchFamily="34" charset="-128"/>
                 <a:cs typeface="Arial Unicode MS" panose="020B0604020202020204" pitchFamily="34" charset="-128"/>
               </a:rPr>
-              <a:t>             	</a:t>
-            </a:r>
-            <a:r>
-              <a:rPr lang="en-US" sz="2800" dirty="0" smtClean="0">
-                <a:ea typeface="Arial Unicode MS" panose="020B0604020202020204" pitchFamily="34" charset="-128"/>
-                <a:cs typeface="Arial Unicode MS" panose="020B0604020202020204" pitchFamily="34" charset="-128"/>
-              </a:rPr>
-              <a:t>specified </a:t>
+              <a:t>             	specified </a:t>
             </a:r>
             <a:r>
               <a:rPr lang="en-US" sz="2800" dirty="0">
@@ -16487,14 +16370,7 @@
                 <a:ea typeface="Arial Unicode MS" panose="020B0604020202020204" pitchFamily="34" charset="-128"/>
                 <a:cs typeface="Arial Unicode MS" panose="020B0604020202020204" pitchFamily="34" charset="-128"/>
               </a:rPr>
-              <a:t>   </a:t>
-            </a:r>
-            <a:r>
-              <a:rPr lang="en-US" sz="2800" b="1" dirty="0" smtClean="0">
-                <a:ea typeface="Arial Unicode MS" panose="020B0604020202020204" pitchFamily="34" charset="-128"/>
-                <a:cs typeface="Arial Unicode MS" panose="020B0604020202020204" pitchFamily="34" charset="-128"/>
-              </a:rPr>
-              <a:t>  	</a:t>
+              <a:t>     	</a:t>
             </a:r>
             <a:r>
               <a:rPr lang="en-US" sz="2800" dirty="0" smtClean="0">
@@ -16534,14 +16410,7 @@
                 <a:ea typeface="Arial Unicode MS" panose="020B0604020202020204" pitchFamily="34" charset="-128"/>
                 <a:cs typeface="Arial Unicode MS" panose="020B0604020202020204" pitchFamily="34" charset="-128"/>
               </a:rPr>
-              <a:t>	</a:t>
-            </a:r>
-            <a:r>
-              <a:rPr lang="en-US" sz="2800" dirty="0" smtClean="0">
-                <a:ea typeface="Arial Unicode MS" panose="020B0604020202020204" pitchFamily="34" charset="-128"/>
-                <a:cs typeface="Arial Unicode MS" panose="020B0604020202020204" pitchFamily="34" charset="-128"/>
-              </a:rPr>
-              <a:t>specified amount.</a:t>
+              <a:t>	specified amount.</a:t>
             </a:r>
           </a:p>
           <a:p>
@@ -16609,14 +16478,7 @@
                 <a:ea typeface="Arial Unicode MS" panose="020B0604020202020204" pitchFamily="34" charset="-128"/>
                 <a:cs typeface="Arial Unicode MS" panose="020B0604020202020204" pitchFamily="34" charset="-128"/>
               </a:rPr>
-              <a:t>                   	</a:t>
-            </a:r>
-            <a:r>
-              <a:rPr lang="en-US" sz="2800" dirty="0" smtClean="0">
-                <a:ea typeface="Arial Unicode MS" panose="020B0604020202020204" pitchFamily="34" charset="-128"/>
-                <a:cs typeface="Arial Unicode MS" panose="020B0604020202020204" pitchFamily="34" charset="-128"/>
-              </a:rPr>
-              <a:t>document.</a:t>
+              <a:t>                   	document.</a:t>
             </a:r>
           </a:p>
           <a:p>
@@ -16637,14 +16499,7 @@
                 <a:ea typeface="Arial Unicode MS" panose="020B0604020202020204" pitchFamily="34" charset="-128"/>
                 <a:cs typeface="Arial Unicode MS" panose="020B0604020202020204" pitchFamily="34" charset="-128"/>
               </a:rPr>
-              <a:t>$rename   </a:t>
-            </a:r>
-            <a:r>
-              <a:rPr lang="en-US" sz="2800" b="1" dirty="0" smtClean="0">
-                <a:ea typeface="Arial Unicode MS" panose="020B0604020202020204" pitchFamily="34" charset="-128"/>
-                <a:cs typeface="Arial Unicode MS" panose="020B0604020202020204" pitchFamily="34" charset="-128"/>
-              </a:rPr>
-              <a:t>	</a:t>
+              <a:t>$rename   	</a:t>
             </a:r>
             <a:r>
               <a:rPr lang="en-US" sz="2800" dirty="0" smtClean="0">
@@ -16709,6 +16564,13 @@
   <p:clrMapOvr>
     <a:masterClrMapping/>
   </p:clrMapOvr>
+  <p:timing>
+    <p:tnLst>
+      <p:par>
+        <p:cTn id="1" dur="indefinite" restart="never" nodeType="tmRoot"/>
+      </p:par>
+    </p:tnLst>
+  </p:timing>
 </p:sld>
 </file>
 
@@ -16839,6 +16701,13 @@
   <p:clrMapOvr>
     <a:masterClrMapping/>
   </p:clrMapOvr>
+  <p:timing>
+    <p:tnLst>
+      <p:par>
+        <p:cTn id="1" dur="indefinite" restart="never" nodeType="tmRoot"/>
+      </p:par>
+    </p:tnLst>
+  </p:timing>
 </p:sld>
 </file>
 
@@ -16876,7 +16745,7 @@
           <a:p>
             <a:r>
               <a:rPr lang="en-US" dirty="0" smtClean="0"/>
-              <a:t>Validation</a:t>
+              <a:t>Other Features</a:t>
             </a:r>
             <a:endParaRPr lang="en-US" dirty="0"/>
           </a:p>
@@ -16905,7 +16774,7 @@
                 <a:ea typeface="Arial Unicode MS" panose="020B0604020202020204" pitchFamily="34" charset="-128"/>
                 <a:cs typeface="Arial Unicode MS" panose="020B0604020202020204" pitchFamily="34" charset="-128"/>
               </a:rPr>
-              <a:t>Occurs during insert and update</a:t>
+              <a:t>Validation</a:t>
             </a:r>
           </a:p>
           <a:p>
@@ -16915,7 +16784,7 @@
                 <a:ea typeface="Arial Unicode MS" panose="020B0604020202020204" pitchFamily="34" charset="-128"/>
                 <a:cs typeface="Arial Unicode MS" panose="020B0604020202020204" pitchFamily="34" charset="-128"/>
               </a:rPr>
-              <a:t>A selector that must pass</a:t>
+              <a:t>Aggregation/Map Reduce</a:t>
             </a:r>
           </a:p>
           <a:p>
@@ -16925,41 +16794,60 @@
                 <a:ea typeface="Arial Unicode MS" panose="020B0604020202020204" pitchFamily="34" charset="-128"/>
                 <a:cs typeface="Arial Unicode MS" panose="020B0604020202020204" pitchFamily="34" charset="-128"/>
               </a:rPr>
-              <a:t>Can be set to different levels</a:t>
-            </a:r>
-          </a:p>
-          <a:p>
-            <a:pPr lvl="1"/>
-            <a:r>
-              <a:rPr lang="en-US" sz="2400" dirty="0" smtClean="0">
+              <a:t>Text Search</a:t>
+            </a:r>
+          </a:p>
+          <a:p>
+            <a:r>
+              <a:rPr lang="en-US" sz="2800" dirty="0" smtClean="0">
                 <a:latin typeface="Arial Unicode MS" panose="020B0604020202020204" pitchFamily="34" charset="-128"/>
                 <a:ea typeface="Arial Unicode MS" panose="020B0604020202020204" pitchFamily="34" charset="-128"/>
                 <a:cs typeface="Arial Unicode MS" panose="020B0604020202020204" pitchFamily="34" charset="-128"/>
               </a:rPr>
-              <a:t>Strict – will not allow a validation failure</a:t>
-            </a:r>
-          </a:p>
-          <a:p>
-            <a:pPr lvl="1"/>
-            <a:r>
-              <a:rPr lang="en-US" sz="2400" dirty="0" smtClean="0">
+              <a:t>Capped </a:t>
+            </a:r>
+            <a:r>
+              <a:rPr lang="en-US" sz="2800" dirty="0" smtClean="0">
                 <a:latin typeface="Arial Unicode MS" panose="020B0604020202020204" pitchFamily="34" charset="-128"/>
                 <a:ea typeface="Arial Unicode MS" panose="020B0604020202020204" pitchFamily="34" charset="-128"/>
                 <a:cs typeface="Arial Unicode MS" panose="020B0604020202020204" pitchFamily="34" charset="-128"/>
               </a:rPr>
-              <a:t>Moderate – only forces failure if the document is already valid</a:t>
-            </a:r>
-          </a:p>
-          <a:p>
-            <a:endParaRPr lang="en-US" sz="2400" dirty="0">
+              <a:t>Collections</a:t>
+            </a:r>
+          </a:p>
+          <a:p>
+            <a:r>
+              <a:rPr lang="en-US" sz="2800" dirty="0" smtClean="0">
+                <a:latin typeface="Arial Unicode MS" panose="020B0604020202020204" pitchFamily="34" charset="-128"/>
+                <a:ea typeface="Arial Unicode MS" panose="020B0604020202020204" pitchFamily="34" charset="-128"/>
+                <a:cs typeface="Arial Unicode MS" panose="020B0604020202020204" pitchFamily="34" charset="-128"/>
+              </a:rPr>
+              <a:t>Geospatial Indices and Queries</a:t>
+            </a:r>
+            <a:endParaRPr lang="en-US" sz="2800" dirty="0" smtClean="0">
               <a:latin typeface="Arial Unicode MS" panose="020B0604020202020204" pitchFamily="34" charset="-128"/>
               <a:ea typeface="Arial Unicode MS" panose="020B0604020202020204" pitchFamily="34" charset="-128"/>
               <a:cs typeface="Arial Unicode MS" panose="020B0604020202020204" pitchFamily="34" charset="-128"/>
             </a:endParaRPr>
           </a:p>
           <a:p>
-            <a:pPr lvl="1"/>
-            <a:endParaRPr lang="en-US" sz="2400" dirty="0" smtClean="0">
+            <a:r>
+              <a:rPr lang="en-US" sz="2800" dirty="0" smtClean="0">
+                <a:latin typeface="Arial Unicode MS" panose="020B0604020202020204" pitchFamily="34" charset="-128"/>
+                <a:ea typeface="Arial Unicode MS" panose="020B0604020202020204" pitchFamily="34" charset="-128"/>
+                <a:cs typeface="Arial Unicode MS" panose="020B0604020202020204" pitchFamily="34" charset="-128"/>
+              </a:rPr>
+              <a:t>Free </a:t>
+            </a:r>
+            <a:r>
+              <a:rPr lang="en-US" sz="2800" dirty="0" smtClean="0">
+                <a:latin typeface="Arial Unicode MS" panose="020B0604020202020204" pitchFamily="34" charset="-128"/>
+                <a:ea typeface="Arial Unicode MS" panose="020B0604020202020204" pitchFamily="34" charset="-128"/>
+                <a:cs typeface="Arial Unicode MS" panose="020B0604020202020204" pitchFamily="34" charset="-128"/>
+              </a:rPr>
+              <a:t>training </a:t>
+            </a:r>
+            <a:endParaRPr lang="en-US" sz="2800" dirty="0" smtClean="0">
               <a:latin typeface="Arial Unicode MS" panose="020B0604020202020204" pitchFamily="34" charset="-128"/>
               <a:ea typeface="Arial Unicode MS" panose="020B0604020202020204" pitchFamily="34" charset="-128"/>
               <a:cs typeface="Arial Unicode MS" panose="020B0604020202020204" pitchFamily="34" charset="-128"/>
@@ -16970,13 +16858,20 @@
     </p:spTree>
     <p:extLst>
       <p:ext uri="{BB962C8B-B14F-4D97-AF65-F5344CB8AC3E}">
-        <p14:creationId xmlns:p14="http://schemas.microsoft.com/office/powerpoint/2010/main" val="2736834360"/>
+        <p14:creationId xmlns:p14="http://schemas.microsoft.com/office/powerpoint/2010/main" val="3369262683"/>
       </p:ext>
     </p:extLst>
   </p:cSld>
   <p:clrMapOvr>
     <a:masterClrMapping/>
   </p:clrMapOvr>
+  <p:timing>
+    <p:tnLst>
+      <p:par>
+        <p:cTn id="1" dur="indefinite" restart="never" nodeType="tmRoot"/>
+      </p:par>
+    </p:tnLst>
+  </p:timing>
 </p:sld>
 </file>
 
@@ -17013,8 +16908,8 @@
           <a:lstStyle/>
           <a:p>
             <a:r>
-              <a:rPr lang="en-US" dirty="0" smtClean="0"/>
-              <a:t>Validation</a:t>
+              <a:rPr lang="en-US" smtClean="0"/>
+              <a:t>MEAN example</a:t>
             </a:r>
             <a:endParaRPr lang="en-US" dirty="0"/>
           </a:p>
@@ -17032,115 +16927,39 @@
         </p:nvSpPr>
         <p:spPr/>
         <p:txBody>
-          <a:bodyPr>
-            <a:noAutofit/>
-          </a:bodyPr>
+          <a:bodyPr/>
           <a:lstStyle/>
           <a:p>
-            <a:pPr marL="0" indent="0">
-              <a:buNone/>
-            </a:pPr>
-            <a:r>
-              <a:rPr lang="en-US" sz="2800" dirty="0" err="1"/>
-              <a:t>db.createCollection</a:t>
-            </a:r>
-            <a:r>
-              <a:rPr lang="en-US" sz="2800" dirty="0"/>
-              <a:t>( </a:t>
-            </a:r>
-            <a:r>
-              <a:rPr lang="en-US" sz="2800" dirty="0" smtClean="0"/>
-              <a:t>“movies",</a:t>
-            </a:r>
-          </a:p>
-          <a:p>
-            <a:pPr marL="0" indent="0">
-              <a:buNone/>
-            </a:pPr>
-            <a:r>
-              <a:rPr lang="en-US" sz="2800" dirty="0" smtClean="0"/>
-              <a:t>   { </a:t>
-            </a:r>
-            <a:r>
-              <a:rPr lang="en-US" sz="2800" dirty="0"/>
-              <a:t>validator: </a:t>
-            </a:r>
-            <a:r>
-              <a:rPr lang="en-US" sz="2800" dirty="0" smtClean="0"/>
-              <a:t>{ </a:t>
-            </a:r>
-            <a:r>
-              <a:rPr lang="en-US" sz="2800" dirty="0"/>
-              <a:t>$and: </a:t>
-            </a:r>
-          </a:p>
-          <a:p>
-            <a:pPr marL="0" indent="0">
-              <a:buNone/>
-            </a:pPr>
-            <a:r>
-              <a:rPr lang="en-US" sz="2800" dirty="0"/>
-              <a:t>         [ { title: { $type: "string" } }, </a:t>
-            </a:r>
-          </a:p>
-          <a:p>
-            <a:pPr marL="0" indent="0">
-              <a:buNone/>
-            </a:pPr>
-            <a:r>
-              <a:rPr lang="en-US" sz="2800" dirty="0"/>
-              <a:t>            { plot: { $type:  "string"} }, </a:t>
-            </a:r>
-          </a:p>
-          <a:p>
-            <a:pPr marL="0" indent="0">
-              <a:buNone/>
-            </a:pPr>
-            <a:r>
-              <a:rPr lang="en-US" sz="2800" dirty="0"/>
-              <a:t>            </a:t>
-            </a:r>
-            <a:r>
-              <a:rPr lang="en-US" sz="2800" dirty="0" smtClean="0"/>
-              <a:t>{ </a:t>
-            </a:r>
-            <a:r>
-              <a:rPr lang="en-US" sz="2800" dirty="0" err="1" smtClean="0"/>
-              <a:t>imdbRating</a:t>
-            </a:r>
-            <a:r>
-              <a:rPr lang="en-US" sz="2800" dirty="0"/>
-              <a:t>: {$</a:t>
-            </a:r>
-            <a:r>
-              <a:rPr lang="en-US" sz="2800" dirty="0" err="1"/>
-              <a:t>lte</a:t>
-            </a:r>
-            <a:r>
-              <a:rPr lang="en-US" sz="2800" dirty="0"/>
-              <a:t>: 10 } } ]</a:t>
-            </a:r>
-          </a:p>
-          <a:p>
-            <a:pPr marL="0" indent="0">
-              <a:buNone/>
-            </a:pPr>
-            <a:r>
-              <a:rPr lang="en-US" sz="2800" dirty="0" smtClean="0"/>
-              <a:t>    } } )</a:t>
-            </a:r>
-            <a:endParaRPr lang="en-US" sz="2800" dirty="0" smtClean="0">
-              <a:latin typeface="Arial Unicode MS" panose="020B0604020202020204" pitchFamily="34" charset="-128"/>
-              <a:ea typeface="Arial Unicode MS" panose="020B0604020202020204" pitchFamily="34" charset="-128"/>
-              <a:cs typeface="Arial Unicode MS" panose="020B0604020202020204" pitchFamily="34" charset="-128"/>
-            </a:endParaRPr>
+            <a:r>
+              <a:rPr lang="en-US" dirty="0" smtClean="0"/>
+              <a:t>MongoDB</a:t>
+            </a:r>
+          </a:p>
+          <a:p>
+            <a:r>
+              <a:rPr lang="en-US" dirty="0" smtClean="0"/>
+              <a:t>Express</a:t>
+            </a:r>
+          </a:p>
+          <a:p>
+            <a:r>
+              <a:rPr lang="en-US" dirty="0" smtClean="0"/>
+              <a:t>Angular</a:t>
+            </a:r>
+          </a:p>
+          <a:p>
+            <a:r>
+              <a:rPr lang="en-US" dirty="0" smtClean="0"/>
+              <a:t>Node</a:t>
+            </a:r>
+            <a:endParaRPr lang="en-US" dirty="0"/>
           </a:p>
         </p:txBody>
       </p:sp>
     </p:spTree>
     <p:extLst>
       <p:ext uri="{BB962C8B-B14F-4D97-AF65-F5344CB8AC3E}">
-        <p14:creationId xmlns:p14="http://schemas.microsoft.com/office/powerpoint/2010/main" val="3369262683"/>
+        <p14:creationId xmlns:p14="http://schemas.microsoft.com/office/powerpoint/2010/main" val="4160806846"/>
       </p:ext>
     </p:extLst>
   </p:cSld>
@@ -17183,8 +17002,8 @@
           <a:lstStyle/>
           <a:p>
             <a:r>
-              <a:rPr lang="en-US" smtClean="0"/>
-              <a:t>MEAN example</a:t>
+              <a:rPr lang="en-US" dirty="0" smtClean="0"/>
+              <a:t>Angular view</a:t>
             </a:r>
             <a:endParaRPr lang="en-US" dirty="0"/>
           </a:p>
@@ -17202,39 +17021,298 @@
         </p:nvSpPr>
         <p:spPr/>
         <p:txBody>
-          <a:bodyPr/>
+          <a:bodyPr>
+            <a:normAutofit fontScale="92500" lnSpcReduction="10000"/>
+          </a:bodyPr>
           <a:lstStyle/>
           <a:p>
-            <a:r>
-              <a:rPr lang="en-US" dirty="0" smtClean="0"/>
-              <a:t>MongoDB</a:t>
-            </a:r>
-          </a:p>
-          <a:p>
-            <a:r>
-              <a:rPr lang="en-US" dirty="0" smtClean="0"/>
-              <a:t>Express</a:t>
-            </a:r>
-          </a:p>
-          <a:p>
-            <a:r>
-              <a:rPr lang="en-US" dirty="0" smtClean="0"/>
-              <a:t>Angular</a:t>
-            </a:r>
-          </a:p>
-          <a:p>
-            <a:r>
-              <a:rPr lang="en-US" dirty="0" smtClean="0"/>
-              <a:t>Node</a:t>
-            </a:r>
-            <a:endParaRPr lang="en-US" dirty="0"/>
+            <a:pPr marL="0" indent="0">
+              <a:buNone/>
+            </a:pPr>
+            <a:r>
+              <a:rPr lang="en-US" dirty="0"/>
+              <a:t> </a:t>
+            </a:r>
+            <a:r>
+              <a:rPr lang="en-US" sz="2800" dirty="0"/>
+              <a:t>&lt;div </a:t>
+            </a:r>
+            <a:r>
+              <a:rPr lang="en-US" sz="2800" dirty="0" err="1"/>
+              <a:t>ng</a:t>
+            </a:r>
+            <a:r>
+              <a:rPr lang="en-US" sz="2800" dirty="0"/>
+              <a:t>-repeat="</a:t>
+            </a:r>
+            <a:r>
+              <a:rPr lang="en-US" sz="2800" dirty="0" err="1"/>
+              <a:t>todo</a:t>
+            </a:r>
+            <a:r>
+              <a:rPr lang="en-US" sz="2800" dirty="0"/>
+              <a:t> in </a:t>
+            </a:r>
+            <a:r>
+              <a:rPr lang="en-US" sz="2800" dirty="0" err="1"/>
+              <a:t>todos</a:t>
+            </a:r>
+            <a:r>
+              <a:rPr lang="en-US" sz="2800" dirty="0"/>
+              <a:t> | </a:t>
+            </a:r>
+            <a:r>
+              <a:rPr lang="en-US" sz="2800" b="1" dirty="0" err="1"/>
+              <a:t>orderBy</a:t>
+            </a:r>
+            <a:r>
+              <a:rPr lang="en-US" sz="2800" b="1" dirty="0"/>
+              <a:t>: '!</a:t>
+            </a:r>
+            <a:r>
+              <a:rPr lang="en-US" sz="2800" b="1" dirty="0" err="1"/>
+              <a:t>highPriority</a:t>
+            </a:r>
+            <a:r>
+              <a:rPr lang="en-US" sz="2800" b="1" dirty="0" smtClean="0"/>
+              <a:t>'”</a:t>
+            </a:r>
+          </a:p>
+          <a:p>
+            <a:pPr marL="0" indent="0">
+              <a:buNone/>
+            </a:pPr>
+            <a:r>
+              <a:rPr lang="en-US" sz="2800" dirty="0"/>
+              <a:t> </a:t>
+            </a:r>
+            <a:r>
+              <a:rPr lang="en-US" sz="2800" dirty="0" smtClean="0"/>
+              <a:t>  </a:t>
+            </a:r>
+            <a:r>
+              <a:rPr lang="is-IS" sz="2800" dirty="0" smtClean="0"/>
+              <a:t>…</a:t>
+            </a:r>
+            <a:endParaRPr lang="en-US" sz="2800" dirty="0" smtClean="0"/>
+          </a:p>
+          <a:p>
+            <a:pPr marL="0" indent="0">
+              <a:buNone/>
+            </a:pPr>
+            <a:r>
+              <a:rPr lang="en-US" sz="2800" dirty="0"/>
+              <a:t> </a:t>
+            </a:r>
+            <a:r>
+              <a:rPr lang="en-US" sz="2800" dirty="0" smtClean="0"/>
+              <a:t>  &lt;</a:t>
+            </a:r>
+            <a:r>
+              <a:rPr lang="en-US" sz="2800" dirty="0"/>
+              <a:t>div class="col-md-1 col-sm-1 col-xs-1"&gt;</a:t>
+            </a:r>
+          </a:p>
+          <a:p>
+            <a:pPr marL="0" indent="0">
+              <a:buNone/>
+            </a:pPr>
+            <a:r>
+              <a:rPr lang="en-US" sz="2800" dirty="0"/>
+              <a:t>   </a:t>
+            </a:r>
+            <a:r>
+              <a:rPr lang="en-US" sz="2800" dirty="0" smtClean="0"/>
+              <a:t>   &lt;</a:t>
+            </a:r>
+            <a:r>
+              <a:rPr lang="en-US" sz="2800" dirty="0"/>
+              <a:t>span </a:t>
+            </a:r>
+            <a:r>
+              <a:rPr lang="en-US" sz="2800" dirty="0" err="1"/>
+              <a:t>ng</a:t>
+            </a:r>
+            <a:r>
+              <a:rPr lang="en-US" sz="2800" dirty="0"/>
+              <a:t>-class="{'</a:t>
+            </a:r>
+            <a:r>
+              <a:rPr lang="en-US" sz="2800" dirty="0" err="1"/>
+              <a:t>glyphicon</a:t>
+            </a:r>
+            <a:r>
+              <a:rPr lang="en-US" sz="2800" dirty="0"/>
+              <a:t> </a:t>
+            </a:r>
+            <a:r>
+              <a:rPr lang="en-US" sz="2800" dirty="0" err="1"/>
+              <a:t>glyphicon</a:t>
+            </a:r>
+            <a:r>
+              <a:rPr lang="en-US" sz="2800" dirty="0"/>
+              <a:t>-star': </a:t>
+            </a:r>
+            <a:r>
+              <a:rPr lang="en-US" sz="2800" dirty="0" smtClean="0"/>
+              <a:t>  </a:t>
+            </a:r>
+          </a:p>
+          <a:p>
+            <a:pPr marL="0" indent="0">
+              <a:buNone/>
+            </a:pPr>
+            <a:r>
+              <a:rPr lang="en-US" sz="2800" dirty="0"/>
+              <a:t> </a:t>
+            </a:r>
+            <a:r>
+              <a:rPr lang="en-US" sz="2800" dirty="0" smtClean="0"/>
+              <a:t>                                       </a:t>
+            </a:r>
+            <a:r>
+              <a:rPr lang="en-US" sz="2800" dirty="0" err="1" smtClean="0"/>
+              <a:t>todo.highPriority</a:t>
+            </a:r>
+            <a:r>
+              <a:rPr lang="en-US" sz="2800" dirty="0" smtClean="0"/>
+              <a:t>,</a:t>
+            </a:r>
+          </a:p>
+          <a:p>
+            <a:pPr marL="0" indent="0">
+              <a:buNone/>
+            </a:pPr>
+            <a:r>
+              <a:rPr lang="en-US" sz="2800" dirty="0"/>
+              <a:t> </a:t>
+            </a:r>
+            <a:r>
+              <a:rPr lang="en-US" sz="2800" dirty="0" smtClean="0"/>
+              <a:t>                                  </a:t>
+            </a:r>
+            <a:r>
+              <a:rPr lang="en-US" sz="2800" dirty="0"/>
+              <a:t>'</a:t>
+            </a:r>
+            <a:r>
+              <a:rPr lang="en-US" sz="2800" dirty="0" err="1"/>
+              <a:t>glyphicon</a:t>
+            </a:r>
+            <a:r>
+              <a:rPr lang="en-US" sz="2800" dirty="0"/>
+              <a:t> </a:t>
+            </a:r>
+            <a:r>
+              <a:rPr lang="en-US" sz="2800" dirty="0" err="1"/>
+              <a:t>glyphicon</a:t>
+            </a:r>
+            <a:r>
+              <a:rPr lang="en-US" sz="2800" dirty="0"/>
+              <a:t>-star-empty': </a:t>
+            </a:r>
+            <a:endParaRPr lang="en-US" sz="2800" dirty="0" smtClean="0"/>
+          </a:p>
+          <a:p>
+            <a:pPr marL="0" indent="0">
+              <a:buNone/>
+            </a:pPr>
+            <a:r>
+              <a:rPr lang="en-US" sz="2800" dirty="0"/>
+              <a:t> </a:t>
+            </a:r>
+            <a:r>
+              <a:rPr lang="en-US" sz="2800" dirty="0" smtClean="0"/>
+              <a:t>                                      !</a:t>
+            </a:r>
+            <a:r>
+              <a:rPr lang="en-US" sz="2800" dirty="0" err="1"/>
+              <a:t>todo.highPriority</a:t>
+            </a:r>
+            <a:r>
+              <a:rPr lang="en-US" sz="2800" dirty="0" smtClean="0"/>
+              <a:t>}” </a:t>
+            </a:r>
+            <a:endParaRPr lang="en-US" sz="2800" dirty="0"/>
+          </a:p>
+          <a:p>
+            <a:pPr marL="0" indent="0">
+              <a:buNone/>
+            </a:pPr>
+            <a:r>
+              <a:rPr lang="en-US" sz="2800" dirty="0" smtClean="0"/>
+              <a:t>        </a:t>
+            </a:r>
+            <a:r>
+              <a:rPr lang="en-US" sz="2800" dirty="0" err="1"/>
+              <a:t>ng</a:t>
+            </a:r>
+            <a:r>
+              <a:rPr lang="en-US" sz="2800" dirty="0"/>
+              <a:t>-click=</a:t>
+            </a:r>
+            <a:r>
+              <a:rPr lang="en-US" sz="2800" b="1" dirty="0"/>
+              <a:t>"</a:t>
+            </a:r>
+            <a:r>
+              <a:rPr lang="en-US" sz="2800" b="1" dirty="0" err="1"/>
+              <a:t>updatePriority</a:t>
+            </a:r>
+            <a:r>
+              <a:rPr lang="en-US" sz="2800" b="1" dirty="0"/>
+              <a:t>($event, </a:t>
+            </a:r>
+            <a:r>
+              <a:rPr lang="en-US" sz="2800" b="1" dirty="0" err="1"/>
+              <a:t>todo</a:t>
+            </a:r>
+            <a:r>
+              <a:rPr lang="en-US" sz="2800" b="1" dirty="0"/>
+              <a:t>)"</a:t>
+            </a:r>
+            <a:r>
+              <a:rPr lang="en-US" sz="2800" dirty="0" smtClean="0"/>
+              <a:t>&gt;</a:t>
+            </a:r>
+          </a:p>
+          <a:p>
+            <a:pPr marL="0" indent="0">
+              <a:buNone/>
+            </a:pPr>
+            <a:r>
+              <a:rPr lang="en-US" sz="2800" dirty="0"/>
+              <a:t> </a:t>
+            </a:r>
+            <a:r>
+              <a:rPr lang="en-US" sz="2800" dirty="0" smtClean="0"/>
+              <a:t>     &lt;</a:t>
+            </a:r>
+            <a:r>
+              <a:rPr lang="en-US" sz="2800" dirty="0"/>
+              <a:t>/</a:t>
+            </a:r>
+            <a:r>
+              <a:rPr lang="en-US" sz="2800" dirty="0" smtClean="0"/>
+              <a:t>span&gt;</a:t>
+            </a:r>
+          </a:p>
+          <a:p>
+            <a:pPr marL="0" indent="0">
+              <a:buNone/>
+            </a:pPr>
+            <a:r>
+              <a:rPr lang="en-US" sz="2800" dirty="0" smtClean="0"/>
+              <a:t>   &lt;/div&gt;</a:t>
+            </a:r>
+            <a:endParaRPr lang="en-US" sz="2800" dirty="0"/>
           </a:p>
         </p:txBody>
       </p:sp>
     </p:spTree>
     <p:extLst>
       <p:ext uri="{BB962C8B-B14F-4D97-AF65-F5344CB8AC3E}">
-        <p14:creationId xmlns:p14="http://schemas.microsoft.com/office/powerpoint/2010/main" val="4160806846"/>
+        <p14:creationId xmlns:p14="http://schemas.microsoft.com/office/powerpoint/2010/main" val="3701272946"/>
       </p:ext>
     </p:extLst>
   </p:cSld>
@@ -17278,7 +17356,7 @@
           <a:p>
             <a:r>
               <a:rPr lang="en-US" dirty="0" smtClean="0"/>
-              <a:t>Angular view</a:t>
+              <a:t>Angular Controller</a:t>
             </a:r>
             <a:endParaRPr lang="en-US" dirty="0"/>
           </a:p>
@@ -17297,7 +17375,7 @@
         <p:spPr/>
         <p:txBody>
           <a:bodyPr>
-            <a:normAutofit fontScale="92500" lnSpcReduction="10000"/>
+            <a:normAutofit fontScale="70000" lnSpcReduction="20000"/>
           </a:bodyPr>
           <a:lstStyle/>
           <a:p>
@@ -17306,294 +17384,278 @@
             </a:pPr>
             <a:r>
               <a:rPr lang="en-US" dirty="0"/>
+              <a:t>$</a:t>
+            </a:r>
+            <a:r>
+              <a:rPr lang="en-US" dirty="0" err="1"/>
+              <a:t>scope.updatePriority</a:t>
+            </a:r>
+            <a:r>
+              <a:rPr lang="en-US" dirty="0"/>
+              <a:t> = </a:t>
+            </a:r>
+            <a:r>
+              <a:rPr lang="en-US" b="1" dirty="0"/>
+              <a:t>function</a:t>
+            </a:r>
+            <a:r>
+              <a:rPr lang="en-US" dirty="0"/>
+              <a:t>($event, _t) {</a:t>
+            </a:r>
+            <a:br>
+              <a:rPr lang="en-US" dirty="0"/>
+            </a:br>
+            <a:r>
+              <a:rPr lang="en-US" dirty="0"/>
+              <a:t>  </a:t>
+            </a:r>
+            <a:r>
+              <a:rPr lang="en-US" b="1" dirty="0" err="1"/>
+              <a:t>var</a:t>
+            </a:r>
+            <a:r>
+              <a:rPr lang="en-US" b="1" dirty="0"/>
               <a:t> </a:t>
             </a:r>
             <a:r>
-              <a:rPr lang="en-US" sz="2800" dirty="0"/>
-              <a:t>&lt;div </a:t>
-            </a:r>
-            <a:r>
-              <a:rPr lang="en-US" sz="2800" dirty="0" err="1"/>
-              <a:t>ng</a:t>
-            </a:r>
-            <a:r>
-              <a:rPr lang="en-US" sz="2800" dirty="0"/>
-              <a:t>-repeat="</a:t>
-            </a:r>
-            <a:r>
-              <a:rPr lang="en-US" sz="2800" dirty="0" err="1"/>
+              <a:rPr lang="en-US" dirty="0" err="1"/>
+              <a:t>cbk</a:t>
+            </a:r>
+            <a:r>
+              <a:rPr lang="en-US" dirty="0"/>
+              <a:t> = !_</a:t>
+            </a:r>
+            <a:r>
+              <a:rPr lang="en-US" dirty="0" err="1"/>
+              <a:t>t.highPriority</a:t>
+            </a:r>
+            <a:r>
+              <a:rPr lang="en-US" dirty="0"/>
+              <a:t>;</a:t>
+            </a:r>
+            <a:br>
+              <a:rPr lang="en-US" dirty="0"/>
+            </a:br>
+            <a:r>
+              <a:rPr lang="en-US" dirty="0"/>
+              <a:t>  </a:t>
+            </a:r>
+            <a:r>
+              <a:rPr lang="en-US" dirty="0" err="1"/>
+              <a:t>todosFactory.updateTodo</a:t>
+            </a:r>
+            <a:r>
+              <a:rPr lang="en-US" dirty="0"/>
+              <a:t>({</a:t>
+            </a:r>
+            <a:br>
+              <a:rPr lang="en-US" dirty="0"/>
+            </a:br>
+            <a:r>
+              <a:rPr lang="en-US" dirty="0"/>
+              <a:t>    _id: _</a:t>
+            </a:r>
+            <a:r>
+              <a:rPr lang="en-US" dirty="0" err="1"/>
+              <a:t>t._id</a:t>
+            </a:r>
+            <a:r>
+              <a:rPr lang="en-US" dirty="0"/>
+              <a:t>,</a:t>
+            </a:r>
+            <a:br>
+              <a:rPr lang="en-US" dirty="0"/>
+            </a:br>
+            <a:r>
+              <a:rPr lang="en-US" dirty="0"/>
+              <a:t>    </a:t>
+            </a:r>
+            <a:r>
+              <a:rPr lang="en-US" dirty="0" err="1"/>
+              <a:t>highPriority</a:t>
+            </a:r>
+            <a:r>
+              <a:rPr lang="en-US" dirty="0"/>
+              <a:t>: </a:t>
+            </a:r>
+            <a:r>
+              <a:rPr lang="en-US" dirty="0" err="1"/>
+              <a:t>cbk</a:t>
+            </a:r>
+            <a:r>
+              <a:rPr lang="en-US" dirty="0"/>
+              <a:t>,</a:t>
+            </a:r>
+            <a:br>
+              <a:rPr lang="en-US" dirty="0"/>
+            </a:br>
+            <a:r>
+              <a:rPr lang="en-US" dirty="0"/>
+              <a:t>    </a:t>
+            </a:r>
+            <a:r>
+              <a:rPr lang="en-US" dirty="0" err="1"/>
+              <a:t>isCompleted</a:t>
+            </a:r>
+            <a:r>
+              <a:rPr lang="en-US" dirty="0"/>
+              <a:t>: _</a:t>
+            </a:r>
+            <a:r>
+              <a:rPr lang="en-US" dirty="0" err="1"/>
+              <a:t>t.isCompleted</a:t>
+            </a:r>
+            <a:r>
+              <a:rPr lang="en-US" dirty="0"/>
+              <a:t>,</a:t>
+            </a:r>
+            <a:br>
+              <a:rPr lang="en-US" dirty="0"/>
+            </a:br>
+            <a:r>
+              <a:rPr lang="en-US" dirty="0"/>
+              <a:t>    </a:t>
+            </a:r>
+            <a:r>
+              <a:rPr lang="en-US" dirty="0" err="1"/>
               <a:t>todo</a:t>
             </a:r>
             <a:r>
-              <a:rPr lang="en-US" sz="2800" dirty="0"/>
-              <a:t> in </a:t>
-            </a:r>
-            <a:r>
-              <a:rPr lang="en-US" sz="2800" dirty="0" err="1"/>
-              <a:t>todos</a:t>
-            </a:r>
-            <a:r>
-              <a:rPr lang="en-US" sz="2800" dirty="0"/>
-              <a:t> | </a:t>
-            </a:r>
-            <a:r>
-              <a:rPr lang="en-US" sz="2800" b="1" dirty="0" err="1"/>
-              <a:t>orderBy</a:t>
-            </a:r>
-            <a:r>
-              <a:rPr lang="en-US" sz="2800" b="1" dirty="0"/>
-              <a:t>: '!</a:t>
-            </a:r>
-            <a:r>
-              <a:rPr lang="en-US" sz="2800" b="1" dirty="0" err="1"/>
-              <a:t>highPriority</a:t>
-            </a:r>
-            <a:r>
-              <a:rPr lang="en-US" sz="2800" b="1" dirty="0" smtClean="0"/>
-              <a:t>'”</a:t>
-            </a:r>
-          </a:p>
-          <a:p>
-            <a:pPr marL="0" indent="0">
-              <a:buNone/>
-            </a:pPr>
-            <a:r>
-              <a:rPr lang="en-US" sz="2800" dirty="0"/>
-              <a:t> </a:t>
-            </a:r>
-            <a:r>
-              <a:rPr lang="en-US" sz="2800" dirty="0" smtClean="0"/>
-              <a:t>  </a:t>
-            </a:r>
-            <a:r>
-              <a:rPr lang="is-IS" sz="2800" dirty="0" smtClean="0"/>
-              <a:t>…</a:t>
-            </a:r>
-            <a:endParaRPr lang="en-US" sz="2800" dirty="0" smtClean="0"/>
-          </a:p>
-          <a:p>
-            <a:pPr marL="0" indent="0">
-              <a:buNone/>
-            </a:pPr>
-            <a:r>
-              <a:rPr lang="en-US" sz="2800" dirty="0"/>
-              <a:t> </a:t>
-            </a:r>
-            <a:r>
-              <a:rPr lang="en-US" sz="2800" dirty="0" smtClean="0"/>
-              <a:t>  &lt;</a:t>
-            </a:r>
-            <a:r>
-              <a:rPr lang="en-US" sz="2800" dirty="0"/>
-              <a:t>div class="col-md-1 col-sm-1 col-xs-1"&gt;</a:t>
-            </a:r>
-          </a:p>
-          <a:p>
-            <a:pPr marL="0" indent="0">
-              <a:buNone/>
-            </a:pPr>
-            <a:r>
-              <a:rPr lang="en-US" sz="2800" dirty="0"/>
-              <a:t>   </a:t>
-            </a:r>
-            <a:r>
-              <a:rPr lang="en-US" sz="2800" dirty="0" smtClean="0"/>
-              <a:t>   &lt;</a:t>
-            </a:r>
-            <a:r>
-              <a:rPr lang="en-US" sz="2800" dirty="0"/>
-              <a:t>span </a:t>
-            </a:r>
-            <a:r>
-              <a:rPr lang="en-US" sz="2800" dirty="0" err="1"/>
-              <a:t>ng</a:t>
-            </a:r>
-            <a:r>
-              <a:rPr lang="en-US" sz="2800" dirty="0"/>
-              <a:t>-class="{'</a:t>
-            </a:r>
-            <a:r>
-              <a:rPr lang="en-US" sz="2800" dirty="0" err="1"/>
-              <a:t>glyphicon</a:t>
-            </a:r>
-            <a:r>
-              <a:rPr lang="en-US" sz="2800" dirty="0"/>
-              <a:t> </a:t>
-            </a:r>
-            <a:r>
-              <a:rPr lang="en-US" sz="2800" dirty="0" err="1"/>
-              <a:t>glyphicon</a:t>
-            </a:r>
-            <a:r>
-              <a:rPr lang="en-US" sz="2800" dirty="0"/>
-              <a:t>-star': </a:t>
-            </a:r>
-            <a:r>
-              <a:rPr lang="en-US" sz="2800" dirty="0" smtClean="0"/>
-              <a:t>  </a:t>
-            </a:r>
-          </a:p>
-          <a:p>
-            <a:pPr marL="0" indent="0">
-              <a:buNone/>
-            </a:pPr>
-            <a:r>
-              <a:rPr lang="en-US" sz="2800" dirty="0"/>
-              <a:t> </a:t>
-            </a:r>
-            <a:r>
-              <a:rPr lang="en-US" sz="2800" dirty="0" smtClean="0"/>
-              <a:t>                                       </a:t>
-            </a:r>
-            <a:r>
-              <a:rPr lang="en-US" sz="2800" dirty="0" err="1" smtClean="0"/>
-              <a:t>todo.highPriority</a:t>
-            </a:r>
-            <a:r>
-              <a:rPr lang="en-US" sz="2800" dirty="0" smtClean="0"/>
-              <a:t>,</a:t>
-            </a:r>
-          </a:p>
-          <a:p>
-            <a:pPr marL="0" indent="0">
-              <a:buNone/>
-            </a:pPr>
-            <a:r>
-              <a:rPr lang="en-US" sz="2800" dirty="0"/>
-              <a:t> </a:t>
-            </a:r>
-            <a:r>
-              <a:rPr lang="en-US" sz="2800" dirty="0" smtClean="0"/>
-              <a:t>                                  </a:t>
-            </a:r>
-            <a:r>
-              <a:rPr lang="en-US" sz="2800" dirty="0"/>
-              <a:t>'</a:t>
-            </a:r>
-            <a:r>
-              <a:rPr lang="en-US" sz="2800" dirty="0" err="1"/>
-              <a:t>glyphicon</a:t>
-            </a:r>
-            <a:r>
-              <a:rPr lang="en-US" sz="2800" dirty="0"/>
-              <a:t> </a:t>
-            </a:r>
-            <a:r>
-              <a:rPr lang="en-US" sz="2800" dirty="0" err="1"/>
-              <a:t>glyphicon</a:t>
-            </a:r>
-            <a:r>
-              <a:rPr lang="en-US" sz="2800" dirty="0"/>
-              <a:t>-star-empty': </a:t>
-            </a:r>
-            <a:endParaRPr lang="en-US" sz="2800" dirty="0" smtClean="0"/>
-          </a:p>
-          <a:p>
-            <a:pPr marL="0" indent="0">
-              <a:buNone/>
-            </a:pPr>
-            <a:r>
-              <a:rPr lang="en-US" sz="2800" dirty="0"/>
-              <a:t> </a:t>
-            </a:r>
-            <a:r>
-              <a:rPr lang="en-US" sz="2800" dirty="0" smtClean="0"/>
-              <a:t>                                      !</a:t>
-            </a:r>
-            <a:r>
-              <a:rPr lang="en-US" sz="2800" dirty="0" err="1"/>
-              <a:t>todo.highPriority</a:t>
-            </a:r>
-            <a:r>
-              <a:rPr lang="en-US" sz="2800" dirty="0" smtClean="0"/>
-              <a:t>}” </a:t>
-            </a:r>
-            <a:endParaRPr lang="en-US" sz="2800" dirty="0"/>
-          </a:p>
-          <a:p>
-            <a:pPr marL="0" indent="0">
-              <a:buNone/>
-            </a:pPr>
-            <a:r>
-              <a:rPr lang="en-US" sz="2800" dirty="0" smtClean="0"/>
-              <a:t>        </a:t>
-            </a:r>
-            <a:r>
-              <a:rPr lang="en-US" sz="2800" dirty="0" err="1"/>
-              <a:t>ng</a:t>
-            </a:r>
-            <a:r>
-              <a:rPr lang="en-US" sz="2800" dirty="0"/>
-              <a:t>-click=</a:t>
-            </a:r>
-            <a:r>
-              <a:rPr lang="en-US" sz="2800" b="1" dirty="0"/>
-              <a:t>"</a:t>
-            </a:r>
-            <a:r>
-              <a:rPr lang="en-US" sz="2800" b="1" dirty="0" err="1"/>
-              <a:t>updatePriority</a:t>
-            </a:r>
-            <a:r>
-              <a:rPr lang="en-US" sz="2800" b="1" dirty="0"/>
-              <a:t>($event, </a:t>
-            </a:r>
-            <a:r>
-              <a:rPr lang="en-US" sz="2800" b="1" dirty="0" err="1"/>
-              <a:t>todo</a:t>
-            </a:r>
-            <a:r>
-              <a:rPr lang="en-US" sz="2800" b="1" dirty="0"/>
-              <a:t>)"</a:t>
-            </a:r>
-            <a:r>
-              <a:rPr lang="en-US" sz="2800" dirty="0" smtClean="0"/>
-              <a:t>&gt;</a:t>
-            </a:r>
-          </a:p>
-          <a:p>
-            <a:pPr marL="0" indent="0">
-              <a:buNone/>
-            </a:pPr>
-            <a:r>
-              <a:rPr lang="en-US" sz="2800" dirty="0"/>
-              <a:t> </a:t>
-            </a:r>
-            <a:r>
-              <a:rPr lang="en-US" sz="2800" dirty="0" smtClean="0"/>
-              <a:t>     &lt;</a:t>
-            </a:r>
-            <a:r>
-              <a:rPr lang="en-US" sz="2800" dirty="0"/>
-              <a:t>/</a:t>
-            </a:r>
-            <a:r>
-              <a:rPr lang="en-US" sz="2800" dirty="0" smtClean="0"/>
-              <a:t>span&gt;</a:t>
-            </a:r>
-          </a:p>
-          <a:p>
-            <a:pPr marL="0" indent="0">
-              <a:buNone/>
-            </a:pPr>
-            <a:r>
-              <a:rPr lang="en-US" sz="2800" dirty="0" smtClean="0"/>
-              <a:t>   &lt;/div&gt;</a:t>
-            </a:r>
-            <a:endParaRPr lang="en-US" sz="2800" dirty="0"/>
+              <a:rPr lang="en-US" dirty="0"/>
+              <a:t>: _</a:t>
+            </a:r>
+            <a:r>
+              <a:rPr lang="en-US" dirty="0" err="1"/>
+              <a:t>t.todo</a:t>
+            </a:r>
+            <a:r>
+              <a:rPr lang="en-US" dirty="0"/>
+              <a:t/>
+            </a:r>
+            <a:br>
+              <a:rPr lang="en-US" dirty="0"/>
+            </a:br>
+            <a:r>
+              <a:rPr lang="en-US" dirty="0"/>
+              <a:t>  }).then(</a:t>
+            </a:r>
+            <a:r>
+              <a:rPr lang="en-US" b="1" dirty="0"/>
+              <a:t>function</a:t>
+            </a:r>
+            <a:r>
+              <a:rPr lang="en-US" dirty="0"/>
+              <a:t>(data) {</a:t>
+            </a:r>
+            <a:br>
+              <a:rPr lang="en-US" dirty="0"/>
+            </a:br>
+            <a:r>
+              <a:rPr lang="en-US" dirty="0"/>
+              <a:t>    </a:t>
+            </a:r>
+            <a:r>
+              <a:rPr lang="en-US" b="1" dirty="0"/>
+              <a:t>if </a:t>
+            </a:r>
+            <a:r>
+              <a:rPr lang="en-US" dirty="0"/>
+              <a:t>(</a:t>
+            </a:r>
+            <a:r>
+              <a:rPr lang="en-US" dirty="0" err="1"/>
+              <a:t>data.data.ok</a:t>
+            </a:r>
+            <a:r>
+              <a:rPr lang="en-US" dirty="0"/>
+              <a:t>) {</a:t>
+            </a:r>
+            <a:br>
+              <a:rPr lang="en-US" dirty="0"/>
+            </a:br>
+            <a:r>
+              <a:rPr lang="en-US" dirty="0"/>
+              <a:t>      _</a:t>
+            </a:r>
+            <a:r>
+              <a:rPr lang="en-US" dirty="0" err="1"/>
+              <a:t>t.highPriority</a:t>
+            </a:r>
+            <a:r>
+              <a:rPr lang="en-US" dirty="0"/>
+              <a:t> = </a:t>
+            </a:r>
+            <a:r>
+              <a:rPr lang="en-US" dirty="0" err="1"/>
+              <a:t>cbk</a:t>
+            </a:r>
+            <a:r>
+              <a:rPr lang="en-US" dirty="0"/>
+              <a:t>;</a:t>
+            </a:r>
+            <a:br>
+              <a:rPr lang="en-US" dirty="0"/>
+            </a:br>
+            <a:r>
+              <a:rPr lang="en-US" dirty="0"/>
+              <a:t>    } </a:t>
+            </a:r>
+            <a:r>
+              <a:rPr lang="en-US" b="1" dirty="0"/>
+              <a:t>else </a:t>
+            </a:r>
+            <a:r>
+              <a:rPr lang="en-US" dirty="0"/>
+              <a:t>{</a:t>
+            </a:r>
+            <a:br>
+              <a:rPr lang="en-US" dirty="0"/>
+            </a:br>
+            <a:r>
+              <a:rPr lang="en-US" dirty="0"/>
+              <a:t>      alert('Oops something went wrong!');</a:t>
+            </a:r>
+            <a:br>
+              <a:rPr lang="en-US" dirty="0"/>
+            </a:br>
+            <a:r>
+              <a:rPr lang="en-US" dirty="0"/>
+              <a:t>    }</a:t>
+            </a:r>
+            <a:br>
+              <a:rPr lang="en-US" dirty="0"/>
+            </a:br>
+            <a:r>
+              <a:rPr lang="en-US" dirty="0"/>
+              <a:t>  });</a:t>
+            </a:r>
+            <a:br>
+              <a:rPr lang="en-US" dirty="0"/>
+            </a:br>
+            <a:r>
+              <a:rPr lang="en-US" dirty="0"/>
+              <a:t>};</a:t>
+            </a:r>
           </a:p>
         </p:txBody>
       </p:sp>
     </p:spTree>
     <p:extLst>
       <p:ext uri="{BB962C8B-B14F-4D97-AF65-F5344CB8AC3E}">
-        <p14:creationId xmlns:p14="http://schemas.microsoft.com/office/powerpoint/2010/main" val="3701272946"/>
+        <p14:creationId xmlns:p14="http://schemas.microsoft.com/office/powerpoint/2010/main" val="2445364700"/>
       </p:ext>
     </p:extLst>
   </p:cSld>
   <p:clrMapOvr>
     <a:masterClrMapping/>
   </p:clrMapOvr>
+  <p:timing>
+    <p:tnLst>
+      <p:par>
+        <p:cTn id="1" dur="indefinite" restart="never" nodeType="tmRoot"/>
+      </p:par>
+    </p:tnLst>
+  </p:timing>
 </p:sld>
 </file>
 
@@ -17631,7 +17693,7 @@
           <a:p>
             <a:r>
               <a:rPr lang="en-US" dirty="0" smtClean="0"/>
-              <a:t>Angular Controller</a:t>
+              <a:t>Express Server</a:t>
             </a:r>
             <a:endParaRPr lang="en-US" dirty="0"/>
           </a:p>
@@ -17650,7 +17712,7 @@
         <p:spPr/>
         <p:txBody>
           <a:bodyPr>
-            <a:normAutofit fontScale="70000" lnSpcReduction="20000"/>
+            <a:normAutofit fontScale="85000" lnSpcReduction="20000"/>
           </a:bodyPr>
           <a:lstStyle/>
           <a:p>
@@ -17659,257 +17721,197 @@
             </a:pPr>
             <a:r>
               <a:rPr lang="en-US" dirty="0"/>
-              <a:t>$</a:t>
+              <a:t> </a:t>
             </a:r>
             <a:r>
               <a:rPr lang="en-US" dirty="0" err="1"/>
-              <a:t>scope.updatePriority</a:t>
+              <a:t>router.put</a:t>
             </a:r>
             <a:r>
               <a:rPr lang="en-US" dirty="0"/>
-              <a:t> = </a:t>
-            </a:r>
-            <a:r>
-              <a:rPr lang="en-US" b="1" dirty="0"/>
-              <a:t>function</a:t>
+              <a:t>('/</a:t>
+            </a:r>
+            <a:r>
+              <a:rPr lang="en-US" dirty="0" err="1"/>
+              <a:t>api</a:t>
             </a:r>
             <a:r>
               <a:rPr lang="en-US" dirty="0"/>
-              <a:t>($event, _t) {</a:t>
-            </a:r>
-            <a:br>
+              <a:t>/</a:t>
+            </a:r>
+            <a:r>
+              <a:rPr lang="en-US" dirty="0" err="1"/>
+              <a:t>todos</a:t>
+            </a:r>
+            <a:r>
               <a:rPr lang="en-US" dirty="0"/>
-            </a:br>
+              <a:t>', function(</a:t>
+            </a:r>
+            <a:r>
+              <a:rPr lang="en-US" dirty="0" err="1"/>
+              <a:t>req</a:t>
+            </a:r>
             <a:r>
               <a:rPr lang="en-US" dirty="0"/>
-              <a:t>  </a:t>
-            </a:r>
-            <a:r>
-              <a:rPr lang="en-US" b="1" dirty="0" err="1"/>
+              <a:t>, res) {</a:t>
+            </a:r>
+          </a:p>
+          <a:p>
+            <a:pPr marL="0" indent="0">
+              <a:buNone/>
+            </a:pPr>
+            <a:r>
+              <a:rPr lang="en-US" dirty="0"/>
+              <a:t>    </a:t>
+            </a:r>
+            <a:r>
+              <a:rPr lang="en-US" dirty="0" err="1"/>
               <a:t>var</a:t>
+            </a:r>
+            <a:r>
+              <a:rPr lang="en-US" dirty="0"/>
+              <a:t> id = </a:t>
+            </a:r>
+            <a:r>
+              <a:rPr lang="en-US" dirty="0" err="1"/>
+              <a:t>req.body._id</a:t>
+            </a:r>
+            <a:r>
+              <a:rPr lang="en-US" dirty="0"/>
+              <a:t>;</a:t>
+            </a:r>
+          </a:p>
+          <a:p>
+            <a:pPr marL="0" indent="0">
+              <a:buNone/>
+            </a:pPr>
+            <a:r>
+              <a:rPr lang="en-US" dirty="0"/>
+              <a:t>    delete </a:t>
+            </a:r>
+            <a:r>
+              <a:rPr lang="en-US" dirty="0" err="1"/>
+              <a:t>req.body</a:t>
+            </a:r>
+            <a:r>
+              <a:rPr lang="en-US" dirty="0"/>
+              <a:t>["_id"];</a:t>
+            </a:r>
+          </a:p>
+          <a:p>
+            <a:pPr marL="0" indent="0">
+              <a:buNone/>
+            </a:pPr>
+            <a:r>
+              <a:rPr lang="en-US" dirty="0"/>
+              <a:t>   </a:t>
             </a:r>
             <a:r>
               <a:rPr lang="en-US" b="1" dirty="0"/>
               <a:t> </a:t>
             </a:r>
             <a:r>
+              <a:rPr lang="en-US" b="1" dirty="0" err="1"/>
+              <a:t>db.todos.update</a:t>
+            </a:r>
+            <a:r>
+              <a:rPr lang="en-US" b="1" dirty="0"/>
+              <a:t>({</a:t>
+            </a:r>
+          </a:p>
+          <a:p>
+            <a:pPr marL="0" indent="0">
+              <a:buNone/>
+            </a:pPr>
+            <a:r>
+              <a:rPr lang="en-US" b="1" dirty="0"/>
+              <a:t>      _id: </a:t>
+            </a:r>
+            <a:r>
+              <a:rPr lang="en-US" b="1" dirty="0" err="1"/>
+              <a:t>mongojs.ObjectId</a:t>
+            </a:r>
+            <a:r>
+              <a:rPr lang="en-US" b="1" dirty="0"/>
+              <a:t>(id)</a:t>
+            </a:r>
+          </a:p>
+          <a:p>
+            <a:pPr marL="0" indent="0">
+              <a:buNone/>
+            </a:pPr>
+            <a:r>
+              <a:rPr lang="en-US" b="1" dirty="0"/>
+              <a:t>    }, </a:t>
+            </a:r>
+            <a:r>
+              <a:rPr lang="en-US" b="1" dirty="0" err="1"/>
+              <a:t>req.body</a:t>
+            </a:r>
+            <a:r>
+              <a:rPr lang="en-US" b="1" dirty="0"/>
+              <a:t>, </a:t>
+            </a:r>
+            <a:r>
+              <a:rPr lang="en-US" dirty="0"/>
+              <a:t>{}, function(err, data) </a:t>
+            </a:r>
+            <a:r>
+              <a:rPr lang="en-US" dirty="0" smtClean="0"/>
+              <a:t>{</a:t>
+            </a:r>
+            <a:endParaRPr lang="en-US" dirty="0"/>
+          </a:p>
+          <a:p>
+            <a:pPr marL="0" indent="0">
+              <a:buNone/>
+            </a:pPr>
+            <a:r>
+              <a:rPr lang="en-US" dirty="0"/>
+              <a:t>      </a:t>
+            </a:r>
+            <a:r>
               <a:rPr lang="en-US" dirty="0" err="1"/>
-              <a:t>cbk</a:t>
+              <a:t>res.json</a:t>
             </a:r>
             <a:r>
               <a:rPr lang="en-US" dirty="0"/>
-              <a:t> = !_</a:t>
+              <a:t>(data);</a:t>
+            </a:r>
+          </a:p>
+          <a:p>
+            <a:pPr marL="0" indent="0">
+              <a:buNone/>
+            </a:pPr>
+            <a:r>
+              <a:rPr lang="en-US" dirty="0"/>
+              <a:t>      </a:t>
             </a:r>
             <a:r>
               <a:rPr lang="en-US" dirty="0" err="1"/>
-              <a:t>t.highPriority</a:t>
+              <a:t>req.body</a:t>
             </a:r>
             <a:r>
               <a:rPr lang="en-US" dirty="0"/>
-              <a:t>;</a:t>
-            </a:r>
-            <a:br>
+              <a:t>["_id"] = id;</a:t>
+            </a:r>
+          </a:p>
+          <a:p>
+            <a:pPr marL="0" indent="0">
+              <a:buNone/>
+            </a:pPr>
+            <a:r>
               <a:rPr lang="en-US" dirty="0"/>
-            </a:br>
-            <a:r>
-              <a:rPr lang="en-US" dirty="0"/>
-              <a:t>  </a:t>
-            </a:r>
-            <a:r>
-              <a:rPr lang="en-US" dirty="0" err="1"/>
-              <a:t>todosFactory.updateTodo</a:t>
-            </a:r>
-            <a:r>
-              <a:rPr lang="en-US" dirty="0"/>
-              <a:t>({</a:t>
-            </a:r>
-            <a:br>
-              <a:rPr lang="en-US" dirty="0"/>
-            </a:br>
-            <a:r>
-              <a:rPr lang="en-US" dirty="0"/>
-              <a:t>    _id: _</a:t>
-            </a:r>
-            <a:r>
-              <a:rPr lang="en-US" dirty="0" err="1"/>
-              <a:t>t._id</a:t>
-            </a:r>
-            <a:r>
-              <a:rPr lang="en-US" dirty="0"/>
-              <a:t>,</a:t>
-            </a:r>
-            <a:br>
-              <a:rPr lang="en-US" dirty="0"/>
-            </a:br>
-            <a:r>
-              <a:rPr lang="en-US" dirty="0"/>
-              <a:t>    </a:t>
-            </a:r>
-            <a:r>
-              <a:rPr lang="en-US" dirty="0" err="1"/>
-              <a:t>highPriority</a:t>
-            </a:r>
-            <a:r>
-              <a:rPr lang="en-US" dirty="0"/>
-              <a:t>: </a:t>
-            </a:r>
-            <a:r>
-              <a:rPr lang="en-US" dirty="0" err="1"/>
-              <a:t>cbk</a:t>
-            </a:r>
-            <a:r>
-              <a:rPr lang="en-US" dirty="0"/>
-              <a:t>,</a:t>
-            </a:r>
-            <a:br>
-              <a:rPr lang="en-US" dirty="0"/>
-            </a:br>
-            <a:r>
-              <a:rPr lang="en-US" dirty="0"/>
-              <a:t>    </a:t>
-            </a:r>
-            <a:r>
-              <a:rPr lang="en-US" dirty="0" err="1"/>
-              <a:t>isCompleted</a:t>
-            </a:r>
-            <a:r>
-              <a:rPr lang="en-US" dirty="0"/>
-              <a:t>: _</a:t>
-            </a:r>
-            <a:r>
-              <a:rPr lang="en-US" dirty="0" err="1"/>
-              <a:t>t.isCompleted</a:t>
-            </a:r>
-            <a:r>
-              <a:rPr lang="en-US" dirty="0"/>
-              <a:t>,</a:t>
-            </a:r>
-            <a:br>
-              <a:rPr lang="en-US" dirty="0"/>
-            </a:br>
-            <a:r>
-              <a:rPr lang="en-US" dirty="0"/>
-              <a:t>    </a:t>
-            </a:r>
-            <a:r>
-              <a:rPr lang="en-US" dirty="0" err="1"/>
-              <a:t>todo</a:t>
-            </a:r>
-            <a:r>
-              <a:rPr lang="en-US" dirty="0"/>
-              <a:t>: _</a:t>
-            </a:r>
-            <a:r>
-              <a:rPr lang="en-US" dirty="0" err="1"/>
-              <a:t>t.todo</a:t>
-            </a:r>
-            <a:r>
-              <a:rPr lang="en-US" dirty="0"/>
-              <a:t/>
-            </a:r>
-            <a:br>
-              <a:rPr lang="en-US" dirty="0"/>
-            </a:br>
-            <a:r>
-              <a:rPr lang="en-US" dirty="0"/>
-              <a:t>  }).then(</a:t>
-            </a:r>
-            <a:r>
-              <a:rPr lang="en-US" b="1" dirty="0"/>
-              <a:t>function</a:t>
-            </a:r>
-            <a:r>
-              <a:rPr lang="en-US" dirty="0"/>
-              <a:t>(data) {</a:t>
-            </a:r>
-            <a:br>
-              <a:rPr lang="en-US" dirty="0"/>
-            </a:br>
-            <a:r>
-              <a:rPr lang="en-US" dirty="0"/>
-              <a:t>    </a:t>
-            </a:r>
-            <a:r>
-              <a:rPr lang="en-US" b="1" dirty="0"/>
-              <a:t>if </a:t>
-            </a:r>
-            <a:r>
-              <a:rPr lang="en-US" dirty="0"/>
-              <a:t>(</a:t>
-            </a:r>
-            <a:r>
-              <a:rPr lang="en-US" dirty="0" err="1"/>
-              <a:t>data.data.ok</a:t>
-            </a:r>
-            <a:r>
-              <a:rPr lang="en-US" dirty="0"/>
-              <a:t>) {</a:t>
-            </a:r>
-            <a:br>
-              <a:rPr lang="en-US" dirty="0"/>
-            </a:br>
-            <a:r>
-              <a:rPr lang="en-US" dirty="0"/>
-              <a:t>      _</a:t>
-            </a:r>
-            <a:r>
-              <a:rPr lang="en-US" dirty="0" err="1"/>
-              <a:t>t.highPriority</a:t>
-            </a:r>
-            <a:r>
-              <a:rPr lang="en-US" dirty="0"/>
-              <a:t> = </a:t>
-            </a:r>
-            <a:r>
-              <a:rPr lang="en-US" dirty="0" err="1"/>
-              <a:t>cbk</a:t>
-            </a:r>
-            <a:r>
-              <a:rPr lang="en-US" dirty="0"/>
-              <a:t>;</a:t>
-            </a:r>
-            <a:br>
-              <a:rPr lang="en-US" dirty="0"/>
-            </a:br>
-            <a:r>
-              <a:rPr lang="en-US" dirty="0"/>
-              <a:t>    } </a:t>
-            </a:r>
-            <a:r>
-              <a:rPr lang="en-US" b="1" dirty="0"/>
-              <a:t>else </a:t>
-            </a:r>
-            <a:r>
-              <a:rPr lang="en-US" dirty="0"/>
-              <a:t>{</a:t>
-            </a:r>
-            <a:br>
-              <a:rPr lang="en-US" dirty="0"/>
-            </a:br>
-            <a:r>
-              <a:rPr lang="en-US" dirty="0"/>
-              <a:t>      alert('Oops something went wrong!');</a:t>
-            </a:r>
-            <a:br>
-              <a:rPr lang="en-US" dirty="0"/>
-            </a:br>
-            <a:r>
-              <a:rPr lang="en-US" dirty="0"/>
-              <a:t>    }</a:t>
-            </a:r>
-            <a:br>
-              <a:rPr lang="en-US" dirty="0"/>
-            </a:br>
+              <a:t>    });</a:t>
+            </a:r>
+          </a:p>
+          <a:p>
+            <a:pPr marL="0" indent="0">
+              <a:buNone/>
+            </a:pPr>
             <a:r>
               <a:rPr lang="en-US" dirty="0"/>
               <a:t>  });</a:t>
-            </a:r>
-            <a:br>
-              <a:rPr lang="en-US" dirty="0"/>
-            </a:br>
-            <a:r>
-              <a:rPr lang="en-US" dirty="0"/>
-              <a:t>};</a:t>
             </a:r>
           </a:p>
         </p:txBody>
@@ -17917,13 +17919,20 @@
     </p:spTree>
     <p:extLst>
       <p:ext uri="{BB962C8B-B14F-4D97-AF65-F5344CB8AC3E}">
-        <p14:creationId xmlns:p14="http://schemas.microsoft.com/office/powerpoint/2010/main" val="2445364700"/>
+        <p14:creationId xmlns:p14="http://schemas.microsoft.com/office/powerpoint/2010/main" val="691868760"/>
       </p:ext>
     </p:extLst>
   </p:cSld>
   <p:clrMapOvr>
     <a:masterClrMapping/>
   </p:clrMapOvr>
+  <p:timing>
+    <p:tnLst>
+      <p:par>
+        <p:cTn id="1" dur="indefinite" restart="never" nodeType="tmRoot"/>
+      </p:par>
+    </p:tnLst>
+  </p:timing>
 </p:sld>
 </file>
 
@@ -18055,276 +18064,6 @@
             </a:pPr>
             <a:r>
               <a:rPr lang="en-US" dirty="0"/>
-              <a:t>    delete </a:t>
-            </a:r>
-            <a:r>
-              <a:rPr lang="en-US" dirty="0" err="1"/>
-              <a:t>req.body</a:t>
-            </a:r>
-            <a:r>
-              <a:rPr lang="en-US" dirty="0"/>
-              <a:t>["_id"];</a:t>
-            </a:r>
-          </a:p>
-          <a:p>
-            <a:pPr marL="0" indent="0">
-              <a:buNone/>
-            </a:pPr>
-            <a:r>
-              <a:rPr lang="en-US" dirty="0"/>
-              <a:t>   </a:t>
-            </a:r>
-            <a:r>
-              <a:rPr lang="en-US" b="1" dirty="0"/>
-              <a:t> </a:t>
-            </a:r>
-            <a:r>
-              <a:rPr lang="en-US" b="1" dirty="0" err="1"/>
-              <a:t>db.todos.update</a:t>
-            </a:r>
-            <a:r>
-              <a:rPr lang="en-US" b="1" dirty="0"/>
-              <a:t>({</a:t>
-            </a:r>
-          </a:p>
-          <a:p>
-            <a:pPr marL="0" indent="0">
-              <a:buNone/>
-            </a:pPr>
-            <a:r>
-              <a:rPr lang="en-US" b="1" dirty="0"/>
-              <a:t>      _id: </a:t>
-            </a:r>
-            <a:r>
-              <a:rPr lang="en-US" b="1" dirty="0" err="1"/>
-              <a:t>mongojs.ObjectId</a:t>
-            </a:r>
-            <a:r>
-              <a:rPr lang="en-US" b="1" dirty="0"/>
-              <a:t>(id)</a:t>
-            </a:r>
-          </a:p>
-          <a:p>
-            <a:pPr marL="0" indent="0">
-              <a:buNone/>
-            </a:pPr>
-            <a:r>
-              <a:rPr lang="en-US" b="1" dirty="0"/>
-              <a:t>    }, </a:t>
-            </a:r>
-            <a:r>
-              <a:rPr lang="en-US" b="1" dirty="0" err="1"/>
-              <a:t>req.body</a:t>
-            </a:r>
-            <a:r>
-              <a:rPr lang="en-US" b="1" dirty="0"/>
-              <a:t>, </a:t>
-            </a:r>
-            <a:r>
-              <a:rPr lang="en-US" dirty="0"/>
-              <a:t>{}, function(err, data) </a:t>
-            </a:r>
-            <a:r>
-              <a:rPr lang="en-US" dirty="0" smtClean="0"/>
-              <a:t>{</a:t>
-            </a:r>
-            <a:endParaRPr lang="en-US" dirty="0"/>
-          </a:p>
-          <a:p>
-            <a:pPr marL="0" indent="0">
-              <a:buNone/>
-            </a:pPr>
-            <a:r>
-              <a:rPr lang="en-US" dirty="0"/>
-              <a:t>      </a:t>
-            </a:r>
-            <a:r>
-              <a:rPr lang="en-US" dirty="0" err="1"/>
-              <a:t>res.json</a:t>
-            </a:r>
-            <a:r>
-              <a:rPr lang="en-US" dirty="0"/>
-              <a:t>(data);</a:t>
-            </a:r>
-          </a:p>
-          <a:p>
-            <a:pPr marL="0" indent="0">
-              <a:buNone/>
-            </a:pPr>
-            <a:r>
-              <a:rPr lang="en-US" dirty="0"/>
-              <a:t>      </a:t>
-            </a:r>
-            <a:r>
-              <a:rPr lang="en-US" dirty="0" err="1"/>
-              <a:t>req.body</a:t>
-            </a:r>
-            <a:r>
-              <a:rPr lang="en-US" dirty="0"/>
-              <a:t>["_id"] = id;</a:t>
-            </a:r>
-          </a:p>
-          <a:p>
-            <a:pPr marL="0" indent="0">
-              <a:buNone/>
-            </a:pPr>
-            <a:r>
-              <a:rPr lang="en-US" dirty="0"/>
-              <a:t>    });</a:t>
-            </a:r>
-          </a:p>
-          <a:p>
-            <a:pPr marL="0" indent="0">
-              <a:buNone/>
-            </a:pPr>
-            <a:r>
-              <a:rPr lang="en-US" dirty="0"/>
-              <a:t>  });</a:t>
-            </a:r>
-          </a:p>
-        </p:txBody>
-      </p:sp>
-    </p:spTree>
-    <p:extLst>
-      <p:ext uri="{BB962C8B-B14F-4D97-AF65-F5344CB8AC3E}">
-        <p14:creationId xmlns:p14="http://schemas.microsoft.com/office/powerpoint/2010/main" val="691868760"/>
-      </p:ext>
-    </p:extLst>
-  </p:cSld>
-  <p:clrMapOvr>
-    <a:masterClrMapping/>
-  </p:clrMapOvr>
-</p:sld>
-</file>
-
-<file path=ppt/slides/slide39.xml><?xml version="1.0" encoding="utf-8"?>
-<p:sld xmlns:a="http://schemas.openxmlformats.org/drawingml/2006/main" xmlns:r="http://schemas.openxmlformats.org/officeDocument/2006/relationships" xmlns:p="http://schemas.openxmlformats.org/presentationml/2006/main">
-  <p:cSld>
-    <p:spTree>
-      <p:nvGrpSpPr>
-        <p:cNvPr id="1" name=""/>
-        <p:cNvGrpSpPr/>
-        <p:nvPr/>
-      </p:nvGrpSpPr>
-      <p:grpSpPr>
-        <a:xfrm>
-          <a:off x="0" y="0"/>
-          <a:ext cx="0" cy="0"/>
-          <a:chOff x="0" y="0"/>
-          <a:chExt cx="0" cy="0"/>
-        </a:xfrm>
-      </p:grpSpPr>
-      <p:sp>
-        <p:nvSpPr>
-          <p:cNvPr id="2" name="Title 1"/>
-          <p:cNvSpPr>
-            <a:spLocks noGrp="1"/>
-          </p:cNvSpPr>
-          <p:nvPr>
-            <p:ph type="title"/>
-          </p:nvPr>
-        </p:nvSpPr>
-        <p:spPr/>
-        <p:txBody>
-          <a:bodyPr/>
-          <a:lstStyle/>
-          <a:p>
-            <a:r>
-              <a:rPr lang="en-US" dirty="0" smtClean="0"/>
-              <a:t>Express Server</a:t>
-            </a:r>
-            <a:endParaRPr lang="en-US" dirty="0"/>
-          </a:p>
-        </p:txBody>
-      </p:sp>
-      <p:sp>
-        <p:nvSpPr>
-          <p:cNvPr id="3" name="Content Placeholder 2"/>
-          <p:cNvSpPr>
-            <a:spLocks noGrp="1"/>
-          </p:cNvSpPr>
-          <p:nvPr>
-            <p:ph idx="1"/>
-          </p:nvPr>
-        </p:nvSpPr>
-        <p:spPr/>
-        <p:txBody>
-          <a:bodyPr>
-            <a:normAutofit fontScale="85000" lnSpcReduction="20000"/>
-          </a:bodyPr>
-          <a:lstStyle/>
-          <a:p>
-            <a:pPr marL="0" indent="0">
-              <a:buNone/>
-            </a:pPr>
-            <a:r>
-              <a:rPr lang="en-US" dirty="0"/>
-              <a:t> </a:t>
-            </a:r>
-            <a:r>
-              <a:rPr lang="en-US" dirty="0" err="1"/>
-              <a:t>router.put</a:t>
-            </a:r>
-            <a:r>
-              <a:rPr lang="en-US" dirty="0"/>
-              <a:t>('/</a:t>
-            </a:r>
-            <a:r>
-              <a:rPr lang="en-US" dirty="0" err="1"/>
-              <a:t>api</a:t>
-            </a:r>
-            <a:r>
-              <a:rPr lang="en-US" dirty="0"/>
-              <a:t>/</a:t>
-            </a:r>
-            <a:r>
-              <a:rPr lang="en-US" dirty="0" err="1"/>
-              <a:t>todos</a:t>
-            </a:r>
-            <a:r>
-              <a:rPr lang="en-US" dirty="0"/>
-              <a:t>', function(</a:t>
-            </a:r>
-            <a:r>
-              <a:rPr lang="en-US" dirty="0" err="1"/>
-              <a:t>req</a:t>
-            </a:r>
-            <a:r>
-              <a:rPr lang="en-US" dirty="0"/>
-              <a:t>, res) {</a:t>
-            </a:r>
-          </a:p>
-          <a:p>
-            <a:pPr marL="0" indent="0">
-              <a:buNone/>
-            </a:pPr>
-            <a:r>
-              <a:rPr lang="en-US" dirty="0"/>
-              <a:t>    </a:t>
-            </a:r>
-            <a:r>
-              <a:rPr lang="en-US" dirty="0" err="1"/>
-              <a:t>var</a:t>
-            </a:r>
-            <a:r>
-              <a:rPr lang="en-US" dirty="0"/>
-              <a:t> id = </a:t>
-            </a:r>
-            <a:r>
-              <a:rPr lang="en-US" dirty="0" err="1"/>
-              <a:t>req.body._id</a:t>
-            </a:r>
-            <a:r>
-              <a:rPr lang="en-US" dirty="0"/>
-              <a:t>;</a:t>
-            </a:r>
-          </a:p>
-          <a:p>
-            <a:pPr marL="0" indent="0">
-              <a:buNone/>
-            </a:pPr>
-            <a:r>
-              <a:rPr lang="en-US" dirty="0"/>
               <a:t>    </a:t>
             </a:r>
             <a:r>
@@ -18460,6 +18199,13 @@
   <p:clrMapOvr>
     <a:masterClrMapping/>
   </p:clrMapOvr>
+  <p:timing>
+    <p:tnLst>
+      <p:par>
+        <p:cTn id="1" dur="indefinite" restart="never" nodeType="tmRoot"/>
+      </p:par>
+    </p:tnLst>
+  </p:timing>
 </p:sld>
 </file>
 
@@ -18656,25 +18402,13 @@
             </a:pPr>
             <a:r>
               <a:rPr lang="en-US" sz="2000" dirty="0"/>
-              <a:t>        },</a:t>
-            </a:r>
-          </a:p>
-          <a:p>
-            <a:pPr marL="0" indent="0">
-              <a:buNone/>
-            </a:pPr>
+              <a:t>        </a:t>
+            </a:r>
             <a:r>
               <a:rPr lang="en-US" sz="2000" dirty="0" smtClean="0"/>
-              <a:t>        "</a:t>
-            </a:r>
-            <a:r>
-              <a:rPr lang="en-US" sz="2000" dirty="0" err="1"/>
-              <a:t>imdbRating</a:t>
-            </a:r>
-            <a:r>
-              <a:rPr lang="en-US" sz="2000" dirty="0"/>
-              <a:t>" : "8.0"</a:t>
-            </a:r>
+              <a:t>}</a:t>
+            </a:r>
+            <a:endParaRPr lang="en-US" sz="2000" dirty="0"/>
           </a:p>
           <a:p>
             <a:pPr marL="0" indent="0">
@@ -18904,25 +18638,13 @@
             </a:pPr>
             <a:r>
               <a:rPr lang="en-US" sz="2000" dirty="0"/>
-              <a:t>        },</a:t>
-            </a:r>
-          </a:p>
-          <a:p>
-            <a:pPr marL="0" indent="0">
-              <a:buNone/>
-            </a:pPr>
+              <a:t>        </a:t>
+            </a:r>
             <a:r>
               <a:rPr lang="en-US" sz="2000" dirty="0" smtClean="0"/>
-              <a:t>        "</a:t>
-            </a:r>
-            <a:r>
-              <a:rPr lang="en-US" sz="2000" dirty="0" err="1"/>
-              <a:t>imdbRating</a:t>
-            </a:r>
-            <a:r>
-              <a:rPr lang="en-US" sz="2000" dirty="0"/>
-              <a:t>" : "8.0"</a:t>
-            </a:r>
+              <a:t>}</a:t>
+            </a:r>
+            <a:endParaRPr lang="en-US" sz="2000" dirty="0"/>
           </a:p>
           <a:p>
             <a:pPr marL="0" indent="0">
@@ -19148,28 +18870,11 @@
             </a:pPr>
             <a:r>
               <a:rPr lang="en-US" sz="2000" b="1" dirty="0"/>
-              <a:t>        },</a:t>
-            </a:r>
-          </a:p>
-          <a:p>
-            <a:pPr marL="0" indent="0">
-              <a:buNone/>
-            </a:pPr>
-            <a:r>
-              <a:rPr lang="en-US" sz="2000" dirty="0" smtClean="0"/>
-              <a:t>        "</a:t>
-            </a:r>
-            <a:r>
-              <a:rPr lang="en-US" sz="2000" dirty="0" err="1"/>
-              <a:t>imdbRating</a:t>
-            </a:r>
-            <a:r>
-              <a:rPr lang="en-US" sz="2000" dirty="0"/>
-              <a:t>" : </a:t>
-            </a:r>
-            <a:r>
-              <a:rPr lang="en-US" sz="2000" dirty="0" smtClean="0"/>
-              <a:t>8.0</a:t>
+              <a:t>        </a:t>
+            </a:r>
+            <a:r>
+              <a:rPr lang="en-US" sz="2000" b="1" dirty="0" smtClean="0"/>
+              <a:t>}</a:t>
             </a:r>
             <a:endParaRPr lang="en-US" sz="2000" dirty="0"/>
           </a:p>
@@ -19397,24 +19102,11 @@
             </a:pPr>
             <a:r>
               <a:rPr lang="en-US" sz="2000" dirty="0"/>
-              <a:t>        },</a:t>
-            </a:r>
-          </a:p>
-          <a:p>
-            <a:pPr marL="0" indent="0">
-              <a:buNone/>
-            </a:pPr>
+              <a:t>        </a:t>
+            </a:r>
             <a:r>
               <a:rPr lang="en-US" sz="2000" dirty="0" smtClean="0"/>
-              <a:t>        "</a:t>
-            </a:r>
-            <a:r>
-              <a:rPr lang="en-US" sz="2000" dirty="0" err="1"/>
-              <a:t>imdbRating</a:t>
-            </a:r>
-            <a:r>
-              <a:rPr lang="en-US" sz="2000" dirty="0"/>
-              <a:t>" : "8.0"</a:t>
+              <a:t>}</a:t>
             </a:r>
           </a:p>
           <a:p>
@@ -19518,11 +19210,7 @@
           <a:p>
             <a:r>
               <a:rPr lang="en-US" dirty="0" smtClean="0"/>
-              <a:t>Horizontal </a:t>
-            </a:r>
-            <a:r>
-              <a:rPr lang="en-US" dirty="0" smtClean="0"/>
-              <a:t>Scaling</a:t>
+              <a:t>Horizontal Scaling</a:t>
             </a:r>
           </a:p>
         </p:txBody>
@@ -19689,6 +19377,13 @@
   <p:clrMapOvr>
     <a:masterClrMapping/>
   </p:clrMapOvr>
+  <p:timing>
+    <p:tnLst>
+      <p:par>
+        <p:cTn id="1" dur="indefinite" restart="never" nodeType="tmRoot"/>
+      </p:par>
+    </p:tnLst>
+  </p:timing>
 </p:sld>
 </file>
 

--- a/MongoDB.pptx
+++ b/MongoDB.pptx
@@ -5,7 +5,7 @@
     <p:sldMasterId id="2147483648" r:id="rId1"/>
   </p:sldMasterIdLst>
   <p:notesMasterIdLst>
-    <p:notesMasterId r:id="rId40"/>
+    <p:notesMasterId r:id="rId42"/>
   </p:notesMasterIdLst>
   <p:sldIdLst>
     <p:sldId id="256" r:id="rId2"/>
@@ -41,11 +41,13 @@
     <p:sldId id="300" r:id="rId32"/>
     <p:sldId id="276" r:id="rId33"/>
     <p:sldId id="281" r:id="rId34"/>
-    <p:sldId id="293" r:id="rId35"/>
-    <p:sldId id="305" r:id="rId36"/>
-    <p:sldId id="301" r:id="rId37"/>
-    <p:sldId id="304" r:id="rId38"/>
-    <p:sldId id="306" r:id="rId39"/>
+    <p:sldId id="325" r:id="rId35"/>
+    <p:sldId id="326" r:id="rId36"/>
+    <p:sldId id="327" r:id="rId37"/>
+    <p:sldId id="328" r:id="rId38"/>
+    <p:sldId id="329" r:id="rId39"/>
+    <p:sldId id="330" r:id="rId40"/>
+    <p:sldId id="331" r:id="rId41"/>
   </p:sldIdLst>
   <p:sldSz cx="9144000" cy="6858000" type="screen4x3"/>
   <p:notesSz cx="6858000" cy="9144000"/>
@@ -245,7 +247,7 @@
           <a:p>
             <a:fld id="{0A0AACEF-20EC-449C-A177-7D7762A9081E}" type="datetimeFigureOut">
               <a:rPr lang="en-US" smtClean="0"/>
-              <a:t>6/29/17</a:t>
+              <a:t>6/30/17</a:t>
             </a:fld>
             <a:endParaRPr lang="en-US"/>
           </a:p>
@@ -6572,19 +6574,48 @@
           <a:p>
             <a:r>
               <a:rPr lang="en-US" dirty="0" smtClean="0"/>
-              <a:t>Let’s look at the typical TODO app</a:t>
-            </a:r>
-            <a:r>
-              <a:rPr lang="en-US" baseline="0" dirty="0" smtClean="0"/>
-              <a:t> example</a:t>
-            </a:r>
-          </a:p>
-          <a:p>
-            <a:r>
-              <a:rPr lang="en-US" baseline="0" dirty="0" smtClean="0"/>
-              <a:t>Show how it works</a:t>
-            </a:r>
-            <a:endParaRPr lang="en-US" dirty="0"/>
+              <a:t>Mongo DB - The persistent storage that we have been discussing so far. The equivalent of Cassandra of </a:t>
+            </a:r>
+            <a:r>
+              <a:rPr lang="en-US" dirty="0" err="1" smtClean="0"/>
+              <a:t>mysql</a:t>
+            </a:r>
+            <a:endParaRPr lang="en-US" dirty="0" smtClean="0"/>
+          </a:p>
+          <a:p>
+            <a:endParaRPr lang="en-US" dirty="0" smtClean="0"/>
+          </a:p>
+          <a:p>
+            <a:r>
+              <a:rPr lang="en-US" dirty="0" smtClean="0"/>
+              <a:t>Express - The server side framework that handles serving static content and routing of service requests such as GETS and POSTS. Similar to Struts/Spring framework.</a:t>
+            </a:r>
+          </a:p>
+          <a:p>
+            <a:endParaRPr lang="en-US" dirty="0" smtClean="0"/>
+          </a:p>
+          <a:p>
+            <a:r>
+              <a:rPr lang="en-US" dirty="0" smtClean="0"/>
+              <a:t>Angular - The client side framework handling display of data in the browser, and sending/receiving data from the server using requests such as GET,POST, </a:t>
+            </a:r>
+            <a:r>
+              <a:rPr lang="en-US" dirty="0" err="1" smtClean="0"/>
+              <a:t>etc</a:t>
+            </a:r>
+            <a:endParaRPr lang="en-US" dirty="0" smtClean="0"/>
+          </a:p>
+          <a:p>
+            <a:endParaRPr lang="en-US" dirty="0" smtClean="0"/>
+          </a:p>
+          <a:p>
+            <a:r>
+              <a:rPr lang="en-US" dirty="0" smtClean="0"/>
+              <a:t>Node - The server side runtime that handles executing the express app.</a:t>
+            </a:r>
+          </a:p>
+          <a:p>
+            <a:endParaRPr lang="en-US" dirty="0" smtClean="0"/>
           </a:p>
         </p:txBody>
       </p:sp>
@@ -6670,19 +6701,19 @@
           <a:p>
             <a:r>
               <a:rPr lang="en-US" dirty="0" smtClean="0"/>
-              <a:t>So we are going</a:t>
+              <a:t>Here we are adding a span that will be a font awesome</a:t>
             </a:r>
             <a:r>
               <a:rPr lang="en-US" baseline="0" dirty="0" smtClean="0"/>
-              <a:t> to add a favorite star icon to identify </a:t>
+              <a:t> icon to represent if the high priority status. We add an </a:t>
             </a:r>
             <a:r>
               <a:rPr lang="en-US" baseline="0" dirty="0" err="1" smtClean="0"/>
-              <a:t>todos</a:t>
+              <a:t>ng</a:t>
             </a:r>
             <a:r>
               <a:rPr lang="en-US" baseline="0" dirty="0" smtClean="0"/>
-              <a:t> as high priority.</a:t>
+              <a:t>-click to the icon to toggle updating the priority</a:t>
             </a:r>
             <a:endParaRPr lang="en-US" dirty="0"/>
           </a:p>
@@ -6768,6 +6799,34 @@
           <a:bodyPr/>
           <a:lstStyle/>
           <a:p>
+            <a:r>
+              <a:rPr lang="en-US" dirty="0" smtClean="0"/>
+              <a:t>Here</a:t>
+            </a:r>
+            <a:r>
+              <a:rPr lang="en-US" baseline="0" dirty="0" smtClean="0"/>
+              <a:t> is the save method where we can see the </a:t>
+            </a:r>
+            <a:r>
+              <a:rPr lang="en-US" baseline="0" dirty="0" err="1" smtClean="0"/>
+              <a:t>todo</a:t>
+            </a:r>
+            <a:r>
+              <a:rPr lang="en-US" baseline="0" dirty="0" smtClean="0"/>
+              <a:t> object being </a:t>
+            </a:r>
+            <a:r>
+              <a:rPr lang="en-US" baseline="0" dirty="0" err="1" smtClean="0"/>
+              <a:t>POSTed</a:t>
+            </a:r>
+            <a:r>
+              <a:rPr lang="en-US" baseline="0" dirty="0" smtClean="0"/>
+              <a:t> to the server. This will create a new </a:t>
+            </a:r>
+            <a:r>
+              <a:rPr lang="en-US" baseline="0" dirty="0" err="1" smtClean="0"/>
+              <a:t>todo</a:t>
+            </a:r>
             <a:endParaRPr lang="en-US" dirty="0"/>
           </a:p>
         </p:txBody>
@@ -6798,7 +6857,7 @@
     </p:spTree>
     <p:extLst>
       <p:ext uri="{BB962C8B-B14F-4D97-AF65-F5344CB8AC3E}">
-        <p14:creationId xmlns:p14="http://schemas.microsoft.com/office/powerpoint/2010/main" val="929287221"/>
+        <p14:creationId xmlns:p14="http://schemas.microsoft.com/office/powerpoint/2010/main" val="3652462619"/>
       </p:ext>
     </p:extLst>
   </p:cSld>
@@ -6852,46 +6911,21 @@
           <a:bodyPr/>
           <a:lstStyle/>
           <a:p>
-            <a:pPr marL="0" marR="0" indent="0" algn="l" defTabSz="914400" rtl="0" eaLnBrk="1" fontAlgn="auto" latinLnBrk="0" hangingPunct="1">
-              <a:lnSpc>
-                <a:spcPct val="100000"/>
-              </a:lnSpc>
-              <a:spcBef>
-                <a:spcPts val="0"/>
-              </a:spcBef>
-              <a:spcAft>
-                <a:spcPts val="0"/>
-              </a:spcAft>
-              <a:buClrTx/>
-              <a:buSzTx/>
-              <a:buFontTx/>
-              <a:buNone/>
-              <a:tabLst/>
-              <a:defRPr/>
-            </a:pPr>
-            <a:r>
-              <a:rPr lang="en-US" dirty="0" smtClean="0"/>
-              <a:t>This</a:t>
+            <a:r>
+              <a:rPr lang="en-US" dirty="0" smtClean="0"/>
+              <a:t>The express</a:t>
             </a:r>
             <a:r>
               <a:rPr lang="en-US" baseline="0" dirty="0" smtClean="0"/>
-              <a:t> example app uses the </a:t>
+              <a:t> app has a route registered for a POST request. You can see that it’s doing a simple insert and passing directly in the </a:t>
             </a:r>
             <a:r>
               <a:rPr lang="en-US" baseline="0" dirty="0" err="1" smtClean="0"/>
-              <a:t>mongojs</a:t>
+              <a:t>todo</a:t>
             </a:r>
             <a:r>
               <a:rPr lang="en-US" baseline="0" dirty="0" smtClean="0"/>
-              <a:t> node module to talk to </a:t>
-            </a:r>
-            <a:r>
-              <a:rPr lang="en-US" baseline="0" dirty="0" err="1" smtClean="0"/>
-              <a:t>MongoDB</a:t>
-            </a:r>
-            <a:r>
-              <a:rPr lang="en-US" baseline="0" dirty="0" smtClean="0"/>
-              <a:t>.  It gives you a simple way to execute mongo commands.  You can see the update command looks like you are in the mongo shell.  </a:t>
+              <a:t> JSON object</a:t>
             </a:r>
             <a:endParaRPr lang="en-US" dirty="0"/>
           </a:p>
@@ -6923,7 +6957,7 @@
     </p:spTree>
     <p:extLst>
       <p:ext uri="{BB962C8B-B14F-4D97-AF65-F5344CB8AC3E}">
-        <p14:creationId xmlns:p14="http://schemas.microsoft.com/office/powerpoint/2010/main" val="912051105"/>
+        <p14:creationId xmlns:p14="http://schemas.microsoft.com/office/powerpoint/2010/main" val="1271165344"/>
       </p:ext>
     </p:extLst>
   </p:cSld>
@@ -6977,38 +7011,22 @@
           <a:bodyPr/>
           <a:lstStyle/>
           <a:p>
-            <a:pPr marL="0" marR="0" indent="0" algn="l" defTabSz="914400" rtl="0" eaLnBrk="1" fontAlgn="auto" latinLnBrk="0" hangingPunct="1">
-              <a:lnSpc>
-                <a:spcPct val="100000"/>
-              </a:lnSpc>
-              <a:spcBef>
-                <a:spcPts val="0"/>
-              </a:spcBef>
-              <a:spcAft>
-                <a:spcPts val="0"/>
-              </a:spcAft>
-              <a:buClrTx/>
-              <a:buSzTx/>
-              <a:buFontTx/>
-              <a:buNone/>
-              <a:tabLst/>
-              <a:defRPr/>
-            </a:pPr>
+            <a:r>
+              <a:rPr lang="en-US" dirty="0" smtClean="0"/>
+              <a:t>Here we are adding a span that will be a font awesome</a:t>
+            </a:r>
             <a:r>
               <a:rPr lang="en-US" baseline="0" dirty="0" smtClean="0"/>
-              <a:t>The only oddity here is that since we are just passing the </a:t>
+              <a:t> icon to represent if the high priority status. We add an </a:t>
             </a:r>
             <a:r>
               <a:rPr lang="en-US" baseline="0" dirty="0" err="1" smtClean="0"/>
-              <a:t>json</a:t>
+              <a:t>ng</a:t>
             </a:r>
             <a:r>
               <a:rPr lang="en-US" baseline="0" dirty="0" smtClean="0"/>
-              <a:t> request on, we remove the _id first.</a:t>
-            </a:r>
-            <a:endParaRPr lang="en-US" dirty="0" smtClean="0"/>
-          </a:p>
-          <a:p>
+              <a:t>-click to the icon to toggle updating the priority</a:t>
+            </a:r>
             <a:endParaRPr lang="en-US" dirty="0"/>
           </a:p>
         </p:txBody>
@@ -7039,7 +7057,99 @@
     </p:spTree>
     <p:extLst>
       <p:ext uri="{BB962C8B-B14F-4D97-AF65-F5344CB8AC3E}">
-        <p14:creationId xmlns:p14="http://schemas.microsoft.com/office/powerpoint/2010/main" val="912051105"/>
+        <p14:creationId xmlns:p14="http://schemas.microsoft.com/office/powerpoint/2010/main" val="3652462619"/>
+      </p:ext>
+    </p:extLst>
+  </p:cSld>
+  <p:clrMapOvr>
+    <a:masterClrMapping/>
+  </p:clrMapOvr>
+</p:notes>
+</file>
+
+<file path=ppt/notesSlides/notesSlide39.xml><?xml version="1.0" encoding="utf-8"?>
+<p:notes xmlns:a="http://schemas.openxmlformats.org/drawingml/2006/main" xmlns:r="http://schemas.openxmlformats.org/officeDocument/2006/relationships" xmlns:p="http://schemas.openxmlformats.org/presentationml/2006/main">
+  <p:cSld>
+    <p:spTree>
+      <p:nvGrpSpPr>
+        <p:cNvPr id="1" name=""/>
+        <p:cNvGrpSpPr/>
+        <p:nvPr/>
+      </p:nvGrpSpPr>
+      <p:grpSpPr>
+        <a:xfrm>
+          <a:off x="0" y="0"/>
+          <a:ext cx="0" cy="0"/>
+          <a:chOff x="0" y="0"/>
+          <a:chExt cx="0" cy="0"/>
+        </a:xfrm>
+      </p:grpSpPr>
+      <p:sp>
+        <p:nvSpPr>
+          <p:cNvPr id="2" name="Slide Image Placeholder 1"/>
+          <p:cNvSpPr>
+            <a:spLocks noGrp="1" noRot="1" noChangeAspect="1"/>
+          </p:cNvSpPr>
+          <p:nvPr>
+            <p:ph type="sldImg"/>
+          </p:nvPr>
+        </p:nvSpPr>
+        <p:spPr/>
+      </p:sp>
+      <p:sp>
+        <p:nvSpPr>
+          <p:cNvPr id="3" name="Notes Placeholder 2"/>
+          <p:cNvSpPr>
+            <a:spLocks noGrp="1"/>
+          </p:cNvSpPr>
+          <p:nvPr>
+            <p:ph type="body" idx="1"/>
+          </p:nvPr>
+        </p:nvSpPr>
+        <p:spPr/>
+        <p:txBody>
+          <a:bodyPr/>
+          <a:lstStyle/>
+          <a:p>
+            <a:r>
+              <a:rPr lang="en-US" dirty="0" smtClean="0"/>
+              <a:t>Here in the update method in the controller we see that we are passing in the priority and completed attributes</a:t>
+            </a:r>
+            <a:r>
+              <a:rPr lang="en-US" baseline="0" dirty="0" smtClean="0"/>
+              <a:t>.  Looking at our update route in the express server we can see that no changes had to be made to the underlying mongo structure to handle the fields</a:t>
+            </a:r>
+            <a:endParaRPr lang="en-US" dirty="0"/>
+          </a:p>
+        </p:txBody>
+      </p:sp>
+      <p:sp>
+        <p:nvSpPr>
+          <p:cNvPr id="4" name="Slide Number Placeholder 3"/>
+          <p:cNvSpPr>
+            <a:spLocks noGrp="1"/>
+          </p:cNvSpPr>
+          <p:nvPr>
+            <p:ph type="sldNum" sz="quarter" idx="10"/>
+          </p:nvPr>
+        </p:nvSpPr>
+        <p:spPr/>
+        <p:txBody>
+          <a:bodyPr/>
+          <a:lstStyle/>
+          <a:p>
+            <a:fld id="{7ECDF86E-C09E-4C73-8798-F0685C098AE7}" type="slidenum">
+              <a:rPr lang="en-US" smtClean="0"/>
+              <a:t>39</a:t>
+            </a:fld>
+            <a:endParaRPr lang="en-US"/>
+          </a:p>
+        </p:txBody>
+      </p:sp>
+    </p:spTree>
+    <p:extLst>
+      <p:ext uri="{BB962C8B-B14F-4D97-AF65-F5344CB8AC3E}">
+        <p14:creationId xmlns:p14="http://schemas.microsoft.com/office/powerpoint/2010/main" val="929287221"/>
       </p:ext>
     </p:extLst>
   </p:cSld>
@@ -7164,6 +7274,115 @@
     <p:extLst>
       <p:ext uri="{BB962C8B-B14F-4D97-AF65-F5344CB8AC3E}">
         <p14:creationId xmlns:p14="http://schemas.microsoft.com/office/powerpoint/2010/main" val="932072884"/>
+      </p:ext>
+    </p:extLst>
+  </p:cSld>
+  <p:clrMapOvr>
+    <a:masterClrMapping/>
+  </p:clrMapOvr>
+</p:notes>
+</file>
+
+<file path=ppt/notesSlides/notesSlide40.xml><?xml version="1.0" encoding="utf-8"?>
+<p:notes xmlns:a="http://schemas.openxmlformats.org/drawingml/2006/main" xmlns:r="http://schemas.openxmlformats.org/officeDocument/2006/relationships" xmlns:p="http://schemas.openxmlformats.org/presentationml/2006/main">
+  <p:cSld>
+    <p:spTree>
+      <p:nvGrpSpPr>
+        <p:cNvPr id="1" name=""/>
+        <p:cNvGrpSpPr/>
+        <p:nvPr/>
+      </p:nvGrpSpPr>
+      <p:grpSpPr>
+        <a:xfrm>
+          <a:off x="0" y="0"/>
+          <a:ext cx="0" cy="0"/>
+          <a:chOff x="0" y="0"/>
+          <a:chExt cx="0" cy="0"/>
+        </a:xfrm>
+      </p:grpSpPr>
+      <p:sp>
+        <p:nvSpPr>
+          <p:cNvPr id="2" name="Slide Image Placeholder 1"/>
+          <p:cNvSpPr>
+            <a:spLocks noGrp="1" noRot="1" noChangeAspect="1"/>
+          </p:cNvSpPr>
+          <p:nvPr>
+            <p:ph type="sldImg"/>
+          </p:nvPr>
+        </p:nvSpPr>
+        <p:spPr/>
+      </p:sp>
+      <p:sp>
+        <p:nvSpPr>
+          <p:cNvPr id="3" name="Notes Placeholder 2"/>
+          <p:cNvSpPr>
+            <a:spLocks noGrp="1"/>
+          </p:cNvSpPr>
+          <p:nvPr>
+            <p:ph type="body" idx="1"/>
+          </p:nvPr>
+        </p:nvSpPr>
+        <p:spPr/>
+        <p:txBody>
+          <a:bodyPr/>
+          <a:lstStyle/>
+          <a:p>
+            <a:pPr marL="0" marR="0" indent="0" algn="l" defTabSz="914400" rtl="0" eaLnBrk="1" fontAlgn="auto" latinLnBrk="0" hangingPunct="1">
+              <a:lnSpc>
+                <a:spcPct val="100000"/>
+              </a:lnSpc>
+              <a:spcBef>
+                <a:spcPts val="0"/>
+              </a:spcBef>
+              <a:spcAft>
+                <a:spcPts val="0"/>
+              </a:spcAft>
+              <a:buClrTx/>
+              <a:buSzTx/>
+              <a:buFontTx/>
+              <a:buNone/>
+              <a:tabLst/>
+              <a:defRPr/>
+            </a:pPr>
+            <a:r>
+              <a:rPr lang="en-US" dirty="0" smtClean="0"/>
+              <a:t>The express</a:t>
+            </a:r>
+            <a:r>
+              <a:rPr lang="en-US" baseline="0" dirty="0" smtClean="0"/>
+              <a:t> server has a route for a PUT request to update the object.  You can see we are passing in the whole request body object.</a:t>
+            </a:r>
+            <a:endParaRPr lang="en-US" dirty="0"/>
+          </a:p>
+        </p:txBody>
+      </p:sp>
+      <p:sp>
+        <p:nvSpPr>
+          <p:cNvPr id="4" name="Slide Number Placeholder 3"/>
+          <p:cNvSpPr>
+            <a:spLocks noGrp="1"/>
+          </p:cNvSpPr>
+          <p:nvPr>
+            <p:ph type="sldNum" sz="quarter" idx="10"/>
+          </p:nvPr>
+        </p:nvSpPr>
+        <p:spPr/>
+        <p:txBody>
+          <a:bodyPr/>
+          <a:lstStyle/>
+          <a:p>
+            <a:fld id="{7ECDF86E-C09E-4C73-8798-F0685C098AE7}" type="slidenum">
+              <a:rPr lang="en-US" smtClean="0"/>
+              <a:t>40</a:t>
+            </a:fld>
+            <a:endParaRPr lang="en-US"/>
+          </a:p>
+        </p:txBody>
+      </p:sp>
+    </p:spTree>
+    <p:extLst>
+      <p:ext uri="{BB962C8B-B14F-4D97-AF65-F5344CB8AC3E}">
+        <p14:creationId xmlns:p14="http://schemas.microsoft.com/office/powerpoint/2010/main" val="912051105"/>
       </p:ext>
     </p:extLst>
   </p:cSld>
@@ -8274,7 +8493,7 @@
           <a:p>
             <a:fld id="{2ADC2C9B-E509-4817-BA72-5DA0722D8BF9}" type="datetimeFigureOut">
               <a:rPr lang="en-US" smtClean="0"/>
-              <a:t>6/29/17</a:t>
+              <a:t>6/30/17</a:t>
             </a:fld>
             <a:endParaRPr lang="en-US"/>
           </a:p>
@@ -8444,7 +8663,7 @@
           <a:p>
             <a:fld id="{2ADC2C9B-E509-4817-BA72-5DA0722D8BF9}" type="datetimeFigureOut">
               <a:rPr lang="en-US" smtClean="0"/>
-              <a:t>6/29/17</a:t>
+              <a:t>6/30/17</a:t>
             </a:fld>
             <a:endParaRPr lang="en-US"/>
           </a:p>
@@ -8624,7 +8843,7 @@
           <a:p>
             <a:fld id="{2ADC2C9B-E509-4817-BA72-5DA0722D8BF9}" type="datetimeFigureOut">
               <a:rPr lang="en-US" smtClean="0"/>
-              <a:t>6/29/17</a:t>
+              <a:t>6/30/17</a:t>
             </a:fld>
             <a:endParaRPr lang="en-US"/>
           </a:p>
@@ -8794,7 +9013,7 @@
           <a:p>
             <a:fld id="{2ADC2C9B-E509-4817-BA72-5DA0722D8BF9}" type="datetimeFigureOut">
               <a:rPr lang="en-US" smtClean="0"/>
-              <a:t>6/29/17</a:t>
+              <a:t>6/30/17</a:t>
             </a:fld>
             <a:endParaRPr lang="en-US"/>
           </a:p>
@@ -9040,7 +9259,7 @@
           <a:p>
             <a:fld id="{2ADC2C9B-E509-4817-BA72-5DA0722D8BF9}" type="datetimeFigureOut">
               <a:rPr lang="en-US" smtClean="0"/>
-              <a:t>6/29/17</a:t>
+              <a:t>6/30/17</a:t>
             </a:fld>
             <a:endParaRPr lang="en-US"/>
           </a:p>
@@ -9328,7 +9547,7 @@
           <a:p>
             <a:fld id="{2ADC2C9B-E509-4817-BA72-5DA0722D8BF9}" type="datetimeFigureOut">
               <a:rPr lang="en-US" smtClean="0"/>
-              <a:t>6/29/17</a:t>
+              <a:t>6/30/17</a:t>
             </a:fld>
             <a:endParaRPr lang="en-US"/>
           </a:p>
@@ -9750,7 +9969,7 @@
           <a:p>
             <a:fld id="{2ADC2C9B-E509-4817-BA72-5DA0722D8BF9}" type="datetimeFigureOut">
               <a:rPr lang="en-US" smtClean="0"/>
-              <a:t>6/29/17</a:t>
+              <a:t>6/30/17</a:t>
             </a:fld>
             <a:endParaRPr lang="en-US"/>
           </a:p>
@@ -9868,7 +10087,7 @@
           <a:p>
             <a:fld id="{2ADC2C9B-E509-4817-BA72-5DA0722D8BF9}" type="datetimeFigureOut">
               <a:rPr lang="en-US" smtClean="0"/>
-              <a:t>6/29/17</a:t>
+              <a:t>6/30/17</a:t>
             </a:fld>
             <a:endParaRPr lang="en-US"/>
           </a:p>
@@ -9963,7 +10182,7 @@
           <a:p>
             <a:fld id="{2ADC2C9B-E509-4817-BA72-5DA0722D8BF9}" type="datetimeFigureOut">
               <a:rPr lang="en-US" smtClean="0"/>
-              <a:t>6/29/17</a:t>
+              <a:t>6/30/17</a:t>
             </a:fld>
             <a:endParaRPr lang="en-US"/>
           </a:p>
@@ -10240,7 +10459,7 @@
           <a:p>
             <a:fld id="{2ADC2C9B-E509-4817-BA72-5DA0722D8BF9}" type="datetimeFigureOut">
               <a:rPr lang="en-US" smtClean="0"/>
-              <a:t>6/29/17</a:t>
+              <a:t>6/30/17</a:t>
             </a:fld>
             <a:endParaRPr lang="en-US"/>
           </a:p>
@@ -10493,7 +10712,7 @@
           <a:p>
             <a:fld id="{2ADC2C9B-E509-4817-BA72-5DA0722D8BF9}" type="datetimeFigureOut">
               <a:rPr lang="en-US" smtClean="0"/>
-              <a:t>6/29/17</a:t>
+              <a:t>6/30/17</a:t>
             </a:fld>
             <a:endParaRPr lang="en-US"/>
           </a:p>
@@ -10715,7 +10934,7 @@
           <a:p>
             <a:fld id="{2ADC2C9B-E509-4817-BA72-5DA0722D8BF9}" type="datetimeFigureOut">
               <a:rPr lang="en-US" smtClean="0"/>
-              <a:t>6/29/17</a:t>
+              <a:t>6/30/17</a:t>
             </a:fld>
             <a:endParaRPr lang="en-US"/>
           </a:p>
@@ -15601,14 +15820,7 @@
                 <a:ea typeface="Arial Unicode MS" panose="020B0604020202020204" pitchFamily="34" charset="-128"/>
                 <a:cs typeface="Arial Unicode MS" panose="020B0604020202020204" pitchFamily="34" charset="-128"/>
               </a:rPr>
-              <a:t>. </a:t>
-            </a:r>
-            <a:r>
-              <a:rPr lang="en-US" sz="2200" dirty="0" smtClean="0">
-                <a:ea typeface="Arial Unicode MS" panose="020B0604020202020204" pitchFamily="34" charset="-128"/>
-                <a:cs typeface="Arial Unicode MS" panose="020B0604020202020204" pitchFamily="34" charset="-128"/>
-              </a:rPr>
-              <a:t>Add “Jack </a:t>
+              <a:t>. Add “Jack </a:t>
             </a:r>
             <a:r>
               <a:rPr lang="en-US" sz="2200" dirty="0" err="1" smtClean="0">
@@ -15794,14 +16006,7 @@
                 <a:ea typeface="Arial Unicode MS" panose="020B0604020202020204" pitchFamily="34" charset="-128"/>
                 <a:cs typeface="Arial Unicode MS" panose="020B0604020202020204" pitchFamily="34" charset="-128"/>
               </a:rPr>
-              <a:t>2</a:t>
-            </a:r>
-            <a:r>
-              <a:rPr lang="en-US" sz="2200" dirty="0" smtClean="0">
-                <a:ea typeface="Arial Unicode MS" panose="020B0604020202020204" pitchFamily="34" charset="-128"/>
-                <a:cs typeface="Arial Unicode MS" panose="020B0604020202020204" pitchFamily="34" charset="-128"/>
-              </a:rPr>
-              <a:t>. </a:t>
+              <a:t>2. </a:t>
             </a:r>
             <a:r>
               <a:rPr lang="en-US" sz="2400" dirty="0">
@@ -15844,7 +16049,6 @@
               <a:rPr lang="en-US" sz="2800" b="1" dirty="0" smtClean="0"/>
               <a:t> Incredibles” },</a:t>
             </a:r>
-            <a:endParaRPr lang="en-US" sz="2800" b="1" dirty="0" smtClean="0"/>
           </a:p>
           <a:p>
             <a:pPr marL="0" indent="0">
@@ -15856,11 +16060,7 @@
             </a:r>
             <a:r>
               <a:rPr lang="en-US" sz="2800" b="1" dirty="0" smtClean="0"/>
-              <a:t>    </a:t>
-            </a:r>
-            <a:r>
-              <a:rPr lang="en-US" sz="2800" b="1" dirty="0" smtClean="0"/>
-              <a:t>{ $</a:t>
+              <a:t>    { $</a:t>
             </a:r>
             <a:r>
               <a:rPr lang="en-US" sz="2800" b="1" dirty="0"/>
@@ -15876,15 +16076,7 @@
             </a:r>
             <a:r>
               <a:rPr lang="en-US" sz="2800" b="1" dirty="0" smtClean="0"/>
-              <a:t>” : ”</a:t>
-            </a:r>
-            <a:r>
-              <a:rPr lang="en-US" sz="2800" b="1" dirty="0" smtClean="0"/>
-              <a:t>Action</a:t>
-            </a:r>
-            <a:r>
-              <a:rPr lang="en-US" sz="2800" b="1" dirty="0" smtClean="0"/>
-              <a:t>” } } )</a:t>
+              <a:t>” : ”Action” } } )</a:t>
             </a:r>
             <a:endParaRPr lang="en-US" sz="2800" b="1" dirty="0"/>
           </a:p>
@@ -16804,15 +16996,17 @@
                 <a:ea typeface="Arial Unicode MS" panose="020B0604020202020204" pitchFamily="34" charset="-128"/>
                 <a:cs typeface="Arial Unicode MS" panose="020B0604020202020204" pitchFamily="34" charset="-128"/>
               </a:rPr>
-              <a:t>Capped </a:t>
-            </a:r>
+              <a:t>Capped Collections</a:t>
+            </a:r>
+          </a:p>
+          <a:p>
             <a:r>
               <a:rPr lang="en-US" sz="2800" dirty="0" smtClean="0">
                 <a:latin typeface="Arial Unicode MS" panose="020B0604020202020204" pitchFamily="34" charset="-128"/>
                 <a:ea typeface="Arial Unicode MS" panose="020B0604020202020204" pitchFamily="34" charset="-128"/>
                 <a:cs typeface="Arial Unicode MS" panose="020B0604020202020204" pitchFamily="34" charset="-128"/>
               </a:rPr>
-              <a:t>Collections</a:t>
+              <a:t>Geospatial Indices and Queries</a:t>
             </a:r>
           </a:p>
           <a:p>
@@ -16822,36 +17016,8 @@
                 <a:ea typeface="Arial Unicode MS" panose="020B0604020202020204" pitchFamily="34" charset="-128"/>
                 <a:cs typeface="Arial Unicode MS" panose="020B0604020202020204" pitchFamily="34" charset="-128"/>
               </a:rPr>
-              <a:t>Geospatial Indices and Queries</a:t>
-            </a:r>
-            <a:endParaRPr lang="en-US" sz="2800" dirty="0" smtClean="0">
-              <a:latin typeface="Arial Unicode MS" panose="020B0604020202020204" pitchFamily="34" charset="-128"/>
-              <a:ea typeface="Arial Unicode MS" panose="020B0604020202020204" pitchFamily="34" charset="-128"/>
-              <a:cs typeface="Arial Unicode MS" panose="020B0604020202020204" pitchFamily="34" charset="-128"/>
-            </a:endParaRPr>
-          </a:p>
-          <a:p>
-            <a:r>
-              <a:rPr lang="en-US" sz="2800" dirty="0" smtClean="0">
-                <a:latin typeface="Arial Unicode MS" panose="020B0604020202020204" pitchFamily="34" charset="-128"/>
-                <a:ea typeface="Arial Unicode MS" panose="020B0604020202020204" pitchFamily="34" charset="-128"/>
-                <a:cs typeface="Arial Unicode MS" panose="020B0604020202020204" pitchFamily="34" charset="-128"/>
-              </a:rPr>
-              <a:t>Free </a:t>
-            </a:r>
-            <a:r>
-              <a:rPr lang="en-US" sz="2800" dirty="0" smtClean="0">
-                <a:latin typeface="Arial Unicode MS" panose="020B0604020202020204" pitchFamily="34" charset="-128"/>
-                <a:ea typeface="Arial Unicode MS" panose="020B0604020202020204" pitchFamily="34" charset="-128"/>
-                <a:cs typeface="Arial Unicode MS" panose="020B0604020202020204" pitchFamily="34" charset="-128"/>
-              </a:rPr>
-              <a:t>training </a:t>
-            </a:r>
-            <a:endParaRPr lang="en-US" sz="2800" dirty="0" smtClean="0">
-              <a:latin typeface="Arial Unicode MS" panose="020B0604020202020204" pitchFamily="34" charset="-128"/>
-              <a:ea typeface="Arial Unicode MS" panose="020B0604020202020204" pitchFamily="34" charset="-128"/>
-              <a:cs typeface="Arial Unicode MS" panose="020B0604020202020204" pitchFamily="34" charset="-128"/>
-            </a:endParaRPr>
+              <a:t>Free training </a:t>
+            </a:r>
           </a:p>
         </p:txBody>
       </p:sp>
@@ -16959,7 +17125,7 @@
     </p:spTree>
     <p:extLst>
       <p:ext uri="{BB962C8B-B14F-4D97-AF65-F5344CB8AC3E}">
-        <p14:creationId xmlns:p14="http://schemas.microsoft.com/office/powerpoint/2010/main" val="4160806846"/>
+        <p14:creationId xmlns:p14="http://schemas.microsoft.com/office/powerpoint/2010/main" val="1780703443"/>
       </p:ext>
     </p:extLst>
   </p:cSld>
@@ -17003,7 +17169,7 @@
           <a:p>
             <a:r>
               <a:rPr lang="en-US" dirty="0" smtClean="0"/>
-              <a:t>Angular view</a:t>
+              <a:t>Angular view - Creating</a:t>
             </a:r>
             <a:endParaRPr lang="en-US" dirty="0"/>
           </a:p>
@@ -17022,7 +17188,7 @@
         <p:spPr/>
         <p:txBody>
           <a:bodyPr>
-            <a:normAutofit fontScale="92500" lnSpcReduction="10000"/>
+            <a:normAutofit/>
           </a:bodyPr>
           <a:lstStyle/>
           <a:p>
@@ -17033,292 +17199,51 @@
               <a:rPr lang="en-US" dirty="0"/>
               <a:t> </a:t>
             </a:r>
-            <a:r>
-              <a:rPr lang="en-US" sz="2800" dirty="0"/>
-              <a:t>&lt;div </a:t>
-            </a:r>
-            <a:r>
-              <a:rPr lang="en-US" sz="2800" dirty="0" err="1"/>
-              <a:t>ng</a:t>
-            </a:r>
-            <a:r>
-              <a:rPr lang="en-US" sz="2800" dirty="0"/>
-              <a:t>-repeat="</a:t>
-            </a:r>
-            <a:r>
-              <a:rPr lang="en-US" sz="2800" dirty="0" err="1"/>
-              <a:t>todo</a:t>
-            </a:r>
-            <a:r>
-              <a:rPr lang="en-US" sz="2800" dirty="0"/>
-              <a:t> in </a:t>
-            </a:r>
-            <a:r>
-              <a:rPr lang="en-US" sz="2800" dirty="0" err="1"/>
-              <a:t>todos</a:t>
-            </a:r>
-            <a:r>
-              <a:rPr lang="en-US" sz="2800" dirty="0"/>
-              <a:t> | </a:t>
-            </a:r>
-            <a:r>
-              <a:rPr lang="en-US" sz="2800" b="1" dirty="0" err="1"/>
-              <a:t>orderBy</a:t>
-            </a:r>
-            <a:r>
-              <a:rPr lang="en-US" sz="2800" b="1" dirty="0"/>
-              <a:t>: '!</a:t>
-            </a:r>
-            <a:r>
-              <a:rPr lang="en-US" sz="2800" b="1" dirty="0" err="1"/>
-              <a:t>highPriority</a:t>
-            </a:r>
-            <a:r>
-              <a:rPr lang="en-US" sz="2800" b="1" dirty="0" smtClean="0"/>
-              <a:t>'”</a:t>
-            </a:r>
-          </a:p>
-          <a:p>
-            <a:pPr marL="0" indent="0">
-              <a:buNone/>
-            </a:pPr>
-            <a:r>
-              <a:rPr lang="en-US" sz="2800" dirty="0"/>
-              <a:t> </a:t>
-            </a:r>
-            <a:r>
-              <a:rPr lang="en-US" sz="2800" dirty="0" smtClean="0"/>
-              <a:t>  </a:t>
-            </a:r>
-            <a:r>
-              <a:rPr lang="is-IS" sz="2800" dirty="0" smtClean="0"/>
-              <a:t>…</a:t>
-            </a:r>
-            <a:endParaRPr lang="en-US" sz="2800" dirty="0" smtClean="0"/>
-          </a:p>
-          <a:p>
-            <a:pPr marL="0" indent="0">
-              <a:buNone/>
-            </a:pPr>
-            <a:r>
-              <a:rPr lang="en-US" sz="2800" dirty="0"/>
-              <a:t> </a:t>
-            </a:r>
-            <a:r>
-              <a:rPr lang="en-US" sz="2800" dirty="0" smtClean="0"/>
-              <a:t>  &lt;</a:t>
-            </a:r>
-            <a:r>
-              <a:rPr lang="en-US" sz="2800" dirty="0"/>
-              <a:t>div class="col-md-1 col-sm-1 col-xs-1"&gt;</a:t>
-            </a:r>
-          </a:p>
-          <a:p>
-            <a:pPr marL="0" indent="0">
-              <a:buNone/>
-            </a:pPr>
-            <a:r>
-              <a:rPr lang="en-US" sz="2800" dirty="0"/>
-              <a:t>   </a:t>
-            </a:r>
-            <a:r>
-              <a:rPr lang="en-US" sz="2800" dirty="0" smtClean="0"/>
-              <a:t>   &lt;</a:t>
-            </a:r>
-            <a:r>
-              <a:rPr lang="en-US" sz="2800" dirty="0"/>
-              <a:t>span </a:t>
-            </a:r>
-            <a:r>
-              <a:rPr lang="en-US" sz="2800" dirty="0" err="1"/>
-              <a:t>ng</a:t>
-            </a:r>
-            <a:r>
-              <a:rPr lang="en-US" sz="2800" dirty="0"/>
-              <a:t>-class="{'</a:t>
-            </a:r>
-            <a:r>
-              <a:rPr lang="en-US" sz="2800" dirty="0" err="1"/>
-              <a:t>glyphicon</a:t>
-            </a:r>
-            <a:r>
-              <a:rPr lang="en-US" sz="2800" dirty="0"/>
-              <a:t> </a:t>
-            </a:r>
-            <a:r>
-              <a:rPr lang="en-US" sz="2800" dirty="0" err="1"/>
-              <a:t>glyphicon</a:t>
-            </a:r>
-            <a:r>
-              <a:rPr lang="en-US" sz="2800" dirty="0"/>
-              <a:t>-star': </a:t>
-            </a:r>
-            <a:r>
-              <a:rPr lang="en-US" sz="2800" dirty="0" smtClean="0"/>
-              <a:t>  </a:t>
-            </a:r>
-          </a:p>
-          <a:p>
-            <a:pPr marL="0" indent="0">
-              <a:buNone/>
-            </a:pPr>
-            <a:r>
-              <a:rPr lang="en-US" sz="2800" dirty="0"/>
-              <a:t> </a:t>
-            </a:r>
-            <a:r>
-              <a:rPr lang="en-US" sz="2800" dirty="0" smtClean="0"/>
-              <a:t>                                       </a:t>
-            </a:r>
-            <a:r>
-              <a:rPr lang="en-US" sz="2800" dirty="0" err="1" smtClean="0"/>
-              <a:t>todo.highPriority</a:t>
-            </a:r>
-            <a:r>
-              <a:rPr lang="en-US" sz="2800" dirty="0" smtClean="0"/>
-              <a:t>,</a:t>
-            </a:r>
-          </a:p>
-          <a:p>
-            <a:pPr marL="0" indent="0">
-              <a:buNone/>
-            </a:pPr>
-            <a:r>
-              <a:rPr lang="en-US" sz="2800" dirty="0"/>
-              <a:t> </a:t>
-            </a:r>
-            <a:r>
-              <a:rPr lang="en-US" sz="2800" dirty="0" smtClean="0"/>
-              <a:t>                                  </a:t>
-            </a:r>
-            <a:r>
-              <a:rPr lang="en-US" sz="2800" dirty="0"/>
-              <a:t>'</a:t>
-            </a:r>
-            <a:r>
-              <a:rPr lang="en-US" sz="2800" dirty="0" err="1"/>
-              <a:t>glyphicon</a:t>
-            </a:r>
-            <a:r>
-              <a:rPr lang="en-US" sz="2800" dirty="0"/>
-              <a:t> </a:t>
-            </a:r>
-            <a:r>
-              <a:rPr lang="en-US" sz="2800" dirty="0" err="1"/>
-              <a:t>glyphicon</a:t>
-            </a:r>
-            <a:r>
-              <a:rPr lang="en-US" sz="2800" dirty="0"/>
-              <a:t>-star-empty': </a:t>
-            </a:r>
-            <a:endParaRPr lang="en-US" sz="2800" dirty="0" smtClean="0"/>
-          </a:p>
-          <a:p>
-            <a:pPr marL="0" indent="0">
-              <a:buNone/>
-            </a:pPr>
-            <a:r>
-              <a:rPr lang="en-US" sz="2800" dirty="0"/>
-              <a:t> </a:t>
-            </a:r>
-            <a:r>
-              <a:rPr lang="en-US" sz="2800" dirty="0" smtClean="0"/>
-              <a:t>                                      !</a:t>
-            </a:r>
-            <a:r>
-              <a:rPr lang="en-US" sz="2800" dirty="0" err="1"/>
-              <a:t>todo.highPriority</a:t>
-            </a:r>
-            <a:r>
-              <a:rPr lang="en-US" sz="2800" dirty="0" smtClean="0"/>
-              <a:t>}” </a:t>
-            </a:r>
             <a:endParaRPr lang="en-US" sz="2800" dirty="0"/>
           </a:p>
-          <a:p>
-            <a:pPr marL="0" indent="0">
-              <a:buNone/>
-            </a:pPr>
-            <a:r>
-              <a:rPr lang="en-US" sz="2800" dirty="0" smtClean="0"/>
-              <a:t>        </a:t>
-            </a:r>
-            <a:r>
-              <a:rPr lang="en-US" sz="2800" dirty="0" err="1"/>
-              <a:t>ng</a:t>
-            </a:r>
-            <a:r>
-              <a:rPr lang="en-US" sz="2800" dirty="0"/>
-              <a:t>-click=</a:t>
-            </a:r>
-            <a:r>
-              <a:rPr lang="en-US" sz="2800" b="1" dirty="0"/>
-              <a:t>"</a:t>
-            </a:r>
-            <a:r>
-              <a:rPr lang="en-US" sz="2800" b="1" dirty="0" err="1"/>
-              <a:t>updatePriority</a:t>
-            </a:r>
-            <a:r>
-              <a:rPr lang="en-US" sz="2800" b="1" dirty="0"/>
-              <a:t>($event, </a:t>
-            </a:r>
-            <a:r>
-              <a:rPr lang="en-US" sz="2800" b="1" dirty="0" err="1"/>
-              <a:t>todo</a:t>
-            </a:r>
-            <a:r>
-              <a:rPr lang="en-US" sz="2800" b="1" dirty="0"/>
-              <a:t>)"</a:t>
-            </a:r>
-            <a:r>
-              <a:rPr lang="en-US" sz="2800" dirty="0" smtClean="0"/>
-              <a:t>&gt;</a:t>
-            </a:r>
-          </a:p>
-          <a:p>
-            <a:pPr marL="0" indent="0">
-              <a:buNone/>
-            </a:pPr>
-            <a:r>
-              <a:rPr lang="en-US" sz="2800" dirty="0"/>
-              <a:t> </a:t>
-            </a:r>
-            <a:r>
-              <a:rPr lang="en-US" sz="2800" dirty="0" smtClean="0"/>
-              <a:t>     &lt;</a:t>
-            </a:r>
-            <a:r>
-              <a:rPr lang="en-US" sz="2800" dirty="0"/>
-              <a:t>/</a:t>
-            </a:r>
-            <a:r>
-              <a:rPr lang="en-US" sz="2800" dirty="0" smtClean="0"/>
-              <a:t>span&gt;</a:t>
-            </a:r>
-          </a:p>
-          <a:p>
-            <a:pPr marL="0" indent="0">
-              <a:buNone/>
-            </a:pPr>
-            <a:r>
-              <a:rPr lang="en-US" sz="2800" dirty="0" smtClean="0"/>
-              <a:t>   &lt;/div&gt;</a:t>
-            </a:r>
-            <a:endParaRPr lang="en-US" sz="2800" dirty="0"/>
-          </a:p>
-        </p:txBody>
-      </p:sp>
+        </p:txBody>
+      </p:sp>
+      <p:pic>
+        <p:nvPicPr>
+          <p:cNvPr id="6" name="Picture 5"/>
+          <p:cNvPicPr>
+            <a:picLocks noChangeAspect="1"/>
+          </p:cNvPicPr>
+          <p:nvPr/>
+        </p:nvPicPr>
+        <p:blipFill>
+          <a:blip r:embed="rId3"/>
+          <a:stretch>
+            <a:fillRect/>
+          </a:stretch>
+        </p:blipFill>
+        <p:spPr>
+          <a:xfrm>
+            <a:off x="-33867" y="2514600"/>
+            <a:ext cx="9177867" cy="1585936"/>
+          </a:xfrm>
+          <a:prstGeom prst="rect">
+            <a:avLst/>
+          </a:prstGeom>
+        </p:spPr>
+      </p:pic>
     </p:spTree>
     <p:extLst>
       <p:ext uri="{BB962C8B-B14F-4D97-AF65-F5344CB8AC3E}">
-        <p14:creationId xmlns:p14="http://schemas.microsoft.com/office/powerpoint/2010/main" val="3701272946"/>
+        <p14:creationId xmlns:p14="http://schemas.microsoft.com/office/powerpoint/2010/main" val="3521830072"/>
       </p:ext>
     </p:extLst>
   </p:cSld>
   <p:clrMapOvr>
     <a:masterClrMapping/>
   </p:clrMapOvr>
+  <p:timing>
+    <p:tnLst>
+      <p:par>
+        <p:cTn id="1" dur="indefinite" restart="never" nodeType="tmRoot"/>
+      </p:par>
+    </p:tnLst>
+  </p:timing>
 </p:sld>
 </file>
 
@@ -17356,7 +17281,7 @@
           <a:p>
             <a:r>
               <a:rPr lang="en-US" dirty="0" smtClean="0"/>
-              <a:t>Angular Controller</a:t>
+              <a:t>Angular Controller - Creating</a:t>
             </a:r>
             <a:endParaRPr lang="en-US" dirty="0"/>
           </a:p>
@@ -17375,7 +17300,7 @@
         <p:spPr/>
         <p:txBody>
           <a:bodyPr>
-            <a:normAutofit fontScale="70000" lnSpcReduction="20000"/>
+            <a:normAutofit/>
           </a:bodyPr>
           <a:lstStyle/>
           <a:p>
@@ -17384,265 +17309,40 @@
             </a:pPr>
             <a:r>
               <a:rPr lang="en-US" dirty="0"/>
-              <a:t>$</a:t>
-            </a:r>
-            <a:r>
-              <a:rPr lang="en-US" dirty="0" err="1"/>
-              <a:t>scope.updatePriority</a:t>
-            </a:r>
-            <a:r>
-              <a:rPr lang="en-US" dirty="0"/>
-              <a:t> = </a:t>
-            </a:r>
-            <a:r>
-              <a:rPr lang="en-US" b="1" dirty="0"/>
-              <a:t>function</a:t>
-            </a:r>
-            <a:r>
-              <a:rPr lang="en-US" dirty="0"/>
-              <a:t>($event, _t) {</a:t>
-            </a:r>
-            <a:br>
-              <a:rPr lang="en-US" dirty="0"/>
-            </a:br>
-            <a:r>
-              <a:rPr lang="en-US" dirty="0"/>
-              <a:t>  </a:t>
-            </a:r>
-            <a:r>
-              <a:rPr lang="en-US" b="1" dirty="0" err="1"/>
-              <a:t>var</a:t>
-            </a:r>
-            <a:r>
-              <a:rPr lang="en-US" b="1" dirty="0"/>
               <a:t> </a:t>
             </a:r>
-            <a:r>
-              <a:rPr lang="en-US" dirty="0" err="1"/>
-              <a:t>cbk</a:t>
-            </a:r>
-            <a:r>
-              <a:rPr lang="en-US" dirty="0"/>
-              <a:t> = !_</a:t>
-            </a:r>
-            <a:r>
-              <a:rPr lang="en-US" dirty="0" err="1"/>
-              <a:t>t.highPriority</a:t>
-            </a:r>
-            <a:r>
-              <a:rPr lang="en-US" dirty="0"/>
-              <a:t>;</a:t>
-            </a:r>
-            <a:br>
-              <a:rPr lang="en-US" dirty="0"/>
-            </a:br>
-            <a:r>
-              <a:rPr lang="en-US" dirty="0"/>
-              <a:t>  </a:t>
-            </a:r>
-            <a:r>
-              <a:rPr lang="en-US" dirty="0" err="1"/>
-              <a:t>todosFactory.updateTodo</a:t>
-            </a:r>
-            <a:r>
-              <a:rPr lang="en-US" dirty="0"/>
-              <a:t>({</a:t>
-            </a:r>
-            <a:br>
-              <a:rPr lang="en-US" dirty="0"/>
-            </a:br>
-            <a:r>
-              <a:rPr lang="en-US" dirty="0"/>
-              <a:t>    _id: _</a:t>
-            </a:r>
-            <a:r>
-              <a:rPr lang="en-US" dirty="0" err="1"/>
-              <a:t>t._id</a:t>
-            </a:r>
-            <a:r>
-              <a:rPr lang="en-US" dirty="0"/>
-              <a:t>,</a:t>
-            </a:r>
-            <a:br>
-              <a:rPr lang="en-US" dirty="0"/>
-            </a:br>
-            <a:r>
-              <a:rPr lang="en-US" dirty="0"/>
-              <a:t>    </a:t>
-            </a:r>
-            <a:r>
-              <a:rPr lang="en-US" dirty="0" err="1"/>
-              <a:t>highPriority</a:t>
-            </a:r>
-            <a:r>
-              <a:rPr lang="en-US" dirty="0"/>
-              <a:t>: </a:t>
-            </a:r>
-            <a:r>
-              <a:rPr lang="en-US" dirty="0" err="1"/>
-              <a:t>cbk</a:t>
-            </a:r>
-            <a:r>
-              <a:rPr lang="en-US" dirty="0"/>
-              <a:t>,</a:t>
-            </a:r>
-            <a:br>
-              <a:rPr lang="en-US" dirty="0"/>
-            </a:br>
-            <a:r>
-              <a:rPr lang="en-US" dirty="0"/>
-              <a:t>    </a:t>
-            </a:r>
-            <a:r>
-              <a:rPr lang="en-US" dirty="0" err="1"/>
-              <a:t>isCompleted</a:t>
-            </a:r>
-            <a:r>
-              <a:rPr lang="en-US" dirty="0"/>
-              <a:t>: _</a:t>
-            </a:r>
-            <a:r>
-              <a:rPr lang="en-US" dirty="0" err="1"/>
-              <a:t>t.isCompleted</a:t>
-            </a:r>
-            <a:r>
-              <a:rPr lang="en-US" dirty="0"/>
-              <a:t>,</a:t>
-            </a:r>
-            <a:br>
-              <a:rPr lang="en-US" dirty="0"/>
-            </a:br>
-            <a:r>
-              <a:rPr lang="en-US" dirty="0"/>
-              <a:t>    </a:t>
-            </a:r>
-            <a:r>
-              <a:rPr lang="en-US" dirty="0" err="1"/>
-              <a:t>todo</a:t>
-            </a:r>
-            <a:r>
-              <a:rPr lang="en-US" dirty="0"/>
-              <a:t>: _</a:t>
-            </a:r>
-            <a:r>
-              <a:rPr lang="en-US" dirty="0" err="1"/>
-              <a:t>t.todo</a:t>
-            </a:r>
-            <a:r>
-              <a:rPr lang="en-US" dirty="0"/>
-              <a:t/>
-            </a:r>
-            <a:br>
-              <a:rPr lang="en-US" dirty="0"/>
-            </a:br>
-            <a:r>
-              <a:rPr lang="en-US" dirty="0"/>
-              <a:t>  }).then(</a:t>
-            </a:r>
-            <a:r>
-              <a:rPr lang="en-US" b="1" dirty="0"/>
-              <a:t>function</a:t>
-            </a:r>
-            <a:r>
-              <a:rPr lang="en-US" dirty="0"/>
-              <a:t>(data) {</a:t>
-            </a:r>
-            <a:br>
-              <a:rPr lang="en-US" dirty="0"/>
-            </a:br>
-            <a:r>
-              <a:rPr lang="en-US" dirty="0"/>
-              <a:t>    </a:t>
-            </a:r>
-            <a:r>
-              <a:rPr lang="en-US" b="1" dirty="0"/>
-              <a:t>if </a:t>
-            </a:r>
-            <a:r>
-              <a:rPr lang="en-US" dirty="0"/>
-              <a:t>(</a:t>
-            </a:r>
-            <a:r>
-              <a:rPr lang="en-US" dirty="0" err="1"/>
-              <a:t>data.data.ok</a:t>
-            </a:r>
-            <a:r>
-              <a:rPr lang="en-US" dirty="0"/>
-              <a:t>) {</a:t>
-            </a:r>
-            <a:br>
-              <a:rPr lang="en-US" dirty="0"/>
-            </a:br>
-            <a:r>
-              <a:rPr lang="en-US" dirty="0"/>
-              <a:t>      _</a:t>
-            </a:r>
-            <a:r>
-              <a:rPr lang="en-US" dirty="0" err="1"/>
-              <a:t>t.highPriority</a:t>
-            </a:r>
-            <a:r>
-              <a:rPr lang="en-US" dirty="0"/>
-              <a:t> = </a:t>
-            </a:r>
-            <a:r>
-              <a:rPr lang="en-US" dirty="0" err="1"/>
-              <a:t>cbk</a:t>
-            </a:r>
-            <a:r>
-              <a:rPr lang="en-US" dirty="0"/>
-              <a:t>;</a:t>
-            </a:r>
-            <a:br>
-              <a:rPr lang="en-US" dirty="0"/>
-            </a:br>
-            <a:r>
-              <a:rPr lang="en-US" dirty="0"/>
-              <a:t>    } </a:t>
-            </a:r>
-            <a:r>
-              <a:rPr lang="en-US" b="1" dirty="0"/>
-              <a:t>else </a:t>
-            </a:r>
-            <a:r>
-              <a:rPr lang="en-US" dirty="0"/>
-              <a:t>{</a:t>
-            </a:r>
-            <a:br>
-              <a:rPr lang="en-US" dirty="0"/>
-            </a:br>
-            <a:r>
-              <a:rPr lang="en-US" dirty="0"/>
-              <a:t>      alert('Oops something went wrong!');</a:t>
-            </a:r>
-            <a:br>
-              <a:rPr lang="en-US" dirty="0"/>
-            </a:br>
-            <a:r>
-              <a:rPr lang="en-US" dirty="0"/>
-              <a:t>    }</a:t>
-            </a:r>
-            <a:br>
-              <a:rPr lang="en-US" dirty="0"/>
-            </a:br>
-            <a:r>
-              <a:rPr lang="en-US" dirty="0"/>
-              <a:t>  });</a:t>
-            </a:r>
-            <a:br>
-              <a:rPr lang="en-US" dirty="0"/>
-            </a:br>
-            <a:r>
-              <a:rPr lang="en-US" dirty="0"/>
-              <a:t>};</a:t>
-            </a:r>
-          </a:p>
-        </p:txBody>
-      </p:sp>
+            <a:endParaRPr lang="en-US" sz="2800" dirty="0"/>
+          </a:p>
+        </p:txBody>
+      </p:sp>
+      <p:pic>
+        <p:nvPicPr>
+          <p:cNvPr id="4" name="Picture 3"/>
+          <p:cNvPicPr>
+            <a:picLocks noChangeAspect="1"/>
+          </p:cNvPicPr>
+          <p:nvPr/>
+        </p:nvPicPr>
+        <p:blipFill>
+          <a:blip r:embed="rId3"/>
+          <a:stretch>
+            <a:fillRect/>
+          </a:stretch>
+        </p:blipFill>
+        <p:spPr>
+          <a:xfrm>
+            <a:off x="-1" y="1551296"/>
+            <a:ext cx="9144001" cy="3760631"/>
+          </a:xfrm>
+          <a:prstGeom prst="rect">
+            <a:avLst/>
+          </a:prstGeom>
+        </p:spPr>
+      </p:pic>
     </p:spTree>
     <p:extLst>
       <p:ext uri="{BB962C8B-B14F-4D97-AF65-F5344CB8AC3E}">
-        <p14:creationId xmlns:p14="http://schemas.microsoft.com/office/powerpoint/2010/main" val="2445364700"/>
+        <p14:creationId xmlns:p14="http://schemas.microsoft.com/office/powerpoint/2010/main" val="697698939"/>
       </p:ext>
     </p:extLst>
   </p:cSld>
@@ -17693,246 +17393,46 @@
           <a:p>
             <a:r>
               <a:rPr lang="en-US" dirty="0" smtClean="0"/>
-              <a:t>Express Server</a:t>
+              <a:t>Express Server - Creating</a:t>
             </a:r>
             <a:endParaRPr lang="en-US" dirty="0"/>
           </a:p>
         </p:txBody>
       </p:sp>
-      <p:sp>
-        <p:nvSpPr>
-          <p:cNvPr id="3" name="Content Placeholder 2"/>
-          <p:cNvSpPr>
-            <a:spLocks noGrp="1"/>
-          </p:cNvSpPr>
+      <p:pic>
+        <p:nvPicPr>
+          <p:cNvPr id="6" name="Content Placeholder 5"/>
+          <p:cNvPicPr>
+            <a:picLocks noGrp="1" noChangeAspect="1"/>
+          </p:cNvPicPr>
           <p:nvPr>
             <p:ph idx="1"/>
           </p:nvPr>
-        </p:nvSpPr>
-        <p:spPr/>
-        <p:txBody>
-          <a:bodyPr>
-            <a:normAutofit fontScale="85000" lnSpcReduction="20000"/>
-          </a:bodyPr>
-          <a:lstStyle/>
-          <a:p>
-            <a:pPr marL="0" indent="0">
-              <a:buNone/>
-            </a:pPr>
-            <a:r>
-              <a:rPr lang="en-US" dirty="0"/>
-              <a:t> </a:t>
-            </a:r>
-            <a:r>
-              <a:rPr lang="en-US" dirty="0" err="1"/>
-              <a:t>router.put</a:t>
-            </a:r>
-            <a:r>
-              <a:rPr lang="en-US" dirty="0"/>
-              <a:t>('/</a:t>
-            </a:r>
-            <a:r>
-              <a:rPr lang="en-US" dirty="0" err="1"/>
-              <a:t>api</a:t>
-            </a:r>
-            <a:r>
-              <a:rPr lang="en-US" dirty="0"/>
-              <a:t>/</a:t>
-            </a:r>
-            <a:r>
-              <a:rPr lang="en-US" dirty="0" err="1"/>
-              <a:t>todos</a:t>
-            </a:r>
-            <a:r>
-              <a:rPr lang="en-US" dirty="0"/>
-              <a:t>', function(</a:t>
-            </a:r>
-            <a:r>
-              <a:rPr lang="en-US" dirty="0" err="1"/>
-              <a:t>req</a:t>
-            </a:r>
-            <a:r>
-              <a:rPr lang="en-US" dirty="0"/>
-              <a:t>, res) {</a:t>
-            </a:r>
-          </a:p>
-          <a:p>
-            <a:pPr marL="0" indent="0">
-              <a:buNone/>
-            </a:pPr>
-            <a:r>
-              <a:rPr lang="en-US" dirty="0"/>
-              <a:t>    </a:t>
-            </a:r>
-            <a:r>
-              <a:rPr lang="en-US" dirty="0" err="1"/>
-              <a:t>var</a:t>
-            </a:r>
-            <a:r>
-              <a:rPr lang="en-US" dirty="0"/>
-              <a:t> id = </a:t>
-            </a:r>
-            <a:r>
-              <a:rPr lang="en-US" dirty="0" err="1"/>
-              <a:t>req.body._id</a:t>
-            </a:r>
-            <a:r>
-              <a:rPr lang="en-US" dirty="0"/>
-              <a:t>;</a:t>
-            </a:r>
-          </a:p>
-          <a:p>
-            <a:pPr marL="0" indent="0">
-              <a:buNone/>
-            </a:pPr>
-            <a:r>
-              <a:rPr lang="en-US" dirty="0"/>
-              <a:t>    delete </a:t>
-            </a:r>
-            <a:r>
-              <a:rPr lang="en-US" dirty="0" err="1"/>
-              <a:t>req.body</a:t>
-            </a:r>
-            <a:r>
-              <a:rPr lang="en-US" dirty="0"/>
-              <a:t>["_id"];</a:t>
-            </a:r>
-          </a:p>
-          <a:p>
-            <a:pPr marL="0" indent="0">
-              <a:buNone/>
-            </a:pPr>
-            <a:r>
-              <a:rPr lang="en-US" dirty="0"/>
-              <a:t>   </a:t>
-            </a:r>
-            <a:r>
-              <a:rPr lang="en-US" b="1" dirty="0"/>
-              <a:t> </a:t>
-            </a:r>
-            <a:r>
-              <a:rPr lang="en-US" b="1" dirty="0" err="1"/>
-              <a:t>db.todos.update</a:t>
-            </a:r>
-            <a:r>
-              <a:rPr lang="en-US" b="1" dirty="0"/>
-              <a:t>({</a:t>
-            </a:r>
-          </a:p>
-          <a:p>
-            <a:pPr marL="0" indent="0">
-              <a:buNone/>
-            </a:pPr>
-            <a:r>
-              <a:rPr lang="en-US" b="1" dirty="0"/>
-              <a:t>      _id: </a:t>
-            </a:r>
-            <a:r>
-              <a:rPr lang="en-US" b="1" dirty="0" err="1"/>
-              <a:t>mongojs.ObjectId</a:t>
-            </a:r>
-            <a:r>
-              <a:rPr lang="en-US" b="1" dirty="0"/>
-              <a:t>(id)</a:t>
-            </a:r>
-          </a:p>
-          <a:p>
-            <a:pPr marL="0" indent="0">
-              <a:buNone/>
-            </a:pPr>
-            <a:r>
-              <a:rPr lang="en-US" b="1" dirty="0"/>
-              <a:t>    }, </a:t>
-            </a:r>
-            <a:r>
-              <a:rPr lang="en-US" b="1" dirty="0" err="1"/>
-              <a:t>req.body</a:t>
-            </a:r>
-            <a:r>
-              <a:rPr lang="en-US" b="1" dirty="0"/>
-              <a:t>, </a:t>
-            </a:r>
-            <a:r>
-              <a:rPr lang="en-US" dirty="0"/>
-              <a:t>{}, function(err, data) </a:t>
-            </a:r>
-            <a:r>
-              <a:rPr lang="en-US" dirty="0" smtClean="0"/>
-              <a:t>{</a:t>
-            </a:r>
-            <a:endParaRPr lang="en-US" dirty="0"/>
-          </a:p>
-          <a:p>
-            <a:pPr marL="0" indent="0">
-              <a:buNone/>
-            </a:pPr>
-            <a:r>
-              <a:rPr lang="en-US" dirty="0"/>
-              <a:t>      </a:t>
-            </a:r>
-            <a:r>
-              <a:rPr lang="en-US" dirty="0" err="1"/>
-              <a:t>res.json</a:t>
-            </a:r>
-            <a:r>
-              <a:rPr lang="en-US" dirty="0"/>
-              <a:t>(data);</a:t>
-            </a:r>
-          </a:p>
-          <a:p>
-            <a:pPr marL="0" indent="0">
-              <a:buNone/>
-            </a:pPr>
-            <a:r>
-              <a:rPr lang="en-US" dirty="0"/>
-              <a:t>      </a:t>
-            </a:r>
-            <a:r>
-              <a:rPr lang="en-US" dirty="0" err="1"/>
-              <a:t>req.body</a:t>
-            </a:r>
-            <a:r>
-              <a:rPr lang="en-US" dirty="0"/>
-              <a:t>["_id"] = id;</a:t>
-            </a:r>
-          </a:p>
-          <a:p>
-            <a:pPr marL="0" indent="0">
-              <a:buNone/>
-            </a:pPr>
-            <a:r>
-              <a:rPr lang="en-US" dirty="0"/>
-              <a:t>    });</a:t>
-            </a:r>
-          </a:p>
-          <a:p>
-            <a:pPr marL="0" indent="0">
-              <a:buNone/>
-            </a:pPr>
-            <a:r>
-              <a:rPr lang="en-US" dirty="0"/>
-              <a:t>  });</a:t>
-            </a:r>
-          </a:p>
-        </p:txBody>
-      </p:sp>
+        </p:nvPicPr>
+        <p:blipFill>
+          <a:blip r:embed="rId3"/>
+          <a:srcRect t="-57861" b="-57861"/>
+          <a:stretch>
+            <a:fillRect/>
+          </a:stretch>
+        </p:blipFill>
+        <p:spPr>
+          <a:xfrm>
+            <a:off x="-1" y="1348758"/>
+            <a:ext cx="9186175" cy="5052042"/>
+          </a:xfrm>
+        </p:spPr>
+      </p:pic>
     </p:spTree>
     <p:extLst>
       <p:ext uri="{BB962C8B-B14F-4D97-AF65-F5344CB8AC3E}">
-        <p14:creationId xmlns:p14="http://schemas.microsoft.com/office/powerpoint/2010/main" val="691868760"/>
+        <p14:creationId xmlns:p14="http://schemas.microsoft.com/office/powerpoint/2010/main" val="1383196554"/>
       </p:ext>
     </p:extLst>
   </p:cSld>
   <p:clrMapOvr>
     <a:masterClrMapping/>
   </p:clrMapOvr>
-  <p:timing>
-    <p:tnLst>
-      <p:par>
-        <p:cTn id="1" dur="indefinite" restart="never" nodeType="tmRoot"/>
-      </p:par>
-    </p:tnLst>
-  </p:timing>
 </p:sld>
 </file>
 
@@ -17970,7 +17470,7 @@
           <a:p>
             <a:r>
               <a:rPr lang="en-US" dirty="0" smtClean="0"/>
-              <a:t>Express Server</a:t>
+              <a:t>Angular view - Update</a:t>
             </a:r>
             <a:endParaRPr lang="en-US" dirty="0"/>
           </a:p>
@@ -17989,7 +17489,7 @@
         <p:spPr/>
         <p:txBody>
           <a:bodyPr>
-            <a:normAutofit fontScale="85000" lnSpcReduction="20000"/>
+            <a:normAutofit/>
           </a:bodyPr>
           <a:lstStyle/>
           <a:p>
@@ -18000,199 +17500,146 @@
               <a:rPr lang="en-US" dirty="0"/>
               <a:t> </a:t>
             </a:r>
-            <a:r>
-              <a:rPr lang="en-US" dirty="0" err="1"/>
-              <a:t>router.put</a:t>
-            </a:r>
-            <a:r>
-              <a:rPr lang="en-US" dirty="0"/>
-              <a:t>('/</a:t>
-            </a:r>
-            <a:r>
-              <a:rPr lang="en-US" dirty="0" err="1"/>
-              <a:t>api</a:t>
-            </a:r>
-            <a:r>
-              <a:rPr lang="en-US" dirty="0"/>
-              <a:t>/</a:t>
-            </a:r>
-            <a:r>
-              <a:rPr lang="en-US" dirty="0" err="1"/>
-              <a:t>todos</a:t>
-            </a:r>
-            <a:r>
-              <a:rPr lang="en-US" dirty="0"/>
-              <a:t>', function(</a:t>
-            </a:r>
-            <a:r>
-              <a:rPr lang="en-US" dirty="0" err="1"/>
-              <a:t>req</a:t>
-            </a:r>
-            <a:r>
-              <a:rPr lang="en-US" dirty="0"/>
-              <a:t>, res) {</a:t>
-            </a:r>
-          </a:p>
-          <a:p>
-            <a:pPr marL="0" indent="0">
-              <a:buNone/>
-            </a:pPr>
-            <a:r>
-              <a:rPr lang="en-US" dirty="0"/>
-              <a:t>    </a:t>
-            </a:r>
-            <a:r>
-              <a:rPr lang="en-US" dirty="0" err="1"/>
-              <a:t>var</a:t>
-            </a:r>
-            <a:r>
-              <a:rPr lang="en-US" dirty="0"/>
-              <a:t> id = </a:t>
-            </a:r>
-            <a:r>
-              <a:rPr lang="en-US" dirty="0" err="1"/>
-              <a:t>req.body._id</a:t>
-            </a:r>
-            <a:r>
-              <a:rPr lang="en-US" dirty="0"/>
-              <a:t>;</a:t>
-            </a:r>
-          </a:p>
-          <a:p>
-            <a:pPr marL="0" indent="0">
-              <a:buNone/>
-            </a:pPr>
-            <a:r>
-              <a:rPr lang="en-US" dirty="0"/>
-              <a:t>    </a:t>
-            </a:r>
-            <a:r>
-              <a:rPr lang="en-US" b="1" dirty="0"/>
-              <a:t>delete </a:t>
-            </a:r>
-            <a:r>
-              <a:rPr lang="en-US" b="1" dirty="0" err="1"/>
-              <a:t>req.body</a:t>
-            </a:r>
-            <a:r>
-              <a:rPr lang="en-US" b="1" dirty="0"/>
-              <a:t>["_id"];</a:t>
-            </a:r>
-          </a:p>
-          <a:p>
-            <a:pPr marL="0" indent="0">
-              <a:buNone/>
-            </a:pPr>
-            <a:r>
-              <a:rPr lang="en-US" dirty="0"/>
-              <a:t>    </a:t>
-            </a:r>
-            <a:r>
-              <a:rPr lang="en-US" dirty="0" err="1"/>
-              <a:t>db.todos.update</a:t>
-            </a:r>
-            <a:r>
-              <a:rPr lang="en-US" dirty="0"/>
-              <a:t>({</a:t>
-            </a:r>
-          </a:p>
-          <a:p>
-            <a:pPr marL="0" indent="0">
-              <a:buNone/>
-            </a:pPr>
-            <a:r>
-              <a:rPr lang="en-US" dirty="0"/>
-              <a:t>      _id: </a:t>
-            </a:r>
-            <a:r>
-              <a:rPr lang="en-US" dirty="0" err="1"/>
-              <a:t>mongojs.ObjectId</a:t>
-            </a:r>
-            <a:r>
-              <a:rPr lang="en-US" dirty="0"/>
-              <a:t>(id)</a:t>
-            </a:r>
-          </a:p>
-          <a:p>
-            <a:pPr marL="0" indent="0">
-              <a:buNone/>
-            </a:pPr>
-            <a:r>
-              <a:rPr lang="en-US" dirty="0"/>
-              <a:t>    }, </a:t>
-            </a:r>
-            <a:r>
-              <a:rPr lang="en-US" dirty="0" err="1"/>
-              <a:t>req.body</a:t>
-            </a:r>
-            <a:r>
-              <a:rPr lang="en-US" dirty="0"/>
-              <a:t>, {}, function(err, data) </a:t>
-            </a:r>
-            <a:r>
-              <a:rPr lang="en-US" dirty="0" smtClean="0"/>
-              <a:t>{</a:t>
-            </a:r>
-            <a:endParaRPr lang="en-US" dirty="0"/>
-          </a:p>
-          <a:p>
-            <a:pPr marL="0" indent="0">
-              <a:buNone/>
-            </a:pPr>
-            <a:r>
-              <a:rPr lang="en-US" dirty="0"/>
-              <a:t>      </a:t>
-            </a:r>
-            <a:r>
-              <a:rPr lang="en-US" dirty="0" err="1"/>
-              <a:t>res.json</a:t>
-            </a:r>
-            <a:r>
-              <a:rPr lang="en-US" dirty="0"/>
-              <a:t>(data);</a:t>
-            </a:r>
-          </a:p>
-          <a:p>
-            <a:pPr marL="0" indent="0">
-              <a:buNone/>
-            </a:pPr>
-            <a:r>
-              <a:rPr lang="en-US" dirty="0"/>
-              <a:t>      </a:t>
-            </a:r>
-            <a:r>
-              <a:rPr lang="en-US" b="1" dirty="0" err="1"/>
-              <a:t>req.body</a:t>
-            </a:r>
-            <a:r>
-              <a:rPr lang="en-US" b="1" dirty="0"/>
-              <a:t>["_id"] = id;</a:t>
-            </a:r>
-          </a:p>
-          <a:p>
-            <a:pPr marL="0" indent="0">
-              <a:buNone/>
-            </a:pPr>
-            <a:r>
-              <a:rPr lang="en-US" dirty="0"/>
-              <a:t>    });</a:t>
-            </a:r>
-          </a:p>
-          <a:p>
-            <a:pPr marL="0" indent="0">
-              <a:buNone/>
-            </a:pPr>
-            <a:r>
-              <a:rPr lang="en-US" dirty="0"/>
-              <a:t>  });</a:t>
-            </a:r>
-          </a:p>
-        </p:txBody>
-      </p:sp>
+            <a:endParaRPr lang="en-US" sz="2800" dirty="0"/>
+          </a:p>
+        </p:txBody>
+      </p:sp>
+      <p:pic>
+        <p:nvPicPr>
+          <p:cNvPr id="5" name="Picture 4"/>
+          <p:cNvPicPr>
+            <a:picLocks noChangeAspect="1"/>
+          </p:cNvPicPr>
+          <p:nvPr/>
+        </p:nvPicPr>
+        <p:blipFill>
+          <a:blip r:embed="rId3"/>
+          <a:stretch>
+            <a:fillRect/>
+          </a:stretch>
+        </p:blipFill>
+        <p:spPr>
+          <a:xfrm>
+            <a:off x="0" y="2501900"/>
+            <a:ext cx="9144000" cy="1833563"/>
+          </a:xfrm>
+          <a:prstGeom prst="rect">
+            <a:avLst/>
+          </a:prstGeom>
+        </p:spPr>
+      </p:pic>
     </p:spTree>
     <p:extLst>
       <p:ext uri="{BB962C8B-B14F-4D97-AF65-F5344CB8AC3E}">
-        <p14:creationId xmlns:p14="http://schemas.microsoft.com/office/powerpoint/2010/main" val="2913776688"/>
+        <p14:creationId xmlns:p14="http://schemas.microsoft.com/office/powerpoint/2010/main" val="822558421"/>
+      </p:ext>
+    </p:extLst>
+  </p:cSld>
+  <p:clrMapOvr>
+    <a:masterClrMapping/>
+  </p:clrMapOvr>
+  <p:timing>
+    <p:tnLst>
+      <p:par>
+        <p:cTn id="1" dur="indefinite" restart="never" nodeType="tmRoot"/>
+      </p:par>
+    </p:tnLst>
+  </p:timing>
+</p:sld>
+</file>
+
+<file path=ppt/slides/slide39.xml><?xml version="1.0" encoding="utf-8"?>
+<p:sld xmlns:a="http://schemas.openxmlformats.org/drawingml/2006/main" xmlns:r="http://schemas.openxmlformats.org/officeDocument/2006/relationships" xmlns:p="http://schemas.openxmlformats.org/presentationml/2006/main">
+  <p:cSld>
+    <p:spTree>
+      <p:nvGrpSpPr>
+        <p:cNvPr id="1" name=""/>
+        <p:cNvGrpSpPr/>
+        <p:nvPr/>
+      </p:nvGrpSpPr>
+      <p:grpSpPr>
+        <a:xfrm>
+          <a:off x="0" y="0"/>
+          <a:ext cx="0" cy="0"/>
+          <a:chOff x="0" y="0"/>
+          <a:chExt cx="0" cy="0"/>
+        </a:xfrm>
+      </p:grpSpPr>
+      <p:sp>
+        <p:nvSpPr>
+          <p:cNvPr id="2" name="Title 1"/>
+          <p:cNvSpPr>
+            <a:spLocks noGrp="1"/>
+          </p:cNvSpPr>
+          <p:nvPr>
+            <p:ph type="title"/>
+          </p:nvPr>
+        </p:nvSpPr>
+        <p:spPr/>
+        <p:txBody>
+          <a:bodyPr/>
+          <a:lstStyle/>
+          <a:p>
+            <a:r>
+              <a:rPr lang="en-US" dirty="0" smtClean="0"/>
+              <a:t>Angular Controller - Update</a:t>
+            </a:r>
+            <a:endParaRPr lang="en-US" dirty="0"/>
+          </a:p>
+        </p:txBody>
+      </p:sp>
+      <p:sp>
+        <p:nvSpPr>
+          <p:cNvPr id="3" name="Content Placeholder 2"/>
+          <p:cNvSpPr>
+            <a:spLocks noGrp="1"/>
+          </p:cNvSpPr>
+          <p:nvPr>
+            <p:ph idx="1"/>
+          </p:nvPr>
+        </p:nvSpPr>
+        <p:spPr/>
+        <p:txBody>
+          <a:bodyPr>
+            <a:normAutofit/>
+          </a:bodyPr>
+          <a:lstStyle/>
+          <a:p>
+            <a:pPr marL="0" indent="0">
+              <a:buNone/>
+            </a:pPr>
+            <a:endParaRPr lang="en-US" dirty="0"/>
+          </a:p>
+        </p:txBody>
+      </p:sp>
+      <p:pic>
+        <p:nvPicPr>
+          <p:cNvPr id="4" name="Picture 3"/>
+          <p:cNvPicPr>
+            <a:picLocks noChangeAspect="1"/>
+          </p:cNvPicPr>
+          <p:nvPr/>
+        </p:nvPicPr>
+        <p:blipFill>
+          <a:blip r:embed="rId3"/>
+          <a:stretch>
+            <a:fillRect/>
+          </a:stretch>
+        </p:blipFill>
+        <p:spPr>
+          <a:xfrm>
+            <a:off x="609600" y="1219200"/>
+            <a:ext cx="7916333" cy="5470637"/>
+          </a:xfrm>
+          <a:prstGeom prst="rect">
+            <a:avLst/>
+          </a:prstGeom>
+        </p:spPr>
+      </p:pic>
+    </p:spTree>
+    <p:extLst>
+      <p:ext uri="{BB962C8B-B14F-4D97-AF65-F5344CB8AC3E}">
+        <p14:creationId xmlns:p14="http://schemas.microsoft.com/office/powerpoint/2010/main" val="1637810662"/>
       </p:ext>
     </p:extLst>
   </p:cSld>
@@ -18426,6 +17873,90 @@
     <p:extLst>
       <p:ext uri="{BB962C8B-B14F-4D97-AF65-F5344CB8AC3E}">
         <p14:creationId xmlns:p14="http://schemas.microsoft.com/office/powerpoint/2010/main" val="3303829947"/>
+      </p:ext>
+    </p:extLst>
+  </p:cSld>
+  <p:clrMapOvr>
+    <a:masterClrMapping/>
+  </p:clrMapOvr>
+  <p:timing>
+    <p:tnLst>
+      <p:par>
+        <p:cTn id="1" dur="indefinite" restart="never" nodeType="tmRoot"/>
+      </p:par>
+    </p:tnLst>
+  </p:timing>
+</p:sld>
+</file>
+
+<file path=ppt/slides/slide40.xml><?xml version="1.0" encoding="utf-8"?>
+<p:sld xmlns:a="http://schemas.openxmlformats.org/drawingml/2006/main" xmlns:r="http://schemas.openxmlformats.org/officeDocument/2006/relationships" xmlns:p="http://schemas.openxmlformats.org/presentationml/2006/main">
+  <p:cSld>
+    <p:spTree>
+      <p:nvGrpSpPr>
+        <p:cNvPr id="1" name=""/>
+        <p:cNvGrpSpPr/>
+        <p:nvPr/>
+      </p:nvGrpSpPr>
+      <p:grpSpPr>
+        <a:xfrm>
+          <a:off x="0" y="0"/>
+          <a:ext cx="0" cy="0"/>
+          <a:chOff x="0" y="0"/>
+          <a:chExt cx="0" cy="0"/>
+        </a:xfrm>
+      </p:grpSpPr>
+      <p:sp>
+        <p:nvSpPr>
+          <p:cNvPr id="2" name="Title 1"/>
+          <p:cNvSpPr>
+            <a:spLocks noGrp="1"/>
+          </p:cNvSpPr>
+          <p:nvPr>
+            <p:ph type="title"/>
+          </p:nvPr>
+        </p:nvSpPr>
+        <p:spPr/>
+        <p:txBody>
+          <a:bodyPr/>
+          <a:lstStyle/>
+          <a:p>
+            <a:r>
+              <a:rPr lang="en-US" dirty="0" smtClean="0"/>
+              <a:t>Express Server - Update</a:t>
+            </a:r>
+            <a:endParaRPr lang="en-US" dirty="0"/>
+          </a:p>
+        </p:txBody>
+      </p:sp>
+      <p:pic>
+        <p:nvPicPr>
+          <p:cNvPr id="17" name="Content Placeholder 16"/>
+          <p:cNvPicPr>
+            <a:picLocks noGrp="1" noChangeAspect="1"/>
+          </p:cNvPicPr>
+          <p:nvPr>
+            <p:ph idx="1"/>
+          </p:nvPr>
+        </p:nvPicPr>
+        <p:blipFill>
+          <a:blip r:embed="rId3"/>
+          <a:srcRect t="-8133" b="-8133"/>
+          <a:stretch>
+            <a:fillRect/>
+          </a:stretch>
+        </p:blipFill>
+        <p:spPr>
+          <a:xfrm>
+            <a:off x="1" y="1600200"/>
+            <a:ext cx="9186174" cy="5052042"/>
+          </a:xfrm>
+        </p:spPr>
+      </p:pic>
+    </p:spTree>
+    <p:extLst>
+      <p:ext uri="{BB962C8B-B14F-4D97-AF65-F5344CB8AC3E}">
+        <p14:creationId xmlns:p14="http://schemas.microsoft.com/office/powerpoint/2010/main" val="1434595165"/>
       </p:ext>
     </p:extLst>
   </p:cSld>
